--- a/GUI-design.pptx
+++ b/GUI-design.pptx
@@ -4,10 +4,18 @@
   <p:sldMasterIdLst>
     <p:sldMasterId id="2147483648" r:id="rId1"/>
   </p:sldMasterIdLst>
+  <p:notesMasterIdLst>
+    <p:notesMasterId r:id="rId10"/>
+  </p:notesMasterIdLst>
   <p:sldIdLst>
     <p:sldId id="256" r:id="rId2"/>
-    <p:sldId id="258" r:id="rId3"/>
-    <p:sldId id="257" r:id="rId4"/>
+    <p:sldId id="260" r:id="rId3"/>
+    <p:sldId id="261" r:id="rId4"/>
+    <p:sldId id="258" r:id="rId5"/>
+    <p:sldId id="263" r:id="rId6"/>
+    <p:sldId id="259" r:id="rId7"/>
+    <p:sldId id="262" r:id="rId8"/>
+    <p:sldId id="264" r:id="rId9"/>
   </p:sldIdLst>
   <p:sldSz cx="12192000" cy="6858000"/>
   <p:notesSz cx="6858000" cy="9144000"/>
@@ -133,8 +141,357 @@
       <inkml:brushProperty name="color" value="#FFFFFF"/>
     </inkml:brush>
   </inkml:definitions>
-  <inkml:trace contextRef="#ctx0" brushRef="#br0">0 6496 8027,'20'-73'0,"-4"25"0,3 0 0,-3-1 0,3-1 0,8-9 0,4-3 0,-3 5 0,3-4 0,1 0 0,4-4 0,2-1 0,2-3-334,-3 4 1,3-2 0,1-1 0,0 1 0,1 1 0,0 1 0,1-1-1,2-1 334,4-8 0,2-1 0,2-1 0,0 1-108,0 0 1,1 1-1,1-2 1,4-2-1,-9 12 1,2-2-1,3-2 1,0 0-1,1-1 1,-1 1 107,0 1 0,1 1 0,-1 0 0,2-1 0,1 0 0,3-3 0,-7 8 0,3-2 0,1-1 0,1-1 0,0 1 0,1 0 0,-2 2 0,-1 3-211,8-9 0,-2 3 0,0 3 0,1-1 0,0 0 0,3-2 211,-2 1 0,4-3 0,0-1 0,1 0 0,0 2 0,-2 3 0,-3 5 0,8-5 0,-4 6 0,0 3 0,1-1 0,3-3 0,1 0 0,3-4 0,3 0 0,-1 0 0,-1 3 0,-5 5 0,-5 5 0,-4 4 0,0 1 0,-1 2 0,2-2-61,5-3 0,2 0 1,0-1-1,-1 3 0,-2 2 1,3 0-1,-2 3 0,0 1 1,-1 1 60,0 3 0,-1 1 0,0 1 0,-1 1 0,17-7 0,-1 2 0,1-1 0,-15 6 0,2-1 0,-2 1 0,-4 4 0,26-10 0,-6 4 0,-5 0 0,-3 2 190,-13 5 1,-2 1 0,3-4-1,-3 2-190,22-16 0,3-1 1142,-26 14-1142,-5 1 0,-17 9 1290,-11 6 1,-11 6-1291,-5 4 1068,-4 4-1068,2-7 0,-11 9 0,-6-6 0,-19 9 0,-24 1 0,-27 4 0,-5 3 0,13 1 0,-6 2 0,0 1 0,1 0 0,4-2 0,1 0 0,4 0 0,1-1 0,3-1 0,3-1 0,-41 5 0,45-5 0,2-1 0,-19 2 0,-9 2 0,20-3 0,18-3 0,53-1 0,30-5 0,6-1 0,7-1 0,-2-2 0,3-1 0,17-4 0,3-1 0,-11 3 0,0 1 0,13-1 0,0 2 0,-8 3 0,-2 1 0,0 0 0,0 1 0,-3 1 0,-2 1 0,32 0 0,3 0 0,-22 3 0,-2 4 0,-30 13 0,-17 13 0,-52 16 0,-32 24 0,8-30 0,-6 1 0,-6 10 0,-4 4 0,14-12 0,-1 2 0,2-1 0,-13 15 0,2 0-214,-3 5 1,1 0 213,2 2 0,3-2 0,18-15 0,1-2-9,-7 9 1,1 0 0,7-7 0,1-1 8,-1 1 0,-1 0 0,-1-4 0,0-1 0,4-4 0,0-1 0</inkml:trace>
+  <inkml:trace contextRef="#ctx0" brushRef="#br0">0 6497 8027,'20'-74'0,"-4"27"0,3-2 0,-3 0 0,3-1 0,8-8 0,4-5 0,-3 6 0,3-3 0,1-2 0,4-3 0,2-1 0,2-3-334,-3 5 1,3-3 0,1-1 0,0 1 0,1 0 0,0 2 0,1-1-1,2-1 334,4-8 0,2-1 0,2-1 0,0 1-108,0 0 1,1 1-1,1-1 1,4-4-1,-9 13 1,2-2-1,3-2 1,0 0-1,1-1 1,-1 2 107,0 0 0,1 1 0,-1-1 0,2 1 0,1-2 0,3-2 0,-7 8 0,3-1 0,1-3 0,1 1 0,0-1 0,1 1 0,-2 2 0,-1 3-211,8-9 0,-2 4 0,0 1 0,1 0 0,0 0 0,3-2 211,-2 1 0,4-3 0,0-1 0,1 1 0,0 1 0,-2 3 0,-3 4 0,8-3 0,-4 5 0,0 2 0,1 0 0,3-2 0,1-2 0,3-2 0,3-2 0,-1 2 0,-1 1 0,-5 6 0,-5 5 0,-4 4 0,0 2 0,-1 0 0,2-1-61,5-3 0,2 0 1,0 0-1,-1 1 0,-2 4 1,3-2-1,-2 4 0,0 1 1,-1 2 60,0 1 0,-1 2 0,0 1 0,-1 1 0,17-7 0,-1 2 0,1-1 0,-15 7 0,2-3 0,-2 2 0,-4 4 0,26-10 0,-6 4 0,-5 0 0,-3 2 190,-13 5 1,-2 1 0,3-4-1,-3 2-190,22-15 0,3-3 1142,-26 15-1142,-5 1 0,-17 9 1290,-11 6 1,-11 7-1291,-5 2 1068,-4 5-1068,2-7 0,-11 9 0,-6-6 0,-19 9 0,-24 2 0,-27 2 0,-5 4 0,13 2 0,-6 1 0,0 0 0,1 1 0,4-1 0,1-1 0,4-1 0,1 0 0,3-1 0,3-1 0,-41 5 0,45-5 0,2-1 0,-19 2 0,-9 2 0,20-3 0,18-2 0,53-2 0,30-6 0,6 0 0,7-1 0,-2-1 0,3-2 0,17-5 0,3 0 0,-11 3 0,0 2 0,13-2 0,0 1 0,-8 4 0,-2 1 0,0 0 0,0 1 0,-3 1 0,-2 1 0,32 0 0,3 1 0,-22 1 0,-2 5 0,-30 13 0,-17 13 0,-52 16 0,-32 24 0,8-30 0,-6 1 0,-6 10 0,-4 4 0,14-12 0,-1 2 0,2-1 0,-13 15 0,2 0-214,-3 5 1,1 1 213,2 0 0,3-1 0,18-15 0,1-1-9,-7 7 1,1 1 0,7-7 0,1-1 8,-1 1 0,-1 0 0,-1-3 0,0-2 0,4-5 0,0 0 0</inkml:trace>
 </inkml:ink>
+</file>
+
+<file path=ppt/notesMasters/notesMaster1.xml><?xml version="1.0" encoding="utf-8"?>
+<p:notesMaster xmlns:a="http://schemas.openxmlformats.org/drawingml/2006/main" xmlns:r="http://schemas.openxmlformats.org/officeDocument/2006/relationships" xmlns:p="http://schemas.openxmlformats.org/presentationml/2006/main">
+  <p:cSld>
+    <p:bg>
+      <p:bgRef idx="1001">
+        <a:schemeClr val="bg1"/>
+      </p:bgRef>
+    </p:bg>
+    <p:spTree>
+      <p:nvGrpSpPr>
+        <p:cNvPr id="1" name=""/>
+        <p:cNvGrpSpPr/>
+        <p:nvPr/>
+      </p:nvGrpSpPr>
+      <p:grpSpPr>
+        <a:xfrm>
+          <a:off x="0" y="0"/>
+          <a:ext cx="0" cy="0"/>
+          <a:chOff x="0" y="0"/>
+          <a:chExt cx="0" cy="0"/>
+        </a:xfrm>
+      </p:grpSpPr>
+      <p:sp>
+        <p:nvSpPr>
+          <p:cNvPr id="2" name="Header Placeholder 1"/>
+          <p:cNvSpPr>
+            <a:spLocks noGrp="1"/>
+          </p:cNvSpPr>
+          <p:nvPr>
+            <p:ph type="hdr" sz="quarter"/>
+          </p:nvPr>
+        </p:nvSpPr>
+        <p:spPr>
+          <a:xfrm>
+            <a:off x="0" y="0"/>
+            <a:ext cx="2971800" cy="458788"/>
+          </a:xfrm>
+          <a:prstGeom prst="rect">
+            <a:avLst/>
+          </a:prstGeom>
+        </p:spPr>
+        <p:txBody>
+          <a:bodyPr vert="horz" lIns="91440" tIns="45720" rIns="91440" bIns="45720" rtlCol="0"/>
+          <a:lstStyle>
+            <a:lvl1pPr algn="l">
+              <a:defRPr sz="1200"/>
+            </a:lvl1pPr>
+          </a:lstStyle>
+          <a:p>
+            <a:endParaRPr lang="en-US"/>
+          </a:p>
+        </p:txBody>
+      </p:sp>
+      <p:sp>
+        <p:nvSpPr>
+          <p:cNvPr id="3" name="Date Placeholder 2"/>
+          <p:cNvSpPr>
+            <a:spLocks noGrp="1"/>
+          </p:cNvSpPr>
+          <p:nvPr>
+            <p:ph type="dt" idx="1"/>
+          </p:nvPr>
+        </p:nvSpPr>
+        <p:spPr>
+          <a:xfrm>
+            <a:off x="3884613" y="0"/>
+            <a:ext cx="2971800" cy="458788"/>
+          </a:xfrm>
+          <a:prstGeom prst="rect">
+            <a:avLst/>
+          </a:prstGeom>
+        </p:spPr>
+        <p:txBody>
+          <a:bodyPr vert="horz" lIns="91440" tIns="45720" rIns="91440" bIns="45720" rtlCol="0"/>
+          <a:lstStyle>
+            <a:lvl1pPr algn="r">
+              <a:defRPr sz="1200"/>
+            </a:lvl1pPr>
+          </a:lstStyle>
+          <a:p>
+            <a:fld id="{241CD573-D599-2847-BBDA-6BFAA524DB5F}" type="datetimeFigureOut">
+              <a:rPr lang="en-US" smtClean="0"/>
+              <a:t>11/20/25</a:t>
+            </a:fld>
+            <a:endParaRPr lang="en-US"/>
+          </a:p>
+        </p:txBody>
+      </p:sp>
+      <p:sp>
+        <p:nvSpPr>
+          <p:cNvPr id="4" name="Slide Image Placeholder 3"/>
+          <p:cNvSpPr>
+            <a:spLocks noGrp="1" noRot="1" noChangeAspect="1"/>
+          </p:cNvSpPr>
+          <p:nvPr>
+            <p:ph type="sldImg" idx="2"/>
+          </p:nvPr>
+        </p:nvSpPr>
+        <p:spPr>
+          <a:xfrm>
+            <a:off x="685800" y="1143000"/>
+            <a:ext cx="5486400" cy="3086100"/>
+          </a:xfrm>
+          <a:prstGeom prst="rect">
+            <a:avLst/>
+          </a:prstGeom>
+          <a:noFill/>
+          <a:ln w="12700">
+            <a:solidFill>
+              <a:prstClr val="black"/>
+            </a:solidFill>
+          </a:ln>
+        </p:spPr>
+        <p:txBody>
+          <a:bodyPr vert="horz" lIns="91440" tIns="45720" rIns="91440" bIns="45720" rtlCol="0" anchor="ctr"/>
+          <a:lstStyle/>
+          <a:p>
+            <a:endParaRPr lang="en-US"/>
+          </a:p>
+        </p:txBody>
+      </p:sp>
+      <p:sp>
+        <p:nvSpPr>
+          <p:cNvPr id="5" name="Notes Placeholder 4"/>
+          <p:cNvSpPr>
+            <a:spLocks noGrp="1"/>
+          </p:cNvSpPr>
+          <p:nvPr>
+            <p:ph type="body" sz="quarter" idx="3"/>
+          </p:nvPr>
+        </p:nvSpPr>
+        <p:spPr>
+          <a:xfrm>
+            <a:off x="685800" y="4400550"/>
+            <a:ext cx="5486400" cy="3600450"/>
+          </a:xfrm>
+          <a:prstGeom prst="rect">
+            <a:avLst/>
+          </a:prstGeom>
+        </p:spPr>
+        <p:txBody>
+          <a:bodyPr vert="horz" lIns="91440" tIns="45720" rIns="91440" bIns="45720" rtlCol="0"/>
+          <a:lstStyle/>
+          <a:p>
+            <a:pPr lvl="0"/>
+            <a:r>
+              <a:rPr lang="en-US"/>
+              <a:t>Click to edit Master text styles</a:t>
+            </a:r>
+          </a:p>
+          <a:p>
+            <a:pPr lvl="1"/>
+            <a:r>
+              <a:rPr lang="en-US"/>
+              <a:t>Second level</a:t>
+            </a:r>
+          </a:p>
+          <a:p>
+            <a:pPr lvl="2"/>
+            <a:r>
+              <a:rPr lang="en-US"/>
+              <a:t>Third level</a:t>
+            </a:r>
+          </a:p>
+          <a:p>
+            <a:pPr lvl="3"/>
+            <a:r>
+              <a:rPr lang="en-US"/>
+              <a:t>Fourth level</a:t>
+            </a:r>
+          </a:p>
+          <a:p>
+            <a:pPr lvl="4"/>
+            <a:r>
+              <a:rPr lang="en-US"/>
+              <a:t>Fifth level</a:t>
+            </a:r>
+          </a:p>
+        </p:txBody>
+      </p:sp>
+      <p:sp>
+        <p:nvSpPr>
+          <p:cNvPr id="6" name="Footer Placeholder 5"/>
+          <p:cNvSpPr>
+            <a:spLocks noGrp="1"/>
+          </p:cNvSpPr>
+          <p:nvPr>
+            <p:ph type="ftr" sz="quarter" idx="4"/>
+          </p:nvPr>
+        </p:nvSpPr>
+        <p:spPr>
+          <a:xfrm>
+            <a:off x="0" y="8685213"/>
+            <a:ext cx="2971800" cy="458787"/>
+          </a:xfrm>
+          <a:prstGeom prst="rect">
+            <a:avLst/>
+          </a:prstGeom>
+        </p:spPr>
+        <p:txBody>
+          <a:bodyPr vert="horz" lIns="91440" tIns="45720" rIns="91440" bIns="45720" rtlCol="0" anchor="b"/>
+          <a:lstStyle>
+            <a:lvl1pPr algn="l">
+              <a:defRPr sz="1200"/>
+            </a:lvl1pPr>
+          </a:lstStyle>
+          <a:p>
+            <a:endParaRPr lang="en-US"/>
+          </a:p>
+        </p:txBody>
+      </p:sp>
+      <p:sp>
+        <p:nvSpPr>
+          <p:cNvPr id="7" name="Slide Number Placeholder 6"/>
+          <p:cNvSpPr>
+            <a:spLocks noGrp="1"/>
+          </p:cNvSpPr>
+          <p:nvPr>
+            <p:ph type="sldNum" sz="quarter" idx="5"/>
+          </p:nvPr>
+        </p:nvSpPr>
+        <p:spPr>
+          <a:xfrm>
+            <a:off x="3884613" y="8685213"/>
+            <a:ext cx="2971800" cy="458787"/>
+          </a:xfrm>
+          <a:prstGeom prst="rect">
+            <a:avLst/>
+          </a:prstGeom>
+        </p:spPr>
+        <p:txBody>
+          <a:bodyPr vert="horz" lIns="91440" tIns="45720" rIns="91440" bIns="45720" rtlCol="0" anchor="b"/>
+          <a:lstStyle>
+            <a:lvl1pPr algn="r">
+              <a:defRPr sz="1200"/>
+            </a:lvl1pPr>
+          </a:lstStyle>
+          <a:p>
+            <a:fld id="{A44DE004-1C1C-C548-8FF1-8095E8920193}" type="slidenum">
+              <a:rPr lang="en-US" smtClean="0"/>
+              <a:t>‹#›</a:t>
+            </a:fld>
+            <a:endParaRPr lang="en-US"/>
+          </a:p>
+        </p:txBody>
+      </p:sp>
+    </p:spTree>
+    <p:extLst>
+      <p:ext uri="{BB962C8B-B14F-4D97-AF65-F5344CB8AC3E}">
+        <p14:creationId xmlns:p14="http://schemas.microsoft.com/office/powerpoint/2010/main" val="2408414532"/>
+      </p:ext>
+    </p:extLst>
+  </p:cSld>
+  <p:clrMap bg1="lt1" tx1="dk1" bg2="lt2" tx2="dk2" accent1="accent1" accent2="accent2" accent3="accent3" accent4="accent4" accent5="accent5" accent6="accent6" hlink="hlink" folHlink="folHlink"/>
+  <p:notesStyle>
+    <a:lvl1pPr marL="0" algn="l" defTabSz="914400" rtl="0" eaLnBrk="1" latinLnBrk="0" hangingPunct="1">
+      <a:defRPr sz="1200" kern="1200">
+        <a:solidFill>
+          <a:schemeClr val="tx1"/>
+        </a:solidFill>
+        <a:latin typeface="+mn-lt"/>
+        <a:ea typeface="+mn-ea"/>
+        <a:cs typeface="+mn-cs"/>
+      </a:defRPr>
+    </a:lvl1pPr>
+    <a:lvl2pPr marL="457200" algn="l" defTabSz="914400" rtl="0" eaLnBrk="1" latinLnBrk="0" hangingPunct="1">
+      <a:defRPr sz="1200" kern="1200">
+        <a:solidFill>
+          <a:schemeClr val="tx1"/>
+        </a:solidFill>
+        <a:latin typeface="+mn-lt"/>
+        <a:ea typeface="+mn-ea"/>
+        <a:cs typeface="+mn-cs"/>
+      </a:defRPr>
+    </a:lvl2pPr>
+    <a:lvl3pPr marL="914400" algn="l" defTabSz="914400" rtl="0" eaLnBrk="1" latinLnBrk="0" hangingPunct="1">
+      <a:defRPr sz="1200" kern="1200">
+        <a:solidFill>
+          <a:schemeClr val="tx1"/>
+        </a:solidFill>
+        <a:latin typeface="+mn-lt"/>
+        <a:ea typeface="+mn-ea"/>
+        <a:cs typeface="+mn-cs"/>
+      </a:defRPr>
+    </a:lvl3pPr>
+    <a:lvl4pPr marL="1371600" algn="l" defTabSz="914400" rtl="0" eaLnBrk="1" latinLnBrk="0" hangingPunct="1">
+      <a:defRPr sz="1200" kern="1200">
+        <a:solidFill>
+          <a:schemeClr val="tx1"/>
+        </a:solidFill>
+        <a:latin typeface="+mn-lt"/>
+        <a:ea typeface="+mn-ea"/>
+        <a:cs typeface="+mn-cs"/>
+      </a:defRPr>
+    </a:lvl4pPr>
+    <a:lvl5pPr marL="1828800" algn="l" defTabSz="914400" rtl="0" eaLnBrk="1" latinLnBrk="0" hangingPunct="1">
+      <a:defRPr sz="1200" kern="1200">
+        <a:solidFill>
+          <a:schemeClr val="tx1"/>
+        </a:solidFill>
+        <a:latin typeface="+mn-lt"/>
+        <a:ea typeface="+mn-ea"/>
+        <a:cs typeface="+mn-cs"/>
+      </a:defRPr>
+    </a:lvl5pPr>
+    <a:lvl6pPr marL="2286000" algn="l" defTabSz="914400" rtl="0" eaLnBrk="1" latinLnBrk="0" hangingPunct="1">
+      <a:defRPr sz="1200" kern="1200">
+        <a:solidFill>
+          <a:schemeClr val="tx1"/>
+        </a:solidFill>
+        <a:latin typeface="+mn-lt"/>
+        <a:ea typeface="+mn-ea"/>
+        <a:cs typeface="+mn-cs"/>
+      </a:defRPr>
+    </a:lvl6pPr>
+    <a:lvl7pPr marL="2743200" algn="l" defTabSz="914400" rtl="0" eaLnBrk="1" latinLnBrk="0" hangingPunct="1">
+      <a:defRPr sz="1200" kern="1200">
+        <a:solidFill>
+          <a:schemeClr val="tx1"/>
+        </a:solidFill>
+        <a:latin typeface="+mn-lt"/>
+        <a:ea typeface="+mn-ea"/>
+        <a:cs typeface="+mn-cs"/>
+      </a:defRPr>
+    </a:lvl7pPr>
+    <a:lvl8pPr marL="3200400" algn="l" defTabSz="914400" rtl="0" eaLnBrk="1" latinLnBrk="0" hangingPunct="1">
+      <a:defRPr sz="1200" kern="1200">
+        <a:solidFill>
+          <a:schemeClr val="tx1"/>
+        </a:solidFill>
+        <a:latin typeface="+mn-lt"/>
+        <a:ea typeface="+mn-ea"/>
+        <a:cs typeface="+mn-cs"/>
+      </a:defRPr>
+    </a:lvl8pPr>
+    <a:lvl9pPr marL="3657600" algn="l" defTabSz="914400" rtl="0" eaLnBrk="1" latinLnBrk="0" hangingPunct="1">
+      <a:defRPr sz="1200" kern="1200">
+        <a:solidFill>
+          <a:schemeClr val="tx1"/>
+        </a:solidFill>
+        <a:latin typeface="+mn-lt"/>
+        <a:ea typeface="+mn-ea"/>
+        <a:cs typeface="+mn-cs"/>
+      </a:defRPr>
+    </a:lvl9pPr>
+  </p:notesStyle>
+</p:notesMaster>
 </file>
 
 <file path=ppt/slideLayouts/slideLayout1.xml><?xml version="1.0" encoding="utf-8"?>
@@ -172,7 +529,7 @@
         </p:nvSpPr>
         <p:spPr>
           <a:xfrm>
-            <a:off x="1524000" y="1122363"/>
+            <a:off x="1524004" y="1122363"/>
             <a:ext cx="9144000" cy="2387600"/>
           </a:xfrm>
         </p:spPr>
@@ -180,7 +537,7 @@
           <a:bodyPr anchor="b"/>
           <a:lstStyle>
             <a:lvl1pPr algn="ctr">
-              <a:defRPr sz="6000"/>
+              <a:defRPr sz="6001"/>
             </a:lvl1pPr>
           </a:lstStyle>
           <a:p>
@@ -209,7 +566,7 @@
         </p:nvSpPr>
         <p:spPr>
           <a:xfrm>
-            <a:off x="1524000" y="3602038"/>
+            <a:off x="1524004" y="3602038"/>
             <a:ext cx="9144000" cy="1655762"/>
           </a:xfrm>
         </p:spPr>
@@ -218,39 +575,39 @@
           <a:lstStyle>
             <a:lvl1pPr marL="0" indent="0" algn="ctr">
               <a:buNone/>
-              <a:defRPr sz="2400"/>
+              <a:defRPr sz="2401"/>
             </a:lvl1pPr>
-            <a:lvl2pPr marL="457200" indent="0" algn="ctr">
+            <a:lvl2pPr marL="457220" indent="0" algn="ctr">
               <a:buNone/>
-              <a:defRPr sz="2000"/>
+              <a:defRPr sz="2001"/>
             </a:lvl2pPr>
-            <a:lvl3pPr marL="914400" indent="0" algn="ctr">
+            <a:lvl3pPr marL="914438" indent="0" algn="ctr">
               <a:buNone/>
               <a:defRPr sz="1800"/>
             </a:lvl3pPr>
-            <a:lvl4pPr marL="1371600" indent="0" algn="ctr">
+            <a:lvl4pPr marL="1371656" indent="0" algn="ctr">
               <a:buNone/>
-              <a:defRPr sz="1600"/>
+              <a:defRPr sz="1601"/>
             </a:lvl4pPr>
-            <a:lvl5pPr marL="1828800" indent="0" algn="ctr">
+            <a:lvl5pPr marL="1828875" indent="0" algn="ctr">
               <a:buNone/>
-              <a:defRPr sz="1600"/>
+              <a:defRPr sz="1601"/>
             </a:lvl5pPr>
-            <a:lvl6pPr marL="2286000" indent="0" algn="ctr">
+            <a:lvl6pPr marL="2286094" indent="0" algn="ctr">
               <a:buNone/>
-              <a:defRPr sz="1600"/>
+              <a:defRPr sz="1601"/>
             </a:lvl6pPr>
-            <a:lvl7pPr marL="2743200" indent="0" algn="ctr">
+            <a:lvl7pPr marL="2743313" indent="0" algn="ctr">
               <a:buNone/>
-              <a:defRPr sz="1600"/>
+              <a:defRPr sz="1601"/>
             </a:lvl7pPr>
-            <a:lvl8pPr marL="3200400" indent="0" algn="ctr">
+            <a:lvl8pPr marL="3200530" indent="0" algn="ctr">
               <a:buNone/>
-              <a:defRPr sz="1600"/>
+              <a:defRPr sz="1601"/>
             </a:lvl8pPr>
-            <a:lvl9pPr marL="3657600" indent="0" algn="ctr">
+            <a:lvl9pPr marL="3657749" indent="0" algn="ctr">
               <a:buNone/>
-              <a:defRPr sz="1600"/>
+              <a:defRPr sz="1601"/>
             </a:lvl9pPr>
           </a:lstStyle>
           <a:p>
@@ -590,7 +947,7 @@
         </p:nvSpPr>
         <p:spPr>
           <a:xfrm>
-            <a:off x="8724900" y="365125"/>
+            <a:off x="8724901" y="365125"/>
             <a:ext cx="2628900" cy="5811838"/>
           </a:xfrm>
         </p:spPr>
@@ -623,7 +980,7 @@
         </p:nvSpPr>
         <p:spPr>
           <a:xfrm>
-            <a:off x="838200" y="365125"/>
+            <a:off x="838205" y="365125"/>
             <a:ext cx="7734300" cy="5811838"/>
           </a:xfrm>
         </p:spPr>
@@ -996,15 +1353,15 @@
         </p:nvSpPr>
         <p:spPr>
           <a:xfrm>
-            <a:off x="831850" y="1709738"/>
-            <a:ext cx="10515600" cy="2852737"/>
+            <a:off x="831851" y="1709741"/>
+            <a:ext cx="10515601" cy="2852737"/>
           </a:xfrm>
         </p:spPr>
         <p:txBody>
           <a:bodyPr anchor="b"/>
           <a:lstStyle>
             <a:lvl1pPr>
-              <a:defRPr sz="6000"/>
+              <a:defRPr sz="6001"/>
             </a:lvl1pPr>
           </a:lstStyle>
           <a:p>
@@ -1033,8 +1390,8 @@
         </p:nvSpPr>
         <p:spPr>
           <a:xfrm>
-            <a:off x="831850" y="4589463"/>
-            <a:ext cx="10515600" cy="1500187"/>
+            <a:off x="831851" y="4589466"/>
+            <a:ext cx="10515601" cy="1500187"/>
           </a:xfrm>
         </p:spPr>
         <p:txBody>
@@ -1042,7 +1399,7 @@
           <a:lstStyle>
             <a:lvl1pPr marL="0" indent="0">
               <a:buNone/>
-              <a:defRPr sz="2400">
+              <a:defRPr sz="2401">
                 <a:solidFill>
                   <a:schemeClr val="tx1">
                     <a:tint val="75000"/>
@@ -1050,9 +1407,9 @@
                 </a:solidFill>
               </a:defRPr>
             </a:lvl1pPr>
-            <a:lvl2pPr marL="457200" indent="0">
+            <a:lvl2pPr marL="457220" indent="0">
               <a:buNone/>
-              <a:defRPr sz="2000">
+              <a:defRPr sz="2001">
                 <a:solidFill>
                   <a:schemeClr val="tx1">
                     <a:tint val="75000"/>
@@ -1060,7 +1417,7 @@
                 </a:solidFill>
               </a:defRPr>
             </a:lvl2pPr>
-            <a:lvl3pPr marL="914400" indent="0">
+            <a:lvl3pPr marL="914438" indent="0">
               <a:buNone/>
               <a:defRPr sz="1800">
                 <a:solidFill>
@@ -1070,9 +1427,9 @@
                 </a:solidFill>
               </a:defRPr>
             </a:lvl3pPr>
-            <a:lvl4pPr marL="1371600" indent="0">
+            <a:lvl4pPr marL="1371656" indent="0">
               <a:buNone/>
-              <a:defRPr sz="1600">
+              <a:defRPr sz="1601">
                 <a:solidFill>
                   <a:schemeClr val="tx1">
                     <a:tint val="75000"/>
@@ -1080,9 +1437,9 @@
                 </a:solidFill>
               </a:defRPr>
             </a:lvl4pPr>
-            <a:lvl5pPr marL="1828800" indent="0">
+            <a:lvl5pPr marL="1828875" indent="0">
               <a:buNone/>
-              <a:defRPr sz="1600">
+              <a:defRPr sz="1601">
                 <a:solidFill>
                   <a:schemeClr val="tx1">
                     <a:tint val="75000"/>
@@ -1090,9 +1447,9 @@
                 </a:solidFill>
               </a:defRPr>
             </a:lvl5pPr>
-            <a:lvl6pPr marL="2286000" indent="0">
+            <a:lvl6pPr marL="2286094" indent="0">
               <a:buNone/>
-              <a:defRPr sz="1600">
+              <a:defRPr sz="1601">
                 <a:solidFill>
                   <a:schemeClr val="tx1">
                     <a:tint val="75000"/>
@@ -1100,9 +1457,9 @@
                 </a:solidFill>
               </a:defRPr>
             </a:lvl6pPr>
-            <a:lvl7pPr marL="2743200" indent="0">
+            <a:lvl7pPr marL="2743313" indent="0">
               <a:buNone/>
-              <a:defRPr sz="1600">
+              <a:defRPr sz="1601">
                 <a:solidFill>
                   <a:schemeClr val="tx1">
                     <a:tint val="75000"/>
@@ -1110,9 +1467,9 @@
                 </a:solidFill>
               </a:defRPr>
             </a:lvl7pPr>
-            <a:lvl8pPr marL="3200400" indent="0">
+            <a:lvl8pPr marL="3200530" indent="0">
               <a:buNone/>
-              <a:defRPr sz="1600">
+              <a:defRPr sz="1601">
                 <a:solidFill>
                   <a:schemeClr val="tx1">
                     <a:tint val="75000"/>
@@ -1120,9 +1477,9 @@
                 </a:solidFill>
               </a:defRPr>
             </a:lvl8pPr>
-            <a:lvl9pPr marL="3657600" indent="0">
+            <a:lvl9pPr marL="3657749" indent="0">
               <a:buNone/>
-              <a:defRPr sz="1600">
+              <a:defRPr sz="1601">
                 <a:solidFill>
                   <a:schemeClr val="tx1">
                     <a:tint val="75000"/>
@@ -1299,7 +1656,7 @@
         </p:nvSpPr>
         <p:spPr>
           <a:xfrm>
-            <a:off x="838200" y="1825625"/>
+            <a:off x="838203" y="1825625"/>
             <a:ext cx="5181600" cy="4351338"/>
           </a:xfrm>
         </p:spPr>
@@ -1361,7 +1718,7 @@
         </p:nvSpPr>
         <p:spPr>
           <a:xfrm>
-            <a:off x="6172200" y="1825625"/>
+            <a:off x="6172202" y="1825625"/>
             <a:ext cx="5181600" cy="4351338"/>
           </a:xfrm>
         </p:spPr>
@@ -1536,8 +1893,8 @@
         </p:nvSpPr>
         <p:spPr>
           <a:xfrm>
-            <a:off x="839788" y="365125"/>
-            <a:ext cx="10515600" cy="1325563"/>
+            <a:off x="839789" y="365126"/>
+            <a:ext cx="10515601" cy="1325563"/>
           </a:xfrm>
         </p:spPr>
         <p:txBody>
@@ -1569,8 +1926,8 @@
         </p:nvSpPr>
         <p:spPr>
           <a:xfrm>
-            <a:off x="839788" y="1681163"/>
-            <a:ext cx="5157787" cy="823912"/>
+            <a:off x="839789" y="1681164"/>
+            <a:ext cx="5157786" cy="823912"/>
           </a:xfrm>
         </p:spPr>
         <p:txBody>
@@ -1578,39 +1935,39 @@
           <a:lstStyle>
             <a:lvl1pPr marL="0" indent="0">
               <a:buNone/>
-              <a:defRPr sz="2400" b="1"/>
+              <a:defRPr sz="2401" b="1"/>
             </a:lvl1pPr>
-            <a:lvl2pPr marL="457200" indent="0">
+            <a:lvl2pPr marL="457220" indent="0">
               <a:buNone/>
-              <a:defRPr sz="2000" b="1"/>
+              <a:defRPr sz="2001" b="1"/>
             </a:lvl2pPr>
-            <a:lvl3pPr marL="914400" indent="0">
+            <a:lvl3pPr marL="914438" indent="0">
               <a:buNone/>
               <a:defRPr sz="1800" b="1"/>
             </a:lvl3pPr>
-            <a:lvl4pPr marL="1371600" indent="0">
+            <a:lvl4pPr marL="1371656" indent="0">
               <a:buNone/>
-              <a:defRPr sz="1600" b="1"/>
+              <a:defRPr sz="1601" b="1"/>
             </a:lvl4pPr>
-            <a:lvl5pPr marL="1828800" indent="0">
+            <a:lvl5pPr marL="1828875" indent="0">
               <a:buNone/>
-              <a:defRPr sz="1600" b="1"/>
+              <a:defRPr sz="1601" b="1"/>
             </a:lvl5pPr>
-            <a:lvl6pPr marL="2286000" indent="0">
+            <a:lvl6pPr marL="2286094" indent="0">
               <a:buNone/>
-              <a:defRPr sz="1600" b="1"/>
+              <a:defRPr sz="1601" b="1"/>
             </a:lvl6pPr>
-            <a:lvl7pPr marL="2743200" indent="0">
+            <a:lvl7pPr marL="2743313" indent="0">
               <a:buNone/>
-              <a:defRPr sz="1600" b="1"/>
+              <a:defRPr sz="1601" b="1"/>
             </a:lvl7pPr>
-            <a:lvl8pPr marL="3200400" indent="0">
+            <a:lvl8pPr marL="3200530" indent="0">
               <a:buNone/>
-              <a:defRPr sz="1600" b="1"/>
+              <a:defRPr sz="1601" b="1"/>
             </a:lvl8pPr>
-            <a:lvl9pPr marL="3657600" indent="0">
+            <a:lvl9pPr marL="3657749" indent="0">
               <a:buNone/>
-              <a:defRPr sz="1600" b="1"/>
+              <a:defRPr sz="1601" b="1"/>
             </a:lvl9pPr>
           </a:lstStyle>
           <a:p>
@@ -1640,8 +1997,8 @@
         </p:nvSpPr>
         <p:spPr>
           <a:xfrm>
-            <a:off x="839788" y="2505075"/>
-            <a:ext cx="5157787" cy="3684588"/>
+            <a:off x="839789" y="2505075"/>
+            <a:ext cx="5157786" cy="3684588"/>
           </a:xfrm>
         </p:spPr>
         <p:txBody>
@@ -1702,8 +2059,8 @@
         </p:nvSpPr>
         <p:spPr>
           <a:xfrm>
-            <a:off x="6172200" y="1681163"/>
-            <a:ext cx="5183188" cy="823912"/>
+            <a:off x="6172202" y="1681164"/>
+            <a:ext cx="5183187" cy="823912"/>
           </a:xfrm>
         </p:spPr>
         <p:txBody>
@@ -1711,39 +2068,39 @@
           <a:lstStyle>
             <a:lvl1pPr marL="0" indent="0">
               <a:buNone/>
-              <a:defRPr sz="2400" b="1"/>
+              <a:defRPr sz="2401" b="1"/>
             </a:lvl1pPr>
-            <a:lvl2pPr marL="457200" indent="0">
+            <a:lvl2pPr marL="457220" indent="0">
               <a:buNone/>
-              <a:defRPr sz="2000" b="1"/>
+              <a:defRPr sz="2001" b="1"/>
             </a:lvl2pPr>
-            <a:lvl3pPr marL="914400" indent="0">
+            <a:lvl3pPr marL="914438" indent="0">
               <a:buNone/>
               <a:defRPr sz="1800" b="1"/>
             </a:lvl3pPr>
-            <a:lvl4pPr marL="1371600" indent="0">
+            <a:lvl4pPr marL="1371656" indent="0">
               <a:buNone/>
-              <a:defRPr sz="1600" b="1"/>
+              <a:defRPr sz="1601" b="1"/>
             </a:lvl4pPr>
-            <a:lvl5pPr marL="1828800" indent="0">
+            <a:lvl5pPr marL="1828875" indent="0">
               <a:buNone/>
-              <a:defRPr sz="1600" b="1"/>
+              <a:defRPr sz="1601" b="1"/>
             </a:lvl5pPr>
-            <a:lvl6pPr marL="2286000" indent="0">
+            <a:lvl6pPr marL="2286094" indent="0">
               <a:buNone/>
-              <a:defRPr sz="1600" b="1"/>
+              <a:defRPr sz="1601" b="1"/>
             </a:lvl6pPr>
-            <a:lvl7pPr marL="2743200" indent="0">
+            <a:lvl7pPr marL="2743313" indent="0">
               <a:buNone/>
-              <a:defRPr sz="1600" b="1"/>
+              <a:defRPr sz="1601" b="1"/>
             </a:lvl7pPr>
-            <a:lvl8pPr marL="3200400" indent="0">
+            <a:lvl8pPr marL="3200530" indent="0">
               <a:buNone/>
-              <a:defRPr sz="1600" b="1"/>
+              <a:defRPr sz="1601" b="1"/>
             </a:lvl8pPr>
-            <a:lvl9pPr marL="3657600" indent="0">
+            <a:lvl9pPr marL="3657749" indent="0">
               <a:buNone/>
-              <a:defRPr sz="1600" b="1"/>
+              <a:defRPr sz="1601" b="1"/>
             </a:lvl9pPr>
           </a:lstStyle>
           <a:p>
@@ -1773,8 +2130,8 @@
         </p:nvSpPr>
         <p:spPr>
           <a:xfrm>
-            <a:off x="6172200" y="2505075"/>
-            <a:ext cx="5183188" cy="3684588"/>
+            <a:off x="6172202" y="2505075"/>
+            <a:ext cx="5183187" cy="3684588"/>
           </a:xfrm>
         </p:spPr>
         <p:txBody>
@@ -2202,15 +2559,15 @@
         </p:nvSpPr>
         <p:spPr>
           <a:xfrm>
-            <a:off x="839788" y="457200"/>
-            <a:ext cx="3932237" cy="1600200"/>
+            <a:off x="839792" y="457200"/>
+            <a:ext cx="3932239" cy="1600200"/>
           </a:xfrm>
         </p:spPr>
         <p:txBody>
           <a:bodyPr anchor="b"/>
           <a:lstStyle>
             <a:lvl1pPr>
-              <a:defRPr sz="3200"/>
+              <a:defRPr sz="3199"/>
             </a:lvl1pPr>
           </a:lstStyle>
           <a:p>
@@ -2239,39 +2596,39 @@
         </p:nvSpPr>
         <p:spPr>
           <a:xfrm>
-            <a:off x="5183188" y="987425"/>
-            <a:ext cx="6172200" cy="4873625"/>
+            <a:off x="5183188" y="987426"/>
+            <a:ext cx="6172201" cy="4873625"/>
           </a:xfrm>
         </p:spPr>
         <p:txBody>
           <a:bodyPr/>
           <a:lstStyle>
             <a:lvl1pPr>
-              <a:defRPr sz="3200"/>
+              <a:defRPr sz="3199"/>
             </a:lvl1pPr>
             <a:lvl2pPr>
-              <a:defRPr sz="2800"/>
+              <a:defRPr sz="2799"/>
             </a:lvl2pPr>
             <a:lvl3pPr>
-              <a:defRPr sz="2400"/>
+              <a:defRPr sz="2401"/>
             </a:lvl3pPr>
             <a:lvl4pPr>
-              <a:defRPr sz="2000"/>
+              <a:defRPr sz="2001"/>
             </a:lvl4pPr>
             <a:lvl5pPr>
-              <a:defRPr sz="2000"/>
+              <a:defRPr sz="2001"/>
             </a:lvl5pPr>
             <a:lvl6pPr>
-              <a:defRPr sz="2000"/>
+              <a:defRPr sz="2001"/>
             </a:lvl6pPr>
             <a:lvl7pPr>
-              <a:defRPr sz="2000"/>
+              <a:defRPr sz="2001"/>
             </a:lvl7pPr>
             <a:lvl8pPr>
-              <a:defRPr sz="2000"/>
+              <a:defRPr sz="2001"/>
             </a:lvl8pPr>
             <a:lvl9pPr>
-              <a:defRPr sz="2000"/>
+              <a:defRPr sz="2001"/>
             </a:lvl9pPr>
           </a:lstStyle>
           <a:p>
@@ -2329,8 +2686,8 @@
         </p:nvSpPr>
         <p:spPr>
           <a:xfrm>
-            <a:off x="839788" y="2057400"/>
-            <a:ext cx="3932237" cy="3811588"/>
+            <a:off x="839792" y="2057400"/>
+            <a:ext cx="3932239" cy="3811588"/>
           </a:xfrm>
         </p:spPr>
         <p:txBody>
@@ -2338,39 +2695,39 @@
           <a:lstStyle>
             <a:lvl1pPr marL="0" indent="0">
               <a:buNone/>
-              <a:defRPr sz="1600"/>
+              <a:defRPr sz="1601"/>
             </a:lvl1pPr>
-            <a:lvl2pPr marL="457200" indent="0">
+            <a:lvl2pPr marL="457220" indent="0">
               <a:buNone/>
               <a:defRPr sz="1400"/>
             </a:lvl2pPr>
-            <a:lvl3pPr marL="914400" indent="0">
+            <a:lvl3pPr marL="914438" indent="0">
               <a:buNone/>
-              <a:defRPr sz="1200"/>
+              <a:defRPr sz="1201"/>
             </a:lvl3pPr>
-            <a:lvl4pPr marL="1371600" indent="0">
+            <a:lvl4pPr marL="1371656" indent="0">
               <a:buNone/>
-              <a:defRPr sz="1000"/>
+              <a:defRPr sz="999"/>
             </a:lvl4pPr>
-            <a:lvl5pPr marL="1828800" indent="0">
+            <a:lvl5pPr marL="1828875" indent="0">
               <a:buNone/>
-              <a:defRPr sz="1000"/>
+              <a:defRPr sz="999"/>
             </a:lvl5pPr>
-            <a:lvl6pPr marL="2286000" indent="0">
+            <a:lvl6pPr marL="2286094" indent="0">
               <a:buNone/>
-              <a:defRPr sz="1000"/>
+              <a:defRPr sz="999"/>
             </a:lvl6pPr>
-            <a:lvl7pPr marL="2743200" indent="0">
+            <a:lvl7pPr marL="2743313" indent="0">
               <a:buNone/>
-              <a:defRPr sz="1000"/>
+              <a:defRPr sz="999"/>
             </a:lvl7pPr>
-            <a:lvl8pPr marL="3200400" indent="0">
+            <a:lvl8pPr marL="3200530" indent="0">
               <a:buNone/>
-              <a:defRPr sz="1000"/>
+              <a:defRPr sz="999"/>
             </a:lvl8pPr>
-            <a:lvl9pPr marL="3657600" indent="0">
+            <a:lvl9pPr marL="3657749" indent="0">
               <a:buNone/>
-              <a:defRPr sz="1000"/>
+              <a:defRPr sz="999"/>
             </a:lvl9pPr>
           </a:lstStyle>
           <a:p>
@@ -2513,15 +2870,15 @@
         </p:nvSpPr>
         <p:spPr>
           <a:xfrm>
-            <a:off x="839788" y="457200"/>
-            <a:ext cx="3932237" cy="1600200"/>
+            <a:off x="839792" y="457200"/>
+            <a:ext cx="3932239" cy="1600200"/>
           </a:xfrm>
         </p:spPr>
         <p:txBody>
           <a:bodyPr anchor="b"/>
           <a:lstStyle>
             <a:lvl1pPr>
-              <a:defRPr sz="3200"/>
+              <a:defRPr sz="3199"/>
             </a:lvl1pPr>
           </a:lstStyle>
           <a:p>
@@ -2550,8 +2907,8 @@
         </p:nvSpPr>
         <p:spPr>
           <a:xfrm>
-            <a:off x="5183188" y="987425"/>
-            <a:ext cx="6172200" cy="4873625"/>
+            <a:off x="5183188" y="987426"/>
+            <a:ext cx="6172201" cy="4873625"/>
           </a:xfrm>
         </p:spPr>
         <p:txBody>
@@ -2559,39 +2916,39 @@
           <a:lstStyle>
             <a:lvl1pPr marL="0" indent="0">
               <a:buNone/>
-              <a:defRPr sz="3200"/>
+              <a:defRPr sz="3199"/>
             </a:lvl1pPr>
-            <a:lvl2pPr marL="457200" indent="0">
+            <a:lvl2pPr marL="457220" indent="0">
               <a:buNone/>
-              <a:defRPr sz="2800"/>
+              <a:defRPr sz="2799"/>
             </a:lvl2pPr>
-            <a:lvl3pPr marL="914400" indent="0">
+            <a:lvl3pPr marL="914438" indent="0">
               <a:buNone/>
-              <a:defRPr sz="2400"/>
+              <a:defRPr sz="2401"/>
             </a:lvl3pPr>
-            <a:lvl4pPr marL="1371600" indent="0">
+            <a:lvl4pPr marL="1371656" indent="0">
               <a:buNone/>
-              <a:defRPr sz="2000"/>
+              <a:defRPr sz="2001"/>
             </a:lvl4pPr>
-            <a:lvl5pPr marL="1828800" indent="0">
+            <a:lvl5pPr marL="1828875" indent="0">
               <a:buNone/>
-              <a:defRPr sz="2000"/>
+              <a:defRPr sz="2001"/>
             </a:lvl5pPr>
-            <a:lvl6pPr marL="2286000" indent="0">
+            <a:lvl6pPr marL="2286094" indent="0">
               <a:buNone/>
-              <a:defRPr sz="2000"/>
+              <a:defRPr sz="2001"/>
             </a:lvl6pPr>
-            <a:lvl7pPr marL="2743200" indent="0">
+            <a:lvl7pPr marL="2743313" indent="0">
               <a:buNone/>
-              <a:defRPr sz="2000"/>
+              <a:defRPr sz="2001"/>
             </a:lvl7pPr>
-            <a:lvl8pPr marL="3200400" indent="0">
+            <a:lvl8pPr marL="3200530" indent="0">
               <a:buNone/>
-              <a:defRPr sz="2000"/>
+              <a:defRPr sz="2001"/>
             </a:lvl8pPr>
-            <a:lvl9pPr marL="3657600" indent="0">
+            <a:lvl9pPr marL="3657749" indent="0">
               <a:buNone/>
-              <a:defRPr sz="2000"/>
+              <a:defRPr sz="2001"/>
             </a:lvl9pPr>
           </a:lstStyle>
           <a:p>
@@ -2617,8 +2974,8 @@
         </p:nvSpPr>
         <p:spPr>
           <a:xfrm>
-            <a:off x="839788" y="2057400"/>
-            <a:ext cx="3932237" cy="3811588"/>
+            <a:off x="839792" y="2057400"/>
+            <a:ext cx="3932239" cy="3811588"/>
           </a:xfrm>
         </p:spPr>
         <p:txBody>
@@ -2626,39 +2983,39 @@
           <a:lstStyle>
             <a:lvl1pPr marL="0" indent="0">
               <a:buNone/>
-              <a:defRPr sz="1600"/>
+              <a:defRPr sz="1601"/>
             </a:lvl1pPr>
-            <a:lvl2pPr marL="457200" indent="0">
+            <a:lvl2pPr marL="457220" indent="0">
               <a:buNone/>
               <a:defRPr sz="1400"/>
             </a:lvl2pPr>
-            <a:lvl3pPr marL="914400" indent="0">
+            <a:lvl3pPr marL="914438" indent="0">
               <a:buNone/>
-              <a:defRPr sz="1200"/>
+              <a:defRPr sz="1201"/>
             </a:lvl3pPr>
-            <a:lvl4pPr marL="1371600" indent="0">
+            <a:lvl4pPr marL="1371656" indent="0">
               <a:buNone/>
-              <a:defRPr sz="1000"/>
+              <a:defRPr sz="999"/>
             </a:lvl4pPr>
-            <a:lvl5pPr marL="1828800" indent="0">
+            <a:lvl5pPr marL="1828875" indent="0">
               <a:buNone/>
-              <a:defRPr sz="1000"/>
+              <a:defRPr sz="999"/>
             </a:lvl5pPr>
-            <a:lvl6pPr marL="2286000" indent="0">
+            <a:lvl6pPr marL="2286094" indent="0">
               <a:buNone/>
-              <a:defRPr sz="1000"/>
+              <a:defRPr sz="999"/>
             </a:lvl6pPr>
-            <a:lvl7pPr marL="2743200" indent="0">
+            <a:lvl7pPr marL="2743313" indent="0">
               <a:buNone/>
-              <a:defRPr sz="1000"/>
+              <a:defRPr sz="999"/>
             </a:lvl7pPr>
-            <a:lvl8pPr marL="3200400" indent="0">
+            <a:lvl8pPr marL="3200530" indent="0">
               <a:buNone/>
-              <a:defRPr sz="1000"/>
+              <a:defRPr sz="999"/>
             </a:lvl8pPr>
-            <a:lvl9pPr marL="3657600" indent="0">
+            <a:lvl9pPr marL="3657749" indent="0">
               <a:buNone/>
-              <a:defRPr sz="1000"/>
+              <a:defRPr sz="999"/>
             </a:lvl9pPr>
           </a:lstStyle>
           <a:p>
@@ -2806,8 +3163,8 @@
         </p:nvSpPr>
         <p:spPr>
           <a:xfrm>
-            <a:off x="838200" y="365125"/>
-            <a:ext cx="10515600" cy="1325563"/>
+            <a:off x="838200" y="365126"/>
+            <a:ext cx="10515601" cy="1325563"/>
           </a:xfrm>
           <a:prstGeom prst="rect">
             <a:avLst/>
@@ -2845,7 +3202,7 @@
         <p:spPr>
           <a:xfrm>
             <a:off x="838200" y="1825625"/>
-            <a:ext cx="10515600" cy="4351338"/>
+            <a:ext cx="10515601" cy="4351338"/>
           </a:xfrm>
           <a:prstGeom prst="rect">
             <a:avLst/>
@@ -2911,7 +3268,7 @@
         </p:nvSpPr>
         <p:spPr>
           <a:xfrm>
-            <a:off x="838200" y="6356350"/>
+            <a:off x="838205" y="6356353"/>
             <a:ext cx="2743200" cy="365125"/>
           </a:xfrm>
           <a:prstGeom prst="rect">
@@ -2922,7 +3279,7 @@
           <a:bodyPr vert="horz" lIns="91440" tIns="45720" rIns="91440" bIns="45720" rtlCol="0" anchor="ctr"/>
           <a:lstStyle>
             <a:lvl1pPr algn="l">
-              <a:defRPr sz="1200">
+              <a:defRPr sz="1201">
                 <a:solidFill>
                   <a:schemeClr val="tx1">
                     <a:tint val="75000"/>
@@ -2958,8 +3315,8 @@
         </p:nvSpPr>
         <p:spPr>
           <a:xfrm>
-            <a:off x="4038600" y="6356350"/>
-            <a:ext cx="4114800" cy="365125"/>
+            <a:off x="4038604" y="6356353"/>
+            <a:ext cx="4114801" cy="365125"/>
           </a:xfrm>
           <a:prstGeom prst="rect">
             <a:avLst/>
@@ -2969,7 +3326,7 @@
           <a:bodyPr vert="horz" lIns="91440" tIns="45720" rIns="91440" bIns="45720" rtlCol="0" anchor="ctr"/>
           <a:lstStyle>
             <a:lvl1pPr algn="ctr">
-              <a:defRPr sz="1200">
+              <a:defRPr sz="1201">
                 <a:solidFill>
                   <a:schemeClr val="tx1">
                     <a:tint val="75000"/>
@@ -3001,7 +3358,7 @@
         </p:nvSpPr>
         <p:spPr>
           <a:xfrm>
-            <a:off x="8610600" y="6356350"/>
+            <a:off x="8610606" y="6356353"/>
             <a:ext cx="2743200" cy="365125"/>
           </a:xfrm>
           <a:prstGeom prst="rect">
@@ -3012,7 +3369,7 @@
           <a:bodyPr vert="horz" lIns="91440" tIns="45720" rIns="91440" bIns="45720" rtlCol="0" anchor="ctr"/>
           <a:lstStyle>
             <a:lvl1pPr algn="r">
-              <a:defRPr sz="1200">
+              <a:defRPr sz="1201">
                 <a:solidFill>
                   <a:schemeClr val="tx1">
                     <a:tint val="75000"/>
@@ -3053,7 +3410,7 @@
   </p:sldLayoutIdLst>
   <p:txStyles>
     <p:titleStyle>
-      <a:lvl1pPr algn="l" defTabSz="914400" rtl="0" eaLnBrk="1" latinLnBrk="0" hangingPunct="1">
+      <a:lvl1pPr algn="l" defTabSz="914438" rtl="0" eaLnBrk="1" latinLnBrk="0" hangingPunct="1">
         <a:lnSpc>
           <a:spcPct val="90000"/>
         </a:lnSpc>
@@ -3072,16 +3429,16 @@
       </a:lvl1pPr>
     </p:titleStyle>
     <p:bodyStyle>
-      <a:lvl1pPr marL="228600" indent="-228600" algn="l" defTabSz="914400" rtl="0" eaLnBrk="1" latinLnBrk="0" hangingPunct="1">
+      <a:lvl1pPr marL="228608" indent="-228608" algn="l" defTabSz="914438" rtl="0" eaLnBrk="1" latinLnBrk="0" hangingPunct="1">
         <a:lnSpc>
           <a:spcPct val="90000"/>
         </a:lnSpc>
         <a:spcBef>
-          <a:spcPts val="1000"/>
+          <a:spcPts val="999"/>
         </a:spcBef>
         <a:buFont typeface="Arial" panose="020B0604020202020204" pitchFamily="34" charset="0"/>
         <a:buChar char="•"/>
-        <a:defRPr sz="2800" kern="1200">
+        <a:defRPr sz="2799" kern="1200">
           <a:solidFill>
             <a:schemeClr val="tx1"/>
           </a:solidFill>
@@ -3090,7 +3447,7 @@
           <a:cs typeface="+mn-cs"/>
         </a:defRPr>
       </a:lvl1pPr>
-      <a:lvl2pPr marL="685800" indent="-228600" algn="l" defTabSz="914400" rtl="0" eaLnBrk="1" latinLnBrk="0" hangingPunct="1">
+      <a:lvl2pPr marL="685828" indent="-228608" algn="l" defTabSz="914438" rtl="0" eaLnBrk="1" latinLnBrk="0" hangingPunct="1">
         <a:lnSpc>
           <a:spcPct val="90000"/>
         </a:lnSpc>
@@ -3099,7 +3456,7 @@
         </a:spcBef>
         <a:buFont typeface="Arial" panose="020B0604020202020204" pitchFamily="34" charset="0"/>
         <a:buChar char="•"/>
-        <a:defRPr sz="2400" kern="1200">
+        <a:defRPr sz="2401" kern="1200">
           <a:solidFill>
             <a:schemeClr val="tx1"/>
           </a:solidFill>
@@ -3108,7 +3465,7 @@
           <a:cs typeface="+mn-cs"/>
         </a:defRPr>
       </a:lvl2pPr>
-      <a:lvl3pPr marL="1143000" indent="-228600" algn="l" defTabSz="914400" rtl="0" eaLnBrk="1" latinLnBrk="0" hangingPunct="1">
+      <a:lvl3pPr marL="1143047" indent="-228608" algn="l" defTabSz="914438" rtl="0" eaLnBrk="1" latinLnBrk="0" hangingPunct="1">
         <a:lnSpc>
           <a:spcPct val="90000"/>
         </a:lnSpc>
@@ -3117,7 +3474,7 @@
         </a:spcBef>
         <a:buFont typeface="Arial" panose="020B0604020202020204" pitchFamily="34" charset="0"/>
         <a:buChar char="•"/>
-        <a:defRPr sz="2000" kern="1200">
+        <a:defRPr sz="2001" kern="1200">
           <a:solidFill>
             <a:schemeClr val="tx1"/>
           </a:solidFill>
@@ -3126,7 +3483,7 @@
           <a:cs typeface="+mn-cs"/>
         </a:defRPr>
       </a:lvl3pPr>
-      <a:lvl4pPr marL="1600200" indent="-228600" algn="l" defTabSz="914400" rtl="0" eaLnBrk="1" latinLnBrk="0" hangingPunct="1">
+      <a:lvl4pPr marL="1600266" indent="-228608" algn="l" defTabSz="914438" rtl="0" eaLnBrk="1" latinLnBrk="0" hangingPunct="1">
         <a:lnSpc>
           <a:spcPct val="90000"/>
         </a:lnSpc>
@@ -3144,7 +3501,7 @@
           <a:cs typeface="+mn-cs"/>
         </a:defRPr>
       </a:lvl4pPr>
-      <a:lvl5pPr marL="2057400" indent="-228600" algn="l" defTabSz="914400" rtl="0" eaLnBrk="1" latinLnBrk="0" hangingPunct="1">
+      <a:lvl5pPr marL="2057483" indent="-228608" algn="l" defTabSz="914438" rtl="0" eaLnBrk="1" latinLnBrk="0" hangingPunct="1">
         <a:lnSpc>
           <a:spcPct val="90000"/>
         </a:lnSpc>
@@ -3162,7 +3519,7 @@
           <a:cs typeface="+mn-cs"/>
         </a:defRPr>
       </a:lvl5pPr>
-      <a:lvl6pPr marL="2514600" indent="-228600" algn="l" defTabSz="914400" rtl="0" eaLnBrk="1" latinLnBrk="0" hangingPunct="1">
+      <a:lvl6pPr marL="2514704" indent="-228608" algn="l" defTabSz="914438" rtl="0" eaLnBrk="1" latinLnBrk="0" hangingPunct="1">
         <a:lnSpc>
           <a:spcPct val="90000"/>
         </a:lnSpc>
@@ -3180,7 +3537,7 @@
           <a:cs typeface="+mn-cs"/>
         </a:defRPr>
       </a:lvl6pPr>
-      <a:lvl7pPr marL="2971800" indent="-228600" algn="l" defTabSz="914400" rtl="0" eaLnBrk="1" latinLnBrk="0" hangingPunct="1">
+      <a:lvl7pPr marL="2971922" indent="-228608" algn="l" defTabSz="914438" rtl="0" eaLnBrk="1" latinLnBrk="0" hangingPunct="1">
         <a:lnSpc>
           <a:spcPct val="90000"/>
         </a:lnSpc>
@@ -3198,7 +3555,7 @@
           <a:cs typeface="+mn-cs"/>
         </a:defRPr>
       </a:lvl7pPr>
-      <a:lvl8pPr marL="3429000" indent="-228600" algn="l" defTabSz="914400" rtl="0" eaLnBrk="1" latinLnBrk="0" hangingPunct="1">
+      <a:lvl8pPr marL="3429141" indent="-228608" algn="l" defTabSz="914438" rtl="0" eaLnBrk="1" latinLnBrk="0" hangingPunct="1">
         <a:lnSpc>
           <a:spcPct val="90000"/>
         </a:lnSpc>
@@ -3216,7 +3573,7 @@
           <a:cs typeface="+mn-cs"/>
         </a:defRPr>
       </a:lvl8pPr>
-      <a:lvl9pPr marL="3886200" indent="-228600" algn="l" defTabSz="914400" rtl="0" eaLnBrk="1" latinLnBrk="0" hangingPunct="1">
+      <a:lvl9pPr marL="3886358" indent="-228608" algn="l" defTabSz="914438" rtl="0" eaLnBrk="1" latinLnBrk="0" hangingPunct="1">
         <a:lnSpc>
           <a:spcPct val="90000"/>
         </a:lnSpc>
@@ -3239,7 +3596,7 @@
       <a:defPPr>
         <a:defRPr lang="en-US"/>
       </a:defPPr>
-      <a:lvl1pPr marL="0" algn="l" defTabSz="914400" rtl="0" eaLnBrk="1" latinLnBrk="0" hangingPunct="1">
+      <a:lvl1pPr marL="0" algn="l" defTabSz="914438" rtl="0" eaLnBrk="1" latinLnBrk="0" hangingPunct="1">
         <a:defRPr sz="1800" kern="1200">
           <a:solidFill>
             <a:schemeClr val="tx1"/>
@@ -3249,7 +3606,7 @@
           <a:cs typeface="+mn-cs"/>
         </a:defRPr>
       </a:lvl1pPr>
-      <a:lvl2pPr marL="457200" algn="l" defTabSz="914400" rtl="0" eaLnBrk="1" latinLnBrk="0" hangingPunct="1">
+      <a:lvl2pPr marL="457220" algn="l" defTabSz="914438" rtl="0" eaLnBrk="1" latinLnBrk="0" hangingPunct="1">
         <a:defRPr sz="1800" kern="1200">
           <a:solidFill>
             <a:schemeClr val="tx1"/>
@@ -3259,7 +3616,7 @@
           <a:cs typeface="+mn-cs"/>
         </a:defRPr>
       </a:lvl2pPr>
-      <a:lvl3pPr marL="914400" algn="l" defTabSz="914400" rtl="0" eaLnBrk="1" latinLnBrk="0" hangingPunct="1">
+      <a:lvl3pPr marL="914438" algn="l" defTabSz="914438" rtl="0" eaLnBrk="1" latinLnBrk="0" hangingPunct="1">
         <a:defRPr sz="1800" kern="1200">
           <a:solidFill>
             <a:schemeClr val="tx1"/>
@@ -3269,7 +3626,7 @@
           <a:cs typeface="+mn-cs"/>
         </a:defRPr>
       </a:lvl3pPr>
-      <a:lvl4pPr marL="1371600" algn="l" defTabSz="914400" rtl="0" eaLnBrk="1" latinLnBrk="0" hangingPunct="1">
+      <a:lvl4pPr marL="1371656" algn="l" defTabSz="914438" rtl="0" eaLnBrk="1" latinLnBrk="0" hangingPunct="1">
         <a:defRPr sz="1800" kern="1200">
           <a:solidFill>
             <a:schemeClr val="tx1"/>
@@ -3279,7 +3636,7 @@
           <a:cs typeface="+mn-cs"/>
         </a:defRPr>
       </a:lvl4pPr>
-      <a:lvl5pPr marL="1828800" algn="l" defTabSz="914400" rtl="0" eaLnBrk="1" latinLnBrk="0" hangingPunct="1">
+      <a:lvl5pPr marL="1828875" algn="l" defTabSz="914438" rtl="0" eaLnBrk="1" latinLnBrk="0" hangingPunct="1">
         <a:defRPr sz="1800" kern="1200">
           <a:solidFill>
             <a:schemeClr val="tx1"/>
@@ -3289,7 +3646,7 @@
           <a:cs typeface="+mn-cs"/>
         </a:defRPr>
       </a:lvl5pPr>
-      <a:lvl6pPr marL="2286000" algn="l" defTabSz="914400" rtl="0" eaLnBrk="1" latinLnBrk="0" hangingPunct="1">
+      <a:lvl6pPr marL="2286094" algn="l" defTabSz="914438" rtl="0" eaLnBrk="1" latinLnBrk="0" hangingPunct="1">
         <a:defRPr sz="1800" kern="1200">
           <a:solidFill>
             <a:schemeClr val="tx1"/>
@@ -3299,7 +3656,7 @@
           <a:cs typeface="+mn-cs"/>
         </a:defRPr>
       </a:lvl6pPr>
-      <a:lvl7pPr marL="2743200" algn="l" defTabSz="914400" rtl="0" eaLnBrk="1" latinLnBrk="0" hangingPunct="1">
+      <a:lvl7pPr marL="2743313" algn="l" defTabSz="914438" rtl="0" eaLnBrk="1" latinLnBrk="0" hangingPunct="1">
         <a:defRPr sz="1800" kern="1200">
           <a:solidFill>
             <a:schemeClr val="tx1"/>
@@ -3309,7 +3666,7 @@
           <a:cs typeface="+mn-cs"/>
         </a:defRPr>
       </a:lvl7pPr>
-      <a:lvl8pPr marL="3200400" algn="l" defTabSz="914400" rtl="0" eaLnBrk="1" latinLnBrk="0" hangingPunct="1">
+      <a:lvl8pPr marL="3200530" algn="l" defTabSz="914438" rtl="0" eaLnBrk="1" latinLnBrk="0" hangingPunct="1">
         <a:defRPr sz="1800" kern="1200">
           <a:solidFill>
             <a:schemeClr val="tx1"/>
@@ -3319,7 +3676,7 @@
           <a:cs typeface="+mn-cs"/>
         </a:defRPr>
       </a:lvl8pPr>
-      <a:lvl9pPr marL="3657600" algn="l" defTabSz="914400" rtl="0" eaLnBrk="1" latinLnBrk="0" hangingPunct="1">
+      <a:lvl9pPr marL="3657749" algn="l" defTabSz="914438" rtl="0" eaLnBrk="1" latinLnBrk="0" hangingPunct="1">
         <a:defRPr sz="1800" kern="1200">
           <a:solidFill>
             <a:schemeClr val="tx1"/>
@@ -3373,8 +3730,8 @@
         </p:nvSpPr>
         <p:spPr>
           <a:xfrm>
-            <a:off x="0" y="0"/>
-            <a:ext cx="12192000" cy="609600"/>
+            <a:off x="-1" y="1"/>
+            <a:ext cx="12192001" cy="609600"/>
           </a:xfrm>
           <a:prstGeom prst="rect">
             <a:avLst/>
@@ -3416,48 +3773,6 @@
       </p:sp>
       <p:sp>
         <p:nvSpPr>
-          <p:cNvPr id="5" name="TextBox 4">
-            <a:extLst>
-              <a:ext uri="{FF2B5EF4-FFF2-40B4-BE49-F238E27FC236}">
-                <a16:creationId xmlns:a16="http://schemas.microsoft.com/office/drawing/2014/main" id="{5F488415-69D7-3371-E5D8-80C4AC15CA41}"/>
-              </a:ext>
-            </a:extLst>
-          </p:cNvPr>
-          <p:cNvSpPr txBox="1"/>
-          <p:nvPr/>
-        </p:nvSpPr>
-        <p:spPr>
-          <a:xfrm>
-            <a:off x="97972" y="120134"/>
-            <a:ext cx="1439818" cy="369332"/>
-          </a:xfrm>
-          <a:prstGeom prst="rect">
-            <a:avLst/>
-          </a:prstGeom>
-          <a:noFill/>
-        </p:spPr>
-        <p:txBody>
-          <a:bodyPr wrap="none" rtlCol="0">
-            <a:spAutoFit/>
-          </a:bodyPr>
-          <a:lstStyle/>
-          <a:p>
-            <a:r>
-              <a:rPr lang="en-US" b="1" dirty="0">
-                <a:solidFill>
-                  <a:schemeClr val="bg1"/>
-                </a:solidFill>
-                <a:latin typeface="JetBrains Mono" panose="02000009000000000000" pitchFamily="49" charset="0"/>
-                <a:ea typeface="JetBrains Mono" panose="02000009000000000000" pitchFamily="49" charset="0"/>
-                <a:cs typeface="JetBrains Mono" panose="02000009000000000000" pitchFamily="49" charset="0"/>
-              </a:rPr>
-              <a:t>Al-Qur’an</a:t>
-            </a:r>
-          </a:p>
-        </p:txBody>
-      </p:sp>
-      <p:sp>
-        <p:nvSpPr>
           <p:cNvPr id="6" name="Rounded Rectangle 5">
             <a:extLst>
               <a:ext uri="{FF2B5EF4-FFF2-40B4-BE49-F238E27FC236}">
@@ -3470,8 +3785,8 @@
         </p:nvSpPr>
         <p:spPr>
           <a:xfrm>
-            <a:off x="2612571" y="60067"/>
-            <a:ext cx="6966857" cy="489466"/>
+            <a:off x="4038603" y="60070"/>
+            <a:ext cx="4114801" cy="489467"/>
           </a:xfrm>
           <a:prstGeom prst="roundRect">
             <a:avLst>
@@ -3506,83 +3821,14 @@
           <a:lstStyle/>
           <a:p>
             <a:pPr algn="ctr"/>
-            <a:endParaRPr lang="en-US"/>
-          </a:p>
-        </p:txBody>
-      </p:sp>
-      <p:pic>
-        <p:nvPicPr>
-          <p:cNvPr id="8" name="Graphic 7" descr="Single gear with solid fill">
-            <a:extLst>
-              <a:ext uri="{FF2B5EF4-FFF2-40B4-BE49-F238E27FC236}">
-                <a16:creationId xmlns:a16="http://schemas.microsoft.com/office/drawing/2014/main" id="{025B87E2-5E12-DBDA-B048-F63CF8F0DE29}"/>
-              </a:ext>
-            </a:extLst>
-          </p:cNvPr>
-          <p:cNvPicPr>
-            <a:picLocks noChangeAspect="1"/>
-          </p:cNvPicPr>
-          <p:nvPr/>
-        </p:nvPicPr>
-        <p:blipFill>
-          <a:blip r:embed="rId2">
-            <a:extLst>
-              <a:ext uri="{96DAC541-7B7A-43D3-8B79-37D633B846F1}">
-                <asvg:svgBlip xmlns:asvg="http://schemas.microsoft.com/office/drawing/2016/SVG/main" r:embed="rId3"/>
-              </a:ext>
-            </a:extLst>
-          </a:blip>
-          <a:stretch>
-            <a:fillRect/>
-          </a:stretch>
-        </p:blipFill>
-        <p:spPr>
-          <a:xfrm>
-            <a:off x="11636828" y="54038"/>
-            <a:ext cx="457200" cy="457200"/>
-          </a:xfrm>
-          <a:prstGeom prst="rect">
-            <a:avLst/>
-          </a:prstGeom>
-        </p:spPr>
-      </p:pic>
-      <p:sp>
-        <p:nvSpPr>
-          <p:cNvPr id="10" name="TextBox 9">
-            <a:extLst>
-              <a:ext uri="{FF2B5EF4-FFF2-40B4-BE49-F238E27FC236}">
-                <a16:creationId xmlns:a16="http://schemas.microsoft.com/office/drawing/2014/main" id="{C94331B8-E015-D253-9E00-231E1118552C}"/>
-              </a:ext>
-            </a:extLst>
-          </p:cNvPr>
-          <p:cNvSpPr txBox="1"/>
-          <p:nvPr/>
-        </p:nvSpPr>
-        <p:spPr>
-          <a:xfrm>
-            <a:off x="4354286" y="120134"/>
-            <a:ext cx="6096000" cy="369332"/>
-          </a:xfrm>
-          <a:prstGeom prst="rect">
-            <a:avLst/>
-          </a:prstGeom>
-          <a:noFill/>
-        </p:spPr>
-        <p:txBody>
-          <a:bodyPr wrap="square">
-            <a:spAutoFit/>
-          </a:bodyPr>
-          <a:lstStyle/>
-          <a:p>
-            <a:r>
-              <a:rPr lang="en-US" b="0" i="0" dirty="0">
+            <a:r>
+              <a:rPr lang="en-US" dirty="0">
                 <a:solidFill>
                   <a:schemeClr val="tx1">
                     <a:lumMod val="75000"/>
                     <a:lumOff val="25000"/>
                   </a:schemeClr>
                 </a:solidFill>
-                <a:effectLst/>
                 <a:latin typeface="ui-sans-serif"/>
               </a:rPr>
               <a:t>Select a Surah to begin reading</a:t>
@@ -3598,6 +3844,42 @@
           </a:p>
         </p:txBody>
       </p:sp>
+      <p:pic>
+        <p:nvPicPr>
+          <p:cNvPr id="8" name="Graphic 7" descr="Single gear with solid fill">
+            <a:extLst>
+              <a:ext uri="{FF2B5EF4-FFF2-40B4-BE49-F238E27FC236}">
+                <a16:creationId xmlns:a16="http://schemas.microsoft.com/office/drawing/2014/main" id="{025B87E2-5E12-DBDA-B048-F63CF8F0DE29}"/>
+              </a:ext>
+            </a:extLst>
+          </p:cNvPr>
+          <p:cNvPicPr>
+            <a:picLocks noChangeAspect="1"/>
+          </p:cNvPicPr>
+          <p:nvPr/>
+        </p:nvPicPr>
+        <p:blipFill>
+          <a:blip r:embed="rId2">
+            <a:extLst>
+              <a:ext uri="{96DAC541-7B7A-43D3-8B79-37D633B846F1}">
+                <asvg:svgBlip xmlns:asvg="http://schemas.microsoft.com/office/drawing/2016/SVG/main" r:embed="rId3"/>
+              </a:ext>
+            </a:extLst>
+          </a:blip>
+          <a:stretch>
+            <a:fillRect/>
+          </a:stretch>
+        </p:blipFill>
+        <p:spPr>
+          <a:xfrm>
+            <a:off x="11636828" y="54037"/>
+            <a:ext cx="457200" cy="457200"/>
+          </a:xfrm>
+          <a:prstGeom prst="rect">
+            <a:avLst/>
+          </a:prstGeom>
+        </p:spPr>
+      </p:pic>
       <mc:AlternateContent xmlns:mc="http://schemas.openxmlformats.org/markup-compatibility/2006">
         <mc:Choice xmlns:p14="http://schemas.microsoft.com/office/powerpoint/2010/main" Requires="p14">
           <p:contentPart p14:bwMode="auto" r:id="rId4">
@@ -3613,8 +3895,8 @@
               <p14:nvPr/>
             </p14:nvContentPartPr>
             <p14:xfrm rot="21265090">
-              <a:off x="2483598" y="782687"/>
-              <a:ext cx="2437920" cy="2338920"/>
+              <a:off x="2483599" y="782687"/>
+              <a:ext cx="2437920" cy="2338921"/>
             </p14:xfrm>
           </p:contentPart>
         </mc:Choice>
@@ -3639,8 +3921,8 @@
             </p:blipFill>
             <p:spPr>
               <a:xfrm rot="21265090">
-                <a:off x="2464518" y="763967"/>
-                <a:ext cx="2475720" cy="2376360"/>
+                <a:off x="2464519" y="763607"/>
+                <a:ext cx="2475720" cy="2376361"/>
               </a:xfrm>
               <a:prstGeom prst="rect">
                 <a:avLst/>
@@ -3663,8 +3945,8 @@
         </p:nvSpPr>
         <p:spPr>
           <a:xfrm>
-            <a:off x="1813771" y="3234627"/>
-            <a:ext cx="1888787" cy="646331"/>
+            <a:off x="1813772" y="3234628"/>
+            <a:ext cx="2146357" cy="646331"/>
           </a:xfrm>
           <a:prstGeom prst="rect">
             <a:avLst/>
@@ -3693,11 +3975,91 @@
                   <a:schemeClr val="bg1"/>
                 </a:solidFill>
               </a:rPr>
-              <a:t>to list chapters</a:t>
-            </a:r>
-          </a:p>
-        </p:txBody>
-      </p:sp>
+              <a:t>to list down chapters</a:t>
+            </a:r>
+          </a:p>
+        </p:txBody>
+      </p:sp>
+      <p:sp>
+        <p:nvSpPr>
+          <p:cNvPr id="17" name="TextBox 16">
+            <a:extLst>
+              <a:ext uri="{FF2B5EF4-FFF2-40B4-BE49-F238E27FC236}">
+                <a16:creationId xmlns:a16="http://schemas.microsoft.com/office/drawing/2014/main" id="{D5DA2924-6946-EC56-4A74-9B34AB6EC3F2}"/>
+              </a:ext>
+            </a:extLst>
+          </p:cNvPr>
+          <p:cNvSpPr txBox="1"/>
+          <p:nvPr/>
+        </p:nvSpPr>
+        <p:spPr>
+          <a:xfrm>
+            <a:off x="552269" y="115668"/>
+            <a:ext cx="1439818" cy="369332"/>
+          </a:xfrm>
+          <a:prstGeom prst="rect">
+            <a:avLst/>
+          </a:prstGeom>
+          <a:noFill/>
+        </p:spPr>
+        <p:txBody>
+          <a:bodyPr wrap="none" rtlCol="0">
+            <a:spAutoFit/>
+          </a:bodyPr>
+          <a:lstStyle/>
+          <a:p>
+            <a:r>
+              <a:rPr lang="en-US" b="1" dirty="0">
+                <a:solidFill>
+                  <a:schemeClr val="bg1">
+                    <a:lumMod val="75000"/>
+                  </a:schemeClr>
+                </a:solidFill>
+                <a:latin typeface="JetBrains Mono" panose="02000009000000000000" pitchFamily="49" charset="0"/>
+                <a:ea typeface="JetBrains Mono" panose="02000009000000000000" pitchFamily="49" charset="0"/>
+                <a:cs typeface="JetBrains Mono" panose="02000009000000000000" pitchFamily="49" charset="0"/>
+              </a:rPr>
+              <a:t>Al-Qur’an</a:t>
+            </a:r>
+          </a:p>
+        </p:txBody>
+      </p:sp>
+      <p:pic>
+        <p:nvPicPr>
+          <p:cNvPr id="20" name="Graphic 19">
+            <a:extLst>
+              <a:ext uri="{FF2B5EF4-FFF2-40B4-BE49-F238E27FC236}">
+                <a16:creationId xmlns:a16="http://schemas.microsoft.com/office/drawing/2014/main" id="{129B5BEA-B1F0-63BF-27E8-9C1A57B847CA}"/>
+              </a:ext>
+            </a:extLst>
+          </p:cNvPr>
+          <p:cNvPicPr>
+            <a:picLocks noChangeAspect="1"/>
+          </p:cNvPicPr>
+          <p:nvPr/>
+        </p:nvPicPr>
+        <p:blipFill>
+          <a:blip r:embed="rId6">
+            <a:extLst>
+              <a:ext uri="{96DAC541-7B7A-43D3-8B79-37D633B846F1}">
+                <asvg:svgBlip xmlns:asvg="http://schemas.microsoft.com/office/drawing/2016/SVG/main" r:embed="rId7"/>
+              </a:ext>
+            </a:extLst>
+          </a:blip>
+          <a:stretch>
+            <a:fillRect/>
+          </a:stretch>
+        </p:blipFill>
+        <p:spPr>
+          <a:xfrm>
+            <a:off x="97972" y="73720"/>
+            <a:ext cx="454297" cy="454297"/>
+          </a:xfrm>
+          <a:prstGeom prst="rect">
+            <a:avLst/>
+          </a:prstGeom>
+        </p:spPr>
+      </p:pic>
     </p:spTree>
     <p:extLst>
       <p:ext uri="{BB962C8B-B14F-4D97-AF65-F5344CB8AC3E}">
@@ -3712,6 +4074,756 @@
 </file>
 
 <file path=ppt/slides/slide2.xml><?xml version="1.0" encoding="utf-8"?>
+<p:sld xmlns:a="http://schemas.openxmlformats.org/drawingml/2006/main" xmlns:r="http://schemas.openxmlformats.org/officeDocument/2006/relationships" xmlns:p="http://schemas.openxmlformats.org/presentationml/2006/main">
+  <p:cSld>
+    <p:bg>
+      <p:bgPr>
+        <a:solidFill>
+          <a:srgbClr val="161618"/>
+        </a:solidFill>
+        <a:effectLst/>
+      </p:bgPr>
+    </p:bg>
+    <p:spTree>
+      <p:nvGrpSpPr>
+        <p:cNvPr id="1" name="">
+          <a:extLst>
+            <a:ext uri="{FF2B5EF4-FFF2-40B4-BE49-F238E27FC236}">
+              <a16:creationId xmlns:a16="http://schemas.microsoft.com/office/drawing/2014/main" id="{8E17C3B0-14D5-B449-CC10-121AA88D3563}"/>
+            </a:ext>
+          </a:extLst>
+        </p:cNvPr>
+        <p:cNvGrpSpPr/>
+        <p:nvPr/>
+      </p:nvGrpSpPr>
+      <p:grpSpPr>
+        <a:xfrm>
+          <a:off x="0" y="0"/>
+          <a:ext cx="0" cy="0"/>
+          <a:chOff x="0" y="0"/>
+          <a:chExt cx="0" cy="0"/>
+        </a:xfrm>
+      </p:grpSpPr>
+      <p:sp>
+        <p:nvSpPr>
+          <p:cNvPr id="4" name="Rectangle 3">
+            <a:extLst>
+              <a:ext uri="{FF2B5EF4-FFF2-40B4-BE49-F238E27FC236}">
+                <a16:creationId xmlns:a16="http://schemas.microsoft.com/office/drawing/2014/main" id="{97D0626A-A3B3-EC07-723F-CD92FAD6F7EE}"/>
+              </a:ext>
+            </a:extLst>
+          </p:cNvPr>
+          <p:cNvSpPr/>
+          <p:nvPr/>
+        </p:nvSpPr>
+        <p:spPr>
+          <a:xfrm>
+            <a:off x="-1" y="1"/>
+            <a:ext cx="12192001" cy="609600"/>
+          </a:xfrm>
+          <a:prstGeom prst="rect">
+            <a:avLst/>
+          </a:prstGeom>
+          <a:solidFill>
+            <a:schemeClr val="tx1">
+              <a:lumMod val="75000"/>
+              <a:lumOff val="25000"/>
+            </a:schemeClr>
+          </a:solidFill>
+          <a:ln w="6350">
+            <a:noFill/>
+          </a:ln>
+        </p:spPr>
+        <p:style>
+          <a:lnRef idx="2">
+            <a:schemeClr val="accent1">
+              <a:shade val="15000"/>
+            </a:schemeClr>
+          </a:lnRef>
+          <a:fillRef idx="1">
+            <a:schemeClr val="accent1"/>
+          </a:fillRef>
+          <a:effectRef idx="0">
+            <a:schemeClr val="accent1"/>
+          </a:effectRef>
+          <a:fontRef idx="minor">
+            <a:schemeClr val="lt1"/>
+          </a:fontRef>
+        </p:style>
+        <p:txBody>
+          <a:bodyPr rtlCol="0" anchor="ctr"/>
+          <a:lstStyle/>
+          <a:p>
+            <a:pPr algn="ctr"/>
+            <a:endParaRPr lang="en-US" dirty="0"/>
+          </a:p>
+        </p:txBody>
+      </p:sp>
+      <p:sp>
+        <p:nvSpPr>
+          <p:cNvPr id="6" name="Rounded Rectangle 5">
+            <a:extLst>
+              <a:ext uri="{FF2B5EF4-FFF2-40B4-BE49-F238E27FC236}">
+                <a16:creationId xmlns:a16="http://schemas.microsoft.com/office/drawing/2014/main" id="{476058F1-6802-1A0D-ABA9-3DCC85631F0C}"/>
+              </a:ext>
+            </a:extLst>
+          </p:cNvPr>
+          <p:cNvSpPr/>
+          <p:nvPr/>
+        </p:nvSpPr>
+        <p:spPr>
+          <a:xfrm>
+            <a:off x="4038603" y="60070"/>
+            <a:ext cx="4114801" cy="489467"/>
+          </a:xfrm>
+          <a:prstGeom prst="roundRect">
+            <a:avLst>
+              <a:gd name="adj" fmla="val 50000"/>
+            </a:avLst>
+          </a:prstGeom>
+          <a:solidFill>
+            <a:srgbClr val="161618"/>
+          </a:solidFill>
+          <a:ln>
+            <a:noFill/>
+          </a:ln>
+        </p:spPr>
+        <p:style>
+          <a:lnRef idx="2">
+            <a:schemeClr val="accent1">
+              <a:shade val="15000"/>
+            </a:schemeClr>
+          </a:lnRef>
+          <a:fillRef idx="1">
+            <a:schemeClr val="accent1"/>
+          </a:fillRef>
+          <a:effectRef idx="0">
+            <a:schemeClr val="accent1"/>
+          </a:effectRef>
+          <a:fontRef idx="minor">
+            <a:schemeClr val="lt1"/>
+          </a:fontRef>
+        </p:style>
+        <p:txBody>
+          <a:bodyPr rtlCol="0" anchor="ctr"/>
+          <a:lstStyle/>
+          <a:p>
+            <a:pPr algn="ctr"/>
+            <a:r>
+              <a:rPr lang="en-US" dirty="0">
+                <a:solidFill>
+                  <a:schemeClr val="tx1">
+                    <a:lumMod val="75000"/>
+                    <a:lumOff val="25000"/>
+                  </a:schemeClr>
+                </a:solidFill>
+                <a:latin typeface="ui-sans-serif"/>
+              </a:rPr>
+              <a:t>Select a Surah to begin reading</a:t>
+            </a:r>
+            <a:endParaRPr lang="en-US" dirty="0">
+              <a:solidFill>
+                <a:schemeClr val="tx1">
+                  <a:lumMod val="75000"/>
+                  <a:lumOff val="25000"/>
+                </a:schemeClr>
+              </a:solidFill>
+            </a:endParaRPr>
+          </a:p>
+        </p:txBody>
+      </p:sp>
+      <p:sp>
+        <p:nvSpPr>
+          <p:cNvPr id="17" name="TextBox 16">
+            <a:extLst>
+              <a:ext uri="{FF2B5EF4-FFF2-40B4-BE49-F238E27FC236}">
+                <a16:creationId xmlns:a16="http://schemas.microsoft.com/office/drawing/2014/main" id="{DF47D0A3-0581-1419-F5C9-3ED1A706CCAB}"/>
+              </a:ext>
+            </a:extLst>
+          </p:cNvPr>
+          <p:cNvSpPr txBox="1"/>
+          <p:nvPr/>
+        </p:nvSpPr>
+        <p:spPr>
+          <a:xfrm>
+            <a:off x="552269" y="115668"/>
+            <a:ext cx="1439818" cy="369332"/>
+          </a:xfrm>
+          <a:prstGeom prst="rect">
+            <a:avLst/>
+          </a:prstGeom>
+          <a:noFill/>
+        </p:spPr>
+        <p:txBody>
+          <a:bodyPr wrap="none" rtlCol="0">
+            <a:spAutoFit/>
+          </a:bodyPr>
+          <a:lstStyle/>
+          <a:p>
+            <a:r>
+              <a:rPr lang="en-US" b="1" dirty="0">
+                <a:solidFill>
+                  <a:schemeClr val="bg1">
+                    <a:lumMod val="75000"/>
+                  </a:schemeClr>
+                </a:solidFill>
+                <a:latin typeface="JetBrains Mono" panose="02000009000000000000" pitchFamily="49" charset="0"/>
+                <a:ea typeface="JetBrains Mono" panose="02000009000000000000" pitchFamily="49" charset="0"/>
+                <a:cs typeface="JetBrains Mono" panose="02000009000000000000" pitchFamily="49" charset="0"/>
+              </a:rPr>
+              <a:t>Al-Qur’an</a:t>
+            </a:r>
+          </a:p>
+        </p:txBody>
+      </p:sp>
+      <p:pic>
+        <p:nvPicPr>
+          <p:cNvPr id="2" name="Graphic 1" descr="Single gear with solid fill">
+            <a:extLst>
+              <a:ext uri="{FF2B5EF4-FFF2-40B4-BE49-F238E27FC236}">
+                <a16:creationId xmlns:a16="http://schemas.microsoft.com/office/drawing/2014/main" id="{937F7179-CE0B-272B-4E8F-350E8FE7F2D5}"/>
+              </a:ext>
+            </a:extLst>
+          </p:cNvPr>
+          <p:cNvPicPr>
+            <a:picLocks noChangeAspect="1"/>
+          </p:cNvPicPr>
+          <p:nvPr/>
+        </p:nvPicPr>
+        <p:blipFill>
+          <a:blip r:embed="rId2">
+            <a:extLst>
+              <a:ext uri="{96DAC541-7B7A-43D3-8B79-37D633B846F1}">
+                <asvg:svgBlip xmlns:asvg="http://schemas.microsoft.com/office/drawing/2016/SVG/main" r:embed="rId3"/>
+              </a:ext>
+            </a:extLst>
+          </a:blip>
+          <a:stretch>
+            <a:fillRect/>
+          </a:stretch>
+        </p:blipFill>
+        <p:spPr>
+          <a:xfrm>
+            <a:off x="11636828" y="54037"/>
+            <a:ext cx="457200" cy="457200"/>
+          </a:xfrm>
+          <a:prstGeom prst="rect">
+            <a:avLst/>
+          </a:prstGeom>
+        </p:spPr>
+      </p:pic>
+      <p:pic>
+        <p:nvPicPr>
+          <p:cNvPr id="3" name="Graphic 2">
+            <a:extLst>
+              <a:ext uri="{FF2B5EF4-FFF2-40B4-BE49-F238E27FC236}">
+                <a16:creationId xmlns:a16="http://schemas.microsoft.com/office/drawing/2014/main" id="{3DB75E55-1A7F-08C1-4DA1-E5E3C7F35AD3}"/>
+              </a:ext>
+            </a:extLst>
+          </p:cNvPr>
+          <p:cNvPicPr>
+            <a:picLocks noChangeAspect="1"/>
+          </p:cNvPicPr>
+          <p:nvPr/>
+        </p:nvPicPr>
+        <p:blipFill>
+          <a:blip r:embed="rId4">
+            <a:extLst>
+              <a:ext uri="{96DAC541-7B7A-43D3-8B79-37D633B846F1}">
+                <asvg:svgBlip xmlns:asvg="http://schemas.microsoft.com/office/drawing/2016/SVG/main" r:embed="rId5"/>
+              </a:ext>
+            </a:extLst>
+          </a:blip>
+          <a:stretch>
+            <a:fillRect/>
+          </a:stretch>
+        </p:blipFill>
+        <p:spPr>
+          <a:xfrm>
+            <a:off x="97972" y="73720"/>
+            <a:ext cx="454297" cy="454297"/>
+          </a:xfrm>
+          <a:prstGeom prst="rect">
+            <a:avLst/>
+          </a:prstGeom>
+        </p:spPr>
+      </p:pic>
+      <p:sp>
+        <p:nvSpPr>
+          <p:cNvPr id="5" name="TextBox 4">
+            <a:extLst>
+              <a:ext uri="{FF2B5EF4-FFF2-40B4-BE49-F238E27FC236}">
+                <a16:creationId xmlns:a16="http://schemas.microsoft.com/office/drawing/2014/main" id="{0C96468A-D392-1D27-C2E2-6345AD876F6C}"/>
+              </a:ext>
+            </a:extLst>
+          </p:cNvPr>
+          <p:cNvSpPr txBox="1"/>
+          <p:nvPr/>
+        </p:nvSpPr>
+        <p:spPr>
+          <a:xfrm>
+            <a:off x="209226" y="5432947"/>
+            <a:ext cx="2125903" cy="1200329"/>
+          </a:xfrm>
+          <a:prstGeom prst="rect">
+            <a:avLst/>
+          </a:prstGeom>
+          <a:noFill/>
+        </p:spPr>
+        <p:txBody>
+          <a:bodyPr wrap="none" rtlCol="0">
+            <a:spAutoFit/>
+          </a:bodyPr>
+          <a:lstStyle/>
+          <a:p>
+            <a:r>
+              <a:rPr lang="en-US" sz="3600" b="1" dirty="0">
+                <a:solidFill>
+                  <a:schemeClr val="bg1">
+                    <a:lumMod val="75000"/>
+                  </a:schemeClr>
+                </a:solidFill>
+                <a:latin typeface="JetBrains Mono" panose="02000009000000000000" pitchFamily="49" charset="0"/>
+                <a:ea typeface="JetBrains Mono" panose="02000009000000000000" pitchFamily="49" charset="0"/>
+                <a:cs typeface="JetBrains Mono" panose="02000009000000000000" pitchFamily="49" charset="0"/>
+              </a:rPr>
+              <a:t>Desktop</a:t>
+            </a:r>
+          </a:p>
+          <a:p>
+            <a:r>
+              <a:rPr lang="en-US" sz="3600" b="1" dirty="0">
+                <a:solidFill>
+                  <a:schemeClr val="bg1">
+                    <a:lumMod val="75000"/>
+                  </a:schemeClr>
+                </a:solidFill>
+                <a:latin typeface="JetBrains Mono" panose="02000009000000000000" pitchFamily="49" charset="0"/>
+                <a:ea typeface="JetBrains Mono" panose="02000009000000000000" pitchFamily="49" charset="0"/>
+                <a:cs typeface="JetBrains Mono" panose="02000009000000000000" pitchFamily="49" charset="0"/>
+              </a:rPr>
+              <a:t> View</a:t>
+            </a:r>
+          </a:p>
+        </p:txBody>
+      </p:sp>
+    </p:spTree>
+    <p:extLst>
+      <p:ext uri="{BB962C8B-B14F-4D97-AF65-F5344CB8AC3E}">
+        <p14:creationId xmlns:p14="http://schemas.microsoft.com/office/powerpoint/2010/main" val="3982626942"/>
+      </p:ext>
+    </p:extLst>
+  </p:cSld>
+  <p:clrMapOvr>
+    <a:masterClrMapping/>
+  </p:clrMapOvr>
+</p:sld>
+</file>
+
+<file path=ppt/slides/slide3.xml><?xml version="1.0" encoding="utf-8"?>
+<p:sld xmlns:a="http://schemas.openxmlformats.org/drawingml/2006/main" xmlns:r="http://schemas.openxmlformats.org/officeDocument/2006/relationships" xmlns:p="http://schemas.openxmlformats.org/presentationml/2006/main">
+  <p:cSld>
+    <p:bg>
+      <p:bgPr>
+        <a:solidFill>
+          <a:srgbClr val="161618"/>
+        </a:solidFill>
+        <a:effectLst/>
+      </p:bgPr>
+    </p:bg>
+    <p:spTree>
+      <p:nvGrpSpPr>
+        <p:cNvPr id="1" name="">
+          <a:extLst>
+            <a:ext uri="{FF2B5EF4-FFF2-40B4-BE49-F238E27FC236}">
+              <a16:creationId xmlns:a16="http://schemas.microsoft.com/office/drawing/2014/main" id="{CE39EBFE-A824-0A9B-D944-5442C16EBE56}"/>
+            </a:ext>
+          </a:extLst>
+        </p:cNvPr>
+        <p:cNvGrpSpPr/>
+        <p:nvPr/>
+      </p:nvGrpSpPr>
+      <p:grpSpPr>
+        <a:xfrm>
+          <a:off x="0" y="0"/>
+          <a:ext cx="0" cy="0"/>
+          <a:chOff x="0" y="0"/>
+          <a:chExt cx="0" cy="0"/>
+        </a:xfrm>
+      </p:grpSpPr>
+      <p:sp>
+        <p:nvSpPr>
+          <p:cNvPr id="4" name="Rectangle 3">
+            <a:extLst>
+              <a:ext uri="{FF2B5EF4-FFF2-40B4-BE49-F238E27FC236}">
+                <a16:creationId xmlns:a16="http://schemas.microsoft.com/office/drawing/2014/main" id="{5D3F9C4A-0404-CCD6-53AC-DEEAFEED23B0}"/>
+              </a:ext>
+            </a:extLst>
+          </p:cNvPr>
+          <p:cNvSpPr/>
+          <p:nvPr/>
+        </p:nvSpPr>
+        <p:spPr>
+          <a:xfrm>
+            <a:off x="0" y="1"/>
+            <a:ext cx="4038604" cy="609600"/>
+          </a:xfrm>
+          <a:prstGeom prst="rect">
+            <a:avLst/>
+          </a:prstGeom>
+          <a:solidFill>
+            <a:schemeClr val="tx1">
+              <a:lumMod val="75000"/>
+              <a:lumOff val="25000"/>
+            </a:schemeClr>
+          </a:solidFill>
+          <a:ln w="6350">
+            <a:noFill/>
+          </a:ln>
+        </p:spPr>
+        <p:style>
+          <a:lnRef idx="2">
+            <a:schemeClr val="accent1">
+              <a:shade val="15000"/>
+            </a:schemeClr>
+          </a:lnRef>
+          <a:fillRef idx="1">
+            <a:schemeClr val="accent1"/>
+          </a:fillRef>
+          <a:effectRef idx="0">
+            <a:schemeClr val="accent1"/>
+          </a:effectRef>
+          <a:fontRef idx="minor">
+            <a:schemeClr val="lt1"/>
+          </a:fontRef>
+        </p:style>
+        <p:txBody>
+          <a:bodyPr rtlCol="0" anchor="ctr"/>
+          <a:lstStyle/>
+          <a:p>
+            <a:pPr algn="ctr"/>
+            <a:endParaRPr lang="en-US" dirty="0"/>
+          </a:p>
+        </p:txBody>
+      </p:sp>
+      <p:sp>
+        <p:nvSpPr>
+          <p:cNvPr id="6" name="Rounded Rectangle 5">
+            <a:extLst>
+              <a:ext uri="{FF2B5EF4-FFF2-40B4-BE49-F238E27FC236}">
+                <a16:creationId xmlns:a16="http://schemas.microsoft.com/office/drawing/2014/main" id="{A2A0720C-6617-1B7B-0A17-6BF194866374}"/>
+              </a:ext>
+            </a:extLst>
+          </p:cNvPr>
+          <p:cNvSpPr/>
+          <p:nvPr/>
+        </p:nvSpPr>
+        <p:spPr>
+          <a:xfrm>
+            <a:off x="589193" y="74636"/>
+            <a:ext cx="2860216" cy="457200"/>
+          </a:xfrm>
+          <a:prstGeom prst="roundRect">
+            <a:avLst>
+              <a:gd name="adj" fmla="val 50000"/>
+            </a:avLst>
+          </a:prstGeom>
+          <a:solidFill>
+            <a:srgbClr val="161618"/>
+          </a:solidFill>
+          <a:ln>
+            <a:noFill/>
+          </a:ln>
+        </p:spPr>
+        <p:style>
+          <a:lnRef idx="2">
+            <a:schemeClr val="accent1">
+              <a:shade val="15000"/>
+            </a:schemeClr>
+          </a:lnRef>
+          <a:fillRef idx="1">
+            <a:schemeClr val="accent1"/>
+          </a:fillRef>
+          <a:effectRef idx="0">
+            <a:schemeClr val="accent1"/>
+          </a:effectRef>
+          <a:fontRef idx="minor">
+            <a:schemeClr val="lt1"/>
+          </a:fontRef>
+        </p:style>
+        <p:txBody>
+          <a:bodyPr rtlCol="0" anchor="ctr"/>
+          <a:lstStyle/>
+          <a:p>
+            <a:pPr algn="ctr"/>
+            <a:r>
+              <a:rPr lang="en-US" sz="1400" dirty="0">
+                <a:solidFill>
+                  <a:schemeClr val="tx1">
+                    <a:lumMod val="75000"/>
+                    <a:lumOff val="25000"/>
+                  </a:schemeClr>
+                </a:solidFill>
+                <a:latin typeface="ui-sans-serif"/>
+              </a:rPr>
+              <a:t>Select a Surah to begin reading</a:t>
+            </a:r>
+            <a:endParaRPr lang="en-US" sz="1400" dirty="0">
+              <a:solidFill>
+                <a:schemeClr val="tx1">
+                  <a:lumMod val="75000"/>
+                  <a:lumOff val="25000"/>
+                </a:schemeClr>
+              </a:solidFill>
+            </a:endParaRPr>
+          </a:p>
+        </p:txBody>
+      </p:sp>
+      <p:pic>
+        <p:nvPicPr>
+          <p:cNvPr id="19" name="Graphic 18">
+            <a:extLst>
+              <a:ext uri="{FF2B5EF4-FFF2-40B4-BE49-F238E27FC236}">
+                <a16:creationId xmlns:a16="http://schemas.microsoft.com/office/drawing/2014/main" id="{16702025-145F-6792-B1F8-0B1E0D7136D5}"/>
+              </a:ext>
+            </a:extLst>
+          </p:cNvPr>
+          <p:cNvPicPr>
+            <a:picLocks noChangeAspect="1"/>
+          </p:cNvPicPr>
+          <p:nvPr/>
+        </p:nvPicPr>
+        <p:blipFill>
+          <a:blip r:embed="rId2">
+            <a:extLst>
+              <a:ext uri="{96DAC541-7B7A-43D3-8B79-37D633B846F1}">
+                <asvg:svgBlip xmlns:asvg="http://schemas.microsoft.com/office/drawing/2016/SVG/main" r:embed="rId3"/>
+              </a:ext>
+            </a:extLst>
+          </a:blip>
+          <a:stretch>
+            <a:fillRect/>
+          </a:stretch>
+        </p:blipFill>
+        <p:spPr>
+          <a:xfrm>
+            <a:off x="64828" y="120356"/>
+            <a:ext cx="365760" cy="365760"/>
+          </a:xfrm>
+          <a:prstGeom prst="rect">
+            <a:avLst/>
+          </a:prstGeom>
+        </p:spPr>
+      </p:pic>
+      <p:sp>
+        <p:nvSpPr>
+          <p:cNvPr id="3" name="Rectangle 2">
+            <a:extLst>
+              <a:ext uri="{FF2B5EF4-FFF2-40B4-BE49-F238E27FC236}">
+                <a16:creationId xmlns:a16="http://schemas.microsoft.com/office/drawing/2014/main" id="{B6F3DDCC-A4FB-4992-FB24-89000052EA14}"/>
+              </a:ext>
+            </a:extLst>
+          </p:cNvPr>
+          <p:cNvSpPr/>
+          <p:nvPr/>
+        </p:nvSpPr>
+        <p:spPr>
+          <a:xfrm>
+            <a:off x="0" y="0"/>
+            <a:ext cx="4038603" cy="6857999"/>
+          </a:xfrm>
+          <a:prstGeom prst="rect">
+            <a:avLst/>
+          </a:prstGeom>
+          <a:noFill/>
+          <a:ln>
+            <a:solidFill>
+              <a:schemeClr val="bg1"/>
+            </a:solidFill>
+          </a:ln>
+        </p:spPr>
+        <p:style>
+          <a:lnRef idx="2">
+            <a:schemeClr val="accent1">
+              <a:shade val="15000"/>
+            </a:schemeClr>
+          </a:lnRef>
+          <a:fillRef idx="1">
+            <a:schemeClr val="accent1"/>
+          </a:fillRef>
+          <a:effectRef idx="0">
+            <a:schemeClr val="accent1"/>
+          </a:effectRef>
+          <a:fontRef idx="minor">
+            <a:schemeClr val="lt1"/>
+          </a:fontRef>
+        </p:style>
+        <p:txBody>
+          <a:bodyPr rtlCol="0" anchor="ctr"/>
+          <a:lstStyle/>
+          <a:p>
+            <a:pPr algn="ctr"/>
+            <a:endParaRPr lang="en-US"/>
+          </a:p>
+        </p:txBody>
+      </p:sp>
+      <p:pic>
+        <p:nvPicPr>
+          <p:cNvPr id="5" name="Graphic 4" descr="Single gear with solid fill">
+            <a:extLst>
+              <a:ext uri="{FF2B5EF4-FFF2-40B4-BE49-F238E27FC236}">
+                <a16:creationId xmlns:a16="http://schemas.microsoft.com/office/drawing/2014/main" id="{C2C5DD6C-5923-DBD6-F811-FD402FBC6D43}"/>
+              </a:ext>
+            </a:extLst>
+          </p:cNvPr>
+          <p:cNvPicPr>
+            <a:picLocks noChangeAspect="1"/>
+          </p:cNvPicPr>
+          <p:nvPr/>
+        </p:nvPicPr>
+        <p:blipFill>
+          <a:blip r:embed="rId4">
+            <a:extLst>
+              <a:ext uri="{96DAC541-7B7A-43D3-8B79-37D633B846F1}">
+                <asvg:svgBlip xmlns:asvg="http://schemas.microsoft.com/office/drawing/2016/SVG/main" r:embed="rId5"/>
+              </a:ext>
+            </a:extLst>
+          </a:blip>
+          <a:stretch>
+            <a:fillRect/>
+          </a:stretch>
+        </p:blipFill>
+        <p:spPr>
+          <a:xfrm>
+            <a:off x="3620226" y="120356"/>
+            <a:ext cx="365760" cy="365760"/>
+          </a:xfrm>
+          <a:prstGeom prst="rect">
+            <a:avLst/>
+          </a:prstGeom>
+        </p:spPr>
+      </p:pic>
+      <p:sp>
+        <p:nvSpPr>
+          <p:cNvPr id="11" name="Rectangle 10">
+            <a:extLst>
+              <a:ext uri="{FF2B5EF4-FFF2-40B4-BE49-F238E27FC236}">
+                <a16:creationId xmlns:a16="http://schemas.microsoft.com/office/drawing/2014/main" id="{404A3F5D-43AA-FEC8-E8F2-55AB78DE64BB}"/>
+              </a:ext>
+            </a:extLst>
+          </p:cNvPr>
+          <p:cNvSpPr/>
+          <p:nvPr/>
+        </p:nvSpPr>
+        <p:spPr>
+          <a:xfrm>
+            <a:off x="4050815" y="0"/>
+            <a:ext cx="8141185" cy="6858000"/>
+          </a:xfrm>
+          <a:prstGeom prst="rect">
+            <a:avLst/>
+          </a:prstGeom>
+          <a:solidFill>
+            <a:schemeClr val="tx1">
+              <a:lumMod val="50000"/>
+              <a:lumOff val="50000"/>
+            </a:schemeClr>
+          </a:solidFill>
+        </p:spPr>
+        <p:style>
+          <a:lnRef idx="2">
+            <a:schemeClr val="accent1">
+              <a:shade val="15000"/>
+            </a:schemeClr>
+          </a:lnRef>
+          <a:fillRef idx="1">
+            <a:schemeClr val="accent1"/>
+          </a:fillRef>
+          <a:effectRef idx="0">
+            <a:schemeClr val="accent1"/>
+          </a:effectRef>
+          <a:fontRef idx="minor">
+            <a:schemeClr val="lt1"/>
+          </a:fontRef>
+        </p:style>
+        <p:txBody>
+          <a:bodyPr rtlCol="0" anchor="ctr"/>
+          <a:lstStyle/>
+          <a:p>
+            <a:pPr algn="ctr"/>
+            <a:endParaRPr lang="en-US"/>
+          </a:p>
+        </p:txBody>
+      </p:sp>
+      <p:sp>
+        <p:nvSpPr>
+          <p:cNvPr id="12" name="TextBox 11">
+            <a:extLst>
+              <a:ext uri="{FF2B5EF4-FFF2-40B4-BE49-F238E27FC236}">
+                <a16:creationId xmlns:a16="http://schemas.microsoft.com/office/drawing/2014/main" id="{397D3CC8-5AE1-AE73-A0D6-004CBA326912}"/>
+              </a:ext>
+            </a:extLst>
+          </p:cNvPr>
+          <p:cNvSpPr txBox="1"/>
+          <p:nvPr/>
+        </p:nvSpPr>
+        <p:spPr>
+          <a:xfrm>
+            <a:off x="7421884" y="2643036"/>
+            <a:ext cx="1848583" cy="1200329"/>
+          </a:xfrm>
+          <a:prstGeom prst="rect">
+            <a:avLst/>
+          </a:prstGeom>
+          <a:noFill/>
+        </p:spPr>
+        <p:txBody>
+          <a:bodyPr wrap="none" rtlCol="0">
+            <a:spAutoFit/>
+          </a:bodyPr>
+          <a:lstStyle/>
+          <a:p>
+            <a:r>
+              <a:rPr lang="en-US" sz="3600" b="1" dirty="0">
+                <a:solidFill>
+                  <a:schemeClr val="bg1"/>
+                </a:solidFill>
+                <a:latin typeface="JetBrains Mono" panose="02000009000000000000" pitchFamily="49" charset="0"/>
+                <a:ea typeface="JetBrains Mono" panose="02000009000000000000" pitchFamily="49" charset="0"/>
+                <a:cs typeface="JetBrains Mono" panose="02000009000000000000" pitchFamily="49" charset="0"/>
+              </a:rPr>
+              <a:t>Mobile</a:t>
+            </a:r>
+          </a:p>
+          <a:p>
+            <a:r>
+              <a:rPr lang="en-US" sz="3600" b="1" dirty="0">
+                <a:solidFill>
+                  <a:schemeClr val="bg1"/>
+                </a:solidFill>
+                <a:latin typeface="JetBrains Mono" panose="02000009000000000000" pitchFamily="49" charset="0"/>
+                <a:ea typeface="JetBrains Mono" panose="02000009000000000000" pitchFamily="49" charset="0"/>
+                <a:cs typeface="JetBrains Mono" panose="02000009000000000000" pitchFamily="49" charset="0"/>
+              </a:rPr>
+              <a:t> View</a:t>
+            </a:r>
+          </a:p>
+        </p:txBody>
+      </p:sp>
+    </p:spTree>
+    <p:extLst>
+      <p:ext uri="{BB962C8B-B14F-4D97-AF65-F5344CB8AC3E}">
+        <p14:creationId xmlns:p14="http://schemas.microsoft.com/office/powerpoint/2010/main" val="329381501"/>
+      </p:ext>
+    </p:extLst>
+  </p:cSld>
+  <p:clrMapOvr>
+    <a:masterClrMapping/>
+  </p:clrMapOvr>
+</p:sld>
+</file>
+
+<file path=ppt/slides/slide4.xml><?xml version="1.0" encoding="utf-8"?>
 <p:sld xmlns:a="http://schemas.openxmlformats.org/drawingml/2006/main" xmlns:r="http://schemas.openxmlformats.org/officeDocument/2006/relationships" xmlns:p="http://schemas.openxmlformats.org/presentationml/2006/main">
   <p:cSld>
     <p:bg>
@@ -3756,8 +4868,8 @@
         </p:nvSpPr>
         <p:spPr>
           <a:xfrm>
-            <a:off x="0" y="0"/>
-            <a:ext cx="12192000" cy="609600"/>
+            <a:off x="-1" y="1"/>
+            <a:ext cx="12192001" cy="609600"/>
           </a:xfrm>
           <a:prstGeom prst="rect">
             <a:avLst/>
@@ -3799,10 +4911,10 @@
       </p:sp>
       <p:sp>
         <p:nvSpPr>
-          <p:cNvPr id="5" name="TextBox 4">
-            <a:extLst>
-              <a:ext uri="{FF2B5EF4-FFF2-40B4-BE49-F238E27FC236}">
-                <a16:creationId xmlns:a16="http://schemas.microsoft.com/office/drawing/2014/main" id="{EEB9A1AB-7047-246C-072A-A0304AD0FED8}"/>
+          <p:cNvPr id="3" name="TextBox 2">
+            <a:extLst>
+              <a:ext uri="{FF2B5EF4-FFF2-40B4-BE49-F238E27FC236}">
+                <a16:creationId xmlns:a16="http://schemas.microsoft.com/office/drawing/2014/main" id="{7F41D6CF-6649-7738-9CE1-BDE109E90CE4}"/>
               </a:ext>
             </a:extLst>
           </p:cNvPr>
@@ -3811,7 +4923,7 @@
         </p:nvSpPr>
         <p:spPr>
           <a:xfrm>
-            <a:off x="97972" y="120134"/>
+            <a:off x="552269" y="115668"/>
             <a:ext cx="1439818" cy="369332"/>
           </a:xfrm>
           <a:prstGeom prst="rect">
@@ -3828,7 +4940,9 @@
             <a:r>
               <a:rPr lang="en-US" b="1" dirty="0">
                 <a:solidFill>
-                  <a:schemeClr val="bg1"/>
+                  <a:schemeClr val="bg1">
+                    <a:lumMod val="75000"/>
+                  </a:schemeClr>
                 </a:solidFill>
                 <a:latin typeface="JetBrains Mono" panose="02000009000000000000" pitchFamily="49" charset="0"/>
                 <a:ea typeface="JetBrains Mono" panose="02000009000000000000" pitchFamily="49" charset="0"/>
@@ -3841,10 +4955,10 @@
       </p:sp>
       <p:sp>
         <p:nvSpPr>
-          <p:cNvPr id="6" name="Rounded Rectangle 5">
-            <a:extLst>
-              <a:ext uri="{FF2B5EF4-FFF2-40B4-BE49-F238E27FC236}">
-                <a16:creationId xmlns:a16="http://schemas.microsoft.com/office/drawing/2014/main" id="{CB25BCC6-D3F4-0A27-DB02-EF6C827C488C}"/>
+          <p:cNvPr id="9" name="Rounded Rectangle 8">
+            <a:extLst>
+              <a:ext uri="{FF2B5EF4-FFF2-40B4-BE49-F238E27FC236}">
+                <a16:creationId xmlns:a16="http://schemas.microsoft.com/office/drawing/2014/main" id="{C2EBE81F-DE71-8B75-F261-EF06AE19BE62}"/>
               </a:ext>
             </a:extLst>
           </p:cNvPr>
@@ -3853,20 +4967,31 @@
         </p:nvSpPr>
         <p:spPr>
           <a:xfrm>
-            <a:off x="2612571" y="60067"/>
-            <a:ext cx="6966857" cy="489466"/>
+            <a:off x="4038603" y="56256"/>
+            <a:ext cx="4114801" cy="6457691"/>
           </a:xfrm>
           <a:prstGeom prst="roundRect">
             <a:avLst>
-              <a:gd name="adj" fmla="val 50000"/>
+              <a:gd name="adj" fmla="val 5322"/>
             </a:avLst>
           </a:prstGeom>
           <a:solidFill>
             <a:srgbClr val="161618"/>
           </a:solidFill>
           <a:ln>
-            <a:noFill/>
+            <a:solidFill>
+              <a:schemeClr val="bg1">
+                <a:lumMod val="50000"/>
+              </a:schemeClr>
+            </a:solidFill>
           </a:ln>
+          <a:effectLst>
+            <a:outerShdw blurRad="50800" dist="38100" dir="5400000" algn="t" rotWithShape="0">
+              <a:prstClr val="black">
+                <a:alpha val="40000"/>
+              </a:prstClr>
+            </a:outerShdw>
+          </a:effectLst>
         </p:spPr>
         <p:style>
           <a:lnRef idx="2">
@@ -3885,91 +5010,82 @@
           </a:fontRef>
         </p:style>
         <p:txBody>
-          <a:bodyPr rtlCol="0" anchor="ctr"/>
-          <a:lstStyle/>
-          <a:p>
-            <a:pPr algn="ctr"/>
-            <a:endParaRPr lang="en-US"/>
-          </a:p>
-        </p:txBody>
-      </p:sp>
-      <p:pic>
-        <p:nvPicPr>
-          <p:cNvPr id="8" name="Graphic 7" descr="Single gear with solid fill">
-            <a:extLst>
-              <a:ext uri="{FF2B5EF4-FFF2-40B4-BE49-F238E27FC236}">
-                <a16:creationId xmlns:a16="http://schemas.microsoft.com/office/drawing/2014/main" id="{31CF862C-04BF-9AA3-CEB7-4D5CFC31DBBB}"/>
-              </a:ext>
-            </a:extLst>
-          </p:cNvPr>
-          <p:cNvPicPr>
-            <a:picLocks noChangeAspect="1"/>
-          </p:cNvPicPr>
-          <p:nvPr/>
-        </p:nvPicPr>
-        <p:blipFill>
-          <a:blip r:embed="rId2">
-            <a:extLst>
-              <a:ext uri="{96DAC541-7B7A-43D3-8B79-37D633B846F1}">
-                <asvg:svgBlip xmlns:asvg="http://schemas.microsoft.com/office/drawing/2016/SVG/main" r:embed="rId3"/>
-              </a:ext>
-            </a:extLst>
-          </a:blip>
-          <a:stretch>
-            <a:fillRect/>
-          </a:stretch>
-        </p:blipFill>
-        <p:spPr>
-          <a:xfrm>
-            <a:off x="11636828" y="54038"/>
-            <a:ext cx="457200" cy="457200"/>
-          </a:xfrm>
-          <a:prstGeom prst="rect">
-            <a:avLst/>
-          </a:prstGeom>
-        </p:spPr>
-      </p:pic>
-      <p:sp>
-        <p:nvSpPr>
-          <p:cNvPr id="10" name="TextBox 9">
-            <a:extLst>
-              <a:ext uri="{FF2B5EF4-FFF2-40B4-BE49-F238E27FC236}">
-                <a16:creationId xmlns:a16="http://schemas.microsoft.com/office/drawing/2014/main" id="{B1259348-8D8F-8014-71F4-A732BB28C5F3}"/>
-              </a:ext>
-            </a:extLst>
-          </p:cNvPr>
-          <p:cNvSpPr txBox="1"/>
-          <p:nvPr/>
-        </p:nvSpPr>
-        <p:spPr>
-          <a:xfrm>
-            <a:off x="4354286" y="120134"/>
-            <a:ext cx="6096000" cy="369332"/>
-          </a:xfrm>
-          <a:prstGeom prst="rect">
-            <a:avLst/>
-          </a:prstGeom>
-          <a:noFill/>
-        </p:spPr>
-        <p:txBody>
-          <a:bodyPr wrap="square">
-            <a:spAutoFit/>
-          </a:bodyPr>
-          <a:lstStyle/>
-          <a:p>
-            <a:r>
-              <a:rPr lang="en-US" b="0" i="0" dirty="0">
+          <a:bodyPr rtlCol="0" anchor="t"/>
+          <a:lstStyle/>
+          <a:p>
+            <a:pPr marL="342914" indent="-342914">
+              <a:lnSpc>
+                <a:spcPct val="150000"/>
+              </a:lnSpc>
+              <a:buAutoNum type="arabicPeriod"/>
+            </a:pPr>
+            <a:r>
+              <a:rPr lang="en-US" dirty="0">
                 <a:solidFill>
-                  <a:schemeClr val="tx1">
-                    <a:lumMod val="75000"/>
-                    <a:lumOff val="25000"/>
+                  <a:schemeClr val="bg1">
+                    <a:lumMod val="50000"/>
                   </a:schemeClr>
                 </a:solidFill>
-                <a:effectLst/>
-                <a:latin typeface="ui-sans-serif"/>
               </a:rPr>
-              <a:t>Select a Surah to begin reading</a:t>
-            </a:r>
+              <a:t>Al-Fatihah		</a:t>
+            </a:r>
+            <a:r>
+              <a:rPr lang="ar-AE" dirty="0">
+                <a:solidFill>
+                  <a:schemeClr val="bg1">
+                    <a:lumMod val="50000"/>
+                  </a:schemeClr>
+                </a:solidFill>
+              </a:rPr>
+              <a:t>الفاتحة</a:t>
+            </a:r>
+            <a:r>
+              <a:rPr lang="en-US" dirty="0">
+                <a:solidFill>
+                  <a:schemeClr val="bg1">
+                    <a:lumMod val="50000"/>
+                  </a:schemeClr>
+                </a:solidFill>
+              </a:rPr>
+              <a:t>	</a:t>
+            </a:r>
+          </a:p>
+          <a:p>
+            <a:pPr marL="342914" indent="-342914">
+              <a:buAutoNum type="arabicPeriod"/>
+            </a:pPr>
+            <a:r>
+              <a:rPr lang="en-US" dirty="0">
+                <a:solidFill>
+                  <a:schemeClr val="bg1">
+                    <a:lumMod val="50000"/>
+                  </a:schemeClr>
+                </a:solidFill>
+              </a:rPr>
+              <a:t>Al-Baqarah		</a:t>
+            </a:r>
+            <a:r>
+              <a:rPr lang="ar-AE" dirty="0">
+                <a:solidFill>
+                  <a:schemeClr val="bg1">
+                    <a:lumMod val="50000"/>
+                  </a:schemeClr>
+                </a:solidFill>
+              </a:rPr>
+              <a:t>البقرة</a:t>
+            </a:r>
+            <a:endParaRPr lang="en-US" dirty="0">
+              <a:solidFill>
+                <a:schemeClr val="bg1">
+                  <a:lumMod val="50000"/>
+                </a:schemeClr>
+              </a:solidFill>
+            </a:endParaRPr>
+          </a:p>
+          <a:p>
+            <a:br>
+              <a:rPr lang="en-US" dirty="0"/>
+            </a:br>
             <a:endParaRPr lang="en-US" dirty="0">
               <a:solidFill>
                 <a:schemeClr val="tx1">
@@ -3981,12 +5097,187 @@
           </a:p>
         </p:txBody>
       </p:sp>
-      <p:sp>
-        <p:nvSpPr>
-          <p:cNvPr id="2" name="Rounded Rectangle 1">
-            <a:extLst>
-              <a:ext uri="{FF2B5EF4-FFF2-40B4-BE49-F238E27FC236}">
-                <a16:creationId xmlns:a16="http://schemas.microsoft.com/office/drawing/2014/main" id="{94E37140-26FB-43C4-2345-FF2E4ECCC3B9}"/>
+      <p:pic>
+        <p:nvPicPr>
+          <p:cNvPr id="12" name="Graphic 11" descr="Single gear with solid fill">
+            <a:extLst>
+              <a:ext uri="{FF2B5EF4-FFF2-40B4-BE49-F238E27FC236}">
+                <a16:creationId xmlns:a16="http://schemas.microsoft.com/office/drawing/2014/main" id="{009BA9C7-396B-303F-8175-72013AB554AA}"/>
+              </a:ext>
+            </a:extLst>
+          </p:cNvPr>
+          <p:cNvPicPr>
+            <a:picLocks noChangeAspect="1"/>
+          </p:cNvPicPr>
+          <p:nvPr/>
+        </p:nvPicPr>
+        <p:blipFill>
+          <a:blip r:embed="rId2">
+            <a:extLst>
+              <a:ext uri="{96DAC541-7B7A-43D3-8B79-37D633B846F1}">
+                <asvg:svgBlip xmlns:asvg="http://schemas.microsoft.com/office/drawing/2016/SVG/main" r:embed="rId3"/>
+              </a:ext>
+            </a:extLst>
+          </a:blip>
+          <a:stretch>
+            <a:fillRect/>
+          </a:stretch>
+        </p:blipFill>
+        <p:spPr>
+          <a:xfrm>
+            <a:off x="11636828" y="54037"/>
+            <a:ext cx="457200" cy="457200"/>
+          </a:xfrm>
+          <a:prstGeom prst="rect">
+            <a:avLst/>
+          </a:prstGeom>
+        </p:spPr>
+      </p:pic>
+      <p:pic>
+        <p:nvPicPr>
+          <p:cNvPr id="13" name="Graphic 12">
+            <a:extLst>
+              <a:ext uri="{FF2B5EF4-FFF2-40B4-BE49-F238E27FC236}">
+                <a16:creationId xmlns:a16="http://schemas.microsoft.com/office/drawing/2014/main" id="{86F86020-B3D0-1C4C-216A-3DFDF5834865}"/>
+              </a:ext>
+            </a:extLst>
+          </p:cNvPr>
+          <p:cNvPicPr>
+            <a:picLocks noChangeAspect="1"/>
+          </p:cNvPicPr>
+          <p:nvPr/>
+        </p:nvPicPr>
+        <p:blipFill>
+          <a:blip r:embed="rId4">
+            <a:extLst>
+              <a:ext uri="{96DAC541-7B7A-43D3-8B79-37D633B846F1}">
+                <asvg:svgBlip xmlns:asvg="http://schemas.microsoft.com/office/drawing/2016/SVG/main" r:embed="rId5"/>
+              </a:ext>
+            </a:extLst>
+          </a:blip>
+          <a:stretch>
+            <a:fillRect/>
+          </a:stretch>
+        </p:blipFill>
+        <p:spPr>
+          <a:xfrm>
+            <a:off x="97972" y="73720"/>
+            <a:ext cx="454297" cy="454297"/>
+          </a:xfrm>
+          <a:prstGeom prst="rect">
+            <a:avLst/>
+          </a:prstGeom>
+        </p:spPr>
+      </p:pic>
+      <p:sp>
+        <p:nvSpPr>
+          <p:cNvPr id="14" name="TextBox 13">
+            <a:extLst>
+              <a:ext uri="{FF2B5EF4-FFF2-40B4-BE49-F238E27FC236}">
+                <a16:creationId xmlns:a16="http://schemas.microsoft.com/office/drawing/2014/main" id="{85ECF253-F9D5-E097-95E4-136E231F6099}"/>
+              </a:ext>
+            </a:extLst>
+          </p:cNvPr>
+          <p:cNvSpPr txBox="1"/>
+          <p:nvPr/>
+        </p:nvSpPr>
+        <p:spPr>
+          <a:xfrm>
+            <a:off x="209226" y="5432947"/>
+            <a:ext cx="2125903" cy="1200329"/>
+          </a:xfrm>
+          <a:prstGeom prst="rect">
+            <a:avLst/>
+          </a:prstGeom>
+          <a:noFill/>
+        </p:spPr>
+        <p:txBody>
+          <a:bodyPr wrap="none" rtlCol="0">
+            <a:spAutoFit/>
+          </a:bodyPr>
+          <a:lstStyle/>
+          <a:p>
+            <a:r>
+              <a:rPr lang="en-US" sz="3600" b="1" dirty="0">
+                <a:solidFill>
+                  <a:schemeClr val="bg1">
+                    <a:lumMod val="75000"/>
+                  </a:schemeClr>
+                </a:solidFill>
+                <a:latin typeface="JetBrains Mono" panose="02000009000000000000" pitchFamily="49" charset="0"/>
+                <a:ea typeface="JetBrains Mono" panose="02000009000000000000" pitchFamily="49" charset="0"/>
+                <a:cs typeface="JetBrains Mono" panose="02000009000000000000" pitchFamily="49" charset="0"/>
+              </a:rPr>
+              <a:t>Desktop</a:t>
+            </a:r>
+          </a:p>
+          <a:p>
+            <a:r>
+              <a:rPr lang="en-US" sz="3600" b="1" dirty="0">
+                <a:solidFill>
+                  <a:schemeClr val="bg1">
+                    <a:lumMod val="75000"/>
+                  </a:schemeClr>
+                </a:solidFill>
+                <a:latin typeface="JetBrains Mono" panose="02000009000000000000" pitchFamily="49" charset="0"/>
+                <a:ea typeface="JetBrains Mono" panose="02000009000000000000" pitchFamily="49" charset="0"/>
+                <a:cs typeface="JetBrains Mono" panose="02000009000000000000" pitchFamily="49" charset="0"/>
+              </a:rPr>
+              <a:t> View</a:t>
+            </a:r>
+          </a:p>
+        </p:txBody>
+      </p:sp>
+    </p:spTree>
+    <p:extLst>
+      <p:ext uri="{BB962C8B-B14F-4D97-AF65-F5344CB8AC3E}">
+        <p14:creationId xmlns:p14="http://schemas.microsoft.com/office/powerpoint/2010/main" val="3916162677"/>
+      </p:ext>
+    </p:extLst>
+  </p:cSld>
+  <p:clrMapOvr>
+    <a:masterClrMapping/>
+  </p:clrMapOvr>
+</p:sld>
+</file>
+
+<file path=ppt/slides/slide5.xml><?xml version="1.0" encoding="utf-8"?>
+<p:sld xmlns:a="http://schemas.openxmlformats.org/drawingml/2006/main" xmlns:r="http://schemas.openxmlformats.org/officeDocument/2006/relationships" xmlns:p="http://schemas.openxmlformats.org/presentationml/2006/main">
+  <p:cSld>
+    <p:bg>
+      <p:bgPr>
+        <a:solidFill>
+          <a:srgbClr val="161618"/>
+        </a:solidFill>
+        <a:effectLst/>
+      </p:bgPr>
+    </p:bg>
+    <p:spTree>
+      <p:nvGrpSpPr>
+        <p:cNvPr id="1" name="">
+          <a:extLst>
+            <a:ext uri="{FF2B5EF4-FFF2-40B4-BE49-F238E27FC236}">
+              <a16:creationId xmlns:a16="http://schemas.microsoft.com/office/drawing/2014/main" id="{2D42CB59-49E1-9539-C902-26EA0DED6193}"/>
+            </a:ext>
+          </a:extLst>
+        </p:cNvPr>
+        <p:cNvGrpSpPr/>
+        <p:nvPr/>
+      </p:nvGrpSpPr>
+      <p:grpSpPr>
+        <a:xfrm>
+          <a:off x="0" y="0"/>
+          <a:ext cx="0" cy="0"/>
+          <a:chOff x="0" y="0"/>
+          <a:chExt cx="0" cy="0"/>
+        </a:xfrm>
+      </p:grpSpPr>
+      <p:sp>
+        <p:nvSpPr>
+          <p:cNvPr id="4" name="Rectangle 3">
+            <a:extLst>
+              <a:ext uri="{FF2B5EF4-FFF2-40B4-BE49-F238E27FC236}">
+                <a16:creationId xmlns:a16="http://schemas.microsoft.com/office/drawing/2014/main" id="{B41D32C9-6B5E-03C5-499F-9EDB39332D5C}"/>
               </a:ext>
             </a:extLst>
           </p:cNvPr>
@@ -3995,15 +5286,19 @@
         </p:nvSpPr>
         <p:spPr>
           <a:xfrm>
-            <a:off x="2601938" y="54406"/>
-            <a:ext cx="3735066" cy="6410557"/>
-          </a:xfrm>
-          <a:prstGeom prst="roundRect">
-            <a:avLst>
-              <a:gd name="adj" fmla="val 7273"/>
-            </a:avLst>
+            <a:off x="0" y="1"/>
+            <a:ext cx="4038604" cy="609600"/>
+          </a:xfrm>
+          <a:prstGeom prst="rect">
+            <a:avLst/>
           </a:prstGeom>
-          <a:ln>
+          <a:solidFill>
+            <a:schemeClr val="tx1">
+              <a:lumMod val="75000"/>
+              <a:lumOff val="25000"/>
+            </a:schemeClr>
+          </a:solidFill>
+          <a:ln w="6350">
             <a:noFill/>
           </a:ln>
         </p:spPr>
@@ -4028,60 +5323,16 @@
           <a:lstStyle/>
           <a:p>
             <a:pPr algn="ctr"/>
-            <a:endParaRPr lang="en-US"/>
-          </a:p>
-        </p:txBody>
-      </p:sp>
-    </p:spTree>
-    <p:extLst>
-      <p:ext uri="{BB962C8B-B14F-4D97-AF65-F5344CB8AC3E}">
-        <p14:creationId xmlns:p14="http://schemas.microsoft.com/office/powerpoint/2010/main" val="3916162677"/>
-      </p:ext>
-    </p:extLst>
-  </p:cSld>
-  <p:clrMapOvr>
-    <a:masterClrMapping/>
-  </p:clrMapOvr>
-</p:sld>
-</file>
-
-<file path=ppt/slides/slide3.xml><?xml version="1.0" encoding="utf-8"?>
-<p:sld xmlns:a="http://schemas.openxmlformats.org/drawingml/2006/main" xmlns:r="http://schemas.openxmlformats.org/officeDocument/2006/relationships" xmlns:p="http://schemas.openxmlformats.org/presentationml/2006/main">
-  <p:cSld>
-    <p:bg>
-      <p:bgPr>
-        <a:solidFill>
-          <a:srgbClr val="161618"/>
-        </a:solidFill>
-        <a:effectLst/>
-      </p:bgPr>
-    </p:bg>
-    <p:spTree>
-      <p:nvGrpSpPr>
-        <p:cNvPr id="1" name="">
-          <a:extLst>
-            <a:ext uri="{FF2B5EF4-FFF2-40B4-BE49-F238E27FC236}">
-              <a16:creationId xmlns:a16="http://schemas.microsoft.com/office/drawing/2014/main" id="{FF403E8E-B75D-B2C5-5AE4-2BBDE0060123}"/>
-            </a:ext>
-          </a:extLst>
-        </p:cNvPr>
-        <p:cNvGrpSpPr/>
-        <p:nvPr/>
-      </p:nvGrpSpPr>
-      <p:grpSpPr>
-        <a:xfrm>
-          <a:off x="0" y="0"/>
-          <a:ext cx="0" cy="0"/>
-          <a:chOff x="0" y="0"/>
-          <a:chExt cx="0" cy="0"/>
-        </a:xfrm>
-      </p:grpSpPr>
-      <p:sp>
-        <p:nvSpPr>
-          <p:cNvPr id="4" name="Rectangle 3">
-            <a:extLst>
-              <a:ext uri="{FF2B5EF4-FFF2-40B4-BE49-F238E27FC236}">
-                <a16:creationId xmlns:a16="http://schemas.microsoft.com/office/drawing/2014/main" id="{C31F7461-9C09-1F8D-E1D2-20E25174C05E}"/>
+            <a:endParaRPr lang="en-US" dirty="0"/>
+          </a:p>
+        </p:txBody>
+      </p:sp>
+      <p:sp>
+        <p:nvSpPr>
+          <p:cNvPr id="9" name="Rectangle 8">
+            <a:extLst>
+              <a:ext uri="{FF2B5EF4-FFF2-40B4-BE49-F238E27FC236}">
+                <a16:creationId xmlns:a16="http://schemas.microsoft.com/office/drawing/2014/main" id="{9EDCF563-E6AC-84CD-8DE5-F75563004257}"/>
               </a:ext>
             </a:extLst>
           </p:cNvPr>
@@ -4090,21 +5341,18 @@
         </p:nvSpPr>
         <p:spPr>
           <a:xfrm>
-            <a:off x="0" y="0"/>
-            <a:ext cx="12192000" cy="609600"/>
+            <a:off x="4050815" y="247426"/>
+            <a:ext cx="8141185" cy="6858000"/>
           </a:xfrm>
           <a:prstGeom prst="rect">
             <a:avLst/>
           </a:prstGeom>
           <a:solidFill>
             <a:schemeClr val="tx1">
-              <a:lumMod val="75000"/>
-              <a:lumOff val="25000"/>
+              <a:lumMod val="50000"/>
+              <a:lumOff val="50000"/>
             </a:schemeClr>
           </a:solidFill>
-          <a:ln w="6350">
-            <a:noFill/>
-          </a:ln>
         </p:spPr>
         <p:style>
           <a:lnRef idx="2">
@@ -4127,49 +5375,7 @@
           <a:lstStyle/>
           <a:p>
             <a:pPr algn="ctr"/>
-            <a:endParaRPr lang="en-US" dirty="0"/>
-          </a:p>
-        </p:txBody>
-      </p:sp>
-      <p:sp>
-        <p:nvSpPr>
-          <p:cNvPr id="5" name="TextBox 4">
-            <a:extLst>
-              <a:ext uri="{FF2B5EF4-FFF2-40B4-BE49-F238E27FC236}">
-                <a16:creationId xmlns:a16="http://schemas.microsoft.com/office/drawing/2014/main" id="{CE6F5083-AC47-63E4-26C1-B9265ADCBD2A}"/>
-              </a:ext>
-            </a:extLst>
-          </p:cNvPr>
-          <p:cNvSpPr txBox="1"/>
-          <p:nvPr/>
-        </p:nvSpPr>
-        <p:spPr>
-          <a:xfrm>
-            <a:off x="97972" y="120134"/>
-            <a:ext cx="1439818" cy="369332"/>
-          </a:xfrm>
-          <a:prstGeom prst="rect">
-            <a:avLst/>
-          </a:prstGeom>
-          <a:noFill/>
-        </p:spPr>
-        <p:txBody>
-          <a:bodyPr wrap="none" rtlCol="0">
-            <a:spAutoFit/>
-          </a:bodyPr>
-          <a:lstStyle/>
-          <a:p>
-            <a:r>
-              <a:rPr lang="en-US" b="1" dirty="0">
-                <a:solidFill>
-                  <a:schemeClr val="bg1"/>
-                </a:solidFill>
-                <a:latin typeface="JetBrains Mono" panose="02000009000000000000" pitchFamily="49" charset="0"/>
-                <a:ea typeface="JetBrains Mono" panose="02000009000000000000" pitchFamily="49" charset="0"/>
-                <a:cs typeface="JetBrains Mono" panose="02000009000000000000" pitchFamily="49" charset="0"/>
-              </a:rPr>
-              <a:t>Al-Qur’an</a:t>
-            </a:r>
+            <a:endParaRPr lang="en-US"/>
           </a:p>
         </p:txBody>
       </p:sp>
@@ -4178,7 +5384,7 @@
           <p:cNvPr id="6" name="Rounded Rectangle 5">
             <a:extLst>
               <a:ext uri="{FF2B5EF4-FFF2-40B4-BE49-F238E27FC236}">
-                <a16:creationId xmlns:a16="http://schemas.microsoft.com/office/drawing/2014/main" id="{C7BAA324-1CCD-8B13-437A-9DB9C9A4FAD2}"/>
+                <a16:creationId xmlns:a16="http://schemas.microsoft.com/office/drawing/2014/main" id="{FCC4492F-CEAE-C9D5-A14C-BFB5ECB778AE}"/>
               </a:ext>
             </a:extLst>
           </p:cNvPr>
@@ -4187,8 +5393,8 @@
         </p:nvSpPr>
         <p:spPr>
           <a:xfrm>
-            <a:off x="2612571" y="60067"/>
-            <a:ext cx="6966857" cy="489466"/>
+            <a:off x="589193" y="74636"/>
+            <a:ext cx="2860216" cy="457200"/>
           </a:xfrm>
           <a:prstGeom prst="roundRect">
             <a:avLst>
@@ -4223,16 +5429,23 @@
           <a:lstStyle/>
           <a:p>
             <a:pPr algn="ctr"/>
-            <a:endParaRPr lang="en-US"/>
+            <a:endParaRPr lang="en-US" sz="1400" dirty="0">
+              <a:solidFill>
+                <a:schemeClr val="tx1">
+                  <a:lumMod val="75000"/>
+                  <a:lumOff val="25000"/>
+                </a:schemeClr>
+              </a:solidFill>
+            </a:endParaRPr>
           </a:p>
         </p:txBody>
       </p:sp>
       <p:pic>
         <p:nvPicPr>
-          <p:cNvPr id="8" name="Graphic 7" descr="Single gear with solid fill">
-            <a:extLst>
-              <a:ext uri="{FF2B5EF4-FFF2-40B4-BE49-F238E27FC236}">
-                <a16:creationId xmlns:a16="http://schemas.microsoft.com/office/drawing/2014/main" id="{4C9B4DF0-1519-32A7-81F7-0E69B0125825}"/>
+          <p:cNvPr id="19" name="Graphic 18">
+            <a:extLst>
+              <a:ext uri="{FF2B5EF4-FFF2-40B4-BE49-F238E27FC236}">
+                <a16:creationId xmlns:a16="http://schemas.microsoft.com/office/drawing/2014/main" id="{9296E200-461B-E691-09E9-9315886168F4}"/>
               </a:ext>
             </a:extLst>
           </p:cNvPr>
@@ -4255,8 +5468,8 @@
         </p:blipFill>
         <p:spPr>
           <a:xfrm>
-            <a:off x="11636828" y="54038"/>
-            <a:ext cx="457200" cy="457200"/>
+            <a:off x="64828" y="120356"/>
+            <a:ext cx="365760" cy="365760"/>
           </a:xfrm>
           <a:prstGeom prst="rect">
             <a:avLst/>
@@ -4268,7 +5481,7 @@
           <p:cNvPr id="2" name="TextBox 1">
             <a:extLst>
               <a:ext uri="{FF2B5EF4-FFF2-40B4-BE49-F238E27FC236}">
-                <a16:creationId xmlns:a16="http://schemas.microsoft.com/office/drawing/2014/main" id="{5B3B8F71-4A4E-3B59-F58C-5FC34D18F59A}"/>
+                <a16:creationId xmlns:a16="http://schemas.microsoft.com/office/drawing/2014/main" id="{77616DCA-066B-54A8-58CB-DD29F02E445E}"/>
               </a:ext>
             </a:extLst>
           </p:cNvPr>
@@ -4277,8 +5490,8 @@
         </p:nvSpPr>
         <p:spPr>
           <a:xfrm>
-            <a:off x="2862943" y="115669"/>
-            <a:ext cx="6096000" cy="369332"/>
+            <a:off x="7421884" y="2643036"/>
+            <a:ext cx="1848583" cy="1200329"/>
           </a:xfrm>
           <a:prstGeom prst="rect">
             <a:avLst/>
@@ -4286,39 +5499,44 @@
           <a:noFill/>
         </p:spPr>
         <p:txBody>
-          <a:bodyPr wrap="square">
+          <a:bodyPr wrap="none" rtlCol="0">
             <a:spAutoFit/>
           </a:bodyPr>
           <a:lstStyle/>
           <a:p>
             <a:r>
-              <a:rPr lang="en-US" b="1" i="0" dirty="0">
+              <a:rPr lang="en-US" sz="3600" b="1" dirty="0">
                 <a:solidFill>
-                  <a:schemeClr val="bg1">
-                    <a:lumMod val="85000"/>
-                  </a:schemeClr>
+                  <a:schemeClr val="bg1"/>
                 </a:solidFill>
-                <a:effectLst/>
-                <a:latin typeface="ui-sans-serif"/>
+                <a:latin typeface="JetBrains Mono" panose="02000009000000000000" pitchFamily="49" charset="0"/>
+                <a:ea typeface="JetBrains Mono" panose="02000009000000000000" pitchFamily="49" charset="0"/>
+                <a:cs typeface="JetBrains Mono" panose="02000009000000000000" pitchFamily="49" charset="0"/>
               </a:rPr>
-              <a:t>Al-Fatihah</a:t>
-            </a:r>
-            <a:endParaRPr lang="en-US" b="1" dirty="0">
-              <a:solidFill>
-                <a:schemeClr val="bg1">
-                  <a:lumMod val="85000"/>
-                </a:schemeClr>
-              </a:solidFill>
-            </a:endParaRPr>
-          </a:p>
-        </p:txBody>
-      </p:sp>
-      <p:sp>
-        <p:nvSpPr>
-          <p:cNvPr id="3" name="Rounded Rectangle 2">
-            <a:extLst>
-              <a:ext uri="{FF2B5EF4-FFF2-40B4-BE49-F238E27FC236}">
-                <a16:creationId xmlns:a16="http://schemas.microsoft.com/office/drawing/2014/main" id="{FB8DA56D-C441-C896-D075-A68DBA64B42C}"/>
+              <a:t>Mobile</a:t>
+            </a:r>
+          </a:p>
+          <a:p>
+            <a:r>
+              <a:rPr lang="en-US" sz="3600" b="1" dirty="0">
+                <a:solidFill>
+                  <a:schemeClr val="bg1"/>
+                </a:solidFill>
+                <a:latin typeface="JetBrains Mono" panose="02000009000000000000" pitchFamily="49" charset="0"/>
+                <a:ea typeface="JetBrains Mono" panose="02000009000000000000" pitchFamily="49" charset="0"/>
+                <a:cs typeface="JetBrains Mono" panose="02000009000000000000" pitchFamily="49" charset="0"/>
+              </a:rPr>
+              <a:t> View</a:t>
+            </a:r>
+          </a:p>
+        </p:txBody>
+      </p:sp>
+      <p:sp>
+        <p:nvSpPr>
+          <p:cNvPr id="3" name="Rectangle 2">
+            <a:extLst>
+              <a:ext uri="{FF2B5EF4-FFF2-40B4-BE49-F238E27FC236}">
+                <a16:creationId xmlns:a16="http://schemas.microsoft.com/office/drawing/2014/main" id="{804A1FA5-0B34-1423-E5FD-33BA9014F599}"/>
               </a:ext>
             </a:extLst>
           </p:cNvPr>
@@ -4327,22 +5545,17 @@
         </p:nvSpPr>
         <p:spPr>
           <a:xfrm>
-            <a:off x="8414657" y="118850"/>
-            <a:ext cx="1088572" cy="365760"/>
-          </a:xfrm>
-          <a:prstGeom prst="roundRect">
-            <a:avLst>
-              <a:gd name="adj" fmla="val 50000"/>
-            </a:avLst>
+            <a:off x="0" y="0"/>
+            <a:ext cx="4038603" cy="6857999"/>
+          </a:xfrm>
+          <a:prstGeom prst="rect">
+            <a:avLst/>
           </a:prstGeom>
-          <a:solidFill>
-            <a:schemeClr val="tx1">
-              <a:lumMod val="75000"/>
-              <a:lumOff val="25000"/>
-            </a:schemeClr>
-          </a:solidFill>
+          <a:noFill/>
           <a:ln>
-            <a:noFill/>
+            <a:solidFill>
+              <a:schemeClr val="bg1"/>
+            </a:solidFill>
           </a:ln>
         </p:spPr>
         <p:style>
@@ -4366,6 +5579,1078 @@
           <a:lstStyle/>
           <a:p>
             <a:pPr algn="ctr"/>
+            <a:endParaRPr lang="en-US"/>
+          </a:p>
+        </p:txBody>
+      </p:sp>
+      <p:pic>
+        <p:nvPicPr>
+          <p:cNvPr id="5" name="Graphic 4" descr="Single gear with solid fill">
+            <a:extLst>
+              <a:ext uri="{FF2B5EF4-FFF2-40B4-BE49-F238E27FC236}">
+                <a16:creationId xmlns:a16="http://schemas.microsoft.com/office/drawing/2014/main" id="{80361776-7AAA-773B-C191-96A723FDBEB7}"/>
+              </a:ext>
+            </a:extLst>
+          </p:cNvPr>
+          <p:cNvPicPr>
+            <a:picLocks noChangeAspect="1"/>
+          </p:cNvPicPr>
+          <p:nvPr/>
+        </p:nvPicPr>
+        <p:blipFill>
+          <a:blip r:embed="rId4">
+            <a:extLst>
+              <a:ext uri="{96DAC541-7B7A-43D3-8B79-37D633B846F1}">
+                <asvg:svgBlip xmlns:asvg="http://schemas.microsoft.com/office/drawing/2016/SVG/main" r:embed="rId5"/>
+              </a:ext>
+            </a:extLst>
+          </a:blip>
+          <a:stretch>
+            <a:fillRect/>
+          </a:stretch>
+        </p:blipFill>
+        <p:spPr>
+          <a:xfrm>
+            <a:off x="3620226" y="120356"/>
+            <a:ext cx="365760" cy="365760"/>
+          </a:xfrm>
+          <a:prstGeom prst="rect">
+            <a:avLst/>
+          </a:prstGeom>
+        </p:spPr>
+      </p:pic>
+      <p:sp>
+        <p:nvSpPr>
+          <p:cNvPr id="7" name="Rounded Rectangle 6">
+            <a:extLst>
+              <a:ext uri="{FF2B5EF4-FFF2-40B4-BE49-F238E27FC236}">
+                <a16:creationId xmlns:a16="http://schemas.microsoft.com/office/drawing/2014/main" id="{040D2428-99CC-7554-3B12-E4CE99865DBF}"/>
+              </a:ext>
+            </a:extLst>
+          </p:cNvPr>
+          <p:cNvSpPr/>
+          <p:nvPr/>
+        </p:nvSpPr>
+        <p:spPr>
+          <a:xfrm>
+            <a:off x="601406" y="87415"/>
+            <a:ext cx="2860216" cy="3755950"/>
+          </a:xfrm>
+          <a:prstGeom prst="roundRect">
+            <a:avLst>
+              <a:gd name="adj" fmla="val 7007"/>
+            </a:avLst>
+          </a:prstGeom>
+          <a:solidFill>
+            <a:srgbClr val="161618"/>
+          </a:solidFill>
+          <a:ln>
+            <a:solidFill>
+              <a:schemeClr val="bg1">
+                <a:lumMod val="50000"/>
+              </a:schemeClr>
+            </a:solidFill>
+          </a:ln>
+          <a:effectLst>
+            <a:outerShdw blurRad="50800" dist="38100" dir="5400000" algn="t" rotWithShape="0">
+              <a:prstClr val="black">
+                <a:alpha val="40000"/>
+              </a:prstClr>
+            </a:outerShdw>
+          </a:effectLst>
+        </p:spPr>
+        <p:style>
+          <a:lnRef idx="2">
+            <a:schemeClr val="accent1">
+              <a:shade val="15000"/>
+            </a:schemeClr>
+          </a:lnRef>
+          <a:fillRef idx="1">
+            <a:schemeClr val="accent1"/>
+          </a:fillRef>
+          <a:effectRef idx="0">
+            <a:schemeClr val="accent1"/>
+          </a:effectRef>
+          <a:fontRef idx="minor">
+            <a:schemeClr val="lt1"/>
+          </a:fontRef>
+        </p:style>
+        <p:txBody>
+          <a:bodyPr rtlCol="0" anchor="t"/>
+          <a:lstStyle/>
+          <a:p>
+            <a:pPr marL="342914" indent="-342914">
+              <a:lnSpc>
+                <a:spcPct val="150000"/>
+              </a:lnSpc>
+              <a:spcAft>
+                <a:spcPts val="600"/>
+              </a:spcAft>
+              <a:buAutoNum type="arabicPeriod"/>
+            </a:pPr>
+            <a:r>
+              <a:rPr lang="en-US" dirty="0">
+                <a:solidFill>
+                  <a:schemeClr val="bg1">
+                    <a:lumMod val="50000"/>
+                  </a:schemeClr>
+                </a:solidFill>
+              </a:rPr>
+              <a:t>Al-Fatihah	</a:t>
+            </a:r>
+            <a:r>
+              <a:rPr lang="ar-AE" dirty="0">
+                <a:solidFill>
+                  <a:schemeClr val="bg1">
+                    <a:lumMod val="50000"/>
+                  </a:schemeClr>
+                </a:solidFill>
+              </a:rPr>
+              <a:t>الفاتحة</a:t>
+            </a:r>
+            <a:endParaRPr lang="en-US" dirty="0">
+              <a:solidFill>
+                <a:schemeClr val="bg1">
+                  <a:lumMod val="50000"/>
+                </a:schemeClr>
+              </a:solidFill>
+            </a:endParaRPr>
+          </a:p>
+          <a:p>
+            <a:pPr marL="342914" indent="-342914">
+              <a:buAutoNum type="arabicPeriod"/>
+            </a:pPr>
+            <a:r>
+              <a:rPr lang="en-US" dirty="0">
+                <a:solidFill>
+                  <a:schemeClr val="bg1">
+                    <a:lumMod val="50000"/>
+                  </a:schemeClr>
+                </a:solidFill>
+              </a:rPr>
+              <a:t>Al-Baqarah	</a:t>
+            </a:r>
+            <a:r>
+              <a:rPr lang="ar-AE" dirty="0">
+                <a:solidFill>
+                  <a:schemeClr val="bg1">
+                    <a:lumMod val="50000"/>
+                  </a:schemeClr>
+                </a:solidFill>
+              </a:rPr>
+              <a:t>البقرة</a:t>
+            </a:r>
+            <a:endParaRPr lang="en-US" dirty="0">
+              <a:solidFill>
+                <a:schemeClr val="bg1">
+                  <a:lumMod val="50000"/>
+                </a:schemeClr>
+              </a:solidFill>
+            </a:endParaRPr>
+          </a:p>
+          <a:p>
+            <a:br>
+              <a:rPr lang="en-US" dirty="0"/>
+            </a:br>
+            <a:endParaRPr lang="en-US" dirty="0">
+              <a:solidFill>
+                <a:schemeClr val="tx1">
+                  <a:lumMod val="75000"/>
+                  <a:lumOff val="25000"/>
+                </a:schemeClr>
+              </a:solidFill>
+            </a:endParaRPr>
+          </a:p>
+        </p:txBody>
+      </p:sp>
+    </p:spTree>
+    <p:extLst>
+      <p:ext uri="{BB962C8B-B14F-4D97-AF65-F5344CB8AC3E}">
+        <p14:creationId xmlns:p14="http://schemas.microsoft.com/office/powerpoint/2010/main" val="3664201052"/>
+      </p:ext>
+    </p:extLst>
+  </p:cSld>
+  <p:clrMapOvr>
+    <a:masterClrMapping/>
+  </p:clrMapOvr>
+</p:sld>
+</file>
+
+<file path=ppt/slides/slide6.xml><?xml version="1.0" encoding="utf-8"?>
+<p:sld xmlns:a="http://schemas.openxmlformats.org/drawingml/2006/main" xmlns:r="http://schemas.openxmlformats.org/officeDocument/2006/relationships" xmlns:p="http://schemas.openxmlformats.org/presentationml/2006/main">
+  <p:cSld>
+    <p:bg>
+      <p:bgPr>
+        <a:solidFill>
+          <a:srgbClr val="161618"/>
+        </a:solidFill>
+        <a:effectLst/>
+      </p:bgPr>
+    </p:bg>
+    <p:spTree>
+      <p:nvGrpSpPr>
+        <p:cNvPr id="1" name="">
+          <a:extLst>
+            <a:ext uri="{FF2B5EF4-FFF2-40B4-BE49-F238E27FC236}">
+              <a16:creationId xmlns:a16="http://schemas.microsoft.com/office/drawing/2014/main" id="{0FA61C7E-F19C-2FEB-266F-B8F7BE862F4A}"/>
+            </a:ext>
+          </a:extLst>
+        </p:cNvPr>
+        <p:cNvGrpSpPr/>
+        <p:nvPr/>
+      </p:nvGrpSpPr>
+      <p:grpSpPr>
+        <a:xfrm>
+          <a:off x="0" y="0"/>
+          <a:ext cx="0" cy="0"/>
+          <a:chOff x="0" y="0"/>
+          <a:chExt cx="0" cy="0"/>
+        </a:xfrm>
+      </p:grpSpPr>
+      <p:sp>
+        <p:nvSpPr>
+          <p:cNvPr id="4" name="Rectangle 3">
+            <a:extLst>
+              <a:ext uri="{FF2B5EF4-FFF2-40B4-BE49-F238E27FC236}">
+                <a16:creationId xmlns:a16="http://schemas.microsoft.com/office/drawing/2014/main" id="{ACC07A37-4ACE-D72D-EA94-93A41EEFA7DB}"/>
+              </a:ext>
+            </a:extLst>
+          </p:cNvPr>
+          <p:cNvSpPr/>
+          <p:nvPr/>
+        </p:nvSpPr>
+        <p:spPr>
+          <a:xfrm>
+            <a:off x="-1" y="1"/>
+            <a:ext cx="12192001" cy="609600"/>
+          </a:xfrm>
+          <a:prstGeom prst="rect">
+            <a:avLst/>
+          </a:prstGeom>
+          <a:solidFill>
+            <a:schemeClr val="tx1">
+              <a:lumMod val="75000"/>
+              <a:lumOff val="25000"/>
+            </a:schemeClr>
+          </a:solidFill>
+          <a:ln w="6350">
+            <a:noFill/>
+          </a:ln>
+        </p:spPr>
+        <p:style>
+          <a:lnRef idx="2">
+            <a:schemeClr val="accent1">
+              <a:shade val="15000"/>
+            </a:schemeClr>
+          </a:lnRef>
+          <a:fillRef idx="1">
+            <a:schemeClr val="accent1"/>
+          </a:fillRef>
+          <a:effectRef idx="0">
+            <a:schemeClr val="accent1"/>
+          </a:effectRef>
+          <a:fontRef idx="minor">
+            <a:schemeClr val="lt1"/>
+          </a:fontRef>
+        </p:style>
+        <p:txBody>
+          <a:bodyPr rtlCol="0" anchor="ctr"/>
+          <a:lstStyle/>
+          <a:p>
+            <a:pPr algn="ctr"/>
+            <a:endParaRPr lang="en-US" dirty="0"/>
+          </a:p>
+        </p:txBody>
+      </p:sp>
+      <p:sp>
+        <p:nvSpPr>
+          <p:cNvPr id="5" name="TextBox 4">
+            <a:extLst>
+              <a:ext uri="{FF2B5EF4-FFF2-40B4-BE49-F238E27FC236}">
+                <a16:creationId xmlns:a16="http://schemas.microsoft.com/office/drawing/2014/main" id="{E60B949C-9C3D-4D5E-5DD1-2F56E63AFCC0}"/>
+              </a:ext>
+            </a:extLst>
+          </p:cNvPr>
+          <p:cNvSpPr txBox="1"/>
+          <p:nvPr/>
+        </p:nvSpPr>
+        <p:spPr>
+          <a:xfrm>
+            <a:off x="552269" y="115668"/>
+            <a:ext cx="1439818" cy="369332"/>
+          </a:xfrm>
+          <a:prstGeom prst="rect">
+            <a:avLst/>
+          </a:prstGeom>
+          <a:noFill/>
+        </p:spPr>
+        <p:txBody>
+          <a:bodyPr wrap="none" rtlCol="0">
+            <a:spAutoFit/>
+          </a:bodyPr>
+          <a:lstStyle/>
+          <a:p>
+            <a:r>
+              <a:rPr lang="en-US" b="1" dirty="0">
+                <a:solidFill>
+                  <a:schemeClr val="bg1">
+                    <a:lumMod val="75000"/>
+                  </a:schemeClr>
+                </a:solidFill>
+                <a:latin typeface="JetBrains Mono" panose="02000009000000000000" pitchFamily="49" charset="0"/>
+                <a:ea typeface="JetBrains Mono" panose="02000009000000000000" pitchFamily="49" charset="0"/>
+                <a:cs typeface="JetBrains Mono" panose="02000009000000000000" pitchFamily="49" charset="0"/>
+              </a:rPr>
+              <a:t>Al-Qur’an</a:t>
+            </a:r>
+          </a:p>
+        </p:txBody>
+      </p:sp>
+      <p:sp>
+        <p:nvSpPr>
+          <p:cNvPr id="6" name="Rounded Rectangle 5">
+            <a:extLst>
+              <a:ext uri="{FF2B5EF4-FFF2-40B4-BE49-F238E27FC236}">
+                <a16:creationId xmlns:a16="http://schemas.microsoft.com/office/drawing/2014/main" id="{3D607F17-690C-278F-31B8-FAFA8DC5FD3C}"/>
+              </a:ext>
+            </a:extLst>
+          </p:cNvPr>
+          <p:cNvSpPr/>
+          <p:nvPr/>
+        </p:nvSpPr>
+        <p:spPr>
+          <a:xfrm>
+            <a:off x="2612572" y="60070"/>
+            <a:ext cx="6966856" cy="489467"/>
+          </a:xfrm>
+          <a:prstGeom prst="roundRect">
+            <a:avLst>
+              <a:gd name="adj" fmla="val 50000"/>
+            </a:avLst>
+          </a:prstGeom>
+          <a:solidFill>
+            <a:srgbClr val="161618"/>
+          </a:solidFill>
+          <a:ln>
+            <a:noFill/>
+          </a:ln>
+        </p:spPr>
+        <p:style>
+          <a:lnRef idx="2">
+            <a:schemeClr val="accent1">
+              <a:shade val="15000"/>
+            </a:schemeClr>
+          </a:lnRef>
+          <a:fillRef idx="1">
+            <a:schemeClr val="accent1"/>
+          </a:fillRef>
+          <a:effectRef idx="0">
+            <a:schemeClr val="accent1"/>
+          </a:effectRef>
+          <a:fontRef idx="minor">
+            <a:schemeClr val="lt1"/>
+          </a:fontRef>
+        </p:style>
+        <p:txBody>
+          <a:bodyPr rtlCol="0" anchor="ctr"/>
+          <a:lstStyle/>
+          <a:p>
+            <a:pPr algn="ctr"/>
+            <a:endParaRPr lang="en-US"/>
+          </a:p>
+        </p:txBody>
+      </p:sp>
+      <p:sp>
+        <p:nvSpPr>
+          <p:cNvPr id="2" name="TextBox 1">
+            <a:extLst>
+              <a:ext uri="{FF2B5EF4-FFF2-40B4-BE49-F238E27FC236}">
+                <a16:creationId xmlns:a16="http://schemas.microsoft.com/office/drawing/2014/main" id="{26D37614-DA92-FAD3-7D8D-A84BEC28D3B9}"/>
+              </a:ext>
+            </a:extLst>
+          </p:cNvPr>
+          <p:cNvSpPr txBox="1"/>
+          <p:nvPr/>
+        </p:nvSpPr>
+        <p:spPr>
+          <a:xfrm>
+            <a:off x="2862944" y="115669"/>
+            <a:ext cx="1390080" cy="369332"/>
+          </a:xfrm>
+          <a:prstGeom prst="rect">
+            <a:avLst/>
+          </a:prstGeom>
+          <a:noFill/>
+        </p:spPr>
+        <p:txBody>
+          <a:bodyPr wrap="square">
+            <a:spAutoFit/>
+          </a:bodyPr>
+          <a:lstStyle/>
+          <a:p>
+            <a:r>
+              <a:rPr lang="en-US" dirty="0">
+                <a:solidFill>
+                  <a:schemeClr val="bg1">
+                    <a:lumMod val="85000"/>
+                  </a:schemeClr>
+                </a:solidFill>
+                <a:latin typeface="ui-sans-serif"/>
+              </a:rPr>
+              <a:t>Al-Fatihah</a:t>
+            </a:r>
+            <a:endParaRPr lang="en-US" dirty="0">
+              <a:solidFill>
+                <a:schemeClr val="bg1">
+                  <a:lumMod val="85000"/>
+                </a:schemeClr>
+              </a:solidFill>
+            </a:endParaRPr>
+          </a:p>
+        </p:txBody>
+      </p:sp>
+      <p:sp>
+        <p:nvSpPr>
+          <p:cNvPr id="3" name="Rounded Rectangle 2">
+            <a:extLst>
+              <a:ext uri="{FF2B5EF4-FFF2-40B4-BE49-F238E27FC236}">
+                <a16:creationId xmlns:a16="http://schemas.microsoft.com/office/drawing/2014/main" id="{2A7F1B6C-E0DF-0051-BD49-A6381468FB4A}"/>
+              </a:ext>
+            </a:extLst>
+          </p:cNvPr>
+          <p:cNvSpPr/>
+          <p:nvPr/>
+        </p:nvSpPr>
+        <p:spPr>
+          <a:xfrm>
+            <a:off x="8414658" y="118849"/>
+            <a:ext cx="1088573" cy="365760"/>
+          </a:xfrm>
+          <a:prstGeom prst="roundRect">
+            <a:avLst>
+              <a:gd name="adj" fmla="val 50000"/>
+            </a:avLst>
+          </a:prstGeom>
+          <a:solidFill>
+            <a:schemeClr val="tx1">
+              <a:lumMod val="75000"/>
+              <a:lumOff val="25000"/>
+            </a:schemeClr>
+          </a:solidFill>
+          <a:ln>
+            <a:noFill/>
+          </a:ln>
+        </p:spPr>
+        <p:style>
+          <a:lnRef idx="2">
+            <a:schemeClr val="accent1">
+              <a:shade val="15000"/>
+            </a:schemeClr>
+          </a:lnRef>
+          <a:fillRef idx="1">
+            <a:schemeClr val="accent1"/>
+          </a:fillRef>
+          <a:effectRef idx="0">
+            <a:schemeClr val="accent1"/>
+          </a:effectRef>
+          <a:fontRef idx="minor">
+            <a:schemeClr val="lt1"/>
+          </a:fontRef>
+        </p:style>
+        <p:txBody>
+          <a:bodyPr rtlCol="0" anchor="ctr"/>
+          <a:lstStyle/>
+          <a:p>
+            <a:pPr algn="ctr"/>
+            <a:r>
+              <a:rPr lang="en-US" sz="1601" dirty="0">
+                <a:solidFill>
+                  <a:schemeClr val="tx1">
+                    <a:lumMod val="50000"/>
+                    <a:lumOff val="50000"/>
+                  </a:schemeClr>
+                </a:solidFill>
+                <a:latin typeface="ui-sans-serif"/>
+              </a:rPr>
+              <a:t>7 Verses</a:t>
+            </a:r>
+            <a:endParaRPr lang="en-US" sz="1601" dirty="0">
+              <a:solidFill>
+                <a:schemeClr val="tx1">
+                  <a:lumMod val="50000"/>
+                  <a:lumOff val="50000"/>
+                </a:schemeClr>
+              </a:solidFill>
+            </a:endParaRPr>
+          </a:p>
+        </p:txBody>
+      </p:sp>
+      <p:sp>
+        <p:nvSpPr>
+          <p:cNvPr id="9" name="TextBox 8">
+            <a:extLst>
+              <a:ext uri="{FF2B5EF4-FFF2-40B4-BE49-F238E27FC236}">
+                <a16:creationId xmlns:a16="http://schemas.microsoft.com/office/drawing/2014/main" id="{72645CCA-B5F8-FDB1-D5CA-0D84573124CA}"/>
+              </a:ext>
+            </a:extLst>
+          </p:cNvPr>
+          <p:cNvSpPr txBox="1"/>
+          <p:nvPr/>
+        </p:nvSpPr>
+        <p:spPr>
+          <a:xfrm>
+            <a:off x="5540828" y="115671"/>
+            <a:ext cx="816429" cy="461793"/>
+          </a:xfrm>
+          <a:prstGeom prst="rect">
+            <a:avLst/>
+          </a:prstGeom>
+          <a:noFill/>
+        </p:spPr>
+        <p:txBody>
+          <a:bodyPr wrap="square">
+            <a:spAutoFit/>
+          </a:bodyPr>
+          <a:lstStyle/>
+          <a:p>
+            <a:r>
+              <a:rPr lang="ar-AE" sz="2401" dirty="0">
+                <a:solidFill>
+                  <a:schemeClr val="accent6">
+                    <a:lumMod val="75000"/>
+                  </a:schemeClr>
+                </a:solidFill>
+                <a:latin typeface="Amiri"/>
+              </a:rPr>
+              <a:t>الفاتحة</a:t>
+            </a:r>
+            <a:endParaRPr lang="en-US" dirty="0">
+              <a:solidFill>
+                <a:schemeClr val="accent6">
+                  <a:lumMod val="75000"/>
+                </a:schemeClr>
+              </a:solidFill>
+            </a:endParaRPr>
+          </a:p>
+        </p:txBody>
+      </p:sp>
+      <p:pic>
+        <p:nvPicPr>
+          <p:cNvPr id="10" name="Graphic 9" descr="Single gear with solid fill">
+            <a:extLst>
+              <a:ext uri="{FF2B5EF4-FFF2-40B4-BE49-F238E27FC236}">
+                <a16:creationId xmlns:a16="http://schemas.microsoft.com/office/drawing/2014/main" id="{54281594-3E48-EAD2-399A-E1DF616876BB}"/>
+              </a:ext>
+            </a:extLst>
+          </p:cNvPr>
+          <p:cNvPicPr>
+            <a:picLocks noChangeAspect="1"/>
+          </p:cNvPicPr>
+          <p:nvPr/>
+        </p:nvPicPr>
+        <p:blipFill>
+          <a:blip r:embed="rId2">
+            <a:extLst>
+              <a:ext uri="{96DAC541-7B7A-43D3-8B79-37D633B846F1}">
+                <asvg:svgBlip xmlns:asvg="http://schemas.microsoft.com/office/drawing/2016/SVG/main" r:embed="rId3"/>
+              </a:ext>
+            </a:extLst>
+          </a:blip>
+          <a:stretch>
+            <a:fillRect/>
+          </a:stretch>
+        </p:blipFill>
+        <p:spPr>
+          <a:xfrm>
+            <a:off x="11636828" y="54037"/>
+            <a:ext cx="457200" cy="457200"/>
+          </a:xfrm>
+          <a:prstGeom prst="rect">
+            <a:avLst/>
+          </a:prstGeom>
+        </p:spPr>
+      </p:pic>
+      <p:pic>
+        <p:nvPicPr>
+          <p:cNvPr id="11" name="Graphic 10">
+            <a:extLst>
+              <a:ext uri="{FF2B5EF4-FFF2-40B4-BE49-F238E27FC236}">
+                <a16:creationId xmlns:a16="http://schemas.microsoft.com/office/drawing/2014/main" id="{DBAF2174-2EC0-BC60-EB4A-39D39B7DF393}"/>
+              </a:ext>
+            </a:extLst>
+          </p:cNvPr>
+          <p:cNvPicPr>
+            <a:picLocks noChangeAspect="1"/>
+          </p:cNvPicPr>
+          <p:nvPr/>
+        </p:nvPicPr>
+        <p:blipFill>
+          <a:blip r:embed="rId4">
+            <a:extLst>
+              <a:ext uri="{96DAC541-7B7A-43D3-8B79-37D633B846F1}">
+                <asvg:svgBlip xmlns:asvg="http://schemas.microsoft.com/office/drawing/2016/SVG/main" r:embed="rId5"/>
+              </a:ext>
+            </a:extLst>
+          </a:blip>
+          <a:stretch>
+            <a:fillRect/>
+          </a:stretch>
+        </p:blipFill>
+        <p:spPr>
+          <a:xfrm>
+            <a:off x="97972" y="73720"/>
+            <a:ext cx="454297" cy="454297"/>
+          </a:xfrm>
+          <a:prstGeom prst="rect">
+            <a:avLst/>
+          </a:prstGeom>
+        </p:spPr>
+      </p:pic>
+      <p:sp>
+        <p:nvSpPr>
+          <p:cNvPr id="13" name="TextBox 12">
+            <a:extLst>
+              <a:ext uri="{FF2B5EF4-FFF2-40B4-BE49-F238E27FC236}">
+                <a16:creationId xmlns:a16="http://schemas.microsoft.com/office/drawing/2014/main" id="{F32247A3-C1FB-F5B7-336F-DDA33385E421}"/>
+              </a:ext>
+            </a:extLst>
+          </p:cNvPr>
+          <p:cNvSpPr txBox="1"/>
+          <p:nvPr/>
+        </p:nvSpPr>
+        <p:spPr>
+          <a:xfrm>
+            <a:off x="209226" y="5432947"/>
+            <a:ext cx="2125903" cy="1200329"/>
+          </a:xfrm>
+          <a:prstGeom prst="rect">
+            <a:avLst/>
+          </a:prstGeom>
+          <a:noFill/>
+        </p:spPr>
+        <p:txBody>
+          <a:bodyPr wrap="none" rtlCol="0">
+            <a:spAutoFit/>
+          </a:bodyPr>
+          <a:lstStyle/>
+          <a:p>
+            <a:r>
+              <a:rPr lang="en-US" sz="3600" b="1" dirty="0">
+                <a:solidFill>
+                  <a:schemeClr val="bg1">
+                    <a:lumMod val="75000"/>
+                  </a:schemeClr>
+                </a:solidFill>
+                <a:latin typeface="JetBrains Mono" panose="02000009000000000000" pitchFamily="49" charset="0"/>
+                <a:ea typeface="JetBrains Mono" panose="02000009000000000000" pitchFamily="49" charset="0"/>
+                <a:cs typeface="JetBrains Mono" panose="02000009000000000000" pitchFamily="49" charset="0"/>
+              </a:rPr>
+              <a:t>Desktop</a:t>
+            </a:r>
+          </a:p>
+          <a:p>
+            <a:r>
+              <a:rPr lang="en-US" sz="3600" b="1" dirty="0">
+                <a:solidFill>
+                  <a:schemeClr val="bg1">
+                    <a:lumMod val="75000"/>
+                  </a:schemeClr>
+                </a:solidFill>
+                <a:latin typeface="JetBrains Mono" panose="02000009000000000000" pitchFamily="49" charset="0"/>
+                <a:ea typeface="JetBrains Mono" panose="02000009000000000000" pitchFamily="49" charset="0"/>
+                <a:cs typeface="JetBrains Mono" panose="02000009000000000000" pitchFamily="49" charset="0"/>
+              </a:rPr>
+              <a:t> View</a:t>
+            </a:r>
+          </a:p>
+        </p:txBody>
+      </p:sp>
+    </p:spTree>
+    <p:extLst>
+      <p:ext uri="{BB962C8B-B14F-4D97-AF65-F5344CB8AC3E}">
+        <p14:creationId xmlns:p14="http://schemas.microsoft.com/office/powerpoint/2010/main" val="3830082538"/>
+      </p:ext>
+    </p:extLst>
+  </p:cSld>
+  <p:clrMapOvr>
+    <a:masterClrMapping/>
+  </p:clrMapOvr>
+</p:sld>
+</file>
+
+<file path=ppt/slides/slide7.xml><?xml version="1.0" encoding="utf-8"?>
+<p:sld xmlns:a="http://schemas.openxmlformats.org/drawingml/2006/main" xmlns:r="http://schemas.openxmlformats.org/officeDocument/2006/relationships" xmlns:p="http://schemas.openxmlformats.org/presentationml/2006/main">
+  <p:cSld>
+    <p:bg>
+      <p:bgPr>
+        <a:solidFill>
+          <a:srgbClr val="161618"/>
+        </a:solidFill>
+        <a:effectLst/>
+      </p:bgPr>
+    </p:bg>
+    <p:spTree>
+      <p:nvGrpSpPr>
+        <p:cNvPr id="1" name="">
+          <a:extLst>
+            <a:ext uri="{FF2B5EF4-FFF2-40B4-BE49-F238E27FC236}">
+              <a16:creationId xmlns:a16="http://schemas.microsoft.com/office/drawing/2014/main" id="{AB9004CB-D682-0A70-498F-555D2E94A97B}"/>
+            </a:ext>
+          </a:extLst>
+        </p:cNvPr>
+        <p:cNvGrpSpPr/>
+        <p:nvPr/>
+      </p:nvGrpSpPr>
+      <p:grpSpPr>
+        <a:xfrm>
+          <a:off x="0" y="0"/>
+          <a:ext cx="0" cy="0"/>
+          <a:chOff x="0" y="0"/>
+          <a:chExt cx="0" cy="0"/>
+        </a:xfrm>
+      </p:grpSpPr>
+      <p:sp>
+        <p:nvSpPr>
+          <p:cNvPr id="4" name="Rectangle 3">
+            <a:extLst>
+              <a:ext uri="{FF2B5EF4-FFF2-40B4-BE49-F238E27FC236}">
+                <a16:creationId xmlns:a16="http://schemas.microsoft.com/office/drawing/2014/main" id="{A5CC334D-8CC0-5BF8-2052-1B4312155A01}"/>
+              </a:ext>
+            </a:extLst>
+          </p:cNvPr>
+          <p:cNvSpPr/>
+          <p:nvPr/>
+        </p:nvSpPr>
+        <p:spPr>
+          <a:xfrm>
+            <a:off x="0" y="1"/>
+            <a:ext cx="4038604" cy="609600"/>
+          </a:xfrm>
+          <a:prstGeom prst="rect">
+            <a:avLst/>
+          </a:prstGeom>
+          <a:solidFill>
+            <a:schemeClr val="tx1">
+              <a:lumMod val="75000"/>
+              <a:lumOff val="25000"/>
+            </a:schemeClr>
+          </a:solidFill>
+          <a:ln w="6350">
+            <a:noFill/>
+          </a:ln>
+        </p:spPr>
+        <p:style>
+          <a:lnRef idx="2">
+            <a:schemeClr val="accent1">
+              <a:shade val="15000"/>
+            </a:schemeClr>
+          </a:lnRef>
+          <a:fillRef idx="1">
+            <a:schemeClr val="accent1"/>
+          </a:fillRef>
+          <a:effectRef idx="0">
+            <a:schemeClr val="accent1"/>
+          </a:effectRef>
+          <a:fontRef idx="minor">
+            <a:schemeClr val="lt1"/>
+          </a:fontRef>
+        </p:style>
+        <p:txBody>
+          <a:bodyPr rtlCol="0" anchor="ctr"/>
+          <a:lstStyle/>
+          <a:p>
+            <a:pPr algn="ctr"/>
+            <a:endParaRPr lang="en-US" dirty="0"/>
+          </a:p>
+        </p:txBody>
+      </p:sp>
+      <p:sp>
+        <p:nvSpPr>
+          <p:cNvPr id="6" name="Rounded Rectangle 5">
+            <a:extLst>
+              <a:ext uri="{FF2B5EF4-FFF2-40B4-BE49-F238E27FC236}">
+                <a16:creationId xmlns:a16="http://schemas.microsoft.com/office/drawing/2014/main" id="{2E5FF711-1A39-6938-D7A5-BCE12044FB0F}"/>
+              </a:ext>
+            </a:extLst>
+          </p:cNvPr>
+          <p:cNvSpPr/>
+          <p:nvPr/>
+        </p:nvSpPr>
+        <p:spPr>
+          <a:xfrm>
+            <a:off x="589193" y="74636"/>
+            <a:ext cx="2860216" cy="457200"/>
+          </a:xfrm>
+          <a:prstGeom prst="roundRect">
+            <a:avLst>
+              <a:gd name="adj" fmla="val 50000"/>
+            </a:avLst>
+          </a:prstGeom>
+          <a:solidFill>
+            <a:srgbClr val="161618"/>
+          </a:solidFill>
+          <a:ln>
+            <a:noFill/>
+          </a:ln>
+        </p:spPr>
+        <p:style>
+          <a:lnRef idx="2">
+            <a:schemeClr val="accent1">
+              <a:shade val="15000"/>
+            </a:schemeClr>
+          </a:lnRef>
+          <a:fillRef idx="1">
+            <a:schemeClr val="accent1"/>
+          </a:fillRef>
+          <a:effectRef idx="0">
+            <a:schemeClr val="accent1"/>
+          </a:effectRef>
+          <a:fontRef idx="minor">
+            <a:schemeClr val="lt1"/>
+          </a:fontRef>
+        </p:style>
+        <p:txBody>
+          <a:bodyPr rtlCol="0" anchor="ctr"/>
+          <a:lstStyle/>
+          <a:p>
+            <a:pPr algn="ctr"/>
+            <a:endParaRPr lang="en-US" sz="1400" dirty="0">
+              <a:solidFill>
+                <a:schemeClr val="tx1">
+                  <a:lumMod val="75000"/>
+                  <a:lumOff val="25000"/>
+                </a:schemeClr>
+              </a:solidFill>
+            </a:endParaRPr>
+          </a:p>
+        </p:txBody>
+      </p:sp>
+      <p:pic>
+        <p:nvPicPr>
+          <p:cNvPr id="19" name="Graphic 18">
+            <a:extLst>
+              <a:ext uri="{FF2B5EF4-FFF2-40B4-BE49-F238E27FC236}">
+                <a16:creationId xmlns:a16="http://schemas.microsoft.com/office/drawing/2014/main" id="{B3CAB742-96AC-C46F-D324-EB2F108CB753}"/>
+              </a:ext>
+            </a:extLst>
+          </p:cNvPr>
+          <p:cNvPicPr>
+            <a:picLocks noChangeAspect="1"/>
+          </p:cNvPicPr>
+          <p:nvPr/>
+        </p:nvPicPr>
+        <p:blipFill>
+          <a:blip r:embed="rId2">
+            <a:extLst>
+              <a:ext uri="{96DAC541-7B7A-43D3-8B79-37D633B846F1}">
+                <asvg:svgBlip xmlns:asvg="http://schemas.microsoft.com/office/drawing/2016/SVG/main" r:embed="rId3"/>
+              </a:ext>
+            </a:extLst>
+          </a:blip>
+          <a:stretch>
+            <a:fillRect/>
+          </a:stretch>
+        </p:blipFill>
+        <p:spPr>
+          <a:xfrm>
+            <a:off x="64828" y="120356"/>
+            <a:ext cx="365760" cy="365760"/>
+          </a:xfrm>
+          <a:prstGeom prst="rect">
+            <a:avLst/>
+          </a:prstGeom>
+        </p:spPr>
+      </p:pic>
+      <p:sp>
+        <p:nvSpPr>
+          <p:cNvPr id="3" name="Rectangle 2">
+            <a:extLst>
+              <a:ext uri="{FF2B5EF4-FFF2-40B4-BE49-F238E27FC236}">
+                <a16:creationId xmlns:a16="http://schemas.microsoft.com/office/drawing/2014/main" id="{C696C3BB-F4C5-20E9-D9AC-9C53F2D91D3F}"/>
+              </a:ext>
+            </a:extLst>
+          </p:cNvPr>
+          <p:cNvSpPr/>
+          <p:nvPr/>
+        </p:nvSpPr>
+        <p:spPr>
+          <a:xfrm>
+            <a:off x="0" y="0"/>
+            <a:ext cx="4038603" cy="6857999"/>
+          </a:xfrm>
+          <a:prstGeom prst="rect">
+            <a:avLst/>
+          </a:prstGeom>
+          <a:noFill/>
+          <a:ln>
+            <a:solidFill>
+              <a:schemeClr val="bg1"/>
+            </a:solidFill>
+          </a:ln>
+        </p:spPr>
+        <p:style>
+          <a:lnRef idx="2">
+            <a:schemeClr val="accent1">
+              <a:shade val="15000"/>
+            </a:schemeClr>
+          </a:lnRef>
+          <a:fillRef idx="1">
+            <a:schemeClr val="accent1"/>
+          </a:fillRef>
+          <a:effectRef idx="0">
+            <a:schemeClr val="accent1"/>
+          </a:effectRef>
+          <a:fontRef idx="minor">
+            <a:schemeClr val="lt1"/>
+          </a:fontRef>
+        </p:style>
+        <p:txBody>
+          <a:bodyPr rtlCol="0" anchor="ctr"/>
+          <a:lstStyle/>
+          <a:p>
+            <a:pPr algn="ctr"/>
+            <a:endParaRPr lang="en-US"/>
+          </a:p>
+        </p:txBody>
+      </p:sp>
+      <p:pic>
+        <p:nvPicPr>
+          <p:cNvPr id="5" name="Graphic 4" descr="Single gear with solid fill">
+            <a:extLst>
+              <a:ext uri="{FF2B5EF4-FFF2-40B4-BE49-F238E27FC236}">
+                <a16:creationId xmlns:a16="http://schemas.microsoft.com/office/drawing/2014/main" id="{3ABC261E-84AC-3A44-579B-D894BF6748C5}"/>
+              </a:ext>
+            </a:extLst>
+          </p:cNvPr>
+          <p:cNvPicPr>
+            <a:picLocks noChangeAspect="1"/>
+          </p:cNvPicPr>
+          <p:nvPr/>
+        </p:nvPicPr>
+        <p:blipFill>
+          <a:blip r:embed="rId4">
+            <a:extLst>
+              <a:ext uri="{96DAC541-7B7A-43D3-8B79-37D633B846F1}">
+                <asvg:svgBlip xmlns:asvg="http://schemas.microsoft.com/office/drawing/2016/SVG/main" r:embed="rId5"/>
+              </a:ext>
+            </a:extLst>
+          </a:blip>
+          <a:stretch>
+            <a:fillRect/>
+          </a:stretch>
+        </p:blipFill>
+        <p:spPr>
+          <a:xfrm>
+            <a:off x="3620226" y="120356"/>
+            <a:ext cx="365760" cy="365760"/>
+          </a:xfrm>
+          <a:prstGeom prst="rect">
+            <a:avLst/>
+          </a:prstGeom>
+        </p:spPr>
+      </p:pic>
+      <p:sp>
+        <p:nvSpPr>
+          <p:cNvPr id="7" name="TextBox 6">
+            <a:extLst>
+              <a:ext uri="{FF2B5EF4-FFF2-40B4-BE49-F238E27FC236}">
+                <a16:creationId xmlns:a16="http://schemas.microsoft.com/office/drawing/2014/main" id="{1D59232F-8CB2-338C-E8EB-9AA07B33DB4A}"/>
+              </a:ext>
+            </a:extLst>
+          </p:cNvPr>
+          <p:cNvSpPr txBox="1"/>
+          <p:nvPr/>
+        </p:nvSpPr>
+        <p:spPr>
+          <a:xfrm>
+            <a:off x="589192" y="127378"/>
+            <a:ext cx="1390080" cy="338554"/>
+          </a:xfrm>
+          <a:prstGeom prst="rect">
+            <a:avLst/>
+          </a:prstGeom>
+          <a:noFill/>
+        </p:spPr>
+        <p:txBody>
+          <a:bodyPr wrap="square">
+            <a:spAutoFit/>
+          </a:bodyPr>
+          <a:lstStyle/>
+          <a:p>
+            <a:r>
+              <a:rPr lang="en-US" sz="1600" dirty="0">
+                <a:solidFill>
+                  <a:schemeClr val="bg1">
+                    <a:lumMod val="85000"/>
+                  </a:schemeClr>
+                </a:solidFill>
+                <a:latin typeface="ui-sans-serif"/>
+              </a:rPr>
+              <a:t>Al-Fatihah</a:t>
+            </a:r>
+            <a:endParaRPr lang="en-US" sz="1400" dirty="0">
+              <a:solidFill>
+                <a:schemeClr val="bg1">
+                  <a:lumMod val="85000"/>
+                </a:schemeClr>
+              </a:solidFill>
+            </a:endParaRPr>
+          </a:p>
+        </p:txBody>
+      </p:sp>
+      <p:sp>
+        <p:nvSpPr>
+          <p:cNvPr id="8" name="Rounded Rectangle 7">
+            <a:extLst>
+              <a:ext uri="{FF2B5EF4-FFF2-40B4-BE49-F238E27FC236}">
+                <a16:creationId xmlns:a16="http://schemas.microsoft.com/office/drawing/2014/main" id="{1D8E0B05-679D-1BC7-41CF-87CBB9C885C2}"/>
+              </a:ext>
+            </a:extLst>
+          </p:cNvPr>
+          <p:cNvSpPr/>
+          <p:nvPr/>
+        </p:nvSpPr>
+        <p:spPr>
+          <a:xfrm>
+            <a:off x="2987768" y="120356"/>
+            <a:ext cx="414904" cy="376098"/>
+          </a:xfrm>
+          <a:prstGeom prst="roundRect">
+            <a:avLst>
+              <a:gd name="adj" fmla="val 50000"/>
+            </a:avLst>
+          </a:prstGeom>
+          <a:solidFill>
+            <a:schemeClr val="tx1">
+              <a:lumMod val="75000"/>
+              <a:lumOff val="25000"/>
+            </a:schemeClr>
+          </a:solidFill>
+          <a:ln>
+            <a:noFill/>
+          </a:ln>
+        </p:spPr>
+        <p:style>
+          <a:lnRef idx="2">
+            <a:schemeClr val="accent1">
+              <a:shade val="15000"/>
+            </a:schemeClr>
+          </a:lnRef>
+          <a:fillRef idx="1">
+            <a:schemeClr val="accent1"/>
+          </a:fillRef>
+          <a:effectRef idx="0">
+            <a:schemeClr val="accent1"/>
+          </a:effectRef>
+          <a:fontRef idx="minor">
+            <a:schemeClr val="lt1"/>
+          </a:fontRef>
+        </p:style>
+        <p:txBody>
+          <a:bodyPr rtlCol="0" anchor="ctr"/>
+          <a:lstStyle/>
+          <a:p>
+            <a:pPr algn="ctr"/>
             <a:r>
               <a:rPr lang="en-US" sz="1600" dirty="0">
                 <a:solidFill>
@@ -4376,7 +6661,7 @@
                 </a:solidFill>
                 <a:latin typeface="ui-sans-serif"/>
               </a:rPr>
-              <a:t>7 Verses</a:t>
+              <a:t>7</a:t>
             </a:r>
             <a:endParaRPr lang="en-US" sz="1600" dirty="0">
               <a:solidFill>
@@ -4394,7 +6679,7 @@
           <p:cNvPr id="9" name="TextBox 8">
             <a:extLst>
               <a:ext uri="{FF2B5EF4-FFF2-40B4-BE49-F238E27FC236}">
-                <a16:creationId xmlns:a16="http://schemas.microsoft.com/office/drawing/2014/main" id="{E19D4DDF-E052-3E3F-5260-843DD18B72CA}"/>
+                <a16:creationId xmlns:a16="http://schemas.microsoft.com/office/drawing/2014/main" id="{442B40A0-DDF6-5439-E9C3-1A9B0CB7C9DC}"/>
               </a:ext>
             </a:extLst>
           </p:cNvPr>
@@ -4403,8 +6688,8 @@
         </p:nvSpPr>
         <p:spPr>
           <a:xfrm>
-            <a:off x="5540828" y="115669"/>
-            <a:ext cx="6096000" cy="400110"/>
+            <a:off x="1656466" y="120356"/>
+            <a:ext cx="816429" cy="400110"/>
           </a:xfrm>
           <a:prstGeom prst="rect">
             <a:avLst/>
@@ -4418,18 +6703,17 @@
           <a:lstStyle/>
           <a:p>
             <a:r>
-              <a:rPr lang="ar-AE" sz="2000" b="0" i="0" dirty="0">
+              <a:rPr lang="ar-AE" sz="2000" dirty="0">
                 <a:solidFill>
                   <a:schemeClr val="accent6">
                     <a:lumMod val="75000"/>
                   </a:schemeClr>
                 </a:solidFill>
-                <a:effectLst/>
                 <a:latin typeface="Amiri"/>
               </a:rPr>
               <a:t>الفاتحة</a:t>
             </a:r>
-            <a:endParaRPr lang="en-US" dirty="0">
+            <a:endParaRPr lang="en-US" sz="1400" dirty="0">
               <a:solidFill>
                 <a:schemeClr val="accent6">
                   <a:lumMod val="75000"/>
@@ -4439,10 +6723,1849 @@
           </a:p>
         </p:txBody>
       </p:sp>
+      <p:sp>
+        <p:nvSpPr>
+          <p:cNvPr id="15" name="Rectangle 14">
+            <a:extLst>
+              <a:ext uri="{FF2B5EF4-FFF2-40B4-BE49-F238E27FC236}">
+                <a16:creationId xmlns:a16="http://schemas.microsoft.com/office/drawing/2014/main" id="{D88E313C-2B20-692A-402D-F9BFEB370B32}"/>
+              </a:ext>
+            </a:extLst>
+          </p:cNvPr>
+          <p:cNvSpPr/>
+          <p:nvPr/>
+        </p:nvSpPr>
+        <p:spPr>
+          <a:xfrm>
+            <a:off x="4050815" y="0"/>
+            <a:ext cx="8141185" cy="6858000"/>
+          </a:xfrm>
+          <a:prstGeom prst="rect">
+            <a:avLst/>
+          </a:prstGeom>
+          <a:solidFill>
+            <a:schemeClr val="tx1">
+              <a:lumMod val="50000"/>
+              <a:lumOff val="50000"/>
+            </a:schemeClr>
+          </a:solidFill>
+        </p:spPr>
+        <p:style>
+          <a:lnRef idx="2">
+            <a:schemeClr val="accent1">
+              <a:shade val="15000"/>
+            </a:schemeClr>
+          </a:lnRef>
+          <a:fillRef idx="1">
+            <a:schemeClr val="accent1"/>
+          </a:fillRef>
+          <a:effectRef idx="0">
+            <a:schemeClr val="accent1"/>
+          </a:effectRef>
+          <a:fontRef idx="minor">
+            <a:schemeClr val="lt1"/>
+          </a:fontRef>
+        </p:style>
+        <p:txBody>
+          <a:bodyPr rtlCol="0" anchor="ctr"/>
+          <a:lstStyle/>
+          <a:p>
+            <a:pPr algn="ctr"/>
+            <a:endParaRPr lang="en-US"/>
+          </a:p>
+        </p:txBody>
+      </p:sp>
+      <p:sp>
+        <p:nvSpPr>
+          <p:cNvPr id="16" name="TextBox 15">
+            <a:extLst>
+              <a:ext uri="{FF2B5EF4-FFF2-40B4-BE49-F238E27FC236}">
+                <a16:creationId xmlns:a16="http://schemas.microsoft.com/office/drawing/2014/main" id="{65FD2F80-367B-75DC-45B5-1CAA7B32D11D}"/>
+              </a:ext>
+            </a:extLst>
+          </p:cNvPr>
+          <p:cNvSpPr txBox="1"/>
+          <p:nvPr/>
+        </p:nvSpPr>
+        <p:spPr>
+          <a:xfrm>
+            <a:off x="7421884" y="2643036"/>
+            <a:ext cx="1848583" cy="1200329"/>
+          </a:xfrm>
+          <a:prstGeom prst="rect">
+            <a:avLst/>
+          </a:prstGeom>
+          <a:noFill/>
+        </p:spPr>
+        <p:txBody>
+          <a:bodyPr wrap="none" rtlCol="0">
+            <a:spAutoFit/>
+          </a:bodyPr>
+          <a:lstStyle/>
+          <a:p>
+            <a:r>
+              <a:rPr lang="en-US" sz="3600" b="1" dirty="0">
+                <a:solidFill>
+                  <a:schemeClr val="bg1"/>
+                </a:solidFill>
+                <a:latin typeface="JetBrains Mono" panose="02000009000000000000" pitchFamily="49" charset="0"/>
+                <a:ea typeface="JetBrains Mono" panose="02000009000000000000" pitchFamily="49" charset="0"/>
+                <a:cs typeface="JetBrains Mono" panose="02000009000000000000" pitchFamily="49" charset="0"/>
+              </a:rPr>
+              <a:t>Mobile</a:t>
+            </a:r>
+          </a:p>
+          <a:p>
+            <a:r>
+              <a:rPr lang="en-US" sz="3600" b="1" dirty="0">
+                <a:solidFill>
+                  <a:schemeClr val="bg1"/>
+                </a:solidFill>
+                <a:latin typeface="JetBrains Mono" panose="02000009000000000000" pitchFamily="49" charset="0"/>
+                <a:ea typeface="JetBrains Mono" panose="02000009000000000000" pitchFamily="49" charset="0"/>
+                <a:cs typeface="JetBrains Mono" panose="02000009000000000000" pitchFamily="49" charset="0"/>
+              </a:rPr>
+              <a:t> View</a:t>
+            </a:r>
+          </a:p>
+        </p:txBody>
+      </p:sp>
     </p:spTree>
     <p:extLst>
       <p:ext uri="{BB962C8B-B14F-4D97-AF65-F5344CB8AC3E}">
-        <p14:creationId xmlns:p14="http://schemas.microsoft.com/office/powerpoint/2010/main" val="4182767258"/>
+        <p14:creationId xmlns:p14="http://schemas.microsoft.com/office/powerpoint/2010/main" val="2711579038"/>
+      </p:ext>
+    </p:extLst>
+  </p:cSld>
+  <p:clrMapOvr>
+    <a:masterClrMapping/>
+  </p:clrMapOvr>
+</p:sld>
+</file>
+
+<file path=ppt/slides/slide8.xml><?xml version="1.0" encoding="utf-8"?>
+<p:sld xmlns:a="http://schemas.openxmlformats.org/drawingml/2006/main" xmlns:r="http://schemas.openxmlformats.org/officeDocument/2006/relationships" xmlns:p="http://schemas.openxmlformats.org/presentationml/2006/main">
+  <p:cSld>
+    <p:bg>
+      <p:bgPr>
+        <a:solidFill>
+          <a:srgbClr val="161618"/>
+        </a:solidFill>
+        <a:effectLst/>
+      </p:bgPr>
+    </p:bg>
+    <p:spTree>
+      <p:nvGrpSpPr>
+        <p:cNvPr id="1" name="">
+          <a:extLst>
+            <a:ext uri="{FF2B5EF4-FFF2-40B4-BE49-F238E27FC236}">
+              <a16:creationId xmlns:a16="http://schemas.microsoft.com/office/drawing/2014/main" id="{B3963278-1DF9-607D-072A-1D786C1A9DC3}"/>
+            </a:ext>
+          </a:extLst>
+        </p:cNvPr>
+        <p:cNvGrpSpPr/>
+        <p:nvPr/>
+      </p:nvGrpSpPr>
+      <p:grpSpPr>
+        <a:xfrm>
+          <a:off x="0" y="0"/>
+          <a:ext cx="0" cy="0"/>
+          <a:chOff x="0" y="0"/>
+          <a:chExt cx="0" cy="0"/>
+        </a:xfrm>
+      </p:grpSpPr>
+      <p:sp>
+        <p:nvSpPr>
+          <p:cNvPr id="2" name="Rounded Rectangle 1">
+            <a:extLst>
+              <a:ext uri="{FF2B5EF4-FFF2-40B4-BE49-F238E27FC236}">
+                <a16:creationId xmlns:a16="http://schemas.microsoft.com/office/drawing/2014/main" id="{17BCD0B2-66C8-5B00-7BA2-D606BE25E9F5}"/>
+              </a:ext>
+            </a:extLst>
+          </p:cNvPr>
+          <p:cNvSpPr/>
+          <p:nvPr/>
+        </p:nvSpPr>
+        <p:spPr>
+          <a:xfrm>
+            <a:off x="1042468" y="126328"/>
+            <a:ext cx="4712873" cy="4226401"/>
+          </a:xfrm>
+          <a:prstGeom prst="roundRect">
+            <a:avLst>
+              <a:gd name="adj" fmla="val 7007"/>
+            </a:avLst>
+          </a:prstGeom>
+          <a:solidFill>
+            <a:srgbClr val="161618"/>
+          </a:solidFill>
+          <a:ln>
+            <a:solidFill>
+              <a:schemeClr val="bg1">
+                <a:lumMod val="50000"/>
+              </a:schemeClr>
+            </a:solidFill>
+          </a:ln>
+          <a:effectLst>
+            <a:outerShdw blurRad="50800" dist="38100" dir="5400000" algn="t" rotWithShape="0">
+              <a:prstClr val="black">
+                <a:alpha val="40000"/>
+              </a:prstClr>
+            </a:outerShdw>
+          </a:effectLst>
+        </p:spPr>
+        <p:style>
+          <a:lnRef idx="2">
+            <a:schemeClr val="accent1">
+              <a:shade val="15000"/>
+            </a:schemeClr>
+          </a:lnRef>
+          <a:fillRef idx="1">
+            <a:schemeClr val="accent1"/>
+          </a:fillRef>
+          <a:effectRef idx="0">
+            <a:schemeClr val="accent1"/>
+          </a:effectRef>
+          <a:fontRef idx="minor">
+            <a:schemeClr val="lt1"/>
+          </a:fontRef>
+        </p:style>
+        <p:txBody>
+          <a:bodyPr rtlCol="0" anchor="t"/>
+          <a:lstStyle/>
+          <a:p>
+            <a:br>
+              <a:rPr lang="en-US" dirty="0"/>
+            </a:br>
+            <a:endParaRPr lang="en-US" dirty="0">
+              <a:solidFill>
+                <a:schemeClr val="tx1">
+                  <a:lumMod val="75000"/>
+                  <a:lumOff val="25000"/>
+                </a:schemeClr>
+              </a:solidFill>
+            </a:endParaRPr>
+          </a:p>
+        </p:txBody>
+      </p:sp>
+      <p:sp>
+        <p:nvSpPr>
+          <p:cNvPr id="11" name="TextBox 10">
+            <a:extLst>
+              <a:ext uri="{FF2B5EF4-FFF2-40B4-BE49-F238E27FC236}">
+                <a16:creationId xmlns:a16="http://schemas.microsoft.com/office/drawing/2014/main" id="{598B6F22-6482-F4A9-9871-83178EEC2D32}"/>
+              </a:ext>
+            </a:extLst>
+          </p:cNvPr>
+          <p:cNvSpPr txBox="1"/>
+          <p:nvPr/>
+        </p:nvSpPr>
+        <p:spPr>
+          <a:xfrm>
+            <a:off x="1812664" y="4861875"/>
+            <a:ext cx="6099586" cy="861774"/>
+          </a:xfrm>
+          <a:prstGeom prst="rect">
+            <a:avLst/>
+          </a:prstGeom>
+          <a:noFill/>
+        </p:spPr>
+        <p:txBody>
+          <a:bodyPr wrap="square">
+            <a:spAutoFit/>
+          </a:bodyPr>
+          <a:lstStyle/>
+          <a:p>
+            <a:pPr marL="342914" indent="-342914">
+              <a:lnSpc>
+                <a:spcPct val="150000"/>
+              </a:lnSpc>
+              <a:spcAft>
+                <a:spcPts val="600"/>
+              </a:spcAft>
+              <a:buAutoNum type="arabicPeriod"/>
+            </a:pPr>
+            <a:r>
+              <a:rPr lang="en-US" dirty="0">
+                <a:solidFill>
+                  <a:schemeClr val="bg1">
+                    <a:lumMod val="50000"/>
+                  </a:schemeClr>
+                </a:solidFill>
+              </a:rPr>
+              <a:t>Al-Fatihah	</a:t>
+            </a:r>
+            <a:r>
+              <a:rPr lang="ar-AE" dirty="0">
+                <a:solidFill>
+                  <a:schemeClr val="bg1">
+                    <a:lumMod val="50000"/>
+                  </a:schemeClr>
+                </a:solidFill>
+              </a:rPr>
+              <a:t>الفاتحة</a:t>
+            </a:r>
+            <a:endParaRPr lang="en-US" dirty="0">
+              <a:solidFill>
+                <a:schemeClr val="bg1">
+                  <a:lumMod val="50000"/>
+                </a:schemeClr>
+              </a:solidFill>
+            </a:endParaRPr>
+          </a:p>
+          <a:p>
+            <a:pPr marL="342914" indent="-342914">
+              <a:buAutoNum type="arabicPeriod"/>
+            </a:pPr>
+            <a:r>
+              <a:rPr lang="en-US" dirty="0">
+                <a:solidFill>
+                  <a:schemeClr val="bg1">
+                    <a:lumMod val="50000"/>
+                  </a:schemeClr>
+                </a:solidFill>
+              </a:rPr>
+              <a:t>Al-Baqarah	</a:t>
+            </a:r>
+            <a:r>
+              <a:rPr lang="ar-AE" dirty="0">
+                <a:solidFill>
+                  <a:schemeClr val="bg1">
+                    <a:lumMod val="50000"/>
+                  </a:schemeClr>
+                </a:solidFill>
+              </a:rPr>
+              <a:t>البقرة</a:t>
+            </a:r>
+            <a:endParaRPr lang="en-US" dirty="0">
+              <a:solidFill>
+                <a:schemeClr val="bg1">
+                  <a:lumMod val="50000"/>
+                </a:schemeClr>
+              </a:solidFill>
+            </a:endParaRPr>
+          </a:p>
+        </p:txBody>
+      </p:sp>
+      <p:sp>
+        <p:nvSpPr>
+          <p:cNvPr id="23" name="Rounded Rectangle 22">
+            <a:extLst>
+              <a:ext uri="{FF2B5EF4-FFF2-40B4-BE49-F238E27FC236}">
+                <a16:creationId xmlns:a16="http://schemas.microsoft.com/office/drawing/2014/main" id="{E9C6B256-6D41-3E78-B20A-F092FBC2D1ED}"/>
+              </a:ext>
+            </a:extLst>
+          </p:cNvPr>
+          <p:cNvSpPr/>
+          <p:nvPr/>
+        </p:nvSpPr>
+        <p:spPr>
+          <a:xfrm>
+            <a:off x="1108808" y="714490"/>
+            <a:ext cx="4572000" cy="738686"/>
+          </a:xfrm>
+          <a:prstGeom prst="roundRect">
+            <a:avLst>
+              <a:gd name="adj" fmla="val 25939"/>
+            </a:avLst>
+          </a:prstGeom>
+          <a:solidFill>
+            <a:srgbClr val="1D2C12"/>
+          </a:solidFill>
+          <a:ln>
+            <a:noFill/>
+          </a:ln>
+          <a:effectLst>
+            <a:outerShdw blurRad="50800" dist="38100" dir="5400000" algn="t" rotWithShape="0">
+              <a:prstClr val="black">
+                <a:alpha val="40000"/>
+              </a:prstClr>
+            </a:outerShdw>
+          </a:effectLst>
+        </p:spPr>
+        <p:style>
+          <a:lnRef idx="2">
+            <a:schemeClr val="accent1">
+              <a:shade val="15000"/>
+            </a:schemeClr>
+          </a:lnRef>
+          <a:fillRef idx="1">
+            <a:schemeClr val="accent1"/>
+          </a:fillRef>
+          <a:effectRef idx="0">
+            <a:schemeClr val="accent1"/>
+          </a:effectRef>
+          <a:fontRef idx="minor">
+            <a:schemeClr val="lt1"/>
+          </a:fontRef>
+        </p:style>
+        <p:txBody>
+          <a:bodyPr rtlCol="0" anchor="t"/>
+          <a:lstStyle/>
+          <a:p>
+            <a:br>
+              <a:rPr lang="en-US" dirty="0"/>
+            </a:br>
+            <a:endParaRPr lang="en-US" dirty="0">
+              <a:solidFill>
+                <a:schemeClr val="tx1">
+                  <a:lumMod val="75000"/>
+                  <a:lumOff val="25000"/>
+                </a:schemeClr>
+              </a:solidFill>
+            </a:endParaRPr>
+          </a:p>
+        </p:txBody>
+      </p:sp>
+      <p:sp>
+        <p:nvSpPr>
+          <p:cNvPr id="14" name="Oval 13">
+            <a:extLst>
+              <a:ext uri="{FF2B5EF4-FFF2-40B4-BE49-F238E27FC236}">
+                <a16:creationId xmlns:a16="http://schemas.microsoft.com/office/drawing/2014/main" id="{79438642-637D-B047-479F-803F6F62AEB2}"/>
+              </a:ext>
+            </a:extLst>
+          </p:cNvPr>
+          <p:cNvSpPr/>
+          <p:nvPr/>
+        </p:nvSpPr>
+        <p:spPr>
+          <a:xfrm>
+            <a:off x="1376978" y="946673"/>
+            <a:ext cx="274320" cy="274320"/>
+          </a:xfrm>
+          <a:prstGeom prst="ellipse">
+            <a:avLst/>
+          </a:prstGeom>
+          <a:solidFill>
+            <a:schemeClr val="accent6">
+              <a:lumMod val="75000"/>
+            </a:schemeClr>
+          </a:solidFill>
+          <a:ln>
+            <a:noFill/>
+          </a:ln>
+        </p:spPr>
+        <p:style>
+          <a:lnRef idx="2">
+            <a:schemeClr val="accent1">
+              <a:shade val="15000"/>
+            </a:schemeClr>
+          </a:lnRef>
+          <a:fillRef idx="1">
+            <a:schemeClr val="accent1"/>
+          </a:fillRef>
+          <a:effectRef idx="0">
+            <a:schemeClr val="accent1"/>
+          </a:effectRef>
+          <a:fontRef idx="minor">
+            <a:schemeClr val="lt1"/>
+          </a:fontRef>
+        </p:style>
+        <p:txBody>
+          <a:bodyPr rtlCol="0" anchor="ctr"/>
+          <a:lstStyle/>
+          <a:p>
+            <a:pPr algn="ctr"/>
+            <a:r>
+              <a:rPr lang="en-US" dirty="0"/>
+              <a:t>1</a:t>
+            </a:r>
+          </a:p>
+        </p:txBody>
+      </p:sp>
+      <p:sp>
+        <p:nvSpPr>
+          <p:cNvPr id="18" name="TextBox 17">
+            <a:extLst>
+              <a:ext uri="{FF2B5EF4-FFF2-40B4-BE49-F238E27FC236}">
+                <a16:creationId xmlns:a16="http://schemas.microsoft.com/office/drawing/2014/main" id="{7FCF5435-48FF-383F-4626-DF70DDE4E3A7}"/>
+              </a:ext>
+            </a:extLst>
+          </p:cNvPr>
+          <p:cNvSpPr txBox="1"/>
+          <p:nvPr/>
+        </p:nvSpPr>
+        <p:spPr>
+          <a:xfrm>
+            <a:off x="1651298" y="786535"/>
+            <a:ext cx="1124174" cy="369332"/>
+          </a:xfrm>
+          <a:prstGeom prst="rect">
+            <a:avLst/>
+          </a:prstGeom>
+          <a:noFill/>
+        </p:spPr>
+        <p:txBody>
+          <a:bodyPr wrap="square">
+            <a:spAutoFit/>
+          </a:bodyPr>
+          <a:lstStyle/>
+          <a:p>
+            <a:r>
+              <a:rPr lang="en-US" dirty="0">
+                <a:solidFill>
+                  <a:schemeClr val="bg1">
+                    <a:lumMod val="50000"/>
+                  </a:schemeClr>
+                </a:solidFill>
+              </a:rPr>
+              <a:t>Al-Fatihah</a:t>
+            </a:r>
+            <a:endParaRPr lang="en-US" dirty="0"/>
+          </a:p>
+        </p:txBody>
+      </p:sp>
+      <p:sp>
+        <p:nvSpPr>
+          <p:cNvPr id="21" name="TextBox 20">
+            <a:extLst>
+              <a:ext uri="{FF2B5EF4-FFF2-40B4-BE49-F238E27FC236}">
+                <a16:creationId xmlns:a16="http://schemas.microsoft.com/office/drawing/2014/main" id="{CB96ABEA-EDFE-A2F0-D5F0-A2539D3BA5CB}"/>
+              </a:ext>
+            </a:extLst>
+          </p:cNvPr>
+          <p:cNvSpPr txBox="1"/>
+          <p:nvPr/>
+        </p:nvSpPr>
+        <p:spPr>
+          <a:xfrm>
+            <a:off x="1651298" y="1057843"/>
+            <a:ext cx="704626" cy="369332"/>
+          </a:xfrm>
+          <a:prstGeom prst="rect">
+            <a:avLst/>
+          </a:prstGeom>
+          <a:noFill/>
+        </p:spPr>
+        <p:txBody>
+          <a:bodyPr wrap="square">
+            <a:spAutoFit/>
+          </a:bodyPr>
+          <a:lstStyle/>
+          <a:p>
+            <a:r>
+              <a:rPr lang="ar-AE" dirty="0">
+                <a:solidFill>
+                  <a:schemeClr val="bg1">
+                    <a:lumMod val="50000"/>
+                  </a:schemeClr>
+                </a:solidFill>
+              </a:rPr>
+              <a:t>الفاتحة</a:t>
+            </a:r>
+            <a:endParaRPr lang="en-US" dirty="0"/>
+          </a:p>
+        </p:txBody>
+      </p:sp>
+      <p:sp>
+        <p:nvSpPr>
+          <p:cNvPr id="22" name="Rounded Rectangle 21">
+            <a:extLst>
+              <a:ext uri="{FF2B5EF4-FFF2-40B4-BE49-F238E27FC236}">
+                <a16:creationId xmlns:a16="http://schemas.microsoft.com/office/drawing/2014/main" id="{603B6A96-BD37-E010-E177-9D03F2A86DC8}"/>
+              </a:ext>
+            </a:extLst>
+          </p:cNvPr>
+          <p:cNvSpPr/>
+          <p:nvPr/>
+        </p:nvSpPr>
+        <p:spPr>
+          <a:xfrm>
+            <a:off x="4593515" y="963456"/>
+            <a:ext cx="914400" cy="274320"/>
+          </a:xfrm>
+          <a:prstGeom prst="roundRect">
+            <a:avLst>
+              <a:gd name="adj" fmla="val 50000"/>
+            </a:avLst>
+          </a:prstGeom>
+          <a:solidFill>
+            <a:schemeClr val="tx1">
+              <a:lumMod val="75000"/>
+              <a:lumOff val="25000"/>
+            </a:schemeClr>
+          </a:solidFill>
+          <a:ln>
+            <a:noFill/>
+          </a:ln>
+        </p:spPr>
+        <p:style>
+          <a:lnRef idx="2">
+            <a:schemeClr val="accent1">
+              <a:shade val="15000"/>
+            </a:schemeClr>
+          </a:lnRef>
+          <a:fillRef idx="1">
+            <a:schemeClr val="accent1"/>
+          </a:fillRef>
+          <a:effectRef idx="0">
+            <a:schemeClr val="accent1"/>
+          </a:effectRef>
+          <a:fontRef idx="minor">
+            <a:schemeClr val="lt1"/>
+          </a:fontRef>
+        </p:style>
+        <p:txBody>
+          <a:bodyPr rtlCol="0" anchor="ctr"/>
+          <a:lstStyle/>
+          <a:p>
+            <a:pPr algn="ctr"/>
+            <a:r>
+              <a:rPr lang="en-US" sz="1400" dirty="0">
+                <a:solidFill>
+                  <a:schemeClr val="tx1">
+                    <a:lumMod val="50000"/>
+                    <a:lumOff val="50000"/>
+                  </a:schemeClr>
+                </a:solidFill>
+                <a:latin typeface="ui-sans-serif"/>
+              </a:rPr>
+              <a:t>7 Verses</a:t>
+            </a:r>
+            <a:endParaRPr lang="en-US" sz="1400" dirty="0">
+              <a:solidFill>
+                <a:schemeClr val="tx1">
+                  <a:lumMod val="50000"/>
+                  <a:lumOff val="50000"/>
+                </a:schemeClr>
+              </a:solidFill>
+            </a:endParaRPr>
+          </a:p>
+        </p:txBody>
+      </p:sp>
+      <p:sp>
+        <p:nvSpPr>
+          <p:cNvPr id="25" name="Oval 24">
+            <a:extLst>
+              <a:ext uri="{FF2B5EF4-FFF2-40B4-BE49-F238E27FC236}">
+                <a16:creationId xmlns:a16="http://schemas.microsoft.com/office/drawing/2014/main" id="{E6F52C26-4563-7ADF-11B8-49E240A67CA3}"/>
+              </a:ext>
+            </a:extLst>
+          </p:cNvPr>
+          <p:cNvSpPr/>
+          <p:nvPr/>
+        </p:nvSpPr>
+        <p:spPr>
+          <a:xfrm>
+            <a:off x="1376978" y="1756823"/>
+            <a:ext cx="274320" cy="274320"/>
+          </a:xfrm>
+          <a:prstGeom prst="ellipse">
+            <a:avLst/>
+          </a:prstGeom>
+          <a:solidFill>
+            <a:schemeClr val="accent6">
+              <a:lumMod val="75000"/>
+            </a:schemeClr>
+          </a:solidFill>
+          <a:ln>
+            <a:noFill/>
+          </a:ln>
+        </p:spPr>
+        <p:style>
+          <a:lnRef idx="2">
+            <a:schemeClr val="accent1">
+              <a:shade val="15000"/>
+            </a:schemeClr>
+          </a:lnRef>
+          <a:fillRef idx="1">
+            <a:schemeClr val="accent1"/>
+          </a:fillRef>
+          <a:effectRef idx="0">
+            <a:schemeClr val="accent1"/>
+          </a:effectRef>
+          <a:fontRef idx="minor">
+            <a:schemeClr val="lt1"/>
+          </a:fontRef>
+        </p:style>
+        <p:txBody>
+          <a:bodyPr rtlCol="0" anchor="ctr"/>
+          <a:lstStyle/>
+          <a:p>
+            <a:pPr algn="ctr"/>
+            <a:r>
+              <a:rPr lang="en-US" dirty="0"/>
+              <a:t>1</a:t>
+            </a:r>
+          </a:p>
+        </p:txBody>
+      </p:sp>
+      <p:sp>
+        <p:nvSpPr>
+          <p:cNvPr id="26" name="TextBox 25">
+            <a:extLst>
+              <a:ext uri="{FF2B5EF4-FFF2-40B4-BE49-F238E27FC236}">
+                <a16:creationId xmlns:a16="http://schemas.microsoft.com/office/drawing/2014/main" id="{946D2E5C-47D4-B048-9311-00FEB9174CC3}"/>
+              </a:ext>
+            </a:extLst>
+          </p:cNvPr>
+          <p:cNvSpPr txBox="1"/>
+          <p:nvPr/>
+        </p:nvSpPr>
+        <p:spPr>
+          <a:xfrm>
+            <a:off x="1651298" y="1596685"/>
+            <a:ext cx="1124174" cy="369332"/>
+          </a:xfrm>
+          <a:prstGeom prst="rect">
+            <a:avLst/>
+          </a:prstGeom>
+          <a:noFill/>
+        </p:spPr>
+        <p:txBody>
+          <a:bodyPr wrap="square">
+            <a:spAutoFit/>
+          </a:bodyPr>
+          <a:lstStyle/>
+          <a:p>
+            <a:r>
+              <a:rPr lang="en-US" dirty="0">
+                <a:solidFill>
+                  <a:schemeClr val="bg1">
+                    <a:lumMod val="50000"/>
+                  </a:schemeClr>
+                </a:solidFill>
+              </a:rPr>
+              <a:t>Al-Fatihah</a:t>
+            </a:r>
+            <a:endParaRPr lang="en-US" dirty="0"/>
+          </a:p>
+        </p:txBody>
+      </p:sp>
+      <p:sp>
+        <p:nvSpPr>
+          <p:cNvPr id="27" name="TextBox 26">
+            <a:extLst>
+              <a:ext uri="{FF2B5EF4-FFF2-40B4-BE49-F238E27FC236}">
+                <a16:creationId xmlns:a16="http://schemas.microsoft.com/office/drawing/2014/main" id="{E3FA8025-F3BF-E7C5-01FF-F390273D84C5}"/>
+              </a:ext>
+            </a:extLst>
+          </p:cNvPr>
+          <p:cNvSpPr txBox="1"/>
+          <p:nvPr/>
+        </p:nvSpPr>
+        <p:spPr>
+          <a:xfrm>
+            <a:off x="1651298" y="1867993"/>
+            <a:ext cx="704626" cy="369332"/>
+          </a:xfrm>
+          <a:prstGeom prst="rect">
+            <a:avLst/>
+          </a:prstGeom>
+          <a:noFill/>
+        </p:spPr>
+        <p:txBody>
+          <a:bodyPr wrap="square">
+            <a:spAutoFit/>
+          </a:bodyPr>
+          <a:lstStyle/>
+          <a:p>
+            <a:r>
+              <a:rPr lang="ar-AE" dirty="0">
+                <a:solidFill>
+                  <a:schemeClr val="bg1">
+                    <a:lumMod val="50000"/>
+                  </a:schemeClr>
+                </a:solidFill>
+              </a:rPr>
+              <a:t>الفاتحة</a:t>
+            </a:r>
+            <a:endParaRPr lang="en-US" dirty="0"/>
+          </a:p>
+        </p:txBody>
+      </p:sp>
+      <p:sp>
+        <p:nvSpPr>
+          <p:cNvPr id="28" name="Rounded Rectangle 27">
+            <a:extLst>
+              <a:ext uri="{FF2B5EF4-FFF2-40B4-BE49-F238E27FC236}">
+                <a16:creationId xmlns:a16="http://schemas.microsoft.com/office/drawing/2014/main" id="{14AA3D22-F5AA-70C8-F61B-E084FADB930D}"/>
+              </a:ext>
+            </a:extLst>
+          </p:cNvPr>
+          <p:cNvSpPr/>
+          <p:nvPr/>
+        </p:nvSpPr>
+        <p:spPr>
+          <a:xfrm>
+            <a:off x="4593515" y="1773606"/>
+            <a:ext cx="914400" cy="274320"/>
+          </a:xfrm>
+          <a:prstGeom prst="roundRect">
+            <a:avLst>
+              <a:gd name="adj" fmla="val 50000"/>
+            </a:avLst>
+          </a:prstGeom>
+          <a:solidFill>
+            <a:schemeClr val="tx1">
+              <a:lumMod val="75000"/>
+              <a:lumOff val="25000"/>
+            </a:schemeClr>
+          </a:solidFill>
+          <a:ln>
+            <a:noFill/>
+          </a:ln>
+        </p:spPr>
+        <p:style>
+          <a:lnRef idx="2">
+            <a:schemeClr val="accent1">
+              <a:shade val="15000"/>
+            </a:schemeClr>
+          </a:lnRef>
+          <a:fillRef idx="1">
+            <a:schemeClr val="accent1"/>
+          </a:fillRef>
+          <a:effectRef idx="0">
+            <a:schemeClr val="accent1"/>
+          </a:effectRef>
+          <a:fontRef idx="minor">
+            <a:schemeClr val="lt1"/>
+          </a:fontRef>
+        </p:style>
+        <p:txBody>
+          <a:bodyPr rtlCol="0" anchor="ctr"/>
+          <a:lstStyle/>
+          <a:p>
+            <a:pPr algn="ctr"/>
+            <a:r>
+              <a:rPr lang="en-US" sz="1400" dirty="0">
+                <a:solidFill>
+                  <a:schemeClr val="tx1">
+                    <a:lumMod val="50000"/>
+                    <a:lumOff val="50000"/>
+                  </a:schemeClr>
+                </a:solidFill>
+                <a:latin typeface="ui-sans-serif"/>
+              </a:rPr>
+              <a:t>7 Verses</a:t>
+            </a:r>
+            <a:endParaRPr lang="en-US" sz="1400" dirty="0">
+              <a:solidFill>
+                <a:schemeClr val="tx1">
+                  <a:lumMod val="50000"/>
+                  <a:lumOff val="50000"/>
+                </a:schemeClr>
+              </a:solidFill>
+            </a:endParaRPr>
+          </a:p>
+        </p:txBody>
+      </p:sp>
+      <p:sp>
+        <p:nvSpPr>
+          <p:cNvPr id="30" name="Oval 29">
+            <a:extLst>
+              <a:ext uri="{FF2B5EF4-FFF2-40B4-BE49-F238E27FC236}">
+                <a16:creationId xmlns:a16="http://schemas.microsoft.com/office/drawing/2014/main" id="{C33BF9B3-4AF3-5530-3610-12E566BD9D13}"/>
+              </a:ext>
+            </a:extLst>
+          </p:cNvPr>
+          <p:cNvSpPr/>
+          <p:nvPr/>
+        </p:nvSpPr>
+        <p:spPr>
+          <a:xfrm>
+            <a:off x="1376978" y="2567554"/>
+            <a:ext cx="274320" cy="274320"/>
+          </a:xfrm>
+          <a:prstGeom prst="ellipse">
+            <a:avLst/>
+          </a:prstGeom>
+          <a:solidFill>
+            <a:schemeClr val="accent6">
+              <a:lumMod val="75000"/>
+            </a:schemeClr>
+          </a:solidFill>
+          <a:ln>
+            <a:noFill/>
+          </a:ln>
+        </p:spPr>
+        <p:style>
+          <a:lnRef idx="2">
+            <a:schemeClr val="accent1">
+              <a:shade val="15000"/>
+            </a:schemeClr>
+          </a:lnRef>
+          <a:fillRef idx="1">
+            <a:schemeClr val="accent1"/>
+          </a:fillRef>
+          <a:effectRef idx="0">
+            <a:schemeClr val="accent1"/>
+          </a:effectRef>
+          <a:fontRef idx="minor">
+            <a:schemeClr val="lt1"/>
+          </a:fontRef>
+        </p:style>
+        <p:txBody>
+          <a:bodyPr rtlCol="0" anchor="ctr"/>
+          <a:lstStyle/>
+          <a:p>
+            <a:pPr algn="ctr"/>
+            <a:r>
+              <a:rPr lang="en-US" dirty="0"/>
+              <a:t>1</a:t>
+            </a:r>
+          </a:p>
+        </p:txBody>
+      </p:sp>
+      <p:sp>
+        <p:nvSpPr>
+          <p:cNvPr id="31" name="TextBox 30">
+            <a:extLst>
+              <a:ext uri="{FF2B5EF4-FFF2-40B4-BE49-F238E27FC236}">
+                <a16:creationId xmlns:a16="http://schemas.microsoft.com/office/drawing/2014/main" id="{9A633D31-379C-7ED9-A46B-6D976E124AFF}"/>
+              </a:ext>
+            </a:extLst>
+          </p:cNvPr>
+          <p:cNvSpPr txBox="1"/>
+          <p:nvPr/>
+        </p:nvSpPr>
+        <p:spPr>
+          <a:xfrm>
+            <a:off x="1651298" y="2407416"/>
+            <a:ext cx="1124174" cy="369332"/>
+          </a:xfrm>
+          <a:prstGeom prst="rect">
+            <a:avLst/>
+          </a:prstGeom>
+          <a:noFill/>
+        </p:spPr>
+        <p:txBody>
+          <a:bodyPr wrap="square">
+            <a:spAutoFit/>
+          </a:bodyPr>
+          <a:lstStyle/>
+          <a:p>
+            <a:r>
+              <a:rPr lang="en-US" dirty="0">
+                <a:solidFill>
+                  <a:schemeClr val="bg1">
+                    <a:lumMod val="50000"/>
+                  </a:schemeClr>
+                </a:solidFill>
+              </a:rPr>
+              <a:t>Al-Fatihah</a:t>
+            </a:r>
+            <a:endParaRPr lang="en-US" dirty="0"/>
+          </a:p>
+        </p:txBody>
+      </p:sp>
+      <p:sp>
+        <p:nvSpPr>
+          <p:cNvPr id="32" name="TextBox 31">
+            <a:extLst>
+              <a:ext uri="{FF2B5EF4-FFF2-40B4-BE49-F238E27FC236}">
+                <a16:creationId xmlns:a16="http://schemas.microsoft.com/office/drawing/2014/main" id="{C0D60D58-1EC5-27B0-08AC-369CDC2D5EE8}"/>
+              </a:ext>
+            </a:extLst>
+          </p:cNvPr>
+          <p:cNvSpPr txBox="1"/>
+          <p:nvPr/>
+        </p:nvSpPr>
+        <p:spPr>
+          <a:xfrm>
+            <a:off x="1651298" y="2678724"/>
+            <a:ext cx="704626" cy="369332"/>
+          </a:xfrm>
+          <a:prstGeom prst="rect">
+            <a:avLst/>
+          </a:prstGeom>
+          <a:noFill/>
+        </p:spPr>
+        <p:txBody>
+          <a:bodyPr wrap="square">
+            <a:spAutoFit/>
+          </a:bodyPr>
+          <a:lstStyle/>
+          <a:p>
+            <a:r>
+              <a:rPr lang="ar-AE" dirty="0">
+                <a:solidFill>
+                  <a:schemeClr val="bg1">
+                    <a:lumMod val="50000"/>
+                  </a:schemeClr>
+                </a:solidFill>
+              </a:rPr>
+              <a:t>الفاتحة</a:t>
+            </a:r>
+            <a:endParaRPr lang="en-US" dirty="0"/>
+          </a:p>
+        </p:txBody>
+      </p:sp>
+      <p:sp>
+        <p:nvSpPr>
+          <p:cNvPr id="33" name="Rounded Rectangle 32">
+            <a:extLst>
+              <a:ext uri="{FF2B5EF4-FFF2-40B4-BE49-F238E27FC236}">
+                <a16:creationId xmlns:a16="http://schemas.microsoft.com/office/drawing/2014/main" id="{C7545BFA-697F-004A-9CBB-41BEE47497C2}"/>
+              </a:ext>
+            </a:extLst>
+          </p:cNvPr>
+          <p:cNvSpPr/>
+          <p:nvPr/>
+        </p:nvSpPr>
+        <p:spPr>
+          <a:xfrm>
+            <a:off x="4593515" y="2584337"/>
+            <a:ext cx="914400" cy="274320"/>
+          </a:xfrm>
+          <a:prstGeom prst="roundRect">
+            <a:avLst>
+              <a:gd name="adj" fmla="val 50000"/>
+            </a:avLst>
+          </a:prstGeom>
+          <a:solidFill>
+            <a:schemeClr val="tx1">
+              <a:lumMod val="75000"/>
+              <a:lumOff val="25000"/>
+            </a:schemeClr>
+          </a:solidFill>
+          <a:ln>
+            <a:noFill/>
+          </a:ln>
+        </p:spPr>
+        <p:style>
+          <a:lnRef idx="2">
+            <a:schemeClr val="accent1">
+              <a:shade val="15000"/>
+            </a:schemeClr>
+          </a:lnRef>
+          <a:fillRef idx="1">
+            <a:schemeClr val="accent1"/>
+          </a:fillRef>
+          <a:effectRef idx="0">
+            <a:schemeClr val="accent1"/>
+          </a:effectRef>
+          <a:fontRef idx="minor">
+            <a:schemeClr val="lt1"/>
+          </a:fontRef>
+        </p:style>
+        <p:txBody>
+          <a:bodyPr rtlCol="0" anchor="ctr"/>
+          <a:lstStyle/>
+          <a:p>
+            <a:pPr algn="ctr"/>
+            <a:r>
+              <a:rPr lang="en-US" sz="1400" dirty="0">
+                <a:solidFill>
+                  <a:schemeClr val="tx1">
+                    <a:lumMod val="50000"/>
+                    <a:lumOff val="50000"/>
+                  </a:schemeClr>
+                </a:solidFill>
+                <a:latin typeface="ui-sans-serif"/>
+              </a:rPr>
+              <a:t>7 Verses</a:t>
+            </a:r>
+            <a:endParaRPr lang="en-US" sz="1400" dirty="0">
+              <a:solidFill>
+                <a:schemeClr val="tx1">
+                  <a:lumMod val="50000"/>
+                  <a:lumOff val="50000"/>
+                </a:schemeClr>
+              </a:solidFill>
+            </a:endParaRPr>
+          </a:p>
+        </p:txBody>
+      </p:sp>
+      <p:sp>
+        <p:nvSpPr>
+          <p:cNvPr id="34" name="Rounded Rectangle 33">
+            <a:extLst>
+              <a:ext uri="{FF2B5EF4-FFF2-40B4-BE49-F238E27FC236}">
+                <a16:creationId xmlns:a16="http://schemas.microsoft.com/office/drawing/2014/main" id="{D8408A77-CCE6-DF5D-990F-D616D669A5FC}"/>
+              </a:ext>
+            </a:extLst>
+          </p:cNvPr>
+          <p:cNvSpPr/>
+          <p:nvPr/>
+        </p:nvSpPr>
+        <p:spPr>
+          <a:xfrm>
+            <a:off x="6810360" y="907236"/>
+            <a:ext cx="4712873" cy="4226401"/>
+          </a:xfrm>
+          <a:prstGeom prst="roundRect">
+            <a:avLst>
+              <a:gd name="adj" fmla="val 7007"/>
+            </a:avLst>
+          </a:prstGeom>
+          <a:solidFill>
+            <a:srgbClr val="161618"/>
+          </a:solidFill>
+          <a:ln>
+            <a:solidFill>
+              <a:schemeClr val="bg1">
+                <a:lumMod val="50000"/>
+              </a:schemeClr>
+            </a:solidFill>
+          </a:ln>
+          <a:effectLst>
+            <a:outerShdw blurRad="50800" dist="38100" dir="5400000" algn="t" rotWithShape="0">
+              <a:prstClr val="black">
+                <a:alpha val="40000"/>
+              </a:prstClr>
+            </a:outerShdw>
+          </a:effectLst>
+        </p:spPr>
+        <p:style>
+          <a:lnRef idx="2">
+            <a:schemeClr val="accent1">
+              <a:shade val="15000"/>
+            </a:schemeClr>
+          </a:lnRef>
+          <a:fillRef idx="1">
+            <a:schemeClr val="accent1"/>
+          </a:fillRef>
+          <a:effectRef idx="0">
+            <a:schemeClr val="accent1"/>
+          </a:effectRef>
+          <a:fontRef idx="minor">
+            <a:schemeClr val="lt1"/>
+          </a:fontRef>
+        </p:style>
+        <p:txBody>
+          <a:bodyPr rtlCol="0" anchor="t"/>
+          <a:lstStyle/>
+          <a:p>
+            <a:br>
+              <a:rPr lang="en-US" dirty="0"/>
+            </a:br>
+            <a:endParaRPr lang="en-US" dirty="0">
+              <a:solidFill>
+                <a:schemeClr val="tx1">
+                  <a:lumMod val="75000"/>
+                  <a:lumOff val="25000"/>
+                </a:schemeClr>
+              </a:solidFill>
+            </a:endParaRPr>
+          </a:p>
+        </p:txBody>
+      </p:sp>
+      <p:sp>
+        <p:nvSpPr>
+          <p:cNvPr id="35" name="Rounded Rectangle 34">
+            <a:extLst>
+              <a:ext uri="{FF2B5EF4-FFF2-40B4-BE49-F238E27FC236}">
+                <a16:creationId xmlns:a16="http://schemas.microsoft.com/office/drawing/2014/main" id="{208DCF6B-6117-E0F8-34A4-A604D1CF88B4}"/>
+              </a:ext>
+            </a:extLst>
+          </p:cNvPr>
+          <p:cNvSpPr/>
+          <p:nvPr/>
+        </p:nvSpPr>
+        <p:spPr>
+          <a:xfrm>
+            <a:off x="6876700" y="1495398"/>
+            <a:ext cx="4572000" cy="738686"/>
+          </a:xfrm>
+          <a:prstGeom prst="roundRect">
+            <a:avLst>
+              <a:gd name="adj" fmla="val 25939"/>
+            </a:avLst>
+          </a:prstGeom>
+          <a:solidFill>
+            <a:srgbClr val="1D2C12"/>
+          </a:solidFill>
+          <a:ln>
+            <a:noFill/>
+          </a:ln>
+          <a:effectLst>
+            <a:outerShdw blurRad="50800" dist="38100" dir="5400000" algn="t" rotWithShape="0">
+              <a:prstClr val="black">
+                <a:alpha val="40000"/>
+              </a:prstClr>
+            </a:outerShdw>
+          </a:effectLst>
+        </p:spPr>
+        <p:style>
+          <a:lnRef idx="2">
+            <a:schemeClr val="accent1">
+              <a:shade val="15000"/>
+            </a:schemeClr>
+          </a:lnRef>
+          <a:fillRef idx="1">
+            <a:schemeClr val="accent1"/>
+          </a:fillRef>
+          <a:effectRef idx="0">
+            <a:schemeClr val="accent1"/>
+          </a:effectRef>
+          <a:fontRef idx="minor">
+            <a:schemeClr val="lt1"/>
+          </a:fontRef>
+        </p:style>
+        <p:txBody>
+          <a:bodyPr rtlCol="0" anchor="t"/>
+          <a:lstStyle/>
+          <a:p>
+            <a:br>
+              <a:rPr lang="en-US" dirty="0"/>
+            </a:br>
+            <a:endParaRPr lang="en-US" dirty="0">
+              <a:solidFill>
+                <a:schemeClr val="tx1">
+                  <a:lumMod val="75000"/>
+                  <a:lumOff val="25000"/>
+                </a:schemeClr>
+              </a:solidFill>
+            </a:endParaRPr>
+          </a:p>
+        </p:txBody>
+      </p:sp>
+      <p:sp>
+        <p:nvSpPr>
+          <p:cNvPr id="36" name="Oval 35">
+            <a:extLst>
+              <a:ext uri="{FF2B5EF4-FFF2-40B4-BE49-F238E27FC236}">
+                <a16:creationId xmlns:a16="http://schemas.microsoft.com/office/drawing/2014/main" id="{FADB03D5-AB34-D126-50C1-323DA752F1CD}"/>
+              </a:ext>
+            </a:extLst>
+          </p:cNvPr>
+          <p:cNvSpPr/>
+          <p:nvPr/>
+        </p:nvSpPr>
+        <p:spPr>
+          <a:xfrm>
+            <a:off x="7144870" y="1727581"/>
+            <a:ext cx="274320" cy="274320"/>
+          </a:xfrm>
+          <a:prstGeom prst="ellipse">
+            <a:avLst/>
+          </a:prstGeom>
+          <a:solidFill>
+            <a:schemeClr val="accent6">
+              <a:lumMod val="75000"/>
+            </a:schemeClr>
+          </a:solidFill>
+          <a:ln>
+            <a:noFill/>
+          </a:ln>
+        </p:spPr>
+        <p:style>
+          <a:lnRef idx="2">
+            <a:schemeClr val="accent1">
+              <a:shade val="15000"/>
+            </a:schemeClr>
+          </a:lnRef>
+          <a:fillRef idx="1">
+            <a:schemeClr val="accent1"/>
+          </a:fillRef>
+          <a:effectRef idx="0">
+            <a:schemeClr val="accent1"/>
+          </a:effectRef>
+          <a:fontRef idx="minor">
+            <a:schemeClr val="lt1"/>
+          </a:fontRef>
+        </p:style>
+        <p:txBody>
+          <a:bodyPr rtlCol="0" anchor="ctr"/>
+          <a:lstStyle/>
+          <a:p>
+            <a:pPr algn="ctr"/>
+            <a:r>
+              <a:rPr lang="en-US" dirty="0"/>
+              <a:t>1</a:t>
+            </a:r>
+          </a:p>
+        </p:txBody>
+      </p:sp>
+      <p:sp>
+        <p:nvSpPr>
+          <p:cNvPr id="37" name="TextBox 36">
+            <a:extLst>
+              <a:ext uri="{FF2B5EF4-FFF2-40B4-BE49-F238E27FC236}">
+                <a16:creationId xmlns:a16="http://schemas.microsoft.com/office/drawing/2014/main" id="{646F8AC4-8A4B-6C3C-1429-C64138301087}"/>
+              </a:ext>
+            </a:extLst>
+          </p:cNvPr>
+          <p:cNvSpPr txBox="1"/>
+          <p:nvPr/>
+        </p:nvSpPr>
+        <p:spPr>
+          <a:xfrm>
+            <a:off x="7419190" y="1567443"/>
+            <a:ext cx="1124174" cy="369332"/>
+          </a:xfrm>
+          <a:prstGeom prst="rect">
+            <a:avLst/>
+          </a:prstGeom>
+          <a:noFill/>
+        </p:spPr>
+        <p:txBody>
+          <a:bodyPr wrap="square">
+            <a:spAutoFit/>
+          </a:bodyPr>
+          <a:lstStyle/>
+          <a:p>
+            <a:r>
+              <a:rPr lang="en-US" dirty="0">
+                <a:solidFill>
+                  <a:srgbClr val="00B050"/>
+                </a:solidFill>
+              </a:rPr>
+              <a:t>Al-Fatihah</a:t>
+            </a:r>
+          </a:p>
+        </p:txBody>
+      </p:sp>
+      <p:sp>
+        <p:nvSpPr>
+          <p:cNvPr id="38" name="TextBox 37">
+            <a:extLst>
+              <a:ext uri="{FF2B5EF4-FFF2-40B4-BE49-F238E27FC236}">
+                <a16:creationId xmlns:a16="http://schemas.microsoft.com/office/drawing/2014/main" id="{5D295DB2-4DDA-9899-45A2-B1C177749D3F}"/>
+              </a:ext>
+            </a:extLst>
+          </p:cNvPr>
+          <p:cNvSpPr txBox="1"/>
+          <p:nvPr/>
+        </p:nvSpPr>
+        <p:spPr>
+          <a:xfrm>
+            <a:off x="7419190" y="1838751"/>
+            <a:ext cx="704626" cy="369332"/>
+          </a:xfrm>
+          <a:prstGeom prst="rect">
+            <a:avLst/>
+          </a:prstGeom>
+          <a:noFill/>
+        </p:spPr>
+        <p:txBody>
+          <a:bodyPr wrap="square">
+            <a:spAutoFit/>
+          </a:bodyPr>
+          <a:lstStyle/>
+          <a:p>
+            <a:r>
+              <a:rPr lang="ar-AE" dirty="0">
+                <a:solidFill>
+                  <a:srgbClr val="00B050"/>
+                </a:solidFill>
+              </a:rPr>
+              <a:t>الفاتحة</a:t>
+            </a:r>
+            <a:endParaRPr lang="en-US" dirty="0">
+              <a:solidFill>
+                <a:srgbClr val="00B050"/>
+              </a:solidFill>
+            </a:endParaRPr>
+          </a:p>
+        </p:txBody>
+      </p:sp>
+      <p:sp>
+        <p:nvSpPr>
+          <p:cNvPr id="39" name="Rounded Rectangle 38">
+            <a:extLst>
+              <a:ext uri="{FF2B5EF4-FFF2-40B4-BE49-F238E27FC236}">
+                <a16:creationId xmlns:a16="http://schemas.microsoft.com/office/drawing/2014/main" id="{D969C366-3E8C-16C7-C857-C2CF25D8EED1}"/>
+              </a:ext>
+            </a:extLst>
+          </p:cNvPr>
+          <p:cNvSpPr/>
+          <p:nvPr/>
+        </p:nvSpPr>
+        <p:spPr>
+          <a:xfrm>
+            <a:off x="10361407" y="1744364"/>
+            <a:ext cx="914400" cy="274320"/>
+          </a:xfrm>
+          <a:prstGeom prst="roundRect">
+            <a:avLst>
+              <a:gd name="adj" fmla="val 50000"/>
+            </a:avLst>
+          </a:prstGeom>
+          <a:solidFill>
+            <a:schemeClr val="tx1">
+              <a:lumMod val="75000"/>
+              <a:lumOff val="25000"/>
+            </a:schemeClr>
+          </a:solidFill>
+          <a:ln>
+            <a:noFill/>
+          </a:ln>
+        </p:spPr>
+        <p:style>
+          <a:lnRef idx="2">
+            <a:schemeClr val="accent1">
+              <a:shade val="15000"/>
+            </a:schemeClr>
+          </a:lnRef>
+          <a:fillRef idx="1">
+            <a:schemeClr val="accent1"/>
+          </a:fillRef>
+          <a:effectRef idx="0">
+            <a:schemeClr val="accent1"/>
+          </a:effectRef>
+          <a:fontRef idx="minor">
+            <a:schemeClr val="lt1"/>
+          </a:fontRef>
+        </p:style>
+        <p:txBody>
+          <a:bodyPr rtlCol="0" anchor="ctr"/>
+          <a:lstStyle/>
+          <a:p>
+            <a:pPr algn="ctr"/>
+            <a:r>
+              <a:rPr lang="en-US" sz="1400" dirty="0">
+                <a:solidFill>
+                  <a:schemeClr val="tx1">
+                    <a:lumMod val="50000"/>
+                    <a:lumOff val="50000"/>
+                  </a:schemeClr>
+                </a:solidFill>
+                <a:latin typeface="ui-sans-serif"/>
+              </a:rPr>
+              <a:t>7 Verses</a:t>
+            </a:r>
+            <a:endParaRPr lang="en-US" sz="1400" dirty="0">
+              <a:solidFill>
+                <a:schemeClr val="tx1">
+                  <a:lumMod val="50000"/>
+                  <a:lumOff val="50000"/>
+                </a:schemeClr>
+              </a:solidFill>
+            </a:endParaRPr>
+          </a:p>
+        </p:txBody>
+      </p:sp>
+      <p:sp>
+        <p:nvSpPr>
+          <p:cNvPr id="40" name="Oval 39">
+            <a:extLst>
+              <a:ext uri="{FF2B5EF4-FFF2-40B4-BE49-F238E27FC236}">
+                <a16:creationId xmlns:a16="http://schemas.microsoft.com/office/drawing/2014/main" id="{413DC18C-D4EB-F81E-21B9-AF22747EA317}"/>
+              </a:ext>
+            </a:extLst>
+          </p:cNvPr>
+          <p:cNvSpPr/>
+          <p:nvPr/>
+        </p:nvSpPr>
+        <p:spPr>
+          <a:xfrm>
+            <a:off x="7144870" y="2537731"/>
+            <a:ext cx="274320" cy="274320"/>
+          </a:xfrm>
+          <a:prstGeom prst="ellipse">
+            <a:avLst/>
+          </a:prstGeom>
+          <a:solidFill>
+            <a:schemeClr val="accent6">
+              <a:lumMod val="75000"/>
+            </a:schemeClr>
+          </a:solidFill>
+          <a:ln>
+            <a:noFill/>
+          </a:ln>
+        </p:spPr>
+        <p:style>
+          <a:lnRef idx="2">
+            <a:schemeClr val="accent1">
+              <a:shade val="15000"/>
+            </a:schemeClr>
+          </a:lnRef>
+          <a:fillRef idx="1">
+            <a:schemeClr val="accent1"/>
+          </a:fillRef>
+          <a:effectRef idx="0">
+            <a:schemeClr val="accent1"/>
+          </a:effectRef>
+          <a:fontRef idx="minor">
+            <a:schemeClr val="lt1"/>
+          </a:fontRef>
+        </p:style>
+        <p:txBody>
+          <a:bodyPr rtlCol="0" anchor="ctr"/>
+          <a:lstStyle/>
+          <a:p>
+            <a:pPr algn="ctr"/>
+            <a:r>
+              <a:rPr lang="en-US" dirty="0"/>
+              <a:t>1</a:t>
+            </a:r>
+          </a:p>
+        </p:txBody>
+      </p:sp>
+      <p:sp>
+        <p:nvSpPr>
+          <p:cNvPr id="41" name="TextBox 40">
+            <a:extLst>
+              <a:ext uri="{FF2B5EF4-FFF2-40B4-BE49-F238E27FC236}">
+                <a16:creationId xmlns:a16="http://schemas.microsoft.com/office/drawing/2014/main" id="{5B72C362-A870-37E7-0C96-A0F73E674B39}"/>
+              </a:ext>
+            </a:extLst>
+          </p:cNvPr>
+          <p:cNvSpPr txBox="1"/>
+          <p:nvPr/>
+        </p:nvSpPr>
+        <p:spPr>
+          <a:xfrm>
+            <a:off x="7419190" y="2377593"/>
+            <a:ext cx="1124174" cy="369332"/>
+          </a:xfrm>
+          <a:prstGeom prst="rect">
+            <a:avLst/>
+          </a:prstGeom>
+          <a:noFill/>
+        </p:spPr>
+        <p:txBody>
+          <a:bodyPr wrap="square">
+            <a:spAutoFit/>
+          </a:bodyPr>
+          <a:lstStyle/>
+          <a:p>
+            <a:r>
+              <a:rPr lang="en-US" dirty="0">
+                <a:solidFill>
+                  <a:schemeClr val="bg1">
+                    <a:lumMod val="50000"/>
+                  </a:schemeClr>
+                </a:solidFill>
+              </a:rPr>
+              <a:t>Al-Fatihah</a:t>
+            </a:r>
+            <a:endParaRPr lang="en-US" dirty="0"/>
+          </a:p>
+        </p:txBody>
+      </p:sp>
+      <p:sp>
+        <p:nvSpPr>
+          <p:cNvPr id="42" name="TextBox 41">
+            <a:extLst>
+              <a:ext uri="{FF2B5EF4-FFF2-40B4-BE49-F238E27FC236}">
+                <a16:creationId xmlns:a16="http://schemas.microsoft.com/office/drawing/2014/main" id="{84F2A546-16F5-B594-D864-B65F10DF43C8}"/>
+              </a:ext>
+            </a:extLst>
+          </p:cNvPr>
+          <p:cNvSpPr txBox="1"/>
+          <p:nvPr/>
+        </p:nvSpPr>
+        <p:spPr>
+          <a:xfrm>
+            <a:off x="7419190" y="2648901"/>
+            <a:ext cx="704626" cy="369332"/>
+          </a:xfrm>
+          <a:prstGeom prst="rect">
+            <a:avLst/>
+          </a:prstGeom>
+          <a:noFill/>
+        </p:spPr>
+        <p:txBody>
+          <a:bodyPr wrap="square">
+            <a:spAutoFit/>
+          </a:bodyPr>
+          <a:lstStyle/>
+          <a:p>
+            <a:r>
+              <a:rPr lang="ar-AE" dirty="0">
+                <a:solidFill>
+                  <a:schemeClr val="bg1">
+                    <a:lumMod val="50000"/>
+                  </a:schemeClr>
+                </a:solidFill>
+              </a:rPr>
+              <a:t>الفاتحة</a:t>
+            </a:r>
+            <a:endParaRPr lang="en-US" dirty="0"/>
+          </a:p>
+        </p:txBody>
+      </p:sp>
+      <p:sp>
+        <p:nvSpPr>
+          <p:cNvPr id="43" name="Rounded Rectangle 42">
+            <a:extLst>
+              <a:ext uri="{FF2B5EF4-FFF2-40B4-BE49-F238E27FC236}">
+                <a16:creationId xmlns:a16="http://schemas.microsoft.com/office/drawing/2014/main" id="{3CE11C5E-63F9-581E-C5F4-BDD07C58E436}"/>
+              </a:ext>
+            </a:extLst>
+          </p:cNvPr>
+          <p:cNvSpPr/>
+          <p:nvPr/>
+        </p:nvSpPr>
+        <p:spPr>
+          <a:xfrm>
+            <a:off x="10361407" y="2554514"/>
+            <a:ext cx="914400" cy="274320"/>
+          </a:xfrm>
+          <a:prstGeom prst="roundRect">
+            <a:avLst>
+              <a:gd name="adj" fmla="val 50000"/>
+            </a:avLst>
+          </a:prstGeom>
+          <a:solidFill>
+            <a:schemeClr val="tx1">
+              <a:lumMod val="75000"/>
+              <a:lumOff val="25000"/>
+            </a:schemeClr>
+          </a:solidFill>
+          <a:ln>
+            <a:noFill/>
+          </a:ln>
+        </p:spPr>
+        <p:style>
+          <a:lnRef idx="2">
+            <a:schemeClr val="accent1">
+              <a:shade val="15000"/>
+            </a:schemeClr>
+          </a:lnRef>
+          <a:fillRef idx="1">
+            <a:schemeClr val="accent1"/>
+          </a:fillRef>
+          <a:effectRef idx="0">
+            <a:schemeClr val="accent1"/>
+          </a:effectRef>
+          <a:fontRef idx="minor">
+            <a:schemeClr val="lt1"/>
+          </a:fontRef>
+        </p:style>
+        <p:txBody>
+          <a:bodyPr rtlCol="0" anchor="ctr"/>
+          <a:lstStyle/>
+          <a:p>
+            <a:pPr algn="ctr"/>
+            <a:r>
+              <a:rPr lang="en-US" sz="1400" dirty="0">
+                <a:solidFill>
+                  <a:schemeClr val="tx1">
+                    <a:lumMod val="50000"/>
+                    <a:lumOff val="50000"/>
+                  </a:schemeClr>
+                </a:solidFill>
+                <a:latin typeface="ui-sans-serif"/>
+              </a:rPr>
+              <a:t>7 Verses</a:t>
+            </a:r>
+            <a:endParaRPr lang="en-US" sz="1400" dirty="0">
+              <a:solidFill>
+                <a:schemeClr val="tx1">
+                  <a:lumMod val="50000"/>
+                  <a:lumOff val="50000"/>
+                </a:schemeClr>
+              </a:solidFill>
+            </a:endParaRPr>
+          </a:p>
+        </p:txBody>
+      </p:sp>
+      <p:sp>
+        <p:nvSpPr>
+          <p:cNvPr id="44" name="Oval 43">
+            <a:extLst>
+              <a:ext uri="{FF2B5EF4-FFF2-40B4-BE49-F238E27FC236}">
+                <a16:creationId xmlns:a16="http://schemas.microsoft.com/office/drawing/2014/main" id="{AD6F0592-C044-6EE5-253C-E2CD2D596811}"/>
+              </a:ext>
+            </a:extLst>
+          </p:cNvPr>
+          <p:cNvSpPr/>
+          <p:nvPr/>
+        </p:nvSpPr>
+        <p:spPr>
+          <a:xfrm>
+            <a:off x="7144870" y="3348462"/>
+            <a:ext cx="274320" cy="274320"/>
+          </a:xfrm>
+          <a:prstGeom prst="ellipse">
+            <a:avLst/>
+          </a:prstGeom>
+          <a:solidFill>
+            <a:schemeClr val="accent6">
+              <a:lumMod val="75000"/>
+            </a:schemeClr>
+          </a:solidFill>
+          <a:ln>
+            <a:noFill/>
+          </a:ln>
+        </p:spPr>
+        <p:style>
+          <a:lnRef idx="2">
+            <a:schemeClr val="accent1">
+              <a:shade val="15000"/>
+            </a:schemeClr>
+          </a:lnRef>
+          <a:fillRef idx="1">
+            <a:schemeClr val="accent1"/>
+          </a:fillRef>
+          <a:effectRef idx="0">
+            <a:schemeClr val="accent1"/>
+          </a:effectRef>
+          <a:fontRef idx="minor">
+            <a:schemeClr val="lt1"/>
+          </a:fontRef>
+        </p:style>
+        <p:txBody>
+          <a:bodyPr rtlCol="0" anchor="ctr"/>
+          <a:lstStyle/>
+          <a:p>
+            <a:pPr algn="ctr"/>
+            <a:r>
+              <a:rPr lang="en-US" dirty="0"/>
+              <a:t>1</a:t>
+            </a:r>
+          </a:p>
+        </p:txBody>
+      </p:sp>
+      <p:sp>
+        <p:nvSpPr>
+          <p:cNvPr id="45" name="TextBox 44">
+            <a:extLst>
+              <a:ext uri="{FF2B5EF4-FFF2-40B4-BE49-F238E27FC236}">
+                <a16:creationId xmlns:a16="http://schemas.microsoft.com/office/drawing/2014/main" id="{6F4EB220-5841-0A23-8AD7-A43526C31C32}"/>
+              </a:ext>
+            </a:extLst>
+          </p:cNvPr>
+          <p:cNvSpPr txBox="1"/>
+          <p:nvPr/>
+        </p:nvSpPr>
+        <p:spPr>
+          <a:xfrm>
+            <a:off x="7419190" y="3188324"/>
+            <a:ext cx="1124174" cy="369332"/>
+          </a:xfrm>
+          <a:prstGeom prst="rect">
+            <a:avLst/>
+          </a:prstGeom>
+          <a:noFill/>
+        </p:spPr>
+        <p:txBody>
+          <a:bodyPr wrap="square">
+            <a:spAutoFit/>
+          </a:bodyPr>
+          <a:lstStyle/>
+          <a:p>
+            <a:r>
+              <a:rPr lang="en-US" dirty="0">
+                <a:solidFill>
+                  <a:schemeClr val="bg1">
+                    <a:lumMod val="50000"/>
+                  </a:schemeClr>
+                </a:solidFill>
+              </a:rPr>
+              <a:t>Al-Fatihah</a:t>
+            </a:r>
+            <a:endParaRPr lang="en-US" dirty="0"/>
+          </a:p>
+        </p:txBody>
+      </p:sp>
+      <p:sp>
+        <p:nvSpPr>
+          <p:cNvPr id="46" name="TextBox 45">
+            <a:extLst>
+              <a:ext uri="{FF2B5EF4-FFF2-40B4-BE49-F238E27FC236}">
+                <a16:creationId xmlns:a16="http://schemas.microsoft.com/office/drawing/2014/main" id="{635C1A99-6E68-46A8-078C-2E6D00043B24}"/>
+              </a:ext>
+            </a:extLst>
+          </p:cNvPr>
+          <p:cNvSpPr txBox="1"/>
+          <p:nvPr/>
+        </p:nvSpPr>
+        <p:spPr>
+          <a:xfrm>
+            <a:off x="7419190" y="3459632"/>
+            <a:ext cx="704626" cy="369332"/>
+          </a:xfrm>
+          <a:prstGeom prst="rect">
+            <a:avLst/>
+          </a:prstGeom>
+          <a:noFill/>
+        </p:spPr>
+        <p:txBody>
+          <a:bodyPr wrap="square">
+            <a:spAutoFit/>
+          </a:bodyPr>
+          <a:lstStyle/>
+          <a:p>
+            <a:r>
+              <a:rPr lang="ar-AE" dirty="0">
+                <a:solidFill>
+                  <a:schemeClr val="bg1">
+                    <a:lumMod val="50000"/>
+                  </a:schemeClr>
+                </a:solidFill>
+              </a:rPr>
+              <a:t>الفاتحة</a:t>
+            </a:r>
+            <a:endParaRPr lang="en-US" dirty="0"/>
+          </a:p>
+        </p:txBody>
+      </p:sp>
+      <p:sp>
+        <p:nvSpPr>
+          <p:cNvPr id="47" name="Rounded Rectangle 46">
+            <a:extLst>
+              <a:ext uri="{FF2B5EF4-FFF2-40B4-BE49-F238E27FC236}">
+                <a16:creationId xmlns:a16="http://schemas.microsoft.com/office/drawing/2014/main" id="{2BF08352-EEAD-757B-BD3A-12B2CA5B89D9}"/>
+              </a:ext>
+            </a:extLst>
+          </p:cNvPr>
+          <p:cNvSpPr/>
+          <p:nvPr/>
+        </p:nvSpPr>
+        <p:spPr>
+          <a:xfrm>
+            <a:off x="10361407" y="3365245"/>
+            <a:ext cx="914400" cy="274320"/>
+          </a:xfrm>
+          <a:prstGeom prst="roundRect">
+            <a:avLst>
+              <a:gd name="adj" fmla="val 50000"/>
+            </a:avLst>
+          </a:prstGeom>
+          <a:solidFill>
+            <a:schemeClr val="tx1">
+              <a:lumMod val="75000"/>
+              <a:lumOff val="25000"/>
+            </a:schemeClr>
+          </a:solidFill>
+          <a:ln>
+            <a:noFill/>
+          </a:ln>
+        </p:spPr>
+        <p:style>
+          <a:lnRef idx="2">
+            <a:schemeClr val="accent1">
+              <a:shade val="15000"/>
+            </a:schemeClr>
+          </a:lnRef>
+          <a:fillRef idx="1">
+            <a:schemeClr val="accent1"/>
+          </a:fillRef>
+          <a:effectRef idx="0">
+            <a:schemeClr val="accent1"/>
+          </a:effectRef>
+          <a:fontRef idx="minor">
+            <a:schemeClr val="lt1"/>
+          </a:fontRef>
+        </p:style>
+        <p:txBody>
+          <a:bodyPr rtlCol="0" anchor="ctr"/>
+          <a:lstStyle/>
+          <a:p>
+            <a:pPr algn="ctr"/>
+            <a:r>
+              <a:rPr lang="en-US" sz="1400" dirty="0">
+                <a:solidFill>
+                  <a:schemeClr val="tx1">
+                    <a:lumMod val="50000"/>
+                    <a:lumOff val="50000"/>
+                  </a:schemeClr>
+                </a:solidFill>
+                <a:latin typeface="ui-sans-serif"/>
+              </a:rPr>
+              <a:t>7 Verses</a:t>
+            </a:r>
+            <a:endParaRPr lang="en-US" sz="1400" dirty="0">
+              <a:solidFill>
+                <a:schemeClr val="tx1">
+                  <a:lumMod val="50000"/>
+                  <a:lumOff val="50000"/>
+                </a:schemeClr>
+              </a:solidFill>
+            </a:endParaRPr>
+          </a:p>
+        </p:txBody>
+      </p:sp>
+    </p:spTree>
+    <p:extLst>
+      <p:ext uri="{BB962C8B-B14F-4D97-AF65-F5344CB8AC3E}">
+        <p14:creationId xmlns:p14="http://schemas.microsoft.com/office/powerpoint/2010/main" val="4169573855"/>
       </p:ext>
     </p:extLst>
   </p:cSld>
@@ -4745,4 +8868,299 @@
     </a:ext>
   </a:extLst>
 </a:theme>
+</file>
+
+<file path=ppt/theme/theme2.xml><?xml version="1.0" encoding="utf-8"?>
+<a:theme xmlns:a="http://schemas.openxmlformats.org/drawingml/2006/main" name="Office Theme">
+  <a:themeElements>
+    <a:clrScheme name="Office">
+      <a:dk1>
+        <a:sysClr val="windowText" lastClr="000000"/>
+      </a:dk1>
+      <a:lt1>
+        <a:sysClr val="window" lastClr="FFFFFF"/>
+      </a:lt1>
+      <a:dk2>
+        <a:srgbClr val="44546A"/>
+      </a:dk2>
+      <a:lt2>
+        <a:srgbClr val="E7E6E6"/>
+      </a:lt2>
+      <a:accent1>
+        <a:srgbClr val="4472C4"/>
+      </a:accent1>
+      <a:accent2>
+        <a:srgbClr val="ED7D31"/>
+      </a:accent2>
+      <a:accent3>
+        <a:srgbClr val="A5A5A5"/>
+      </a:accent3>
+      <a:accent4>
+        <a:srgbClr val="FFC000"/>
+      </a:accent4>
+      <a:accent5>
+        <a:srgbClr val="5B9BD5"/>
+      </a:accent5>
+      <a:accent6>
+        <a:srgbClr val="70AD47"/>
+      </a:accent6>
+      <a:hlink>
+        <a:srgbClr val="0563C1"/>
+      </a:hlink>
+      <a:folHlink>
+        <a:srgbClr val="954F72"/>
+      </a:folHlink>
+    </a:clrScheme>
+    <a:fontScheme name="Office">
+      <a:majorFont>
+        <a:latin typeface="Calibri Light" panose="020F0302020204030204"/>
+        <a:ea typeface=""/>
+        <a:cs typeface=""/>
+        <a:font script="Jpan" typeface="游ゴシック Light"/>
+        <a:font script="Hang" typeface="맑은 고딕"/>
+        <a:font script="Hans" typeface="等线 Light"/>
+        <a:font script="Hant" typeface="新細明體"/>
+        <a:font script="Arab" typeface="Times New Roman"/>
+        <a:font script="Hebr" typeface="Times New Roman"/>
+        <a:font script="Thai" typeface="Angsana New"/>
+        <a:font script="Ethi" typeface="Nyala"/>
+        <a:font script="Beng" typeface="Vrinda"/>
+        <a:font script="Gujr" typeface="Shruti"/>
+        <a:font script="Khmr" typeface="MoolBoran"/>
+        <a:font script="Knda" typeface="Tunga"/>
+        <a:font script="Guru" typeface="Raavi"/>
+        <a:font script="Cans" typeface="Euphemia"/>
+        <a:font script="Cher" typeface="Plantagenet Cherokee"/>
+        <a:font script="Yiii" typeface="Microsoft Yi Baiti"/>
+        <a:font script="Tibt" typeface="Microsoft Himalaya"/>
+        <a:font script="Thaa" typeface="MV Boli"/>
+        <a:font script="Deva" typeface="Mangal"/>
+        <a:font script="Telu" typeface="Gautami"/>
+        <a:font script="Taml" typeface="Latha"/>
+        <a:font script="Syrc" typeface="Estrangelo Edessa"/>
+        <a:font script="Orya" typeface="Kalinga"/>
+        <a:font script="Mlym" typeface="Kartika"/>
+        <a:font script="Laoo" typeface="DokChampa"/>
+        <a:font script="Sinh" typeface="Iskoola Pota"/>
+        <a:font script="Mong" typeface="Mongolian Baiti"/>
+        <a:font script="Viet" typeface="Times New Roman"/>
+        <a:font script="Uigh" typeface="Microsoft Uighur"/>
+        <a:font script="Geor" typeface="Sylfaen"/>
+        <a:font script="Armn" typeface="Arial"/>
+        <a:font script="Bugi" typeface="Leelawadee UI"/>
+        <a:font script="Bopo" typeface="Microsoft JhengHei"/>
+        <a:font script="Java" typeface="Javanese Text"/>
+        <a:font script="Lisu" typeface="Segoe UI"/>
+        <a:font script="Mymr" typeface="Myanmar Text"/>
+        <a:font script="Nkoo" typeface="Ebrima"/>
+        <a:font script="Olck" typeface="Nirmala UI"/>
+        <a:font script="Osma" typeface="Ebrima"/>
+        <a:font script="Phag" typeface="Phagspa"/>
+        <a:font script="Syrn" typeface="Estrangelo Edessa"/>
+        <a:font script="Syrj" typeface="Estrangelo Edessa"/>
+        <a:font script="Syre" typeface="Estrangelo Edessa"/>
+        <a:font script="Sora" typeface="Nirmala UI"/>
+        <a:font script="Tale" typeface="Microsoft Tai Le"/>
+        <a:font script="Talu" typeface="Microsoft New Tai Lue"/>
+        <a:font script="Tfng" typeface="Ebrima"/>
+      </a:majorFont>
+      <a:minorFont>
+        <a:latin typeface="Calibri" panose="020F0502020204030204"/>
+        <a:ea typeface=""/>
+        <a:cs typeface=""/>
+        <a:font script="Jpan" typeface="游ゴシック"/>
+        <a:font script="Hang" typeface="맑은 고딕"/>
+        <a:font script="Hans" typeface="等线"/>
+        <a:font script="Hant" typeface="新細明體"/>
+        <a:font script="Arab" typeface="Arial"/>
+        <a:font script="Hebr" typeface="Arial"/>
+        <a:font script="Thai" typeface="Cordia New"/>
+        <a:font script="Ethi" typeface="Nyala"/>
+        <a:font script="Beng" typeface="Vrinda"/>
+        <a:font script="Gujr" typeface="Shruti"/>
+        <a:font script="Khmr" typeface="DaunPenh"/>
+        <a:font script="Knda" typeface="Tunga"/>
+        <a:font script="Guru" typeface="Raavi"/>
+        <a:font script="Cans" typeface="Euphemia"/>
+        <a:font script="Cher" typeface="Plantagenet Cherokee"/>
+        <a:font script="Yiii" typeface="Microsoft Yi Baiti"/>
+        <a:font script="Tibt" typeface="Microsoft Himalaya"/>
+        <a:font script="Thaa" typeface="MV Boli"/>
+        <a:font script="Deva" typeface="Mangal"/>
+        <a:font script="Telu" typeface="Gautami"/>
+        <a:font script="Taml" typeface="Latha"/>
+        <a:font script="Syrc" typeface="Estrangelo Edessa"/>
+        <a:font script="Orya" typeface="Kalinga"/>
+        <a:font script="Mlym" typeface="Kartika"/>
+        <a:font script="Laoo" typeface="DokChampa"/>
+        <a:font script="Sinh" typeface="Iskoola Pota"/>
+        <a:font script="Mong" typeface="Mongolian Baiti"/>
+        <a:font script="Viet" typeface="Arial"/>
+        <a:font script="Uigh" typeface="Microsoft Uighur"/>
+        <a:font script="Geor" typeface="Sylfaen"/>
+        <a:font script="Armn" typeface="Arial"/>
+        <a:font script="Bugi" typeface="Leelawadee UI"/>
+        <a:font script="Bopo" typeface="Microsoft JhengHei"/>
+        <a:font script="Java" typeface="Javanese Text"/>
+        <a:font script="Lisu" typeface="Segoe UI"/>
+        <a:font script="Mymr" typeface="Myanmar Text"/>
+        <a:font script="Nkoo" typeface="Ebrima"/>
+        <a:font script="Olck" typeface="Nirmala UI"/>
+        <a:font script="Osma" typeface="Ebrima"/>
+        <a:font script="Phag" typeface="Phagspa"/>
+        <a:font script="Syrn" typeface="Estrangelo Edessa"/>
+        <a:font script="Syrj" typeface="Estrangelo Edessa"/>
+        <a:font script="Syre" typeface="Estrangelo Edessa"/>
+        <a:font script="Sora" typeface="Nirmala UI"/>
+        <a:font script="Tale" typeface="Microsoft Tai Le"/>
+        <a:font script="Talu" typeface="Microsoft New Tai Lue"/>
+        <a:font script="Tfng" typeface="Ebrima"/>
+      </a:minorFont>
+    </a:fontScheme>
+    <a:fmtScheme name="Office">
+      <a:fillStyleLst>
+        <a:solidFill>
+          <a:schemeClr val="phClr"/>
+        </a:solidFill>
+        <a:gradFill rotWithShape="1">
+          <a:gsLst>
+            <a:gs pos="0">
+              <a:schemeClr val="phClr">
+                <a:lumMod val="110000"/>
+                <a:satMod val="105000"/>
+                <a:tint val="67000"/>
+              </a:schemeClr>
+            </a:gs>
+            <a:gs pos="50000">
+              <a:schemeClr val="phClr">
+                <a:lumMod val="105000"/>
+                <a:satMod val="103000"/>
+                <a:tint val="73000"/>
+              </a:schemeClr>
+            </a:gs>
+            <a:gs pos="100000">
+              <a:schemeClr val="phClr">
+                <a:lumMod val="105000"/>
+                <a:satMod val="109000"/>
+                <a:tint val="81000"/>
+              </a:schemeClr>
+            </a:gs>
+          </a:gsLst>
+          <a:lin ang="5400000" scaled="0"/>
+        </a:gradFill>
+        <a:gradFill rotWithShape="1">
+          <a:gsLst>
+            <a:gs pos="0">
+              <a:schemeClr val="phClr">
+                <a:satMod val="103000"/>
+                <a:lumMod val="102000"/>
+                <a:tint val="94000"/>
+              </a:schemeClr>
+            </a:gs>
+            <a:gs pos="50000">
+              <a:schemeClr val="phClr">
+                <a:satMod val="110000"/>
+                <a:lumMod val="100000"/>
+                <a:shade val="100000"/>
+              </a:schemeClr>
+            </a:gs>
+            <a:gs pos="100000">
+              <a:schemeClr val="phClr">
+                <a:lumMod val="99000"/>
+                <a:satMod val="120000"/>
+                <a:shade val="78000"/>
+              </a:schemeClr>
+            </a:gs>
+          </a:gsLst>
+          <a:lin ang="5400000" scaled="0"/>
+        </a:gradFill>
+      </a:fillStyleLst>
+      <a:lnStyleLst>
+        <a:ln w="6350" cap="flat" cmpd="sng" algn="ctr">
+          <a:solidFill>
+            <a:schemeClr val="phClr"/>
+          </a:solidFill>
+          <a:prstDash val="solid"/>
+          <a:miter lim="800000"/>
+        </a:ln>
+        <a:ln w="12700" cap="flat" cmpd="sng" algn="ctr">
+          <a:solidFill>
+            <a:schemeClr val="phClr"/>
+          </a:solidFill>
+          <a:prstDash val="solid"/>
+          <a:miter lim="800000"/>
+        </a:ln>
+        <a:ln w="19050" cap="flat" cmpd="sng" algn="ctr">
+          <a:solidFill>
+            <a:schemeClr val="phClr"/>
+          </a:solidFill>
+          <a:prstDash val="solid"/>
+          <a:miter lim="800000"/>
+        </a:ln>
+      </a:lnStyleLst>
+      <a:effectStyleLst>
+        <a:effectStyle>
+          <a:effectLst/>
+        </a:effectStyle>
+        <a:effectStyle>
+          <a:effectLst/>
+        </a:effectStyle>
+        <a:effectStyle>
+          <a:effectLst>
+            <a:outerShdw blurRad="57150" dist="19050" dir="5400000" algn="ctr" rotWithShape="0">
+              <a:srgbClr val="000000">
+                <a:alpha val="63000"/>
+              </a:srgbClr>
+            </a:outerShdw>
+          </a:effectLst>
+        </a:effectStyle>
+      </a:effectStyleLst>
+      <a:bgFillStyleLst>
+        <a:solidFill>
+          <a:schemeClr val="phClr"/>
+        </a:solidFill>
+        <a:solidFill>
+          <a:schemeClr val="phClr">
+            <a:tint val="95000"/>
+            <a:satMod val="170000"/>
+          </a:schemeClr>
+        </a:solidFill>
+        <a:gradFill rotWithShape="1">
+          <a:gsLst>
+            <a:gs pos="0">
+              <a:schemeClr val="phClr">
+                <a:tint val="93000"/>
+                <a:satMod val="150000"/>
+                <a:shade val="98000"/>
+                <a:lumMod val="102000"/>
+              </a:schemeClr>
+            </a:gs>
+            <a:gs pos="50000">
+              <a:schemeClr val="phClr">
+                <a:tint val="98000"/>
+                <a:satMod val="130000"/>
+                <a:shade val="90000"/>
+                <a:lumMod val="103000"/>
+              </a:schemeClr>
+            </a:gs>
+            <a:gs pos="100000">
+              <a:schemeClr val="phClr">
+                <a:shade val="63000"/>
+                <a:satMod val="120000"/>
+              </a:schemeClr>
+            </a:gs>
+          </a:gsLst>
+          <a:lin ang="5400000" scaled="0"/>
+        </a:gradFill>
+      </a:bgFillStyleLst>
+    </a:fmtScheme>
+  </a:themeElements>
+  <a:objectDefaults/>
+  <a:extraClrSchemeLst/>
+  <a:extLst>
+    <a:ext uri="{05A4C25C-085E-4340-85A3-A5531E510DB2}">
+      <thm15:themeFamily xmlns:thm15="http://schemas.microsoft.com/office/thememl/2012/main" name="Office Theme" id="{62F939B6-93AF-4DB8-9C6B-D6C7DFDC589F}" vid="{4A3C46E8-61CC-4603-A589-7422A47A8E4A}"/>
+    </a:ext>
+  </a:extLst>
+</a:theme>
 </file>
--- a/GUI-design.pptx
+++ b/GUI-design.pptx
@@ -5,7 +5,7 @@
     <p:sldMasterId id="2147483648" r:id="rId1"/>
   </p:sldMasterIdLst>
   <p:notesMasterIdLst>
-    <p:notesMasterId r:id="rId10"/>
+    <p:notesMasterId r:id="rId11"/>
   </p:notesMasterIdLst>
   <p:sldIdLst>
     <p:sldId id="256" r:id="rId2"/>
@@ -16,6 +16,7 @@
     <p:sldId id="259" r:id="rId7"/>
     <p:sldId id="262" r:id="rId8"/>
     <p:sldId id="264" r:id="rId9"/>
+    <p:sldId id="265" r:id="rId10"/>
   </p:sldIdLst>
   <p:sldSz cx="12192000" cy="6858000"/>
   <p:notesSz cx="6858000" cy="9144000"/>
@@ -8566,6 +8567,844 @@
     <p:extLst>
       <p:ext uri="{BB962C8B-B14F-4D97-AF65-F5344CB8AC3E}">
         <p14:creationId xmlns:p14="http://schemas.microsoft.com/office/powerpoint/2010/main" val="4169573855"/>
+      </p:ext>
+    </p:extLst>
+  </p:cSld>
+  <p:clrMapOvr>
+    <a:masterClrMapping/>
+  </p:clrMapOvr>
+</p:sld>
+</file>
+
+<file path=ppt/slides/slide9.xml><?xml version="1.0" encoding="utf-8"?>
+<p:sld xmlns:a="http://schemas.openxmlformats.org/drawingml/2006/main" xmlns:r="http://schemas.openxmlformats.org/officeDocument/2006/relationships" xmlns:p="http://schemas.openxmlformats.org/presentationml/2006/main">
+  <p:cSld>
+    <p:bg>
+      <p:bgPr>
+        <a:solidFill>
+          <a:srgbClr val="161618"/>
+        </a:solidFill>
+        <a:effectLst/>
+      </p:bgPr>
+    </p:bg>
+    <p:spTree>
+      <p:nvGrpSpPr>
+        <p:cNvPr id="1" name="">
+          <a:extLst>
+            <a:ext uri="{FF2B5EF4-FFF2-40B4-BE49-F238E27FC236}">
+              <a16:creationId xmlns:a16="http://schemas.microsoft.com/office/drawing/2014/main" id="{ED056571-7176-D455-D77D-D9239B297124}"/>
+            </a:ext>
+          </a:extLst>
+        </p:cNvPr>
+        <p:cNvGrpSpPr/>
+        <p:nvPr/>
+      </p:nvGrpSpPr>
+      <p:grpSpPr>
+        <a:xfrm>
+          <a:off x="0" y="0"/>
+          <a:ext cx="0" cy="0"/>
+          <a:chOff x="0" y="0"/>
+          <a:chExt cx="0" cy="0"/>
+        </a:xfrm>
+      </p:grpSpPr>
+      <p:sp>
+        <p:nvSpPr>
+          <p:cNvPr id="34" name="Rounded Rectangle 33">
+            <a:extLst>
+              <a:ext uri="{FF2B5EF4-FFF2-40B4-BE49-F238E27FC236}">
+                <a16:creationId xmlns:a16="http://schemas.microsoft.com/office/drawing/2014/main" id="{DB01818D-E65D-1269-BF6F-1EBEC34D3851}"/>
+              </a:ext>
+            </a:extLst>
+          </p:cNvPr>
+          <p:cNvSpPr/>
+          <p:nvPr/>
+        </p:nvSpPr>
+        <p:spPr>
+          <a:xfrm>
+            <a:off x="108344" y="100412"/>
+            <a:ext cx="4712873" cy="4226401"/>
+          </a:xfrm>
+          <a:prstGeom prst="roundRect">
+            <a:avLst>
+              <a:gd name="adj" fmla="val 7007"/>
+            </a:avLst>
+          </a:prstGeom>
+          <a:solidFill>
+            <a:srgbClr val="161618"/>
+          </a:solidFill>
+          <a:ln>
+            <a:solidFill>
+              <a:schemeClr val="bg1">
+                <a:lumMod val="50000"/>
+              </a:schemeClr>
+            </a:solidFill>
+          </a:ln>
+          <a:effectLst>
+            <a:outerShdw blurRad="50800" dist="38100" dir="5400000" algn="t" rotWithShape="0">
+              <a:prstClr val="black">
+                <a:alpha val="40000"/>
+              </a:prstClr>
+            </a:outerShdw>
+          </a:effectLst>
+        </p:spPr>
+        <p:style>
+          <a:lnRef idx="2">
+            <a:schemeClr val="accent1">
+              <a:shade val="15000"/>
+            </a:schemeClr>
+          </a:lnRef>
+          <a:fillRef idx="1">
+            <a:schemeClr val="accent1"/>
+          </a:fillRef>
+          <a:effectRef idx="0">
+            <a:schemeClr val="accent1"/>
+          </a:effectRef>
+          <a:fontRef idx="minor">
+            <a:schemeClr val="lt1"/>
+          </a:fontRef>
+        </p:style>
+        <p:txBody>
+          <a:bodyPr rtlCol="0" anchor="t"/>
+          <a:lstStyle/>
+          <a:p>
+            <a:br>
+              <a:rPr lang="en-US" dirty="0"/>
+            </a:br>
+            <a:endParaRPr lang="en-US" dirty="0">
+              <a:solidFill>
+                <a:schemeClr val="tx1">
+                  <a:lumMod val="75000"/>
+                  <a:lumOff val="25000"/>
+                </a:schemeClr>
+              </a:solidFill>
+            </a:endParaRPr>
+          </a:p>
+        </p:txBody>
+      </p:sp>
+      <p:sp>
+        <p:nvSpPr>
+          <p:cNvPr id="35" name="Rounded Rectangle 34">
+            <a:extLst>
+              <a:ext uri="{FF2B5EF4-FFF2-40B4-BE49-F238E27FC236}">
+                <a16:creationId xmlns:a16="http://schemas.microsoft.com/office/drawing/2014/main" id="{FFE68611-6521-4885-1693-71E3EBE3141F}"/>
+              </a:ext>
+            </a:extLst>
+          </p:cNvPr>
+          <p:cNvSpPr/>
+          <p:nvPr/>
+        </p:nvSpPr>
+        <p:spPr>
+          <a:xfrm>
+            <a:off x="174684" y="688574"/>
+            <a:ext cx="4572000" cy="738686"/>
+          </a:xfrm>
+          <a:prstGeom prst="roundRect">
+            <a:avLst>
+              <a:gd name="adj" fmla="val 25939"/>
+            </a:avLst>
+          </a:prstGeom>
+          <a:solidFill>
+            <a:srgbClr val="1D2C12"/>
+          </a:solidFill>
+          <a:ln>
+            <a:noFill/>
+          </a:ln>
+          <a:effectLst>
+            <a:outerShdw blurRad="50800" dist="38100" dir="5400000" algn="t" rotWithShape="0">
+              <a:prstClr val="black">
+                <a:alpha val="40000"/>
+              </a:prstClr>
+            </a:outerShdw>
+          </a:effectLst>
+        </p:spPr>
+        <p:style>
+          <a:lnRef idx="2">
+            <a:schemeClr val="accent1">
+              <a:shade val="15000"/>
+            </a:schemeClr>
+          </a:lnRef>
+          <a:fillRef idx="1">
+            <a:schemeClr val="accent1"/>
+          </a:fillRef>
+          <a:effectRef idx="0">
+            <a:schemeClr val="accent1"/>
+          </a:effectRef>
+          <a:fontRef idx="minor">
+            <a:schemeClr val="lt1"/>
+          </a:fontRef>
+        </p:style>
+        <p:txBody>
+          <a:bodyPr rtlCol="0" anchor="t"/>
+          <a:lstStyle/>
+          <a:p>
+            <a:br>
+              <a:rPr lang="en-US" dirty="0"/>
+            </a:br>
+            <a:endParaRPr lang="en-US" dirty="0">
+              <a:solidFill>
+                <a:schemeClr val="tx1">
+                  <a:lumMod val="75000"/>
+                  <a:lumOff val="25000"/>
+                </a:schemeClr>
+              </a:solidFill>
+            </a:endParaRPr>
+          </a:p>
+        </p:txBody>
+      </p:sp>
+      <p:sp>
+        <p:nvSpPr>
+          <p:cNvPr id="36" name="Oval 35">
+            <a:extLst>
+              <a:ext uri="{FF2B5EF4-FFF2-40B4-BE49-F238E27FC236}">
+                <a16:creationId xmlns:a16="http://schemas.microsoft.com/office/drawing/2014/main" id="{01C541C7-6769-3335-FF07-AB6353748375}"/>
+              </a:ext>
+            </a:extLst>
+          </p:cNvPr>
+          <p:cNvSpPr/>
+          <p:nvPr/>
+        </p:nvSpPr>
+        <p:spPr>
+          <a:xfrm>
+            <a:off x="442854" y="920757"/>
+            <a:ext cx="274320" cy="274320"/>
+          </a:xfrm>
+          <a:prstGeom prst="ellipse">
+            <a:avLst/>
+          </a:prstGeom>
+          <a:solidFill>
+            <a:schemeClr val="accent6">
+              <a:lumMod val="75000"/>
+            </a:schemeClr>
+          </a:solidFill>
+          <a:ln>
+            <a:noFill/>
+          </a:ln>
+        </p:spPr>
+        <p:style>
+          <a:lnRef idx="2">
+            <a:schemeClr val="accent1">
+              <a:shade val="15000"/>
+            </a:schemeClr>
+          </a:lnRef>
+          <a:fillRef idx="1">
+            <a:schemeClr val="accent1"/>
+          </a:fillRef>
+          <a:effectRef idx="0">
+            <a:schemeClr val="accent1"/>
+          </a:effectRef>
+          <a:fontRef idx="minor">
+            <a:schemeClr val="lt1"/>
+          </a:fontRef>
+        </p:style>
+        <p:txBody>
+          <a:bodyPr rtlCol="0" anchor="ctr"/>
+          <a:lstStyle/>
+          <a:p>
+            <a:pPr algn="ctr"/>
+            <a:r>
+              <a:rPr lang="en-US" dirty="0"/>
+              <a:t>1</a:t>
+            </a:r>
+          </a:p>
+        </p:txBody>
+      </p:sp>
+      <p:sp>
+        <p:nvSpPr>
+          <p:cNvPr id="37" name="TextBox 36">
+            <a:extLst>
+              <a:ext uri="{FF2B5EF4-FFF2-40B4-BE49-F238E27FC236}">
+                <a16:creationId xmlns:a16="http://schemas.microsoft.com/office/drawing/2014/main" id="{4BCE0727-637F-FC77-2DE0-BA88AFE38017}"/>
+              </a:ext>
+            </a:extLst>
+          </p:cNvPr>
+          <p:cNvSpPr txBox="1"/>
+          <p:nvPr/>
+        </p:nvSpPr>
+        <p:spPr>
+          <a:xfrm>
+            <a:off x="717174" y="760619"/>
+            <a:ext cx="1124174" cy="369332"/>
+          </a:xfrm>
+          <a:prstGeom prst="rect">
+            <a:avLst/>
+          </a:prstGeom>
+          <a:noFill/>
+        </p:spPr>
+        <p:txBody>
+          <a:bodyPr wrap="square">
+            <a:spAutoFit/>
+          </a:bodyPr>
+          <a:lstStyle/>
+          <a:p>
+            <a:r>
+              <a:rPr lang="en-US" dirty="0">
+                <a:solidFill>
+                  <a:srgbClr val="00B050"/>
+                </a:solidFill>
+              </a:rPr>
+              <a:t>Al-Fatihah</a:t>
+            </a:r>
+          </a:p>
+        </p:txBody>
+      </p:sp>
+      <p:sp>
+        <p:nvSpPr>
+          <p:cNvPr id="38" name="TextBox 37">
+            <a:extLst>
+              <a:ext uri="{FF2B5EF4-FFF2-40B4-BE49-F238E27FC236}">
+                <a16:creationId xmlns:a16="http://schemas.microsoft.com/office/drawing/2014/main" id="{1308B3BA-9524-9156-F166-0BFE5695F2BD}"/>
+              </a:ext>
+            </a:extLst>
+          </p:cNvPr>
+          <p:cNvSpPr txBox="1"/>
+          <p:nvPr/>
+        </p:nvSpPr>
+        <p:spPr>
+          <a:xfrm>
+            <a:off x="717174" y="1031927"/>
+            <a:ext cx="704626" cy="369332"/>
+          </a:xfrm>
+          <a:prstGeom prst="rect">
+            <a:avLst/>
+          </a:prstGeom>
+          <a:noFill/>
+        </p:spPr>
+        <p:txBody>
+          <a:bodyPr wrap="square">
+            <a:spAutoFit/>
+          </a:bodyPr>
+          <a:lstStyle/>
+          <a:p>
+            <a:r>
+              <a:rPr lang="ar-AE" dirty="0">
+                <a:solidFill>
+                  <a:srgbClr val="00B050"/>
+                </a:solidFill>
+              </a:rPr>
+              <a:t>الفاتحة</a:t>
+            </a:r>
+            <a:endParaRPr lang="en-US" dirty="0">
+              <a:solidFill>
+                <a:srgbClr val="00B050"/>
+              </a:solidFill>
+            </a:endParaRPr>
+          </a:p>
+        </p:txBody>
+      </p:sp>
+      <p:sp>
+        <p:nvSpPr>
+          <p:cNvPr id="39" name="Rounded Rectangle 38">
+            <a:extLst>
+              <a:ext uri="{FF2B5EF4-FFF2-40B4-BE49-F238E27FC236}">
+                <a16:creationId xmlns:a16="http://schemas.microsoft.com/office/drawing/2014/main" id="{73850DF6-7A0F-7CB2-3512-AEC55CD71708}"/>
+              </a:ext>
+            </a:extLst>
+          </p:cNvPr>
+          <p:cNvSpPr/>
+          <p:nvPr/>
+        </p:nvSpPr>
+        <p:spPr>
+          <a:xfrm>
+            <a:off x="3659391" y="937540"/>
+            <a:ext cx="914400" cy="274320"/>
+          </a:xfrm>
+          <a:prstGeom prst="roundRect">
+            <a:avLst>
+              <a:gd name="adj" fmla="val 50000"/>
+            </a:avLst>
+          </a:prstGeom>
+          <a:solidFill>
+            <a:schemeClr val="tx1">
+              <a:lumMod val="75000"/>
+              <a:lumOff val="25000"/>
+            </a:schemeClr>
+          </a:solidFill>
+          <a:ln>
+            <a:noFill/>
+          </a:ln>
+        </p:spPr>
+        <p:style>
+          <a:lnRef idx="2">
+            <a:schemeClr val="accent1">
+              <a:shade val="15000"/>
+            </a:schemeClr>
+          </a:lnRef>
+          <a:fillRef idx="1">
+            <a:schemeClr val="accent1"/>
+          </a:fillRef>
+          <a:effectRef idx="0">
+            <a:schemeClr val="accent1"/>
+          </a:effectRef>
+          <a:fontRef idx="minor">
+            <a:schemeClr val="lt1"/>
+          </a:fontRef>
+        </p:style>
+        <p:txBody>
+          <a:bodyPr rtlCol="0" anchor="ctr"/>
+          <a:lstStyle/>
+          <a:p>
+            <a:pPr algn="ctr"/>
+            <a:r>
+              <a:rPr lang="en-US" sz="1400" dirty="0">
+                <a:solidFill>
+                  <a:schemeClr val="tx1">
+                    <a:lumMod val="50000"/>
+                    <a:lumOff val="50000"/>
+                  </a:schemeClr>
+                </a:solidFill>
+                <a:latin typeface="ui-sans-serif"/>
+              </a:rPr>
+              <a:t>7 Verses</a:t>
+            </a:r>
+            <a:endParaRPr lang="en-US" sz="1400" dirty="0">
+              <a:solidFill>
+                <a:schemeClr val="tx1">
+                  <a:lumMod val="50000"/>
+                  <a:lumOff val="50000"/>
+                </a:schemeClr>
+              </a:solidFill>
+            </a:endParaRPr>
+          </a:p>
+        </p:txBody>
+      </p:sp>
+      <p:sp>
+        <p:nvSpPr>
+          <p:cNvPr id="40" name="Oval 39">
+            <a:extLst>
+              <a:ext uri="{FF2B5EF4-FFF2-40B4-BE49-F238E27FC236}">
+                <a16:creationId xmlns:a16="http://schemas.microsoft.com/office/drawing/2014/main" id="{00E9096D-0121-D085-BB2D-2294D6E90CF1}"/>
+              </a:ext>
+            </a:extLst>
+          </p:cNvPr>
+          <p:cNvSpPr/>
+          <p:nvPr/>
+        </p:nvSpPr>
+        <p:spPr>
+          <a:xfrm>
+            <a:off x="442854" y="1730907"/>
+            <a:ext cx="274320" cy="274320"/>
+          </a:xfrm>
+          <a:prstGeom prst="ellipse">
+            <a:avLst/>
+          </a:prstGeom>
+          <a:solidFill>
+            <a:schemeClr val="accent6">
+              <a:lumMod val="75000"/>
+            </a:schemeClr>
+          </a:solidFill>
+          <a:ln>
+            <a:noFill/>
+          </a:ln>
+        </p:spPr>
+        <p:style>
+          <a:lnRef idx="2">
+            <a:schemeClr val="accent1">
+              <a:shade val="15000"/>
+            </a:schemeClr>
+          </a:lnRef>
+          <a:fillRef idx="1">
+            <a:schemeClr val="accent1"/>
+          </a:fillRef>
+          <a:effectRef idx="0">
+            <a:schemeClr val="accent1"/>
+          </a:effectRef>
+          <a:fontRef idx="minor">
+            <a:schemeClr val="lt1"/>
+          </a:fontRef>
+        </p:style>
+        <p:txBody>
+          <a:bodyPr rtlCol="0" anchor="ctr"/>
+          <a:lstStyle/>
+          <a:p>
+            <a:pPr algn="ctr"/>
+            <a:r>
+              <a:rPr lang="en-US" dirty="0"/>
+              <a:t>1</a:t>
+            </a:r>
+          </a:p>
+        </p:txBody>
+      </p:sp>
+      <p:sp>
+        <p:nvSpPr>
+          <p:cNvPr id="41" name="TextBox 40">
+            <a:extLst>
+              <a:ext uri="{FF2B5EF4-FFF2-40B4-BE49-F238E27FC236}">
+                <a16:creationId xmlns:a16="http://schemas.microsoft.com/office/drawing/2014/main" id="{1B2D6040-3667-921A-3493-A006B41B56DD}"/>
+              </a:ext>
+            </a:extLst>
+          </p:cNvPr>
+          <p:cNvSpPr txBox="1"/>
+          <p:nvPr/>
+        </p:nvSpPr>
+        <p:spPr>
+          <a:xfrm>
+            <a:off x="717174" y="1570769"/>
+            <a:ext cx="1124174" cy="369332"/>
+          </a:xfrm>
+          <a:prstGeom prst="rect">
+            <a:avLst/>
+          </a:prstGeom>
+          <a:noFill/>
+        </p:spPr>
+        <p:txBody>
+          <a:bodyPr wrap="square">
+            <a:spAutoFit/>
+          </a:bodyPr>
+          <a:lstStyle/>
+          <a:p>
+            <a:r>
+              <a:rPr lang="en-US" dirty="0">
+                <a:solidFill>
+                  <a:schemeClr val="bg1">
+                    <a:lumMod val="50000"/>
+                  </a:schemeClr>
+                </a:solidFill>
+              </a:rPr>
+              <a:t>Al-Fatihah</a:t>
+            </a:r>
+            <a:endParaRPr lang="en-US" dirty="0"/>
+          </a:p>
+        </p:txBody>
+      </p:sp>
+      <p:sp>
+        <p:nvSpPr>
+          <p:cNvPr id="42" name="TextBox 41">
+            <a:extLst>
+              <a:ext uri="{FF2B5EF4-FFF2-40B4-BE49-F238E27FC236}">
+                <a16:creationId xmlns:a16="http://schemas.microsoft.com/office/drawing/2014/main" id="{FD4A514F-F03F-08B5-9B1A-142E1F5536DF}"/>
+              </a:ext>
+            </a:extLst>
+          </p:cNvPr>
+          <p:cNvSpPr txBox="1"/>
+          <p:nvPr/>
+        </p:nvSpPr>
+        <p:spPr>
+          <a:xfrm>
+            <a:off x="717174" y="1842077"/>
+            <a:ext cx="704626" cy="369332"/>
+          </a:xfrm>
+          <a:prstGeom prst="rect">
+            <a:avLst/>
+          </a:prstGeom>
+          <a:noFill/>
+        </p:spPr>
+        <p:txBody>
+          <a:bodyPr wrap="square">
+            <a:spAutoFit/>
+          </a:bodyPr>
+          <a:lstStyle/>
+          <a:p>
+            <a:r>
+              <a:rPr lang="ar-AE" dirty="0">
+                <a:solidFill>
+                  <a:schemeClr val="bg1">
+                    <a:lumMod val="50000"/>
+                  </a:schemeClr>
+                </a:solidFill>
+              </a:rPr>
+              <a:t>الفاتحة</a:t>
+            </a:r>
+            <a:endParaRPr lang="en-US" dirty="0"/>
+          </a:p>
+        </p:txBody>
+      </p:sp>
+      <p:sp>
+        <p:nvSpPr>
+          <p:cNvPr id="43" name="Rounded Rectangle 42">
+            <a:extLst>
+              <a:ext uri="{FF2B5EF4-FFF2-40B4-BE49-F238E27FC236}">
+                <a16:creationId xmlns:a16="http://schemas.microsoft.com/office/drawing/2014/main" id="{E3F0BC30-F3A2-2BA2-6280-96C7BCBF7ED4}"/>
+              </a:ext>
+            </a:extLst>
+          </p:cNvPr>
+          <p:cNvSpPr/>
+          <p:nvPr/>
+        </p:nvSpPr>
+        <p:spPr>
+          <a:xfrm>
+            <a:off x="3659391" y="1747690"/>
+            <a:ext cx="914400" cy="274320"/>
+          </a:xfrm>
+          <a:prstGeom prst="roundRect">
+            <a:avLst>
+              <a:gd name="adj" fmla="val 50000"/>
+            </a:avLst>
+          </a:prstGeom>
+          <a:solidFill>
+            <a:schemeClr val="tx1">
+              <a:lumMod val="75000"/>
+              <a:lumOff val="25000"/>
+            </a:schemeClr>
+          </a:solidFill>
+          <a:ln>
+            <a:noFill/>
+          </a:ln>
+        </p:spPr>
+        <p:style>
+          <a:lnRef idx="2">
+            <a:schemeClr val="accent1">
+              <a:shade val="15000"/>
+            </a:schemeClr>
+          </a:lnRef>
+          <a:fillRef idx="1">
+            <a:schemeClr val="accent1"/>
+          </a:fillRef>
+          <a:effectRef idx="0">
+            <a:schemeClr val="accent1"/>
+          </a:effectRef>
+          <a:fontRef idx="minor">
+            <a:schemeClr val="lt1"/>
+          </a:fontRef>
+        </p:style>
+        <p:txBody>
+          <a:bodyPr rtlCol="0" anchor="ctr"/>
+          <a:lstStyle/>
+          <a:p>
+            <a:pPr algn="ctr"/>
+            <a:r>
+              <a:rPr lang="en-US" sz="1400" dirty="0">
+                <a:solidFill>
+                  <a:schemeClr val="tx1">
+                    <a:lumMod val="50000"/>
+                    <a:lumOff val="50000"/>
+                  </a:schemeClr>
+                </a:solidFill>
+                <a:latin typeface="ui-sans-serif"/>
+              </a:rPr>
+              <a:t>7 Verses</a:t>
+            </a:r>
+            <a:endParaRPr lang="en-US" sz="1400" dirty="0">
+              <a:solidFill>
+                <a:schemeClr val="tx1">
+                  <a:lumMod val="50000"/>
+                  <a:lumOff val="50000"/>
+                </a:schemeClr>
+              </a:solidFill>
+            </a:endParaRPr>
+          </a:p>
+        </p:txBody>
+      </p:sp>
+      <p:sp>
+        <p:nvSpPr>
+          <p:cNvPr id="44" name="Oval 43">
+            <a:extLst>
+              <a:ext uri="{FF2B5EF4-FFF2-40B4-BE49-F238E27FC236}">
+                <a16:creationId xmlns:a16="http://schemas.microsoft.com/office/drawing/2014/main" id="{D211FD56-B15B-48EA-60B9-785EC1AD7E96}"/>
+              </a:ext>
+            </a:extLst>
+          </p:cNvPr>
+          <p:cNvSpPr/>
+          <p:nvPr/>
+        </p:nvSpPr>
+        <p:spPr>
+          <a:xfrm>
+            <a:off x="442854" y="2541638"/>
+            <a:ext cx="274320" cy="274320"/>
+          </a:xfrm>
+          <a:prstGeom prst="ellipse">
+            <a:avLst/>
+          </a:prstGeom>
+          <a:solidFill>
+            <a:schemeClr val="accent6">
+              <a:lumMod val="75000"/>
+            </a:schemeClr>
+          </a:solidFill>
+          <a:ln>
+            <a:noFill/>
+          </a:ln>
+        </p:spPr>
+        <p:style>
+          <a:lnRef idx="2">
+            <a:schemeClr val="accent1">
+              <a:shade val="15000"/>
+            </a:schemeClr>
+          </a:lnRef>
+          <a:fillRef idx="1">
+            <a:schemeClr val="accent1"/>
+          </a:fillRef>
+          <a:effectRef idx="0">
+            <a:schemeClr val="accent1"/>
+          </a:effectRef>
+          <a:fontRef idx="minor">
+            <a:schemeClr val="lt1"/>
+          </a:fontRef>
+        </p:style>
+        <p:txBody>
+          <a:bodyPr rtlCol="0" anchor="ctr"/>
+          <a:lstStyle/>
+          <a:p>
+            <a:pPr algn="ctr"/>
+            <a:r>
+              <a:rPr lang="en-US" dirty="0"/>
+              <a:t>1</a:t>
+            </a:r>
+          </a:p>
+        </p:txBody>
+      </p:sp>
+      <p:sp>
+        <p:nvSpPr>
+          <p:cNvPr id="45" name="TextBox 44">
+            <a:extLst>
+              <a:ext uri="{FF2B5EF4-FFF2-40B4-BE49-F238E27FC236}">
+                <a16:creationId xmlns:a16="http://schemas.microsoft.com/office/drawing/2014/main" id="{C49990DA-FD12-CE9E-3F35-EAF64E53891E}"/>
+              </a:ext>
+            </a:extLst>
+          </p:cNvPr>
+          <p:cNvSpPr txBox="1"/>
+          <p:nvPr/>
+        </p:nvSpPr>
+        <p:spPr>
+          <a:xfrm>
+            <a:off x="717174" y="2381500"/>
+            <a:ext cx="1124174" cy="369332"/>
+          </a:xfrm>
+          <a:prstGeom prst="rect">
+            <a:avLst/>
+          </a:prstGeom>
+          <a:noFill/>
+        </p:spPr>
+        <p:txBody>
+          <a:bodyPr wrap="square">
+            <a:spAutoFit/>
+          </a:bodyPr>
+          <a:lstStyle/>
+          <a:p>
+            <a:r>
+              <a:rPr lang="en-US" dirty="0">
+                <a:solidFill>
+                  <a:schemeClr val="bg1">
+                    <a:lumMod val="50000"/>
+                  </a:schemeClr>
+                </a:solidFill>
+              </a:rPr>
+              <a:t>Al-Fatihah</a:t>
+            </a:r>
+            <a:endParaRPr lang="en-US" dirty="0"/>
+          </a:p>
+        </p:txBody>
+      </p:sp>
+      <p:sp>
+        <p:nvSpPr>
+          <p:cNvPr id="46" name="TextBox 45">
+            <a:extLst>
+              <a:ext uri="{FF2B5EF4-FFF2-40B4-BE49-F238E27FC236}">
+                <a16:creationId xmlns:a16="http://schemas.microsoft.com/office/drawing/2014/main" id="{76FEA237-DE79-580C-2596-C65C6EA26A18}"/>
+              </a:ext>
+            </a:extLst>
+          </p:cNvPr>
+          <p:cNvSpPr txBox="1"/>
+          <p:nvPr/>
+        </p:nvSpPr>
+        <p:spPr>
+          <a:xfrm>
+            <a:off x="717174" y="2652808"/>
+            <a:ext cx="704626" cy="369332"/>
+          </a:xfrm>
+          <a:prstGeom prst="rect">
+            <a:avLst/>
+          </a:prstGeom>
+          <a:noFill/>
+        </p:spPr>
+        <p:txBody>
+          <a:bodyPr wrap="square">
+            <a:spAutoFit/>
+          </a:bodyPr>
+          <a:lstStyle/>
+          <a:p>
+            <a:r>
+              <a:rPr lang="ar-AE" dirty="0">
+                <a:solidFill>
+                  <a:schemeClr val="bg1">
+                    <a:lumMod val="50000"/>
+                  </a:schemeClr>
+                </a:solidFill>
+              </a:rPr>
+              <a:t>الفاتحة</a:t>
+            </a:r>
+            <a:endParaRPr lang="en-US" dirty="0"/>
+          </a:p>
+        </p:txBody>
+      </p:sp>
+      <p:sp>
+        <p:nvSpPr>
+          <p:cNvPr id="47" name="Rounded Rectangle 46">
+            <a:extLst>
+              <a:ext uri="{FF2B5EF4-FFF2-40B4-BE49-F238E27FC236}">
+                <a16:creationId xmlns:a16="http://schemas.microsoft.com/office/drawing/2014/main" id="{05803B40-90FA-0BAB-D439-EEA6B7B53EF5}"/>
+              </a:ext>
+            </a:extLst>
+          </p:cNvPr>
+          <p:cNvSpPr/>
+          <p:nvPr/>
+        </p:nvSpPr>
+        <p:spPr>
+          <a:xfrm>
+            <a:off x="3659391" y="2558421"/>
+            <a:ext cx="914400" cy="274320"/>
+          </a:xfrm>
+          <a:prstGeom prst="roundRect">
+            <a:avLst>
+              <a:gd name="adj" fmla="val 50000"/>
+            </a:avLst>
+          </a:prstGeom>
+          <a:solidFill>
+            <a:schemeClr val="tx1">
+              <a:lumMod val="75000"/>
+              <a:lumOff val="25000"/>
+            </a:schemeClr>
+          </a:solidFill>
+          <a:ln>
+            <a:noFill/>
+          </a:ln>
+        </p:spPr>
+        <p:style>
+          <a:lnRef idx="2">
+            <a:schemeClr val="accent1">
+              <a:shade val="15000"/>
+            </a:schemeClr>
+          </a:lnRef>
+          <a:fillRef idx="1">
+            <a:schemeClr val="accent1"/>
+          </a:fillRef>
+          <a:effectRef idx="0">
+            <a:schemeClr val="accent1"/>
+          </a:effectRef>
+          <a:fontRef idx="minor">
+            <a:schemeClr val="lt1"/>
+          </a:fontRef>
+        </p:style>
+        <p:txBody>
+          <a:bodyPr rtlCol="0" anchor="ctr"/>
+          <a:lstStyle/>
+          <a:p>
+            <a:pPr algn="ctr"/>
+            <a:r>
+              <a:rPr lang="en-US" sz="1400" dirty="0">
+                <a:solidFill>
+                  <a:schemeClr val="tx1">
+                    <a:lumMod val="50000"/>
+                    <a:lumOff val="50000"/>
+                  </a:schemeClr>
+                </a:solidFill>
+                <a:latin typeface="ui-sans-serif"/>
+              </a:rPr>
+              <a:t>7 Verses</a:t>
+            </a:r>
+            <a:endParaRPr lang="en-US" sz="1400" dirty="0">
+              <a:solidFill>
+                <a:schemeClr val="tx1">
+                  <a:lumMod val="50000"/>
+                  <a:lumOff val="50000"/>
+                </a:schemeClr>
+              </a:solidFill>
+            </a:endParaRPr>
+          </a:p>
+        </p:txBody>
+      </p:sp>
+    </p:spTree>
+    <p:extLst>
+      <p:ext uri="{BB962C8B-B14F-4D97-AF65-F5344CB8AC3E}">
+        <p14:creationId xmlns:p14="http://schemas.microsoft.com/office/powerpoint/2010/main" val="315011090"/>
       </p:ext>
     </p:extLst>
   </p:cSld>

--- a/GUI-design.pptx
+++ b/GUI-design.pptx
@@ -5,7 +5,7 @@
     <p:sldMasterId id="2147483648" r:id="rId1"/>
   </p:sldMasterIdLst>
   <p:notesMasterIdLst>
-    <p:notesMasterId r:id="rId11"/>
+    <p:notesMasterId r:id="rId12"/>
   </p:notesMasterIdLst>
   <p:sldIdLst>
     <p:sldId id="256" r:id="rId2"/>
@@ -17,6 +17,7 @@
     <p:sldId id="262" r:id="rId8"/>
     <p:sldId id="264" r:id="rId9"/>
     <p:sldId id="265" r:id="rId10"/>
+    <p:sldId id="266" r:id="rId11"/>
   </p:sldIdLst>
   <p:sldSz cx="12192000" cy="6858000"/>
   <p:notesSz cx="6858000" cy="9144000"/>
@@ -115,6 +116,11 @@
       </a:defRPr>
     </a:lvl9pPr>
   </p:defaultTextStyle>
+  <p:extLst>
+    <p:ext uri="{EFAFB233-063F-42B5-8137-9DF3F51BA10A}">
+      <p15:sldGuideLst xmlns:p15="http://schemas.microsoft.com/office/powerpoint/2012/main"/>
+    </p:ext>
+  </p:extLst>
 </p:presentation>
 </file>
 
@@ -228,7 +234,7 @@
           <a:p>
             <a:fld id="{241CD573-D599-2847-BBDA-6BFAA524DB5F}" type="datetimeFigureOut">
               <a:rPr lang="en-US" smtClean="0"/>
-              <a:t>11/20/25</a:t>
+              <a:t>11/21/25</a:t>
             </a:fld>
             <a:endParaRPr lang="en-US"/>
           </a:p>
@@ -642,7 +648,7 @@
           <a:p>
             <a:fld id="{8738307C-8EDA-4B45-B77E-3F369AD75B9E}" type="datetimeFigureOut">
               <a:rPr lang="en-US" smtClean="0"/>
-              <a:t>11/20/25</a:t>
+              <a:t>11/21/25</a:t>
             </a:fld>
             <a:endParaRPr lang="en-US"/>
           </a:p>
@@ -840,7 +846,7 @@
           <a:p>
             <a:fld id="{8738307C-8EDA-4B45-B77E-3F369AD75B9E}" type="datetimeFigureOut">
               <a:rPr lang="en-US" smtClean="0"/>
-              <a:t>11/20/25</a:t>
+              <a:t>11/21/25</a:t>
             </a:fld>
             <a:endParaRPr lang="en-US"/>
           </a:p>
@@ -1048,7 +1054,7 @@
           <a:p>
             <a:fld id="{8738307C-8EDA-4B45-B77E-3F369AD75B9E}" type="datetimeFigureOut">
               <a:rPr lang="en-US" smtClean="0"/>
-              <a:t>11/20/25</a:t>
+              <a:t>11/21/25</a:t>
             </a:fld>
             <a:endParaRPr lang="en-US"/>
           </a:p>
@@ -1246,7 +1252,7 @@
           <a:p>
             <a:fld id="{8738307C-8EDA-4B45-B77E-3F369AD75B9E}" type="datetimeFigureOut">
               <a:rPr lang="en-US" smtClean="0"/>
-              <a:t>11/20/25</a:t>
+              <a:t>11/21/25</a:t>
             </a:fld>
             <a:endParaRPr lang="en-US"/>
           </a:p>
@@ -1521,7 +1527,7 @@
           <a:p>
             <a:fld id="{8738307C-8EDA-4B45-B77E-3F369AD75B9E}" type="datetimeFigureOut">
               <a:rPr lang="en-US" smtClean="0"/>
-              <a:t>11/20/25</a:t>
+              <a:t>11/21/25</a:t>
             </a:fld>
             <a:endParaRPr lang="en-US"/>
           </a:p>
@@ -1786,7 +1792,7 @@
           <a:p>
             <a:fld id="{8738307C-8EDA-4B45-B77E-3F369AD75B9E}" type="datetimeFigureOut">
               <a:rPr lang="en-US" smtClean="0"/>
-              <a:t>11/20/25</a:t>
+              <a:t>11/21/25</a:t>
             </a:fld>
             <a:endParaRPr lang="en-US"/>
           </a:p>
@@ -2198,7 +2204,7 @@
           <a:p>
             <a:fld id="{8738307C-8EDA-4B45-B77E-3F369AD75B9E}" type="datetimeFigureOut">
               <a:rPr lang="en-US" smtClean="0"/>
-              <a:t>11/20/25</a:t>
+              <a:t>11/21/25</a:t>
             </a:fld>
             <a:endParaRPr lang="en-US"/>
           </a:p>
@@ -2339,7 +2345,7 @@
           <a:p>
             <a:fld id="{8738307C-8EDA-4B45-B77E-3F369AD75B9E}" type="datetimeFigureOut">
               <a:rPr lang="en-US" smtClean="0"/>
-              <a:t>11/20/25</a:t>
+              <a:t>11/21/25</a:t>
             </a:fld>
             <a:endParaRPr lang="en-US"/>
           </a:p>
@@ -2452,7 +2458,7 @@
           <a:p>
             <a:fld id="{8738307C-8EDA-4B45-B77E-3F369AD75B9E}" type="datetimeFigureOut">
               <a:rPr lang="en-US" smtClean="0"/>
-              <a:t>11/20/25</a:t>
+              <a:t>11/21/25</a:t>
             </a:fld>
             <a:endParaRPr lang="en-US"/>
           </a:p>
@@ -2763,7 +2769,7 @@
           <a:p>
             <a:fld id="{8738307C-8EDA-4B45-B77E-3F369AD75B9E}" type="datetimeFigureOut">
               <a:rPr lang="en-US" smtClean="0"/>
-              <a:t>11/20/25</a:t>
+              <a:t>11/21/25</a:t>
             </a:fld>
             <a:endParaRPr lang="en-US"/>
           </a:p>
@@ -3051,7 +3057,7 @@
           <a:p>
             <a:fld id="{8738307C-8EDA-4B45-B77E-3F369AD75B9E}" type="datetimeFigureOut">
               <a:rPr lang="en-US" smtClean="0"/>
-              <a:t>11/20/25</a:t>
+              <a:t>11/21/25</a:t>
             </a:fld>
             <a:endParaRPr lang="en-US"/>
           </a:p>
@@ -3292,7 +3298,7 @@
           <a:p>
             <a:fld id="{8738307C-8EDA-4B45-B77E-3F369AD75B9E}" type="datetimeFigureOut">
               <a:rPr lang="en-US" smtClean="0"/>
-              <a:t>11/20/25</a:t>
+              <a:t>11/21/25</a:t>
             </a:fld>
             <a:endParaRPr lang="en-US"/>
           </a:p>
@@ -3881,8 +3887,8 @@
           </a:prstGeom>
         </p:spPr>
       </p:pic>
-      <mc:AlternateContent xmlns:mc="http://schemas.openxmlformats.org/markup-compatibility/2006">
-        <mc:Choice xmlns:p14="http://schemas.microsoft.com/office/powerpoint/2010/main" Requires="p14">
+      <mc:AlternateContent xmlns:mc="http://schemas.openxmlformats.org/markup-compatibility/2006" xmlns:p14="http://schemas.microsoft.com/office/powerpoint/2010/main">
+        <mc:Choice Requires="p14">
           <p:contentPart p14:bwMode="auto" r:id="rId4">
             <p14:nvContentPartPr>
               <p14:cNvPr id="15" name="Ink 14">
@@ -3901,7 +3907,7 @@
             </p14:xfrm>
           </p:contentPart>
         </mc:Choice>
-        <mc:Fallback>
+        <mc:Fallback xmlns="">
           <p:pic>
             <p:nvPicPr>
               <p:cNvPr id="15" name="Ink 14">
@@ -4065,6 +4071,110 @@
     <p:extLst>
       <p:ext uri="{BB962C8B-B14F-4D97-AF65-F5344CB8AC3E}">
         <p14:creationId xmlns:p14="http://schemas.microsoft.com/office/powerpoint/2010/main" val="2224272099"/>
+      </p:ext>
+    </p:extLst>
+  </p:cSld>
+  <p:clrMapOvr>
+    <a:masterClrMapping/>
+  </p:clrMapOvr>
+</p:sld>
+</file>
+
+<file path=ppt/slides/slide10.xml><?xml version="1.0" encoding="utf-8"?>
+<p:sld xmlns:a="http://schemas.openxmlformats.org/drawingml/2006/main" xmlns:r="http://schemas.openxmlformats.org/officeDocument/2006/relationships" xmlns:p="http://schemas.openxmlformats.org/presentationml/2006/main">
+  <p:cSld>
+    <p:bg>
+      <p:bgPr>
+        <a:solidFill>
+          <a:srgbClr val="161618"/>
+        </a:solidFill>
+        <a:effectLst/>
+      </p:bgPr>
+    </p:bg>
+    <p:spTree>
+      <p:nvGrpSpPr>
+        <p:cNvPr id="1" name="">
+          <a:extLst>
+            <a:ext uri="{FF2B5EF4-FFF2-40B4-BE49-F238E27FC236}">
+              <a16:creationId xmlns:a16="http://schemas.microsoft.com/office/drawing/2014/main" id="{F9B5B8D3-BA8B-E36F-262B-F67DB7014BE5}"/>
+            </a:ext>
+          </a:extLst>
+        </p:cNvPr>
+        <p:cNvGrpSpPr/>
+        <p:nvPr/>
+      </p:nvGrpSpPr>
+      <p:grpSpPr>
+        <a:xfrm>
+          <a:off x="0" y="0"/>
+          <a:ext cx="0" cy="0"/>
+          <a:chOff x="0" y="0"/>
+          <a:chExt cx="0" cy="0"/>
+        </a:xfrm>
+      </p:grpSpPr>
+      <p:pic>
+        <p:nvPicPr>
+          <p:cNvPr id="6" name="Picture 5">
+            <a:extLst>
+              <a:ext uri="{FF2B5EF4-FFF2-40B4-BE49-F238E27FC236}">
+                <a16:creationId xmlns:a16="http://schemas.microsoft.com/office/drawing/2014/main" id="{31DA4B54-0664-2995-AB02-96B9F9459772}"/>
+              </a:ext>
+            </a:extLst>
+          </p:cNvPr>
+          <p:cNvPicPr>
+            <a:picLocks noChangeAspect="1"/>
+          </p:cNvPicPr>
+          <p:nvPr/>
+        </p:nvPicPr>
+        <p:blipFill>
+          <a:blip r:embed="rId2"/>
+          <a:stretch>
+            <a:fillRect/>
+          </a:stretch>
+        </p:blipFill>
+        <p:spPr>
+          <a:xfrm>
+            <a:off x="439964" y="794657"/>
+            <a:ext cx="4889500" cy="4876800"/>
+          </a:xfrm>
+          <a:prstGeom prst="rect">
+            <a:avLst/>
+          </a:prstGeom>
+        </p:spPr>
+      </p:pic>
+      <p:pic>
+        <p:nvPicPr>
+          <p:cNvPr id="8" name="Picture 7">
+            <a:extLst>
+              <a:ext uri="{FF2B5EF4-FFF2-40B4-BE49-F238E27FC236}">
+                <a16:creationId xmlns:a16="http://schemas.microsoft.com/office/drawing/2014/main" id="{A0075EDA-708D-03A4-72E6-5B3CE5EC50F4}"/>
+              </a:ext>
+            </a:extLst>
+          </p:cNvPr>
+          <p:cNvPicPr>
+            <a:picLocks noChangeAspect="1"/>
+          </p:cNvPicPr>
+          <p:nvPr/>
+        </p:nvPicPr>
+        <p:blipFill>
+          <a:blip r:embed="rId3"/>
+          <a:stretch>
+            <a:fillRect/>
+          </a:stretch>
+        </p:blipFill>
+        <p:spPr>
+          <a:xfrm>
+            <a:off x="5855607" y="794657"/>
+            <a:ext cx="5727700" cy="5143500"/>
+          </a:xfrm>
+          <a:prstGeom prst="rect">
+            <a:avLst/>
+          </a:prstGeom>
+        </p:spPr>
+      </p:pic>
+    </p:spTree>
+    <p:extLst>
+      <p:ext uri="{BB962C8B-B14F-4D97-AF65-F5344CB8AC3E}">
+        <p14:creationId xmlns:p14="http://schemas.microsoft.com/office/powerpoint/2010/main" val="1049147375"/>
       </p:ext>
     </p:extLst>
   </p:cSld>
@@ -6994,7 +7104,7 @@
                   </a:schemeClr>
                 </a:solidFill>
               </a:rPr>
-              <a:t>Al-Fatihah	</a:t>
+              <a:t>Al-Fatihah 	</a:t>
             </a:r>
             <a:r>
               <a:rPr lang="ar-AE" dirty="0">
@@ -8560,6 +8670,171 @@
                 </a:schemeClr>
               </a:solidFill>
             </a:endParaRPr>
+          </a:p>
+        </p:txBody>
+      </p:sp>
+      <p:sp>
+        <p:nvSpPr>
+          <p:cNvPr id="4" name="TextBox 3">
+            <a:extLst>
+              <a:ext uri="{FF2B5EF4-FFF2-40B4-BE49-F238E27FC236}">
+                <a16:creationId xmlns:a16="http://schemas.microsoft.com/office/drawing/2014/main" id="{3950A96C-7EF6-E3E9-9365-C14A9B4FEF52}"/>
+              </a:ext>
+            </a:extLst>
+          </p:cNvPr>
+          <p:cNvSpPr txBox="1"/>
+          <p:nvPr/>
+        </p:nvSpPr>
+        <p:spPr>
+          <a:xfrm>
+            <a:off x="2841812" y="873177"/>
+            <a:ext cx="1544629" cy="369332"/>
+          </a:xfrm>
+          <a:prstGeom prst="rect">
+            <a:avLst/>
+          </a:prstGeom>
+          <a:noFill/>
+        </p:spPr>
+        <p:txBody>
+          <a:bodyPr wrap="square">
+            <a:spAutoFit/>
+          </a:bodyPr>
+          <a:lstStyle/>
+          <a:p>
+            <a:r>
+              <a:rPr lang="en-US" dirty="0">
+                <a:solidFill>
+                  <a:schemeClr val="bg1">
+                    <a:lumMod val="50000"/>
+                  </a:schemeClr>
+                </a:solidFill>
+              </a:rPr>
+              <a:t>The Opener</a:t>
+            </a:r>
+            <a:endParaRPr lang="en-US" dirty="0"/>
+          </a:p>
+        </p:txBody>
+      </p:sp>
+      <p:sp>
+        <p:nvSpPr>
+          <p:cNvPr id="5" name="TextBox 4">
+            <a:extLst>
+              <a:ext uri="{FF2B5EF4-FFF2-40B4-BE49-F238E27FC236}">
+                <a16:creationId xmlns:a16="http://schemas.microsoft.com/office/drawing/2014/main" id="{B48BDAEC-CBBA-1222-BD24-DC017D07EA8B}"/>
+              </a:ext>
+            </a:extLst>
+          </p:cNvPr>
+          <p:cNvSpPr txBox="1"/>
+          <p:nvPr/>
+        </p:nvSpPr>
+        <p:spPr>
+          <a:xfrm>
+            <a:off x="2862038" y="1751258"/>
+            <a:ext cx="1544629" cy="369332"/>
+          </a:xfrm>
+          <a:prstGeom prst="rect">
+            <a:avLst/>
+          </a:prstGeom>
+          <a:noFill/>
+        </p:spPr>
+        <p:txBody>
+          <a:bodyPr wrap="square">
+            <a:spAutoFit/>
+          </a:bodyPr>
+          <a:lstStyle/>
+          <a:p>
+            <a:r>
+              <a:rPr lang="en-US" dirty="0">
+                <a:solidFill>
+                  <a:schemeClr val="bg1">
+                    <a:lumMod val="50000"/>
+                  </a:schemeClr>
+                </a:solidFill>
+              </a:rPr>
+              <a:t>The Opener</a:t>
+            </a:r>
+            <a:endParaRPr lang="en-US" dirty="0"/>
+          </a:p>
+        </p:txBody>
+      </p:sp>
+      <p:sp>
+        <p:nvSpPr>
+          <p:cNvPr id="6" name="TextBox 5">
+            <a:extLst>
+              <a:ext uri="{FF2B5EF4-FFF2-40B4-BE49-F238E27FC236}">
+                <a16:creationId xmlns:a16="http://schemas.microsoft.com/office/drawing/2014/main" id="{62D1B0FC-951B-E213-1505-7CAA90E1F524}"/>
+              </a:ext>
+            </a:extLst>
+          </p:cNvPr>
+          <p:cNvSpPr txBox="1"/>
+          <p:nvPr/>
+        </p:nvSpPr>
+        <p:spPr>
+          <a:xfrm>
+            <a:off x="2844834" y="2515077"/>
+            <a:ext cx="1544629" cy="369332"/>
+          </a:xfrm>
+          <a:prstGeom prst="rect">
+            <a:avLst/>
+          </a:prstGeom>
+          <a:noFill/>
+        </p:spPr>
+        <p:txBody>
+          <a:bodyPr wrap="square">
+            <a:spAutoFit/>
+          </a:bodyPr>
+          <a:lstStyle/>
+          <a:p>
+            <a:r>
+              <a:rPr lang="en-US" dirty="0">
+                <a:solidFill>
+                  <a:schemeClr val="bg1">
+                    <a:lumMod val="50000"/>
+                  </a:schemeClr>
+                </a:solidFill>
+              </a:rPr>
+              <a:t>The Opener</a:t>
+            </a:r>
+            <a:endParaRPr lang="en-US" dirty="0"/>
+          </a:p>
+        </p:txBody>
+      </p:sp>
+      <p:sp>
+        <p:nvSpPr>
+          <p:cNvPr id="7" name="TextBox 6">
+            <a:extLst>
+              <a:ext uri="{FF2B5EF4-FFF2-40B4-BE49-F238E27FC236}">
+                <a16:creationId xmlns:a16="http://schemas.microsoft.com/office/drawing/2014/main" id="{6008C0FB-6953-C968-FF05-5C7ECBB2F778}"/>
+              </a:ext>
+            </a:extLst>
+          </p:cNvPr>
+          <p:cNvSpPr txBox="1"/>
+          <p:nvPr/>
+        </p:nvSpPr>
+        <p:spPr>
+          <a:xfrm>
+            <a:off x="8817684" y="1709317"/>
+            <a:ext cx="1370829" cy="369332"/>
+          </a:xfrm>
+          <a:prstGeom prst="rect">
+            <a:avLst/>
+          </a:prstGeom>
+          <a:noFill/>
+        </p:spPr>
+        <p:txBody>
+          <a:bodyPr wrap="square">
+            <a:spAutoFit/>
+          </a:bodyPr>
+          <a:lstStyle/>
+          <a:p>
+            <a:r>
+              <a:rPr lang="en-US" dirty="0">
+                <a:solidFill>
+                  <a:srgbClr val="00B050"/>
+                </a:solidFill>
+              </a:rPr>
+              <a:t>The Opener</a:t>
+            </a:r>
           </a:p>
         </p:txBody>
       </p:sp>

--- a/GUI-design.pptx
+++ b/GUI-design.pptx
@@ -8,16 +8,16 @@
     <p:notesMasterId r:id="rId12"/>
   </p:notesMasterIdLst>
   <p:sldIdLst>
-    <p:sldId id="256" r:id="rId2"/>
-    <p:sldId id="260" r:id="rId3"/>
+    <p:sldId id="266" r:id="rId2"/>
+    <p:sldId id="256" r:id="rId3"/>
     <p:sldId id="261" r:id="rId4"/>
     <p:sldId id="258" r:id="rId5"/>
     <p:sldId id="263" r:id="rId6"/>
     <p:sldId id="259" r:id="rId7"/>
     <p:sldId id="262" r:id="rId8"/>
     <p:sldId id="264" r:id="rId9"/>
-    <p:sldId id="265" r:id="rId10"/>
-    <p:sldId id="266" r:id="rId11"/>
+    <p:sldId id="267" r:id="rId10"/>
+    <p:sldId id="268" r:id="rId11"/>
   </p:sldIdLst>
   <p:sldSz cx="12192000" cy="6858000"/>
   <p:notesSz cx="6858000" cy="9144000"/>
@@ -3711,6 +3711,1434 @@
     </p:bg>
     <p:spTree>
       <p:nvGrpSpPr>
+        <p:cNvPr id="1" name="">
+          <a:extLst>
+            <a:ext uri="{FF2B5EF4-FFF2-40B4-BE49-F238E27FC236}">
+              <a16:creationId xmlns:a16="http://schemas.microsoft.com/office/drawing/2014/main" id="{F9B5B8D3-BA8B-E36F-262B-F67DB7014BE5}"/>
+            </a:ext>
+          </a:extLst>
+        </p:cNvPr>
+        <p:cNvGrpSpPr/>
+        <p:nvPr/>
+      </p:nvGrpSpPr>
+      <p:grpSpPr>
+        <a:xfrm>
+          <a:off x="0" y="0"/>
+          <a:ext cx="0" cy="0"/>
+          <a:chOff x="0" y="0"/>
+          <a:chExt cx="0" cy="0"/>
+        </a:xfrm>
+      </p:grpSpPr>
+      <p:pic>
+        <p:nvPicPr>
+          <p:cNvPr id="6" name="Picture 5">
+            <a:extLst>
+              <a:ext uri="{FF2B5EF4-FFF2-40B4-BE49-F238E27FC236}">
+                <a16:creationId xmlns:a16="http://schemas.microsoft.com/office/drawing/2014/main" id="{31DA4B54-0664-2995-AB02-96B9F9459772}"/>
+              </a:ext>
+            </a:extLst>
+          </p:cNvPr>
+          <p:cNvPicPr>
+            <a:picLocks noChangeAspect="1"/>
+          </p:cNvPicPr>
+          <p:nvPr/>
+        </p:nvPicPr>
+        <p:blipFill>
+          <a:blip r:embed="rId2"/>
+          <a:stretch>
+            <a:fillRect/>
+          </a:stretch>
+        </p:blipFill>
+        <p:spPr>
+          <a:xfrm>
+            <a:off x="439964" y="794657"/>
+            <a:ext cx="4889500" cy="4876800"/>
+          </a:xfrm>
+          <a:prstGeom prst="rect">
+            <a:avLst/>
+          </a:prstGeom>
+        </p:spPr>
+      </p:pic>
+      <p:pic>
+        <p:nvPicPr>
+          <p:cNvPr id="8" name="Picture 7">
+            <a:extLst>
+              <a:ext uri="{FF2B5EF4-FFF2-40B4-BE49-F238E27FC236}">
+                <a16:creationId xmlns:a16="http://schemas.microsoft.com/office/drawing/2014/main" id="{A0075EDA-708D-03A4-72E6-5B3CE5EC50F4}"/>
+              </a:ext>
+            </a:extLst>
+          </p:cNvPr>
+          <p:cNvPicPr>
+            <a:picLocks noChangeAspect="1"/>
+          </p:cNvPicPr>
+          <p:nvPr/>
+        </p:nvPicPr>
+        <p:blipFill>
+          <a:blip r:embed="rId3"/>
+          <a:stretch>
+            <a:fillRect/>
+          </a:stretch>
+        </p:blipFill>
+        <p:spPr>
+          <a:xfrm>
+            <a:off x="5855607" y="794657"/>
+            <a:ext cx="5727700" cy="5143500"/>
+          </a:xfrm>
+          <a:prstGeom prst="rect">
+            <a:avLst/>
+          </a:prstGeom>
+        </p:spPr>
+      </p:pic>
+    </p:spTree>
+    <p:extLst>
+      <p:ext uri="{BB962C8B-B14F-4D97-AF65-F5344CB8AC3E}">
+        <p14:creationId xmlns:p14="http://schemas.microsoft.com/office/powerpoint/2010/main" val="1049147375"/>
+      </p:ext>
+    </p:extLst>
+  </p:cSld>
+  <p:clrMapOvr>
+    <a:masterClrMapping/>
+  </p:clrMapOvr>
+</p:sld>
+</file>
+
+<file path=ppt/slides/slide10.xml><?xml version="1.0" encoding="utf-8"?>
+<p:sld xmlns:a="http://schemas.openxmlformats.org/drawingml/2006/main" xmlns:r="http://schemas.openxmlformats.org/officeDocument/2006/relationships" xmlns:p="http://schemas.openxmlformats.org/presentationml/2006/main">
+  <p:cSld>
+    <p:bg>
+      <p:bgPr>
+        <a:solidFill>
+          <a:srgbClr val="161618"/>
+        </a:solidFill>
+        <a:effectLst/>
+      </p:bgPr>
+    </p:bg>
+    <p:spTree>
+      <p:nvGrpSpPr>
+        <p:cNvPr id="1" name="">
+          <a:extLst>
+            <a:ext uri="{FF2B5EF4-FFF2-40B4-BE49-F238E27FC236}">
+              <a16:creationId xmlns:a16="http://schemas.microsoft.com/office/drawing/2014/main" id="{072A2D7C-593B-1DBB-753B-8B2E7548482B}"/>
+            </a:ext>
+          </a:extLst>
+        </p:cNvPr>
+        <p:cNvGrpSpPr/>
+        <p:nvPr/>
+      </p:nvGrpSpPr>
+      <p:grpSpPr>
+        <a:xfrm>
+          <a:off x="0" y="0"/>
+          <a:ext cx="0" cy="0"/>
+          <a:chOff x="0" y="0"/>
+          <a:chExt cx="0" cy="0"/>
+        </a:xfrm>
+      </p:grpSpPr>
+      <p:sp>
+        <p:nvSpPr>
+          <p:cNvPr id="2" name="Rounded Rectangle 1">
+            <a:extLst>
+              <a:ext uri="{FF2B5EF4-FFF2-40B4-BE49-F238E27FC236}">
+                <a16:creationId xmlns:a16="http://schemas.microsoft.com/office/drawing/2014/main" id="{B54782F3-2B5D-5604-9F50-F3EB24B1DA19}"/>
+              </a:ext>
+            </a:extLst>
+          </p:cNvPr>
+          <p:cNvSpPr/>
+          <p:nvPr/>
+        </p:nvSpPr>
+        <p:spPr>
+          <a:xfrm>
+            <a:off x="1383127" y="1141338"/>
+            <a:ext cx="4712873" cy="3863477"/>
+          </a:xfrm>
+          <a:prstGeom prst="roundRect">
+            <a:avLst>
+              <a:gd name="adj" fmla="val 7007"/>
+            </a:avLst>
+          </a:prstGeom>
+          <a:solidFill>
+            <a:srgbClr val="161618"/>
+          </a:solidFill>
+          <a:ln>
+            <a:solidFill>
+              <a:schemeClr val="bg1">
+                <a:lumMod val="50000"/>
+              </a:schemeClr>
+            </a:solidFill>
+          </a:ln>
+          <a:effectLst>
+            <a:outerShdw blurRad="50800" dist="38100" dir="5400000" algn="t" rotWithShape="0">
+              <a:prstClr val="black">
+                <a:alpha val="40000"/>
+              </a:prstClr>
+            </a:outerShdw>
+          </a:effectLst>
+        </p:spPr>
+        <p:style>
+          <a:lnRef idx="2">
+            <a:schemeClr val="accent1">
+              <a:shade val="15000"/>
+            </a:schemeClr>
+          </a:lnRef>
+          <a:fillRef idx="1">
+            <a:schemeClr val="accent1"/>
+          </a:fillRef>
+          <a:effectRef idx="0">
+            <a:schemeClr val="accent1"/>
+          </a:effectRef>
+          <a:fontRef idx="minor">
+            <a:schemeClr val="lt1"/>
+          </a:fontRef>
+        </p:style>
+        <p:txBody>
+          <a:bodyPr rtlCol="0" anchor="t"/>
+          <a:lstStyle/>
+          <a:p>
+            <a:br>
+              <a:rPr lang="en-US" dirty="0"/>
+            </a:br>
+            <a:endParaRPr lang="en-US" dirty="0">
+              <a:solidFill>
+                <a:schemeClr val="tx1">
+                  <a:lumMod val="75000"/>
+                  <a:lumOff val="25000"/>
+                </a:schemeClr>
+              </a:solidFill>
+            </a:endParaRPr>
+          </a:p>
+        </p:txBody>
+      </p:sp>
+      <p:sp>
+        <p:nvSpPr>
+          <p:cNvPr id="23" name="Rounded Rectangle 22">
+            <a:extLst>
+              <a:ext uri="{FF2B5EF4-FFF2-40B4-BE49-F238E27FC236}">
+                <a16:creationId xmlns:a16="http://schemas.microsoft.com/office/drawing/2014/main" id="{B54CAE38-30D6-17E4-79DE-D7D2EEED8BA0}"/>
+              </a:ext>
+            </a:extLst>
+          </p:cNvPr>
+          <p:cNvSpPr/>
+          <p:nvPr/>
+        </p:nvSpPr>
+        <p:spPr>
+          <a:xfrm>
+            <a:off x="1449467" y="1729500"/>
+            <a:ext cx="4572000" cy="738686"/>
+          </a:xfrm>
+          <a:prstGeom prst="roundRect">
+            <a:avLst>
+              <a:gd name="adj" fmla="val 25939"/>
+            </a:avLst>
+          </a:prstGeom>
+          <a:solidFill>
+            <a:srgbClr val="1D2C12"/>
+          </a:solidFill>
+          <a:ln>
+            <a:noFill/>
+          </a:ln>
+          <a:effectLst>
+            <a:outerShdw blurRad="50800" dist="38100" dir="5400000" algn="t" rotWithShape="0">
+              <a:prstClr val="black">
+                <a:alpha val="40000"/>
+              </a:prstClr>
+            </a:outerShdw>
+          </a:effectLst>
+        </p:spPr>
+        <p:style>
+          <a:lnRef idx="2">
+            <a:schemeClr val="accent1">
+              <a:shade val="15000"/>
+            </a:schemeClr>
+          </a:lnRef>
+          <a:fillRef idx="1">
+            <a:schemeClr val="accent1"/>
+          </a:fillRef>
+          <a:effectRef idx="0">
+            <a:schemeClr val="accent1"/>
+          </a:effectRef>
+          <a:fontRef idx="minor">
+            <a:schemeClr val="lt1"/>
+          </a:fontRef>
+        </p:style>
+        <p:txBody>
+          <a:bodyPr rtlCol="0" anchor="t"/>
+          <a:lstStyle/>
+          <a:p>
+            <a:br>
+              <a:rPr lang="en-US" dirty="0"/>
+            </a:br>
+            <a:endParaRPr lang="en-US" dirty="0">
+              <a:solidFill>
+                <a:schemeClr val="tx1">
+                  <a:lumMod val="75000"/>
+                  <a:lumOff val="25000"/>
+                </a:schemeClr>
+              </a:solidFill>
+            </a:endParaRPr>
+          </a:p>
+        </p:txBody>
+      </p:sp>
+      <p:sp>
+        <p:nvSpPr>
+          <p:cNvPr id="4" name="TextBox 3">
+            <a:extLst>
+              <a:ext uri="{FF2B5EF4-FFF2-40B4-BE49-F238E27FC236}">
+                <a16:creationId xmlns:a16="http://schemas.microsoft.com/office/drawing/2014/main" id="{4D8C37B1-4D3C-4C7C-AB08-04846B1CC30C}"/>
+              </a:ext>
+            </a:extLst>
+          </p:cNvPr>
+          <p:cNvSpPr txBox="1"/>
+          <p:nvPr/>
+        </p:nvSpPr>
+        <p:spPr>
+          <a:xfrm>
+            <a:off x="1822240" y="1922043"/>
+            <a:ext cx="1544629" cy="369332"/>
+          </a:xfrm>
+          <a:prstGeom prst="rect">
+            <a:avLst/>
+          </a:prstGeom>
+          <a:noFill/>
+        </p:spPr>
+        <p:txBody>
+          <a:bodyPr wrap="square">
+            <a:spAutoFit/>
+          </a:bodyPr>
+          <a:lstStyle/>
+          <a:p>
+            <a:r>
+              <a:rPr lang="en-US" dirty="0">
+                <a:solidFill>
+                  <a:schemeClr val="bg1">
+                    <a:lumMod val="50000"/>
+                  </a:schemeClr>
+                </a:solidFill>
+              </a:rPr>
+              <a:t>Night Sky</a:t>
+            </a:r>
+            <a:endParaRPr lang="en-US" dirty="0"/>
+          </a:p>
+        </p:txBody>
+      </p:sp>
+      <p:sp>
+        <p:nvSpPr>
+          <p:cNvPr id="3" name="TextBox 2">
+            <a:extLst>
+              <a:ext uri="{FF2B5EF4-FFF2-40B4-BE49-F238E27FC236}">
+                <a16:creationId xmlns:a16="http://schemas.microsoft.com/office/drawing/2014/main" id="{D613FA18-0BF6-1AEA-0EF9-7849F91EF40A}"/>
+              </a:ext>
+            </a:extLst>
+          </p:cNvPr>
+          <p:cNvSpPr txBox="1"/>
+          <p:nvPr/>
+        </p:nvSpPr>
+        <p:spPr>
+          <a:xfrm>
+            <a:off x="4256996" y="1912768"/>
+            <a:ext cx="1544629" cy="369332"/>
+          </a:xfrm>
+          <a:prstGeom prst="rect">
+            <a:avLst/>
+          </a:prstGeom>
+          <a:noFill/>
+        </p:spPr>
+        <p:txBody>
+          <a:bodyPr wrap="square">
+            <a:spAutoFit/>
+          </a:bodyPr>
+          <a:lstStyle/>
+          <a:p>
+            <a:r>
+              <a:rPr lang="en-US" dirty="0">
+                <a:solidFill>
+                  <a:schemeClr val="bg1">
+                    <a:lumMod val="50000"/>
+                  </a:schemeClr>
+                </a:solidFill>
+              </a:rPr>
+              <a:t>Heaven Light</a:t>
+            </a:r>
+            <a:endParaRPr lang="en-US" dirty="0"/>
+          </a:p>
+        </p:txBody>
+      </p:sp>
+      <p:grpSp>
+        <p:nvGrpSpPr>
+          <p:cNvPr id="62" name="Group 61">
+            <a:extLst>
+              <a:ext uri="{FF2B5EF4-FFF2-40B4-BE49-F238E27FC236}">
+                <a16:creationId xmlns:a16="http://schemas.microsoft.com/office/drawing/2014/main" id="{C1386F58-C01D-9920-3ADE-EA5E51657542}"/>
+              </a:ext>
+            </a:extLst>
+          </p:cNvPr>
+          <p:cNvGrpSpPr/>
+          <p:nvPr/>
+        </p:nvGrpSpPr>
+        <p:grpSpPr>
+          <a:xfrm>
+            <a:off x="2971909" y="1941215"/>
+            <a:ext cx="1198023" cy="369332"/>
+            <a:chOff x="1759380" y="904895"/>
+            <a:chExt cx="1198023" cy="369332"/>
+          </a:xfrm>
+        </p:grpSpPr>
+        <p:sp>
+          <p:nvSpPr>
+            <p:cNvPr id="22" name="Rounded Rectangle 21">
+              <a:extLst>
+                <a:ext uri="{FF2B5EF4-FFF2-40B4-BE49-F238E27FC236}">
+                  <a16:creationId xmlns:a16="http://schemas.microsoft.com/office/drawing/2014/main" id="{7D41FB00-F920-C192-D8D4-D4B922BF0E3C}"/>
+                </a:ext>
+              </a:extLst>
+            </p:cNvPr>
+            <p:cNvSpPr/>
+            <p:nvPr/>
+          </p:nvSpPr>
+          <p:spPr>
+            <a:xfrm>
+              <a:off x="1759380" y="904895"/>
+              <a:ext cx="1198023" cy="369332"/>
+            </a:xfrm>
+            <a:prstGeom prst="roundRect">
+              <a:avLst>
+                <a:gd name="adj" fmla="val 50000"/>
+              </a:avLst>
+            </a:prstGeom>
+            <a:solidFill>
+              <a:schemeClr val="tx1">
+                <a:lumMod val="75000"/>
+                <a:lumOff val="25000"/>
+              </a:schemeClr>
+            </a:solidFill>
+            <a:ln>
+              <a:noFill/>
+            </a:ln>
+          </p:spPr>
+          <p:style>
+            <a:lnRef idx="2">
+              <a:schemeClr val="accent1">
+                <a:shade val="15000"/>
+              </a:schemeClr>
+            </a:lnRef>
+            <a:fillRef idx="1">
+              <a:schemeClr val="accent1"/>
+            </a:fillRef>
+            <a:effectRef idx="0">
+              <a:schemeClr val="accent1"/>
+            </a:effectRef>
+            <a:fontRef idx="minor">
+              <a:schemeClr val="lt1"/>
+            </a:fontRef>
+          </p:style>
+          <p:txBody>
+            <a:bodyPr rtlCol="0" anchor="ctr"/>
+            <a:lstStyle/>
+            <a:p>
+              <a:pPr algn="ctr"/>
+              <a:endParaRPr lang="en-US" sz="1400" dirty="0">
+                <a:solidFill>
+                  <a:schemeClr val="tx1">
+                    <a:lumMod val="50000"/>
+                    <a:lumOff val="50000"/>
+                  </a:schemeClr>
+                </a:solidFill>
+              </a:endParaRPr>
+            </a:p>
+          </p:txBody>
+        </p:sp>
+        <p:sp>
+          <p:nvSpPr>
+            <p:cNvPr id="14" name="Rounded Rectangle 13">
+              <a:extLst>
+                <a:ext uri="{FF2B5EF4-FFF2-40B4-BE49-F238E27FC236}">
+                  <a16:creationId xmlns:a16="http://schemas.microsoft.com/office/drawing/2014/main" id="{BD220F41-451E-EBE6-A674-8CB2CDB84CD8}"/>
+                </a:ext>
+              </a:extLst>
+            </p:cNvPr>
+            <p:cNvSpPr/>
+            <p:nvPr/>
+          </p:nvSpPr>
+          <p:spPr>
+            <a:xfrm>
+              <a:off x="2317106" y="941936"/>
+              <a:ext cx="564594" cy="298848"/>
+            </a:xfrm>
+            <a:prstGeom prst="roundRect">
+              <a:avLst>
+                <a:gd name="adj" fmla="val 50000"/>
+              </a:avLst>
+            </a:prstGeom>
+            <a:solidFill>
+              <a:srgbClr val="00B050"/>
+            </a:solidFill>
+            <a:ln>
+              <a:noFill/>
+            </a:ln>
+          </p:spPr>
+          <p:style>
+            <a:lnRef idx="2">
+              <a:schemeClr val="accent1">
+                <a:shade val="15000"/>
+              </a:schemeClr>
+            </a:lnRef>
+            <a:fillRef idx="1">
+              <a:schemeClr val="accent1"/>
+            </a:fillRef>
+            <a:effectRef idx="0">
+              <a:schemeClr val="accent1"/>
+            </a:effectRef>
+            <a:fontRef idx="minor">
+              <a:schemeClr val="lt1"/>
+            </a:fontRef>
+          </p:style>
+          <p:txBody>
+            <a:bodyPr rtlCol="0" anchor="ctr"/>
+            <a:lstStyle/>
+            <a:p>
+              <a:pPr algn="ctr"/>
+              <a:endParaRPr lang="en-US" dirty="0"/>
+            </a:p>
+          </p:txBody>
+        </p:sp>
+      </p:grpSp>
+      <p:sp>
+        <p:nvSpPr>
+          <p:cNvPr id="56" name="Rounded Rectangle 55">
+            <a:extLst>
+              <a:ext uri="{FF2B5EF4-FFF2-40B4-BE49-F238E27FC236}">
+                <a16:creationId xmlns:a16="http://schemas.microsoft.com/office/drawing/2014/main" id="{70104221-1956-B814-47C5-69AA5F04B8F1}"/>
+              </a:ext>
+            </a:extLst>
+          </p:cNvPr>
+          <p:cNvSpPr/>
+          <p:nvPr/>
+        </p:nvSpPr>
+        <p:spPr>
+          <a:xfrm>
+            <a:off x="1449467" y="2544695"/>
+            <a:ext cx="4572000" cy="738686"/>
+          </a:xfrm>
+          <a:prstGeom prst="roundRect">
+            <a:avLst>
+              <a:gd name="adj" fmla="val 25939"/>
+            </a:avLst>
+          </a:prstGeom>
+          <a:solidFill>
+            <a:srgbClr val="1D2C12"/>
+          </a:solidFill>
+          <a:ln>
+            <a:noFill/>
+          </a:ln>
+          <a:effectLst>
+            <a:outerShdw blurRad="50800" dist="38100" dir="5400000" algn="t" rotWithShape="0">
+              <a:prstClr val="black">
+                <a:alpha val="40000"/>
+              </a:prstClr>
+            </a:outerShdw>
+          </a:effectLst>
+        </p:spPr>
+        <p:style>
+          <a:lnRef idx="2">
+            <a:schemeClr val="accent1">
+              <a:shade val="15000"/>
+            </a:schemeClr>
+          </a:lnRef>
+          <a:fillRef idx="1">
+            <a:schemeClr val="accent1"/>
+          </a:fillRef>
+          <a:effectRef idx="0">
+            <a:schemeClr val="accent1"/>
+          </a:effectRef>
+          <a:fontRef idx="minor">
+            <a:schemeClr val="lt1"/>
+          </a:fontRef>
+        </p:style>
+        <p:txBody>
+          <a:bodyPr rtlCol="0" anchor="t"/>
+          <a:lstStyle/>
+          <a:p>
+            <a:br>
+              <a:rPr lang="en-US" dirty="0"/>
+            </a:br>
+            <a:endParaRPr lang="en-US" dirty="0">
+              <a:solidFill>
+                <a:schemeClr val="tx1">
+                  <a:lumMod val="75000"/>
+                  <a:lumOff val="25000"/>
+                </a:schemeClr>
+              </a:solidFill>
+            </a:endParaRPr>
+          </a:p>
+        </p:txBody>
+      </p:sp>
+      <p:sp>
+        <p:nvSpPr>
+          <p:cNvPr id="57" name="Rounded Rectangle 56">
+            <a:extLst>
+              <a:ext uri="{FF2B5EF4-FFF2-40B4-BE49-F238E27FC236}">
+                <a16:creationId xmlns:a16="http://schemas.microsoft.com/office/drawing/2014/main" id="{2B8B7A42-9678-9125-0515-C1BB064E75AB}"/>
+              </a:ext>
+            </a:extLst>
+          </p:cNvPr>
+          <p:cNvSpPr/>
+          <p:nvPr/>
+        </p:nvSpPr>
+        <p:spPr>
+          <a:xfrm>
+            <a:off x="4490594" y="2737238"/>
+            <a:ext cx="1198023" cy="369332"/>
+          </a:xfrm>
+          <a:prstGeom prst="roundRect">
+            <a:avLst>
+              <a:gd name="adj" fmla="val 50000"/>
+            </a:avLst>
+          </a:prstGeom>
+          <a:solidFill>
+            <a:schemeClr val="tx1">
+              <a:lumMod val="75000"/>
+              <a:lumOff val="25000"/>
+            </a:schemeClr>
+          </a:solidFill>
+          <a:ln>
+            <a:noFill/>
+          </a:ln>
+        </p:spPr>
+        <p:style>
+          <a:lnRef idx="2">
+            <a:schemeClr val="accent1">
+              <a:shade val="15000"/>
+            </a:schemeClr>
+          </a:lnRef>
+          <a:fillRef idx="1">
+            <a:schemeClr val="accent1"/>
+          </a:fillRef>
+          <a:effectRef idx="0">
+            <a:schemeClr val="accent1"/>
+          </a:effectRef>
+          <a:fontRef idx="minor">
+            <a:schemeClr val="lt1"/>
+          </a:fontRef>
+        </p:style>
+        <p:txBody>
+          <a:bodyPr rtlCol="0" anchor="ctr"/>
+          <a:lstStyle/>
+          <a:p>
+            <a:pPr algn="ctr"/>
+            <a:endParaRPr lang="en-US" sz="1400" dirty="0">
+              <a:solidFill>
+                <a:schemeClr val="tx1">
+                  <a:lumMod val="50000"/>
+                  <a:lumOff val="50000"/>
+                </a:schemeClr>
+              </a:solidFill>
+            </a:endParaRPr>
+          </a:p>
+        </p:txBody>
+      </p:sp>
+      <p:sp>
+        <p:nvSpPr>
+          <p:cNvPr id="58" name="TextBox 57">
+            <a:extLst>
+              <a:ext uri="{FF2B5EF4-FFF2-40B4-BE49-F238E27FC236}">
+                <a16:creationId xmlns:a16="http://schemas.microsoft.com/office/drawing/2014/main" id="{0A17A6C5-3E4B-49F5-B59F-5944989931BD}"/>
+              </a:ext>
+            </a:extLst>
+          </p:cNvPr>
+          <p:cNvSpPr txBox="1"/>
+          <p:nvPr/>
+        </p:nvSpPr>
+        <p:spPr>
+          <a:xfrm>
+            <a:off x="1822241" y="2737238"/>
+            <a:ext cx="2287684" cy="369332"/>
+          </a:xfrm>
+          <a:prstGeom prst="rect">
+            <a:avLst/>
+          </a:prstGeom>
+          <a:noFill/>
+        </p:spPr>
+        <p:txBody>
+          <a:bodyPr wrap="square">
+            <a:spAutoFit/>
+          </a:bodyPr>
+          <a:lstStyle/>
+          <a:p>
+            <a:r>
+              <a:rPr lang="en-US" dirty="0">
+                <a:solidFill>
+                  <a:schemeClr val="bg1">
+                    <a:lumMod val="50000"/>
+                  </a:schemeClr>
+                </a:solidFill>
+              </a:rPr>
+              <a:t>Toggle Translation</a:t>
+            </a:r>
+            <a:endParaRPr lang="en-US" dirty="0"/>
+          </a:p>
+        </p:txBody>
+      </p:sp>
+      <p:sp>
+        <p:nvSpPr>
+          <p:cNvPr id="61" name="Rounded Rectangle 60">
+            <a:extLst>
+              <a:ext uri="{FF2B5EF4-FFF2-40B4-BE49-F238E27FC236}">
+                <a16:creationId xmlns:a16="http://schemas.microsoft.com/office/drawing/2014/main" id="{7147B1CA-C613-3B93-F9AE-49B37BF60D01}"/>
+              </a:ext>
+            </a:extLst>
+          </p:cNvPr>
+          <p:cNvSpPr/>
+          <p:nvPr/>
+        </p:nvSpPr>
+        <p:spPr>
+          <a:xfrm>
+            <a:off x="4529473" y="2772480"/>
+            <a:ext cx="564594" cy="298848"/>
+          </a:xfrm>
+          <a:prstGeom prst="roundRect">
+            <a:avLst>
+              <a:gd name="adj" fmla="val 50000"/>
+            </a:avLst>
+          </a:prstGeom>
+          <a:solidFill>
+            <a:srgbClr val="404040"/>
+          </a:solidFill>
+          <a:ln>
+            <a:noFill/>
+          </a:ln>
+        </p:spPr>
+        <p:style>
+          <a:lnRef idx="2">
+            <a:schemeClr val="accent1">
+              <a:shade val="15000"/>
+            </a:schemeClr>
+          </a:lnRef>
+          <a:fillRef idx="1">
+            <a:schemeClr val="accent1"/>
+          </a:fillRef>
+          <a:effectRef idx="0">
+            <a:schemeClr val="accent1"/>
+          </a:effectRef>
+          <a:fontRef idx="minor">
+            <a:schemeClr val="lt1"/>
+          </a:fontRef>
+        </p:style>
+        <p:txBody>
+          <a:bodyPr rtlCol="0" anchor="ctr"/>
+          <a:lstStyle/>
+          <a:p>
+            <a:pPr algn="ctr"/>
+            <a:r>
+              <a:rPr lang="en-US" sz="1400" dirty="0"/>
+              <a:t>Off</a:t>
+            </a:r>
+            <a:endParaRPr lang="en-US" dirty="0"/>
+          </a:p>
+        </p:txBody>
+      </p:sp>
+      <p:sp>
+        <p:nvSpPr>
+          <p:cNvPr id="60" name="Rounded Rectangle 59">
+            <a:extLst>
+              <a:ext uri="{FF2B5EF4-FFF2-40B4-BE49-F238E27FC236}">
+                <a16:creationId xmlns:a16="http://schemas.microsoft.com/office/drawing/2014/main" id="{AD5D868C-9710-2FF5-A9BB-C4A1DE92EF94}"/>
+              </a:ext>
+            </a:extLst>
+          </p:cNvPr>
+          <p:cNvSpPr/>
+          <p:nvPr/>
+        </p:nvSpPr>
+        <p:spPr>
+          <a:xfrm>
+            <a:off x="5048320" y="2774279"/>
+            <a:ext cx="564594" cy="298848"/>
+          </a:xfrm>
+          <a:prstGeom prst="roundRect">
+            <a:avLst>
+              <a:gd name="adj" fmla="val 50000"/>
+            </a:avLst>
+          </a:prstGeom>
+          <a:solidFill>
+            <a:srgbClr val="00B050"/>
+          </a:solidFill>
+          <a:ln>
+            <a:noFill/>
+          </a:ln>
+        </p:spPr>
+        <p:style>
+          <a:lnRef idx="2">
+            <a:schemeClr val="accent1">
+              <a:shade val="15000"/>
+            </a:schemeClr>
+          </a:lnRef>
+          <a:fillRef idx="1">
+            <a:schemeClr val="accent1"/>
+          </a:fillRef>
+          <a:effectRef idx="0">
+            <a:schemeClr val="accent1"/>
+          </a:effectRef>
+          <a:fontRef idx="minor">
+            <a:schemeClr val="lt1"/>
+          </a:fontRef>
+        </p:style>
+        <p:txBody>
+          <a:bodyPr rtlCol="0" anchor="ctr"/>
+          <a:lstStyle/>
+          <a:p>
+            <a:pPr algn="ctr"/>
+            <a:r>
+              <a:rPr lang="en-US" sz="1400" dirty="0"/>
+              <a:t>On</a:t>
+            </a:r>
+            <a:endParaRPr lang="en-US" dirty="0"/>
+          </a:p>
+        </p:txBody>
+      </p:sp>
+      <p:sp>
+        <p:nvSpPr>
+          <p:cNvPr id="63" name="Rounded Rectangle 62">
+            <a:extLst>
+              <a:ext uri="{FF2B5EF4-FFF2-40B4-BE49-F238E27FC236}">
+                <a16:creationId xmlns:a16="http://schemas.microsoft.com/office/drawing/2014/main" id="{1EBA441F-4274-35D1-E71A-623FF11B89EB}"/>
+              </a:ext>
+            </a:extLst>
+          </p:cNvPr>
+          <p:cNvSpPr/>
+          <p:nvPr/>
+        </p:nvSpPr>
+        <p:spPr>
+          <a:xfrm>
+            <a:off x="1449467" y="3379958"/>
+            <a:ext cx="4572000" cy="1201532"/>
+          </a:xfrm>
+          <a:prstGeom prst="roundRect">
+            <a:avLst>
+              <a:gd name="adj" fmla="val 25939"/>
+            </a:avLst>
+          </a:prstGeom>
+          <a:solidFill>
+            <a:srgbClr val="1D2C12"/>
+          </a:solidFill>
+          <a:ln>
+            <a:noFill/>
+          </a:ln>
+          <a:effectLst>
+            <a:outerShdw blurRad="50800" dist="38100" dir="5400000" algn="t" rotWithShape="0">
+              <a:prstClr val="black">
+                <a:alpha val="40000"/>
+              </a:prstClr>
+            </a:outerShdw>
+          </a:effectLst>
+        </p:spPr>
+        <p:style>
+          <a:lnRef idx="2">
+            <a:schemeClr val="accent1">
+              <a:shade val="15000"/>
+            </a:schemeClr>
+          </a:lnRef>
+          <a:fillRef idx="1">
+            <a:schemeClr val="accent1"/>
+          </a:fillRef>
+          <a:effectRef idx="0">
+            <a:schemeClr val="accent1"/>
+          </a:effectRef>
+          <a:fontRef idx="minor">
+            <a:schemeClr val="lt1"/>
+          </a:fontRef>
+        </p:style>
+        <p:txBody>
+          <a:bodyPr rtlCol="0" anchor="t"/>
+          <a:lstStyle/>
+          <a:p>
+            <a:br>
+              <a:rPr lang="en-US" dirty="0"/>
+            </a:br>
+            <a:endParaRPr lang="en-US" dirty="0">
+              <a:solidFill>
+                <a:schemeClr val="tx1">
+                  <a:lumMod val="75000"/>
+                  <a:lumOff val="25000"/>
+                </a:schemeClr>
+              </a:solidFill>
+            </a:endParaRPr>
+          </a:p>
+        </p:txBody>
+      </p:sp>
+      <p:sp>
+        <p:nvSpPr>
+          <p:cNvPr id="64" name="Rounded Rectangle 63">
+            <a:extLst>
+              <a:ext uri="{FF2B5EF4-FFF2-40B4-BE49-F238E27FC236}">
+                <a16:creationId xmlns:a16="http://schemas.microsoft.com/office/drawing/2014/main" id="{90E7F893-6239-E065-E66D-3FB1E2CE5448}"/>
+              </a:ext>
+            </a:extLst>
+          </p:cNvPr>
+          <p:cNvSpPr/>
+          <p:nvPr/>
+        </p:nvSpPr>
+        <p:spPr>
+          <a:xfrm>
+            <a:off x="1964246" y="3964708"/>
+            <a:ext cx="3213347" cy="209706"/>
+          </a:xfrm>
+          <a:prstGeom prst="roundRect">
+            <a:avLst>
+              <a:gd name="adj" fmla="val 50000"/>
+            </a:avLst>
+          </a:prstGeom>
+          <a:solidFill>
+            <a:schemeClr val="tx1">
+              <a:lumMod val="75000"/>
+              <a:lumOff val="25000"/>
+            </a:schemeClr>
+          </a:solidFill>
+          <a:ln>
+            <a:noFill/>
+          </a:ln>
+        </p:spPr>
+        <p:style>
+          <a:lnRef idx="2">
+            <a:schemeClr val="accent1">
+              <a:shade val="15000"/>
+            </a:schemeClr>
+          </a:lnRef>
+          <a:fillRef idx="1">
+            <a:schemeClr val="accent1"/>
+          </a:fillRef>
+          <a:effectRef idx="0">
+            <a:schemeClr val="accent1"/>
+          </a:effectRef>
+          <a:fontRef idx="minor">
+            <a:schemeClr val="lt1"/>
+          </a:fontRef>
+        </p:style>
+        <p:txBody>
+          <a:bodyPr rtlCol="0" anchor="ctr"/>
+          <a:lstStyle/>
+          <a:p>
+            <a:pPr algn="ctr"/>
+            <a:endParaRPr lang="en-US" sz="1400" dirty="0">
+              <a:solidFill>
+                <a:schemeClr val="tx1">
+                  <a:lumMod val="50000"/>
+                  <a:lumOff val="50000"/>
+                </a:schemeClr>
+              </a:solidFill>
+            </a:endParaRPr>
+          </a:p>
+        </p:txBody>
+      </p:sp>
+      <p:sp>
+        <p:nvSpPr>
+          <p:cNvPr id="65" name="TextBox 64">
+            <a:extLst>
+              <a:ext uri="{FF2B5EF4-FFF2-40B4-BE49-F238E27FC236}">
+                <a16:creationId xmlns:a16="http://schemas.microsoft.com/office/drawing/2014/main" id="{A383F636-621D-6FEB-E2E7-307CA73DFF7B}"/>
+              </a:ext>
+            </a:extLst>
+          </p:cNvPr>
+          <p:cNvSpPr txBox="1"/>
+          <p:nvPr/>
+        </p:nvSpPr>
+        <p:spPr>
+          <a:xfrm>
+            <a:off x="1699808" y="3463040"/>
+            <a:ext cx="2287684" cy="369332"/>
+          </a:xfrm>
+          <a:prstGeom prst="rect">
+            <a:avLst/>
+          </a:prstGeom>
+          <a:noFill/>
+        </p:spPr>
+        <p:txBody>
+          <a:bodyPr wrap="square">
+            <a:spAutoFit/>
+          </a:bodyPr>
+          <a:lstStyle/>
+          <a:p>
+            <a:r>
+              <a:rPr lang="en-US" dirty="0">
+                <a:solidFill>
+                  <a:schemeClr val="bg1">
+                    <a:lumMod val="50000"/>
+                  </a:schemeClr>
+                </a:solidFill>
+              </a:rPr>
+              <a:t>Font Size</a:t>
+            </a:r>
+            <a:endParaRPr lang="en-US" dirty="0"/>
+          </a:p>
+        </p:txBody>
+      </p:sp>
+      <p:sp>
+        <p:nvSpPr>
+          <p:cNvPr id="69" name="TextBox 68">
+            <a:extLst>
+              <a:ext uri="{FF2B5EF4-FFF2-40B4-BE49-F238E27FC236}">
+                <a16:creationId xmlns:a16="http://schemas.microsoft.com/office/drawing/2014/main" id="{DDC61BB1-5BB8-9D87-E18C-30CC5DE2E7F2}"/>
+              </a:ext>
+            </a:extLst>
+          </p:cNvPr>
+          <p:cNvSpPr txBox="1"/>
+          <p:nvPr/>
+        </p:nvSpPr>
+        <p:spPr>
+          <a:xfrm>
+            <a:off x="1685039" y="3910742"/>
+            <a:ext cx="629474" cy="307777"/>
+          </a:xfrm>
+          <a:prstGeom prst="rect">
+            <a:avLst/>
+          </a:prstGeom>
+          <a:noFill/>
+        </p:spPr>
+        <p:txBody>
+          <a:bodyPr wrap="square">
+            <a:spAutoFit/>
+          </a:bodyPr>
+          <a:lstStyle/>
+          <a:p>
+            <a:r>
+              <a:rPr lang="en-US" sz="1400" dirty="0">
+                <a:solidFill>
+                  <a:schemeClr val="bg1"/>
+                </a:solidFill>
+              </a:rPr>
+              <a:t>A</a:t>
+            </a:r>
+          </a:p>
+        </p:txBody>
+      </p:sp>
+      <p:sp>
+        <p:nvSpPr>
+          <p:cNvPr id="70" name="TextBox 69">
+            <a:extLst>
+              <a:ext uri="{FF2B5EF4-FFF2-40B4-BE49-F238E27FC236}">
+                <a16:creationId xmlns:a16="http://schemas.microsoft.com/office/drawing/2014/main" id="{886D4B23-6968-2764-581D-00353BC1B3D2}"/>
+              </a:ext>
+            </a:extLst>
+          </p:cNvPr>
+          <p:cNvSpPr txBox="1"/>
+          <p:nvPr/>
+        </p:nvSpPr>
+        <p:spPr>
+          <a:xfrm>
+            <a:off x="5134622" y="3829015"/>
+            <a:ext cx="629474" cy="461665"/>
+          </a:xfrm>
+          <a:prstGeom prst="rect">
+            <a:avLst/>
+          </a:prstGeom>
+          <a:noFill/>
+        </p:spPr>
+        <p:txBody>
+          <a:bodyPr wrap="square">
+            <a:spAutoFit/>
+          </a:bodyPr>
+          <a:lstStyle/>
+          <a:p>
+            <a:r>
+              <a:rPr lang="en-US" sz="2400" dirty="0">
+                <a:solidFill>
+                  <a:schemeClr val="bg1"/>
+                </a:solidFill>
+              </a:rPr>
+              <a:t>A</a:t>
+            </a:r>
+            <a:endParaRPr lang="en-US" dirty="0">
+              <a:solidFill>
+                <a:schemeClr val="bg1"/>
+              </a:solidFill>
+            </a:endParaRPr>
+          </a:p>
+        </p:txBody>
+      </p:sp>
+      <p:sp>
+        <p:nvSpPr>
+          <p:cNvPr id="71" name="Oval 70">
+            <a:extLst>
+              <a:ext uri="{FF2B5EF4-FFF2-40B4-BE49-F238E27FC236}">
+                <a16:creationId xmlns:a16="http://schemas.microsoft.com/office/drawing/2014/main" id="{3A2928E9-03D2-05A8-0E2B-D4808CE21688}"/>
+              </a:ext>
+            </a:extLst>
+          </p:cNvPr>
+          <p:cNvSpPr/>
+          <p:nvPr/>
+        </p:nvSpPr>
+        <p:spPr>
+          <a:xfrm>
+            <a:off x="1997682" y="3980724"/>
+            <a:ext cx="182880" cy="182880"/>
+          </a:xfrm>
+          <a:prstGeom prst="ellipse">
+            <a:avLst/>
+          </a:prstGeom>
+          <a:solidFill>
+            <a:schemeClr val="bg1">
+              <a:lumMod val="50000"/>
+            </a:schemeClr>
+          </a:solidFill>
+          <a:ln>
+            <a:noFill/>
+          </a:ln>
+        </p:spPr>
+        <p:style>
+          <a:lnRef idx="2">
+            <a:schemeClr val="accent1">
+              <a:shade val="15000"/>
+            </a:schemeClr>
+          </a:lnRef>
+          <a:fillRef idx="1">
+            <a:schemeClr val="accent1"/>
+          </a:fillRef>
+          <a:effectRef idx="0">
+            <a:schemeClr val="accent1"/>
+          </a:effectRef>
+          <a:fontRef idx="minor">
+            <a:schemeClr val="lt1"/>
+          </a:fontRef>
+        </p:style>
+        <p:txBody>
+          <a:bodyPr rtlCol="0" anchor="ctr"/>
+          <a:lstStyle/>
+          <a:p>
+            <a:pPr algn="ctr"/>
+            <a:endParaRPr lang="en-US"/>
+          </a:p>
+        </p:txBody>
+      </p:sp>
+      <p:sp>
+        <p:nvSpPr>
+          <p:cNvPr id="72" name="Oval 71">
+            <a:extLst>
+              <a:ext uri="{FF2B5EF4-FFF2-40B4-BE49-F238E27FC236}">
+                <a16:creationId xmlns:a16="http://schemas.microsoft.com/office/drawing/2014/main" id="{0A220319-4320-3F40-5149-B13F86063DF8}"/>
+              </a:ext>
+            </a:extLst>
+          </p:cNvPr>
+          <p:cNvSpPr/>
+          <p:nvPr/>
+        </p:nvSpPr>
+        <p:spPr>
+          <a:xfrm>
+            <a:off x="4968649" y="3984092"/>
+            <a:ext cx="182880" cy="182880"/>
+          </a:xfrm>
+          <a:prstGeom prst="ellipse">
+            <a:avLst/>
+          </a:prstGeom>
+          <a:solidFill>
+            <a:schemeClr val="bg1">
+              <a:lumMod val="50000"/>
+            </a:schemeClr>
+          </a:solidFill>
+          <a:ln>
+            <a:noFill/>
+          </a:ln>
+        </p:spPr>
+        <p:style>
+          <a:lnRef idx="2">
+            <a:schemeClr val="accent1">
+              <a:shade val="15000"/>
+            </a:schemeClr>
+          </a:lnRef>
+          <a:fillRef idx="1">
+            <a:schemeClr val="accent1"/>
+          </a:fillRef>
+          <a:effectRef idx="0">
+            <a:schemeClr val="accent1"/>
+          </a:effectRef>
+          <a:fontRef idx="minor">
+            <a:schemeClr val="lt1"/>
+          </a:fontRef>
+        </p:style>
+        <p:txBody>
+          <a:bodyPr rtlCol="0" anchor="ctr"/>
+          <a:lstStyle/>
+          <a:p>
+            <a:pPr algn="ctr"/>
+            <a:endParaRPr lang="en-US"/>
+          </a:p>
+        </p:txBody>
+      </p:sp>
+      <p:sp>
+        <p:nvSpPr>
+          <p:cNvPr id="73" name="Oval 72">
+            <a:extLst>
+              <a:ext uri="{FF2B5EF4-FFF2-40B4-BE49-F238E27FC236}">
+                <a16:creationId xmlns:a16="http://schemas.microsoft.com/office/drawing/2014/main" id="{D053587B-5CAB-6579-80A9-84BF940A5A03}"/>
+              </a:ext>
+            </a:extLst>
+          </p:cNvPr>
+          <p:cNvSpPr/>
+          <p:nvPr/>
+        </p:nvSpPr>
+        <p:spPr>
+          <a:xfrm>
+            <a:off x="3479479" y="3978121"/>
+            <a:ext cx="182880" cy="182880"/>
+          </a:xfrm>
+          <a:prstGeom prst="ellipse">
+            <a:avLst/>
+          </a:prstGeom>
+          <a:solidFill>
+            <a:schemeClr val="bg1">
+              <a:lumMod val="50000"/>
+            </a:schemeClr>
+          </a:solidFill>
+          <a:ln>
+            <a:noFill/>
+          </a:ln>
+        </p:spPr>
+        <p:style>
+          <a:lnRef idx="2">
+            <a:schemeClr val="accent1">
+              <a:shade val="15000"/>
+            </a:schemeClr>
+          </a:lnRef>
+          <a:fillRef idx="1">
+            <a:schemeClr val="accent1"/>
+          </a:fillRef>
+          <a:effectRef idx="0">
+            <a:schemeClr val="accent1"/>
+          </a:effectRef>
+          <a:fontRef idx="minor">
+            <a:schemeClr val="lt1"/>
+          </a:fontRef>
+        </p:style>
+        <p:txBody>
+          <a:bodyPr rtlCol="0" anchor="ctr"/>
+          <a:lstStyle/>
+          <a:p>
+            <a:pPr algn="ctr"/>
+            <a:endParaRPr lang="en-US"/>
+          </a:p>
+        </p:txBody>
+      </p:sp>
+      <p:sp>
+        <p:nvSpPr>
+          <p:cNvPr id="74" name="Oval 73">
+            <a:extLst>
+              <a:ext uri="{FF2B5EF4-FFF2-40B4-BE49-F238E27FC236}">
+                <a16:creationId xmlns:a16="http://schemas.microsoft.com/office/drawing/2014/main" id="{ECBB9FA8-E304-8BD9-0402-75EF7F84FF59}"/>
+              </a:ext>
+            </a:extLst>
+          </p:cNvPr>
+          <p:cNvSpPr/>
+          <p:nvPr/>
+        </p:nvSpPr>
+        <p:spPr>
+          <a:xfrm>
+            <a:off x="2683047" y="3978121"/>
+            <a:ext cx="182880" cy="182880"/>
+          </a:xfrm>
+          <a:prstGeom prst="ellipse">
+            <a:avLst/>
+          </a:prstGeom>
+          <a:solidFill>
+            <a:schemeClr val="bg1">
+              <a:lumMod val="50000"/>
+            </a:schemeClr>
+          </a:solidFill>
+          <a:ln>
+            <a:noFill/>
+          </a:ln>
+        </p:spPr>
+        <p:style>
+          <a:lnRef idx="2">
+            <a:schemeClr val="accent1">
+              <a:shade val="15000"/>
+            </a:schemeClr>
+          </a:lnRef>
+          <a:fillRef idx="1">
+            <a:schemeClr val="accent1"/>
+          </a:fillRef>
+          <a:effectRef idx="0">
+            <a:schemeClr val="accent1"/>
+          </a:effectRef>
+          <a:fontRef idx="minor">
+            <a:schemeClr val="lt1"/>
+          </a:fontRef>
+        </p:style>
+        <p:txBody>
+          <a:bodyPr rtlCol="0" anchor="ctr"/>
+          <a:lstStyle/>
+          <a:p>
+            <a:pPr algn="ctr"/>
+            <a:endParaRPr lang="en-US"/>
+          </a:p>
+        </p:txBody>
+      </p:sp>
+      <p:sp>
+        <p:nvSpPr>
+          <p:cNvPr id="75" name="Oval 74">
+            <a:extLst>
+              <a:ext uri="{FF2B5EF4-FFF2-40B4-BE49-F238E27FC236}">
+                <a16:creationId xmlns:a16="http://schemas.microsoft.com/office/drawing/2014/main" id="{80B53D67-D7D7-1AD9-857F-54A926B5CD0C}"/>
+              </a:ext>
+            </a:extLst>
+          </p:cNvPr>
+          <p:cNvSpPr/>
+          <p:nvPr/>
+        </p:nvSpPr>
+        <p:spPr>
+          <a:xfrm>
+            <a:off x="4271189" y="3978121"/>
+            <a:ext cx="182880" cy="182880"/>
+          </a:xfrm>
+          <a:prstGeom prst="ellipse">
+            <a:avLst/>
+          </a:prstGeom>
+          <a:solidFill>
+            <a:schemeClr val="bg1">
+              <a:lumMod val="50000"/>
+            </a:schemeClr>
+          </a:solidFill>
+          <a:ln>
+            <a:noFill/>
+          </a:ln>
+        </p:spPr>
+        <p:style>
+          <a:lnRef idx="2">
+            <a:schemeClr val="accent1">
+              <a:shade val="15000"/>
+            </a:schemeClr>
+          </a:lnRef>
+          <a:fillRef idx="1">
+            <a:schemeClr val="accent1"/>
+          </a:fillRef>
+          <a:effectRef idx="0">
+            <a:schemeClr val="accent1"/>
+          </a:effectRef>
+          <a:fontRef idx="minor">
+            <a:schemeClr val="lt1"/>
+          </a:fontRef>
+        </p:style>
+        <p:txBody>
+          <a:bodyPr rtlCol="0" anchor="ctr"/>
+          <a:lstStyle/>
+          <a:p>
+            <a:pPr algn="ctr"/>
+            <a:endParaRPr lang="en-US"/>
+          </a:p>
+        </p:txBody>
+      </p:sp>
+      <p:sp>
+        <p:nvSpPr>
+          <p:cNvPr id="67" name="Rounded Rectangle 66">
+            <a:extLst>
+              <a:ext uri="{FF2B5EF4-FFF2-40B4-BE49-F238E27FC236}">
+                <a16:creationId xmlns:a16="http://schemas.microsoft.com/office/drawing/2014/main" id="{B0AF66AA-D161-8AF6-2E5B-2BFBA83CDC1D}"/>
+              </a:ext>
+            </a:extLst>
+          </p:cNvPr>
+          <p:cNvSpPr>
+            <a:spLocks noChangeAspect="1"/>
+          </p:cNvSpPr>
+          <p:nvPr/>
+        </p:nvSpPr>
+        <p:spPr>
+          <a:xfrm>
+            <a:off x="3424597" y="3943474"/>
+            <a:ext cx="301752" cy="246812"/>
+          </a:xfrm>
+          <a:prstGeom prst="roundRect">
+            <a:avLst>
+              <a:gd name="adj" fmla="val 47093"/>
+            </a:avLst>
+          </a:prstGeom>
+          <a:solidFill>
+            <a:srgbClr val="00B050"/>
+          </a:solidFill>
+          <a:ln>
+            <a:noFill/>
+          </a:ln>
+        </p:spPr>
+        <p:style>
+          <a:lnRef idx="2">
+            <a:schemeClr val="accent1">
+              <a:shade val="15000"/>
+            </a:schemeClr>
+          </a:lnRef>
+          <a:fillRef idx="1">
+            <a:schemeClr val="accent1"/>
+          </a:fillRef>
+          <a:effectRef idx="0">
+            <a:schemeClr val="accent1"/>
+          </a:effectRef>
+          <a:fontRef idx="minor">
+            <a:schemeClr val="lt1"/>
+          </a:fontRef>
+        </p:style>
+        <p:txBody>
+          <a:bodyPr rtlCol="0" anchor="ctr"/>
+          <a:lstStyle/>
+          <a:p>
+            <a:pPr algn="ctr"/>
+            <a:endParaRPr lang="en-US" dirty="0"/>
+          </a:p>
+        </p:txBody>
+      </p:sp>
+      <p:pic>
+        <p:nvPicPr>
+          <p:cNvPr id="76" name="Graphic 75" descr="Single gear with solid fill">
+            <a:extLst>
+              <a:ext uri="{FF2B5EF4-FFF2-40B4-BE49-F238E27FC236}">
+                <a16:creationId xmlns:a16="http://schemas.microsoft.com/office/drawing/2014/main" id="{E8389AC6-7511-A0CE-B0EA-DB554FF43D11}"/>
+              </a:ext>
+            </a:extLst>
+          </p:cNvPr>
+          <p:cNvPicPr>
+            <a:picLocks noChangeAspect="1"/>
+          </p:cNvPicPr>
+          <p:nvPr/>
+        </p:nvPicPr>
+        <p:blipFill>
+          <a:blip r:embed="rId2">
+            <a:extLst>
+              <a:ext uri="{96DAC541-7B7A-43D3-8B79-37D633B846F1}">
+                <asvg:svgBlip xmlns:asvg="http://schemas.microsoft.com/office/drawing/2016/SVG/main" r:embed="rId3"/>
+              </a:ext>
+            </a:extLst>
+          </a:blip>
+          <a:stretch>
+            <a:fillRect/>
+          </a:stretch>
+        </p:blipFill>
+        <p:spPr>
+          <a:xfrm>
+            <a:off x="7543909" y="1152721"/>
+            <a:ext cx="3837214" cy="3837214"/>
+          </a:xfrm>
+          <a:prstGeom prst="rect">
+            <a:avLst/>
+          </a:prstGeom>
+        </p:spPr>
+      </p:pic>
+    </p:spTree>
+    <p:extLst>
+      <p:ext uri="{BB962C8B-B14F-4D97-AF65-F5344CB8AC3E}">
+        <p14:creationId xmlns:p14="http://schemas.microsoft.com/office/powerpoint/2010/main" val="633653142"/>
+      </p:ext>
+    </p:extLst>
+  </p:cSld>
+  <p:clrMapOvr>
+    <a:masterClrMapping/>
+  </p:clrMapOvr>
+</p:sld>
+</file>
+
+<file path=ppt/slides/slide2.xml><?xml version="1.0" encoding="utf-8"?>
+<p:sld xmlns:a="http://schemas.openxmlformats.org/drawingml/2006/main" xmlns:r="http://schemas.openxmlformats.org/officeDocument/2006/relationships" xmlns:p="http://schemas.openxmlformats.org/presentationml/2006/main">
+  <p:cSld>
+    <p:bg>
+      <p:bgPr>
+        <a:solidFill>
+          <a:srgbClr val="161618"/>
+        </a:solidFill>
+        <a:effectLst/>
+      </p:bgPr>
+    </p:bg>
+    <p:spTree>
+      <p:nvGrpSpPr>
         <p:cNvPr id="1" name=""/>
         <p:cNvGrpSpPr/>
         <p:nvPr/>
@@ -4067,404 +5495,12 @@
           </a:prstGeom>
         </p:spPr>
       </p:pic>
-    </p:spTree>
-    <p:extLst>
-      <p:ext uri="{BB962C8B-B14F-4D97-AF65-F5344CB8AC3E}">
-        <p14:creationId xmlns:p14="http://schemas.microsoft.com/office/powerpoint/2010/main" val="2224272099"/>
-      </p:ext>
-    </p:extLst>
-  </p:cSld>
-  <p:clrMapOvr>
-    <a:masterClrMapping/>
-  </p:clrMapOvr>
-</p:sld>
-</file>
-
-<file path=ppt/slides/slide10.xml><?xml version="1.0" encoding="utf-8"?>
-<p:sld xmlns:a="http://schemas.openxmlformats.org/drawingml/2006/main" xmlns:r="http://schemas.openxmlformats.org/officeDocument/2006/relationships" xmlns:p="http://schemas.openxmlformats.org/presentationml/2006/main">
-  <p:cSld>
-    <p:bg>
-      <p:bgPr>
-        <a:solidFill>
-          <a:srgbClr val="161618"/>
-        </a:solidFill>
-        <a:effectLst/>
-      </p:bgPr>
-    </p:bg>
-    <p:spTree>
-      <p:nvGrpSpPr>
-        <p:cNvPr id="1" name="">
-          <a:extLst>
-            <a:ext uri="{FF2B5EF4-FFF2-40B4-BE49-F238E27FC236}">
-              <a16:creationId xmlns:a16="http://schemas.microsoft.com/office/drawing/2014/main" id="{F9B5B8D3-BA8B-E36F-262B-F67DB7014BE5}"/>
-            </a:ext>
-          </a:extLst>
-        </p:cNvPr>
-        <p:cNvGrpSpPr/>
-        <p:nvPr/>
-      </p:nvGrpSpPr>
-      <p:grpSpPr>
-        <a:xfrm>
-          <a:off x="0" y="0"/>
-          <a:ext cx="0" cy="0"/>
-          <a:chOff x="0" y="0"/>
-          <a:chExt cx="0" cy="0"/>
-        </a:xfrm>
-      </p:grpSpPr>
-      <p:pic>
-        <p:nvPicPr>
-          <p:cNvPr id="6" name="Picture 5">
-            <a:extLst>
-              <a:ext uri="{FF2B5EF4-FFF2-40B4-BE49-F238E27FC236}">
-                <a16:creationId xmlns:a16="http://schemas.microsoft.com/office/drawing/2014/main" id="{31DA4B54-0664-2995-AB02-96B9F9459772}"/>
-              </a:ext>
-            </a:extLst>
-          </p:cNvPr>
-          <p:cNvPicPr>
-            <a:picLocks noChangeAspect="1"/>
-          </p:cNvPicPr>
-          <p:nvPr/>
-        </p:nvPicPr>
-        <p:blipFill>
-          <a:blip r:embed="rId2"/>
-          <a:stretch>
-            <a:fillRect/>
-          </a:stretch>
-        </p:blipFill>
-        <p:spPr>
-          <a:xfrm>
-            <a:off x="439964" y="794657"/>
-            <a:ext cx="4889500" cy="4876800"/>
-          </a:xfrm>
-          <a:prstGeom prst="rect">
-            <a:avLst/>
-          </a:prstGeom>
-        </p:spPr>
-      </p:pic>
-      <p:pic>
-        <p:nvPicPr>
-          <p:cNvPr id="8" name="Picture 7">
-            <a:extLst>
-              <a:ext uri="{FF2B5EF4-FFF2-40B4-BE49-F238E27FC236}">
-                <a16:creationId xmlns:a16="http://schemas.microsoft.com/office/drawing/2014/main" id="{A0075EDA-708D-03A4-72E6-5B3CE5EC50F4}"/>
-              </a:ext>
-            </a:extLst>
-          </p:cNvPr>
-          <p:cNvPicPr>
-            <a:picLocks noChangeAspect="1"/>
-          </p:cNvPicPr>
-          <p:nvPr/>
-        </p:nvPicPr>
-        <p:blipFill>
-          <a:blip r:embed="rId3"/>
-          <a:stretch>
-            <a:fillRect/>
-          </a:stretch>
-        </p:blipFill>
-        <p:spPr>
-          <a:xfrm>
-            <a:off x="5855607" y="794657"/>
-            <a:ext cx="5727700" cy="5143500"/>
-          </a:xfrm>
-          <a:prstGeom prst="rect">
-            <a:avLst/>
-          </a:prstGeom>
-        </p:spPr>
-      </p:pic>
-    </p:spTree>
-    <p:extLst>
-      <p:ext uri="{BB962C8B-B14F-4D97-AF65-F5344CB8AC3E}">
-        <p14:creationId xmlns:p14="http://schemas.microsoft.com/office/powerpoint/2010/main" val="1049147375"/>
-      </p:ext>
-    </p:extLst>
-  </p:cSld>
-  <p:clrMapOvr>
-    <a:masterClrMapping/>
-  </p:clrMapOvr>
-</p:sld>
-</file>
-
-<file path=ppt/slides/slide2.xml><?xml version="1.0" encoding="utf-8"?>
-<p:sld xmlns:a="http://schemas.openxmlformats.org/drawingml/2006/main" xmlns:r="http://schemas.openxmlformats.org/officeDocument/2006/relationships" xmlns:p="http://schemas.openxmlformats.org/presentationml/2006/main">
-  <p:cSld>
-    <p:bg>
-      <p:bgPr>
-        <a:solidFill>
-          <a:srgbClr val="161618"/>
-        </a:solidFill>
-        <a:effectLst/>
-      </p:bgPr>
-    </p:bg>
-    <p:spTree>
-      <p:nvGrpSpPr>
-        <p:cNvPr id="1" name="">
-          <a:extLst>
-            <a:ext uri="{FF2B5EF4-FFF2-40B4-BE49-F238E27FC236}">
-              <a16:creationId xmlns:a16="http://schemas.microsoft.com/office/drawing/2014/main" id="{8E17C3B0-14D5-B449-CC10-121AA88D3563}"/>
-            </a:ext>
-          </a:extLst>
-        </p:cNvPr>
-        <p:cNvGrpSpPr/>
-        <p:nvPr/>
-      </p:nvGrpSpPr>
-      <p:grpSpPr>
-        <a:xfrm>
-          <a:off x="0" y="0"/>
-          <a:ext cx="0" cy="0"/>
-          <a:chOff x="0" y="0"/>
-          <a:chExt cx="0" cy="0"/>
-        </a:xfrm>
-      </p:grpSpPr>
-      <p:sp>
-        <p:nvSpPr>
-          <p:cNvPr id="4" name="Rectangle 3">
-            <a:extLst>
-              <a:ext uri="{FF2B5EF4-FFF2-40B4-BE49-F238E27FC236}">
-                <a16:creationId xmlns:a16="http://schemas.microsoft.com/office/drawing/2014/main" id="{97D0626A-A3B3-EC07-723F-CD92FAD6F7EE}"/>
-              </a:ext>
-            </a:extLst>
-          </p:cNvPr>
-          <p:cNvSpPr/>
-          <p:nvPr/>
-        </p:nvSpPr>
-        <p:spPr>
-          <a:xfrm>
-            <a:off x="-1" y="1"/>
-            <a:ext cx="12192001" cy="609600"/>
-          </a:xfrm>
-          <a:prstGeom prst="rect">
-            <a:avLst/>
-          </a:prstGeom>
-          <a:solidFill>
-            <a:schemeClr val="tx1">
-              <a:lumMod val="75000"/>
-              <a:lumOff val="25000"/>
-            </a:schemeClr>
-          </a:solidFill>
-          <a:ln w="6350">
-            <a:noFill/>
-          </a:ln>
-        </p:spPr>
-        <p:style>
-          <a:lnRef idx="2">
-            <a:schemeClr val="accent1">
-              <a:shade val="15000"/>
-            </a:schemeClr>
-          </a:lnRef>
-          <a:fillRef idx="1">
-            <a:schemeClr val="accent1"/>
-          </a:fillRef>
-          <a:effectRef idx="0">
-            <a:schemeClr val="accent1"/>
-          </a:effectRef>
-          <a:fontRef idx="minor">
-            <a:schemeClr val="lt1"/>
-          </a:fontRef>
-        </p:style>
-        <p:txBody>
-          <a:bodyPr rtlCol="0" anchor="ctr"/>
-          <a:lstStyle/>
-          <a:p>
-            <a:pPr algn="ctr"/>
-            <a:endParaRPr lang="en-US" dirty="0"/>
-          </a:p>
-        </p:txBody>
-      </p:sp>
-      <p:sp>
-        <p:nvSpPr>
-          <p:cNvPr id="6" name="Rounded Rectangle 5">
-            <a:extLst>
-              <a:ext uri="{FF2B5EF4-FFF2-40B4-BE49-F238E27FC236}">
-                <a16:creationId xmlns:a16="http://schemas.microsoft.com/office/drawing/2014/main" id="{476058F1-6802-1A0D-ABA9-3DCC85631F0C}"/>
-              </a:ext>
-            </a:extLst>
-          </p:cNvPr>
-          <p:cNvSpPr/>
-          <p:nvPr/>
-        </p:nvSpPr>
-        <p:spPr>
-          <a:xfrm>
-            <a:off x="4038603" y="60070"/>
-            <a:ext cx="4114801" cy="489467"/>
-          </a:xfrm>
-          <a:prstGeom prst="roundRect">
-            <a:avLst>
-              <a:gd name="adj" fmla="val 50000"/>
-            </a:avLst>
-          </a:prstGeom>
-          <a:solidFill>
-            <a:srgbClr val="161618"/>
-          </a:solidFill>
-          <a:ln>
-            <a:noFill/>
-          </a:ln>
-        </p:spPr>
-        <p:style>
-          <a:lnRef idx="2">
-            <a:schemeClr val="accent1">
-              <a:shade val="15000"/>
-            </a:schemeClr>
-          </a:lnRef>
-          <a:fillRef idx="1">
-            <a:schemeClr val="accent1"/>
-          </a:fillRef>
-          <a:effectRef idx="0">
-            <a:schemeClr val="accent1"/>
-          </a:effectRef>
-          <a:fontRef idx="minor">
-            <a:schemeClr val="lt1"/>
-          </a:fontRef>
-        </p:style>
-        <p:txBody>
-          <a:bodyPr rtlCol="0" anchor="ctr"/>
-          <a:lstStyle/>
-          <a:p>
-            <a:pPr algn="ctr"/>
-            <a:r>
-              <a:rPr lang="en-US" dirty="0">
-                <a:solidFill>
-                  <a:schemeClr val="tx1">
-                    <a:lumMod val="75000"/>
-                    <a:lumOff val="25000"/>
-                  </a:schemeClr>
-                </a:solidFill>
-                <a:latin typeface="ui-sans-serif"/>
-              </a:rPr>
-              <a:t>Select a Surah to begin reading</a:t>
-            </a:r>
-            <a:endParaRPr lang="en-US" dirty="0">
-              <a:solidFill>
-                <a:schemeClr val="tx1">
-                  <a:lumMod val="75000"/>
-                  <a:lumOff val="25000"/>
-                </a:schemeClr>
-              </a:solidFill>
-            </a:endParaRPr>
-          </a:p>
-        </p:txBody>
-      </p:sp>
-      <p:sp>
-        <p:nvSpPr>
-          <p:cNvPr id="17" name="TextBox 16">
-            <a:extLst>
-              <a:ext uri="{FF2B5EF4-FFF2-40B4-BE49-F238E27FC236}">
-                <a16:creationId xmlns:a16="http://schemas.microsoft.com/office/drawing/2014/main" id="{DF47D0A3-0581-1419-F5C9-3ED1A706CCAB}"/>
-              </a:ext>
-            </a:extLst>
-          </p:cNvPr>
-          <p:cNvSpPr txBox="1"/>
-          <p:nvPr/>
-        </p:nvSpPr>
-        <p:spPr>
-          <a:xfrm>
-            <a:off x="552269" y="115668"/>
-            <a:ext cx="1439818" cy="369332"/>
-          </a:xfrm>
-          <a:prstGeom prst="rect">
-            <a:avLst/>
-          </a:prstGeom>
-          <a:noFill/>
-        </p:spPr>
-        <p:txBody>
-          <a:bodyPr wrap="none" rtlCol="0">
-            <a:spAutoFit/>
-          </a:bodyPr>
-          <a:lstStyle/>
-          <a:p>
-            <a:r>
-              <a:rPr lang="en-US" b="1" dirty="0">
-                <a:solidFill>
-                  <a:schemeClr val="bg1">
-                    <a:lumMod val="75000"/>
-                  </a:schemeClr>
-                </a:solidFill>
-                <a:latin typeface="JetBrains Mono" panose="02000009000000000000" pitchFamily="49" charset="0"/>
-                <a:ea typeface="JetBrains Mono" panose="02000009000000000000" pitchFamily="49" charset="0"/>
-                <a:cs typeface="JetBrains Mono" panose="02000009000000000000" pitchFamily="49" charset="0"/>
-              </a:rPr>
-              <a:t>Al-Qur’an</a:t>
-            </a:r>
-          </a:p>
-        </p:txBody>
-      </p:sp>
-      <p:pic>
-        <p:nvPicPr>
-          <p:cNvPr id="2" name="Graphic 1" descr="Single gear with solid fill">
-            <a:extLst>
-              <a:ext uri="{FF2B5EF4-FFF2-40B4-BE49-F238E27FC236}">
-                <a16:creationId xmlns:a16="http://schemas.microsoft.com/office/drawing/2014/main" id="{937F7179-CE0B-272B-4E8F-350E8FE7F2D5}"/>
-              </a:ext>
-            </a:extLst>
-          </p:cNvPr>
-          <p:cNvPicPr>
-            <a:picLocks noChangeAspect="1"/>
-          </p:cNvPicPr>
-          <p:nvPr/>
-        </p:nvPicPr>
-        <p:blipFill>
-          <a:blip r:embed="rId2">
-            <a:extLst>
-              <a:ext uri="{96DAC541-7B7A-43D3-8B79-37D633B846F1}">
-                <asvg:svgBlip xmlns:asvg="http://schemas.microsoft.com/office/drawing/2016/SVG/main" r:embed="rId3"/>
-              </a:ext>
-            </a:extLst>
-          </a:blip>
-          <a:stretch>
-            <a:fillRect/>
-          </a:stretch>
-        </p:blipFill>
-        <p:spPr>
-          <a:xfrm>
-            <a:off x="11636828" y="54037"/>
-            <a:ext cx="457200" cy="457200"/>
-          </a:xfrm>
-          <a:prstGeom prst="rect">
-            <a:avLst/>
-          </a:prstGeom>
-        </p:spPr>
-      </p:pic>
-      <p:pic>
-        <p:nvPicPr>
-          <p:cNvPr id="3" name="Graphic 2">
-            <a:extLst>
-              <a:ext uri="{FF2B5EF4-FFF2-40B4-BE49-F238E27FC236}">
-                <a16:creationId xmlns:a16="http://schemas.microsoft.com/office/drawing/2014/main" id="{3DB75E55-1A7F-08C1-4DA1-E5E3C7F35AD3}"/>
-              </a:ext>
-            </a:extLst>
-          </p:cNvPr>
-          <p:cNvPicPr>
-            <a:picLocks noChangeAspect="1"/>
-          </p:cNvPicPr>
-          <p:nvPr/>
-        </p:nvPicPr>
-        <p:blipFill>
-          <a:blip r:embed="rId4">
-            <a:extLst>
-              <a:ext uri="{96DAC541-7B7A-43D3-8B79-37D633B846F1}">
-                <asvg:svgBlip xmlns:asvg="http://schemas.microsoft.com/office/drawing/2016/SVG/main" r:embed="rId5"/>
-              </a:ext>
-            </a:extLst>
-          </a:blip>
-          <a:stretch>
-            <a:fillRect/>
-          </a:stretch>
-        </p:blipFill>
-        <p:spPr>
-          <a:xfrm>
-            <a:off x="97972" y="73720"/>
-            <a:ext cx="454297" cy="454297"/>
-          </a:xfrm>
-          <a:prstGeom prst="rect">
-            <a:avLst/>
-          </a:prstGeom>
-        </p:spPr>
-      </p:pic>
-      <p:sp>
-        <p:nvSpPr>
-          <p:cNvPr id="5" name="TextBox 4">
-            <a:extLst>
-              <a:ext uri="{FF2B5EF4-FFF2-40B4-BE49-F238E27FC236}">
-                <a16:creationId xmlns:a16="http://schemas.microsoft.com/office/drawing/2014/main" id="{0C96468A-D392-1D27-C2E2-6345AD876F6C}"/>
+      <p:sp>
+        <p:nvSpPr>
+          <p:cNvPr id="2" name="TextBox 1">
+            <a:extLst>
+              <a:ext uri="{FF2B5EF4-FFF2-40B4-BE49-F238E27FC236}">
+                <a16:creationId xmlns:a16="http://schemas.microsoft.com/office/drawing/2014/main" id="{0F30970C-73D5-D246-F5F6-083C204B55F2}"/>
               </a:ext>
             </a:extLst>
           </p:cNvPr>
@@ -4521,7 +5557,7 @@
     </p:spTree>
     <p:extLst>
       <p:ext uri="{BB962C8B-B14F-4D97-AF65-F5344CB8AC3E}">
-        <p14:creationId xmlns:p14="http://schemas.microsoft.com/office/powerpoint/2010/main" val="3982626942"/>
+        <p14:creationId xmlns:p14="http://schemas.microsoft.com/office/powerpoint/2010/main" val="2224272099"/>
       </p:ext>
     </p:extLst>
   </p:cSld>
@@ -6999,8 +8035,8 @@
         </p:nvSpPr>
         <p:spPr>
           <a:xfrm>
-            <a:off x="1042468" y="126328"/>
-            <a:ext cx="4712873" cy="4226401"/>
+            <a:off x="170598" y="105019"/>
+            <a:ext cx="4712873" cy="3302672"/>
           </a:xfrm>
           <a:prstGeom prst="roundRect">
             <a:avLst>
@@ -7172,7 +8208,7 @@
         </p:nvSpPr>
         <p:spPr>
           <a:xfrm>
-            <a:off x="1108808" y="714490"/>
+            <a:off x="236938" y="693180"/>
             <a:ext cx="4572000" cy="738686"/>
           </a:xfrm>
           <a:prstGeom prst="roundRect">
@@ -7242,7 +8278,7 @@
         </p:nvSpPr>
         <p:spPr>
           <a:xfrm>
-            <a:off x="1376978" y="946673"/>
+            <a:off x="505108" y="925363"/>
             <a:ext cx="274320" cy="274320"/>
           </a:xfrm>
           <a:prstGeom prst="ellipse">
@@ -7299,7 +8335,7 @@
         </p:nvSpPr>
         <p:spPr>
           <a:xfrm>
-            <a:off x="1651298" y="786535"/>
+            <a:off x="779428" y="765225"/>
             <a:ext cx="1124174" cy="369332"/>
           </a:xfrm>
           <a:prstGeom prst="rect">
@@ -7341,7 +8377,7 @@
         </p:nvSpPr>
         <p:spPr>
           <a:xfrm>
-            <a:off x="1651298" y="1057843"/>
+            <a:off x="779428" y="1036533"/>
             <a:ext cx="704626" cy="369332"/>
           </a:xfrm>
           <a:prstGeom prst="rect">
@@ -7383,7 +8419,7 @@
         </p:nvSpPr>
         <p:spPr>
           <a:xfrm>
-            <a:off x="4593515" y="963456"/>
+            <a:off x="3721645" y="942146"/>
             <a:ext cx="914400" cy="274320"/>
           </a:xfrm>
           <a:prstGeom prst="roundRect">
@@ -7459,7 +8495,7 @@
         </p:nvSpPr>
         <p:spPr>
           <a:xfrm>
-            <a:off x="1376978" y="1756823"/>
+            <a:off x="505108" y="1735513"/>
             <a:ext cx="274320" cy="274320"/>
           </a:xfrm>
           <a:prstGeom prst="ellipse">
@@ -7516,7 +8552,7 @@
         </p:nvSpPr>
         <p:spPr>
           <a:xfrm>
-            <a:off x="1651298" y="1596685"/>
+            <a:off x="779428" y="1575375"/>
             <a:ext cx="1124174" cy="369332"/>
           </a:xfrm>
           <a:prstGeom prst="rect">
@@ -7558,7 +8594,7 @@
         </p:nvSpPr>
         <p:spPr>
           <a:xfrm>
-            <a:off x="1651298" y="1867993"/>
+            <a:off x="779428" y="1846683"/>
             <a:ext cx="704626" cy="369332"/>
           </a:xfrm>
           <a:prstGeom prst="rect">
@@ -7600,7 +8636,7 @@
         </p:nvSpPr>
         <p:spPr>
           <a:xfrm>
-            <a:off x="4593515" y="1773606"/>
+            <a:off x="3721645" y="1752296"/>
             <a:ext cx="914400" cy="274320"/>
           </a:xfrm>
           <a:prstGeom prst="roundRect">
@@ -7676,7 +8712,7 @@
         </p:nvSpPr>
         <p:spPr>
           <a:xfrm>
-            <a:off x="1376978" y="2567554"/>
+            <a:off x="505108" y="2546244"/>
             <a:ext cx="274320" cy="274320"/>
           </a:xfrm>
           <a:prstGeom prst="ellipse">
@@ -7733,7 +8769,7 @@
         </p:nvSpPr>
         <p:spPr>
           <a:xfrm>
-            <a:off x="1651298" y="2407416"/>
+            <a:off x="779428" y="2386106"/>
             <a:ext cx="1124174" cy="369332"/>
           </a:xfrm>
           <a:prstGeom prst="rect">
@@ -7775,7 +8811,7 @@
         </p:nvSpPr>
         <p:spPr>
           <a:xfrm>
-            <a:off x="1651298" y="2678724"/>
+            <a:off x="779428" y="2657414"/>
             <a:ext cx="704626" cy="369332"/>
           </a:xfrm>
           <a:prstGeom prst="rect">
@@ -7817,7 +8853,7 @@
         </p:nvSpPr>
         <p:spPr>
           <a:xfrm>
-            <a:off x="4593515" y="2584337"/>
+            <a:off x="3721645" y="2563027"/>
             <a:ext cx="914400" cy="274320"/>
           </a:xfrm>
           <a:prstGeom prst="roundRect">
@@ -7893,8 +8929,8 @@
         </p:nvSpPr>
         <p:spPr>
           <a:xfrm>
-            <a:off x="6810360" y="907236"/>
-            <a:ext cx="4712873" cy="4226401"/>
+            <a:off x="5087523" y="102815"/>
+            <a:ext cx="4712873" cy="3304876"/>
           </a:xfrm>
           <a:prstGeom prst="roundRect">
             <a:avLst>
@@ -7967,7 +9003,7 @@
         </p:nvSpPr>
         <p:spPr>
           <a:xfrm>
-            <a:off x="6876700" y="1495398"/>
+            <a:off x="5153863" y="690976"/>
             <a:ext cx="4572000" cy="738686"/>
           </a:xfrm>
           <a:prstGeom prst="roundRect">
@@ -8037,7 +9073,7 @@
         </p:nvSpPr>
         <p:spPr>
           <a:xfrm>
-            <a:off x="7144870" y="1727581"/>
+            <a:off x="5422033" y="923159"/>
             <a:ext cx="274320" cy="274320"/>
           </a:xfrm>
           <a:prstGeom prst="ellipse">
@@ -8094,7 +9130,7 @@
         </p:nvSpPr>
         <p:spPr>
           <a:xfrm>
-            <a:off x="7419190" y="1567443"/>
+            <a:off x="5696353" y="763021"/>
             <a:ext cx="1124174" cy="369332"/>
           </a:xfrm>
           <a:prstGeom prst="rect">
@@ -8133,7 +9169,7 @@
         </p:nvSpPr>
         <p:spPr>
           <a:xfrm>
-            <a:off x="7419190" y="1838751"/>
+            <a:off x="5696353" y="1034329"/>
             <a:ext cx="704626" cy="369332"/>
           </a:xfrm>
           <a:prstGeom prst="rect">
@@ -8177,7 +9213,7 @@
         </p:nvSpPr>
         <p:spPr>
           <a:xfrm>
-            <a:off x="10361407" y="1744364"/>
+            <a:off x="8638570" y="939942"/>
             <a:ext cx="914400" cy="274320"/>
           </a:xfrm>
           <a:prstGeom prst="roundRect">
@@ -8253,7 +9289,7 @@
         </p:nvSpPr>
         <p:spPr>
           <a:xfrm>
-            <a:off x="7144870" y="2537731"/>
+            <a:off x="5422033" y="1733309"/>
             <a:ext cx="274320" cy="274320"/>
           </a:xfrm>
           <a:prstGeom prst="ellipse">
@@ -8310,7 +9346,7 @@
         </p:nvSpPr>
         <p:spPr>
           <a:xfrm>
-            <a:off x="7419190" y="2377593"/>
+            <a:off x="5696353" y="1573171"/>
             <a:ext cx="1124174" cy="369332"/>
           </a:xfrm>
           <a:prstGeom prst="rect">
@@ -8352,7 +9388,7 @@
         </p:nvSpPr>
         <p:spPr>
           <a:xfrm>
-            <a:off x="7419190" y="2648901"/>
+            <a:off x="5696353" y="1844479"/>
             <a:ext cx="704626" cy="369332"/>
           </a:xfrm>
           <a:prstGeom prst="rect">
@@ -8394,7 +9430,7 @@
         </p:nvSpPr>
         <p:spPr>
           <a:xfrm>
-            <a:off x="10361407" y="2554514"/>
+            <a:off x="8638570" y="1750092"/>
             <a:ext cx="914400" cy="274320"/>
           </a:xfrm>
           <a:prstGeom prst="roundRect">
@@ -8470,7 +9506,7 @@
         </p:nvSpPr>
         <p:spPr>
           <a:xfrm>
-            <a:off x="7144870" y="3348462"/>
+            <a:off x="5422033" y="2544040"/>
             <a:ext cx="274320" cy="274320"/>
           </a:xfrm>
           <a:prstGeom prst="ellipse">
@@ -8527,7 +9563,7 @@
         </p:nvSpPr>
         <p:spPr>
           <a:xfrm>
-            <a:off x="7419190" y="3188324"/>
+            <a:off x="5696353" y="2383902"/>
             <a:ext cx="1124174" cy="369332"/>
           </a:xfrm>
           <a:prstGeom prst="rect">
@@ -8569,7 +9605,7 @@
         </p:nvSpPr>
         <p:spPr>
           <a:xfrm>
-            <a:off x="7419190" y="3459632"/>
+            <a:off x="5696353" y="2655210"/>
             <a:ext cx="704626" cy="369332"/>
           </a:xfrm>
           <a:prstGeom prst="rect">
@@ -8611,7 +9647,7 @@
         </p:nvSpPr>
         <p:spPr>
           <a:xfrm>
-            <a:off x="10361407" y="3365245"/>
+            <a:off x="8638570" y="2560823"/>
             <a:ext cx="914400" cy="274320"/>
           </a:xfrm>
           <a:prstGeom prst="roundRect">
@@ -8687,7 +9723,7 @@
         </p:nvSpPr>
         <p:spPr>
           <a:xfrm>
-            <a:off x="2841812" y="873177"/>
+            <a:off x="1969942" y="851867"/>
             <a:ext cx="1544629" cy="369332"/>
           </a:xfrm>
           <a:prstGeom prst="rect">
@@ -8729,7 +9765,7 @@
         </p:nvSpPr>
         <p:spPr>
           <a:xfrm>
-            <a:off x="2862038" y="1751258"/>
+            <a:off x="1990168" y="1729948"/>
             <a:ext cx="1544629" cy="369332"/>
           </a:xfrm>
           <a:prstGeom prst="rect">
@@ -8771,7 +9807,7 @@
         </p:nvSpPr>
         <p:spPr>
           <a:xfrm>
-            <a:off x="2844834" y="2515077"/>
+            <a:off x="1972964" y="2493767"/>
             <a:ext cx="1544629" cy="369332"/>
           </a:xfrm>
           <a:prstGeom prst="rect">
@@ -8813,7 +9849,7 @@
         </p:nvSpPr>
         <p:spPr>
           <a:xfrm>
-            <a:off x="8817684" y="1709317"/>
+            <a:off x="7094847" y="904895"/>
             <a:ext cx="1370829" cy="369332"/>
           </a:xfrm>
           <a:prstGeom prst="rect">
@@ -8834,6 +9870,1049 @@
                 </a:solidFill>
               </a:rPr>
               <a:t>The Opener</a:t>
+            </a:r>
+          </a:p>
+        </p:txBody>
+      </p:sp>
+      <p:sp>
+        <p:nvSpPr>
+          <p:cNvPr id="8" name="Rounded Rectangle 7">
+            <a:extLst>
+              <a:ext uri="{FF2B5EF4-FFF2-40B4-BE49-F238E27FC236}">
+                <a16:creationId xmlns:a16="http://schemas.microsoft.com/office/drawing/2014/main" id="{F5881DED-A719-5B33-488A-E6B42831E329}"/>
+              </a:ext>
+            </a:extLst>
+          </p:cNvPr>
+          <p:cNvSpPr/>
+          <p:nvPr/>
+        </p:nvSpPr>
+        <p:spPr>
+          <a:xfrm>
+            <a:off x="6685951" y="3501046"/>
+            <a:ext cx="4712873" cy="3304876"/>
+          </a:xfrm>
+          <a:prstGeom prst="roundRect">
+            <a:avLst>
+              <a:gd name="adj" fmla="val 7007"/>
+            </a:avLst>
+          </a:prstGeom>
+          <a:solidFill>
+            <a:srgbClr val="161618"/>
+          </a:solidFill>
+          <a:ln>
+            <a:solidFill>
+              <a:schemeClr val="bg1">
+                <a:lumMod val="50000"/>
+              </a:schemeClr>
+            </a:solidFill>
+          </a:ln>
+          <a:effectLst>
+            <a:outerShdw blurRad="50800" dist="38100" dir="5400000" algn="t" rotWithShape="0">
+              <a:prstClr val="black">
+                <a:alpha val="40000"/>
+              </a:prstClr>
+            </a:outerShdw>
+          </a:effectLst>
+        </p:spPr>
+        <p:style>
+          <a:lnRef idx="2">
+            <a:schemeClr val="accent1">
+              <a:shade val="15000"/>
+            </a:schemeClr>
+          </a:lnRef>
+          <a:fillRef idx="1">
+            <a:schemeClr val="accent1"/>
+          </a:fillRef>
+          <a:effectRef idx="0">
+            <a:schemeClr val="accent1"/>
+          </a:effectRef>
+          <a:fontRef idx="minor">
+            <a:schemeClr val="lt1"/>
+          </a:fontRef>
+        </p:style>
+        <p:txBody>
+          <a:bodyPr rtlCol="0" anchor="t"/>
+          <a:lstStyle/>
+          <a:p>
+            <a:br>
+              <a:rPr lang="en-US" dirty="0"/>
+            </a:br>
+            <a:endParaRPr lang="en-US" dirty="0">
+              <a:solidFill>
+                <a:schemeClr val="tx1">
+                  <a:lumMod val="75000"/>
+                  <a:lumOff val="25000"/>
+                </a:schemeClr>
+              </a:solidFill>
+            </a:endParaRPr>
+          </a:p>
+        </p:txBody>
+      </p:sp>
+      <p:sp>
+        <p:nvSpPr>
+          <p:cNvPr id="9" name="Rounded Rectangle 8">
+            <a:extLst>
+              <a:ext uri="{FF2B5EF4-FFF2-40B4-BE49-F238E27FC236}">
+                <a16:creationId xmlns:a16="http://schemas.microsoft.com/office/drawing/2014/main" id="{19D7567B-FD1A-0E46-7F2B-7932128A33CF}"/>
+              </a:ext>
+            </a:extLst>
+          </p:cNvPr>
+          <p:cNvSpPr/>
+          <p:nvPr/>
+        </p:nvSpPr>
+        <p:spPr>
+          <a:xfrm>
+            <a:off x="6752291" y="4089207"/>
+            <a:ext cx="4572000" cy="738686"/>
+          </a:xfrm>
+          <a:prstGeom prst="roundRect">
+            <a:avLst>
+              <a:gd name="adj" fmla="val 25939"/>
+            </a:avLst>
+          </a:prstGeom>
+          <a:solidFill>
+            <a:srgbClr val="1D2C12"/>
+          </a:solidFill>
+          <a:ln>
+            <a:noFill/>
+          </a:ln>
+          <a:effectLst>
+            <a:outerShdw blurRad="50800" dist="38100" dir="5400000" algn="t" rotWithShape="0">
+              <a:prstClr val="black">
+                <a:alpha val="40000"/>
+              </a:prstClr>
+            </a:outerShdw>
+          </a:effectLst>
+        </p:spPr>
+        <p:style>
+          <a:lnRef idx="2">
+            <a:schemeClr val="accent1">
+              <a:shade val="15000"/>
+            </a:schemeClr>
+          </a:lnRef>
+          <a:fillRef idx="1">
+            <a:schemeClr val="accent1"/>
+          </a:fillRef>
+          <a:effectRef idx="0">
+            <a:schemeClr val="accent1"/>
+          </a:effectRef>
+          <a:fontRef idx="minor">
+            <a:schemeClr val="lt1"/>
+          </a:fontRef>
+        </p:style>
+        <p:txBody>
+          <a:bodyPr rtlCol="0" anchor="t"/>
+          <a:lstStyle/>
+          <a:p>
+            <a:br>
+              <a:rPr lang="en-US" dirty="0"/>
+            </a:br>
+            <a:endParaRPr lang="en-US" dirty="0">
+              <a:solidFill>
+                <a:schemeClr val="tx1">
+                  <a:lumMod val="75000"/>
+                  <a:lumOff val="25000"/>
+                </a:schemeClr>
+              </a:solidFill>
+            </a:endParaRPr>
+          </a:p>
+        </p:txBody>
+      </p:sp>
+      <p:sp>
+        <p:nvSpPr>
+          <p:cNvPr id="10" name="Oval 9">
+            <a:extLst>
+              <a:ext uri="{FF2B5EF4-FFF2-40B4-BE49-F238E27FC236}">
+                <a16:creationId xmlns:a16="http://schemas.microsoft.com/office/drawing/2014/main" id="{89BB4C98-7ED5-B128-930A-22C1D5CFEDA4}"/>
+              </a:ext>
+            </a:extLst>
+          </p:cNvPr>
+          <p:cNvSpPr/>
+          <p:nvPr/>
+        </p:nvSpPr>
+        <p:spPr>
+          <a:xfrm>
+            <a:off x="7020461" y="4321390"/>
+            <a:ext cx="274320" cy="274320"/>
+          </a:xfrm>
+          <a:prstGeom prst="ellipse">
+            <a:avLst/>
+          </a:prstGeom>
+          <a:solidFill>
+            <a:schemeClr val="accent6">
+              <a:lumMod val="75000"/>
+            </a:schemeClr>
+          </a:solidFill>
+          <a:ln>
+            <a:noFill/>
+          </a:ln>
+        </p:spPr>
+        <p:style>
+          <a:lnRef idx="2">
+            <a:schemeClr val="accent1">
+              <a:shade val="15000"/>
+            </a:schemeClr>
+          </a:lnRef>
+          <a:fillRef idx="1">
+            <a:schemeClr val="accent1"/>
+          </a:fillRef>
+          <a:effectRef idx="0">
+            <a:schemeClr val="accent1"/>
+          </a:effectRef>
+          <a:fontRef idx="minor">
+            <a:schemeClr val="lt1"/>
+          </a:fontRef>
+        </p:style>
+        <p:txBody>
+          <a:bodyPr rtlCol="0" anchor="ctr"/>
+          <a:lstStyle/>
+          <a:p>
+            <a:pPr algn="ctr"/>
+            <a:r>
+              <a:rPr lang="en-US" dirty="0"/>
+              <a:t>1</a:t>
+            </a:r>
+          </a:p>
+        </p:txBody>
+      </p:sp>
+      <p:sp>
+        <p:nvSpPr>
+          <p:cNvPr id="12" name="TextBox 11">
+            <a:extLst>
+              <a:ext uri="{FF2B5EF4-FFF2-40B4-BE49-F238E27FC236}">
+                <a16:creationId xmlns:a16="http://schemas.microsoft.com/office/drawing/2014/main" id="{512A72E1-1428-598B-19F5-CA3A9F314567}"/>
+              </a:ext>
+            </a:extLst>
+          </p:cNvPr>
+          <p:cNvSpPr txBox="1"/>
+          <p:nvPr/>
+        </p:nvSpPr>
+        <p:spPr>
+          <a:xfrm>
+            <a:off x="7294781" y="4161252"/>
+            <a:ext cx="1124174" cy="369332"/>
+          </a:xfrm>
+          <a:prstGeom prst="rect">
+            <a:avLst/>
+          </a:prstGeom>
+          <a:noFill/>
+        </p:spPr>
+        <p:txBody>
+          <a:bodyPr wrap="square">
+            <a:spAutoFit/>
+          </a:bodyPr>
+          <a:lstStyle/>
+          <a:p>
+            <a:r>
+              <a:rPr lang="en-US" dirty="0">
+                <a:solidFill>
+                  <a:srgbClr val="00B050"/>
+                </a:solidFill>
+              </a:rPr>
+              <a:t>Al-Fatihah</a:t>
+            </a:r>
+          </a:p>
+        </p:txBody>
+      </p:sp>
+      <p:sp>
+        <p:nvSpPr>
+          <p:cNvPr id="13" name="TextBox 12">
+            <a:extLst>
+              <a:ext uri="{FF2B5EF4-FFF2-40B4-BE49-F238E27FC236}">
+                <a16:creationId xmlns:a16="http://schemas.microsoft.com/office/drawing/2014/main" id="{9D394D35-7B00-DC2B-47EB-F6217E78FF4A}"/>
+              </a:ext>
+            </a:extLst>
+          </p:cNvPr>
+          <p:cNvSpPr txBox="1"/>
+          <p:nvPr/>
+        </p:nvSpPr>
+        <p:spPr>
+          <a:xfrm>
+            <a:off x="7294781" y="4432560"/>
+            <a:ext cx="704626" cy="369332"/>
+          </a:xfrm>
+          <a:prstGeom prst="rect">
+            <a:avLst/>
+          </a:prstGeom>
+          <a:noFill/>
+        </p:spPr>
+        <p:txBody>
+          <a:bodyPr wrap="square">
+            <a:spAutoFit/>
+          </a:bodyPr>
+          <a:lstStyle/>
+          <a:p>
+            <a:r>
+              <a:rPr lang="ar-AE" dirty="0">
+                <a:solidFill>
+                  <a:srgbClr val="00B050"/>
+                </a:solidFill>
+              </a:rPr>
+              <a:t>الفاتحة</a:t>
+            </a:r>
+            <a:endParaRPr lang="en-US" dirty="0">
+              <a:solidFill>
+                <a:srgbClr val="00B050"/>
+              </a:solidFill>
+            </a:endParaRPr>
+          </a:p>
+        </p:txBody>
+      </p:sp>
+      <p:sp>
+        <p:nvSpPr>
+          <p:cNvPr id="15" name="Rounded Rectangle 14">
+            <a:extLst>
+              <a:ext uri="{FF2B5EF4-FFF2-40B4-BE49-F238E27FC236}">
+                <a16:creationId xmlns:a16="http://schemas.microsoft.com/office/drawing/2014/main" id="{52D57A28-9355-AE2E-419C-42D1F6DCA509}"/>
+              </a:ext>
+            </a:extLst>
+          </p:cNvPr>
+          <p:cNvSpPr/>
+          <p:nvPr/>
+        </p:nvSpPr>
+        <p:spPr>
+          <a:xfrm>
+            <a:off x="10236998" y="4474752"/>
+            <a:ext cx="914400" cy="274320"/>
+          </a:xfrm>
+          <a:prstGeom prst="roundRect">
+            <a:avLst>
+              <a:gd name="adj" fmla="val 50000"/>
+            </a:avLst>
+          </a:prstGeom>
+          <a:solidFill>
+            <a:schemeClr val="tx1">
+              <a:lumMod val="75000"/>
+              <a:lumOff val="25000"/>
+            </a:schemeClr>
+          </a:solidFill>
+          <a:ln>
+            <a:noFill/>
+          </a:ln>
+        </p:spPr>
+        <p:style>
+          <a:lnRef idx="2">
+            <a:schemeClr val="accent1">
+              <a:shade val="15000"/>
+            </a:schemeClr>
+          </a:lnRef>
+          <a:fillRef idx="1">
+            <a:schemeClr val="accent1"/>
+          </a:fillRef>
+          <a:effectRef idx="0">
+            <a:schemeClr val="accent1"/>
+          </a:effectRef>
+          <a:fontRef idx="minor">
+            <a:schemeClr val="lt1"/>
+          </a:fontRef>
+        </p:style>
+        <p:txBody>
+          <a:bodyPr rtlCol="0" anchor="ctr"/>
+          <a:lstStyle/>
+          <a:p>
+            <a:pPr algn="ctr"/>
+            <a:r>
+              <a:rPr lang="en-US" sz="1400" dirty="0">
+                <a:solidFill>
+                  <a:schemeClr val="tx1">
+                    <a:lumMod val="50000"/>
+                    <a:lumOff val="50000"/>
+                  </a:schemeClr>
+                </a:solidFill>
+                <a:latin typeface="ui-sans-serif"/>
+              </a:rPr>
+              <a:t>7 Verses</a:t>
+            </a:r>
+            <a:endParaRPr lang="en-US" sz="1400" dirty="0">
+              <a:solidFill>
+                <a:schemeClr val="tx1">
+                  <a:lumMod val="50000"/>
+                  <a:lumOff val="50000"/>
+                </a:schemeClr>
+              </a:solidFill>
+            </a:endParaRPr>
+          </a:p>
+        </p:txBody>
+      </p:sp>
+      <p:sp>
+        <p:nvSpPr>
+          <p:cNvPr id="16" name="Oval 15">
+            <a:extLst>
+              <a:ext uri="{FF2B5EF4-FFF2-40B4-BE49-F238E27FC236}">
+                <a16:creationId xmlns:a16="http://schemas.microsoft.com/office/drawing/2014/main" id="{3E0ED296-392F-AAAC-5CAD-C77C14975F70}"/>
+              </a:ext>
+            </a:extLst>
+          </p:cNvPr>
+          <p:cNvSpPr/>
+          <p:nvPr/>
+        </p:nvSpPr>
+        <p:spPr>
+          <a:xfrm>
+            <a:off x="7020461" y="5131540"/>
+            <a:ext cx="274320" cy="274320"/>
+          </a:xfrm>
+          <a:prstGeom prst="ellipse">
+            <a:avLst/>
+          </a:prstGeom>
+          <a:solidFill>
+            <a:schemeClr val="accent6">
+              <a:lumMod val="75000"/>
+            </a:schemeClr>
+          </a:solidFill>
+          <a:ln>
+            <a:noFill/>
+          </a:ln>
+        </p:spPr>
+        <p:style>
+          <a:lnRef idx="2">
+            <a:schemeClr val="accent1">
+              <a:shade val="15000"/>
+            </a:schemeClr>
+          </a:lnRef>
+          <a:fillRef idx="1">
+            <a:schemeClr val="accent1"/>
+          </a:fillRef>
+          <a:effectRef idx="0">
+            <a:schemeClr val="accent1"/>
+          </a:effectRef>
+          <a:fontRef idx="minor">
+            <a:schemeClr val="lt1"/>
+          </a:fontRef>
+        </p:style>
+        <p:txBody>
+          <a:bodyPr rtlCol="0" anchor="ctr"/>
+          <a:lstStyle/>
+          <a:p>
+            <a:pPr algn="ctr"/>
+            <a:r>
+              <a:rPr lang="en-US" dirty="0"/>
+              <a:t>1</a:t>
+            </a:r>
+          </a:p>
+        </p:txBody>
+      </p:sp>
+      <p:sp>
+        <p:nvSpPr>
+          <p:cNvPr id="17" name="TextBox 16">
+            <a:extLst>
+              <a:ext uri="{FF2B5EF4-FFF2-40B4-BE49-F238E27FC236}">
+                <a16:creationId xmlns:a16="http://schemas.microsoft.com/office/drawing/2014/main" id="{E17BEAF1-450C-95F7-206D-A1DB5CA134C2}"/>
+              </a:ext>
+            </a:extLst>
+          </p:cNvPr>
+          <p:cNvSpPr txBox="1"/>
+          <p:nvPr/>
+        </p:nvSpPr>
+        <p:spPr>
+          <a:xfrm>
+            <a:off x="7294781" y="4971402"/>
+            <a:ext cx="1124174" cy="369332"/>
+          </a:xfrm>
+          <a:prstGeom prst="rect">
+            <a:avLst/>
+          </a:prstGeom>
+          <a:noFill/>
+        </p:spPr>
+        <p:txBody>
+          <a:bodyPr wrap="square">
+            <a:spAutoFit/>
+          </a:bodyPr>
+          <a:lstStyle/>
+          <a:p>
+            <a:r>
+              <a:rPr lang="en-US" dirty="0">
+                <a:solidFill>
+                  <a:schemeClr val="bg1">
+                    <a:lumMod val="50000"/>
+                  </a:schemeClr>
+                </a:solidFill>
+              </a:rPr>
+              <a:t>Al-Fatihah</a:t>
+            </a:r>
+            <a:endParaRPr lang="en-US" dirty="0"/>
+          </a:p>
+        </p:txBody>
+      </p:sp>
+      <p:sp>
+        <p:nvSpPr>
+          <p:cNvPr id="19" name="TextBox 18">
+            <a:extLst>
+              <a:ext uri="{FF2B5EF4-FFF2-40B4-BE49-F238E27FC236}">
+                <a16:creationId xmlns:a16="http://schemas.microsoft.com/office/drawing/2014/main" id="{4661AD61-0E0B-27C8-4917-109A4A3518CE}"/>
+              </a:ext>
+            </a:extLst>
+          </p:cNvPr>
+          <p:cNvSpPr txBox="1"/>
+          <p:nvPr/>
+        </p:nvSpPr>
+        <p:spPr>
+          <a:xfrm>
+            <a:off x="7294781" y="5242710"/>
+            <a:ext cx="704626" cy="369332"/>
+          </a:xfrm>
+          <a:prstGeom prst="rect">
+            <a:avLst/>
+          </a:prstGeom>
+          <a:noFill/>
+        </p:spPr>
+        <p:txBody>
+          <a:bodyPr wrap="square">
+            <a:spAutoFit/>
+          </a:bodyPr>
+          <a:lstStyle/>
+          <a:p>
+            <a:r>
+              <a:rPr lang="ar-AE" dirty="0">
+                <a:solidFill>
+                  <a:schemeClr val="bg1">
+                    <a:lumMod val="50000"/>
+                  </a:schemeClr>
+                </a:solidFill>
+              </a:rPr>
+              <a:t>الفاتحة</a:t>
+            </a:r>
+            <a:endParaRPr lang="en-US" dirty="0"/>
+          </a:p>
+        </p:txBody>
+      </p:sp>
+      <p:sp>
+        <p:nvSpPr>
+          <p:cNvPr id="20" name="Rounded Rectangle 19">
+            <a:extLst>
+              <a:ext uri="{FF2B5EF4-FFF2-40B4-BE49-F238E27FC236}">
+                <a16:creationId xmlns:a16="http://schemas.microsoft.com/office/drawing/2014/main" id="{6CC1C006-9085-12CE-40DF-B03A92FC7AF0}"/>
+              </a:ext>
+            </a:extLst>
+          </p:cNvPr>
+          <p:cNvSpPr/>
+          <p:nvPr/>
+        </p:nvSpPr>
+        <p:spPr>
+          <a:xfrm>
+            <a:off x="10236998" y="5262839"/>
+            <a:ext cx="914400" cy="274320"/>
+          </a:xfrm>
+          <a:prstGeom prst="roundRect">
+            <a:avLst>
+              <a:gd name="adj" fmla="val 50000"/>
+            </a:avLst>
+          </a:prstGeom>
+          <a:solidFill>
+            <a:schemeClr val="tx1">
+              <a:lumMod val="75000"/>
+              <a:lumOff val="25000"/>
+            </a:schemeClr>
+          </a:solidFill>
+          <a:ln>
+            <a:noFill/>
+          </a:ln>
+        </p:spPr>
+        <p:style>
+          <a:lnRef idx="2">
+            <a:schemeClr val="accent1">
+              <a:shade val="15000"/>
+            </a:schemeClr>
+          </a:lnRef>
+          <a:fillRef idx="1">
+            <a:schemeClr val="accent1"/>
+          </a:fillRef>
+          <a:effectRef idx="0">
+            <a:schemeClr val="accent1"/>
+          </a:effectRef>
+          <a:fontRef idx="minor">
+            <a:schemeClr val="lt1"/>
+          </a:fontRef>
+        </p:style>
+        <p:txBody>
+          <a:bodyPr rtlCol="0" anchor="ctr"/>
+          <a:lstStyle/>
+          <a:p>
+            <a:pPr algn="ctr"/>
+            <a:r>
+              <a:rPr lang="en-US" sz="1400" dirty="0">
+                <a:solidFill>
+                  <a:schemeClr val="tx1">
+                    <a:lumMod val="50000"/>
+                    <a:lumOff val="50000"/>
+                  </a:schemeClr>
+                </a:solidFill>
+                <a:latin typeface="ui-sans-serif"/>
+              </a:rPr>
+              <a:t>7 Verses</a:t>
+            </a:r>
+            <a:endParaRPr lang="en-US" sz="1400" dirty="0">
+              <a:solidFill>
+                <a:schemeClr val="tx1">
+                  <a:lumMod val="50000"/>
+                  <a:lumOff val="50000"/>
+                </a:schemeClr>
+              </a:solidFill>
+            </a:endParaRPr>
+          </a:p>
+        </p:txBody>
+      </p:sp>
+      <p:sp>
+        <p:nvSpPr>
+          <p:cNvPr id="24" name="Oval 23">
+            <a:extLst>
+              <a:ext uri="{FF2B5EF4-FFF2-40B4-BE49-F238E27FC236}">
+                <a16:creationId xmlns:a16="http://schemas.microsoft.com/office/drawing/2014/main" id="{1BB06F6E-C0D5-B722-7345-02347D1A75DA}"/>
+              </a:ext>
+            </a:extLst>
+          </p:cNvPr>
+          <p:cNvSpPr/>
+          <p:nvPr/>
+        </p:nvSpPr>
+        <p:spPr>
+          <a:xfrm>
+            <a:off x="7020461" y="5942271"/>
+            <a:ext cx="274320" cy="274320"/>
+          </a:xfrm>
+          <a:prstGeom prst="ellipse">
+            <a:avLst/>
+          </a:prstGeom>
+          <a:solidFill>
+            <a:schemeClr val="accent6">
+              <a:lumMod val="75000"/>
+            </a:schemeClr>
+          </a:solidFill>
+          <a:ln>
+            <a:noFill/>
+          </a:ln>
+        </p:spPr>
+        <p:style>
+          <a:lnRef idx="2">
+            <a:schemeClr val="accent1">
+              <a:shade val="15000"/>
+            </a:schemeClr>
+          </a:lnRef>
+          <a:fillRef idx="1">
+            <a:schemeClr val="accent1"/>
+          </a:fillRef>
+          <a:effectRef idx="0">
+            <a:schemeClr val="accent1"/>
+          </a:effectRef>
+          <a:fontRef idx="minor">
+            <a:schemeClr val="lt1"/>
+          </a:fontRef>
+        </p:style>
+        <p:txBody>
+          <a:bodyPr rtlCol="0" anchor="ctr"/>
+          <a:lstStyle/>
+          <a:p>
+            <a:pPr algn="ctr"/>
+            <a:r>
+              <a:rPr lang="en-US" dirty="0"/>
+              <a:t>1</a:t>
+            </a:r>
+          </a:p>
+        </p:txBody>
+      </p:sp>
+      <p:sp>
+        <p:nvSpPr>
+          <p:cNvPr id="29" name="TextBox 28">
+            <a:extLst>
+              <a:ext uri="{FF2B5EF4-FFF2-40B4-BE49-F238E27FC236}">
+                <a16:creationId xmlns:a16="http://schemas.microsoft.com/office/drawing/2014/main" id="{0089979A-56BA-5449-85D3-76C7DEB0D526}"/>
+              </a:ext>
+            </a:extLst>
+          </p:cNvPr>
+          <p:cNvSpPr txBox="1"/>
+          <p:nvPr/>
+        </p:nvSpPr>
+        <p:spPr>
+          <a:xfrm>
+            <a:off x="7294781" y="5782133"/>
+            <a:ext cx="1124174" cy="369332"/>
+          </a:xfrm>
+          <a:prstGeom prst="rect">
+            <a:avLst/>
+          </a:prstGeom>
+          <a:noFill/>
+        </p:spPr>
+        <p:txBody>
+          <a:bodyPr wrap="square">
+            <a:spAutoFit/>
+          </a:bodyPr>
+          <a:lstStyle/>
+          <a:p>
+            <a:r>
+              <a:rPr lang="en-US" dirty="0">
+                <a:solidFill>
+                  <a:schemeClr val="bg1">
+                    <a:lumMod val="50000"/>
+                  </a:schemeClr>
+                </a:solidFill>
+              </a:rPr>
+              <a:t>Al-Fatihah</a:t>
+            </a:r>
+            <a:endParaRPr lang="en-US" dirty="0"/>
+          </a:p>
+        </p:txBody>
+      </p:sp>
+      <p:sp>
+        <p:nvSpPr>
+          <p:cNvPr id="48" name="TextBox 47">
+            <a:extLst>
+              <a:ext uri="{FF2B5EF4-FFF2-40B4-BE49-F238E27FC236}">
+                <a16:creationId xmlns:a16="http://schemas.microsoft.com/office/drawing/2014/main" id="{1ACAEFF7-545C-367B-7F43-4AF0C848F662}"/>
+              </a:ext>
+            </a:extLst>
+          </p:cNvPr>
+          <p:cNvSpPr txBox="1"/>
+          <p:nvPr/>
+        </p:nvSpPr>
+        <p:spPr>
+          <a:xfrm>
+            <a:off x="7294781" y="6053441"/>
+            <a:ext cx="704626" cy="369332"/>
+          </a:xfrm>
+          <a:prstGeom prst="rect">
+            <a:avLst/>
+          </a:prstGeom>
+          <a:noFill/>
+        </p:spPr>
+        <p:txBody>
+          <a:bodyPr wrap="square">
+            <a:spAutoFit/>
+          </a:bodyPr>
+          <a:lstStyle/>
+          <a:p>
+            <a:r>
+              <a:rPr lang="ar-AE" dirty="0">
+                <a:solidFill>
+                  <a:schemeClr val="bg1">
+                    <a:lumMod val="50000"/>
+                  </a:schemeClr>
+                </a:solidFill>
+              </a:rPr>
+              <a:t>الفاتحة</a:t>
+            </a:r>
+            <a:endParaRPr lang="en-US" dirty="0"/>
+          </a:p>
+        </p:txBody>
+      </p:sp>
+      <p:sp>
+        <p:nvSpPr>
+          <p:cNvPr id="49" name="Rounded Rectangle 48">
+            <a:extLst>
+              <a:ext uri="{FF2B5EF4-FFF2-40B4-BE49-F238E27FC236}">
+                <a16:creationId xmlns:a16="http://schemas.microsoft.com/office/drawing/2014/main" id="{70E6876E-9541-5220-AD36-FAF3D953B0F9}"/>
+              </a:ext>
+            </a:extLst>
+          </p:cNvPr>
+          <p:cNvSpPr/>
+          <p:nvPr/>
+        </p:nvSpPr>
+        <p:spPr>
+          <a:xfrm>
+            <a:off x="10236998" y="5959054"/>
+            <a:ext cx="914400" cy="274320"/>
+          </a:xfrm>
+          <a:prstGeom prst="roundRect">
+            <a:avLst>
+              <a:gd name="adj" fmla="val 50000"/>
+            </a:avLst>
+          </a:prstGeom>
+          <a:solidFill>
+            <a:schemeClr val="tx1">
+              <a:lumMod val="75000"/>
+              <a:lumOff val="25000"/>
+            </a:schemeClr>
+          </a:solidFill>
+          <a:ln>
+            <a:noFill/>
+          </a:ln>
+        </p:spPr>
+        <p:style>
+          <a:lnRef idx="2">
+            <a:schemeClr val="accent1">
+              <a:shade val="15000"/>
+            </a:schemeClr>
+          </a:lnRef>
+          <a:fillRef idx="1">
+            <a:schemeClr val="accent1"/>
+          </a:fillRef>
+          <a:effectRef idx="0">
+            <a:schemeClr val="accent1"/>
+          </a:effectRef>
+          <a:fontRef idx="minor">
+            <a:schemeClr val="lt1"/>
+          </a:fontRef>
+        </p:style>
+        <p:txBody>
+          <a:bodyPr rtlCol="0" anchor="ctr"/>
+          <a:lstStyle/>
+          <a:p>
+            <a:pPr algn="ctr"/>
+            <a:r>
+              <a:rPr lang="en-US" sz="1400" dirty="0">
+                <a:solidFill>
+                  <a:schemeClr val="tx1">
+                    <a:lumMod val="50000"/>
+                    <a:lumOff val="50000"/>
+                  </a:schemeClr>
+                </a:solidFill>
+                <a:latin typeface="ui-sans-serif"/>
+              </a:rPr>
+              <a:t>7 Verses</a:t>
+            </a:r>
+            <a:endParaRPr lang="en-US" sz="1400" dirty="0">
+              <a:solidFill>
+                <a:schemeClr val="tx1">
+                  <a:lumMod val="50000"/>
+                  <a:lumOff val="50000"/>
+                </a:schemeClr>
+              </a:solidFill>
+            </a:endParaRPr>
+          </a:p>
+        </p:txBody>
+      </p:sp>
+      <p:sp>
+        <p:nvSpPr>
+          <p:cNvPr id="50" name="TextBox 49">
+            <a:extLst>
+              <a:ext uri="{FF2B5EF4-FFF2-40B4-BE49-F238E27FC236}">
+                <a16:creationId xmlns:a16="http://schemas.microsoft.com/office/drawing/2014/main" id="{2CA39B43-E823-C288-CA9D-CD7100604BF8}"/>
+              </a:ext>
+            </a:extLst>
+          </p:cNvPr>
+          <p:cNvSpPr txBox="1"/>
+          <p:nvPr/>
+        </p:nvSpPr>
+        <p:spPr>
+          <a:xfrm>
+            <a:off x="10027995" y="4136724"/>
+            <a:ext cx="1370829" cy="369332"/>
+          </a:xfrm>
+          <a:prstGeom prst="rect">
+            <a:avLst/>
+          </a:prstGeom>
+          <a:noFill/>
+        </p:spPr>
+        <p:txBody>
+          <a:bodyPr wrap="square">
+            <a:spAutoFit/>
+          </a:bodyPr>
+          <a:lstStyle/>
+          <a:p>
+            <a:r>
+              <a:rPr lang="en-US" dirty="0">
+                <a:solidFill>
+                  <a:srgbClr val="00B050"/>
+                </a:solidFill>
+              </a:rPr>
+              <a:t>The</a:t>
+            </a:r>
+            <a:r>
+              <a:rPr lang="en-US" sz="1600" dirty="0">
+                <a:solidFill>
+                  <a:srgbClr val="00B050"/>
+                </a:solidFill>
+              </a:rPr>
+              <a:t> Opener</a:t>
+            </a:r>
+          </a:p>
+        </p:txBody>
+      </p:sp>
+      <p:sp>
+        <p:nvSpPr>
+          <p:cNvPr id="51" name="TextBox 50">
+            <a:extLst>
+              <a:ext uri="{FF2B5EF4-FFF2-40B4-BE49-F238E27FC236}">
+                <a16:creationId xmlns:a16="http://schemas.microsoft.com/office/drawing/2014/main" id="{826D5E6A-C5F4-4D6B-1B0A-B43262E655D6}"/>
+              </a:ext>
+            </a:extLst>
+          </p:cNvPr>
+          <p:cNvSpPr txBox="1"/>
+          <p:nvPr/>
+        </p:nvSpPr>
+        <p:spPr>
+          <a:xfrm>
+            <a:off x="7094846" y="1685803"/>
+            <a:ext cx="1370829" cy="369332"/>
+          </a:xfrm>
+          <a:prstGeom prst="rect">
+            <a:avLst/>
+          </a:prstGeom>
+          <a:noFill/>
+        </p:spPr>
+        <p:txBody>
+          <a:bodyPr wrap="square">
+            <a:spAutoFit/>
+          </a:bodyPr>
+          <a:lstStyle/>
+          <a:p>
+            <a:r>
+              <a:rPr lang="en-US" dirty="0">
+                <a:solidFill>
+                  <a:schemeClr val="bg1">
+                    <a:lumMod val="50000"/>
+                  </a:schemeClr>
+                </a:solidFill>
+              </a:rPr>
+              <a:t>The</a:t>
+            </a:r>
+            <a:r>
+              <a:rPr lang="en-US" dirty="0">
+                <a:solidFill>
+                  <a:srgbClr val="00B050"/>
+                </a:solidFill>
+              </a:rPr>
+              <a:t> </a:t>
+            </a:r>
+            <a:r>
+              <a:rPr lang="en-US" dirty="0">
+                <a:solidFill>
+                  <a:schemeClr val="bg1">
+                    <a:lumMod val="50000"/>
+                  </a:schemeClr>
+                </a:solidFill>
+              </a:rPr>
+              <a:t>Opener</a:t>
+            </a:r>
+          </a:p>
+        </p:txBody>
+      </p:sp>
+      <p:sp>
+        <p:nvSpPr>
+          <p:cNvPr id="52" name="TextBox 51">
+            <a:extLst>
+              <a:ext uri="{FF2B5EF4-FFF2-40B4-BE49-F238E27FC236}">
+                <a16:creationId xmlns:a16="http://schemas.microsoft.com/office/drawing/2014/main" id="{F96B955A-66A8-AA8F-7568-4379DEC12643}"/>
+              </a:ext>
+            </a:extLst>
+          </p:cNvPr>
+          <p:cNvSpPr txBox="1"/>
+          <p:nvPr/>
+        </p:nvSpPr>
+        <p:spPr>
+          <a:xfrm>
+            <a:off x="9971905" y="4940822"/>
+            <a:ext cx="1370829" cy="369332"/>
+          </a:xfrm>
+          <a:prstGeom prst="rect">
+            <a:avLst/>
+          </a:prstGeom>
+          <a:noFill/>
+        </p:spPr>
+        <p:txBody>
+          <a:bodyPr wrap="square">
+            <a:spAutoFit/>
+          </a:bodyPr>
+          <a:lstStyle/>
+          <a:p>
+            <a:r>
+              <a:rPr lang="en-US" dirty="0">
+                <a:solidFill>
+                  <a:schemeClr val="bg1">
+                    <a:lumMod val="50000"/>
+                  </a:schemeClr>
+                </a:solidFill>
+              </a:rPr>
+              <a:t>The</a:t>
+            </a:r>
+            <a:r>
+              <a:rPr lang="en-US" dirty="0">
+                <a:solidFill>
+                  <a:srgbClr val="00B050"/>
+                </a:solidFill>
+              </a:rPr>
+              <a:t> </a:t>
+            </a:r>
+            <a:r>
+              <a:rPr lang="en-US" dirty="0">
+                <a:solidFill>
+                  <a:schemeClr val="bg1">
+                    <a:lumMod val="50000"/>
+                  </a:schemeClr>
+                </a:solidFill>
+              </a:rPr>
+              <a:t>Opener</a:t>
+            </a:r>
+          </a:p>
+        </p:txBody>
+      </p:sp>
+      <p:sp>
+        <p:nvSpPr>
+          <p:cNvPr id="53" name="TextBox 52">
+            <a:extLst>
+              <a:ext uri="{FF2B5EF4-FFF2-40B4-BE49-F238E27FC236}">
+                <a16:creationId xmlns:a16="http://schemas.microsoft.com/office/drawing/2014/main" id="{04896483-2792-A389-9710-554BEA122FEB}"/>
+              </a:ext>
+            </a:extLst>
+          </p:cNvPr>
+          <p:cNvSpPr txBox="1"/>
+          <p:nvPr/>
+        </p:nvSpPr>
+        <p:spPr>
+          <a:xfrm>
+            <a:off x="7912250" y="3580864"/>
+            <a:ext cx="3147756" cy="461665"/>
+          </a:xfrm>
+          <a:prstGeom prst="rect">
+            <a:avLst/>
+          </a:prstGeom>
+          <a:noFill/>
+        </p:spPr>
+        <p:txBody>
+          <a:bodyPr wrap="square" rtlCol="0">
+            <a:spAutoFit/>
+          </a:bodyPr>
+          <a:lstStyle/>
+          <a:p>
+            <a:r>
+              <a:rPr lang="en-US" sz="2400" b="1" dirty="0">
+                <a:solidFill>
+                  <a:schemeClr val="bg1"/>
+                </a:solidFill>
+                <a:latin typeface="JetBrains Mono" panose="02000009000000000000" pitchFamily="49" charset="0"/>
+                <a:ea typeface="JetBrains Mono" panose="02000009000000000000" pitchFamily="49" charset="0"/>
+                <a:cs typeface="JetBrains Mono" panose="02000009000000000000" pitchFamily="49" charset="0"/>
+              </a:rPr>
+              <a:t>Mobile View</a:t>
+            </a:r>
+          </a:p>
+        </p:txBody>
+      </p:sp>
+      <p:sp>
+        <p:nvSpPr>
+          <p:cNvPr id="54" name="TextBox 53">
+            <a:extLst>
+              <a:ext uri="{FF2B5EF4-FFF2-40B4-BE49-F238E27FC236}">
+                <a16:creationId xmlns:a16="http://schemas.microsoft.com/office/drawing/2014/main" id="{0BDA05BC-AD0E-4146-69CA-21528422B743}"/>
+              </a:ext>
+            </a:extLst>
+          </p:cNvPr>
+          <p:cNvSpPr txBox="1"/>
+          <p:nvPr/>
+        </p:nvSpPr>
+        <p:spPr>
+          <a:xfrm>
+            <a:off x="5954947" y="173225"/>
+            <a:ext cx="3147756" cy="461665"/>
+          </a:xfrm>
+          <a:prstGeom prst="rect">
+            <a:avLst/>
+          </a:prstGeom>
+          <a:noFill/>
+        </p:spPr>
+        <p:txBody>
+          <a:bodyPr wrap="square" rtlCol="0">
+            <a:spAutoFit/>
+          </a:bodyPr>
+          <a:lstStyle/>
+          <a:p>
+            <a:r>
+              <a:rPr lang="en-US" sz="2400" b="1" dirty="0">
+                <a:solidFill>
+                  <a:schemeClr val="bg1"/>
+                </a:solidFill>
+                <a:latin typeface="JetBrains Mono" panose="02000009000000000000" pitchFamily="49" charset="0"/>
+                <a:ea typeface="JetBrains Mono" panose="02000009000000000000" pitchFamily="49" charset="0"/>
+                <a:cs typeface="JetBrains Mono" panose="02000009000000000000" pitchFamily="49" charset="0"/>
+              </a:rPr>
+              <a:t>Desktop View</a:t>
             </a:r>
           </a:p>
         </p:txBody>
@@ -8867,7 +10946,7 @@
         <p:cNvPr id="1" name="">
           <a:extLst>
             <a:ext uri="{FF2B5EF4-FFF2-40B4-BE49-F238E27FC236}">
-              <a16:creationId xmlns:a16="http://schemas.microsoft.com/office/drawing/2014/main" id="{ED056571-7176-D455-D77D-D9239B297124}"/>
+              <a16:creationId xmlns:a16="http://schemas.microsoft.com/office/drawing/2014/main" id="{D3444445-BA1B-1C8B-372F-46F7476D9899}"/>
             </a:ext>
           </a:extLst>
         </p:cNvPr>
@@ -8884,10 +10963,10 @@
       </p:grpSpPr>
       <p:sp>
         <p:nvSpPr>
-          <p:cNvPr id="34" name="Rounded Rectangle 33">
-            <a:extLst>
-              <a:ext uri="{FF2B5EF4-FFF2-40B4-BE49-F238E27FC236}">
-                <a16:creationId xmlns:a16="http://schemas.microsoft.com/office/drawing/2014/main" id="{DB01818D-E65D-1269-BF6F-1EBEC34D3851}"/>
+          <p:cNvPr id="2" name="Rounded Rectangle 1">
+            <a:extLst>
+              <a:ext uri="{FF2B5EF4-FFF2-40B4-BE49-F238E27FC236}">
+                <a16:creationId xmlns:a16="http://schemas.microsoft.com/office/drawing/2014/main" id="{836A38B4-FA3A-A626-4394-78E6D66CA7B8}"/>
               </a:ext>
             </a:extLst>
           </p:cNvPr>
@@ -8896,8 +10975,8 @@
         </p:nvSpPr>
         <p:spPr>
           <a:xfrm>
-            <a:off x="108344" y="100412"/>
-            <a:ext cx="4712873" cy="4226401"/>
+            <a:off x="1383127" y="1141338"/>
+            <a:ext cx="4712873" cy="3863477"/>
           </a:xfrm>
           <a:prstGeom prst="roundRect">
             <a:avLst>
@@ -8958,10 +11037,10 @@
       </p:sp>
       <p:sp>
         <p:nvSpPr>
-          <p:cNvPr id="35" name="Rounded Rectangle 34">
-            <a:extLst>
-              <a:ext uri="{FF2B5EF4-FFF2-40B4-BE49-F238E27FC236}">
-                <a16:creationId xmlns:a16="http://schemas.microsoft.com/office/drawing/2014/main" id="{FFE68611-6521-4885-1693-71E3EBE3141F}"/>
+          <p:cNvPr id="23" name="Rounded Rectangle 22">
+            <a:extLst>
+              <a:ext uri="{FF2B5EF4-FFF2-40B4-BE49-F238E27FC236}">
+                <a16:creationId xmlns:a16="http://schemas.microsoft.com/office/drawing/2014/main" id="{5C2F8F52-2894-D77E-9802-4F560B2E7934}"/>
               </a:ext>
             </a:extLst>
           </p:cNvPr>
@@ -8970,7 +11049,7 @@
         </p:nvSpPr>
         <p:spPr>
           <a:xfrm>
-            <a:off x="174684" y="688574"/>
+            <a:off x="1449467" y="1729500"/>
             <a:ext cx="4572000" cy="738686"/>
           </a:xfrm>
           <a:prstGeom prst="roundRect">
@@ -8979,7 +11058,7 @@
             </a:avLst>
           </a:prstGeom>
           <a:solidFill>
-            <a:srgbClr val="1D2C12"/>
+            <a:srgbClr val="1A2810"/>
           </a:solidFill>
           <a:ln>
             <a:noFill/>
@@ -9028,10 +11107,233 @@
       </p:sp>
       <p:sp>
         <p:nvSpPr>
-          <p:cNvPr id="36" name="Oval 35">
-            <a:extLst>
-              <a:ext uri="{FF2B5EF4-FFF2-40B4-BE49-F238E27FC236}">
-                <a16:creationId xmlns:a16="http://schemas.microsoft.com/office/drawing/2014/main" id="{01C541C7-6769-3335-FF07-AB6353748375}"/>
+          <p:cNvPr id="4" name="TextBox 3">
+            <a:extLst>
+              <a:ext uri="{FF2B5EF4-FFF2-40B4-BE49-F238E27FC236}">
+                <a16:creationId xmlns:a16="http://schemas.microsoft.com/office/drawing/2014/main" id="{5A0E6655-F7E6-77F6-16C9-0D93FDDA1978}"/>
+              </a:ext>
+            </a:extLst>
+          </p:cNvPr>
+          <p:cNvSpPr txBox="1"/>
+          <p:nvPr/>
+        </p:nvSpPr>
+        <p:spPr>
+          <a:xfrm>
+            <a:off x="1822240" y="1922043"/>
+            <a:ext cx="1544629" cy="369332"/>
+          </a:xfrm>
+          <a:prstGeom prst="rect">
+            <a:avLst/>
+          </a:prstGeom>
+          <a:noFill/>
+        </p:spPr>
+        <p:txBody>
+          <a:bodyPr wrap="square">
+            <a:spAutoFit/>
+          </a:bodyPr>
+          <a:lstStyle/>
+          <a:p>
+            <a:r>
+              <a:rPr lang="en-US" dirty="0">
+                <a:solidFill>
+                  <a:schemeClr val="bg1">
+                    <a:lumMod val="50000"/>
+                  </a:schemeClr>
+                </a:solidFill>
+              </a:rPr>
+              <a:t>Night Sky</a:t>
+            </a:r>
+            <a:endParaRPr lang="en-US" dirty="0"/>
+          </a:p>
+        </p:txBody>
+      </p:sp>
+      <p:sp>
+        <p:nvSpPr>
+          <p:cNvPr id="3" name="TextBox 2">
+            <a:extLst>
+              <a:ext uri="{FF2B5EF4-FFF2-40B4-BE49-F238E27FC236}">
+                <a16:creationId xmlns:a16="http://schemas.microsoft.com/office/drawing/2014/main" id="{D273FDDB-463F-3068-2A09-F183FE20D6A5}"/>
+              </a:ext>
+            </a:extLst>
+          </p:cNvPr>
+          <p:cNvSpPr txBox="1"/>
+          <p:nvPr/>
+        </p:nvSpPr>
+        <p:spPr>
+          <a:xfrm>
+            <a:off x="4256996" y="1912768"/>
+            <a:ext cx="1544629" cy="369332"/>
+          </a:xfrm>
+          <a:prstGeom prst="rect">
+            <a:avLst/>
+          </a:prstGeom>
+          <a:noFill/>
+        </p:spPr>
+        <p:txBody>
+          <a:bodyPr wrap="square">
+            <a:spAutoFit/>
+          </a:bodyPr>
+          <a:lstStyle/>
+          <a:p>
+            <a:r>
+              <a:rPr lang="en-US" dirty="0">
+                <a:solidFill>
+                  <a:schemeClr val="bg1">
+                    <a:lumMod val="50000"/>
+                  </a:schemeClr>
+                </a:solidFill>
+              </a:rPr>
+              <a:t>Heaven Light</a:t>
+            </a:r>
+            <a:endParaRPr lang="en-US" dirty="0"/>
+          </a:p>
+        </p:txBody>
+      </p:sp>
+      <p:grpSp>
+        <p:nvGrpSpPr>
+          <p:cNvPr id="62" name="Group 61">
+            <a:extLst>
+              <a:ext uri="{FF2B5EF4-FFF2-40B4-BE49-F238E27FC236}">
+                <a16:creationId xmlns:a16="http://schemas.microsoft.com/office/drawing/2014/main" id="{43E4007D-F38B-86C1-17C8-701213B66295}"/>
+              </a:ext>
+            </a:extLst>
+          </p:cNvPr>
+          <p:cNvGrpSpPr/>
+          <p:nvPr/>
+        </p:nvGrpSpPr>
+        <p:grpSpPr>
+          <a:xfrm>
+            <a:off x="2971909" y="1941215"/>
+            <a:ext cx="1198023" cy="369332"/>
+            <a:chOff x="1759380" y="904895"/>
+            <a:chExt cx="1198023" cy="369332"/>
+          </a:xfrm>
+        </p:grpSpPr>
+        <p:sp>
+          <p:nvSpPr>
+            <p:cNvPr id="22" name="Rounded Rectangle 21">
+              <a:extLst>
+                <a:ext uri="{FF2B5EF4-FFF2-40B4-BE49-F238E27FC236}">
+                  <a16:creationId xmlns:a16="http://schemas.microsoft.com/office/drawing/2014/main" id="{4C9AAA09-CDFA-1FE0-3D0E-9004C774DF31}"/>
+                </a:ext>
+              </a:extLst>
+            </p:cNvPr>
+            <p:cNvSpPr/>
+            <p:nvPr/>
+          </p:nvSpPr>
+          <p:spPr>
+            <a:xfrm>
+              <a:off x="1759380" y="904895"/>
+              <a:ext cx="1198023" cy="369332"/>
+            </a:xfrm>
+            <a:prstGeom prst="roundRect">
+              <a:avLst>
+                <a:gd name="adj" fmla="val 50000"/>
+              </a:avLst>
+            </a:prstGeom>
+            <a:solidFill>
+              <a:schemeClr val="tx1">
+                <a:lumMod val="75000"/>
+                <a:lumOff val="25000"/>
+              </a:schemeClr>
+            </a:solidFill>
+            <a:ln>
+              <a:noFill/>
+            </a:ln>
+          </p:spPr>
+          <p:style>
+            <a:lnRef idx="2">
+              <a:schemeClr val="accent1">
+                <a:shade val="15000"/>
+              </a:schemeClr>
+            </a:lnRef>
+            <a:fillRef idx="1">
+              <a:schemeClr val="accent1"/>
+            </a:fillRef>
+            <a:effectRef idx="0">
+              <a:schemeClr val="accent1"/>
+            </a:effectRef>
+            <a:fontRef idx="minor">
+              <a:schemeClr val="lt1"/>
+            </a:fontRef>
+          </p:style>
+          <p:txBody>
+            <a:bodyPr rtlCol="0" anchor="ctr"/>
+            <a:lstStyle/>
+            <a:p>
+              <a:pPr algn="ctr"/>
+              <a:endParaRPr lang="en-US" sz="1400" dirty="0">
+                <a:solidFill>
+                  <a:schemeClr val="tx1">
+                    <a:lumMod val="50000"/>
+                    <a:lumOff val="50000"/>
+                  </a:schemeClr>
+                </a:solidFill>
+              </a:endParaRPr>
+            </a:p>
+          </p:txBody>
+        </p:sp>
+        <p:sp>
+          <p:nvSpPr>
+            <p:cNvPr id="14" name="Rounded Rectangle 13">
+              <a:extLst>
+                <a:ext uri="{FF2B5EF4-FFF2-40B4-BE49-F238E27FC236}">
+                  <a16:creationId xmlns:a16="http://schemas.microsoft.com/office/drawing/2014/main" id="{0BB064F4-9A08-457A-EBB3-4878350AEDDE}"/>
+                </a:ext>
+              </a:extLst>
+            </p:cNvPr>
+            <p:cNvSpPr/>
+            <p:nvPr/>
+          </p:nvSpPr>
+          <p:spPr>
+            <a:xfrm>
+              <a:off x="2317106" y="941936"/>
+              <a:ext cx="564594" cy="298848"/>
+            </a:xfrm>
+            <a:prstGeom prst="roundRect">
+              <a:avLst>
+                <a:gd name="adj" fmla="val 50000"/>
+              </a:avLst>
+            </a:prstGeom>
+            <a:solidFill>
+              <a:srgbClr val="00B050"/>
+            </a:solidFill>
+            <a:ln>
+              <a:noFill/>
+            </a:ln>
+          </p:spPr>
+          <p:style>
+            <a:lnRef idx="2">
+              <a:schemeClr val="accent1">
+                <a:shade val="15000"/>
+              </a:schemeClr>
+            </a:lnRef>
+            <a:fillRef idx="1">
+              <a:schemeClr val="accent1"/>
+            </a:fillRef>
+            <a:effectRef idx="0">
+              <a:schemeClr val="accent1"/>
+            </a:effectRef>
+            <a:fontRef idx="minor">
+              <a:schemeClr val="lt1"/>
+            </a:fontRef>
+          </p:style>
+          <p:txBody>
+            <a:bodyPr rtlCol="0" anchor="ctr"/>
+            <a:lstStyle/>
+            <a:p>
+              <a:pPr algn="ctr"/>
+              <a:endParaRPr lang="en-US" dirty="0"/>
+            </a:p>
+          </p:txBody>
+        </p:sp>
+      </p:grpSp>
+      <p:sp>
+        <p:nvSpPr>
+          <p:cNvPr id="56" name="Rounded Rectangle 55">
+            <a:extLst>
+              <a:ext uri="{FF2B5EF4-FFF2-40B4-BE49-F238E27FC236}">
+                <a16:creationId xmlns:a16="http://schemas.microsoft.com/office/drawing/2014/main" id="{90BBD0C7-ABD0-A68F-9FA6-424A3496AB27}"/>
               </a:ext>
             </a:extLst>
           </p:cNvPr>
@@ -9040,20 +11342,27 @@
         </p:nvSpPr>
         <p:spPr>
           <a:xfrm>
-            <a:off x="442854" y="920757"/>
-            <a:ext cx="274320" cy="274320"/>
-          </a:xfrm>
-          <a:prstGeom prst="ellipse">
-            <a:avLst/>
+            <a:off x="1449467" y="2544695"/>
+            <a:ext cx="4572000" cy="738686"/>
+          </a:xfrm>
+          <a:prstGeom prst="roundRect">
+            <a:avLst>
+              <a:gd name="adj" fmla="val 25939"/>
+            </a:avLst>
           </a:prstGeom>
           <a:solidFill>
-            <a:schemeClr val="accent6">
-              <a:lumMod val="75000"/>
-            </a:schemeClr>
+            <a:srgbClr val="1A2810"/>
           </a:solidFill>
           <a:ln>
             <a:noFill/>
           </a:ln>
+          <a:effectLst>
+            <a:outerShdw blurRad="50800" dist="38100" dir="5400000" algn="t" rotWithShape="0">
+              <a:prstClr val="black">
+                <a:alpha val="40000"/>
+              </a:prstClr>
+            </a:outerShdw>
+          </a:effectLst>
         </p:spPr>
         <p:style>
           <a:lnRef idx="2">
@@ -9072,106 +11381,22 @@
           </a:fontRef>
         </p:style>
         <p:txBody>
-          <a:bodyPr rtlCol="0" anchor="ctr"/>
-          <a:lstStyle/>
-          <a:p>
-            <a:pPr algn="ctr"/>
-            <a:r>
+          <a:bodyPr rtlCol="0" anchor="t"/>
+          <a:lstStyle/>
+          <a:p>
+            <a:br>
               <a:rPr lang="en-US" dirty="0"/>
-              <a:t>1</a:t>
-            </a:r>
-          </a:p>
-        </p:txBody>
-      </p:sp>
-      <p:sp>
-        <p:nvSpPr>
-          <p:cNvPr id="37" name="TextBox 36">
-            <a:extLst>
-              <a:ext uri="{FF2B5EF4-FFF2-40B4-BE49-F238E27FC236}">
-                <a16:creationId xmlns:a16="http://schemas.microsoft.com/office/drawing/2014/main" id="{4BCE0727-637F-FC77-2DE0-BA88AFE38017}"/>
-              </a:ext>
-            </a:extLst>
-          </p:cNvPr>
-          <p:cNvSpPr txBox="1"/>
-          <p:nvPr/>
-        </p:nvSpPr>
-        <p:spPr>
-          <a:xfrm>
-            <a:off x="717174" y="760619"/>
-            <a:ext cx="1124174" cy="369332"/>
-          </a:xfrm>
-          <a:prstGeom prst="rect">
-            <a:avLst/>
-          </a:prstGeom>
-          <a:noFill/>
-        </p:spPr>
-        <p:txBody>
-          <a:bodyPr wrap="square">
-            <a:spAutoFit/>
-          </a:bodyPr>
-          <a:lstStyle/>
-          <a:p>
-            <a:r>
-              <a:rPr lang="en-US" dirty="0">
-                <a:solidFill>
-                  <a:srgbClr val="00B050"/>
-                </a:solidFill>
-              </a:rPr>
-              <a:t>Al-Fatihah</a:t>
-            </a:r>
-          </a:p>
-        </p:txBody>
-      </p:sp>
-      <p:sp>
-        <p:nvSpPr>
-          <p:cNvPr id="38" name="TextBox 37">
-            <a:extLst>
-              <a:ext uri="{FF2B5EF4-FFF2-40B4-BE49-F238E27FC236}">
-                <a16:creationId xmlns:a16="http://schemas.microsoft.com/office/drawing/2014/main" id="{1308B3BA-9524-9156-F166-0BFE5695F2BD}"/>
-              </a:ext>
-            </a:extLst>
-          </p:cNvPr>
-          <p:cNvSpPr txBox="1"/>
-          <p:nvPr/>
-        </p:nvSpPr>
-        <p:spPr>
-          <a:xfrm>
-            <a:off x="717174" y="1031927"/>
-            <a:ext cx="704626" cy="369332"/>
-          </a:xfrm>
-          <a:prstGeom prst="rect">
-            <a:avLst/>
-          </a:prstGeom>
-          <a:noFill/>
-        </p:spPr>
-        <p:txBody>
-          <a:bodyPr wrap="square">
-            <a:spAutoFit/>
-          </a:bodyPr>
-          <a:lstStyle/>
-          <a:p>
-            <a:r>
-              <a:rPr lang="ar-AE" dirty="0">
-                <a:solidFill>
-                  <a:srgbClr val="00B050"/>
-                </a:solidFill>
-              </a:rPr>
-              <a:t>الفاتحة</a:t>
-            </a:r>
-            <a:endParaRPr lang="en-US" dirty="0">
-              <a:solidFill>
-                <a:srgbClr val="00B050"/>
-              </a:solidFill>
-            </a:endParaRPr>
-          </a:p>
-        </p:txBody>
-      </p:sp>
-      <p:sp>
-        <p:nvSpPr>
-          <p:cNvPr id="39" name="Rounded Rectangle 38">
-            <a:extLst>
-              <a:ext uri="{FF2B5EF4-FFF2-40B4-BE49-F238E27FC236}">
-                <a16:creationId xmlns:a16="http://schemas.microsoft.com/office/drawing/2014/main" id="{73850DF6-7A0F-7CB2-3512-AEC55CD71708}"/>
+            </a:br>
+            <a:endParaRPr lang="en-US" dirty="0"/>
+          </a:p>
+        </p:txBody>
+      </p:sp>
+      <p:sp>
+        <p:nvSpPr>
+          <p:cNvPr id="57" name="Rounded Rectangle 56">
+            <a:extLst>
+              <a:ext uri="{FF2B5EF4-FFF2-40B4-BE49-F238E27FC236}">
+                <a16:creationId xmlns:a16="http://schemas.microsoft.com/office/drawing/2014/main" id="{6BF0A6CC-7A0C-F1CE-3760-66D46A927387}"/>
               </a:ext>
             </a:extLst>
           </p:cNvPr>
@@ -9180,8 +11405,8 @@
         </p:nvSpPr>
         <p:spPr>
           <a:xfrm>
-            <a:off x="3659391" y="937540"/>
-            <a:ext cx="914400" cy="274320"/>
+            <a:off x="4490594" y="2737238"/>
+            <a:ext cx="1198023" cy="369332"/>
           </a:xfrm>
           <a:prstGeom prst="roundRect">
             <a:avLst>
@@ -9219,18 +11444,6 @@
           <a:lstStyle/>
           <a:p>
             <a:pPr algn="ctr"/>
-            <a:r>
-              <a:rPr lang="en-US" sz="1400" dirty="0">
-                <a:solidFill>
-                  <a:schemeClr val="tx1">
-                    <a:lumMod val="50000"/>
-                    <a:lumOff val="50000"/>
-                  </a:schemeClr>
-                </a:solidFill>
-                <a:latin typeface="ui-sans-serif"/>
-              </a:rPr>
-              <a:t>7 Verses</a:t>
-            </a:r>
             <a:endParaRPr lang="en-US" sz="1400" dirty="0">
               <a:solidFill>
                 <a:schemeClr val="tx1">
@@ -9244,10 +11457,52 @@
       </p:sp>
       <p:sp>
         <p:nvSpPr>
-          <p:cNvPr id="40" name="Oval 39">
-            <a:extLst>
-              <a:ext uri="{FF2B5EF4-FFF2-40B4-BE49-F238E27FC236}">
-                <a16:creationId xmlns:a16="http://schemas.microsoft.com/office/drawing/2014/main" id="{00E9096D-0121-D085-BB2D-2294D6E90CF1}"/>
+          <p:cNvPr id="58" name="TextBox 57">
+            <a:extLst>
+              <a:ext uri="{FF2B5EF4-FFF2-40B4-BE49-F238E27FC236}">
+                <a16:creationId xmlns:a16="http://schemas.microsoft.com/office/drawing/2014/main" id="{91C3BE8B-5FC8-EF28-87F8-EF47C12CC7D1}"/>
+              </a:ext>
+            </a:extLst>
+          </p:cNvPr>
+          <p:cNvSpPr txBox="1"/>
+          <p:nvPr/>
+        </p:nvSpPr>
+        <p:spPr>
+          <a:xfrm>
+            <a:off x="1822241" y="2737238"/>
+            <a:ext cx="2287684" cy="369332"/>
+          </a:xfrm>
+          <a:prstGeom prst="rect">
+            <a:avLst/>
+          </a:prstGeom>
+          <a:noFill/>
+        </p:spPr>
+        <p:txBody>
+          <a:bodyPr wrap="square">
+            <a:spAutoFit/>
+          </a:bodyPr>
+          <a:lstStyle/>
+          <a:p>
+            <a:r>
+              <a:rPr lang="en-US" dirty="0">
+                <a:solidFill>
+                  <a:schemeClr val="bg1">
+                    <a:lumMod val="50000"/>
+                  </a:schemeClr>
+                </a:solidFill>
+              </a:rPr>
+              <a:t>Toggle Translation</a:t>
+            </a:r>
+            <a:endParaRPr lang="en-US" dirty="0"/>
+          </a:p>
+        </p:txBody>
+      </p:sp>
+      <p:sp>
+        <p:nvSpPr>
+          <p:cNvPr id="61" name="Rounded Rectangle 60">
+            <a:extLst>
+              <a:ext uri="{FF2B5EF4-FFF2-40B4-BE49-F238E27FC236}">
+                <a16:creationId xmlns:a16="http://schemas.microsoft.com/office/drawing/2014/main" id="{9F17CECE-F312-0C9E-DE8E-4714DAC810B4}"/>
               </a:ext>
             </a:extLst>
           </p:cNvPr>
@@ -9256,16 +11511,16 @@
         </p:nvSpPr>
         <p:spPr>
           <a:xfrm>
-            <a:off x="442854" y="1730907"/>
-            <a:ext cx="274320" cy="274320"/>
-          </a:xfrm>
-          <a:prstGeom prst="ellipse">
-            <a:avLst/>
+            <a:off x="4529473" y="2772480"/>
+            <a:ext cx="564594" cy="298848"/>
+          </a:xfrm>
+          <a:prstGeom prst="roundRect">
+            <a:avLst>
+              <a:gd name="adj" fmla="val 50000"/>
+            </a:avLst>
           </a:prstGeom>
           <a:solidFill>
-            <a:schemeClr val="accent6">
-              <a:lumMod val="75000"/>
-            </a:schemeClr>
+            <a:srgbClr val="404040"/>
           </a:solidFill>
           <a:ln>
             <a:noFill/>
@@ -9293,102 +11548,140 @@
           <a:p>
             <a:pPr algn="ctr"/>
             <a:r>
+              <a:rPr lang="en-US" sz="1400" dirty="0"/>
+              <a:t>Off</a:t>
+            </a:r>
+            <a:endParaRPr lang="en-US" dirty="0"/>
+          </a:p>
+        </p:txBody>
+      </p:sp>
+      <p:sp>
+        <p:nvSpPr>
+          <p:cNvPr id="60" name="Rounded Rectangle 59">
+            <a:extLst>
+              <a:ext uri="{FF2B5EF4-FFF2-40B4-BE49-F238E27FC236}">
+                <a16:creationId xmlns:a16="http://schemas.microsoft.com/office/drawing/2014/main" id="{EA654380-8FE2-74AC-5F3E-C7DB1BE1DDED}"/>
+              </a:ext>
+            </a:extLst>
+          </p:cNvPr>
+          <p:cNvSpPr/>
+          <p:nvPr/>
+        </p:nvSpPr>
+        <p:spPr>
+          <a:xfrm>
+            <a:off x="5048320" y="2774279"/>
+            <a:ext cx="564594" cy="298848"/>
+          </a:xfrm>
+          <a:prstGeom prst="roundRect">
+            <a:avLst>
+              <a:gd name="adj" fmla="val 50000"/>
+            </a:avLst>
+          </a:prstGeom>
+          <a:solidFill>
+            <a:srgbClr val="00B050"/>
+          </a:solidFill>
+          <a:ln>
+            <a:noFill/>
+          </a:ln>
+        </p:spPr>
+        <p:style>
+          <a:lnRef idx="2">
+            <a:schemeClr val="accent1">
+              <a:shade val="15000"/>
+            </a:schemeClr>
+          </a:lnRef>
+          <a:fillRef idx="1">
+            <a:schemeClr val="accent1"/>
+          </a:fillRef>
+          <a:effectRef idx="0">
+            <a:schemeClr val="accent1"/>
+          </a:effectRef>
+          <a:fontRef idx="minor">
+            <a:schemeClr val="lt1"/>
+          </a:fontRef>
+        </p:style>
+        <p:txBody>
+          <a:bodyPr rtlCol="0" anchor="ctr"/>
+          <a:lstStyle/>
+          <a:p>
+            <a:pPr algn="ctr"/>
+            <a:r>
+              <a:rPr lang="en-US" sz="1400" dirty="0"/>
+              <a:t>On</a:t>
+            </a:r>
+            <a:endParaRPr lang="en-US" dirty="0"/>
+          </a:p>
+        </p:txBody>
+      </p:sp>
+      <p:sp>
+        <p:nvSpPr>
+          <p:cNvPr id="63" name="Rounded Rectangle 62">
+            <a:extLst>
+              <a:ext uri="{FF2B5EF4-FFF2-40B4-BE49-F238E27FC236}">
+                <a16:creationId xmlns:a16="http://schemas.microsoft.com/office/drawing/2014/main" id="{0CF298D0-F938-3EDD-DDA3-25A337E30A43}"/>
+              </a:ext>
+            </a:extLst>
+          </p:cNvPr>
+          <p:cNvSpPr/>
+          <p:nvPr/>
+        </p:nvSpPr>
+        <p:spPr>
+          <a:xfrm>
+            <a:off x="1449467" y="3379958"/>
+            <a:ext cx="4572000" cy="1201532"/>
+          </a:xfrm>
+          <a:prstGeom prst="roundRect">
+            <a:avLst>
+              <a:gd name="adj" fmla="val 25939"/>
+            </a:avLst>
+          </a:prstGeom>
+          <a:solidFill>
+            <a:srgbClr val="1A2810"/>
+          </a:solidFill>
+          <a:ln>
+            <a:noFill/>
+          </a:ln>
+          <a:effectLst>
+            <a:outerShdw blurRad="50800" dist="38100" dir="5400000" algn="t" rotWithShape="0">
+              <a:prstClr val="black">
+                <a:alpha val="40000"/>
+              </a:prstClr>
+            </a:outerShdw>
+          </a:effectLst>
+        </p:spPr>
+        <p:style>
+          <a:lnRef idx="2">
+            <a:schemeClr val="accent1">
+              <a:shade val="15000"/>
+            </a:schemeClr>
+          </a:lnRef>
+          <a:fillRef idx="1">
+            <a:schemeClr val="accent1"/>
+          </a:fillRef>
+          <a:effectRef idx="0">
+            <a:schemeClr val="accent1"/>
+          </a:effectRef>
+          <a:fontRef idx="minor">
+            <a:schemeClr val="lt1"/>
+          </a:fontRef>
+        </p:style>
+        <p:txBody>
+          <a:bodyPr rtlCol="0" anchor="t"/>
+          <a:lstStyle/>
+          <a:p>
+            <a:br>
               <a:rPr lang="en-US" dirty="0"/>
-              <a:t>1</a:t>
-            </a:r>
-          </a:p>
-        </p:txBody>
-      </p:sp>
-      <p:sp>
-        <p:nvSpPr>
-          <p:cNvPr id="41" name="TextBox 40">
-            <a:extLst>
-              <a:ext uri="{FF2B5EF4-FFF2-40B4-BE49-F238E27FC236}">
-                <a16:creationId xmlns:a16="http://schemas.microsoft.com/office/drawing/2014/main" id="{1B2D6040-3667-921A-3493-A006B41B56DD}"/>
-              </a:ext>
-            </a:extLst>
-          </p:cNvPr>
-          <p:cNvSpPr txBox="1"/>
-          <p:nvPr/>
-        </p:nvSpPr>
-        <p:spPr>
-          <a:xfrm>
-            <a:off x="717174" y="1570769"/>
-            <a:ext cx="1124174" cy="369332"/>
-          </a:xfrm>
-          <a:prstGeom prst="rect">
-            <a:avLst/>
-          </a:prstGeom>
-          <a:noFill/>
-        </p:spPr>
-        <p:txBody>
-          <a:bodyPr wrap="square">
-            <a:spAutoFit/>
-          </a:bodyPr>
-          <a:lstStyle/>
-          <a:p>
-            <a:r>
-              <a:rPr lang="en-US" dirty="0">
-                <a:solidFill>
-                  <a:schemeClr val="bg1">
-                    <a:lumMod val="50000"/>
-                  </a:schemeClr>
-                </a:solidFill>
-              </a:rPr>
-              <a:t>Al-Fatihah</a:t>
-            </a:r>
+            </a:br>
             <a:endParaRPr lang="en-US" dirty="0"/>
           </a:p>
         </p:txBody>
       </p:sp>
       <p:sp>
         <p:nvSpPr>
-          <p:cNvPr id="42" name="TextBox 41">
-            <a:extLst>
-              <a:ext uri="{FF2B5EF4-FFF2-40B4-BE49-F238E27FC236}">
-                <a16:creationId xmlns:a16="http://schemas.microsoft.com/office/drawing/2014/main" id="{FD4A514F-F03F-08B5-9B1A-142E1F5536DF}"/>
-              </a:ext>
-            </a:extLst>
-          </p:cNvPr>
-          <p:cNvSpPr txBox="1"/>
-          <p:nvPr/>
-        </p:nvSpPr>
-        <p:spPr>
-          <a:xfrm>
-            <a:off x="717174" y="1842077"/>
-            <a:ext cx="704626" cy="369332"/>
-          </a:xfrm>
-          <a:prstGeom prst="rect">
-            <a:avLst/>
-          </a:prstGeom>
-          <a:noFill/>
-        </p:spPr>
-        <p:txBody>
-          <a:bodyPr wrap="square">
-            <a:spAutoFit/>
-          </a:bodyPr>
-          <a:lstStyle/>
-          <a:p>
-            <a:r>
-              <a:rPr lang="ar-AE" dirty="0">
-                <a:solidFill>
-                  <a:schemeClr val="bg1">
-                    <a:lumMod val="50000"/>
-                  </a:schemeClr>
-                </a:solidFill>
-              </a:rPr>
-              <a:t>الفاتحة</a:t>
-            </a:r>
-            <a:endParaRPr lang="en-US" dirty="0"/>
-          </a:p>
-        </p:txBody>
-      </p:sp>
-      <p:sp>
-        <p:nvSpPr>
-          <p:cNvPr id="43" name="Rounded Rectangle 42">
-            <a:extLst>
-              <a:ext uri="{FF2B5EF4-FFF2-40B4-BE49-F238E27FC236}">
-                <a16:creationId xmlns:a16="http://schemas.microsoft.com/office/drawing/2014/main" id="{E3F0BC30-F3A2-2BA2-6280-96C7BCBF7ED4}"/>
+          <p:cNvPr id="64" name="Rounded Rectangle 63">
+            <a:extLst>
+              <a:ext uri="{FF2B5EF4-FFF2-40B4-BE49-F238E27FC236}">
+                <a16:creationId xmlns:a16="http://schemas.microsoft.com/office/drawing/2014/main" id="{66228828-11D4-4CA3-7ADA-037FA80B3469}"/>
               </a:ext>
             </a:extLst>
           </p:cNvPr>
@@ -9397,8 +11690,8 @@
         </p:nvSpPr>
         <p:spPr>
           <a:xfrm>
-            <a:off x="3659391" y="1747690"/>
-            <a:ext cx="914400" cy="274320"/>
+            <a:off x="1964246" y="3964708"/>
+            <a:ext cx="3213347" cy="209706"/>
           </a:xfrm>
           <a:prstGeom prst="roundRect">
             <a:avLst>
@@ -9436,18 +11729,6 @@
           <a:lstStyle/>
           <a:p>
             <a:pPr algn="ctr"/>
-            <a:r>
-              <a:rPr lang="en-US" sz="1400" dirty="0">
-                <a:solidFill>
-                  <a:schemeClr val="tx1">
-                    <a:lumMod val="50000"/>
-                    <a:lumOff val="50000"/>
-                  </a:schemeClr>
-                </a:solidFill>
-                <a:latin typeface="ui-sans-serif"/>
-              </a:rPr>
-              <a:t>7 Verses</a:t>
-            </a:r>
             <a:endParaRPr lang="en-US" sz="1400" dirty="0">
               <a:solidFill>
                 <a:schemeClr val="tx1">
@@ -9461,10 +11742,135 @@
       </p:sp>
       <p:sp>
         <p:nvSpPr>
-          <p:cNvPr id="44" name="Oval 43">
-            <a:extLst>
-              <a:ext uri="{FF2B5EF4-FFF2-40B4-BE49-F238E27FC236}">
-                <a16:creationId xmlns:a16="http://schemas.microsoft.com/office/drawing/2014/main" id="{D211FD56-B15B-48EA-60B9-785EC1AD7E96}"/>
+          <p:cNvPr id="65" name="TextBox 64">
+            <a:extLst>
+              <a:ext uri="{FF2B5EF4-FFF2-40B4-BE49-F238E27FC236}">
+                <a16:creationId xmlns:a16="http://schemas.microsoft.com/office/drawing/2014/main" id="{7A211028-A4D3-DA84-8949-4A1BE98CC2DF}"/>
+              </a:ext>
+            </a:extLst>
+          </p:cNvPr>
+          <p:cNvSpPr txBox="1"/>
+          <p:nvPr/>
+        </p:nvSpPr>
+        <p:spPr>
+          <a:xfrm>
+            <a:off x="1699808" y="3463040"/>
+            <a:ext cx="2287684" cy="369332"/>
+          </a:xfrm>
+          <a:prstGeom prst="rect">
+            <a:avLst/>
+          </a:prstGeom>
+          <a:noFill/>
+        </p:spPr>
+        <p:txBody>
+          <a:bodyPr wrap="square">
+            <a:spAutoFit/>
+          </a:bodyPr>
+          <a:lstStyle/>
+          <a:p>
+            <a:r>
+              <a:rPr lang="en-US" dirty="0">
+                <a:solidFill>
+                  <a:schemeClr val="bg1">
+                    <a:lumMod val="50000"/>
+                  </a:schemeClr>
+                </a:solidFill>
+              </a:rPr>
+              <a:t>Font Size</a:t>
+            </a:r>
+            <a:endParaRPr lang="en-US" dirty="0"/>
+          </a:p>
+        </p:txBody>
+      </p:sp>
+      <p:sp>
+        <p:nvSpPr>
+          <p:cNvPr id="69" name="TextBox 68">
+            <a:extLst>
+              <a:ext uri="{FF2B5EF4-FFF2-40B4-BE49-F238E27FC236}">
+                <a16:creationId xmlns:a16="http://schemas.microsoft.com/office/drawing/2014/main" id="{40C1C612-93F4-FD06-0B32-6124B2EC0B8C}"/>
+              </a:ext>
+            </a:extLst>
+          </p:cNvPr>
+          <p:cNvSpPr txBox="1"/>
+          <p:nvPr/>
+        </p:nvSpPr>
+        <p:spPr>
+          <a:xfrm>
+            <a:off x="1685039" y="3910742"/>
+            <a:ext cx="629474" cy="307777"/>
+          </a:xfrm>
+          <a:prstGeom prst="rect">
+            <a:avLst/>
+          </a:prstGeom>
+          <a:noFill/>
+        </p:spPr>
+        <p:txBody>
+          <a:bodyPr wrap="square">
+            <a:spAutoFit/>
+          </a:bodyPr>
+          <a:lstStyle/>
+          <a:p>
+            <a:r>
+              <a:rPr lang="en-US" sz="1400" dirty="0">
+                <a:solidFill>
+                  <a:schemeClr val="bg1"/>
+                </a:solidFill>
+              </a:rPr>
+              <a:t>A</a:t>
+            </a:r>
+          </a:p>
+        </p:txBody>
+      </p:sp>
+      <p:sp>
+        <p:nvSpPr>
+          <p:cNvPr id="70" name="TextBox 69">
+            <a:extLst>
+              <a:ext uri="{FF2B5EF4-FFF2-40B4-BE49-F238E27FC236}">
+                <a16:creationId xmlns:a16="http://schemas.microsoft.com/office/drawing/2014/main" id="{DA1D9D29-AB82-1AB6-8CD8-A7CEBCD78121}"/>
+              </a:ext>
+            </a:extLst>
+          </p:cNvPr>
+          <p:cNvSpPr txBox="1"/>
+          <p:nvPr/>
+        </p:nvSpPr>
+        <p:spPr>
+          <a:xfrm>
+            <a:off x="5134622" y="3829015"/>
+            <a:ext cx="629474" cy="461665"/>
+          </a:xfrm>
+          <a:prstGeom prst="rect">
+            <a:avLst/>
+          </a:prstGeom>
+          <a:noFill/>
+        </p:spPr>
+        <p:txBody>
+          <a:bodyPr wrap="square">
+            <a:spAutoFit/>
+          </a:bodyPr>
+          <a:lstStyle/>
+          <a:p>
+            <a:r>
+              <a:rPr lang="en-US" sz="2400" dirty="0">
+                <a:solidFill>
+                  <a:schemeClr val="bg1"/>
+                </a:solidFill>
+              </a:rPr>
+              <a:t>A</a:t>
+            </a:r>
+            <a:endParaRPr lang="en-US" dirty="0">
+              <a:solidFill>
+                <a:schemeClr val="bg1"/>
+              </a:solidFill>
+            </a:endParaRPr>
+          </a:p>
+        </p:txBody>
+      </p:sp>
+      <p:sp>
+        <p:nvSpPr>
+          <p:cNvPr id="71" name="Oval 70">
+            <a:extLst>
+              <a:ext uri="{FF2B5EF4-FFF2-40B4-BE49-F238E27FC236}">
+                <a16:creationId xmlns:a16="http://schemas.microsoft.com/office/drawing/2014/main" id="{8C9D21D3-789D-0ABD-9257-096944AF24FD}"/>
               </a:ext>
             </a:extLst>
           </p:cNvPr>
@@ -9473,15 +11879,15 @@
         </p:nvSpPr>
         <p:spPr>
           <a:xfrm>
-            <a:off x="442854" y="2541638"/>
-            <a:ext cx="274320" cy="274320"/>
+            <a:off x="1997682" y="3980724"/>
+            <a:ext cx="182880" cy="182880"/>
           </a:xfrm>
           <a:prstGeom prst="ellipse">
             <a:avLst/>
           </a:prstGeom>
           <a:solidFill>
-            <a:schemeClr val="accent6">
-              <a:lumMod val="75000"/>
+            <a:schemeClr val="bg1">
+              <a:lumMod val="50000"/>
             </a:schemeClr>
           </a:solidFill>
           <a:ln>
@@ -9509,123 +11915,33 @@
           <a:lstStyle/>
           <a:p>
             <a:pPr algn="ctr"/>
-            <a:r>
-              <a:rPr lang="en-US" dirty="0"/>
-              <a:t>1</a:t>
-            </a:r>
-          </a:p>
-        </p:txBody>
-      </p:sp>
-      <p:sp>
-        <p:nvSpPr>
-          <p:cNvPr id="45" name="TextBox 44">
-            <a:extLst>
-              <a:ext uri="{FF2B5EF4-FFF2-40B4-BE49-F238E27FC236}">
-                <a16:creationId xmlns:a16="http://schemas.microsoft.com/office/drawing/2014/main" id="{C49990DA-FD12-CE9E-3F35-EAF64E53891E}"/>
-              </a:ext>
-            </a:extLst>
-          </p:cNvPr>
-          <p:cNvSpPr txBox="1"/>
-          <p:nvPr/>
-        </p:nvSpPr>
-        <p:spPr>
-          <a:xfrm>
-            <a:off x="717174" y="2381500"/>
-            <a:ext cx="1124174" cy="369332"/>
-          </a:xfrm>
-          <a:prstGeom prst="rect">
+            <a:endParaRPr lang="en-US"/>
+          </a:p>
+        </p:txBody>
+      </p:sp>
+      <p:sp>
+        <p:nvSpPr>
+          <p:cNvPr id="72" name="Oval 71">
+            <a:extLst>
+              <a:ext uri="{FF2B5EF4-FFF2-40B4-BE49-F238E27FC236}">
+                <a16:creationId xmlns:a16="http://schemas.microsoft.com/office/drawing/2014/main" id="{8BAC29F7-C076-9595-9AE8-9CF5977FFBB6}"/>
+              </a:ext>
+            </a:extLst>
+          </p:cNvPr>
+          <p:cNvSpPr/>
+          <p:nvPr/>
+        </p:nvSpPr>
+        <p:spPr>
+          <a:xfrm>
+            <a:off x="4968649" y="3984092"/>
+            <a:ext cx="182880" cy="182880"/>
+          </a:xfrm>
+          <a:prstGeom prst="ellipse">
             <a:avLst/>
           </a:prstGeom>
-          <a:noFill/>
-        </p:spPr>
-        <p:txBody>
-          <a:bodyPr wrap="square">
-            <a:spAutoFit/>
-          </a:bodyPr>
-          <a:lstStyle/>
-          <a:p>
-            <a:r>
-              <a:rPr lang="en-US" dirty="0">
-                <a:solidFill>
-                  <a:schemeClr val="bg1">
-                    <a:lumMod val="50000"/>
-                  </a:schemeClr>
-                </a:solidFill>
-              </a:rPr>
-              <a:t>Al-Fatihah</a:t>
-            </a:r>
-            <a:endParaRPr lang="en-US" dirty="0"/>
-          </a:p>
-        </p:txBody>
-      </p:sp>
-      <p:sp>
-        <p:nvSpPr>
-          <p:cNvPr id="46" name="TextBox 45">
-            <a:extLst>
-              <a:ext uri="{FF2B5EF4-FFF2-40B4-BE49-F238E27FC236}">
-                <a16:creationId xmlns:a16="http://schemas.microsoft.com/office/drawing/2014/main" id="{76FEA237-DE79-580C-2596-C65C6EA26A18}"/>
-              </a:ext>
-            </a:extLst>
-          </p:cNvPr>
-          <p:cNvSpPr txBox="1"/>
-          <p:nvPr/>
-        </p:nvSpPr>
-        <p:spPr>
-          <a:xfrm>
-            <a:off x="717174" y="2652808"/>
-            <a:ext cx="704626" cy="369332"/>
-          </a:xfrm>
-          <a:prstGeom prst="rect">
-            <a:avLst/>
-          </a:prstGeom>
-          <a:noFill/>
-        </p:spPr>
-        <p:txBody>
-          <a:bodyPr wrap="square">
-            <a:spAutoFit/>
-          </a:bodyPr>
-          <a:lstStyle/>
-          <a:p>
-            <a:r>
-              <a:rPr lang="ar-AE" dirty="0">
-                <a:solidFill>
-                  <a:schemeClr val="bg1">
-                    <a:lumMod val="50000"/>
-                  </a:schemeClr>
-                </a:solidFill>
-              </a:rPr>
-              <a:t>الفاتحة</a:t>
-            </a:r>
-            <a:endParaRPr lang="en-US" dirty="0"/>
-          </a:p>
-        </p:txBody>
-      </p:sp>
-      <p:sp>
-        <p:nvSpPr>
-          <p:cNvPr id="47" name="Rounded Rectangle 46">
-            <a:extLst>
-              <a:ext uri="{FF2B5EF4-FFF2-40B4-BE49-F238E27FC236}">
-                <a16:creationId xmlns:a16="http://schemas.microsoft.com/office/drawing/2014/main" id="{05803B40-90FA-0BAB-D439-EEA6B7B53EF5}"/>
-              </a:ext>
-            </a:extLst>
-          </p:cNvPr>
-          <p:cNvSpPr/>
-          <p:nvPr/>
-        </p:nvSpPr>
-        <p:spPr>
-          <a:xfrm>
-            <a:off x="3659391" y="2558421"/>
-            <a:ext cx="914400" cy="274320"/>
-          </a:xfrm>
-          <a:prstGeom prst="roundRect">
-            <a:avLst>
-              <a:gd name="adj" fmla="val 50000"/>
-            </a:avLst>
-          </a:prstGeom>
           <a:solidFill>
-            <a:schemeClr val="tx1">
-              <a:lumMod val="75000"/>
-              <a:lumOff val="25000"/>
+            <a:schemeClr val="bg1">
+              <a:lumMod val="50000"/>
             </a:schemeClr>
           </a:solidFill>
           <a:ln>
@@ -9653,33 +11969,304 @@
           <a:lstStyle/>
           <a:p>
             <a:pPr algn="ctr"/>
-            <a:r>
-              <a:rPr lang="en-US" sz="1400" dirty="0">
-                <a:solidFill>
-                  <a:schemeClr val="tx1">
-                    <a:lumMod val="50000"/>
-                    <a:lumOff val="50000"/>
-                  </a:schemeClr>
-                </a:solidFill>
-                <a:latin typeface="ui-sans-serif"/>
-              </a:rPr>
-              <a:t>7 Verses</a:t>
-            </a:r>
-            <a:endParaRPr lang="en-US" sz="1400" dirty="0">
-              <a:solidFill>
-                <a:schemeClr val="tx1">
-                  <a:lumMod val="50000"/>
-                  <a:lumOff val="50000"/>
-                </a:schemeClr>
-              </a:solidFill>
-            </a:endParaRPr>
-          </a:p>
-        </p:txBody>
-      </p:sp>
+            <a:endParaRPr lang="en-US"/>
+          </a:p>
+        </p:txBody>
+      </p:sp>
+      <p:sp>
+        <p:nvSpPr>
+          <p:cNvPr id="73" name="Oval 72">
+            <a:extLst>
+              <a:ext uri="{FF2B5EF4-FFF2-40B4-BE49-F238E27FC236}">
+                <a16:creationId xmlns:a16="http://schemas.microsoft.com/office/drawing/2014/main" id="{84F0019F-0B48-8D04-133A-69CA59F8B0D4}"/>
+              </a:ext>
+            </a:extLst>
+          </p:cNvPr>
+          <p:cNvSpPr/>
+          <p:nvPr/>
+        </p:nvSpPr>
+        <p:spPr>
+          <a:xfrm>
+            <a:off x="3479479" y="3978121"/>
+            <a:ext cx="182880" cy="182880"/>
+          </a:xfrm>
+          <a:prstGeom prst="ellipse">
+            <a:avLst/>
+          </a:prstGeom>
+          <a:solidFill>
+            <a:schemeClr val="bg1">
+              <a:lumMod val="50000"/>
+            </a:schemeClr>
+          </a:solidFill>
+          <a:ln>
+            <a:noFill/>
+          </a:ln>
+        </p:spPr>
+        <p:style>
+          <a:lnRef idx="2">
+            <a:schemeClr val="accent1">
+              <a:shade val="15000"/>
+            </a:schemeClr>
+          </a:lnRef>
+          <a:fillRef idx="1">
+            <a:schemeClr val="accent1"/>
+          </a:fillRef>
+          <a:effectRef idx="0">
+            <a:schemeClr val="accent1"/>
+          </a:effectRef>
+          <a:fontRef idx="minor">
+            <a:schemeClr val="lt1"/>
+          </a:fontRef>
+        </p:style>
+        <p:txBody>
+          <a:bodyPr rtlCol="0" anchor="ctr"/>
+          <a:lstStyle/>
+          <a:p>
+            <a:pPr algn="ctr"/>
+            <a:endParaRPr lang="en-US"/>
+          </a:p>
+        </p:txBody>
+      </p:sp>
+      <p:sp>
+        <p:nvSpPr>
+          <p:cNvPr id="74" name="Oval 73">
+            <a:extLst>
+              <a:ext uri="{FF2B5EF4-FFF2-40B4-BE49-F238E27FC236}">
+                <a16:creationId xmlns:a16="http://schemas.microsoft.com/office/drawing/2014/main" id="{51B633A8-E545-71EC-23C8-414A3A2EA0BE}"/>
+              </a:ext>
+            </a:extLst>
+          </p:cNvPr>
+          <p:cNvSpPr/>
+          <p:nvPr/>
+        </p:nvSpPr>
+        <p:spPr>
+          <a:xfrm>
+            <a:off x="2683047" y="3978121"/>
+            <a:ext cx="182880" cy="182880"/>
+          </a:xfrm>
+          <a:prstGeom prst="ellipse">
+            <a:avLst/>
+          </a:prstGeom>
+          <a:solidFill>
+            <a:schemeClr val="bg1">
+              <a:lumMod val="50000"/>
+            </a:schemeClr>
+          </a:solidFill>
+          <a:ln>
+            <a:noFill/>
+          </a:ln>
+        </p:spPr>
+        <p:style>
+          <a:lnRef idx="2">
+            <a:schemeClr val="accent1">
+              <a:shade val="15000"/>
+            </a:schemeClr>
+          </a:lnRef>
+          <a:fillRef idx="1">
+            <a:schemeClr val="accent1"/>
+          </a:fillRef>
+          <a:effectRef idx="0">
+            <a:schemeClr val="accent1"/>
+          </a:effectRef>
+          <a:fontRef idx="minor">
+            <a:schemeClr val="lt1"/>
+          </a:fontRef>
+        </p:style>
+        <p:txBody>
+          <a:bodyPr rtlCol="0" anchor="ctr"/>
+          <a:lstStyle/>
+          <a:p>
+            <a:pPr algn="ctr"/>
+            <a:endParaRPr lang="en-US"/>
+          </a:p>
+        </p:txBody>
+      </p:sp>
+      <p:sp>
+        <p:nvSpPr>
+          <p:cNvPr id="75" name="Oval 74">
+            <a:extLst>
+              <a:ext uri="{FF2B5EF4-FFF2-40B4-BE49-F238E27FC236}">
+                <a16:creationId xmlns:a16="http://schemas.microsoft.com/office/drawing/2014/main" id="{C4E80124-0584-1005-1F27-6874BB59EB55}"/>
+              </a:ext>
+            </a:extLst>
+          </p:cNvPr>
+          <p:cNvSpPr/>
+          <p:nvPr/>
+        </p:nvSpPr>
+        <p:spPr>
+          <a:xfrm>
+            <a:off x="4271189" y="3978121"/>
+            <a:ext cx="182880" cy="182880"/>
+          </a:xfrm>
+          <a:prstGeom prst="ellipse">
+            <a:avLst/>
+          </a:prstGeom>
+          <a:solidFill>
+            <a:schemeClr val="bg1">
+              <a:lumMod val="50000"/>
+            </a:schemeClr>
+          </a:solidFill>
+          <a:ln>
+            <a:noFill/>
+          </a:ln>
+        </p:spPr>
+        <p:style>
+          <a:lnRef idx="2">
+            <a:schemeClr val="accent1">
+              <a:shade val="15000"/>
+            </a:schemeClr>
+          </a:lnRef>
+          <a:fillRef idx="1">
+            <a:schemeClr val="accent1"/>
+          </a:fillRef>
+          <a:effectRef idx="0">
+            <a:schemeClr val="accent1"/>
+          </a:effectRef>
+          <a:fontRef idx="minor">
+            <a:schemeClr val="lt1"/>
+          </a:fontRef>
+        </p:style>
+        <p:txBody>
+          <a:bodyPr rtlCol="0" anchor="ctr"/>
+          <a:lstStyle/>
+          <a:p>
+            <a:pPr algn="ctr"/>
+            <a:endParaRPr lang="en-US"/>
+          </a:p>
+        </p:txBody>
+      </p:sp>
+      <p:sp>
+        <p:nvSpPr>
+          <p:cNvPr id="67" name="Rounded Rectangle 66">
+            <a:extLst>
+              <a:ext uri="{FF2B5EF4-FFF2-40B4-BE49-F238E27FC236}">
+                <a16:creationId xmlns:a16="http://schemas.microsoft.com/office/drawing/2014/main" id="{7E1EE28F-0FD9-435A-7A61-3355C3AF5D71}"/>
+              </a:ext>
+            </a:extLst>
+          </p:cNvPr>
+          <p:cNvSpPr>
+            <a:spLocks noChangeAspect="1"/>
+          </p:cNvSpPr>
+          <p:nvPr/>
+        </p:nvSpPr>
+        <p:spPr>
+          <a:xfrm>
+            <a:off x="3424597" y="3943474"/>
+            <a:ext cx="301752" cy="246812"/>
+          </a:xfrm>
+          <a:prstGeom prst="roundRect">
+            <a:avLst>
+              <a:gd name="adj" fmla="val 47093"/>
+            </a:avLst>
+          </a:prstGeom>
+          <a:solidFill>
+            <a:srgbClr val="00B050"/>
+          </a:solidFill>
+          <a:ln>
+            <a:noFill/>
+          </a:ln>
+        </p:spPr>
+        <p:style>
+          <a:lnRef idx="2">
+            <a:schemeClr val="accent1">
+              <a:shade val="15000"/>
+            </a:schemeClr>
+          </a:lnRef>
+          <a:fillRef idx="1">
+            <a:schemeClr val="accent1"/>
+          </a:fillRef>
+          <a:effectRef idx="0">
+            <a:schemeClr val="accent1"/>
+          </a:effectRef>
+          <a:fontRef idx="minor">
+            <a:schemeClr val="lt1"/>
+          </a:fontRef>
+        </p:style>
+        <p:txBody>
+          <a:bodyPr rtlCol="0" anchor="ctr"/>
+          <a:lstStyle/>
+          <a:p>
+            <a:pPr algn="ctr"/>
+            <a:endParaRPr lang="en-US" dirty="0"/>
+          </a:p>
+        </p:txBody>
+      </p:sp>
+      <p:pic>
+        <p:nvPicPr>
+          <p:cNvPr id="76" name="Graphic 75" descr="Single gear with solid fill">
+            <a:extLst>
+              <a:ext uri="{FF2B5EF4-FFF2-40B4-BE49-F238E27FC236}">
+                <a16:creationId xmlns:a16="http://schemas.microsoft.com/office/drawing/2014/main" id="{203CC575-F03B-CF22-B84C-EC80A1236B88}"/>
+              </a:ext>
+            </a:extLst>
+          </p:cNvPr>
+          <p:cNvPicPr>
+            <a:picLocks noChangeAspect="1"/>
+          </p:cNvPicPr>
+          <p:nvPr/>
+        </p:nvPicPr>
+        <p:blipFill>
+          <a:blip r:embed="rId2">
+            <a:extLst>
+              <a:ext uri="{96DAC541-7B7A-43D3-8B79-37D633B846F1}">
+                <asvg:svgBlip xmlns:asvg="http://schemas.microsoft.com/office/drawing/2016/SVG/main" r:embed="rId3"/>
+              </a:ext>
+            </a:extLst>
+          </a:blip>
+          <a:stretch>
+            <a:fillRect/>
+          </a:stretch>
+        </p:blipFill>
+        <p:spPr>
+          <a:xfrm>
+            <a:off x="7543909" y="1152721"/>
+            <a:ext cx="3837214" cy="3837214"/>
+          </a:xfrm>
+          <a:prstGeom prst="rect">
+            <a:avLst/>
+          </a:prstGeom>
+        </p:spPr>
+      </p:pic>
+      <p:pic>
+        <p:nvPicPr>
+          <p:cNvPr id="78" name="Graphic 77" descr="Single gear with solid fill">
+            <a:extLst>
+              <a:ext uri="{FF2B5EF4-FFF2-40B4-BE49-F238E27FC236}">
+                <a16:creationId xmlns:a16="http://schemas.microsoft.com/office/drawing/2014/main" id="{3E09FD0F-29A3-E1A1-720B-A2A87F0E7E05}"/>
+              </a:ext>
+            </a:extLst>
+          </p:cNvPr>
+          <p:cNvPicPr>
+            <a:picLocks noChangeAspect="1"/>
+          </p:cNvPicPr>
+          <p:nvPr/>
+        </p:nvPicPr>
+        <p:blipFill>
+          <a:blip r:embed="rId2">
+            <a:extLst>
+              <a:ext uri="{96DAC541-7B7A-43D3-8B79-37D633B846F1}">
+                <asvg:svgBlip xmlns:asvg="http://schemas.microsoft.com/office/drawing/2016/SVG/main" r:embed="rId3"/>
+              </a:ext>
+            </a:extLst>
+          </a:blip>
+          <a:stretch>
+            <a:fillRect/>
+          </a:stretch>
+        </p:blipFill>
+        <p:spPr>
+          <a:xfrm>
+            <a:off x="5528463" y="1166072"/>
+            <a:ext cx="529985" cy="529985"/>
+          </a:xfrm>
+          <a:prstGeom prst="rect">
+            <a:avLst/>
+          </a:prstGeom>
+        </p:spPr>
+      </p:pic>
     </p:spTree>
     <p:extLst>
       <p:ext uri="{BB962C8B-B14F-4D97-AF65-F5344CB8AC3E}">
-        <p14:creationId xmlns:p14="http://schemas.microsoft.com/office/powerpoint/2010/main" val="315011090"/>
+        <p14:creationId xmlns:p14="http://schemas.microsoft.com/office/powerpoint/2010/main" val="3973701186"/>
       </p:ext>
     </p:extLst>
   </p:cSld>

--- a/GUI-design.pptx
+++ b/GUI-design.pptx
@@ -5,7 +5,7 @@
     <p:sldMasterId id="2147483648" r:id="rId1"/>
   </p:sldMasterIdLst>
   <p:notesMasterIdLst>
-    <p:notesMasterId r:id="rId13"/>
+    <p:notesMasterId r:id="rId15"/>
   </p:notesMasterIdLst>
   <p:sldIdLst>
     <p:sldId id="266" r:id="rId2"/>
@@ -19,6 +19,8 @@
     <p:sldId id="268" r:id="rId10"/>
     <p:sldId id="269" r:id="rId11"/>
     <p:sldId id="267" r:id="rId12"/>
+    <p:sldId id="270" r:id="rId13"/>
+    <p:sldId id="271" r:id="rId14"/>
   </p:sldIdLst>
   <p:sldSz cx="12192000" cy="6858000"/>
   <p:notesSz cx="6858000" cy="9144000"/>
@@ -153,6 +155,34 @@
 </inkml:ink>
 </file>
 
+<file path=ppt/ink/ink2.xml><?xml version="1.0" encoding="utf-8"?>
+<inkml:ink xmlns:inkml="http://www.w3.org/2003/InkML">
+  <inkml:definitions>
+    <inkml:context xml:id="ctx0">
+      <inkml:inkSource xml:id="inkSrc0">
+        <inkml:traceFormat>
+          <inkml:channel name="X" type="integer" min="-2.14748E9" max="2.14748E9" units="cm"/>
+          <inkml:channel name="Y" type="integer" min="-2.14748E9" max="2.14748E9" units="cm"/>
+          <inkml:channel name="F" type="integer" max="32767" units="dev"/>
+        </inkml:traceFormat>
+        <inkml:channelProperties>
+          <inkml:channelProperty channel="X" name="resolution" value="1000" units="1/cm"/>
+          <inkml:channelProperty channel="Y" name="resolution" value="1000" units="1/cm"/>
+          <inkml:channelProperty channel="F" name="resolution" value="0" units="1/dev"/>
+        </inkml:channelProperties>
+      </inkml:inkSource>
+      <inkml:timestamp xml:id="ts0" timeString="2025-11-25T05:37:11.094"/>
+    </inkml:context>
+    <inkml:brush xml:id="br0">
+      <inkml:brushProperty name="width" value="0.10583" units="cm"/>
+      <inkml:brushProperty name="height" value="0.10583" units="cm"/>
+      <inkml:brushProperty name="color" value="#FFFFFF"/>
+    </inkml:brush>
+  </inkml:definitions>
+  <inkml:trace contextRef="#ctx0" brushRef="#br0">0 6497 8027,'20'-74'0,"-4"27"0,3-2 0,-3 0 0,3-1 0,8-8 0,4-5 0,-3 6 0,3-3 0,1-2 0,4-3 0,2-1 0,2-3-334,-3 5 1,3-3 0,1-1 0,0 1 0,1 0 0,0 2 0,1-1-1,2-1 334,4-8 0,2-1 0,2-1 0,0 1-108,0 0 1,1 1-1,1-1 1,4-4-1,-9 13 1,2-2-1,3-2 1,0 0-1,1-1 1,-1 2 107,0 0 0,1 1 0,-1-1 0,2 1 0,1-2 0,3-2 0,-7 8 0,3-1 0,1-3 0,1 1 0,0-1 0,1 1 0,-2 2 0,-1 3-211,8-9 0,-2 4 0,0 1 0,1 0 0,0 0 0,3-2 211,-2 1 0,4-3 0,0-1 0,1 1 0,0 1 0,-2 3 0,-3 4 0,8-3 0,-4 5 0,0 2 0,1 0 0,3-2 0,1-2 0,3-2 0,3-2 0,-1 2 0,-1 1 0,-5 6 0,-5 5 0,-4 4 0,0 2 0,-1 0 0,2-1-61,5-3 0,2 0 1,0 0-1,-1 1 0,-2 4 1,3-2-1,-2 4 0,0 1 1,-1 2 60,0 1 0,-1 2 0,0 1 0,-1 1 0,17-7 0,-1 2 0,1-1 0,-15 7 0,2-3 0,-2 2 0,-4 4 0,26-10 0,-6 4 0,-5 0 0,-3 2 190,-13 5 1,-2 1 0,3-4-1,-3 2-190,22-15 0,3-3 1142,-26 15-1142,-5 1 0,-17 9 1290,-11 6 1,-11 7-1291,-5 2 1068,-4 5-1068,2-7 0,-11 9 0,-6-6 0,-19 9 0,-24 2 0,-27 2 0,-5 4 0,13 2 0,-6 1 0,0 0 0,1 1 0,4-1 0,1-1 0,4-1 0,1 0 0,3-1 0,3-1 0,-41 5 0,45-5 0,2-1 0,-19 2 0,-9 2 0,20-3 0,18-2 0,53-2 0,30-6 0,6 0 0,7-1 0,-2-1 0,3-2 0,17-5 0,3 0 0,-11 3 0,0 2 0,13-2 0,0 1 0,-8 4 0,-2 1 0,0 0 0,0 1 0,-3 1 0,-2 1 0,32 0 0,3 1 0,-22 1 0,-2 5 0,-30 13 0,-17 13 0,-52 16 0,-32 24 0,8-30 0,-6 1 0,-6 10 0,-4 4 0,14-12 0,-1 2 0,2-1 0,-13 15 0,2 0-214,-3 5 1,1 1 213,2 0 0,3-1 0,18-15 0,1-1-9,-7 7 1,1 1 0,7-7 0,1-1 8,-1 1 0,-1 0 0,-1-3 0,0-2 0,4-5 0,0 0 0</inkml:trace>
+</inkml:ink>
+</file>
+
 <file path=ppt/notesMasters/notesMaster1.xml><?xml version="1.0" encoding="utf-8"?>
 <p:notesMaster xmlns:a="http://schemas.openxmlformats.org/drawingml/2006/main" xmlns:r="http://schemas.openxmlformats.org/officeDocument/2006/relationships" xmlns:p="http://schemas.openxmlformats.org/presentationml/2006/main">
   <p:cSld>
@@ -235,7 +265,7 @@
           <a:p>
             <a:fld id="{241CD573-D599-2847-BBDA-6BFAA524DB5F}" type="datetimeFigureOut">
               <a:rPr lang="en-US" smtClean="0"/>
-              <a:t>11/21/25</a:t>
+              <a:t>11/22/25</a:t>
             </a:fld>
             <a:endParaRPr lang="en-US"/>
           </a:p>
@@ -649,7 +679,7 @@
           <a:p>
             <a:fld id="{8738307C-8EDA-4B45-B77E-3F369AD75B9E}" type="datetimeFigureOut">
               <a:rPr lang="en-US" smtClean="0"/>
-              <a:t>11/21/25</a:t>
+              <a:t>11/22/25</a:t>
             </a:fld>
             <a:endParaRPr lang="en-US"/>
           </a:p>
@@ -847,7 +877,7 @@
           <a:p>
             <a:fld id="{8738307C-8EDA-4B45-B77E-3F369AD75B9E}" type="datetimeFigureOut">
               <a:rPr lang="en-US" smtClean="0"/>
-              <a:t>11/21/25</a:t>
+              <a:t>11/22/25</a:t>
             </a:fld>
             <a:endParaRPr lang="en-US"/>
           </a:p>
@@ -1055,7 +1085,7 @@
           <a:p>
             <a:fld id="{8738307C-8EDA-4B45-B77E-3F369AD75B9E}" type="datetimeFigureOut">
               <a:rPr lang="en-US" smtClean="0"/>
-              <a:t>11/21/25</a:t>
+              <a:t>11/22/25</a:t>
             </a:fld>
             <a:endParaRPr lang="en-US"/>
           </a:p>
@@ -1253,7 +1283,7 @@
           <a:p>
             <a:fld id="{8738307C-8EDA-4B45-B77E-3F369AD75B9E}" type="datetimeFigureOut">
               <a:rPr lang="en-US" smtClean="0"/>
-              <a:t>11/21/25</a:t>
+              <a:t>11/22/25</a:t>
             </a:fld>
             <a:endParaRPr lang="en-US"/>
           </a:p>
@@ -1528,7 +1558,7 @@
           <a:p>
             <a:fld id="{8738307C-8EDA-4B45-B77E-3F369AD75B9E}" type="datetimeFigureOut">
               <a:rPr lang="en-US" smtClean="0"/>
-              <a:t>11/21/25</a:t>
+              <a:t>11/22/25</a:t>
             </a:fld>
             <a:endParaRPr lang="en-US"/>
           </a:p>
@@ -1793,7 +1823,7 @@
           <a:p>
             <a:fld id="{8738307C-8EDA-4B45-B77E-3F369AD75B9E}" type="datetimeFigureOut">
               <a:rPr lang="en-US" smtClean="0"/>
-              <a:t>11/21/25</a:t>
+              <a:t>11/22/25</a:t>
             </a:fld>
             <a:endParaRPr lang="en-US"/>
           </a:p>
@@ -2205,7 +2235,7 @@
           <a:p>
             <a:fld id="{8738307C-8EDA-4B45-B77E-3F369AD75B9E}" type="datetimeFigureOut">
               <a:rPr lang="en-US" smtClean="0"/>
-              <a:t>11/21/25</a:t>
+              <a:t>11/22/25</a:t>
             </a:fld>
             <a:endParaRPr lang="en-US"/>
           </a:p>
@@ -2346,7 +2376,7 @@
           <a:p>
             <a:fld id="{8738307C-8EDA-4B45-B77E-3F369AD75B9E}" type="datetimeFigureOut">
               <a:rPr lang="en-US" smtClean="0"/>
-              <a:t>11/21/25</a:t>
+              <a:t>11/22/25</a:t>
             </a:fld>
             <a:endParaRPr lang="en-US"/>
           </a:p>
@@ -2459,7 +2489,7 @@
           <a:p>
             <a:fld id="{8738307C-8EDA-4B45-B77E-3F369AD75B9E}" type="datetimeFigureOut">
               <a:rPr lang="en-US" smtClean="0"/>
-              <a:t>11/21/25</a:t>
+              <a:t>11/22/25</a:t>
             </a:fld>
             <a:endParaRPr lang="en-US"/>
           </a:p>
@@ -2770,7 +2800,7 @@
           <a:p>
             <a:fld id="{8738307C-8EDA-4B45-B77E-3F369AD75B9E}" type="datetimeFigureOut">
               <a:rPr lang="en-US" smtClean="0"/>
-              <a:t>11/21/25</a:t>
+              <a:t>11/22/25</a:t>
             </a:fld>
             <a:endParaRPr lang="en-US"/>
           </a:p>
@@ -3058,7 +3088,7 @@
           <a:p>
             <a:fld id="{8738307C-8EDA-4B45-B77E-3F369AD75B9E}" type="datetimeFigureOut">
               <a:rPr lang="en-US" smtClean="0"/>
-              <a:t>11/21/25</a:t>
+              <a:t>11/22/25</a:t>
             </a:fld>
             <a:endParaRPr lang="en-US"/>
           </a:p>
@@ -3299,7 +3329,7 @@
           <a:p>
             <a:fld id="{8738307C-8EDA-4B45-B77E-3F369AD75B9E}" type="datetimeFigureOut">
               <a:rPr lang="en-US" smtClean="0"/>
-              <a:t>11/21/25</a:t>
+              <a:t>11/22/25</a:t>
             </a:fld>
             <a:endParaRPr lang="en-US"/>
           </a:p>
@@ -4057,7 +4087,7 @@
         </p:nvCxnSpPr>
         <p:spPr>
           <a:xfrm flipH="1">
-            <a:off x="3245140" y="2235982"/>
+            <a:off x="3840521" y="1251243"/>
             <a:ext cx="5210824" cy="0"/>
           </a:xfrm>
           <a:prstGeom prst="line">
@@ -4229,38 +4259,6 @@
           </a:p>
         </p:txBody>
       </p:sp>
-      <p:pic>
-        <p:nvPicPr>
-          <p:cNvPr id="4" name="Picture 3">
-            <a:extLst>
-              <a:ext uri="{FF2B5EF4-FFF2-40B4-BE49-F238E27FC236}">
-                <a16:creationId xmlns:a16="http://schemas.microsoft.com/office/drawing/2014/main" id="{9666EA6C-FC38-AFD3-FC04-121A9A64F0C3}"/>
-              </a:ext>
-            </a:extLst>
-          </p:cNvPr>
-          <p:cNvPicPr>
-            <a:picLocks noChangeAspect="1"/>
-          </p:cNvPicPr>
-          <p:nvPr/>
-        </p:nvPicPr>
-        <p:blipFill>
-          <a:blip r:embed="rId2">
-            <a:lum bright="70000" contrast="-70000"/>
-          </a:blip>
-          <a:stretch>
-            <a:fillRect/>
-          </a:stretch>
-        </p:blipFill>
-        <p:spPr>
-          <a:xfrm>
-            <a:off x="3977787" y="1884345"/>
-            <a:ext cx="274320" cy="274320"/>
-          </a:xfrm>
-          <a:prstGeom prst="rect">
-            <a:avLst/>
-          </a:prstGeom>
-        </p:spPr>
-      </p:pic>
     </p:spTree>
     <p:extLst>
       <p:ext uri="{BB962C8B-B14F-4D97-AF65-F5344CB8AC3E}">
@@ -4319,7 +4317,7 @@
         </p:nvSpPr>
         <p:spPr>
           <a:xfrm>
-            <a:off x="1383127" y="1141338"/>
+            <a:off x="1383127" y="1126458"/>
             <a:ext cx="4712873" cy="3863477"/>
           </a:xfrm>
           <a:prstGeom prst="roundRect">
@@ -4393,7 +4391,7 @@
         </p:nvSpPr>
         <p:spPr>
           <a:xfrm>
-            <a:off x="1449467" y="1729500"/>
+            <a:off x="1449467" y="1714620"/>
             <a:ext cx="4572000" cy="738686"/>
           </a:xfrm>
           <a:prstGeom prst="roundRect">
@@ -4463,7 +4461,7 @@
         </p:nvSpPr>
         <p:spPr>
           <a:xfrm>
-            <a:off x="1822240" y="1922043"/>
+            <a:off x="1822240" y="1907163"/>
             <a:ext cx="1544629" cy="369332"/>
           </a:xfrm>
           <a:prstGeom prst="rect">
@@ -4505,7 +4503,7 @@
         </p:nvSpPr>
         <p:spPr>
           <a:xfrm>
-            <a:off x="4256996" y="1912768"/>
+            <a:off x="4256996" y="1897888"/>
             <a:ext cx="1544629" cy="369332"/>
           </a:xfrm>
           <a:prstGeom prst="rect">
@@ -4547,7 +4545,7 @@
         </p:nvGrpSpPr>
         <p:grpSpPr>
           <a:xfrm>
-            <a:off x="2971909" y="1941215"/>
+            <a:off x="2971909" y="1926335"/>
             <a:ext cx="1198023" cy="369332"/>
             <a:chOff x="1759380" y="904895"/>
             <a:chExt cx="1198023" cy="369332"/>
@@ -4686,7 +4684,7 @@
         </p:nvSpPr>
         <p:spPr>
           <a:xfrm>
-            <a:off x="1449467" y="2544695"/>
+            <a:off x="1449467" y="2529815"/>
             <a:ext cx="4572000" cy="738686"/>
           </a:xfrm>
           <a:prstGeom prst="roundRect">
@@ -4749,7 +4747,7 @@
         </p:nvSpPr>
         <p:spPr>
           <a:xfrm>
-            <a:off x="4490594" y="2737238"/>
+            <a:off x="4490594" y="2722358"/>
             <a:ext cx="1198023" cy="369332"/>
           </a:xfrm>
           <a:prstGeom prst="roundRect">
@@ -4813,7 +4811,7 @@
         </p:nvSpPr>
         <p:spPr>
           <a:xfrm>
-            <a:off x="1822241" y="2737238"/>
+            <a:off x="1822241" y="2722358"/>
             <a:ext cx="2287684" cy="369332"/>
           </a:xfrm>
           <a:prstGeom prst="rect">
@@ -4855,7 +4853,7 @@
         </p:nvSpPr>
         <p:spPr>
           <a:xfrm>
-            <a:off x="4529473" y="2772480"/>
+            <a:off x="4529473" y="2757600"/>
             <a:ext cx="564594" cy="298848"/>
           </a:xfrm>
           <a:prstGeom prst="roundRect">
@@ -4913,7 +4911,7 @@
         </p:nvSpPr>
         <p:spPr>
           <a:xfrm>
-            <a:off x="5048320" y="2774279"/>
+            <a:off x="5048320" y="2759399"/>
             <a:ext cx="564594" cy="298848"/>
           </a:xfrm>
           <a:prstGeom prst="roundRect">
@@ -4971,7 +4969,7 @@
         </p:nvSpPr>
         <p:spPr>
           <a:xfrm>
-            <a:off x="1449467" y="3379958"/>
+            <a:off x="1449467" y="3365078"/>
             <a:ext cx="4572000" cy="1201532"/>
           </a:xfrm>
           <a:prstGeom prst="roundRect">
@@ -5034,7 +5032,7 @@
         </p:nvSpPr>
         <p:spPr>
           <a:xfrm>
-            <a:off x="1964246" y="3964708"/>
+            <a:off x="1964246" y="3949828"/>
             <a:ext cx="3213347" cy="209706"/>
           </a:xfrm>
           <a:prstGeom prst="roundRect">
@@ -5098,7 +5096,7 @@
         </p:nvSpPr>
         <p:spPr>
           <a:xfrm>
-            <a:off x="1699808" y="3463040"/>
+            <a:off x="1699808" y="3448160"/>
             <a:ext cx="2287684" cy="369332"/>
           </a:xfrm>
           <a:prstGeom prst="rect">
@@ -5140,7 +5138,7 @@
         </p:nvSpPr>
         <p:spPr>
           <a:xfrm>
-            <a:off x="1685039" y="3910742"/>
+            <a:off x="1685039" y="3895862"/>
             <a:ext cx="629474" cy="307777"/>
           </a:xfrm>
           <a:prstGeom prst="rect">
@@ -5179,7 +5177,7 @@
         </p:nvSpPr>
         <p:spPr>
           <a:xfrm>
-            <a:off x="5134622" y="3829015"/>
+            <a:off x="5134622" y="3814135"/>
             <a:ext cx="629474" cy="461665"/>
           </a:xfrm>
           <a:prstGeom prst="rect">
@@ -5223,7 +5221,7 @@
         </p:nvSpPr>
         <p:spPr>
           <a:xfrm>
-            <a:off x="1997682" y="3980724"/>
+            <a:off x="1997682" y="3965844"/>
             <a:ext cx="182880" cy="182880"/>
           </a:xfrm>
           <a:prstGeom prst="ellipse">
@@ -5277,7 +5275,7 @@
         </p:nvSpPr>
         <p:spPr>
           <a:xfrm>
-            <a:off x="4968649" y="3984092"/>
+            <a:off x="4968649" y="3969212"/>
             <a:ext cx="182880" cy="182880"/>
           </a:xfrm>
           <a:prstGeom prst="ellipse">
@@ -5331,7 +5329,7 @@
         </p:nvSpPr>
         <p:spPr>
           <a:xfrm>
-            <a:off x="3479479" y="3978121"/>
+            <a:off x="3479479" y="3963241"/>
             <a:ext cx="182880" cy="182880"/>
           </a:xfrm>
           <a:prstGeom prst="ellipse">
@@ -5385,7 +5383,7 @@
         </p:nvSpPr>
         <p:spPr>
           <a:xfrm>
-            <a:off x="2683047" y="3978121"/>
+            <a:off x="2683047" y="3963241"/>
             <a:ext cx="182880" cy="182880"/>
           </a:xfrm>
           <a:prstGeom prst="ellipse">
@@ -5439,7 +5437,7 @@
         </p:nvSpPr>
         <p:spPr>
           <a:xfrm>
-            <a:off x="4271189" y="3978121"/>
+            <a:off x="4271189" y="3963241"/>
             <a:ext cx="182880" cy="182880"/>
           </a:xfrm>
           <a:prstGeom prst="ellipse">
@@ -5495,7 +5493,7 @@
         </p:nvSpPr>
         <p:spPr>
           <a:xfrm>
-            <a:off x="3424597" y="3943474"/>
+            <a:off x="3424597" y="3928594"/>
             <a:ext cx="301752" cy="246812"/>
           </a:xfrm>
           <a:prstGeom prst="roundRect">
@@ -5563,7 +5561,7 @@
         </p:blipFill>
         <p:spPr>
           <a:xfrm>
-            <a:off x="7543909" y="1152721"/>
+            <a:off x="7543909" y="1173083"/>
             <a:ext cx="3837214" cy="3837214"/>
           </a:xfrm>
           <a:prstGeom prst="rect">
@@ -5599,7 +5597,7 @@
         </p:blipFill>
         <p:spPr>
           <a:xfrm>
-            <a:off x="5528463" y="1166072"/>
+            <a:off x="5528463" y="1151192"/>
             <a:ext cx="529985" cy="529985"/>
           </a:xfrm>
           <a:prstGeom prst="rect">
@@ -5611,6 +5609,2917 @@
     <p:extLst>
       <p:ext uri="{BB962C8B-B14F-4D97-AF65-F5344CB8AC3E}">
         <p14:creationId xmlns:p14="http://schemas.microsoft.com/office/powerpoint/2010/main" val="3973701186"/>
+      </p:ext>
+    </p:extLst>
+  </p:cSld>
+  <p:clrMapOvr>
+    <a:masterClrMapping/>
+  </p:clrMapOvr>
+</p:sld>
+</file>
+
+<file path=ppt/slides/slide12.xml><?xml version="1.0" encoding="utf-8"?>
+<p:sld xmlns:a="http://schemas.openxmlformats.org/drawingml/2006/main" xmlns:r="http://schemas.openxmlformats.org/officeDocument/2006/relationships" xmlns:p="http://schemas.openxmlformats.org/presentationml/2006/main">
+  <p:cSld>
+    <p:bg>
+      <p:bgPr>
+        <a:solidFill>
+          <a:srgbClr val="161618"/>
+        </a:solidFill>
+        <a:effectLst/>
+      </p:bgPr>
+    </p:bg>
+    <p:spTree>
+      <p:nvGrpSpPr>
+        <p:cNvPr id="1" name="">
+          <a:extLst>
+            <a:ext uri="{FF2B5EF4-FFF2-40B4-BE49-F238E27FC236}">
+              <a16:creationId xmlns:a16="http://schemas.microsoft.com/office/drawing/2014/main" id="{C10B2AF5-9D59-7322-1D01-C62A789C79E9}"/>
+            </a:ext>
+          </a:extLst>
+        </p:cNvPr>
+        <p:cNvGrpSpPr/>
+        <p:nvPr/>
+      </p:nvGrpSpPr>
+      <p:grpSpPr>
+        <a:xfrm>
+          <a:off x="0" y="0"/>
+          <a:ext cx="0" cy="0"/>
+          <a:chOff x="0" y="0"/>
+          <a:chExt cx="0" cy="0"/>
+        </a:xfrm>
+      </p:grpSpPr>
+      <p:sp>
+        <p:nvSpPr>
+          <p:cNvPr id="4" name="Rectangle 3">
+            <a:extLst>
+              <a:ext uri="{FF2B5EF4-FFF2-40B4-BE49-F238E27FC236}">
+                <a16:creationId xmlns:a16="http://schemas.microsoft.com/office/drawing/2014/main" id="{923F3AD2-AF08-C75D-737A-6A6043501403}"/>
+              </a:ext>
+            </a:extLst>
+          </p:cNvPr>
+          <p:cNvSpPr/>
+          <p:nvPr/>
+        </p:nvSpPr>
+        <p:spPr>
+          <a:xfrm>
+            <a:off x="632799" y="2184211"/>
+            <a:ext cx="4038604" cy="609600"/>
+          </a:xfrm>
+          <a:prstGeom prst="rect">
+            <a:avLst/>
+          </a:prstGeom>
+          <a:solidFill>
+            <a:schemeClr val="tx1">
+              <a:lumMod val="75000"/>
+              <a:lumOff val="25000"/>
+            </a:schemeClr>
+          </a:solidFill>
+          <a:ln w="6350">
+            <a:noFill/>
+          </a:ln>
+        </p:spPr>
+        <p:style>
+          <a:lnRef idx="2">
+            <a:schemeClr val="accent1">
+              <a:shade val="15000"/>
+            </a:schemeClr>
+          </a:lnRef>
+          <a:fillRef idx="1">
+            <a:schemeClr val="accent1"/>
+          </a:fillRef>
+          <a:effectRef idx="0">
+            <a:schemeClr val="accent1"/>
+          </a:effectRef>
+          <a:fontRef idx="minor">
+            <a:schemeClr val="lt1"/>
+          </a:fontRef>
+        </p:style>
+        <p:txBody>
+          <a:bodyPr rtlCol="0" anchor="ctr"/>
+          <a:lstStyle/>
+          <a:p>
+            <a:pPr algn="ctr"/>
+            <a:endParaRPr lang="en-US" dirty="0"/>
+          </a:p>
+        </p:txBody>
+      </p:sp>
+      <p:sp>
+        <p:nvSpPr>
+          <p:cNvPr id="6" name="Rounded Rectangle 5">
+            <a:extLst>
+              <a:ext uri="{FF2B5EF4-FFF2-40B4-BE49-F238E27FC236}">
+                <a16:creationId xmlns:a16="http://schemas.microsoft.com/office/drawing/2014/main" id="{49D99D9D-2816-1F91-96B4-A1D643B46091}"/>
+              </a:ext>
+            </a:extLst>
+          </p:cNvPr>
+          <p:cNvSpPr/>
+          <p:nvPr/>
+        </p:nvSpPr>
+        <p:spPr>
+          <a:xfrm>
+            <a:off x="1221992" y="2258846"/>
+            <a:ext cx="2860216" cy="457200"/>
+          </a:xfrm>
+          <a:prstGeom prst="roundRect">
+            <a:avLst>
+              <a:gd name="adj" fmla="val 50000"/>
+            </a:avLst>
+          </a:prstGeom>
+          <a:solidFill>
+            <a:srgbClr val="161618"/>
+          </a:solidFill>
+          <a:ln>
+            <a:noFill/>
+          </a:ln>
+        </p:spPr>
+        <p:style>
+          <a:lnRef idx="2">
+            <a:schemeClr val="accent1">
+              <a:shade val="15000"/>
+            </a:schemeClr>
+          </a:lnRef>
+          <a:fillRef idx="1">
+            <a:schemeClr val="accent1"/>
+          </a:fillRef>
+          <a:effectRef idx="0">
+            <a:schemeClr val="accent1"/>
+          </a:effectRef>
+          <a:fontRef idx="minor">
+            <a:schemeClr val="lt1"/>
+          </a:fontRef>
+        </p:style>
+        <p:txBody>
+          <a:bodyPr rtlCol="0" anchor="ctr"/>
+          <a:lstStyle/>
+          <a:p>
+            <a:pPr algn="ctr"/>
+            <a:endParaRPr lang="en-US" sz="1400" dirty="0">
+              <a:solidFill>
+                <a:schemeClr val="tx1">
+                  <a:lumMod val="75000"/>
+                  <a:lumOff val="25000"/>
+                </a:schemeClr>
+              </a:solidFill>
+            </a:endParaRPr>
+          </a:p>
+        </p:txBody>
+      </p:sp>
+      <p:pic>
+        <p:nvPicPr>
+          <p:cNvPr id="5" name="Graphic 4" descr="Single gear with solid fill">
+            <a:extLst>
+              <a:ext uri="{FF2B5EF4-FFF2-40B4-BE49-F238E27FC236}">
+                <a16:creationId xmlns:a16="http://schemas.microsoft.com/office/drawing/2014/main" id="{13EEE724-04BF-DE96-3FCC-829FD2DA550F}"/>
+              </a:ext>
+            </a:extLst>
+          </p:cNvPr>
+          <p:cNvPicPr>
+            <a:picLocks noChangeAspect="1"/>
+          </p:cNvPicPr>
+          <p:nvPr/>
+        </p:nvPicPr>
+        <p:blipFill>
+          <a:blip r:embed="rId2">
+            <a:extLst>
+              <a:ext uri="{96DAC541-7B7A-43D3-8B79-37D633B846F1}">
+                <asvg:svgBlip xmlns:asvg="http://schemas.microsoft.com/office/drawing/2016/SVG/main" r:embed="rId3"/>
+              </a:ext>
+            </a:extLst>
+          </a:blip>
+          <a:stretch>
+            <a:fillRect/>
+          </a:stretch>
+        </p:blipFill>
+        <p:spPr>
+          <a:xfrm>
+            <a:off x="4253025" y="2304566"/>
+            <a:ext cx="365760" cy="365760"/>
+          </a:xfrm>
+          <a:prstGeom prst="rect">
+            <a:avLst/>
+          </a:prstGeom>
+        </p:spPr>
+      </p:pic>
+      <p:sp>
+        <p:nvSpPr>
+          <p:cNvPr id="7" name="TextBox 6">
+            <a:extLst>
+              <a:ext uri="{FF2B5EF4-FFF2-40B4-BE49-F238E27FC236}">
+                <a16:creationId xmlns:a16="http://schemas.microsoft.com/office/drawing/2014/main" id="{16D5D913-FDE4-75AF-BFD2-006EEC50A548}"/>
+              </a:ext>
+            </a:extLst>
+          </p:cNvPr>
+          <p:cNvSpPr txBox="1"/>
+          <p:nvPr/>
+        </p:nvSpPr>
+        <p:spPr>
+          <a:xfrm>
+            <a:off x="1221991" y="2311588"/>
+            <a:ext cx="1390080" cy="338554"/>
+          </a:xfrm>
+          <a:prstGeom prst="rect">
+            <a:avLst/>
+          </a:prstGeom>
+          <a:noFill/>
+        </p:spPr>
+        <p:txBody>
+          <a:bodyPr wrap="square">
+            <a:spAutoFit/>
+          </a:bodyPr>
+          <a:lstStyle/>
+          <a:p>
+            <a:r>
+              <a:rPr lang="en-US" sz="1600" dirty="0">
+                <a:solidFill>
+                  <a:schemeClr val="bg1">
+                    <a:lumMod val="85000"/>
+                  </a:schemeClr>
+                </a:solidFill>
+                <a:latin typeface="ui-sans-serif"/>
+              </a:rPr>
+              <a:t>Al-Fatihah</a:t>
+            </a:r>
+            <a:endParaRPr lang="en-US" sz="1400" dirty="0">
+              <a:solidFill>
+                <a:schemeClr val="bg1">
+                  <a:lumMod val="85000"/>
+                </a:schemeClr>
+              </a:solidFill>
+            </a:endParaRPr>
+          </a:p>
+        </p:txBody>
+      </p:sp>
+      <p:sp>
+        <p:nvSpPr>
+          <p:cNvPr id="8" name="Rounded Rectangle 7">
+            <a:extLst>
+              <a:ext uri="{FF2B5EF4-FFF2-40B4-BE49-F238E27FC236}">
+                <a16:creationId xmlns:a16="http://schemas.microsoft.com/office/drawing/2014/main" id="{97336D8B-E201-0D63-7D99-68ACC80D1A1E}"/>
+              </a:ext>
+            </a:extLst>
+          </p:cNvPr>
+          <p:cNvSpPr/>
+          <p:nvPr/>
+        </p:nvSpPr>
+        <p:spPr>
+          <a:xfrm>
+            <a:off x="3620567" y="2304566"/>
+            <a:ext cx="414904" cy="376098"/>
+          </a:xfrm>
+          <a:prstGeom prst="roundRect">
+            <a:avLst>
+              <a:gd name="adj" fmla="val 50000"/>
+            </a:avLst>
+          </a:prstGeom>
+          <a:solidFill>
+            <a:schemeClr val="tx1">
+              <a:lumMod val="75000"/>
+              <a:lumOff val="25000"/>
+            </a:schemeClr>
+          </a:solidFill>
+          <a:ln>
+            <a:noFill/>
+          </a:ln>
+        </p:spPr>
+        <p:style>
+          <a:lnRef idx="2">
+            <a:schemeClr val="accent1">
+              <a:shade val="15000"/>
+            </a:schemeClr>
+          </a:lnRef>
+          <a:fillRef idx="1">
+            <a:schemeClr val="accent1"/>
+          </a:fillRef>
+          <a:effectRef idx="0">
+            <a:schemeClr val="accent1"/>
+          </a:effectRef>
+          <a:fontRef idx="minor">
+            <a:schemeClr val="lt1"/>
+          </a:fontRef>
+        </p:style>
+        <p:txBody>
+          <a:bodyPr rtlCol="0" anchor="ctr"/>
+          <a:lstStyle/>
+          <a:p>
+            <a:pPr algn="ctr"/>
+            <a:r>
+              <a:rPr lang="en-US" sz="1600" dirty="0">
+                <a:solidFill>
+                  <a:schemeClr val="tx1">
+                    <a:lumMod val="50000"/>
+                    <a:lumOff val="50000"/>
+                  </a:schemeClr>
+                </a:solidFill>
+                <a:latin typeface="ui-sans-serif"/>
+              </a:rPr>
+              <a:t>7</a:t>
+            </a:r>
+            <a:endParaRPr lang="en-US" sz="1600" dirty="0">
+              <a:solidFill>
+                <a:schemeClr val="tx1">
+                  <a:lumMod val="50000"/>
+                  <a:lumOff val="50000"/>
+                </a:schemeClr>
+              </a:solidFill>
+            </a:endParaRPr>
+          </a:p>
+        </p:txBody>
+      </p:sp>
+      <p:sp>
+        <p:nvSpPr>
+          <p:cNvPr id="9" name="TextBox 8">
+            <a:extLst>
+              <a:ext uri="{FF2B5EF4-FFF2-40B4-BE49-F238E27FC236}">
+                <a16:creationId xmlns:a16="http://schemas.microsoft.com/office/drawing/2014/main" id="{826AEC66-ABAA-0451-7761-5AE2403935A2}"/>
+              </a:ext>
+            </a:extLst>
+          </p:cNvPr>
+          <p:cNvSpPr txBox="1"/>
+          <p:nvPr/>
+        </p:nvSpPr>
+        <p:spPr>
+          <a:xfrm>
+            <a:off x="2289265" y="2304566"/>
+            <a:ext cx="816429" cy="400110"/>
+          </a:xfrm>
+          <a:prstGeom prst="rect">
+            <a:avLst/>
+          </a:prstGeom>
+          <a:noFill/>
+        </p:spPr>
+        <p:txBody>
+          <a:bodyPr wrap="square">
+            <a:spAutoFit/>
+          </a:bodyPr>
+          <a:lstStyle/>
+          <a:p>
+            <a:r>
+              <a:rPr lang="ar-AE" sz="2000" dirty="0">
+                <a:solidFill>
+                  <a:schemeClr val="accent6">
+                    <a:lumMod val="75000"/>
+                  </a:schemeClr>
+                </a:solidFill>
+                <a:latin typeface="Amiri"/>
+              </a:rPr>
+              <a:t>الفاتحة</a:t>
+            </a:r>
+            <a:endParaRPr lang="en-US" sz="1400" dirty="0">
+              <a:solidFill>
+                <a:schemeClr val="accent6">
+                  <a:lumMod val="75000"/>
+                </a:schemeClr>
+              </a:solidFill>
+            </a:endParaRPr>
+          </a:p>
+        </p:txBody>
+      </p:sp>
+      <p:sp>
+        <p:nvSpPr>
+          <p:cNvPr id="10" name="TextBox 9">
+            <a:extLst>
+              <a:ext uri="{FF2B5EF4-FFF2-40B4-BE49-F238E27FC236}">
+                <a16:creationId xmlns:a16="http://schemas.microsoft.com/office/drawing/2014/main" id="{3413CF43-7FA8-D767-9B51-8F99CEDDBA12}"/>
+              </a:ext>
+            </a:extLst>
+          </p:cNvPr>
+          <p:cNvSpPr txBox="1"/>
+          <p:nvPr/>
+        </p:nvSpPr>
+        <p:spPr>
+          <a:xfrm>
+            <a:off x="4038603" y="5796171"/>
+            <a:ext cx="4870485" cy="707886"/>
+          </a:xfrm>
+          <a:prstGeom prst="rect">
+            <a:avLst/>
+          </a:prstGeom>
+          <a:noFill/>
+        </p:spPr>
+        <p:txBody>
+          <a:bodyPr wrap="square" rtlCol="0">
+            <a:spAutoFit/>
+          </a:bodyPr>
+          <a:lstStyle/>
+          <a:p>
+            <a:r>
+              <a:rPr lang="en-US" sz="4000" dirty="0">
+                <a:solidFill>
+                  <a:schemeClr val="bg1"/>
+                </a:solidFill>
+              </a:rPr>
+              <a:t>Stop Button</a:t>
+            </a:r>
+          </a:p>
+        </p:txBody>
+      </p:sp>
+      <p:grpSp>
+        <p:nvGrpSpPr>
+          <p:cNvPr id="30" name="Group 29">
+            <a:extLst>
+              <a:ext uri="{FF2B5EF4-FFF2-40B4-BE49-F238E27FC236}">
+                <a16:creationId xmlns:a16="http://schemas.microsoft.com/office/drawing/2014/main" id="{0500F2AA-A4E9-58CA-69E4-EDCFACAAE51F}"/>
+              </a:ext>
+            </a:extLst>
+          </p:cNvPr>
+          <p:cNvGrpSpPr/>
+          <p:nvPr/>
+        </p:nvGrpSpPr>
+        <p:grpSpPr>
+          <a:xfrm>
+            <a:off x="697627" y="2311667"/>
+            <a:ext cx="365760" cy="365760"/>
+            <a:chOff x="3954907" y="3038497"/>
+            <a:chExt cx="365760" cy="365760"/>
+          </a:xfrm>
+        </p:grpSpPr>
+        <p:sp>
+          <p:nvSpPr>
+            <p:cNvPr id="11" name="Rounded Rectangle 10">
+              <a:extLst>
+                <a:ext uri="{FF2B5EF4-FFF2-40B4-BE49-F238E27FC236}">
+                  <a16:creationId xmlns:a16="http://schemas.microsoft.com/office/drawing/2014/main" id="{DA387C90-82BE-3680-590B-EF89F76809B0}"/>
+                </a:ext>
+              </a:extLst>
+            </p:cNvPr>
+            <p:cNvSpPr/>
+            <p:nvPr/>
+          </p:nvSpPr>
+          <p:spPr>
+            <a:xfrm>
+              <a:off x="3954907" y="3038497"/>
+              <a:ext cx="365760" cy="365760"/>
+            </a:xfrm>
+            <a:prstGeom prst="roundRect">
+              <a:avLst>
+                <a:gd name="adj" fmla="val 50000"/>
+              </a:avLst>
+            </a:prstGeom>
+            <a:solidFill>
+              <a:schemeClr val="accent2">
+                <a:lumMod val="50000"/>
+              </a:schemeClr>
+            </a:solidFill>
+            <a:ln>
+              <a:solidFill>
+                <a:srgbClr val="C00000"/>
+              </a:solidFill>
+            </a:ln>
+          </p:spPr>
+          <p:style>
+            <a:lnRef idx="2">
+              <a:schemeClr val="accent1">
+                <a:shade val="15000"/>
+              </a:schemeClr>
+            </a:lnRef>
+            <a:fillRef idx="1">
+              <a:schemeClr val="accent1"/>
+            </a:fillRef>
+            <a:effectRef idx="0">
+              <a:schemeClr val="accent1"/>
+            </a:effectRef>
+            <a:fontRef idx="minor">
+              <a:schemeClr val="lt1"/>
+            </a:fontRef>
+          </p:style>
+          <p:txBody>
+            <a:bodyPr rtlCol="0" anchor="ctr"/>
+            <a:lstStyle/>
+            <a:p>
+              <a:pPr algn="ctr"/>
+              <a:endParaRPr lang="en-US" sz="1600" dirty="0">
+                <a:solidFill>
+                  <a:schemeClr val="tx1">
+                    <a:lumMod val="50000"/>
+                    <a:lumOff val="50000"/>
+                  </a:schemeClr>
+                </a:solidFill>
+              </a:endParaRPr>
+            </a:p>
+          </p:txBody>
+        </p:sp>
+        <p:sp>
+          <p:nvSpPr>
+            <p:cNvPr id="12" name="Rounded Rectangle 11">
+              <a:extLst>
+                <a:ext uri="{FF2B5EF4-FFF2-40B4-BE49-F238E27FC236}">
+                  <a16:creationId xmlns:a16="http://schemas.microsoft.com/office/drawing/2014/main" id="{2C43FB4F-F0DC-E128-091C-C8E0806D0C8E}"/>
+                </a:ext>
+              </a:extLst>
+            </p:cNvPr>
+            <p:cNvSpPr/>
+            <p:nvPr/>
+          </p:nvSpPr>
+          <p:spPr>
+            <a:xfrm flipH="1">
+              <a:off x="4046348" y="3129937"/>
+              <a:ext cx="182880" cy="182880"/>
+            </a:xfrm>
+            <a:prstGeom prst="roundRect">
+              <a:avLst/>
+            </a:prstGeom>
+            <a:solidFill>
+              <a:srgbClr val="FF0000"/>
+            </a:solidFill>
+            <a:ln>
+              <a:noFill/>
+            </a:ln>
+          </p:spPr>
+          <p:style>
+            <a:lnRef idx="2">
+              <a:schemeClr val="accent1">
+                <a:shade val="15000"/>
+              </a:schemeClr>
+            </a:lnRef>
+            <a:fillRef idx="1">
+              <a:schemeClr val="accent1"/>
+            </a:fillRef>
+            <a:effectRef idx="0">
+              <a:schemeClr val="accent1"/>
+            </a:effectRef>
+            <a:fontRef idx="minor">
+              <a:schemeClr val="lt1"/>
+            </a:fontRef>
+          </p:style>
+          <p:txBody>
+            <a:bodyPr rtlCol="0" anchor="ctr"/>
+            <a:lstStyle/>
+            <a:p>
+              <a:pPr algn="ctr"/>
+              <a:endParaRPr lang="en-US"/>
+            </a:p>
+          </p:txBody>
+        </p:sp>
+      </p:grpSp>
+      <p:grpSp>
+        <p:nvGrpSpPr>
+          <p:cNvPr id="25" name="Group 24">
+            <a:extLst>
+              <a:ext uri="{FF2B5EF4-FFF2-40B4-BE49-F238E27FC236}">
+                <a16:creationId xmlns:a16="http://schemas.microsoft.com/office/drawing/2014/main" id="{432EF456-B5EB-3136-D9D8-4A5EA4B55E61}"/>
+              </a:ext>
+            </a:extLst>
+          </p:cNvPr>
+          <p:cNvGrpSpPr/>
+          <p:nvPr/>
+        </p:nvGrpSpPr>
+        <p:grpSpPr>
+          <a:xfrm>
+            <a:off x="0" y="1245111"/>
+            <a:ext cx="12192001" cy="609600"/>
+            <a:chOff x="-1" y="1"/>
+            <a:chExt cx="12192001" cy="609600"/>
+          </a:xfrm>
+        </p:grpSpPr>
+        <p:sp>
+          <p:nvSpPr>
+            <p:cNvPr id="14" name="Rectangle 13">
+              <a:extLst>
+                <a:ext uri="{FF2B5EF4-FFF2-40B4-BE49-F238E27FC236}">
+                  <a16:creationId xmlns:a16="http://schemas.microsoft.com/office/drawing/2014/main" id="{CF738CD8-CE6A-51CA-26E4-56CC33B056EF}"/>
+                </a:ext>
+              </a:extLst>
+            </p:cNvPr>
+            <p:cNvSpPr/>
+            <p:nvPr/>
+          </p:nvSpPr>
+          <p:spPr>
+            <a:xfrm>
+              <a:off x="-1" y="1"/>
+              <a:ext cx="12192001" cy="609600"/>
+            </a:xfrm>
+            <a:prstGeom prst="rect">
+              <a:avLst/>
+            </a:prstGeom>
+            <a:solidFill>
+              <a:schemeClr val="tx1">
+                <a:lumMod val="75000"/>
+                <a:lumOff val="25000"/>
+              </a:schemeClr>
+            </a:solidFill>
+            <a:ln w="6350">
+              <a:noFill/>
+            </a:ln>
+          </p:spPr>
+          <p:style>
+            <a:lnRef idx="2">
+              <a:schemeClr val="accent1">
+                <a:shade val="15000"/>
+              </a:schemeClr>
+            </a:lnRef>
+            <a:fillRef idx="1">
+              <a:schemeClr val="accent1"/>
+            </a:fillRef>
+            <a:effectRef idx="0">
+              <a:schemeClr val="accent1"/>
+            </a:effectRef>
+            <a:fontRef idx="minor">
+              <a:schemeClr val="lt1"/>
+            </a:fontRef>
+          </p:style>
+          <p:txBody>
+            <a:bodyPr rtlCol="0" anchor="ctr"/>
+            <a:lstStyle/>
+            <a:p>
+              <a:pPr algn="ctr"/>
+              <a:endParaRPr lang="en-US" dirty="0"/>
+            </a:p>
+          </p:txBody>
+        </p:sp>
+        <p:sp>
+          <p:nvSpPr>
+            <p:cNvPr id="17" name="TextBox 16">
+              <a:extLst>
+                <a:ext uri="{FF2B5EF4-FFF2-40B4-BE49-F238E27FC236}">
+                  <a16:creationId xmlns:a16="http://schemas.microsoft.com/office/drawing/2014/main" id="{1BA020FF-52B8-7A51-2240-CB325B03DF0A}"/>
+                </a:ext>
+              </a:extLst>
+            </p:cNvPr>
+            <p:cNvSpPr txBox="1"/>
+            <p:nvPr/>
+          </p:nvSpPr>
+          <p:spPr>
+            <a:xfrm>
+              <a:off x="552269" y="115668"/>
+              <a:ext cx="1439818" cy="369332"/>
+            </a:xfrm>
+            <a:prstGeom prst="rect">
+              <a:avLst/>
+            </a:prstGeom>
+            <a:noFill/>
+          </p:spPr>
+          <p:txBody>
+            <a:bodyPr wrap="none" rtlCol="0">
+              <a:spAutoFit/>
+            </a:bodyPr>
+            <a:lstStyle/>
+            <a:p>
+              <a:r>
+                <a:rPr lang="en-US" b="1" dirty="0">
+                  <a:solidFill>
+                    <a:schemeClr val="bg1">
+                      <a:lumMod val="75000"/>
+                    </a:schemeClr>
+                  </a:solidFill>
+                  <a:latin typeface="JetBrains Mono" panose="02000009000000000000" pitchFamily="49" charset="0"/>
+                  <a:ea typeface="JetBrains Mono" panose="02000009000000000000" pitchFamily="49" charset="0"/>
+                  <a:cs typeface="JetBrains Mono" panose="02000009000000000000" pitchFamily="49" charset="0"/>
+                </a:rPr>
+                <a:t>Al-Qur’an</a:t>
+              </a:r>
+            </a:p>
+          </p:txBody>
+        </p:sp>
+        <p:sp>
+          <p:nvSpPr>
+            <p:cNvPr id="18" name="Rounded Rectangle 17">
+              <a:extLst>
+                <a:ext uri="{FF2B5EF4-FFF2-40B4-BE49-F238E27FC236}">
+                  <a16:creationId xmlns:a16="http://schemas.microsoft.com/office/drawing/2014/main" id="{7F77812F-8966-41A8-C8DA-62985474FAA8}"/>
+                </a:ext>
+              </a:extLst>
+            </p:cNvPr>
+            <p:cNvSpPr/>
+            <p:nvPr/>
+          </p:nvSpPr>
+          <p:spPr>
+            <a:xfrm>
+              <a:off x="2612572" y="60070"/>
+              <a:ext cx="6966856" cy="489467"/>
+            </a:xfrm>
+            <a:prstGeom prst="roundRect">
+              <a:avLst>
+                <a:gd name="adj" fmla="val 50000"/>
+              </a:avLst>
+            </a:prstGeom>
+            <a:solidFill>
+              <a:srgbClr val="161618"/>
+            </a:solidFill>
+            <a:ln>
+              <a:noFill/>
+            </a:ln>
+          </p:spPr>
+          <p:style>
+            <a:lnRef idx="2">
+              <a:schemeClr val="accent1">
+                <a:shade val="15000"/>
+              </a:schemeClr>
+            </a:lnRef>
+            <a:fillRef idx="1">
+              <a:schemeClr val="accent1"/>
+            </a:fillRef>
+            <a:effectRef idx="0">
+              <a:schemeClr val="accent1"/>
+            </a:effectRef>
+            <a:fontRef idx="minor">
+              <a:schemeClr val="lt1"/>
+            </a:fontRef>
+          </p:style>
+          <p:txBody>
+            <a:bodyPr rtlCol="0" anchor="ctr"/>
+            <a:lstStyle/>
+            <a:p>
+              <a:pPr algn="ctr"/>
+              <a:endParaRPr lang="en-US"/>
+            </a:p>
+          </p:txBody>
+        </p:sp>
+        <p:sp>
+          <p:nvSpPr>
+            <p:cNvPr id="20" name="TextBox 19">
+              <a:extLst>
+                <a:ext uri="{FF2B5EF4-FFF2-40B4-BE49-F238E27FC236}">
+                  <a16:creationId xmlns:a16="http://schemas.microsoft.com/office/drawing/2014/main" id="{B50EA380-1147-54F2-4633-B5961AAE35DD}"/>
+                </a:ext>
+              </a:extLst>
+            </p:cNvPr>
+            <p:cNvSpPr txBox="1"/>
+            <p:nvPr/>
+          </p:nvSpPr>
+          <p:spPr>
+            <a:xfrm>
+              <a:off x="2862944" y="115669"/>
+              <a:ext cx="1390080" cy="369332"/>
+            </a:xfrm>
+            <a:prstGeom prst="rect">
+              <a:avLst/>
+            </a:prstGeom>
+            <a:noFill/>
+          </p:spPr>
+          <p:txBody>
+            <a:bodyPr wrap="square">
+              <a:spAutoFit/>
+            </a:bodyPr>
+            <a:lstStyle/>
+            <a:p>
+              <a:r>
+                <a:rPr lang="en-US" dirty="0">
+                  <a:solidFill>
+                    <a:schemeClr val="bg1">
+                      <a:lumMod val="85000"/>
+                    </a:schemeClr>
+                  </a:solidFill>
+                  <a:latin typeface="ui-sans-serif"/>
+                </a:rPr>
+                <a:t>Al-Fatihah</a:t>
+              </a:r>
+              <a:endParaRPr lang="en-US" dirty="0">
+                <a:solidFill>
+                  <a:schemeClr val="bg1">
+                    <a:lumMod val="85000"/>
+                  </a:schemeClr>
+                </a:solidFill>
+              </a:endParaRPr>
+            </a:p>
+          </p:txBody>
+        </p:sp>
+        <p:sp>
+          <p:nvSpPr>
+            <p:cNvPr id="21" name="Rounded Rectangle 20">
+              <a:extLst>
+                <a:ext uri="{FF2B5EF4-FFF2-40B4-BE49-F238E27FC236}">
+                  <a16:creationId xmlns:a16="http://schemas.microsoft.com/office/drawing/2014/main" id="{0F47A542-6D90-A63D-6114-A66BA01C283D}"/>
+                </a:ext>
+              </a:extLst>
+            </p:cNvPr>
+            <p:cNvSpPr/>
+            <p:nvPr/>
+          </p:nvSpPr>
+          <p:spPr>
+            <a:xfrm>
+              <a:off x="8414658" y="118849"/>
+              <a:ext cx="1088573" cy="365760"/>
+            </a:xfrm>
+            <a:prstGeom prst="roundRect">
+              <a:avLst>
+                <a:gd name="adj" fmla="val 50000"/>
+              </a:avLst>
+            </a:prstGeom>
+            <a:solidFill>
+              <a:schemeClr val="tx1">
+                <a:lumMod val="75000"/>
+                <a:lumOff val="25000"/>
+              </a:schemeClr>
+            </a:solidFill>
+            <a:ln>
+              <a:noFill/>
+            </a:ln>
+          </p:spPr>
+          <p:style>
+            <a:lnRef idx="2">
+              <a:schemeClr val="accent1">
+                <a:shade val="15000"/>
+              </a:schemeClr>
+            </a:lnRef>
+            <a:fillRef idx="1">
+              <a:schemeClr val="accent1"/>
+            </a:fillRef>
+            <a:effectRef idx="0">
+              <a:schemeClr val="accent1"/>
+            </a:effectRef>
+            <a:fontRef idx="minor">
+              <a:schemeClr val="lt1"/>
+            </a:fontRef>
+          </p:style>
+          <p:txBody>
+            <a:bodyPr rtlCol="0" anchor="ctr"/>
+            <a:lstStyle/>
+            <a:p>
+              <a:pPr algn="ctr"/>
+              <a:r>
+                <a:rPr lang="en-US" sz="1601" dirty="0">
+                  <a:solidFill>
+                    <a:schemeClr val="tx1">
+                      <a:lumMod val="50000"/>
+                      <a:lumOff val="50000"/>
+                    </a:schemeClr>
+                  </a:solidFill>
+                  <a:latin typeface="ui-sans-serif"/>
+                </a:rPr>
+                <a:t>7 Verses</a:t>
+              </a:r>
+              <a:endParaRPr lang="en-US" sz="1601" dirty="0">
+                <a:solidFill>
+                  <a:schemeClr val="tx1">
+                    <a:lumMod val="50000"/>
+                    <a:lumOff val="50000"/>
+                  </a:schemeClr>
+                </a:solidFill>
+              </a:endParaRPr>
+            </a:p>
+          </p:txBody>
+        </p:sp>
+        <p:sp>
+          <p:nvSpPr>
+            <p:cNvPr id="22" name="TextBox 21">
+              <a:extLst>
+                <a:ext uri="{FF2B5EF4-FFF2-40B4-BE49-F238E27FC236}">
+                  <a16:creationId xmlns:a16="http://schemas.microsoft.com/office/drawing/2014/main" id="{0B31962B-3699-5023-FB21-CEF8B4F34775}"/>
+                </a:ext>
+              </a:extLst>
+            </p:cNvPr>
+            <p:cNvSpPr txBox="1"/>
+            <p:nvPr/>
+          </p:nvSpPr>
+          <p:spPr>
+            <a:xfrm>
+              <a:off x="5540828" y="115671"/>
+              <a:ext cx="816429" cy="461793"/>
+            </a:xfrm>
+            <a:prstGeom prst="rect">
+              <a:avLst/>
+            </a:prstGeom>
+            <a:noFill/>
+          </p:spPr>
+          <p:txBody>
+            <a:bodyPr wrap="square">
+              <a:spAutoFit/>
+            </a:bodyPr>
+            <a:lstStyle/>
+            <a:p>
+              <a:r>
+                <a:rPr lang="ar-AE" sz="2401" dirty="0">
+                  <a:solidFill>
+                    <a:schemeClr val="accent6">
+                      <a:lumMod val="75000"/>
+                    </a:schemeClr>
+                  </a:solidFill>
+                  <a:latin typeface="Amiri"/>
+                </a:rPr>
+                <a:t>الفاتحة</a:t>
+              </a:r>
+              <a:endParaRPr lang="en-US" dirty="0">
+                <a:solidFill>
+                  <a:schemeClr val="accent6">
+                    <a:lumMod val="75000"/>
+                  </a:schemeClr>
+                </a:solidFill>
+              </a:endParaRPr>
+            </a:p>
+          </p:txBody>
+        </p:sp>
+        <p:pic>
+          <p:nvPicPr>
+            <p:cNvPr id="23" name="Graphic 22" descr="Single gear with solid fill">
+              <a:extLst>
+                <a:ext uri="{FF2B5EF4-FFF2-40B4-BE49-F238E27FC236}">
+                  <a16:creationId xmlns:a16="http://schemas.microsoft.com/office/drawing/2014/main" id="{FBFA136D-5314-CD83-10E8-0122C178AB20}"/>
+                </a:ext>
+              </a:extLst>
+            </p:cNvPr>
+            <p:cNvPicPr>
+              <a:picLocks noChangeAspect="1"/>
+            </p:cNvPicPr>
+            <p:nvPr/>
+          </p:nvPicPr>
+          <p:blipFill>
+            <a:blip r:embed="rId2">
+              <a:extLst>
+                <a:ext uri="{96DAC541-7B7A-43D3-8B79-37D633B846F1}">
+                  <asvg:svgBlip xmlns:asvg="http://schemas.microsoft.com/office/drawing/2016/SVG/main" r:embed="rId3"/>
+                </a:ext>
+              </a:extLst>
+            </a:blip>
+            <a:stretch>
+              <a:fillRect/>
+            </a:stretch>
+          </p:blipFill>
+          <p:spPr>
+            <a:xfrm>
+              <a:off x="11636828" y="54037"/>
+              <a:ext cx="457200" cy="457200"/>
+            </a:xfrm>
+            <a:prstGeom prst="rect">
+              <a:avLst/>
+            </a:prstGeom>
+          </p:spPr>
+        </p:pic>
+        <p:pic>
+          <p:nvPicPr>
+            <p:cNvPr id="24" name="Graphic 23">
+              <a:extLst>
+                <a:ext uri="{FF2B5EF4-FFF2-40B4-BE49-F238E27FC236}">
+                  <a16:creationId xmlns:a16="http://schemas.microsoft.com/office/drawing/2014/main" id="{ECB35492-430E-1BD7-5C48-1D2854E4AEA2}"/>
+                </a:ext>
+              </a:extLst>
+            </p:cNvPr>
+            <p:cNvPicPr>
+              <a:picLocks noChangeAspect="1"/>
+            </p:cNvPicPr>
+            <p:nvPr/>
+          </p:nvPicPr>
+          <p:blipFill>
+            <a:blip r:embed="rId4">
+              <a:extLst>
+                <a:ext uri="{96DAC541-7B7A-43D3-8B79-37D633B846F1}">
+                  <asvg:svgBlip xmlns:asvg="http://schemas.microsoft.com/office/drawing/2016/SVG/main" r:embed="rId5"/>
+                </a:ext>
+              </a:extLst>
+            </a:blip>
+            <a:stretch>
+              <a:fillRect/>
+            </a:stretch>
+          </p:blipFill>
+          <p:spPr>
+            <a:xfrm>
+              <a:off x="97972" y="73720"/>
+              <a:ext cx="454297" cy="454297"/>
+            </a:xfrm>
+            <a:prstGeom prst="rect">
+              <a:avLst/>
+            </a:prstGeom>
+          </p:spPr>
+        </p:pic>
+      </p:grpSp>
+      <p:grpSp>
+        <p:nvGrpSpPr>
+          <p:cNvPr id="31" name="Group 30">
+            <a:extLst>
+              <a:ext uri="{FF2B5EF4-FFF2-40B4-BE49-F238E27FC236}">
+                <a16:creationId xmlns:a16="http://schemas.microsoft.com/office/drawing/2014/main" id="{E437FB98-CE41-F950-5DAA-2B0A01A3DA99}"/>
+              </a:ext>
+            </a:extLst>
+          </p:cNvPr>
+          <p:cNvGrpSpPr/>
+          <p:nvPr/>
+        </p:nvGrpSpPr>
+        <p:grpSpPr>
+          <a:xfrm>
+            <a:off x="2182339" y="1356357"/>
+            <a:ext cx="365760" cy="365760"/>
+            <a:chOff x="3954907" y="3038497"/>
+            <a:chExt cx="365760" cy="365760"/>
+          </a:xfrm>
+        </p:grpSpPr>
+        <p:sp>
+          <p:nvSpPr>
+            <p:cNvPr id="32" name="Rounded Rectangle 31">
+              <a:extLst>
+                <a:ext uri="{FF2B5EF4-FFF2-40B4-BE49-F238E27FC236}">
+                  <a16:creationId xmlns:a16="http://schemas.microsoft.com/office/drawing/2014/main" id="{E9788FBE-B4D5-37EF-B437-8DC72E05F125}"/>
+                </a:ext>
+              </a:extLst>
+            </p:cNvPr>
+            <p:cNvSpPr/>
+            <p:nvPr/>
+          </p:nvSpPr>
+          <p:spPr>
+            <a:xfrm>
+              <a:off x="3954907" y="3038497"/>
+              <a:ext cx="365760" cy="365760"/>
+            </a:xfrm>
+            <a:prstGeom prst="roundRect">
+              <a:avLst>
+                <a:gd name="adj" fmla="val 50000"/>
+              </a:avLst>
+            </a:prstGeom>
+            <a:solidFill>
+              <a:schemeClr val="accent2">
+                <a:lumMod val="50000"/>
+              </a:schemeClr>
+            </a:solidFill>
+            <a:ln>
+              <a:solidFill>
+                <a:srgbClr val="C00000"/>
+              </a:solidFill>
+            </a:ln>
+          </p:spPr>
+          <p:style>
+            <a:lnRef idx="2">
+              <a:schemeClr val="accent1">
+                <a:shade val="15000"/>
+              </a:schemeClr>
+            </a:lnRef>
+            <a:fillRef idx="1">
+              <a:schemeClr val="accent1"/>
+            </a:fillRef>
+            <a:effectRef idx="0">
+              <a:schemeClr val="accent1"/>
+            </a:effectRef>
+            <a:fontRef idx="minor">
+              <a:schemeClr val="lt1"/>
+            </a:fontRef>
+          </p:style>
+          <p:txBody>
+            <a:bodyPr rtlCol="0" anchor="ctr"/>
+            <a:lstStyle/>
+            <a:p>
+              <a:pPr algn="ctr"/>
+              <a:endParaRPr lang="en-US" sz="1600" dirty="0">
+                <a:solidFill>
+                  <a:schemeClr val="tx1">
+                    <a:lumMod val="50000"/>
+                    <a:lumOff val="50000"/>
+                  </a:schemeClr>
+                </a:solidFill>
+              </a:endParaRPr>
+            </a:p>
+          </p:txBody>
+        </p:sp>
+        <p:sp>
+          <p:nvSpPr>
+            <p:cNvPr id="33" name="Rounded Rectangle 32">
+              <a:extLst>
+                <a:ext uri="{FF2B5EF4-FFF2-40B4-BE49-F238E27FC236}">
+                  <a16:creationId xmlns:a16="http://schemas.microsoft.com/office/drawing/2014/main" id="{E9888C9E-EFBE-084C-8053-E8D838DFC1EA}"/>
+                </a:ext>
+              </a:extLst>
+            </p:cNvPr>
+            <p:cNvSpPr/>
+            <p:nvPr/>
+          </p:nvSpPr>
+          <p:spPr>
+            <a:xfrm flipH="1">
+              <a:off x="4046348" y="3129937"/>
+              <a:ext cx="182880" cy="182880"/>
+            </a:xfrm>
+            <a:prstGeom prst="roundRect">
+              <a:avLst/>
+            </a:prstGeom>
+            <a:solidFill>
+              <a:srgbClr val="FF0000"/>
+            </a:solidFill>
+            <a:ln>
+              <a:noFill/>
+            </a:ln>
+          </p:spPr>
+          <p:style>
+            <a:lnRef idx="2">
+              <a:schemeClr val="accent1">
+                <a:shade val="15000"/>
+              </a:schemeClr>
+            </a:lnRef>
+            <a:fillRef idx="1">
+              <a:schemeClr val="accent1"/>
+            </a:fillRef>
+            <a:effectRef idx="0">
+              <a:schemeClr val="accent1"/>
+            </a:effectRef>
+            <a:fontRef idx="minor">
+              <a:schemeClr val="lt1"/>
+            </a:fontRef>
+          </p:style>
+          <p:txBody>
+            <a:bodyPr rtlCol="0" anchor="ctr"/>
+            <a:lstStyle/>
+            <a:p>
+              <a:pPr algn="ctr"/>
+              <a:endParaRPr lang="en-US"/>
+            </a:p>
+          </p:txBody>
+        </p:sp>
+      </p:grpSp>
+    </p:spTree>
+    <p:extLst>
+      <p:ext uri="{BB962C8B-B14F-4D97-AF65-F5344CB8AC3E}">
+        <p14:creationId xmlns:p14="http://schemas.microsoft.com/office/powerpoint/2010/main" val="1090854248"/>
+      </p:ext>
+    </p:extLst>
+  </p:cSld>
+  <p:clrMapOvr>
+    <a:masterClrMapping/>
+  </p:clrMapOvr>
+</p:sld>
+</file>
+
+<file path=ppt/slides/slide13.xml><?xml version="1.0" encoding="utf-8"?>
+<p:sld xmlns:a="http://schemas.openxmlformats.org/drawingml/2006/main" xmlns:r="http://schemas.openxmlformats.org/officeDocument/2006/relationships" xmlns:p="http://schemas.openxmlformats.org/presentationml/2006/main">
+  <p:cSld>
+    <p:bg>
+      <p:bgPr>
+        <a:solidFill>
+          <a:schemeClr val="tx1">
+            <a:lumMod val="50000"/>
+            <a:lumOff val="50000"/>
+          </a:schemeClr>
+        </a:solidFill>
+        <a:effectLst/>
+      </p:bgPr>
+    </p:bg>
+    <p:spTree>
+      <p:nvGrpSpPr>
+        <p:cNvPr id="1" name="">
+          <a:extLst>
+            <a:ext uri="{FF2B5EF4-FFF2-40B4-BE49-F238E27FC236}">
+              <a16:creationId xmlns:a16="http://schemas.microsoft.com/office/drawing/2014/main" id="{0B15975B-54E9-D7BF-AEE8-8A3D3728A1E3}"/>
+            </a:ext>
+          </a:extLst>
+        </p:cNvPr>
+        <p:cNvGrpSpPr/>
+        <p:nvPr/>
+      </p:nvGrpSpPr>
+      <p:grpSpPr>
+        <a:xfrm>
+          <a:off x="0" y="0"/>
+          <a:ext cx="0" cy="0"/>
+          <a:chOff x="0" y="0"/>
+          <a:chExt cx="0" cy="0"/>
+        </a:xfrm>
+      </p:grpSpPr>
+      <p:pic>
+        <p:nvPicPr>
+          <p:cNvPr id="5" name="Graphic 4" descr="Single gear with solid fill">
+            <a:extLst>
+              <a:ext uri="{FF2B5EF4-FFF2-40B4-BE49-F238E27FC236}">
+                <a16:creationId xmlns:a16="http://schemas.microsoft.com/office/drawing/2014/main" id="{1F78C381-00E3-8A88-5A20-335A65841308}"/>
+              </a:ext>
+            </a:extLst>
+          </p:cNvPr>
+          <p:cNvPicPr>
+            <a:picLocks noChangeAspect="1"/>
+          </p:cNvPicPr>
+          <p:nvPr/>
+        </p:nvPicPr>
+        <p:blipFill>
+          <a:blip r:embed="rId2">
+            <a:extLst>
+              <a:ext uri="{96DAC541-7B7A-43D3-8B79-37D633B846F1}">
+                <asvg:svgBlip xmlns:asvg="http://schemas.microsoft.com/office/drawing/2016/SVG/main" r:embed="rId3"/>
+              </a:ext>
+            </a:extLst>
+          </a:blip>
+          <a:stretch>
+            <a:fillRect/>
+          </a:stretch>
+        </p:blipFill>
+        <p:spPr>
+          <a:xfrm>
+            <a:off x="4253025" y="2304566"/>
+            <a:ext cx="365760" cy="365760"/>
+          </a:xfrm>
+          <a:prstGeom prst="rect">
+            <a:avLst/>
+          </a:prstGeom>
+        </p:spPr>
+      </p:pic>
+      <p:grpSp>
+        <p:nvGrpSpPr>
+          <p:cNvPr id="30" name="Group 29">
+            <a:extLst>
+              <a:ext uri="{FF2B5EF4-FFF2-40B4-BE49-F238E27FC236}">
+                <a16:creationId xmlns:a16="http://schemas.microsoft.com/office/drawing/2014/main" id="{99667151-B90C-ED99-3783-16CF3EAA6DC3}"/>
+              </a:ext>
+            </a:extLst>
+          </p:cNvPr>
+          <p:cNvGrpSpPr/>
+          <p:nvPr/>
+        </p:nvGrpSpPr>
+        <p:grpSpPr>
+          <a:xfrm>
+            <a:off x="697627" y="2311667"/>
+            <a:ext cx="365760" cy="365760"/>
+            <a:chOff x="3954907" y="3038497"/>
+            <a:chExt cx="365760" cy="365760"/>
+          </a:xfrm>
+        </p:grpSpPr>
+        <p:sp>
+          <p:nvSpPr>
+            <p:cNvPr id="11" name="Rounded Rectangle 10">
+              <a:extLst>
+                <a:ext uri="{FF2B5EF4-FFF2-40B4-BE49-F238E27FC236}">
+                  <a16:creationId xmlns:a16="http://schemas.microsoft.com/office/drawing/2014/main" id="{E0D8A649-F7D9-FD4B-A73F-DEA60F4EFADD}"/>
+                </a:ext>
+              </a:extLst>
+            </p:cNvPr>
+            <p:cNvSpPr/>
+            <p:nvPr/>
+          </p:nvSpPr>
+          <p:spPr>
+            <a:xfrm>
+              <a:off x="3954907" y="3038497"/>
+              <a:ext cx="365760" cy="365760"/>
+            </a:xfrm>
+            <a:prstGeom prst="roundRect">
+              <a:avLst>
+                <a:gd name="adj" fmla="val 50000"/>
+              </a:avLst>
+            </a:prstGeom>
+            <a:solidFill>
+              <a:schemeClr val="accent2">
+                <a:lumMod val="50000"/>
+              </a:schemeClr>
+            </a:solidFill>
+            <a:ln>
+              <a:solidFill>
+                <a:srgbClr val="C00000"/>
+              </a:solidFill>
+            </a:ln>
+          </p:spPr>
+          <p:style>
+            <a:lnRef idx="2">
+              <a:schemeClr val="accent1">
+                <a:shade val="15000"/>
+              </a:schemeClr>
+            </a:lnRef>
+            <a:fillRef idx="1">
+              <a:schemeClr val="accent1"/>
+            </a:fillRef>
+            <a:effectRef idx="0">
+              <a:schemeClr val="accent1"/>
+            </a:effectRef>
+            <a:fontRef idx="minor">
+              <a:schemeClr val="lt1"/>
+            </a:fontRef>
+          </p:style>
+          <p:txBody>
+            <a:bodyPr rtlCol="0" anchor="ctr"/>
+            <a:lstStyle/>
+            <a:p>
+              <a:pPr algn="ctr"/>
+              <a:endParaRPr lang="en-US" sz="1600" dirty="0">
+                <a:solidFill>
+                  <a:schemeClr val="tx1">
+                    <a:lumMod val="50000"/>
+                    <a:lumOff val="50000"/>
+                  </a:schemeClr>
+                </a:solidFill>
+              </a:endParaRPr>
+            </a:p>
+          </p:txBody>
+        </p:sp>
+        <p:sp>
+          <p:nvSpPr>
+            <p:cNvPr id="12" name="Rounded Rectangle 11">
+              <a:extLst>
+                <a:ext uri="{FF2B5EF4-FFF2-40B4-BE49-F238E27FC236}">
+                  <a16:creationId xmlns:a16="http://schemas.microsoft.com/office/drawing/2014/main" id="{A555221E-5D4D-C86C-DA71-6DC7D12DC402}"/>
+                </a:ext>
+              </a:extLst>
+            </p:cNvPr>
+            <p:cNvSpPr/>
+            <p:nvPr/>
+          </p:nvSpPr>
+          <p:spPr>
+            <a:xfrm flipH="1">
+              <a:off x="4046348" y="3129937"/>
+              <a:ext cx="182880" cy="182880"/>
+            </a:xfrm>
+            <a:prstGeom prst="roundRect">
+              <a:avLst/>
+            </a:prstGeom>
+            <a:solidFill>
+              <a:srgbClr val="FF0000"/>
+            </a:solidFill>
+            <a:ln>
+              <a:noFill/>
+            </a:ln>
+          </p:spPr>
+          <p:style>
+            <a:lnRef idx="2">
+              <a:schemeClr val="accent1">
+                <a:shade val="15000"/>
+              </a:schemeClr>
+            </a:lnRef>
+            <a:fillRef idx="1">
+              <a:schemeClr val="accent1"/>
+            </a:fillRef>
+            <a:effectRef idx="0">
+              <a:schemeClr val="accent1"/>
+            </a:effectRef>
+            <a:fontRef idx="minor">
+              <a:schemeClr val="lt1"/>
+            </a:fontRef>
+          </p:style>
+          <p:txBody>
+            <a:bodyPr rtlCol="0" anchor="ctr"/>
+            <a:lstStyle/>
+            <a:p>
+              <a:pPr algn="ctr"/>
+              <a:endParaRPr lang="en-US"/>
+            </a:p>
+          </p:txBody>
+        </p:sp>
+      </p:grpSp>
+      <p:sp>
+        <p:nvSpPr>
+          <p:cNvPr id="4" name="Rectangle 3">
+            <a:extLst>
+              <a:ext uri="{FF2B5EF4-FFF2-40B4-BE49-F238E27FC236}">
+                <a16:creationId xmlns:a16="http://schemas.microsoft.com/office/drawing/2014/main" id="{EF9CF2D6-7AC0-0BE7-303C-A67BFEAD3AF4}"/>
+              </a:ext>
+            </a:extLst>
+          </p:cNvPr>
+          <p:cNvSpPr/>
+          <p:nvPr/>
+        </p:nvSpPr>
+        <p:spPr>
+          <a:xfrm>
+            <a:off x="632799" y="2184211"/>
+            <a:ext cx="4038604" cy="609600"/>
+          </a:xfrm>
+          <a:prstGeom prst="rect">
+            <a:avLst/>
+          </a:prstGeom>
+          <a:solidFill>
+            <a:schemeClr val="tx1">
+              <a:lumMod val="75000"/>
+              <a:lumOff val="25000"/>
+            </a:schemeClr>
+          </a:solidFill>
+          <a:ln w="6350">
+            <a:noFill/>
+          </a:ln>
+        </p:spPr>
+        <p:style>
+          <a:lnRef idx="2">
+            <a:schemeClr val="accent1">
+              <a:shade val="15000"/>
+            </a:schemeClr>
+          </a:lnRef>
+          <a:fillRef idx="1">
+            <a:schemeClr val="accent1"/>
+          </a:fillRef>
+          <a:effectRef idx="0">
+            <a:schemeClr val="accent1"/>
+          </a:effectRef>
+          <a:fontRef idx="minor">
+            <a:schemeClr val="lt1"/>
+          </a:fontRef>
+        </p:style>
+        <p:txBody>
+          <a:bodyPr rtlCol="0" anchor="ctr"/>
+          <a:lstStyle/>
+          <a:p>
+            <a:pPr algn="ctr"/>
+            <a:endParaRPr lang="en-US" dirty="0"/>
+          </a:p>
+        </p:txBody>
+      </p:sp>
+      <p:sp>
+        <p:nvSpPr>
+          <p:cNvPr id="13" name="Rounded Rectangle 12">
+            <a:extLst>
+              <a:ext uri="{FF2B5EF4-FFF2-40B4-BE49-F238E27FC236}">
+                <a16:creationId xmlns:a16="http://schemas.microsoft.com/office/drawing/2014/main" id="{7A35793F-3438-1398-FA37-3AC6091CBE3C}"/>
+              </a:ext>
+            </a:extLst>
+          </p:cNvPr>
+          <p:cNvSpPr/>
+          <p:nvPr/>
+        </p:nvSpPr>
+        <p:spPr>
+          <a:xfrm>
+            <a:off x="697627" y="2256310"/>
+            <a:ext cx="3921158" cy="2772890"/>
+          </a:xfrm>
+          <a:prstGeom prst="roundRect">
+            <a:avLst>
+              <a:gd name="adj" fmla="val 9671"/>
+            </a:avLst>
+          </a:prstGeom>
+          <a:solidFill>
+            <a:srgbClr val="161618"/>
+          </a:solidFill>
+          <a:ln>
+            <a:noFill/>
+          </a:ln>
+        </p:spPr>
+        <p:style>
+          <a:lnRef idx="2">
+            <a:schemeClr val="accent1">
+              <a:shade val="15000"/>
+            </a:schemeClr>
+          </a:lnRef>
+          <a:fillRef idx="1">
+            <a:schemeClr val="accent1"/>
+          </a:fillRef>
+          <a:effectRef idx="0">
+            <a:schemeClr val="accent1"/>
+          </a:effectRef>
+          <a:fontRef idx="minor">
+            <a:schemeClr val="lt1"/>
+          </a:fontRef>
+        </p:style>
+        <p:txBody>
+          <a:bodyPr rtlCol="0" anchor="ctr"/>
+          <a:lstStyle/>
+          <a:p>
+            <a:pPr algn="ctr"/>
+            <a:endParaRPr lang="en-US" sz="1400" dirty="0">
+              <a:solidFill>
+                <a:schemeClr val="tx1">
+                  <a:lumMod val="75000"/>
+                  <a:lumOff val="25000"/>
+                </a:schemeClr>
+              </a:solidFill>
+            </a:endParaRPr>
+          </a:p>
+        </p:txBody>
+      </p:sp>
+      <p:sp>
+        <p:nvSpPr>
+          <p:cNvPr id="6" name="Rounded Rectangle 5">
+            <a:extLst>
+              <a:ext uri="{FF2B5EF4-FFF2-40B4-BE49-F238E27FC236}">
+                <a16:creationId xmlns:a16="http://schemas.microsoft.com/office/drawing/2014/main" id="{2A34877F-A6EF-7151-2118-50F9EBABCAB5}"/>
+              </a:ext>
+            </a:extLst>
+          </p:cNvPr>
+          <p:cNvSpPr/>
+          <p:nvPr/>
+        </p:nvSpPr>
+        <p:spPr>
+          <a:xfrm>
+            <a:off x="1221992" y="2258846"/>
+            <a:ext cx="2860216" cy="457200"/>
+          </a:xfrm>
+          <a:prstGeom prst="roundRect">
+            <a:avLst>
+              <a:gd name="adj" fmla="val 50000"/>
+            </a:avLst>
+          </a:prstGeom>
+          <a:solidFill>
+            <a:srgbClr val="161618"/>
+          </a:solidFill>
+          <a:ln>
+            <a:noFill/>
+          </a:ln>
+        </p:spPr>
+        <p:style>
+          <a:lnRef idx="2">
+            <a:schemeClr val="accent1">
+              <a:shade val="15000"/>
+            </a:schemeClr>
+          </a:lnRef>
+          <a:fillRef idx="1">
+            <a:schemeClr val="accent1"/>
+          </a:fillRef>
+          <a:effectRef idx="0">
+            <a:schemeClr val="accent1"/>
+          </a:effectRef>
+          <a:fontRef idx="minor">
+            <a:schemeClr val="lt1"/>
+          </a:fontRef>
+        </p:style>
+        <p:txBody>
+          <a:bodyPr rtlCol="0" anchor="ctr"/>
+          <a:lstStyle/>
+          <a:p>
+            <a:pPr algn="ctr"/>
+            <a:endParaRPr lang="en-US" sz="1400" dirty="0">
+              <a:solidFill>
+                <a:schemeClr val="tx1">
+                  <a:lumMod val="75000"/>
+                  <a:lumOff val="25000"/>
+                </a:schemeClr>
+              </a:solidFill>
+            </a:endParaRPr>
+          </a:p>
+        </p:txBody>
+      </p:sp>
+      <p:sp>
+        <p:nvSpPr>
+          <p:cNvPr id="7" name="TextBox 6">
+            <a:extLst>
+              <a:ext uri="{FF2B5EF4-FFF2-40B4-BE49-F238E27FC236}">
+                <a16:creationId xmlns:a16="http://schemas.microsoft.com/office/drawing/2014/main" id="{C944A43F-6F89-725D-E753-FDA99CDF1BE8}"/>
+              </a:ext>
+            </a:extLst>
+          </p:cNvPr>
+          <p:cNvSpPr txBox="1"/>
+          <p:nvPr/>
+        </p:nvSpPr>
+        <p:spPr>
+          <a:xfrm>
+            <a:off x="799963" y="2311588"/>
+            <a:ext cx="1390080" cy="338554"/>
+          </a:xfrm>
+          <a:prstGeom prst="rect">
+            <a:avLst/>
+          </a:prstGeom>
+          <a:noFill/>
+        </p:spPr>
+        <p:txBody>
+          <a:bodyPr wrap="square">
+            <a:spAutoFit/>
+          </a:bodyPr>
+          <a:lstStyle/>
+          <a:p>
+            <a:r>
+              <a:rPr lang="en-US" sz="1600" dirty="0">
+                <a:solidFill>
+                  <a:schemeClr val="bg1">
+                    <a:lumMod val="85000"/>
+                  </a:schemeClr>
+                </a:solidFill>
+                <a:latin typeface="ui-sans-serif"/>
+              </a:rPr>
+              <a:t>Al-Fatihah</a:t>
+            </a:r>
+            <a:endParaRPr lang="en-US" sz="1400" dirty="0">
+              <a:solidFill>
+                <a:schemeClr val="bg1">
+                  <a:lumMod val="85000"/>
+                </a:schemeClr>
+              </a:solidFill>
+            </a:endParaRPr>
+          </a:p>
+        </p:txBody>
+      </p:sp>
+      <p:sp>
+        <p:nvSpPr>
+          <p:cNvPr id="8" name="Rounded Rectangle 7">
+            <a:extLst>
+              <a:ext uri="{FF2B5EF4-FFF2-40B4-BE49-F238E27FC236}">
+                <a16:creationId xmlns:a16="http://schemas.microsoft.com/office/drawing/2014/main" id="{D8A44BFC-AE4B-E52E-C56E-D9E892F7CC63}"/>
+              </a:ext>
+            </a:extLst>
+          </p:cNvPr>
+          <p:cNvSpPr/>
+          <p:nvPr/>
+        </p:nvSpPr>
+        <p:spPr>
+          <a:xfrm>
+            <a:off x="4042595" y="2304566"/>
+            <a:ext cx="414904" cy="376098"/>
+          </a:xfrm>
+          <a:prstGeom prst="roundRect">
+            <a:avLst>
+              <a:gd name="adj" fmla="val 50000"/>
+            </a:avLst>
+          </a:prstGeom>
+          <a:solidFill>
+            <a:schemeClr val="tx1">
+              <a:lumMod val="75000"/>
+              <a:lumOff val="25000"/>
+            </a:schemeClr>
+          </a:solidFill>
+          <a:ln>
+            <a:solidFill>
+              <a:srgbClr val="06B050"/>
+            </a:solidFill>
+          </a:ln>
+        </p:spPr>
+        <p:style>
+          <a:lnRef idx="2">
+            <a:schemeClr val="accent1">
+              <a:shade val="15000"/>
+            </a:schemeClr>
+          </a:lnRef>
+          <a:fillRef idx="1">
+            <a:schemeClr val="accent1"/>
+          </a:fillRef>
+          <a:effectRef idx="0">
+            <a:schemeClr val="accent1"/>
+          </a:effectRef>
+          <a:fontRef idx="minor">
+            <a:schemeClr val="lt1"/>
+          </a:fontRef>
+        </p:style>
+        <p:txBody>
+          <a:bodyPr rtlCol="0" anchor="ctr"/>
+          <a:lstStyle/>
+          <a:p>
+            <a:pPr algn="ctr"/>
+            <a:r>
+              <a:rPr lang="en-US" sz="1600" dirty="0">
+                <a:solidFill>
+                  <a:schemeClr val="tx1">
+                    <a:lumMod val="50000"/>
+                    <a:lumOff val="50000"/>
+                  </a:schemeClr>
+                </a:solidFill>
+                <a:latin typeface="ui-sans-serif"/>
+              </a:rPr>
+              <a:t>7</a:t>
+            </a:r>
+            <a:endParaRPr lang="en-US" sz="1600" dirty="0">
+              <a:solidFill>
+                <a:schemeClr val="tx1">
+                  <a:lumMod val="50000"/>
+                  <a:lumOff val="50000"/>
+                </a:schemeClr>
+              </a:solidFill>
+            </a:endParaRPr>
+          </a:p>
+        </p:txBody>
+      </p:sp>
+      <p:sp>
+        <p:nvSpPr>
+          <p:cNvPr id="9" name="TextBox 8">
+            <a:extLst>
+              <a:ext uri="{FF2B5EF4-FFF2-40B4-BE49-F238E27FC236}">
+                <a16:creationId xmlns:a16="http://schemas.microsoft.com/office/drawing/2014/main" id="{4CFECD6E-9792-6B6B-968E-43385447CFCE}"/>
+              </a:ext>
+            </a:extLst>
+          </p:cNvPr>
+          <p:cNvSpPr txBox="1"/>
+          <p:nvPr/>
+        </p:nvSpPr>
+        <p:spPr>
+          <a:xfrm>
+            <a:off x="3121599" y="2304566"/>
+            <a:ext cx="816429" cy="400110"/>
+          </a:xfrm>
+          <a:prstGeom prst="rect">
+            <a:avLst/>
+          </a:prstGeom>
+          <a:noFill/>
+        </p:spPr>
+        <p:txBody>
+          <a:bodyPr wrap="square">
+            <a:spAutoFit/>
+          </a:bodyPr>
+          <a:lstStyle/>
+          <a:p>
+            <a:r>
+              <a:rPr lang="ar-AE" sz="2000" dirty="0">
+                <a:solidFill>
+                  <a:schemeClr val="accent6">
+                    <a:lumMod val="75000"/>
+                  </a:schemeClr>
+                </a:solidFill>
+                <a:latin typeface="Amiri"/>
+              </a:rPr>
+              <a:t>الفاتحة</a:t>
+            </a:r>
+            <a:endParaRPr lang="en-US" sz="1400" dirty="0">
+              <a:solidFill>
+                <a:schemeClr val="accent6">
+                  <a:lumMod val="75000"/>
+                </a:schemeClr>
+              </a:solidFill>
+            </a:endParaRPr>
+          </a:p>
+        </p:txBody>
+      </p:sp>
+      <p:sp>
+        <p:nvSpPr>
+          <p:cNvPr id="10" name="TextBox 9">
+            <a:extLst>
+              <a:ext uri="{FF2B5EF4-FFF2-40B4-BE49-F238E27FC236}">
+                <a16:creationId xmlns:a16="http://schemas.microsoft.com/office/drawing/2014/main" id="{14B3FE9C-FC27-9000-1111-C1A98E51C500}"/>
+              </a:ext>
+            </a:extLst>
+          </p:cNvPr>
+          <p:cNvSpPr txBox="1"/>
+          <p:nvPr/>
+        </p:nvSpPr>
+        <p:spPr>
+          <a:xfrm>
+            <a:off x="4038603" y="5796171"/>
+            <a:ext cx="4870485" cy="707886"/>
+          </a:xfrm>
+          <a:prstGeom prst="rect">
+            <a:avLst/>
+          </a:prstGeom>
+          <a:noFill/>
+        </p:spPr>
+        <p:txBody>
+          <a:bodyPr wrap="square" rtlCol="0">
+            <a:spAutoFit/>
+          </a:bodyPr>
+          <a:lstStyle/>
+          <a:p>
+            <a:r>
+              <a:rPr lang="en-US" sz="4000" dirty="0">
+                <a:solidFill>
+                  <a:schemeClr val="bg1"/>
+                </a:solidFill>
+              </a:rPr>
+              <a:t>Verse Dropdown</a:t>
+            </a:r>
+          </a:p>
+        </p:txBody>
+      </p:sp>
+      <p:sp>
+        <p:nvSpPr>
+          <p:cNvPr id="14" name="Rectangle 13">
+            <a:extLst>
+              <a:ext uri="{FF2B5EF4-FFF2-40B4-BE49-F238E27FC236}">
+                <a16:creationId xmlns:a16="http://schemas.microsoft.com/office/drawing/2014/main" id="{903C3506-4ED7-F84B-13BD-26A8F4DFE27C}"/>
+              </a:ext>
+            </a:extLst>
+          </p:cNvPr>
+          <p:cNvSpPr/>
+          <p:nvPr/>
+        </p:nvSpPr>
+        <p:spPr>
+          <a:xfrm>
+            <a:off x="0" y="1245111"/>
+            <a:ext cx="12192001" cy="609600"/>
+          </a:xfrm>
+          <a:prstGeom prst="rect">
+            <a:avLst/>
+          </a:prstGeom>
+          <a:solidFill>
+            <a:schemeClr val="tx1">
+              <a:lumMod val="75000"/>
+              <a:lumOff val="25000"/>
+            </a:schemeClr>
+          </a:solidFill>
+          <a:ln w="6350">
+            <a:noFill/>
+          </a:ln>
+        </p:spPr>
+        <p:style>
+          <a:lnRef idx="2">
+            <a:schemeClr val="accent1">
+              <a:shade val="15000"/>
+            </a:schemeClr>
+          </a:lnRef>
+          <a:fillRef idx="1">
+            <a:schemeClr val="accent1"/>
+          </a:fillRef>
+          <a:effectRef idx="0">
+            <a:schemeClr val="accent1"/>
+          </a:effectRef>
+          <a:fontRef idx="minor">
+            <a:schemeClr val="lt1"/>
+          </a:fontRef>
+        </p:style>
+        <p:txBody>
+          <a:bodyPr rtlCol="0" anchor="ctr"/>
+          <a:lstStyle/>
+          <a:p>
+            <a:pPr algn="ctr"/>
+            <a:endParaRPr lang="en-US" dirty="0"/>
+          </a:p>
+        </p:txBody>
+      </p:sp>
+      <p:sp>
+        <p:nvSpPr>
+          <p:cNvPr id="17" name="TextBox 16">
+            <a:extLst>
+              <a:ext uri="{FF2B5EF4-FFF2-40B4-BE49-F238E27FC236}">
+                <a16:creationId xmlns:a16="http://schemas.microsoft.com/office/drawing/2014/main" id="{CE667BDA-EB81-6176-68C2-E864A7E3E7AE}"/>
+              </a:ext>
+            </a:extLst>
+          </p:cNvPr>
+          <p:cNvSpPr txBox="1"/>
+          <p:nvPr/>
+        </p:nvSpPr>
+        <p:spPr>
+          <a:xfrm>
+            <a:off x="552270" y="1360778"/>
+            <a:ext cx="1439818" cy="369332"/>
+          </a:xfrm>
+          <a:prstGeom prst="rect">
+            <a:avLst/>
+          </a:prstGeom>
+          <a:noFill/>
+        </p:spPr>
+        <p:txBody>
+          <a:bodyPr wrap="none" rtlCol="0">
+            <a:spAutoFit/>
+          </a:bodyPr>
+          <a:lstStyle/>
+          <a:p>
+            <a:r>
+              <a:rPr lang="en-US" b="1" dirty="0">
+                <a:solidFill>
+                  <a:schemeClr val="bg1">
+                    <a:lumMod val="75000"/>
+                  </a:schemeClr>
+                </a:solidFill>
+                <a:latin typeface="JetBrains Mono" panose="02000009000000000000" pitchFamily="49" charset="0"/>
+                <a:ea typeface="JetBrains Mono" panose="02000009000000000000" pitchFamily="49" charset="0"/>
+                <a:cs typeface="JetBrains Mono" panose="02000009000000000000" pitchFamily="49" charset="0"/>
+              </a:rPr>
+              <a:t>Al-Qur’an</a:t>
+            </a:r>
+          </a:p>
+        </p:txBody>
+      </p:sp>
+      <p:sp>
+        <p:nvSpPr>
+          <p:cNvPr id="18" name="Rounded Rectangle 17">
+            <a:extLst>
+              <a:ext uri="{FF2B5EF4-FFF2-40B4-BE49-F238E27FC236}">
+                <a16:creationId xmlns:a16="http://schemas.microsoft.com/office/drawing/2014/main" id="{D1103ECE-69EC-5215-A493-CE1DE5AD1AA1}"/>
+              </a:ext>
+            </a:extLst>
+          </p:cNvPr>
+          <p:cNvSpPr/>
+          <p:nvPr/>
+        </p:nvSpPr>
+        <p:spPr>
+          <a:xfrm>
+            <a:off x="2612573" y="1305180"/>
+            <a:ext cx="6966856" cy="489467"/>
+          </a:xfrm>
+          <a:prstGeom prst="roundRect">
+            <a:avLst>
+              <a:gd name="adj" fmla="val 50000"/>
+            </a:avLst>
+          </a:prstGeom>
+          <a:solidFill>
+            <a:srgbClr val="161618"/>
+          </a:solidFill>
+          <a:ln>
+            <a:noFill/>
+          </a:ln>
+        </p:spPr>
+        <p:style>
+          <a:lnRef idx="2">
+            <a:schemeClr val="accent1">
+              <a:shade val="15000"/>
+            </a:schemeClr>
+          </a:lnRef>
+          <a:fillRef idx="1">
+            <a:schemeClr val="accent1"/>
+          </a:fillRef>
+          <a:effectRef idx="0">
+            <a:schemeClr val="accent1"/>
+          </a:effectRef>
+          <a:fontRef idx="minor">
+            <a:schemeClr val="lt1"/>
+          </a:fontRef>
+        </p:style>
+        <p:txBody>
+          <a:bodyPr rtlCol="0" anchor="ctr"/>
+          <a:lstStyle/>
+          <a:p>
+            <a:pPr algn="ctr"/>
+            <a:endParaRPr lang="en-US"/>
+          </a:p>
+        </p:txBody>
+      </p:sp>
+      <p:sp>
+        <p:nvSpPr>
+          <p:cNvPr id="20" name="TextBox 19">
+            <a:extLst>
+              <a:ext uri="{FF2B5EF4-FFF2-40B4-BE49-F238E27FC236}">
+                <a16:creationId xmlns:a16="http://schemas.microsoft.com/office/drawing/2014/main" id="{45D30D38-1053-66A8-DF9F-3FA6E02EC038}"/>
+              </a:ext>
+            </a:extLst>
+          </p:cNvPr>
+          <p:cNvSpPr txBox="1"/>
+          <p:nvPr/>
+        </p:nvSpPr>
+        <p:spPr>
+          <a:xfrm>
+            <a:off x="2862945" y="1360779"/>
+            <a:ext cx="1390080" cy="369332"/>
+          </a:xfrm>
+          <a:prstGeom prst="rect">
+            <a:avLst/>
+          </a:prstGeom>
+          <a:noFill/>
+        </p:spPr>
+        <p:txBody>
+          <a:bodyPr wrap="square">
+            <a:spAutoFit/>
+          </a:bodyPr>
+          <a:lstStyle/>
+          <a:p>
+            <a:r>
+              <a:rPr lang="en-US" dirty="0">
+                <a:solidFill>
+                  <a:schemeClr val="bg1">
+                    <a:lumMod val="85000"/>
+                  </a:schemeClr>
+                </a:solidFill>
+                <a:latin typeface="ui-sans-serif"/>
+              </a:rPr>
+              <a:t>Al-Fatihah</a:t>
+            </a:r>
+            <a:endParaRPr lang="en-US" dirty="0">
+              <a:solidFill>
+                <a:schemeClr val="bg1">
+                  <a:lumMod val="85000"/>
+                </a:schemeClr>
+              </a:solidFill>
+            </a:endParaRPr>
+          </a:p>
+        </p:txBody>
+      </p:sp>
+      <p:sp>
+        <p:nvSpPr>
+          <p:cNvPr id="22" name="TextBox 21">
+            <a:extLst>
+              <a:ext uri="{FF2B5EF4-FFF2-40B4-BE49-F238E27FC236}">
+                <a16:creationId xmlns:a16="http://schemas.microsoft.com/office/drawing/2014/main" id="{F8003657-5BD6-2172-4E7E-65E4253B9D28}"/>
+              </a:ext>
+            </a:extLst>
+          </p:cNvPr>
+          <p:cNvSpPr txBox="1"/>
+          <p:nvPr/>
+        </p:nvSpPr>
+        <p:spPr>
+          <a:xfrm>
+            <a:off x="5540829" y="1360781"/>
+            <a:ext cx="816429" cy="461793"/>
+          </a:xfrm>
+          <a:prstGeom prst="rect">
+            <a:avLst/>
+          </a:prstGeom>
+          <a:noFill/>
+        </p:spPr>
+        <p:txBody>
+          <a:bodyPr wrap="square">
+            <a:spAutoFit/>
+          </a:bodyPr>
+          <a:lstStyle/>
+          <a:p>
+            <a:r>
+              <a:rPr lang="ar-AE" sz="2401" dirty="0">
+                <a:solidFill>
+                  <a:schemeClr val="accent6">
+                    <a:lumMod val="75000"/>
+                  </a:schemeClr>
+                </a:solidFill>
+                <a:latin typeface="Amiri"/>
+              </a:rPr>
+              <a:t>الفاتحة</a:t>
+            </a:r>
+            <a:endParaRPr lang="en-US" dirty="0">
+              <a:solidFill>
+                <a:schemeClr val="accent6">
+                  <a:lumMod val="75000"/>
+                </a:schemeClr>
+              </a:solidFill>
+            </a:endParaRPr>
+          </a:p>
+        </p:txBody>
+      </p:sp>
+      <p:pic>
+        <p:nvPicPr>
+          <p:cNvPr id="23" name="Graphic 22" descr="Single gear with solid fill">
+            <a:extLst>
+              <a:ext uri="{FF2B5EF4-FFF2-40B4-BE49-F238E27FC236}">
+                <a16:creationId xmlns:a16="http://schemas.microsoft.com/office/drawing/2014/main" id="{4472DAB3-360F-EDFA-52EC-6FD582A3BAC1}"/>
+              </a:ext>
+            </a:extLst>
+          </p:cNvPr>
+          <p:cNvPicPr>
+            <a:picLocks noChangeAspect="1"/>
+          </p:cNvPicPr>
+          <p:nvPr/>
+        </p:nvPicPr>
+        <p:blipFill>
+          <a:blip r:embed="rId2">
+            <a:extLst>
+              <a:ext uri="{96DAC541-7B7A-43D3-8B79-37D633B846F1}">
+                <asvg:svgBlip xmlns:asvg="http://schemas.microsoft.com/office/drawing/2016/SVG/main" r:embed="rId3"/>
+              </a:ext>
+            </a:extLst>
+          </a:blip>
+          <a:stretch>
+            <a:fillRect/>
+          </a:stretch>
+        </p:blipFill>
+        <p:spPr>
+          <a:xfrm>
+            <a:off x="11636829" y="1299147"/>
+            <a:ext cx="457200" cy="457200"/>
+          </a:xfrm>
+          <a:prstGeom prst="rect">
+            <a:avLst/>
+          </a:prstGeom>
+        </p:spPr>
+      </p:pic>
+      <p:pic>
+        <p:nvPicPr>
+          <p:cNvPr id="24" name="Graphic 23">
+            <a:extLst>
+              <a:ext uri="{FF2B5EF4-FFF2-40B4-BE49-F238E27FC236}">
+                <a16:creationId xmlns:a16="http://schemas.microsoft.com/office/drawing/2014/main" id="{55A1F81E-DCF6-805E-E40F-D5747D7C3559}"/>
+              </a:ext>
+            </a:extLst>
+          </p:cNvPr>
+          <p:cNvPicPr>
+            <a:picLocks noChangeAspect="1"/>
+          </p:cNvPicPr>
+          <p:nvPr/>
+        </p:nvPicPr>
+        <p:blipFill>
+          <a:blip r:embed="rId4">
+            <a:extLst>
+              <a:ext uri="{96DAC541-7B7A-43D3-8B79-37D633B846F1}">
+                <asvg:svgBlip xmlns:asvg="http://schemas.microsoft.com/office/drawing/2016/SVG/main" r:embed="rId5"/>
+              </a:ext>
+            </a:extLst>
+          </a:blip>
+          <a:stretch>
+            <a:fillRect/>
+          </a:stretch>
+        </p:blipFill>
+        <p:spPr>
+          <a:xfrm>
+            <a:off x="97973" y="1318830"/>
+            <a:ext cx="454297" cy="454297"/>
+          </a:xfrm>
+          <a:prstGeom prst="rect">
+            <a:avLst/>
+          </a:prstGeom>
+        </p:spPr>
+      </p:pic>
+      <p:grpSp>
+        <p:nvGrpSpPr>
+          <p:cNvPr id="31" name="Group 30">
+            <a:extLst>
+              <a:ext uri="{FF2B5EF4-FFF2-40B4-BE49-F238E27FC236}">
+                <a16:creationId xmlns:a16="http://schemas.microsoft.com/office/drawing/2014/main" id="{26A4D3EB-FDDC-0B35-CC50-79C8F568AE68}"/>
+              </a:ext>
+            </a:extLst>
+          </p:cNvPr>
+          <p:cNvGrpSpPr/>
+          <p:nvPr/>
+        </p:nvGrpSpPr>
+        <p:grpSpPr>
+          <a:xfrm>
+            <a:off x="2182339" y="1356357"/>
+            <a:ext cx="365760" cy="365760"/>
+            <a:chOff x="3954907" y="3038497"/>
+            <a:chExt cx="365760" cy="365760"/>
+          </a:xfrm>
+        </p:grpSpPr>
+        <p:sp>
+          <p:nvSpPr>
+            <p:cNvPr id="32" name="Rounded Rectangle 31">
+              <a:extLst>
+                <a:ext uri="{FF2B5EF4-FFF2-40B4-BE49-F238E27FC236}">
+                  <a16:creationId xmlns:a16="http://schemas.microsoft.com/office/drawing/2014/main" id="{59540FF2-D55D-02A4-4364-0F6A3F76340E}"/>
+                </a:ext>
+              </a:extLst>
+            </p:cNvPr>
+            <p:cNvSpPr/>
+            <p:nvPr/>
+          </p:nvSpPr>
+          <p:spPr>
+            <a:xfrm>
+              <a:off x="3954907" y="3038497"/>
+              <a:ext cx="365760" cy="365760"/>
+            </a:xfrm>
+            <a:prstGeom prst="roundRect">
+              <a:avLst>
+                <a:gd name="adj" fmla="val 50000"/>
+              </a:avLst>
+            </a:prstGeom>
+            <a:solidFill>
+              <a:schemeClr val="accent2">
+                <a:lumMod val="50000"/>
+              </a:schemeClr>
+            </a:solidFill>
+            <a:ln>
+              <a:solidFill>
+                <a:srgbClr val="C00000"/>
+              </a:solidFill>
+            </a:ln>
+          </p:spPr>
+          <p:style>
+            <a:lnRef idx="2">
+              <a:schemeClr val="accent1">
+                <a:shade val="15000"/>
+              </a:schemeClr>
+            </a:lnRef>
+            <a:fillRef idx="1">
+              <a:schemeClr val="accent1"/>
+            </a:fillRef>
+            <a:effectRef idx="0">
+              <a:schemeClr val="accent1"/>
+            </a:effectRef>
+            <a:fontRef idx="minor">
+              <a:schemeClr val="lt1"/>
+            </a:fontRef>
+          </p:style>
+          <p:txBody>
+            <a:bodyPr rtlCol="0" anchor="ctr"/>
+            <a:lstStyle/>
+            <a:p>
+              <a:pPr algn="ctr"/>
+              <a:endParaRPr lang="en-US" sz="1600" dirty="0">
+                <a:solidFill>
+                  <a:schemeClr val="tx1">
+                    <a:lumMod val="50000"/>
+                    <a:lumOff val="50000"/>
+                  </a:schemeClr>
+                </a:solidFill>
+              </a:endParaRPr>
+            </a:p>
+          </p:txBody>
+        </p:sp>
+        <p:sp>
+          <p:nvSpPr>
+            <p:cNvPr id="33" name="Rounded Rectangle 32">
+              <a:extLst>
+                <a:ext uri="{FF2B5EF4-FFF2-40B4-BE49-F238E27FC236}">
+                  <a16:creationId xmlns:a16="http://schemas.microsoft.com/office/drawing/2014/main" id="{9D77A526-662D-807A-08DC-2E62C2A2EE8D}"/>
+                </a:ext>
+              </a:extLst>
+            </p:cNvPr>
+            <p:cNvSpPr/>
+            <p:nvPr/>
+          </p:nvSpPr>
+          <p:spPr>
+            <a:xfrm flipH="1">
+              <a:off x="4046348" y="3129937"/>
+              <a:ext cx="182880" cy="182880"/>
+            </a:xfrm>
+            <a:prstGeom prst="roundRect">
+              <a:avLst/>
+            </a:prstGeom>
+            <a:solidFill>
+              <a:srgbClr val="FF0000"/>
+            </a:solidFill>
+            <a:ln>
+              <a:noFill/>
+            </a:ln>
+          </p:spPr>
+          <p:style>
+            <a:lnRef idx="2">
+              <a:schemeClr val="accent1">
+                <a:shade val="15000"/>
+              </a:schemeClr>
+            </a:lnRef>
+            <a:fillRef idx="1">
+              <a:schemeClr val="accent1"/>
+            </a:fillRef>
+            <a:effectRef idx="0">
+              <a:schemeClr val="accent1"/>
+            </a:effectRef>
+            <a:fontRef idx="minor">
+              <a:schemeClr val="lt1"/>
+            </a:fontRef>
+          </p:style>
+          <p:txBody>
+            <a:bodyPr rtlCol="0" anchor="ctr"/>
+            <a:lstStyle/>
+            <a:p>
+              <a:pPr algn="ctr"/>
+              <a:endParaRPr lang="en-US"/>
+            </a:p>
+          </p:txBody>
+        </p:sp>
+      </p:grpSp>
+      <p:sp>
+        <p:nvSpPr>
+          <p:cNvPr id="3" name="Rounded Rectangle 2">
+            <a:extLst>
+              <a:ext uri="{FF2B5EF4-FFF2-40B4-BE49-F238E27FC236}">
+                <a16:creationId xmlns:a16="http://schemas.microsoft.com/office/drawing/2014/main" id="{0D1EA1C0-09D1-F790-0909-2DD07D5057E8}"/>
+              </a:ext>
+            </a:extLst>
+          </p:cNvPr>
+          <p:cNvSpPr/>
+          <p:nvPr/>
+        </p:nvSpPr>
+        <p:spPr>
+          <a:xfrm>
+            <a:off x="9091607" y="1381931"/>
+            <a:ext cx="387813" cy="2408111"/>
+          </a:xfrm>
+          <a:prstGeom prst="roundRect">
+            <a:avLst>
+              <a:gd name="adj" fmla="val 40137"/>
+            </a:avLst>
+          </a:prstGeom>
+          <a:solidFill>
+            <a:schemeClr val="tx1">
+              <a:lumMod val="75000"/>
+              <a:lumOff val="25000"/>
+            </a:schemeClr>
+          </a:solidFill>
+          <a:ln>
+            <a:noFill/>
+          </a:ln>
+        </p:spPr>
+        <p:style>
+          <a:lnRef idx="2">
+            <a:schemeClr val="accent1">
+              <a:shade val="15000"/>
+            </a:schemeClr>
+          </a:lnRef>
+          <a:fillRef idx="1">
+            <a:schemeClr val="accent1"/>
+          </a:fillRef>
+          <a:effectRef idx="0">
+            <a:schemeClr val="accent1"/>
+          </a:effectRef>
+          <a:fontRef idx="minor">
+            <a:schemeClr val="lt1"/>
+          </a:fontRef>
+        </p:style>
+        <p:txBody>
+          <a:bodyPr rtlCol="0" anchor="t"/>
+          <a:lstStyle/>
+          <a:p>
+            <a:pPr algn="ctr"/>
+            <a:r>
+              <a:rPr lang="en-US" sz="1601" dirty="0">
+                <a:solidFill>
+                  <a:schemeClr val="tx1">
+                    <a:lumMod val="50000"/>
+                    <a:lumOff val="50000"/>
+                  </a:schemeClr>
+                </a:solidFill>
+              </a:rPr>
+              <a:t>1</a:t>
+            </a:r>
+            <a:br>
+              <a:rPr lang="en-US" sz="1601" dirty="0">
+                <a:solidFill>
+                  <a:schemeClr val="tx1">
+                    <a:lumMod val="50000"/>
+                    <a:lumOff val="50000"/>
+                  </a:schemeClr>
+                </a:solidFill>
+              </a:rPr>
+            </a:br>
+            <a:r>
+              <a:rPr lang="en-US" sz="1601" dirty="0">
+                <a:solidFill>
+                  <a:schemeClr val="tx1">
+                    <a:lumMod val="50000"/>
+                    <a:lumOff val="50000"/>
+                  </a:schemeClr>
+                </a:solidFill>
+              </a:rPr>
+              <a:t>2</a:t>
+            </a:r>
+            <a:br>
+              <a:rPr lang="en-US" sz="1601" dirty="0">
+                <a:solidFill>
+                  <a:schemeClr val="tx1">
+                    <a:lumMod val="50000"/>
+                    <a:lumOff val="50000"/>
+                  </a:schemeClr>
+                </a:solidFill>
+              </a:rPr>
+            </a:br>
+            <a:r>
+              <a:rPr lang="en-US" sz="1601" dirty="0">
+                <a:solidFill>
+                  <a:schemeClr val="tx1">
+                    <a:lumMod val="50000"/>
+                    <a:lumOff val="50000"/>
+                  </a:schemeClr>
+                </a:solidFill>
+              </a:rPr>
+              <a:t>3</a:t>
+            </a:r>
+            <a:br>
+              <a:rPr lang="en-US" sz="1601" dirty="0">
+                <a:solidFill>
+                  <a:schemeClr val="tx1">
+                    <a:lumMod val="50000"/>
+                    <a:lumOff val="50000"/>
+                  </a:schemeClr>
+                </a:solidFill>
+              </a:rPr>
+            </a:br>
+            <a:r>
+              <a:rPr lang="en-US" sz="1601" dirty="0">
+                <a:solidFill>
+                  <a:schemeClr val="tx1">
+                    <a:lumMod val="50000"/>
+                    <a:lumOff val="50000"/>
+                  </a:schemeClr>
+                </a:solidFill>
+              </a:rPr>
+              <a:t>4</a:t>
+            </a:r>
+          </a:p>
+          <a:p>
+            <a:pPr algn="ctr"/>
+            <a:r>
+              <a:rPr lang="en-US" sz="1601" dirty="0">
+                <a:solidFill>
+                  <a:schemeClr val="tx1">
+                    <a:lumMod val="50000"/>
+                    <a:lumOff val="50000"/>
+                  </a:schemeClr>
+                </a:solidFill>
+              </a:rPr>
+              <a:t>5</a:t>
+            </a:r>
+          </a:p>
+          <a:p>
+            <a:pPr algn="ctr"/>
+            <a:r>
+              <a:rPr lang="en-US" sz="1601" dirty="0">
+                <a:solidFill>
+                  <a:schemeClr val="tx1">
+                    <a:lumMod val="50000"/>
+                    <a:lumOff val="50000"/>
+                  </a:schemeClr>
+                </a:solidFill>
+              </a:rPr>
+              <a:t>6</a:t>
+            </a:r>
+          </a:p>
+          <a:p>
+            <a:pPr algn="ctr"/>
+            <a:r>
+              <a:rPr lang="en-US" sz="1601" dirty="0">
+                <a:solidFill>
+                  <a:schemeClr val="tx1">
+                    <a:lumMod val="50000"/>
+                    <a:lumOff val="50000"/>
+                  </a:schemeClr>
+                </a:solidFill>
+              </a:rPr>
+              <a:t>7</a:t>
+            </a:r>
+          </a:p>
+          <a:p>
+            <a:pPr algn="ctr"/>
+            <a:r>
+              <a:rPr lang="en-US" sz="1601" dirty="0">
+                <a:solidFill>
+                  <a:schemeClr val="tx1">
+                    <a:lumMod val="50000"/>
+                    <a:lumOff val="50000"/>
+                  </a:schemeClr>
+                </a:solidFill>
+              </a:rPr>
+              <a:t>8</a:t>
+            </a:r>
+          </a:p>
+          <a:p>
+            <a:pPr algn="ctr"/>
+            <a:r>
+              <a:rPr lang="en-US" sz="1601" dirty="0">
+                <a:solidFill>
+                  <a:schemeClr val="tx1">
+                    <a:lumMod val="50000"/>
+                    <a:lumOff val="50000"/>
+                  </a:schemeClr>
+                </a:solidFill>
+              </a:rPr>
+              <a:t>9</a:t>
+            </a:r>
+          </a:p>
+        </p:txBody>
+      </p:sp>
+      <p:sp>
+        <p:nvSpPr>
+          <p:cNvPr id="15" name="Rounded Rectangle 14">
+            <a:extLst>
+              <a:ext uri="{FF2B5EF4-FFF2-40B4-BE49-F238E27FC236}">
+                <a16:creationId xmlns:a16="http://schemas.microsoft.com/office/drawing/2014/main" id="{8A560D85-3DFC-C477-01DE-EABE2160DBE5}"/>
+              </a:ext>
+            </a:extLst>
+          </p:cNvPr>
+          <p:cNvSpPr/>
+          <p:nvPr/>
+        </p:nvSpPr>
+        <p:spPr>
+          <a:xfrm>
+            <a:off x="910143" y="2855192"/>
+            <a:ext cx="414904" cy="376098"/>
+          </a:xfrm>
+          <a:prstGeom prst="roundRect">
+            <a:avLst>
+              <a:gd name="adj" fmla="val 18830"/>
+            </a:avLst>
+          </a:prstGeom>
+          <a:solidFill>
+            <a:schemeClr val="tx1">
+              <a:lumMod val="75000"/>
+              <a:lumOff val="25000"/>
+            </a:schemeClr>
+          </a:solidFill>
+          <a:ln>
+            <a:noFill/>
+          </a:ln>
+        </p:spPr>
+        <p:style>
+          <a:lnRef idx="2">
+            <a:schemeClr val="accent1">
+              <a:shade val="15000"/>
+            </a:schemeClr>
+          </a:lnRef>
+          <a:fillRef idx="1">
+            <a:schemeClr val="accent1"/>
+          </a:fillRef>
+          <a:effectRef idx="0">
+            <a:schemeClr val="accent1"/>
+          </a:effectRef>
+          <a:fontRef idx="minor">
+            <a:schemeClr val="lt1"/>
+          </a:fontRef>
+        </p:style>
+        <p:txBody>
+          <a:bodyPr rtlCol="0" anchor="ctr"/>
+          <a:lstStyle/>
+          <a:p>
+            <a:pPr algn="ctr"/>
+            <a:r>
+              <a:rPr lang="en-US" sz="1600" dirty="0">
+                <a:solidFill>
+                  <a:schemeClr val="tx1">
+                    <a:lumMod val="50000"/>
+                    <a:lumOff val="50000"/>
+                  </a:schemeClr>
+                </a:solidFill>
+                <a:latin typeface="ui-sans-serif"/>
+              </a:rPr>
+              <a:t>1</a:t>
+            </a:r>
+            <a:endParaRPr lang="en-US" sz="1600" dirty="0">
+              <a:solidFill>
+                <a:schemeClr val="tx1">
+                  <a:lumMod val="50000"/>
+                  <a:lumOff val="50000"/>
+                </a:schemeClr>
+              </a:solidFill>
+            </a:endParaRPr>
+          </a:p>
+        </p:txBody>
+      </p:sp>
+      <p:sp>
+        <p:nvSpPr>
+          <p:cNvPr id="16" name="Rounded Rectangle 15">
+            <a:extLst>
+              <a:ext uri="{FF2B5EF4-FFF2-40B4-BE49-F238E27FC236}">
+                <a16:creationId xmlns:a16="http://schemas.microsoft.com/office/drawing/2014/main" id="{98EA1CED-7FE3-0D65-1B3A-A9CF9ACC4FD6}"/>
+              </a:ext>
+            </a:extLst>
+          </p:cNvPr>
+          <p:cNvSpPr/>
+          <p:nvPr/>
+        </p:nvSpPr>
+        <p:spPr>
+          <a:xfrm>
+            <a:off x="1475119" y="2865910"/>
+            <a:ext cx="414904" cy="376098"/>
+          </a:xfrm>
+          <a:prstGeom prst="roundRect">
+            <a:avLst>
+              <a:gd name="adj" fmla="val 18830"/>
+            </a:avLst>
+          </a:prstGeom>
+          <a:solidFill>
+            <a:schemeClr val="tx1">
+              <a:lumMod val="75000"/>
+              <a:lumOff val="25000"/>
+            </a:schemeClr>
+          </a:solidFill>
+          <a:ln>
+            <a:noFill/>
+          </a:ln>
+        </p:spPr>
+        <p:style>
+          <a:lnRef idx="2">
+            <a:schemeClr val="accent1">
+              <a:shade val="15000"/>
+            </a:schemeClr>
+          </a:lnRef>
+          <a:fillRef idx="1">
+            <a:schemeClr val="accent1"/>
+          </a:fillRef>
+          <a:effectRef idx="0">
+            <a:schemeClr val="accent1"/>
+          </a:effectRef>
+          <a:fontRef idx="minor">
+            <a:schemeClr val="lt1"/>
+          </a:fontRef>
+        </p:style>
+        <p:txBody>
+          <a:bodyPr rtlCol="0" anchor="ctr"/>
+          <a:lstStyle/>
+          <a:p>
+            <a:pPr algn="ctr"/>
+            <a:r>
+              <a:rPr lang="en-US" sz="1600" dirty="0">
+                <a:solidFill>
+                  <a:schemeClr val="tx1">
+                    <a:lumMod val="50000"/>
+                    <a:lumOff val="50000"/>
+                  </a:schemeClr>
+                </a:solidFill>
+                <a:latin typeface="ui-sans-serif"/>
+              </a:rPr>
+              <a:t>2</a:t>
+            </a:r>
+            <a:endParaRPr lang="en-US" sz="1600" dirty="0">
+              <a:solidFill>
+                <a:schemeClr val="tx1">
+                  <a:lumMod val="50000"/>
+                  <a:lumOff val="50000"/>
+                </a:schemeClr>
+              </a:solidFill>
+            </a:endParaRPr>
+          </a:p>
+        </p:txBody>
+      </p:sp>
+      <p:sp>
+        <p:nvSpPr>
+          <p:cNvPr id="19" name="Rounded Rectangle 18">
+            <a:extLst>
+              <a:ext uri="{FF2B5EF4-FFF2-40B4-BE49-F238E27FC236}">
+                <a16:creationId xmlns:a16="http://schemas.microsoft.com/office/drawing/2014/main" id="{2358A9C2-A83D-F290-8969-97D8FE5B13B8}"/>
+              </a:ext>
+            </a:extLst>
+          </p:cNvPr>
+          <p:cNvSpPr/>
+          <p:nvPr/>
+        </p:nvSpPr>
+        <p:spPr>
+          <a:xfrm>
+            <a:off x="2081613" y="2855192"/>
+            <a:ext cx="414904" cy="376098"/>
+          </a:xfrm>
+          <a:prstGeom prst="roundRect">
+            <a:avLst>
+              <a:gd name="adj" fmla="val 18830"/>
+            </a:avLst>
+          </a:prstGeom>
+          <a:solidFill>
+            <a:schemeClr val="tx1">
+              <a:lumMod val="75000"/>
+              <a:lumOff val="25000"/>
+            </a:schemeClr>
+          </a:solidFill>
+          <a:ln>
+            <a:noFill/>
+          </a:ln>
+        </p:spPr>
+        <p:style>
+          <a:lnRef idx="2">
+            <a:schemeClr val="accent1">
+              <a:shade val="15000"/>
+            </a:schemeClr>
+          </a:lnRef>
+          <a:fillRef idx="1">
+            <a:schemeClr val="accent1"/>
+          </a:fillRef>
+          <a:effectRef idx="0">
+            <a:schemeClr val="accent1"/>
+          </a:effectRef>
+          <a:fontRef idx="minor">
+            <a:schemeClr val="lt1"/>
+          </a:fontRef>
+        </p:style>
+        <p:txBody>
+          <a:bodyPr rtlCol="0" anchor="ctr"/>
+          <a:lstStyle/>
+          <a:p>
+            <a:pPr algn="ctr"/>
+            <a:r>
+              <a:rPr lang="en-US" sz="1600" dirty="0">
+                <a:solidFill>
+                  <a:schemeClr val="tx1">
+                    <a:lumMod val="50000"/>
+                    <a:lumOff val="50000"/>
+                  </a:schemeClr>
+                </a:solidFill>
+                <a:latin typeface="ui-sans-serif"/>
+              </a:rPr>
+              <a:t>3</a:t>
+            </a:r>
+            <a:endParaRPr lang="en-US" sz="1600" dirty="0">
+              <a:solidFill>
+                <a:schemeClr val="tx1">
+                  <a:lumMod val="50000"/>
+                  <a:lumOff val="50000"/>
+                </a:schemeClr>
+              </a:solidFill>
+            </a:endParaRPr>
+          </a:p>
+        </p:txBody>
+      </p:sp>
+      <p:sp>
+        <p:nvSpPr>
+          <p:cNvPr id="26" name="Rounded Rectangle 25">
+            <a:extLst>
+              <a:ext uri="{FF2B5EF4-FFF2-40B4-BE49-F238E27FC236}">
+                <a16:creationId xmlns:a16="http://schemas.microsoft.com/office/drawing/2014/main" id="{2B62C396-3628-6109-435E-A9E3A43DC5D3}"/>
+              </a:ext>
+            </a:extLst>
+          </p:cNvPr>
+          <p:cNvSpPr/>
+          <p:nvPr/>
+        </p:nvSpPr>
+        <p:spPr>
+          <a:xfrm>
+            <a:off x="2727865" y="2865910"/>
+            <a:ext cx="414904" cy="376098"/>
+          </a:xfrm>
+          <a:prstGeom prst="roundRect">
+            <a:avLst>
+              <a:gd name="adj" fmla="val 18830"/>
+            </a:avLst>
+          </a:prstGeom>
+          <a:solidFill>
+            <a:schemeClr val="tx1">
+              <a:lumMod val="75000"/>
+              <a:lumOff val="25000"/>
+            </a:schemeClr>
+          </a:solidFill>
+          <a:ln>
+            <a:noFill/>
+          </a:ln>
+        </p:spPr>
+        <p:style>
+          <a:lnRef idx="2">
+            <a:schemeClr val="accent1">
+              <a:shade val="15000"/>
+            </a:schemeClr>
+          </a:lnRef>
+          <a:fillRef idx="1">
+            <a:schemeClr val="accent1"/>
+          </a:fillRef>
+          <a:effectRef idx="0">
+            <a:schemeClr val="accent1"/>
+          </a:effectRef>
+          <a:fontRef idx="minor">
+            <a:schemeClr val="lt1"/>
+          </a:fontRef>
+        </p:style>
+        <p:txBody>
+          <a:bodyPr rtlCol="0" anchor="ctr"/>
+          <a:lstStyle/>
+          <a:p>
+            <a:pPr algn="ctr"/>
+            <a:r>
+              <a:rPr lang="en-US" sz="1600" dirty="0">
+                <a:solidFill>
+                  <a:schemeClr val="tx1">
+                    <a:lumMod val="50000"/>
+                    <a:lumOff val="50000"/>
+                  </a:schemeClr>
+                </a:solidFill>
+                <a:latin typeface="ui-sans-serif"/>
+              </a:rPr>
+              <a:t>4</a:t>
+            </a:r>
+            <a:endParaRPr lang="en-US" sz="1600" dirty="0">
+              <a:solidFill>
+                <a:schemeClr val="tx1">
+                  <a:lumMod val="50000"/>
+                  <a:lumOff val="50000"/>
+                </a:schemeClr>
+              </a:solidFill>
+            </a:endParaRPr>
+          </a:p>
+        </p:txBody>
+      </p:sp>
+      <p:sp>
+        <p:nvSpPr>
+          <p:cNvPr id="27" name="Rounded Rectangle 26">
+            <a:extLst>
+              <a:ext uri="{FF2B5EF4-FFF2-40B4-BE49-F238E27FC236}">
+                <a16:creationId xmlns:a16="http://schemas.microsoft.com/office/drawing/2014/main" id="{8E634A05-97CF-DE47-9AFB-A68755B8656F}"/>
+              </a:ext>
+            </a:extLst>
+          </p:cNvPr>
+          <p:cNvSpPr/>
+          <p:nvPr/>
+        </p:nvSpPr>
+        <p:spPr>
+          <a:xfrm>
+            <a:off x="3338948" y="2865910"/>
+            <a:ext cx="414904" cy="376098"/>
+          </a:xfrm>
+          <a:prstGeom prst="roundRect">
+            <a:avLst>
+              <a:gd name="adj" fmla="val 18830"/>
+            </a:avLst>
+          </a:prstGeom>
+          <a:solidFill>
+            <a:schemeClr val="tx1">
+              <a:lumMod val="75000"/>
+              <a:lumOff val="25000"/>
+            </a:schemeClr>
+          </a:solidFill>
+          <a:ln>
+            <a:noFill/>
+          </a:ln>
+        </p:spPr>
+        <p:style>
+          <a:lnRef idx="2">
+            <a:schemeClr val="accent1">
+              <a:shade val="15000"/>
+            </a:schemeClr>
+          </a:lnRef>
+          <a:fillRef idx="1">
+            <a:schemeClr val="accent1"/>
+          </a:fillRef>
+          <a:effectRef idx="0">
+            <a:schemeClr val="accent1"/>
+          </a:effectRef>
+          <a:fontRef idx="minor">
+            <a:schemeClr val="lt1"/>
+          </a:fontRef>
+        </p:style>
+        <p:txBody>
+          <a:bodyPr rtlCol="0" anchor="ctr"/>
+          <a:lstStyle/>
+          <a:p>
+            <a:pPr algn="ctr"/>
+            <a:r>
+              <a:rPr lang="en-US" sz="1600" dirty="0">
+                <a:solidFill>
+                  <a:schemeClr val="tx1">
+                    <a:lumMod val="50000"/>
+                    <a:lumOff val="50000"/>
+                  </a:schemeClr>
+                </a:solidFill>
+                <a:latin typeface="ui-sans-serif"/>
+              </a:rPr>
+              <a:t>5</a:t>
+            </a:r>
+            <a:endParaRPr lang="en-US" sz="1600" dirty="0">
+              <a:solidFill>
+                <a:schemeClr val="tx1">
+                  <a:lumMod val="50000"/>
+                  <a:lumOff val="50000"/>
+                </a:schemeClr>
+              </a:solidFill>
+            </a:endParaRPr>
+          </a:p>
+        </p:txBody>
+      </p:sp>
+      <p:sp>
+        <p:nvSpPr>
+          <p:cNvPr id="28" name="Rounded Rectangle 27">
+            <a:extLst>
+              <a:ext uri="{FF2B5EF4-FFF2-40B4-BE49-F238E27FC236}">
+                <a16:creationId xmlns:a16="http://schemas.microsoft.com/office/drawing/2014/main" id="{2B468A71-D413-C8C6-1B50-1AB43574365B}"/>
+              </a:ext>
+            </a:extLst>
+          </p:cNvPr>
+          <p:cNvSpPr/>
+          <p:nvPr/>
+        </p:nvSpPr>
+        <p:spPr>
+          <a:xfrm>
+            <a:off x="3948964" y="2855192"/>
+            <a:ext cx="414904" cy="376098"/>
+          </a:xfrm>
+          <a:prstGeom prst="roundRect">
+            <a:avLst>
+              <a:gd name="adj" fmla="val 18830"/>
+            </a:avLst>
+          </a:prstGeom>
+          <a:solidFill>
+            <a:schemeClr val="tx1">
+              <a:lumMod val="75000"/>
+              <a:lumOff val="25000"/>
+            </a:schemeClr>
+          </a:solidFill>
+          <a:ln>
+            <a:noFill/>
+          </a:ln>
+        </p:spPr>
+        <p:style>
+          <a:lnRef idx="2">
+            <a:schemeClr val="accent1">
+              <a:shade val="15000"/>
+            </a:schemeClr>
+          </a:lnRef>
+          <a:fillRef idx="1">
+            <a:schemeClr val="accent1"/>
+          </a:fillRef>
+          <a:effectRef idx="0">
+            <a:schemeClr val="accent1"/>
+          </a:effectRef>
+          <a:fontRef idx="minor">
+            <a:schemeClr val="lt1"/>
+          </a:fontRef>
+        </p:style>
+        <p:txBody>
+          <a:bodyPr rtlCol="0" anchor="ctr"/>
+          <a:lstStyle/>
+          <a:p>
+            <a:pPr algn="ctr"/>
+            <a:r>
+              <a:rPr lang="en-US" sz="1600" dirty="0">
+                <a:solidFill>
+                  <a:schemeClr val="tx1">
+                    <a:lumMod val="50000"/>
+                    <a:lumOff val="50000"/>
+                  </a:schemeClr>
+                </a:solidFill>
+                <a:latin typeface="ui-sans-serif"/>
+              </a:rPr>
+              <a:t>6</a:t>
+            </a:r>
+            <a:endParaRPr lang="en-US" sz="1600" dirty="0">
+              <a:solidFill>
+                <a:schemeClr val="tx1">
+                  <a:lumMod val="50000"/>
+                  <a:lumOff val="50000"/>
+                </a:schemeClr>
+              </a:solidFill>
+            </a:endParaRPr>
+          </a:p>
+        </p:txBody>
+      </p:sp>
+      <p:sp>
+        <p:nvSpPr>
+          <p:cNvPr id="29" name="Rounded Rectangle 28">
+            <a:extLst>
+              <a:ext uri="{FF2B5EF4-FFF2-40B4-BE49-F238E27FC236}">
+                <a16:creationId xmlns:a16="http://schemas.microsoft.com/office/drawing/2014/main" id="{88620A75-9EE2-C7C9-5A02-2B290A9B8E28}"/>
+              </a:ext>
+            </a:extLst>
+          </p:cNvPr>
+          <p:cNvSpPr/>
+          <p:nvPr/>
+        </p:nvSpPr>
+        <p:spPr>
+          <a:xfrm>
+            <a:off x="928675" y="3388333"/>
+            <a:ext cx="414904" cy="376098"/>
+          </a:xfrm>
+          <a:prstGeom prst="roundRect">
+            <a:avLst>
+              <a:gd name="adj" fmla="val 18830"/>
+            </a:avLst>
+          </a:prstGeom>
+          <a:solidFill>
+            <a:schemeClr val="tx1">
+              <a:lumMod val="75000"/>
+              <a:lumOff val="25000"/>
+            </a:schemeClr>
+          </a:solidFill>
+          <a:ln>
+            <a:noFill/>
+          </a:ln>
+        </p:spPr>
+        <p:style>
+          <a:lnRef idx="2">
+            <a:schemeClr val="accent1">
+              <a:shade val="15000"/>
+            </a:schemeClr>
+          </a:lnRef>
+          <a:fillRef idx="1">
+            <a:schemeClr val="accent1"/>
+          </a:fillRef>
+          <a:effectRef idx="0">
+            <a:schemeClr val="accent1"/>
+          </a:effectRef>
+          <a:fontRef idx="minor">
+            <a:schemeClr val="lt1"/>
+          </a:fontRef>
+        </p:style>
+        <p:txBody>
+          <a:bodyPr rtlCol="0" anchor="ctr"/>
+          <a:lstStyle/>
+          <a:p>
+            <a:pPr algn="ctr"/>
+            <a:r>
+              <a:rPr lang="en-US" sz="1600" dirty="0">
+                <a:solidFill>
+                  <a:schemeClr val="tx1">
+                    <a:lumMod val="50000"/>
+                    <a:lumOff val="50000"/>
+                  </a:schemeClr>
+                </a:solidFill>
+                <a:latin typeface="ui-sans-serif"/>
+              </a:rPr>
+              <a:t>7</a:t>
+            </a:r>
+            <a:endParaRPr lang="en-US" sz="1600" dirty="0">
+              <a:solidFill>
+                <a:schemeClr val="tx1">
+                  <a:lumMod val="50000"/>
+                  <a:lumOff val="50000"/>
+                </a:schemeClr>
+              </a:solidFill>
+            </a:endParaRPr>
+          </a:p>
+        </p:txBody>
+      </p:sp>
+    </p:spTree>
+    <p:extLst>
+      <p:ext uri="{BB962C8B-B14F-4D97-AF65-F5344CB8AC3E}">
+        <p14:creationId xmlns:p14="http://schemas.microsoft.com/office/powerpoint/2010/main" val="1465882640"/>
       </p:ext>
     </p:extLst>
   </p:cSld>
@@ -5809,8 +8718,8 @@
           </a:prstGeom>
         </p:spPr>
       </p:pic>
-      <mc:AlternateContent xmlns:mc="http://schemas.openxmlformats.org/markup-compatibility/2006" xmlns:p14="http://schemas.microsoft.com/office/powerpoint/2010/main">
-        <mc:Choice Requires="p14">
+      <mc:AlternateContent xmlns:mc="http://schemas.openxmlformats.org/markup-compatibility/2006">
+        <mc:Choice xmlns:p14="http://schemas.microsoft.com/office/powerpoint/2010/main" Requires="p14">
           <p:contentPart p14:bwMode="auto" r:id="rId4">
             <p14:nvContentPartPr>
               <p14:cNvPr id="15" name="Ink 14">
@@ -5824,12 +8733,12 @@
               <p14:nvPr/>
             </p14:nvContentPartPr>
             <p14:xfrm rot="21265090">
-              <a:off x="2483599" y="782687"/>
+              <a:off x="2514840" y="569332"/>
               <a:ext cx="2437920" cy="2338921"/>
             </p14:xfrm>
           </p:contentPart>
         </mc:Choice>
-        <mc:Fallback xmlns="">
+        <mc:Fallback>
           <p:pic>
             <p:nvPicPr>
               <p:cNvPr id="15" name="Ink 14">
@@ -5850,8 +8759,8 @@
             </p:blipFill>
             <p:spPr>
               <a:xfrm rot="21265090">
-                <a:off x="2464519" y="763607"/>
-                <a:ext cx="2475720" cy="2376361"/>
+                <a:off x="2495760" y="550252"/>
+                <a:ext cx="2475720" cy="2376721"/>
               </a:xfrm>
               <a:prstGeom prst="rect">
                 <a:avLst/>
@@ -5874,8 +8783,8 @@
         </p:nvSpPr>
         <p:spPr>
           <a:xfrm>
-            <a:off x="1813772" y="3234628"/>
-            <a:ext cx="2146357" cy="646331"/>
+            <a:off x="1755156" y="3108252"/>
+            <a:ext cx="2761846" cy="369332"/>
           </a:xfrm>
           <a:prstGeom prst="rect">
             <a:avLst/>
@@ -5894,17 +8803,7 @@
                   <a:schemeClr val="bg1"/>
                 </a:solidFill>
               </a:rPr>
-              <a:t>Hover in this area </a:t>
-            </a:r>
-          </a:p>
-          <a:p>
-            <a:r>
-              <a:rPr lang="en-US" dirty="0">
-                <a:solidFill>
-                  <a:schemeClr val="bg1"/>
-                </a:solidFill>
-              </a:rPr>
-              <a:t>to list down chapters</a:t>
+              <a:t>Hover to list down chapters</a:t>
             </a:r>
           </a:p>
         </p:txBody>
@@ -6451,6 +9350,96 @@
           </a:p>
         </p:txBody>
       </p:sp>
+      <mc:AlternateContent xmlns:mc="http://schemas.openxmlformats.org/markup-compatibility/2006">
+        <mc:Choice xmlns:p14="http://schemas.microsoft.com/office/powerpoint/2010/main" Requires="p14">
+          <p:contentPart p14:bwMode="auto" r:id="rId6">
+            <p14:nvContentPartPr>
+              <p14:cNvPr id="2" name="Ink 1">
+                <a:extLst>
+                  <a:ext uri="{FF2B5EF4-FFF2-40B4-BE49-F238E27FC236}">
+                    <a16:creationId xmlns:a16="http://schemas.microsoft.com/office/drawing/2014/main" id="{223E483A-F973-5982-C500-23724F29D790}"/>
+                  </a:ext>
+                </a:extLst>
+              </p14:cNvPr>
+              <p14:cNvContentPartPr/>
+              <p14:nvPr/>
+            </p14:nvContentPartPr>
+            <p14:xfrm rot="20436018">
+              <a:off x="810452" y="751590"/>
+              <a:ext cx="2437920" cy="2338921"/>
+            </p14:xfrm>
+          </p:contentPart>
+        </mc:Choice>
+        <mc:Fallback>
+          <p:pic>
+            <p:nvPicPr>
+              <p:cNvPr id="2" name="Ink 1">
+                <a:extLst>
+                  <a:ext uri="{FF2B5EF4-FFF2-40B4-BE49-F238E27FC236}">
+                    <a16:creationId xmlns:a16="http://schemas.microsoft.com/office/drawing/2014/main" id="{223E483A-F973-5982-C500-23724F29D790}"/>
+                  </a:ext>
+                </a:extLst>
+              </p:cNvPr>
+              <p:cNvPicPr/>
+              <p:nvPr/>
+            </p:nvPicPr>
+            <p:blipFill>
+              <a:blip r:embed="rId7"/>
+              <a:stretch>
+                <a:fillRect/>
+              </a:stretch>
+            </p:blipFill>
+            <p:spPr>
+              <a:xfrm rot="20436018">
+                <a:off x="791372" y="732510"/>
+                <a:ext cx="2475720" cy="2376721"/>
+              </a:xfrm>
+              <a:prstGeom prst="rect">
+                <a:avLst/>
+              </a:prstGeom>
+            </p:spPr>
+          </p:pic>
+        </mc:Fallback>
+      </mc:AlternateContent>
+      <p:sp>
+        <p:nvSpPr>
+          <p:cNvPr id="7" name="TextBox 6">
+            <a:extLst>
+              <a:ext uri="{FF2B5EF4-FFF2-40B4-BE49-F238E27FC236}">
+                <a16:creationId xmlns:a16="http://schemas.microsoft.com/office/drawing/2014/main" id="{C5525998-2CD5-E17C-6939-4673E0549BA3}"/>
+              </a:ext>
+            </a:extLst>
+          </p:cNvPr>
+          <p:cNvSpPr txBox="1"/>
+          <p:nvPr/>
+        </p:nvSpPr>
+        <p:spPr>
+          <a:xfrm>
+            <a:off x="395649" y="3472768"/>
+            <a:ext cx="2525884" cy="369332"/>
+          </a:xfrm>
+          <a:prstGeom prst="rect">
+            <a:avLst/>
+          </a:prstGeom>
+          <a:noFill/>
+        </p:spPr>
+        <p:txBody>
+          <a:bodyPr wrap="none" rtlCol="0">
+            <a:spAutoFit/>
+          </a:bodyPr>
+          <a:lstStyle/>
+          <a:p>
+            <a:r>
+              <a:rPr lang="en-US" dirty="0">
+                <a:solidFill>
+                  <a:schemeClr val="bg1"/>
+                </a:solidFill>
+              </a:rPr>
+              <a:t>Tap to list down chapters</a:t>
+            </a:r>
+          </a:p>
+        </p:txBody>
+      </p:sp>
     </p:spTree>
     <p:extLst>
       <p:ext uri="{BB962C8B-B14F-4D97-AF65-F5344CB8AC3E}">
@@ -11543,7 +14532,7 @@
         </p:nvSpPr>
         <p:spPr>
           <a:xfrm>
-            <a:off x="579083" y="1937366"/>
+            <a:off x="525918" y="1947999"/>
             <a:ext cx="564594" cy="298848"/>
           </a:xfrm>
           <a:prstGeom prst="roundRect">
@@ -11636,7 +14625,7 @@
         </p:nvSpPr>
         <p:spPr>
           <a:xfrm>
-            <a:off x="616381" y="1902124"/>
+            <a:off x="563216" y="1912757"/>
             <a:ext cx="695382" cy="369332"/>
           </a:xfrm>
           <a:prstGeom prst="rect">
@@ -11678,7 +14667,7 @@
         </p:nvCxnSpPr>
         <p:spPr>
           <a:xfrm flipH="1">
-            <a:off x="1143677" y="2005510"/>
+            <a:off x="1101145" y="2005510"/>
             <a:ext cx="34424" cy="2253742"/>
           </a:xfrm>
           <a:prstGeom prst="line">
@@ -11850,38 +14839,6 @@
           </a:p>
         </p:txBody>
       </p:sp>
-      <p:pic>
-        <p:nvPicPr>
-          <p:cNvPr id="32" name="Picture 31">
-            <a:extLst>
-              <a:ext uri="{FF2B5EF4-FFF2-40B4-BE49-F238E27FC236}">
-                <a16:creationId xmlns:a16="http://schemas.microsoft.com/office/drawing/2014/main" id="{D28ED105-AE3E-C835-B0F0-0C4D577F03D9}"/>
-              </a:ext>
-            </a:extLst>
-          </p:cNvPr>
-          <p:cNvPicPr>
-            <a:picLocks noChangeAspect="1"/>
-          </p:cNvPicPr>
-          <p:nvPr/>
-        </p:nvPicPr>
-        <p:blipFill>
-          <a:blip r:embed="rId2">
-            <a:lum bright="70000" contrast="-70000"/>
-          </a:blip>
-          <a:stretch>
-            <a:fillRect/>
-          </a:stretch>
-        </p:blipFill>
-        <p:spPr>
-          <a:xfrm>
-            <a:off x="700683" y="2365708"/>
-            <a:ext cx="329574" cy="329574"/>
-          </a:xfrm>
-          <a:prstGeom prst="rect">
-            <a:avLst/>
-          </a:prstGeom>
-        </p:spPr>
-      </p:pic>
     </p:spTree>
     <p:extLst>
       <p:ext uri="{BB962C8B-B14F-4D97-AF65-F5344CB8AC3E}">

--- a/GUI-design.pptx
+++ b/GUI-design.pptx
@@ -5,7 +5,7 @@
     <p:sldMasterId id="2147483648" r:id="rId1"/>
   </p:sldMasterIdLst>
   <p:notesMasterIdLst>
-    <p:notesMasterId r:id="rId15"/>
+    <p:notesMasterId r:id="rId16"/>
   </p:notesMasterIdLst>
   <p:sldIdLst>
     <p:sldId id="266" r:id="rId2"/>
@@ -21,6 +21,7 @@
     <p:sldId id="267" r:id="rId12"/>
     <p:sldId id="270" r:id="rId13"/>
     <p:sldId id="271" r:id="rId14"/>
+    <p:sldId id="272" r:id="rId15"/>
   </p:sldIdLst>
   <p:sldSz cx="12192000" cy="6858000"/>
   <p:notesSz cx="6858000" cy="9144000"/>
@@ -265,7 +266,7 @@
           <a:p>
             <a:fld id="{241CD573-D599-2847-BBDA-6BFAA524DB5F}" type="datetimeFigureOut">
               <a:rPr lang="en-US" smtClean="0"/>
-              <a:t>11/22/25</a:t>
+              <a:t>11/25/25</a:t>
             </a:fld>
             <a:endParaRPr lang="en-US"/>
           </a:p>
@@ -679,7 +680,7 @@
           <a:p>
             <a:fld id="{8738307C-8EDA-4B45-B77E-3F369AD75B9E}" type="datetimeFigureOut">
               <a:rPr lang="en-US" smtClean="0"/>
-              <a:t>11/22/25</a:t>
+              <a:t>11/25/25</a:t>
             </a:fld>
             <a:endParaRPr lang="en-US"/>
           </a:p>
@@ -877,7 +878,7 @@
           <a:p>
             <a:fld id="{8738307C-8EDA-4B45-B77E-3F369AD75B9E}" type="datetimeFigureOut">
               <a:rPr lang="en-US" smtClean="0"/>
-              <a:t>11/22/25</a:t>
+              <a:t>11/25/25</a:t>
             </a:fld>
             <a:endParaRPr lang="en-US"/>
           </a:p>
@@ -1085,7 +1086,7 @@
           <a:p>
             <a:fld id="{8738307C-8EDA-4B45-B77E-3F369AD75B9E}" type="datetimeFigureOut">
               <a:rPr lang="en-US" smtClean="0"/>
-              <a:t>11/22/25</a:t>
+              <a:t>11/25/25</a:t>
             </a:fld>
             <a:endParaRPr lang="en-US"/>
           </a:p>
@@ -1283,7 +1284,7 @@
           <a:p>
             <a:fld id="{8738307C-8EDA-4B45-B77E-3F369AD75B9E}" type="datetimeFigureOut">
               <a:rPr lang="en-US" smtClean="0"/>
-              <a:t>11/22/25</a:t>
+              <a:t>11/25/25</a:t>
             </a:fld>
             <a:endParaRPr lang="en-US"/>
           </a:p>
@@ -1558,7 +1559,7 @@
           <a:p>
             <a:fld id="{8738307C-8EDA-4B45-B77E-3F369AD75B9E}" type="datetimeFigureOut">
               <a:rPr lang="en-US" smtClean="0"/>
-              <a:t>11/22/25</a:t>
+              <a:t>11/25/25</a:t>
             </a:fld>
             <a:endParaRPr lang="en-US"/>
           </a:p>
@@ -1823,7 +1824,7 @@
           <a:p>
             <a:fld id="{8738307C-8EDA-4B45-B77E-3F369AD75B9E}" type="datetimeFigureOut">
               <a:rPr lang="en-US" smtClean="0"/>
-              <a:t>11/22/25</a:t>
+              <a:t>11/25/25</a:t>
             </a:fld>
             <a:endParaRPr lang="en-US"/>
           </a:p>
@@ -2235,7 +2236,7 @@
           <a:p>
             <a:fld id="{8738307C-8EDA-4B45-B77E-3F369AD75B9E}" type="datetimeFigureOut">
               <a:rPr lang="en-US" smtClean="0"/>
-              <a:t>11/22/25</a:t>
+              <a:t>11/25/25</a:t>
             </a:fld>
             <a:endParaRPr lang="en-US"/>
           </a:p>
@@ -2376,7 +2377,7 @@
           <a:p>
             <a:fld id="{8738307C-8EDA-4B45-B77E-3F369AD75B9E}" type="datetimeFigureOut">
               <a:rPr lang="en-US" smtClean="0"/>
-              <a:t>11/22/25</a:t>
+              <a:t>11/25/25</a:t>
             </a:fld>
             <a:endParaRPr lang="en-US"/>
           </a:p>
@@ -2489,7 +2490,7 @@
           <a:p>
             <a:fld id="{8738307C-8EDA-4B45-B77E-3F369AD75B9E}" type="datetimeFigureOut">
               <a:rPr lang="en-US" smtClean="0"/>
-              <a:t>11/22/25</a:t>
+              <a:t>11/25/25</a:t>
             </a:fld>
             <a:endParaRPr lang="en-US"/>
           </a:p>
@@ -2800,7 +2801,7 @@
           <a:p>
             <a:fld id="{8738307C-8EDA-4B45-B77E-3F369AD75B9E}" type="datetimeFigureOut">
               <a:rPr lang="en-US" smtClean="0"/>
-              <a:t>11/22/25</a:t>
+              <a:t>11/25/25</a:t>
             </a:fld>
             <a:endParaRPr lang="en-US"/>
           </a:p>
@@ -3088,7 +3089,7 @@
           <a:p>
             <a:fld id="{8738307C-8EDA-4B45-B77E-3F369AD75B9E}" type="datetimeFigureOut">
               <a:rPr lang="en-US" smtClean="0"/>
-              <a:t>11/22/25</a:t>
+              <a:t>11/25/25</a:t>
             </a:fld>
             <a:endParaRPr lang="en-US"/>
           </a:p>
@@ -3329,7 +3330,7 @@
           <a:p>
             <a:fld id="{8738307C-8EDA-4B45-B77E-3F369AD75B9E}" type="datetimeFigureOut">
               <a:rPr lang="en-US" smtClean="0"/>
-              <a:t>11/22/25</a:t>
+              <a:t>11/25/25</a:t>
             </a:fld>
             <a:endParaRPr lang="en-US"/>
           </a:p>
@@ -8529,6 +8530,280 @@
 </p:sld>
 </file>
 
+<file path=ppt/slides/slide14.xml><?xml version="1.0" encoding="utf-8"?>
+<p:sld xmlns:a="http://schemas.openxmlformats.org/drawingml/2006/main" xmlns:r="http://schemas.openxmlformats.org/officeDocument/2006/relationships" xmlns:p="http://schemas.openxmlformats.org/presentationml/2006/main">
+  <p:cSld>
+    <p:spTree>
+      <p:nvGrpSpPr>
+        <p:cNvPr id="1" name=""/>
+        <p:cNvGrpSpPr/>
+        <p:nvPr/>
+      </p:nvGrpSpPr>
+      <p:grpSpPr>
+        <a:xfrm>
+          <a:off x="0" y="0"/>
+          <a:ext cx="0" cy="0"/>
+          <a:chOff x="0" y="0"/>
+          <a:chExt cx="0" cy="0"/>
+        </a:xfrm>
+      </p:grpSpPr>
+      <p:sp>
+        <p:nvSpPr>
+          <p:cNvPr id="10" name="Rounded Rectangle 9">
+            <a:extLst>
+              <a:ext uri="{FF2B5EF4-FFF2-40B4-BE49-F238E27FC236}">
+                <a16:creationId xmlns:a16="http://schemas.microsoft.com/office/drawing/2014/main" id="{6454C21D-90CD-444A-2281-DCBAC8A0F4FD}"/>
+              </a:ext>
+            </a:extLst>
+          </p:cNvPr>
+          <p:cNvSpPr/>
+          <p:nvPr/>
+        </p:nvSpPr>
+        <p:spPr>
+          <a:xfrm>
+            <a:off x="2046514" y="2265180"/>
+            <a:ext cx="3541486" cy="3904343"/>
+          </a:xfrm>
+          <a:prstGeom prst="roundRect">
+            <a:avLst/>
+          </a:prstGeom>
+          <a:solidFill>
+            <a:schemeClr val="bg1">
+              <a:lumMod val="95000"/>
+            </a:schemeClr>
+          </a:solidFill>
+          <a:ln>
+            <a:noFill/>
+          </a:ln>
+        </p:spPr>
+        <p:style>
+          <a:lnRef idx="2">
+            <a:schemeClr val="accent1">
+              <a:shade val="15000"/>
+            </a:schemeClr>
+          </a:lnRef>
+          <a:fillRef idx="1">
+            <a:schemeClr val="accent1"/>
+          </a:fillRef>
+          <a:effectRef idx="0">
+            <a:schemeClr val="accent1"/>
+          </a:effectRef>
+          <a:fontRef idx="minor">
+            <a:schemeClr val="lt1"/>
+          </a:fontRef>
+        </p:style>
+        <p:txBody>
+          <a:bodyPr rtlCol="0" anchor="ctr"/>
+          <a:lstStyle/>
+          <a:p>
+            <a:pPr algn="ctr"/>
+            <a:endParaRPr lang="en-US"/>
+          </a:p>
+        </p:txBody>
+      </p:sp>
+      <p:sp>
+        <p:nvSpPr>
+          <p:cNvPr id="7" name="TextBox 6">
+            <a:extLst>
+              <a:ext uri="{FF2B5EF4-FFF2-40B4-BE49-F238E27FC236}">
+                <a16:creationId xmlns:a16="http://schemas.microsoft.com/office/drawing/2014/main" id="{68B34B20-9D2C-B6F5-A79E-E210755F9136}"/>
+              </a:ext>
+            </a:extLst>
+          </p:cNvPr>
+          <p:cNvSpPr txBox="1"/>
+          <p:nvPr/>
+        </p:nvSpPr>
+        <p:spPr>
+          <a:xfrm>
+            <a:off x="4209142" y="250217"/>
+            <a:ext cx="3541487" cy="1631216"/>
+          </a:xfrm>
+          <a:prstGeom prst="rect">
+            <a:avLst/>
+          </a:prstGeom>
+          <a:noFill/>
+        </p:spPr>
+        <p:txBody>
+          <a:bodyPr wrap="square" rtlCol="0">
+            <a:spAutoFit/>
+          </a:bodyPr>
+          <a:lstStyle/>
+          <a:p>
+            <a:r>
+              <a:rPr lang="en-US" sz="4000" dirty="0">
+                <a:solidFill>
+                  <a:sysClr val="windowText" lastClr="000000"/>
+                </a:solidFill>
+              </a:rPr>
+              <a:t>Mouse Pointer</a:t>
+            </a:r>
+            <a:br>
+              <a:rPr lang="en-US" sz="4000" dirty="0">
+                <a:solidFill>
+                  <a:sysClr val="windowText" lastClr="000000"/>
+                </a:solidFill>
+              </a:rPr>
+            </a:br>
+            <a:r>
+              <a:rPr lang="en-US" sz="2000" dirty="0">
+                <a:solidFill>
+                  <a:sysClr val="windowText" lastClr="000000"/>
+                </a:solidFill>
+              </a:rPr>
+              <a:t>-transparent</a:t>
+            </a:r>
+            <a:br>
+              <a:rPr lang="en-US" sz="2000" dirty="0">
+                <a:solidFill>
+                  <a:sysClr val="windowText" lastClr="000000"/>
+                </a:solidFill>
+              </a:rPr>
+            </a:br>
+            <a:endParaRPr lang="en-US" sz="4000" dirty="0">
+              <a:solidFill>
+                <a:sysClr val="windowText" lastClr="000000"/>
+              </a:solidFill>
+            </a:endParaRPr>
+          </a:p>
+        </p:txBody>
+      </p:sp>
+      <p:sp>
+        <p:nvSpPr>
+          <p:cNvPr id="8" name="Rounded Rectangle 7">
+            <a:extLst>
+              <a:ext uri="{FF2B5EF4-FFF2-40B4-BE49-F238E27FC236}">
+                <a16:creationId xmlns:a16="http://schemas.microsoft.com/office/drawing/2014/main" id="{A01C9A54-1F32-6A5A-163A-69946D034A0E}"/>
+              </a:ext>
+            </a:extLst>
+          </p:cNvPr>
+          <p:cNvSpPr/>
+          <p:nvPr/>
+        </p:nvSpPr>
+        <p:spPr>
+          <a:xfrm>
+            <a:off x="6371771" y="2189209"/>
+            <a:ext cx="3541486" cy="3904343"/>
+          </a:xfrm>
+          <a:prstGeom prst="roundRect">
+            <a:avLst/>
+          </a:prstGeom>
+          <a:solidFill>
+            <a:schemeClr val="tx1">
+              <a:lumMod val="95000"/>
+              <a:lumOff val="5000"/>
+            </a:schemeClr>
+          </a:solidFill>
+        </p:spPr>
+        <p:style>
+          <a:lnRef idx="2">
+            <a:schemeClr val="accent1">
+              <a:shade val="15000"/>
+            </a:schemeClr>
+          </a:lnRef>
+          <a:fillRef idx="1">
+            <a:schemeClr val="accent1"/>
+          </a:fillRef>
+          <a:effectRef idx="0">
+            <a:schemeClr val="accent1"/>
+          </a:effectRef>
+          <a:fontRef idx="minor">
+            <a:schemeClr val="lt1"/>
+          </a:fontRef>
+        </p:style>
+        <p:txBody>
+          <a:bodyPr rtlCol="0" anchor="ctr"/>
+          <a:lstStyle/>
+          <a:p>
+            <a:pPr algn="ctr"/>
+            <a:endParaRPr lang="en-US"/>
+          </a:p>
+        </p:txBody>
+      </p:sp>
+      <p:pic>
+        <p:nvPicPr>
+          <p:cNvPr id="13" name="Graphic 12">
+            <a:extLst>
+              <a:ext uri="{FF2B5EF4-FFF2-40B4-BE49-F238E27FC236}">
+                <a16:creationId xmlns:a16="http://schemas.microsoft.com/office/drawing/2014/main" id="{C93A6B16-9CBF-441F-D1D3-239207CF3A2E}"/>
+              </a:ext>
+            </a:extLst>
+          </p:cNvPr>
+          <p:cNvPicPr>
+            <a:picLocks noChangeAspect="1"/>
+          </p:cNvPicPr>
+          <p:nvPr/>
+        </p:nvPicPr>
+        <p:blipFill>
+          <a:blip r:embed="rId2">
+            <a:extLst>
+              <a:ext uri="{96DAC541-7B7A-43D3-8B79-37D633B846F1}">
+                <asvg:svgBlip xmlns:asvg="http://schemas.microsoft.com/office/drawing/2016/SVG/main" r:embed="rId3"/>
+              </a:ext>
+            </a:extLst>
+          </a:blip>
+          <a:stretch>
+            <a:fillRect/>
+          </a:stretch>
+        </p:blipFill>
+        <p:spPr>
+          <a:xfrm>
+            <a:off x="2999182" y="2501042"/>
+            <a:ext cx="2228850" cy="2743200"/>
+          </a:xfrm>
+          <a:prstGeom prst="rect">
+            <a:avLst/>
+          </a:prstGeom>
+        </p:spPr>
+      </p:pic>
+      <p:pic>
+        <p:nvPicPr>
+          <p:cNvPr id="14" name="Graphic 13">
+            <a:extLst>
+              <a:ext uri="{FF2B5EF4-FFF2-40B4-BE49-F238E27FC236}">
+                <a16:creationId xmlns:a16="http://schemas.microsoft.com/office/drawing/2014/main" id="{B5C608A3-F58C-445A-8C33-44B1F43741C4}"/>
+              </a:ext>
+            </a:extLst>
+          </p:cNvPr>
+          <p:cNvPicPr>
+            <a:picLocks noChangeAspect="1"/>
+          </p:cNvPicPr>
+          <p:nvPr/>
+        </p:nvPicPr>
+        <p:blipFill>
+          <a:blip r:embed="rId2">
+            <a:extLst>
+              <a:ext uri="{96DAC541-7B7A-43D3-8B79-37D633B846F1}">
+                <asvg:svgBlip xmlns:asvg="http://schemas.microsoft.com/office/drawing/2016/SVG/main" r:embed="rId3"/>
+              </a:ext>
+            </a:extLst>
+          </a:blip>
+          <a:stretch>
+            <a:fillRect/>
+          </a:stretch>
+        </p:blipFill>
+        <p:spPr>
+          <a:xfrm>
+            <a:off x="7387738" y="2501042"/>
+            <a:ext cx="2228850" cy="2743200"/>
+          </a:xfrm>
+          <a:prstGeom prst="rect">
+            <a:avLst/>
+          </a:prstGeom>
+        </p:spPr>
+      </p:pic>
+    </p:spTree>
+    <p:extLst>
+      <p:ext uri="{BB962C8B-B14F-4D97-AF65-F5344CB8AC3E}">
+        <p14:creationId xmlns:p14="http://schemas.microsoft.com/office/powerpoint/2010/main" val="974154384"/>
+      </p:ext>
+    </p:extLst>
+  </p:cSld>
+  <p:clrMapOvr>
+    <a:masterClrMapping/>
+  </p:clrMapOvr>
+</p:sld>
+</file>
+
 <file path=ppt/slides/slide2.xml><?xml version="1.0" encoding="utf-8"?>
 <p:sld xmlns:a="http://schemas.openxmlformats.org/drawingml/2006/main" xmlns:r="http://schemas.openxmlformats.org/officeDocument/2006/relationships" xmlns:p="http://schemas.openxmlformats.org/presentationml/2006/main">
   <p:cSld>
@@ -8718,8 +8993,8 @@
           </a:prstGeom>
         </p:spPr>
       </p:pic>
-      <mc:AlternateContent xmlns:mc="http://schemas.openxmlformats.org/markup-compatibility/2006">
-        <mc:Choice xmlns:p14="http://schemas.microsoft.com/office/powerpoint/2010/main" Requires="p14">
+      <mc:AlternateContent xmlns:mc="http://schemas.openxmlformats.org/markup-compatibility/2006" xmlns:p14="http://schemas.microsoft.com/office/powerpoint/2010/main">
+        <mc:Choice Requires="p14">
           <p:contentPart p14:bwMode="auto" r:id="rId4">
             <p14:nvContentPartPr>
               <p14:cNvPr id="15" name="Ink 14">
@@ -8738,7 +9013,7 @@
             </p14:xfrm>
           </p:contentPart>
         </mc:Choice>
-        <mc:Fallback>
+        <mc:Fallback xmlns="">
           <p:pic>
             <p:nvPicPr>
               <p:cNvPr id="15" name="Ink 14">
@@ -9350,8 +9625,8 @@
           </a:p>
         </p:txBody>
       </p:sp>
-      <mc:AlternateContent xmlns:mc="http://schemas.openxmlformats.org/markup-compatibility/2006">
-        <mc:Choice xmlns:p14="http://schemas.microsoft.com/office/powerpoint/2010/main" Requires="p14">
+      <mc:AlternateContent xmlns:mc="http://schemas.openxmlformats.org/markup-compatibility/2006" xmlns:p14="http://schemas.microsoft.com/office/powerpoint/2010/main">
+        <mc:Choice Requires="p14">
           <p:contentPart p14:bwMode="auto" r:id="rId6">
             <p14:nvContentPartPr>
               <p14:cNvPr id="2" name="Ink 1">
@@ -9370,7 +9645,7 @@
             </p14:xfrm>
           </p:contentPart>
         </mc:Choice>
-        <mc:Fallback>
+        <mc:Fallback xmlns="">
           <p:pic>
             <p:nvPicPr>
               <p:cNvPr id="2" name="Ink 1">
@@ -14791,7 +15066,9 @@
           <a:p>
             <a:pPr algn="ctr"/>
             <a:r>
-              <a:rPr lang="en-US" dirty="0"/>
+              <a:rPr lang="en-US" dirty="0">
+                <a:latin typeface=""/>
+              </a:rPr>
               <a:t>1</a:t>
             </a:r>
           </a:p>

--- a/GUI-design.pptx
+++ b/GUI-design.pptx
@@ -5,23 +5,24 @@
     <p:sldMasterId id="2147483648" r:id="rId1"/>
   </p:sldMasterIdLst>
   <p:notesMasterIdLst>
-    <p:notesMasterId r:id="rId16"/>
+    <p:notesMasterId r:id="rId17"/>
   </p:notesMasterIdLst>
   <p:sldIdLst>
     <p:sldId id="266" r:id="rId2"/>
     <p:sldId id="256" r:id="rId3"/>
     <p:sldId id="261" r:id="rId4"/>
-    <p:sldId id="258" r:id="rId5"/>
-    <p:sldId id="263" r:id="rId6"/>
-    <p:sldId id="259" r:id="rId7"/>
-    <p:sldId id="262" r:id="rId8"/>
+    <p:sldId id="259" r:id="rId5"/>
+    <p:sldId id="262" r:id="rId6"/>
+    <p:sldId id="258" r:id="rId7"/>
+    <p:sldId id="263" r:id="rId8"/>
     <p:sldId id="264" r:id="rId9"/>
     <p:sldId id="268" r:id="rId10"/>
     <p:sldId id="269" r:id="rId11"/>
     <p:sldId id="267" r:id="rId12"/>
-    <p:sldId id="270" r:id="rId13"/>
-    <p:sldId id="271" r:id="rId14"/>
-    <p:sldId id="272" r:id="rId15"/>
+    <p:sldId id="274" r:id="rId13"/>
+    <p:sldId id="270" r:id="rId14"/>
+    <p:sldId id="271" r:id="rId15"/>
+    <p:sldId id="272" r:id="rId16"/>
   </p:sldIdLst>
   <p:sldSz cx="12192000" cy="6858000"/>
   <p:notesSz cx="6858000" cy="9144000"/>
@@ -266,7 +267,7 @@
           <a:p>
             <a:fld id="{241CD573-D599-2847-BBDA-6BFAA524DB5F}" type="datetimeFigureOut">
               <a:rPr lang="en-US" smtClean="0"/>
-              <a:t>11/25/25</a:t>
+              <a:t>11/27/25</a:t>
             </a:fld>
             <a:endParaRPr lang="en-US"/>
           </a:p>
@@ -680,7 +681,7 @@
           <a:p>
             <a:fld id="{8738307C-8EDA-4B45-B77E-3F369AD75B9E}" type="datetimeFigureOut">
               <a:rPr lang="en-US" smtClean="0"/>
-              <a:t>11/25/25</a:t>
+              <a:t>11/27/25</a:t>
             </a:fld>
             <a:endParaRPr lang="en-US"/>
           </a:p>
@@ -878,7 +879,7 @@
           <a:p>
             <a:fld id="{8738307C-8EDA-4B45-B77E-3F369AD75B9E}" type="datetimeFigureOut">
               <a:rPr lang="en-US" smtClean="0"/>
-              <a:t>11/25/25</a:t>
+              <a:t>11/27/25</a:t>
             </a:fld>
             <a:endParaRPr lang="en-US"/>
           </a:p>
@@ -1086,7 +1087,7 @@
           <a:p>
             <a:fld id="{8738307C-8EDA-4B45-B77E-3F369AD75B9E}" type="datetimeFigureOut">
               <a:rPr lang="en-US" smtClean="0"/>
-              <a:t>11/25/25</a:t>
+              <a:t>11/27/25</a:t>
             </a:fld>
             <a:endParaRPr lang="en-US"/>
           </a:p>
@@ -1284,7 +1285,7 @@
           <a:p>
             <a:fld id="{8738307C-8EDA-4B45-B77E-3F369AD75B9E}" type="datetimeFigureOut">
               <a:rPr lang="en-US" smtClean="0"/>
-              <a:t>11/25/25</a:t>
+              <a:t>11/27/25</a:t>
             </a:fld>
             <a:endParaRPr lang="en-US"/>
           </a:p>
@@ -1559,7 +1560,7 @@
           <a:p>
             <a:fld id="{8738307C-8EDA-4B45-B77E-3F369AD75B9E}" type="datetimeFigureOut">
               <a:rPr lang="en-US" smtClean="0"/>
-              <a:t>11/25/25</a:t>
+              <a:t>11/27/25</a:t>
             </a:fld>
             <a:endParaRPr lang="en-US"/>
           </a:p>
@@ -1824,7 +1825,7 @@
           <a:p>
             <a:fld id="{8738307C-8EDA-4B45-B77E-3F369AD75B9E}" type="datetimeFigureOut">
               <a:rPr lang="en-US" smtClean="0"/>
-              <a:t>11/25/25</a:t>
+              <a:t>11/27/25</a:t>
             </a:fld>
             <a:endParaRPr lang="en-US"/>
           </a:p>
@@ -2236,7 +2237,7 @@
           <a:p>
             <a:fld id="{8738307C-8EDA-4B45-B77E-3F369AD75B9E}" type="datetimeFigureOut">
               <a:rPr lang="en-US" smtClean="0"/>
-              <a:t>11/25/25</a:t>
+              <a:t>11/27/25</a:t>
             </a:fld>
             <a:endParaRPr lang="en-US"/>
           </a:p>
@@ -2377,7 +2378,7 @@
           <a:p>
             <a:fld id="{8738307C-8EDA-4B45-B77E-3F369AD75B9E}" type="datetimeFigureOut">
               <a:rPr lang="en-US" smtClean="0"/>
-              <a:t>11/25/25</a:t>
+              <a:t>11/27/25</a:t>
             </a:fld>
             <a:endParaRPr lang="en-US"/>
           </a:p>
@@ -2490,7 +2491,7 @@
           <a:p>
             <a:fld id="{8738307C-8EDA-4B45-B77E-3F369AD75B9E}" type="datetimeFigureOut">
               <a:rPr lang="en-US" smtClean="0"/>
-              <a:t>11/25/25</a:t>
+              <a:t>11/27/25</a:t>
             </a:fld>
             <a:endParaRPr lang="en-US"/>
           </a:p>
@@ -2801,7 +2802,7 @@
           <a:p>
             <a:fld id="{8738307C-8EDA-4B45-B77E-3F369AD75B9E}" type="datetimeFigureOut">
               <a:rPr lang="en-US" smtClean="0"/>
-              <a:t>11/25/25</a:t>
+              <a:t>11/27/25</a:t>
             </a:fld>
             <a:endParaRPr lang="en-US"/>
           </a:p>
@@ -3089,7 +3090,7 @@
           <a:p>
             <a:fld id="{8738307C-8EDA-4B45-B77E-3F369AD75B9E}" type="datetimeFigureOut">
               <a:rPr lang="en-US" smtClean="0"/>
-              <a:t>11/25/25</a:t>
+              <a:t>11/27/25</a:t>
             </a:fld>
             <a:endParaRPr lang="en-US"/>
           </a:p>
@@ -3330,7 +3331,7 @@
           <a:p>
             <a:fld id="{8738307C-8EDA-4B45-B77E-3F369AD75B9E}" type="datetimeFigureOut">
               <a:rPr lang="en-US" smtClean="0"/>
-              <a:t>11/25/25</a:t>
+              <a:t>11/27/25</a:t>
             </a:fld>
             <a:endParaRPr lang="en-US"/>
           </a:p>
@@ -4088,7 +4089,7 @@
         </p:nvCxnSpPr>
         <p:spPr>
           <a:xfrm flipH="1">
-            <a:off x="3840521" y="1251243"/>
+            <a:off x="5504068" y="1471580"/>
             <a:ext cx="5210824" cy="0"/>
           </a:xfrm>
           <a:prstGeom prst="line">
@@ -5620,6 +5621,2595 @@
 </file>
 
 <file path=ppt/slides/slide12.xml><?xml version="1.0" encoding="utf-8"?>
+<p:sld xmlns:a="http://schemas.openxmlformats.org/drawingml/2006/main" xmlns:r="http://schemas.openxmlformats.org/officeDocument/2006/relationships" xmlns:p="http://schemas.openxmlformats.org/presentationml/2006/main">
+  <p:cSld>
+    <p:bg>
+      <p:bgPr>
+        <a:solidFill>
+          <a:srgbClr val="161618"/>
+        </a:solidFill>
+        <a:effectLst/>
+      </p:bgPr>
+    </p:bg>
+    <p:spTree>
+      <p:nvGrpSpPr>
+        <p:cNvPr id="1" name="">
+          <a:extLst>
+            <a:ext uri="{FF2B5EF4-FFF2-40B4-BE49-F238E27FC236}">
+              <a16:creationId xmlns:a16="http://schemas.microsoft.com/office/drawing/2014/main" id="{BE340043-25A9-B0EF-AD40-95AAFC9E7D88}"/>
+            </a:ext>
+          </a:extLst>
+        </p:cNvPr>
+        <p:cNvGrpSpPr/>
+        <p:nvPr/>
+      </p:nvGrpSpPr>
+      <p:grpSpPr>
+        <a:xfrm>
+          <a:off x="0" y="0"/>
+          <a:ext cx="0" cy="0"/>
+          <a:chOff x="0" y="0"/>
+          <a:chExt cx="0" cy="0"/>
+        </a:xfrm>
+      </p:grpSpPr>
+      <p:sp>
+        <p:nvSpPr>
+          <p:cNvPr id="2" name="Rounded Rectangle 1">
+            <a:extLst>
+              <a:ext uri="{FF2B5EF4-FFF2-40B4-BE49-F238E27FC236}">
+                <a16:creationId xmlns:a16="http://schemas.microsoft.com/office/drawing/2014/main" id="{B11FA74B-5163-B7A0-7EF3-65A252FCA1BE}"/>
+              </a:ext>
+            </a:extLst>
+          </p:cNvPr>
+          <p:cNvSpPr/>
+          <p:nvPr/>
+        </p:nvSpPr>
+        <p:spPr>
+          <a:xfrm>
+            <a:off x="358558" y="2327008"/>
+            <a:ext cx="4712873" cy="3863477"/>
+          </a:xfrm>
+          <a:prstGeom prst="roundRect">
+            <a:avLst>
+              <a:gd name="adj" fmla="val 7007"/>
+            </a:avLst>
+          </a:prstGeom>
+          <a:solidFill>
+            <a:srgbClr val="161618"/>
+          </a:solidFill>
+          <a:ln>
+            <a:solidFill>
+              <a:schemeClr val="bg1">
+                <a:lumMod val="50000"/>
+              </a:schemeClr>
+            </a:solidFill>
+          </a:ln>
+          <a:effectLst>
+            <a:outerShdw blurRad="50800" dist="38100" dir="5400000" algn="t" rotWithShape="0">
+              <a:prstClr val="black">
+                <a:alpha val="40000"/>
+              </a:prstClr>
+            </a:outerShdw>
+          </a:effectLst>
+        </p:spPr>
+        <p:style>
+          <a:lnRef idx="2">
+            <a:schemeClr val="accent1">
+              <a:shade val="15000"/>
+            </a:schemeClr>
+          </a:lnRef>
+          <a:fillRef idx="1">
+            <a:schemeClr val="accent1"/>
+          </a:fillRef>
+          <a:effectRef idx="0">
+            <a:schemeClr val="accent1"/>
+          </a:effectRef>
+          <a:fontRef idx="minor">
+            <a:schemeClr val="lt1"/>
+          </a:fontRef>
+        </p:style>
+        <p:txBody>
+          <a:bodyPr rtlCol="0" anchor="t"/>
+          <a:lstStyle/>
+          <a:p>
+            <a:br>
+              <a:rPr lang="en-US" dirty="0"/>
+            </a:br>
+            <a:endParaRPr lang="en-US" dirty="0">
+              <a:solidFill>
+                <a:schemeClr val="tx1">
+                  <a:lumMod val="75000"/>
+                  <a:lumOff val="25000"/>
+                </a:schemeClr>
+              </a:solidFill>
+            </a:endParaRPr>
+          </a:p>
+        </p:txBody>
+      </p:sp>
+      <p:sp>
+        <p:nvSpPr>
+          <p:cNvPr id="23" name="Rounded Rectangle 22">
+            <a:extLst>
+              <a:ext uri="{FF2B5EF4-FFF2-40B4-BE49-F238E27FC236}">
+                <a16:creationId xmlns:a16="http://schemas.microsoft.com/office/drawing/2014/main" id="{32758778-1407-1A03-2678-3A8BED7D3B66}"/>
+              </a:ext>
+            </a:extLst>
+          </p:cNvPr>
+          <p:cNvSpPr/>
+          <p:nvPr/>
+        </p:nvSpPr>
+        <p:spPr>
+          <a:xfrm>
+            <a:off x="424898" y="2915170"/>
+            <a:ext cx="4572000" cy="738686"/>
+          </a:xfrm>
+          <a:prstGeom prst="roundRect">
+            <a:avLst>
+              <a:gd name="adj" fmla="val 25939"/>
+            </a:avLst>
+          </a:prstGeom>
+          <a:solidFill>
+            <a:srgbClr val="1A2810"/>
+          </a:solidFill>
+          <a:ln>
+            <a:noFill/>
+          </a:ln>
+          <a:effectLst>
+            <a:outerShdw blurRad="50800" dist="38100" dir="5400000" algn="t" rotWithShape="0">
+              <a:prstClr val="black">
+                <a:alpha val="40000"/>
+              </a:prstClr>
+            </a:outerShdw>
+          </a:effectLst>
+        </p:spPr>
+        <p:style>
+          <a:lnRef idx="2">
+            <a:schemeClr val="accent1">
+              <a:shade val="15000"/>
+            </a:schemeClr>
+          </a:lnRef>
+          <a:fillRef idx="1">
+            <a:schemeClr val="accent1"/>
+          </a:fillRef>
+          <a:effectRef idx="0">
+            <a:schemeClr val="accent1"/>
+          </a:effectRef>
+          <a:fontRef idx="minor">
+            <a:schemeClr val="lt1"/>
+          </a:fontRef>
+        </p:style>
+        <p:txBody>
+          <a:bodyPr rtlCol="0" anchor="t"/>
+          <a:lstStyle/>
+          <a:p>
+            <a:br>
+              <a:rPr lang="en-US" dirty="0"/>
+            </a:br>
+            <a:endParaRPr lang="en-US" dirty="0">
+              <a:solidFill>
+                <a:schemeClr val="tx1">
+                  <a:lumMod val="75000"/>
+                  <a:lumOff val="25000"/>
+                </a:schemeClr>
+              </a:solidFill>
+            </a:endParaRPr>
+          </a:p>
+        </p:txBody>
+      </p:sp>
+      <p:sp>
+        <p:nvSpPr>
+          <p:cNvPr id="4" name="TextBox 3">
+            <a:extLst>
+              <a:ext uri="{FF2B5EF4-FFF2-40B4-BE49-F238E27FC236}">
+                <a16:creationId xmlns:a16="http://schemas.microsoft.com/office/drawing/2014/main" id="{A2D840AC-8954-8D2A-05AC-951B0236A181}"/>
+              </a:ext>
+            </a:extLst>
+          </p:cNvPr>
+          <p:cNvSpPr txBox="1"/>
+          <p:nvPr/>
+        </p:nvSpPr>
+        <p:spPr>
+          <a:xfrm>
+            <a:off x="797671" y="3107713"/>
+            <a:ext cx="1544629" cy="369332"/>
+          </a:xfrm>
+          <a:prstGeom prst="rect">
+            <a:avLst/>
+          </a:prstGeom>
+          <a:noFill/>
+        </p:spPr>
+        <p:txBody>
+          <a:bodyPr wrap="square">
+            <a:spAutoFit/>
+          </a:bodyPr>
+          <a:lstStyle/>
+          <a:p>
+            <a:r>
+              <a:rPr lang="en-US" dirty="0">
+                <a:solidFill>
+                  <a:schemeClr val="bg1">
+                    <a:lumMod val="50000"/>
+                  </a:schemeClr>
+                </a:solidFill>
+              </a:rPr>
+              <a:t>Night Sky</a:t>
+            </a:r>
+            <a:endParaRPr lang="en-US" dirty="0"/>
+          </a:p>
+        </p:txBody>
+      </p:sp>
+      <p:sp>
+        <p:nvSpPr>
+          <p:cNvPr id="3" name="TextBox 2">
+            <a:extLst>
+              <a:ext uri="{FF2B5EF4-FFF2-40B4-BE49-F238E27FC236}">
+                <a16:creationId xmlns:a16="http://schemas.microsoft.com/office/drawing/2014/main" id="{7F02A8A3-20C7-E881-2B3C-69B4B6082E92}"/>
+              </a:ext>
+            </a:extLst>
+          </p:cNvPr>
+          <p:cNvSpPr txBox="1"/>
+          <p:nvPr/>
+        </p:nvSpPr>
+        <p:spPr>
+          <a:xfrm>
+            <a:off x="3232427" y="3098438"/>
+            <a:ext cx="1544629" cy="369332"/>
+          </a:xfrm>
+          <a:prstGeom prst="rect">
+            <a:avLst/>
+          </a:prstGeom>
+          <a:noFill/>
+        </p:spPr>
+        <p:txBody>
+          <a:bodyPr wrap="square">
+            <a:spAutoFit/>
+          </a:bodyPr>
+          <a:lstStyle/>
+          <a:p>
+            <a:r>
+              <a:rPr lang="en-US" dirty="0">
+                <a:solidFill>
+                  <a:schemeClr val="bg1">
+                    <a:lumMod val="50000"/>
+                  </a:schemeClr>
+                </a:solidFill>
+              </a:rPr>
+              <a:t>Heaven Light</a:t>
+            </a:r>
+            <a:endParaRPr lang="en-US" dirty="0"/>
+          </a:p>
+        </p:txBody>
+      </p:sp>
+      <p:grpSp>
+        <p:nvGrpSpPr>
+          <p:cNvPr id="62" name="Group 61">
+            <a:extLst>
+              <a:ext uri="{FF2B5EF4-FFF2-40B4-BE49-F238E27FC236}">
+                <a16:creationId xmlns:a16="http://schemas.microsoft.com/office/drawing/2014/main" id="{CC394C34-E883-C258-84CC-5142B787A780}"/>
+              </a:ext>
+            </a:extLst>
+          </p:cNvPr>
+          <p:cNvGrpSpPr/>
+          <p:nvPr/>
+        </p:nvGrpSpPr>
+        <p:grpSpPr>
+          <a:xfrm>
+            <a:off x="1947340" y="3126885"/>
+            <a:ext cx="1198023" cy="369332"/>
+            <a:chOff x="1759380" y="904895"/>
+            <a:chExt cx="1198023" cy="369332"/>
+          </a:xfrm>
+        </p:grpSpPr>
+        <p:sp>
+          <p:nvSpPr>
+            <p:cNvPr id="22" name="Rounded Rectangle 21">
+              <a:extLst>
+                <a:ext uri="{FF2B5EF4-FFF2-40B4-BE49-F238E27FC236}">
+                  <a16:creationId xmlns:a16="http://schemas.microsoft.com/office/drawing/2014/main" id="{3D222615-6157-4714-6A1C-22A87852086D}"/>
+                </a:ext>
+              </a:extLst>
+            </p:cNvPr>
+            <p:cNvSpPr/>
+            <p:nvPr/>
+          </p:nvSpPr>
+          <p:spPr>
+            <a:xfrm>
+              <a:off x="1759380" y="904895"/>
+              <a:ext cx="1198023" cy="369332"/>
+            </a:xfrm>
+            <a:prstGeom prst="roundRect">
+              <a:avLst>
+                <a:gd name="adj" fmla="val 50000"/>
+              </a:avLst>
+            </a:prstGeom>
+            <a:solidFill>
+              <a:schemeClr val="tx1">
+                <a:lumMod val="75000"/>
+                <a:lumOff val="25000"/>
+              </a:schemeClr>
+            </a:solidFill>
+            <a:ln>
+              <a:noFill/>
+            </a:ln>
+          </p:spPr>
+          <p:style>
+            <a:lnRef idx="2">
+              <a:schemeClr val="accent1">
+                <a:shade val="15000"/>
+              </a:schemeClr>
+            </a:lnRef>
+            <a:fillRef idx="1">
+              <a:schemeClr val="accent1"/>
+            </a:fillRef>
+            <a:effectRef idx="0">
+              <a:schemeClr val="accent1"/>
+            </a:effectRef>
+            <a:fontRef idx="minor">
+              <a:schemeClr val="lt1"/>
+            </a:fontRef>
+          </p:style>
+          <p:txBody>
+            <a:bodyPr rtlCol="0" anchor="ctr"/>
+            <a:lstStyle/>
+            <a:p>
+              <a:pPr algn="ctr"/>
+              <a:endParaRPr lang="en-US" sz="1400" dirty="0">
+                <a:solidFill>
+                  <a:schemeClr val="tx1">
+                    <a:lumMod val="50000"/>
+                    <a:lumOff val="50000"/>
+                  </a:schemeClr>
+                </a:solidFill>
+              </a:endParaRPr>
+            </a:p>
+          </p:txBody>
+        </p:sp>
+        <p:sp>
+          <p:nvSpPr>
+            <p:cNvPr id="14" name="Rounded Rectangle 13">
+              <a:extLst>
+                <a:ext uri="{FF2B5EF4-FFF2-40B4-BE49-F238E27FC236}">
+                  <a16:creationId xmlns:a16="http://schemas.microsoft.com/office/drawing/2014/main" id="{42F15EFA-071C-DD7E-62F4-0DC1069A4841}"/>
+                </a:ext>
+              </a:extLst>
+            </p:cNvPr>
+            <p:cNvSpPr/>
+            <p:nvPr/>
+          </p:nvSpPr>
+          <p:spPr>
+            <a:xfrm>
+              <a:off x="2317106" y="941936"/>
+              <a:ext cx="564594" cy="298848"/>
+            </a:xfrm>
+            <a:prstGeom prst="roundRect">
+              <a:avLst>
+                <a:gd name="adj" fmla="val 50000"/>
+              </a:avLst>
+            </a:prstGeom>
+            <a:solidFill>
+              <a:srgbClr val="00B050"/>
+            </a:solidFill>
+            <a:ln>
+              <a:noFill/>
+            </a:ln>
+          </p:spPr>
+          <p:style>
+            <a:lnRef idx="2">
+              <a:schemeClr val="accent1">
+                <a:shade val="15000"/>
+              </a:schemeClr>
+            </a:lnRef>
+            <a:fillRef idx="1">
+              <a:schemeClr val="accent1"/>
+            </a:fillRef>
+            <a:effectRef idx="0">
+              <a:schemeClr val="accent1"/>
+            </a:effectRef>
+            <a:fontRef idx="minor">
+              <a:schemeClr val="lt1"/>
+            </a:fontRef>
+          </p:style>
+          <p:txBody>
+            <a:bodyPr rtlCol="0" anchor="ctr"/>
+            <a:lstStyle/>
+            <a:p>
+              <a:pPr algn="ctr"/>
+              <a:endParaRPr lang="en-US" dirty="0"/>
+            </a:p>
+          </p:txBody>
+        </p:sp>
+      </p:grpSp>
+      <p:sp>
+        <p:nvSpPr>
+          <p:cNvPr id="56" name="Rounded Rectangle 55">
+            <a:extLst>
+              <a:ext uri="{FF2B5EF4-FFF2-40B4-BE49-F238E27FC236}">
+                <a16:creationId xmlns:a16="http://schemas.microsoft.com/office/drawing/2014/main" id="{6F3F5610-491D-9B8E-70D1-3DFC6CC47BF6}"/>
+              </a:ext>
+            </a:extLst>
+          </p:cNvPr>
+          <p:cNvSpPr/>
+          <p:nvPr/>
+        </p:nvSpPr>
+        <p:spPr>
+          <a:xfrm>
+            <a:off x="424898" y="3730365"/>
+            <a:ext cx="4572000" cy="738686"/>
+          </a:xfrm>
+          <a:prstGeom prst="roundRect">
+            <a:avLst>
+              <a:gd name="adj" fmla="val 25939"/>
+            </a:avLst>
+          </a:prstGeom>
+          <a:solidFill>
+            <a:srgbClr val="1A2810"/>
+          </a:solidFill>
+          <a:ln>
+            <a:noFill/>
+          </a:ln>
+          <a:effectLst>
+            <a:outerShdw blurRad="50800" dist="38100" dir="5400000" algn="t" rotWithShape="0">
+              <a:prstClr val="black">
+                <a:alpha val="40000"/>
+              </a:prstClr>
+            </a:outerShdw>
+          </a:effectLst>
+        </p:spPr>
+        <p:style>
+          <a:lnRef idx="2">
+            <a:schemeClr val="accent1">
+              <a:shade val="15000"/>
+            </a:schemeClr>
+          </a:lnRef>
+          <a:fillRef idx="1">
+            <a:schemeClr val="accent1"/>
+          </a:fillRef>
+          <a:effectRef idx="0">
+            <a:schemeClr val="accent1"/>
+          </a:effectRef>
+          <a:fontRef idx="minor">
+            <a:schemeClr val="lt1"/>
+          </a:fontRef>
+        </p:style>
+        <p:txBody>
+          <a:bodyPr rtlCol="0" anchor="t"/>
+          <a:lstStyle/>
+          <a:p>
+            <a:br>
+              <a:rPr lang="en-US" dirty="0"/>
+            </a:br>
+            <a:endParaRPr lang="en-US" dirty="0"/>
+          </a:p>
+        </p:txBody>
+      </p:sp>
+      <p:sp>
+        <p:nvSpPr>
+          <p:cNvPr id="57" name="Rounded Rectangle 56">
+            <a:extLst>
+              <a:ext uri="{FF2B5EF4-FFF2-40B4-BE49-F238E27FC236}">
+                <a16:creationId xmlns:a16="http://schemas.microsoft.com/office/drawing/2014/main" id="{55294831-FE9B-E82E-9B30-2984167AE356}"/>
+              </a:ext>
+            </a:extLst>
+          </p:cNvPr>
+          <p:cNvSpPr/>
+          <p:nvPr/>
+        </p:nvSpPr>
+        <p:spPr>
+          <a:xfrm>
+            <a:off x="3466025" y="3922908"/>
+            <a:ext cx="1198023" cy="369332"/>
+          </a:xfrm>
+          <a:prstGeom prst="roundRect">
+            <a:avLst>
+              <a:gd name="adj" fmla="val 50000"/>
+            </a:avLst>
+          </a:prstGeom>
+          <a:solidFill>
+            <a:schemeClr val="tx1">
+              <a:lumMod val="75000"/>
+              <a:lumOff val="25000"/>
+            </a:schemeClr>
+          </a:solidFill>
+          <a:ln>
+            <a:noFill/>
+          </a:ln>
+        </p:spPr>
+        <p:style>
+          <a:lnRef idx="2">
+            <a:schemeClr val="accent1">
+              <a:shade val="15000"/>
+            </a:schemeClr>
+          </a:lnRef>
+          <a:fillRef idx="1">
+            <a:schemeClr val="accent1"/>
+          </a:fillRef>
+          <a:effectRef idx="0">
+            <a:schemeClr val="accent1"/>
+          </a:effectRef>
+          <a:fontRef idx="minor">
+            <a:schemeClr val="lt1"/>
+          </a:fontRef>
+        </p:style>
+        <p:txBody>
+          <a:bodyPr rtlCol="0" anchor="ctr"/>
+          <a:lstStyle/>
+          <a:p>
+            <a:pPr algn="ctr"/>
+            <a:endParaRPr lang="en-US" sz="1400" dirty="0">
+              <a:solidFill>
+                <a:schemeClr val="tx1">
+                  <a:lumMod val="50000"/>
+                  <a:lumOff val="50000"/>
+                </a:schemeClr>
+              </a:solidFill>
+            </a:endParaRPr>
+          </a:p>
+        </p:txBody>
+      </p:sp>
+      <p:sp>
+        <p:nvSpPr>
+          <p:cNvPr id="58" name="TextBox 57">
+            <a:extLst>
+              <a:ext uri="{FF2B5EF4-FFF2-40B4-BE49-F238E27FC236}">
+                <a16:creationId xmlns:a16="http://schemas.microsoft.com/office/drawing/2014/main" id="{E3AF840C-7E8E-D755-F543-3A6D6C7528C9}"/>
+              </a:ext>
+            </a:extLst>
+          </p:cNvPr>
+          <p:cNvSpPr txBox="1"/>
+          <p:nvPr/>
+        </p:nvSpPr>
+        <p:spPr>
+          <a:xfrm>
+            <a:off x="797672" y="3922908"/>
+            <a:ext cx="2287684" cy="369332"/>
+          </a:xfrm>
+          <a:prstGeom prst="rect">
+            <a:avLst/>
+          </a:prstGeom>
+          <a:noFill/>
+        </p:spPr>
+        <p:txBody>
+          <a:bodyPr wrap="square">
+            <a:spAutoFit/>
+          </a:bodyPr>
+          <a:lstStyle/>
+          <a:p>
+            <a:r>
+              <a:rPr lang="en-US" dirty="0">
+                <a:solidFill>
+                  <a:schemeClr val="bg1">
+                    <a:lumMod val="50000"/>
+                  </a:schemeClr>
+                </a:solidFill>
+              </a:rPr>
+              <a:t>Toggle Translation</a:t>
+            </a:r>
+            <a:endParaRPr lang="en-US" dirty="0"/>
+          </a:p>
+        </p:txBody>
+      </p:sp>
+      <p:sp>
+        <p:nvSpPr>
+          <p:cNvPr id="61" name="Rounded Rectangle 60">
+            <a:extLst>
+              <a:ext uri="{FF2B5EF4-FFF2-40B4-BE49-F238E27FC236}">
+                <a16:creationId xmlns:a16="http://schemas.microsoft.com/office/drawing/2014/main" id="{10FC5489-C0E2-3FDF-0E72-CC65B60BD7AE}"/>
+              </a:ext>
+            </a:extLst>
+          </p:cNvPr>
+          <p:cNvSpPr/>
+          <p:nvPr/>
+        </p:nvSpPr>
+        <p:spPr>
+          <a:xfrm>
+            <a:off x="3504904" y="3958150"/>
+            <a:ext cx="564594" cy="298848"/>
+          </a:xfrm>
+          <a:prstGeom prst="roundRect">
+            <a:avLst>
+              <a:gd name="adj" fmla="val 50000"/>
+            </a:avLst>
+          </a:prstGeom>
+          <a:solidFill>
+            <a:srgbClr val="404040"/>
+          </a:solidFill>
+          <a:ln>
+            <a:noFill/>
+          </a:ln>
+        </p:spPr>
+        <p:style>
+          <a:lnRef idx="2">
+            <a:schemeClr val="accent1">
+              <a:shade val="15000"/>
+            </a:schemeClr>
+          </a:lnRef>
+          <a:fillRef idx="1">
+            <a:schemeClr val="accent1"/>
+          </a:fillRef>
+          <a:effectRef idx="0">
+            <a:schemeClr val="accent1"/>
+          </a:effectRef>
+          <a:fontRef idx="minor">
+            <a:schemeClr val="lt1"/>
+          </a:fontRef>
+        </p:style>
+        <p:txBody>
+          <a:bodyPr rtlCol="0" anchor="ctr"/>
+          <a:lstStyle/>
+          <a:p>
+            <a:pPr algn="ctr"/>
+            <a:r>
+              <a:rPr lang="en-US" sz="1400" dirty="0"/>
+              <a:t>Off</a:t>
+            </a:r>
+            <a:endParaRPr lang="en-US" dirty="0"/>
+          </a:p>
+        </p:txBody>
+      </p:sp>
+      <p:sp>
+        <p:nvSpPr>
+          <p:cNvPr id="60" name="Rounded Rectangle 59">
+            <a:extLst>
+              <a:ext uri="{FF2B5EF4-FFF2-40B4-BE49-F238E27FC236}">
+                <a16:creationId xmlns:a16="http://schemas.microsoft.com/office/drawing/2014/main" id="{66E875E0-7163-22F3-BEBB-702CA19A4E2F}"/>
+              </a:ext>
+            </a:extLst>
+          </p:cNvPr>
+          <p:cNvSpPr/>
+          <p:nvPr/>
+        </p:nvSpPr>
+        <p:spPr>
+          <a:xfrm>
+            <a:off x="4023751" y="3959949"/>
+            <a:ext cx="564594" cy="298848"/>
+          </a:xfrm>
+          <a:prstGeom prst="roundRect">
+            <a:avLst>
+              <a:gd name="adj" fmla="val 50000"/>
+            </a:avLst>
+          </a:prstGeom>
+          <a:solidFill>
+            <a:srgbClr val="00B050"/>
+          </a:solidFill>
+          <a:ln>
+            <a:noFill/>
+          </a:ln>
+        </p:spPr>
+        <p:style>
+          <a:lnRef idx="2">
+            <a:schemeClr val="accent1">
+              <a:shade val="15000"/>
+            </a:schemeClr>
+          </a:lnRef>
+          <a:fillRef idx="1">
+            <a:schemeClr val="accent1"/>
+          </a:fillRef>
+          <a:effectRef idx="0">
+            <a:schemeClr val="accent1"/>
+          </a:effectRef>
+          <a:fontRef idx="minor">
+            <a:schemeClr val="lt1"/>
+          </a:fontRef>
+        </p:style>
+        <p:txBody>
+          <a:bodyPr rtlCol="0" anchor="ctr"/>
+          <a:lstStyle/>
+          <a:p>
+            <a:pPr algn="ctr"/>
+            <a:r>
+              <a:rPr lang="en-US" sz="1400" dirty="0"/>
+              <a:t>On</a:t>
+            </a:r>
+            <a:endParaRPr lang="en-US" dirty="0"/>
+          </a:p>
+        </p:txBody>
+      </p:sp>
+      <p:sp>
+        <p:nvSpPr>
+          <p:cNvPr id="63" name="Rounded Rectangle 62">
+            <a:extLst>
+              <a:ext uri="{FF2B5EF4-FFF2-40B4-BE49-F238E27FC236}">
+                <a16:creationId xmlns:a16="http://schemas.microsoft.com/office/drawing/2014/main" id="{D43A181B-F2A8-961D-79F8-03D4EBA348D4}"/>
+              </a:ext>
+            </a:extLst>
+          </p:cNvPr>
+          <p:cNvSpPr/>
+          <p:nvPr/>
+        </p:nvSpPr>
+        <p:spPr>
+          <a:xfrm>
+            <a:off x="424898" y="4565628"/>
+            <a:ext cx="4572000" cy="1201532"/>
+          </a:xfrm>
+          <a:prstGeom prst="roundRect">
+            <a:avLst>
+              <a:gd name="adj" fmla="val 25939"/>
+            </a:avLst>
+          </a:prstGeom>
+          <a:solidFill>
+            <a:srgbClr val="1A2810"/>
+          </a:solidFill>
+          <a:ln>
+            <a:noFill/>
+          </a:ln>
+          <a:effectLst>
+            <a:outerShdw blurRad="50800" dist="38100" dir="5400000" algn="t" rotWithShape="0">
+              <a:prstClr val="black">
+                <a:alpha val="40000"/>
+              </a:prstClr>
+            </a:outerShdw>
+          </a:effectLst>
+        </p:spPr>
+        <p:style>
+          <a:lnRef idx="2">
+            <a:schemeClr val="accent1">
+              <a:shade val="15000"/>
+            </a:schemeClr>
+          </a:lnRef>
+          <a:fillRef idx="1">
+            <a:schemeClr val="accent1"/>
+          </a:fillRef>
+          <a:effectRef idx="0">
+            <a:schemeClr val="accent1"/>
+          </a:effectRef>
+          <a:fontRef idx="minor">
+            <a:schemeClr val="lt1"/>
+          </a:fontRef>
+        </p:style>
+        <p:txBody>
+          <a:bodyPr rtlCol="0" anchor="t"/>
+          <a:lstStyle/>
+          <a:p>
+            <a:br>
+              <a:rPr lang="en-US" dirty="0"/>
+            </a:br>
+            <a:endParaRPr lang="en-US" dirty="0"/>
+          </a:p>
+        </p:txBody>
+      </p:sp>
+      <p:sp>
+        <p:nvSpPr>
+          <p:cNvPr id="64" name="Rounded Rectangle 63">
+            <a:extLst>
+              <a:ext uri="{FF2B5EF4-FFF2-40B4-BE49-F238E27FC236}">
+                <a16:creationId xmlns:a16="http://schemas.microsoft.com/office/drawing/2014/main" id="{82155339-C9B8-9E56-DB18-2836F0F25E0E}"/>
+              </a:ext>
+            </a:extLst>
+          </p:cNvPr>
+          <p:cNvSpPr/>
+          <p:nvPr/>
+        </p:nvSpPr>
+        <p:spPr>
+          <a:xfrm>
+            <a:off x="939677" y="5150378"/>
+            <a:ext cx="3213347" cy="209706"/>
+          </a:xfrm>
+          <a:prstGeom prst="roundRect">
+            <a:avLst>
+              <a:gd name="adj" fmla="val 50000"/>
+            </a:avLst>
+          </a:prstGeom>
+          <a:solidFill>
+            <a:schemeClr val="tx1">
+              <a:lumMod val="75000"/>
+              <a:lumOff val="25000"/>
+            </a:schemeClr>
+          </a:solidFill>
+          <a:ln>
+            <a:noFill/>
+          </a:ln>
+        </p:spPr>
+        <p:style>
+          <a:lnRef idx="2">
+            <a:schemeClr val="accent1">
+              <a:shade val="15000"/>
+            </a:schemeClr>
+          </a:lnRef>
+          <a:fillRef idx="1">
+            <a:schemeClr val="accent1"/>
+          </a:fillRef>
+          <a:effectRef idx="0">
+            <a:schemeClr val="accent1"/>
+          </a:effectRef>
+          <a:fontRef idx="minor">
+            <a:schemeClr val="lt1"/>
+          </a:fontRef>
+        </p:style>
+        <p:txBody>
+          <a:bodyPr rtlCol="0" anchor="ctr"/>
+          <a:lstStyle/>
+          <a:p>
+            <a:pPr algn="ctr"/>
+            <a:endParaRPr lang="en-US" sz="1400" dirty="0">
+              <a:solidFill>
+                <a:schemeClr val="tx1">
+                  <a:lumMod val="50000"/>
+                  <a:lumOff val="50000"/>
+                </a:schemeClr>
+              </a:solidFill>
+            </a:endParaRPr>
+          </a:p>
+        </p:txBody>
+      </p:sp>
+      <p:sp>
+        <p:nvSpPr>
+          <p:cNvPr id="65" name="TextBox 64">
+            <a:extLst>
+              <a:ext uri="{FF2B5EF4-FFF2-40B4-BE49-F238E27FC236}">
+                <a16:creationId xmlns:a16="http://schemas.microsoft.com/office/drawing/2014/main" id="{4622FB92-0A2B-084D-FFE8-12B67CC4643E}"/>
+              </a:ext>
+            </a:extLst>
+          </p:cNvPr>
+          <p:cNvSpPr txBox="1"/>
+          <p:nvPr/>
+        </p:nvSpPr>
+        <p:spPr>
+          <a:xfrm>
+            <a:off x="675239" y="4648710"/>
+            <a:ext cx="2287684" cy="369332"/>
+          </a:xfrm>
+          <a:prstGeom prst="rect">
+            <a:avLst/>
+          </a:prstGeom>
+          <a:noFill/>
+        </p:spPr>
+        <p:txBody>
+          <a:bodyPr wrap="square">
+            <a:spAutoFit/>
+          </a:bodyPr>
+          <a:lstStyle/>
+          <a:p>
+            <a:r>
+              <a:rPr lang="en-US" dirty="0">
+                <a:solidFill>
+                  <a:schemeClr val="bg1">
+                    <a:lumMod val="50000"/>
+                  </a:schemeClr>
+                </a:solidFill>
+              </a:rPr>
+              <a:t>Font Size</a:t>
+            </a:r>
+            <a:endParaRPr lang="en-US" dirty="0"/>
+          </a:p>
+        </p:txBody>
+      </p:sp>
+      <p:sp>
+        <p:nvSpPr>
+          <p:cNvPr id="69" name="TextBox 68">
+            <a:extLst>
+              <a:ext uri="{FF2B5EF4-FFF2-40B4-BE49-F238E27FC236}">
+                <a16:creationId xmlns:a16="http://schemas.microsoft.com/office/drawing/2014/main" id="{74BFA063-3517-7FE7-964F-32B38C28D457}"/>
+              </a:ext>
+            </a:extLst>
+          </p:cNvPr>
+          <p:cNvSpPr txBox="1"/>
+          <p:nvPr/>
+        </p:nvSpPr>
+        <p:spPr>
+          <a:xfrm>
+            <a:off x="660470" y="5096412"/>
+            <a:ext cx="629474" cy="307777"/>
+          </a:xfrm>
+          <a:prstGeom prst="rect">
+            <a:avLst/>
+          </a:prstGeom>
+          <a:noFill/>
+        </p:spPr>
+        <p:txBody>
+          <a:bodyPr wrap="square">
+            <a:spAutoFit/>
+          </a:bodyPr>
+          <a:lstStyle/>
+          <a:p>
+            <a:r>
+              <a:rPr lang="en-US" sz="1400" dirty="0">
+                <a:solidFill>
+                  <a:schemeClr val="bg1"/>
+                </a:solidFill>
+              </a:rPr>
+              <a:t>A</a:t>
+            </a:r>
+          </a:p>
+        </p:txBody>
+      </p:sp>
+      <p:sp>
+        <p:nvSpPr>
+          <p:cNvPr id="70" name="TextBox 69">
+            <a:extLst>
+              <a:ext uri="{FF2B5EF4-FFF2-40B4-BE49-F238E27FC236}">
+                <a16:creationId xmlns:a16="http://schemas.microsoft.com/office/drawing/2014/main" id="{15B1677F-E140-DBE0-8838-A43C1ABEA44E}"/>
+              </a:ext>
+            </a:extLst>
+          </p:cNvPr>
+          <p:cNvSpPr txBox="1"/>
+          <p:nvPr/>
+        </p:nvSpPr>
+        <p:spPr>
+          <a:xfrm>
+            <a:off x="4110053" y="5014685"/>
+            <a:ext cx="629474" cy="461665"/>
+          </a:xfrm>
+          <a:prstGeom prst="rect">
+            <a:avLst/>
+          </a:prstGeom>
+          <a:noFill/>
+        </p:spPr>
+        <p:txBody>
+          <a:bodyPr wrap="square">
+            <a:spAutoFit/>
+          </a:bodyPr>
+          <a:lstStyle/>
+          <a:p>
+            <a:r>
+              <a:rPr lang="en-US" sz="2400" dirty="0">
+                <a:solidFill>
+                  <a:schemeClr val="bg1"/>
+                </a:solidFill>
+              </a:rPr>
+              <a:t>A</a:t>
+            </a:r>
+            <a:endParaRPr lang="en-US" dirty="0">
+              <a:solidFill>
+                <a:schemeClr val="bg1"/>
+              </a:solidFill>
+            </a:endParaRPr>
+          </a:p>
+        </p:txBody>
+      </p:sp>
+      <p:sp>
+        <p:nvSpPr>
+          <p:cNvPr id="71" name="Oval 70">
+            <a:extLst>
+              <a:ext uri="{FF2B5EF4-FFF2-40B4-BE49-F238E27FC236}">
+                <a16:creationId xmlns:a16="http://schemas.microsoft.com/office/drawing/2014/main" id="{9DB94B8B-D511-141B-3390-FA5DEC389EDD}"/>
+              </a:ext>
+            </a:extLst>
+          </p:cNvPr>
+          <p:cNvSpPr/>
+          <p:nvPr/>
+        </p:nvSpPr>
+        <p:spPr>
+          <a:xfrm>
+            <a:off x="973113" y="5166394"/>
+            <a:ext cx="182880" cy="182880"/>
+          </a:xfrm>
+          <a:prstGeom prst="ellipse">
+            <a:avLst/>
+          </a:prstGeom>
+          <a:solidFill>
+            <a:schemeClr val="bg1">
+              <a:lumMod val="50000"/>
+            </a:schemeClr>
+          </a:solidFill>
+          <a:ln>
+            <a:noFill/>
+          </a:ln>
+        </p:spPr>
+        <p:style>
+          <a:lnRef idx="2">
+            <a:schemeClr val="accent1">
+              <a:shade val="15000"/>
+            </a:schemeClr>
+          </a:lnRef>
+          <a:fillRef idx="1">
+            <a:schemeClr val="accent1"/>
+          </a:fillRef>
+          <a:effectRef idx="0">
+            <a:schemeClr val="accent1"/>
+          </a:effectRef>
+          <a:fontRef idx="minor">
+            <a:schemeClr val="lt1"/>
+          </a:fontRef>
+        </p:style>
+        <p:txBody>
+          <a:bodyPr rtlCol="0" anchor="ctr"/>
+          <a:lstStyle/>
+          <a:p>
+            <a:pPr algn="ctr"/>
+            <a:endParaRPr lang="en-US"/>
+          </a:p>
+        </p:txBody>
+      </p:sp>
+      <p:sp>
+        <p:nvSpPr>
+          <p:cNvPr id="72" name="Oval 71">
+            <a:extLst>
+              <a:ext uri="{FF2B5EF4-FFF2-40B4-BE49-F238E27FC236}">
+                <a16:creationId xmlns:a16="http://schemas.microsoft.com/office/drawing/2014/main" id="{8C0F9015-E344-8255-1AEA-63E9064B1054}"/>
+              </a:ext>
+            </a:extLst>
+          </p:cNvPr>
+          <p:cNvSpPr/>
+          <p:nvPr/>
+        </p:nvSpPr>
+        <p:spPr>
+          <a:xfrm>
+            <a:off x="3944080" y="5169762"/>
+            <a:ext cx="182880" cy="182880"/>
+          </a:xfrm>
+          <a:prstGeom prst="ellipse">
+            <a:avLst/>
+          </a:prstGeom>
+          <a:solidFill>
+            <a:schemeClr val="bg1">
+              <a:lumMod val="50000"/>
+            </a:schemeClr>
+          </a:solidFill>
+          <a:ln>
+            <a:noFill/>
+          </a:ln>
+        </p:spPr>
+        <p:style>
+          <a:lnRef idx="2">
+            <a:schemeClr val="accent1">
+              <a:shade val="15000"/>
+            </a:schemeClr>
+          </a:lnRef>
+          <a:fillRef idx="1">
+            <a:schemeClr val="accent1"/>
+          </a:fillRef>
+          <a:effectRef idx="0">
+            <a:schemeClr val="accent1"/>
+          </a:effectRef>
+          <a:fontRef idx="minor">
+            <a:schemeClr val="lt1"/>
+          </a:fontRef>
+        </p:style>
+        <p:txBody>
+          <a:bodyPr rtlCol="0" anchor="ctr"/>
+          <a:lstStyle/>
+          <a:p>
+            <a:pPr algn="ctr"/>
+            <a:endParaRPr lang="en-US"/>
+          </a:p>
+        </p:txBody>
+      </p:sp>
+      <p:sp>
+        <p:nvSpPr>
+          <p:cNvPr id="73" name="Oval 72">
+            <a:extLst>
+              <a:ext uri="{FF2B5EF4-FFF2-40B4-BE49-F238E27FC236}">
+                <a16:creationId xmlns:a16="http://schemas.microsoft.com/office/drawing/2014/main" id="{62489B31-9EC5-D2F8-A34A-C6240368554E}"/>
+              </a:ext>
+            </a:extLst>
+          </p:cNvPr>
+          <p:cNvSpPr/>
+          <p:nvPr/>
+        </p:nvSpPr>
+        <p:spPr>
+          <a:xfrm>
+            <a:off x="2454910" y="5163791"/>
+            <a:ext cx="182880" cy="182880"/>
+          </a:xfrm>
+          <a:prstGeom prst="ellipse">
+            <a:avLst/>
+          </a:prstGeom>
+          <a:solidFill>
+            <a:schemeClr val="bg1">
+              <a:lumMod val="50000"/>
+            </a:schemeClr>
+          </a:solidFill>
+          <a:ln>
+            <a:noFill/>
+          </a:ln>
+        </p:spPr>
+        <p:style>
+          <a:lnRef idx="2">
+            <a:schemeClr val="accent1">
+              <a:shade val="15000"/>
+            </a:schemeClr>
+          </a:lnRef>
+          <a:fillRef idx="1">
+            <a:schemeClr val="accent1"/>
+          </a:fillRef>
+          <a:effectRef idx="0">
+            <a:schemeClr val="accent1"/>
+          </a:effectRef>
+          <a:fontRef idx="minor">
+            <a:schemeClr val="lt1"/>
+          </a:fontRef>
+        </p:style>
+        <p:txBody>
+          <a:bodyPr rtlCol="0" anchor="ctr"/>
+          <a:lstStyle/>
+          <a:p>
+            <a:pPr algn="ctr"/>
+            <a:endParaRPr lang="en-US"/>
+          </a:p>
+        </p:txBody>
+      </p:sp>
+      <p:sp>
+        <p:nvSpPr>
+          <p:cNvPr id="74" name="Oval 73">
+            <a:extLst>
+              <a:ext uri="{FF2B5EF4-FFF2-40B4-BE49-F238E27FC236}">
+                <a16:creationId xmlns:a16="http://schemas.microsoft.com/office/drawing/2014/main" id="{C223DFA4-2C85-ACCF-8A5B-73701E01EB38}"/>
+              </a:ext>
+            </a:extLst>
+          </p:cNvPr>
+          <p:cNvSpPr/>
+          <p:nvPr/>
+        </p:nvSpPr>
+        <p:spPr>
+          <a:xfrm>
+            <a:off x="1658478" y="5163791"/>
+            <a:ext cx="182880" cy="182880"/>
+          </a:xfrm>
+          <a:prstGeom prst="ellipse">
+            <a:avLst/>
+          </a:prstGeom>
+          <a:solidFill>
+            <a:schemeClr val="bg1">
+              <a:lumMod val="50000"/>
+            </a:schemeClr>
+          </a:solidFill>
+          <a:ln>
+            <a:noFill/>
+          </a:ln>
+        </p:spPr>
+        <p:style>
+          <a:lnRef idx="2">
+            <a:schemeClr val="accent1">
+              <a:shade val="15000"/>
+            </a:schemeClr>
+          </a:lnRef>
+          <a:fillRef idx="1">
+            <a:schemeClr val="accent1"/>
+          </a:fillRef>
+          <a:effectRef idx="0">
+            <a:schemeClr val="accent1"/>
+          </a:effectRef>
+          <a:fontRef idx="minor">
+            <a:schemeClr val="lt1"/>
+          </a:fontRef>
+        </p:style>
+        <p:txBody>
+          <a:bodyPr rtlCol="0" anchor="ctr"/>
+          <a:lstStyle/>
+          <a:p>
+            <a:pPr algn="ctr"/>
+            <a:endParaRPr lang="en-US"/>
+          </a:p>
+        </p:txBody>
+      </p:sp>
+      <p:sp>
+        <p:nvSpPr>
+          <p:cNvPr id="75" name="Oval 74">
+            <a:extLst>
+              <a:ext uri="{FF2B5EF4-FFF2-40B4-BE49-F238E27FC236}">
+                <a16:creationId xmlns:a16="http://schemas.microsoft.com/office/drawing/2014/main" id="{5B7F3C1F-234A-D639-C997-F3F214C3DCA7}"/>
+              </a:ext>
+            </a:extLst>
+          </p:cNvPr>
+          <p:cNvSpPr/>
+          <p:nvPr/>
+        </p:nvSpPr>
+        <p:spPr>
+          <a:xfrm>
+            <a:off x="3246620" y="5163791"/>
+            <a:ext cx="182880" cy="182880"/>
+          </a:xfrm>
+          <a:prstGeom prst="ellipse">
+            <a:avLst/>
+          </a:prstGeom>
+          <a:solidFill>
+            <a:schemeClr val="bg1">
+              <a:lumMod val="50000"/>
+            </a:schemeClr>
+          </a:solidFill>
+          <a:ln>
+            <a:noFill/>
+          </a:ln>
+        </p:spPr>
+        <p:style>
+          <a:lnRef idx="2">
+            <a:schemeClr val="accent1">
+              <a:shade val="15000"/>
+            </a:schemeClr>
+          </a:lnRef>
+          <a:fillRef idx="1">
+            <a:schemeClr val="accent1"/>
+          </a:fillRef>
+          <a:effectRef idx="0">
+            <a:schemeClr val="accent1"/>
+          </a:effectRef>
+          <a:fontRef idx="minor">
+            <a:schemeClr val="lt1"/>
+          </a:fontRef>
+        </p:style>
+        <p:txBody>
+          <a:bodyPr rtlCol="0" anchor="ctr"/>
+          <a:lstStyle/>
+          <a:p>
+            <a:pPr algn="ctr"/>
+            <a:endParaRPr lang="en-US"/>
+          </a:p>
+        </p:txBody>
+      </p:sp>
+      <p:sp>
+        <p:nvSpPr>
+          <p:cNvPr id="67" name="Rounded Rectangle 66">
+            <a:extLst>
+              <a:ext uri="{FF2B5EF4-FFF2-40B4-BE49-F238E27FC236}">
+                <a16:creationId xmlns:a16="http://schemas.microsoft.com/office/drawing/2014/main" id="{B3AD605F-234A-0F91-D2B9-C568B3135559}"/>
+              </a:ext>
+            </a:extLst>
+          </p:cNvPr>
+          <p:cNvSpPr>
+            <a:spLocks noChangeAspect="1"/>
+          </p:cNvSpPr>
+          <p:nvPr/>
+        </p:nvSpPr>
+        <p:spPr>
+          <a:xfrm>
+            <a:off x="2400028" y="5129144"/>
+            <a:ext cx="301752" cy="246812"/>
+          </a:xfrm>
+          <a:prstGeom prst="roundRect">
+            <a:avLst>
+              <a:gd name="adj" fmla="val 47093"/>
+            </a:avLst>
+          </a:prstGeom>
+          <a:solidFill>
+            <a:srgbClr val="00B050"/>
+          </a:solidFill>
+          <a:ln>
+            <a:noFill/>
+          </a:ln>
+        </p:spPr>
+        <p:style>
+          <a:lnRef idx="2">
+            <a:schemeClr val="accent1">
+              <a:shade val="15000"/>
+            </a:schemeClr>
+          </a:lnRef>
+          <a:fillRef idx="1">
+            <a:schemeClr val="accent1"/>
+          </a:fillRef>
+          <a:effectRef idx="0">
+            <a:schemeClr val="accent1"/>
+          </a:effectRef>
+          <a:fontRef idx="minor">
+            <a:schemeClr val="lt1"/>
+          </a:fontRef>
+        </p:style>
+        <p:txBody>
+          <a:bodyPr rtlCol="0" anchor="ctr"/>
+          <a:lstStyle/>
+          <a:p>
+            <a:pPr algn="ctr"/>
+            <a:endParaRPr lang="en-US" dirty="0"/>
+          </a:p>
+        </p:txBody>
+      </p:sp>
+      <p:pic>
+        <p:nvPicPr>
+          <p:cNvPr id="76" name="Graphic 75" descr="Single gear with solid fill">
+            <a:extLst>
+              <a:ext uri="{FF2B5EF4-FFF2-40B4-BE49-F238E27FC236}">
+                <a16:creationId xmlns:a16="http://schemas.microsoft.com/office/drawing/2014/main" id="{A7D6E355-22F1-193F-0AF0-3C89725C357B}"/>
+              </a:ext>
+            </a:extLst>
+          </p:cNvPr>
+          <p:cNvPicPr>
+            <a:picLocks noChangeAspect="1"/>
+          </p:cNvPicPr>
+          <p:nvPr/>
+        </p:nvPicPr>
+        <p:blipFill>
+          <a:blip r:embed="rId2">
+            <a:extLst>
+              <a:ext uri="{96DAC541-7B7A-43D3-8B79-37D633B846F1}">
+                <asvg:svgBlip xmlns:asvg="http://schemas.microsoft.com/office/drawing/2016/SVG/main" r:embed="rId3"/>
+              </a:ext>
+            </a:extLst>
+          </a:blip>
+          <a:stretch>
+            <a:fillRect/>
+          </a:stretch>
+        </p:blipFill>
+        <p:spPr>
+          <a:xfrm>
+            <a:off x="-107034" y="-231550"/>
+            <a:ext cx="2558558" cy="2558558"/>
+          </a:xfrm>
+          <a:prstGeom prst="rect">
+            <a:avLst/>
+          </a:prstGeom>
+        </p:spPr>
+      </p:pic>
+      <p:pic>
+        <p:nvPicPr>
+          <p:cNvPr id="78" name="Graphic 77" descr="Single gear with solid fill">
+            <a:extLst>
+              <a:ext uri="{FF2B5EF4-FFF2-40B4-BE49-F238E27FC236}">
+                <a16:creationId xmlns:a16="http://schemas.microsoft.com/office/drawing/2014/main" id="{38373C15-5C44-4EB9-C7D2-2D84720F1296}"/>
+              </a:ext>
+            </a:extLst>
+          </p:cNvPr>
+          <p:cNvPicPr>
+            <a:picLocks noChangeAspect="1"/>
+          </p:cNvPicPr>
+          <p:nvPr/>
+        </p:nvPicPr>
+        <p:blipFill>
+          <a:blip r:embed="rId2">
+            <a:extLst>
+              <a:ext uri="{96DAC541-7B7A-43D3-8B79-37D633B846F1}">
+                <asvg:svgBlip xmlns:asvg="http://schemas.microsoft.com/office/drawing/2016/SVG/main" r:embed="rId3"/>
+              </a:ext>
+            </a:extLst>
+          </a:blip>
+          <a:stretch>
+            <a:fillRect/>
+          </a:stretch>
+        </p:blipFill>
+        <p:spPr>
+          <a:xfrm>
+            <a:off x="4503894" y="2351742"/>
+            <a:ext cx="529985" cy="529985"/>
+          </a:xfrm>
+          <a:prstGeom prst="rect">
+            <a:avLst/>
+          </a:prstGeom>
+        </p:spPr>
+      </p:pic>
+      <p:sp>
+        <p:nvSpPr>
+          <p:cNvPr id="9" name="Rounded Rectangle 8">
+            <a:extLst>
+              <a:ext uri="{FF2B5EF4-FFF2-40B4-BE49-F238E27FC236}">
+                <a16:creationId xmlns:a16="http://schemas.microsoft.com/office/drawing/2014/main" id="{1BC49B58-FB12-21FA-BCA3-EDE8D00EB732}"/>
+              </a:ext>
+            </a:extLst>
+          </p:cNvPr>
+          <p:cNvSpPr/>
+          <p:nvPr/>
+        </p:nvSpPr>
+        <p:spPr>
+          <a:xfrm>
+            <a:off x="6219532" y="2349042"/>
+            <a:ext cx="4712873" cy="3863477"/>
+          </a:xfrm>
+          <a:prstGeom prst="roundRect">
+            <a:avLst>
+              <a:gd name="adj" fmla="val 7007"/>
+            </a:avLst>
+          </a:prstGeom>
+          <a:solidFill>
+            <a:srgbClr val="FFFFFF"/>
+          </a:solidFill>
+          <a:ln>
+            <a:solidFill>
+              <a:srgbClr val="A6A09D"/>
+            </a:solidFill>
+          </a:ln>
+          <a:effectLst>
+            <a:outerShdw blurRad="50800" dist="38100" dir="5400000" algn="t" rotWithShape="0">
+              <a:prstClr val="black">
+                <a:alpha val="40000"/>
+              </a:prstClr>
+            </a:outerShdw>
+          </a:effectLst>
+        </p:spPr>
+        <p:style>
+          <a:lnRef idx="2">
+            <a:schemeClr val="accent1">
+              <a:shade val="15000"/>
+            </a:schemeClr>
+          </a:lnRef>
+          <a:fillRef idx="1">
+            <a:schemeClr val="accent1"/>
+          </a:fillRef>
+          <a:effectRef idx="0">
+            <a:schemeClr val="accent1"/>
+          </a:effectRef>
+          <a:fontRef idx="minor">
+            <a:schemeClr val="lt1"/>
+          </a:fontRef>
+        </p:style>
+        <p:txBody>
+          <a:bodyPr rtlCol="0" anchor="t"/>
+          <a:lstStyle/>
+          <a:p>
+            <a:br>
+              <a:rPr lang="en-US" dirty="0"/>
+            </a:br>
+            <a:endParaRPr lang="en-US" dirty="0">
+              <a:solidFill>
+                <a:schemeClr val="tx1">
+                  <a:lumMod val="75000"/>
+                  <a:lumOff val="25000"/>
+                </a:schemeClr>
+              </a:solidFill>
+            </a:endParaRPr>
+          </a:p>
+        </p:txBody>
+      </p:sp>
+      <p:sp>
+        <p:nvSpPr>
+          <p:cNvPr id="10" name="Rounded Rectangle 9">
+            <a:extLst>
+              <a:ext uri="{FF2B5EF4-FFF2-40B4-BE49-F238E27FC236}">
+                <a16:creationId xmlns:a16="http://schemas.microsoft.com/office/drawing/2014/main" id="{E9A05153-27C9-81A0-2195-0645DA665257}"/>
+              </a:ext>
+            </a:extLst>
+          </p:cNvPr>
+          <p:cNvSpPr/>
+          <p:nvPr/>
+        </p:nvSpPr>
+        <p:spPr>
+          <a:xfrm>
+            <a:off x="6285872" y="2937204"/>
+            <a:ext cx="4572000" cy="738686"/>
+          </a:xfrm>
+          <a:prstGeom prst="roundRect">
+            <a:avLst>
+              <a:gd name="adj" fmla="val 25939"/>
+            </a:avLst>
+          </a:prstGeom>
+          <a:solidFill>
+            <a:srgbClr val="F5F5F5"/>
+          </a:solidFill>
+          <a:ln>
+            <a:noFill/>
+          </a:ln>
+          <a:effectLst/>
+        </p:spPr>
+        <p:style>
+          <a:lnRef idx="2">
+            <a:schemeClr val="accent1">
+              <a:shade val="15000"/>
+            </a:schemeClr>
+          </a:lnRef>
+          <a:fillRef idx="1">
+            <a:schemeClr val="accent1"/>
+          </a:fillRef>
+          <a:effectRef idx="0">
+            <a:schemeClr val="accent1"/>
+          </a:effectRef>
+          <a:fontRef idx="minor">
+            <a:schemeClr val="lt1"/>
+          </a:fontRef>
+        </p:style>
+        <p:txBody>
+          <a:bodyPr rtlCol="0" anchor="t"/>
+          <a:lstStyle/>
+          <a:p>
+            <a:br>
+              <a:rPr lang="en-US" dirty="0"/>
+            </a:br>
+            <a:endParaRPr lang="en-US" dirty="0">
+              <a:solidFill>
+                <a:schemeClr val="tx1">
+                  <a:lumMod val="75000"/>
+                  <a:lumOff val="25000"/>
+                </a:schemeClr>
+              </a:solidFill>
+            </a:endParaRPr>
+          </a:p>
+        </p:txBody>
+      </p:sp>
+      <p:sp>
+        <p:nvSpPr>
+          <p:cNvPr id="11" name="TextBox 10">
+            <a:extLst>
+              <a:ext uri="{FF2B5EF4-FFF2-40B4-BE49-F238E27FC236}">
+                <a16:creationId xmlns:a16="http://schemas.microsoft.com/office/drawing/2014/main" id="{15168A86-D8D1-B6B5-422F-D66B3B68B051}"/>
+              </a:ext>
+            </a:extLst>
+          </p:cNvPr>
+          <p:cNvSpPr txBox="1"/>
+          <p:nvPr/>
+        </p:nvSpPr>
+        <p:spPr>
+          <a:xfrm>
+            <a:off x="6658645" y="3129747"/>
+            <a:ext cx="1544629" cy="369332"/>
+          </a:xfrm>
+          <a:prstGeom prst="rect">
+            <a:avLst/>
+          </a:prstGeom>
+          <a:noFill/>
+        </p:spPr>
+        <p:txBody>
+          <a:bodyPr wrap="square">
+            <a:spAutoFit/>
+          </a:bodyPr>
+          <a:lstStyle/>
+          <a:p>
+            <a:r>
+              <a:rPr lang="en-US" dirty="0">
+                <a:solidFill>
+                  <a:schemeClr val="bg1">
+                    <a:lumMod val="50000"/>
+                  </a:schemeClr>
+                </a:solidFill>
+              </a:rPr>
+              <a:t>Night Sky</a:t>
+            </a:r>
+            <a:endParaRPr lang="en-US" dirty="0"/>
+          </a:p>
+        </p:txBody>
+      </p:sp>
+      <p:sp>
+        <p:nvSpPr>
+          <p:cNvPr id="12" name="TextBox 11">
+            <a:extLst>
+              <a:ext uri="{FF2B5EF4-FFF2-40B4-BE49-F238E27FC236}">
+                <a16:creationId xmlns:a16="http://schemas.microsoft.com/office/drawing/2014/main" id="{81A8DE39-266C-791A-C98B-E27DCA05A026}"/>
+              </a:ext>
+            </a:extLst>
+          </p:cNvPr>
+          <p:cNvSpPr txBox="1"/>
+          <p:nvPr/>
+        </p:nvSpPr>
+        <p:spPr>
+          <a:xfrm>
+            <a:off x="9093401" y="3120472"/>
+            <a:ext cx="1544629" cy="369332"/>
+          </a:xfrm>
+          <a:prstGeom prst="rect">
+            <a:avLst/>
+          </a:prstGeom>
+          <a:noFill/>
+        </p:spPr>
+        <p:txBody>
+          <a:bodyPr wrap="square">
+            <a:spAutoFit/>
+          </a:bodyPr>
+          <a:lstStyle/>
+          <a:p>
+            <a:r>
+              <a:rPr lang="en-US" dirty="0">
+                <a:solidFill>
+                  <a:schemeClr val="bg1">
+                    <a:lumMod val="50000"/>
+                  </a:schemeClr>
+                </a:solidFill>
+              </a:rPr>
+              <a:t>Heaven Light</a:t>
+            </a:r>
+            <a:endParaRPr lang="en-US" dirty="0"/>
+          </a:p>
+        </p:txBody>
+      </p:sp>
+      <p:grpSp>
+        <p:nvGrpSpPr>
+          <p:cNvPr id="13" name="Group 12">
+            <a:extLst>
+              <a:ext uri="{FF2B5EF4-FFF2-40B4-BE49-F238E27FC236}">
+                <a16:creationId xmlns:a16="http://schemas.microsoft.com/office/drawing/2014/main" id="{07714D35-31FD-A5B9-3A74-6313A9A7AC53}"/>
+              </a:ext>
+            </a:extLst>
+          </p:cNvPr>
+          <p:cNvGrpSpPr/>
+          <p:nvPr/>
+        </p:nvGrpSpPr>
+        <p:grpSpPr>
+          <a:xfrm>
+            <a:off x="7808314" y="3148919"/>
+            <a:ext cx="1198023" cy="369332"/>
+            <a:chOff x="1759380" y="904895"/>
+            <a:chExt cx="1198023" cy="369332"/>
+          </a:xfrm>
+        </p:grpSpPr>
+        <p:sp>
+          <p:nvSpPr>
+            <p:cNvPr id="15" name="Rounded Rectangle 14">
+              <a:extLst>
+                <a:ext uri="{FF2B5EF4-FFF2-40B4-BE49-F238E27FC236}">
+                  <a16:creationId xmlns:a16="http://schemas.microsoft.com/office/drawing/2014/main" id="{C8A26CDC-906C-CA29-8E5D-50EFD9725CCA}"/>
+                </a:ext>
+              </a:extLst>
+            </p:cNvPr>
+            <p:cNvSpPr/>
+            <p:nvPr/>
+          </p:nvSpPr>
+          <p:spPr>
+            <a:xfrm>
+              <a:off x="1759380" y="904895"/>
+              <a:ext cx="1198023" cy="369332"/>
+            </a:xfrm>
+            <a:prstGeom prst="roundRect">
+              <a:avLst>
+                <a:gd name="adj" fmla="val 50000"/>
+              </a:avLst>
+            </a:prstGeom>
+            <a:solidFill>
+              <a:srgbClr val="D7D3D1"/>
+            </a:solidFill>
+            <a:ln>
+              <a:noFill/>
+            </a:ln>
+          </p:spPr>
+          <p:style>
+            <a:lnRef idx="2">
+              <a:schemeClr val="accent1">
+                <a:shade val="15000"/>
+              </a:schemeClr>
+            </a:lnRef>
+            <a:fillRef idx="1">
+              <a:schemeClr val="accent1"/>
+            </a:fillRef>
+            <a:effectRef idx="0">
+              <a:schemeClr val="accent1"/>
+            </a:effectRef>
+            <a:fontRef idx="minor">
+              <a:schemeClr val="lt1"/>
+            </a:fontRef>
+          </p:style>
+          <p:txBody>
+            <a:bodyPr rtlCol="0" anchor="ctr"/>
+            <a:lstStyle/>
+            <a:p>
+              <a:pPr algn="ctr"/>
+              <a:endParaRPr lang="en-US" sz="1400" dirty="0">
+                <a:solidFill>
+                  <a:schemeClr val="tx1">
+                    <a:lumMod val="50000"/>
+                    <a:lumOff val="50000"/>
+                  </a:schemeClr>
+                </a:solidFill>
+              </a:endParaRPr>
+            </a:p>
+          </p:txBody>
+        </p:sp>
+        <p:sp>
+          <p:nvSpPr>
+            <p:cNvPr id="16" name="Rounded Rectangle 15">
+              <a:extLst>
+                <a:ext uri="{FF2B5EF4-FFF2-40B4-BE49-F238E27FC236}">
+                  <a16:creationId xmlns:a16="http://schemas.microsoft.com/office/drawing/2014/main" id="{A87C4524-25B1-CFCB-0149-9384AF2E2985}"/>
+                </a:ext>
+              </a:extLst>
+            </p:cNvPr>
+            <p:cNvSpPr/>
+            <p:nvPr/>
+          </p:nvSpPr>
+          <p:spPr>
+            <a:xfrm>
+              <a:off x="2317106" y="941936"/>
+              <a:ext cx="564594" cy="298848"/>
+            </a:xfrm>
+            <a:prstGeom prst="roundRect">
+              <a:avLst>
+                <a:gd name="adj" fmla="val 50000"/>
+              </a:avLst>
+            </a:prstGeom>
+            <a:solidFill>
+              <a:srgbClr val="00B050"/>
+            </a:solidFill>
+            <a:ln>
+              <a:noFill/>
+            </a:ln>
+          </p:spPr>
+          <p:style>
+            <a:lnRef idx="2">
+              <a:schemeClr val="accent1">
+                <a:shade val="15000"/>
+              </a:schemeClr>
+            </a:lnRef>
+            <a:fillRef idx="1">
+              <a:schemeClr val="accent1"/>
+            </a:fillRef>
+            <a:effectRef idx="0">
+              <a:schemeClr val="accent1"/>
+            </a:effectRef>
+            <a:fontRef idx="minor">
+              <a:schemeClr val="lt1"/>
+            </a:fontRef>
+          </p:style>
+          <p:txBody>
+            <a:bodyPr rtlCol="0" anchor="ctr"/>
+            <a:lstStyle/>
+            <a:p>
+              <a:pPr algn="ctr"/>
+              <a:endParaRPr lang="en-US" dirty="0"/>
+            </a:p>
+          </p:txBody>
+        </p:sp>
+      </p:grpSp>
+      <p:sp>
+        <p:nvSpPr>
+          <p:cNvPr id="17" name="Rounded Rectangle 16">
+            <a:extLst>
+              <a:ext uri="{FF2B5EF4-FFF2-40B4-BE49-F238E27FC236}">
+                <a16:creationId xmlns:a16="http://schemas.microsoft.com/office/drawing/2014/main" id="{8F6C98ED-3F77-D5D1-177B-65542679C3AB}"/>
+              </a:ext>
+            </a:extLst>
+          </p:cNvPr>
+          <p:cNvSpPr/>
+          <p:nvPr/>
+        </p:nvSpPr>
+        <p:spPr>
+          <a:xfrm>
+            <a:off x="6285872" y="3752399"/>
+            <a:ext cx="4572000" cy="738686"/>
+          </a:xfrm>
+          <a:prstGeom prst="roundRect">
+            <a:avLst>
+              <a:gd name="adj" fmla="val 25939"/>
+            </a:avLst>
+          </a:prstGeom>
+          <a:solidFill>
+            <a:srgbClr val="F5F5F5"/>
+          </a:solidFill>
+          <a:ln>
+            <a:noFill/>
+          </a:ln>
+          <a:effectLst/>
+        </p:spPr>
+        <p:style>
+          <a:lnRef idx="2">
+            <a:schemeClr val="accent1">
+              <a:shade val="15000"/>
+            </a:schemeClr>
+          </a:lnRef>
+          <a:fillRef idx="1">
+            <a:schemeClr val="accent1"/>
+          </a:fillRef>
+          <a:effectRef idx="0">
+            <a:schemeClr val="accent1"/>
+          </a:effectRef>
+          <a:fontRef idx="minor">
+            <a:schemeClr val="lt1"/>
+          </a:fontRef>
+        </p:style>
+        <p:txBody>
+          <a:bodyPr rtlCol="0" anchor="t"/>
+          <a:lstStyle/>
+          <a:p>
+            <a:br>
+              <a:rPr lang="en-US" dirty="0"/>
+            </a:br>
+            <a:endParaRPr lang="en-US" dirty="0"/>
+          </a:p>
+        </p:txBody>
+      </p:sp>
+      <p:sp>
+        <p:nvSpPr>
+          <p:cNvPr id="18" name="Rounded Rectangle 17">
+            <a:extLst>
+              <a:ext uri="{FF2B5EF4-FFF2-40B4-BE49-F238E27FC236}">
+                <a16:creationId xmlns:a16="http://schemas.microsoft.com/office/drawing/2014/main" id="{8F3AB73F-F468-B6B3-8E23-6E3BBEC88C3A}"/>
+              </a:ext>
+            </a:extLst>
+          </p:cNvPr>
+          <p:cNvSpPr/>
+          <p:nvPr/>
+        </p:nvSpPr>
+        <p:spPr>
+          <a:xfrm>
+            <a:off x="9326999" y="3944942"/>
+            <a:ext cx="1198023" cy="369332"/>
+          </a:xfrm>
+          <a:prstGeom prst="roundRect">
+            <a:avLst>
+              <a:gd name="adj" fmla="val 50000"/>
+            </a:avLst>
+          </a:prstGeom>
+          <a:solidFill>
+            <a:srgbClr val="D7D3D1"/>
+          </a:solidFill>
+          <a:ln>
+            <a:noFill/>
+          </a:ln>
+        </p:spPr>
+        <p:style>
+          <a:lnRef idx="2">
+            <a:schemeClr val="accent1">
+              <a:shade val="15000"/>
+            </a:schemeClr>
+          </a:lnRef>
+          <a:fillRef idx="1">
+            <a:schemeClr val="accent1"/>
+          </a:fillRef>
+          <a:effectRef idx="0">
+            <a:schemeClr val="accent1"/>
+          </a:effectRef>
+          <a:fontRef idx="minor">
+            <a:schemeClr val="lt1"/>
+          </a:fontRef>
+        </p:style>
+        <p:txBody>
+          <a:bodyPr rtlCol="0" anchor="ctr"/>
+          <a:lstStyle/>
+          <a:p>
+            <a:pPr algn="ctr"/>
+            <a:endParaRPr lang="en-US" sz="1400" dirty="0">
+              <a:solidFill>
+                <a:schemeClr val="tx1">
+                  <a:lumMod val="50000"/>
+                  <a:lumOff val="50000"/>
+                </a:schemeClr>
+              </a:solidFill>
+            </a:endParaRPr>
+          </a:p>
+        </p:txBody>
+      </p:sp>
+      <p:sp>
+        <p:nvSpPr>
+          <p:cNvPr id="19" name="TextBox 18">
+            <a:extLst>
+              <a:ext uri="{FF2B5EF4-FFF2-40B4-BE49-F238E27FC236}">
+                <a16:creationId xmlns:a16="http://schemas.microsoft.com/office/drawing/2014/main" id="{1BE06103-9542-86B2-C682-FD6E9FDBD420}"/>
+              </a:ext>
+            </a:extLst>
+          </p:cNvPr>
+          <p:cNvSpPr txBox="1"/>
+          <p:nvPr/>
+        </p:nvSpPr>
+        <p:spPr>
+          <a:xfrm>
+            <a:off x="6658646" y="3944942"/>
+            <a:ext cx="2287684" cy="369332"/>
+          </a:xfrm>
+          <a:prstGeom prst="rect">
+            <a:avLst/>
+          </a:prstGeom>
+          <a:noFill/>
+        </p:spPr>
+        <p:txBody>
+          <a:bodyPr wrap="square">
+            <a:spAutoFit/>
+          </a:bodyPr>
+          <a:lstStyle/>
+          <a:p>
+            <a:r>
+              <a:rPr lang="en-US" dirty="0">
+                <a:solidFill>
+                  <a:schemeClr val="bg1">
+                    <a:lumMod val="50000"/>
+                  </a:schemeClr>
+                </a:solidFill>
+              </a:rPr>
+              <a:t>Toggle Translation</a:t>
+            </a:r>
+            <a:endParaRPr lang="en-US" dirty="0"/>
+          </a:p>
+        </p:txBody>
+      </p:sp>
+      <p:sp>
+        <p:nvSpPr>
+          <p:cNvPr id="20" name="Rounded Rectangle 19">
+            <a:extLst>
+              <a:ext uri="{FF2B5EF4-FFF2-40B4-BE49-F238E27FC236}">
+                <a16:creationId xmlns:a16="http://schemas.microsoft.com/office/drawing/2014/main" id="{6C07A2CD-024A-E80D-5B92-11717D742FE7}"/>
+              </a:ext>
+            </a:extLst>
+          </p:cNvPr>
+          <p:cNvSpPr/>
+          <p:nvPr/>
+        </p:nvSpPr>
+        <p:spPr>
+          <a:xfrm>
+            <a:off x="9365878" y="3980184"/>
+            <a:ext cx="564594" cy="298848"/>
+          </a:xfrm>
+          <a:prstGeom prst="roundRect">
+            <a:avLst>
+              <a:gd name="adj" fmla="val 50000"/>
+            </a:avLst>
+          </a:prstGeom>
+          <a:noFill/>
+          <a:ln>
+            <a:noFill/>
+          </a:ln>
+        </p:spPr>
+        <p:style>
+          <a:lnRef idx="2">
+            <a:schemeClr val="accent1">
+              <a:shade val="15000"/>
+            </a:schemeClr>
+          </a:lnRef>
+          <a:fillRef idx="1">
+            <a:schemeClr val="accent1"/>
+          </a:fillRef>
+          <a:effectRef idx="0">
+            <a:schemeClr val="accent1"/>
+          </a:effectRef>
+          <a:fontRef idx="minor">
+            <a:schemeClr val="lt1"/>
+          </a:fontRef>
+        </p:style>
+        <p:txBody>
+          <a:bodyPr rtlCol="0" anchor="ctr"/>
+          <a:lstStyle/>
+          <a:p>
+            <a:pPr algn="ctr"/>
+            <a:r>
+              <a:rPr lang="en-US" sz="1400" dirty="0">
+                <a:solidFill>
+                  <a:srgbClr val="A6A09D"/>
+                </a:solidFill>
+              </a:rPr>
+              <a:t>Off</a:t>
+            </a:r>
+            <a:endParaRPr lang="en-US" dirty="0">
+              <a:solidFill>
+                <a:srgbClr val="A6A09D"/>
+              </a:solidFill>
+            </a:endParaRPr>
+          </a:p>
+        </p:txBody>
+      </p:sp>
+      <p:sp>
+        <p:nvSpPr>
+          <p:cNvPr id="21" name="Rounded Rectangle 20">
+            <a:extLst>
+              <a:ext uri="{FF2B5EF4-FFF2-40B4-BE49-F238E27FC236}">
+                <a16:creationId xmlns:a16="http://schemas.microsoft.com/office/drawing/2014/main" id="{8CAC1FF0-42A3-0248-CBA8-9357CB4CE4DF}"/>
+              </a:ext>
+            </a:extLst>
+          </p:cNvPr>
+          <p:cNvSpPr/>
+          <p:nvPr/>
+        </p:nvSpPr>
+        <p:spPr>
+          <a:xfrm>
+            <a:off x="9884725" y="3981983"/>
+            <a:ext cx="564594" cy="298848"/>
+          </a:xfrm>
+          <a:prstGeom prst="roundRect">
+            <a:avLst>
+              <a:gd name="adj" fmla="val 50000"/>
+            </a:avLst>
+          </a:prstGeom>
+          <a:solidFill>
+            <a:srgbClr val="00B050"/>
+          </a:solidFill>
+          <a:ln>
+            <a:noFill/>
+          </a:ln>
+        </p:spPr>
+        <p:style>
+          <a:lnRef idx="2">
+            <a:schemeClr val="accent1">
+              <a:shade val="15000"/>
+            </a:schemeClr>
+          </a:lnRef>
+          <a:fillRef idx="1">
+            <a:schemeClr val="accent1"/>
+          </a:fillRef>
+          <a:effectRef idx="0">
+            <a:schemeClr val="accent1"/>
+          </a:effectRef>
+          <a:fontRef idx="minor">
+            <a:schemeClr val="lt1"/>
+          </a:fontRef>
+        </p:style>
+        <p:txBody>
+          <a:bodyPr rtlCol="0" anchor="ctr"/>
+          <a:lstStyle/>
+          <a:p>
+            <a:pPr algn="ctr"/>
+            <a:r>
+              <a:rPr lang="en-US" sz="1400" dirty="0"/>
+              <a:t>On</a:t>
+            </a:r>
+            <a:endParaRPr lang="en-US" dirty="0"/>
+          </a:p>
+        </p:txBody>
+      </p:sp>
+      <p:sp>
+        <p:nvSpPr>
+          <p:cNvPr id="24" name="Rounded Rectangle 23">
+            <a:extLst>
+              <a:ext uri="{FF2B5EF4-FFF2-40B4-BE49-F238E27FC236}">
+                <a16:creationId xmlns:a16="http://schemas.microsoft.com/office/drawing/2014/main" id="{D41D85C7-4CB9-1B66-3D3F-A991C1140547}"/>
+              </a:ext>
+            </a:extLst>
+          </p:cNvPr>
+          <p:cNvSpPr/>
+          <p:nvPr/>
+        </p:nvSpPr>
+        <p:spPr>
+          <a:xfrm>
+            <a:off x="6285872" y="4587662"/>
+            <a:ext cx="4572000" cy="1201532"/>
+          </a:xfrm>
+          <a:prstGeom prst="roundRect">
+            <a:avLst>
+              <a:gd name="adj" fmla="val 25939"/>
+            </a:avLst>
+          </a:prstGeom>
+          <a:solidFill>
+            <a:srgbClr val="F5F5F5"/>
+          </a:solidFill>
+          <a:ln>
+            <a:noFill/>
+          </a:ln>
+          <a:effectLst/>
+        </p:spPr>
+        <p:style>
+          <a:lnRef idx="2">
+            <a:schemeClr val="accent1">
+              <a:shade val="15000"/>
+            </a:schemeClr>
+          </a:lnRef>
+          <a:fillRef idx="1">
+            <a:schemeClr val="accent1"/>
+          </a:fillRef>
+          <a:effectRef idx="0">
+            <a:schemeClr val="accent1"/>
+          </a:effectRef>
+          <a:fontRef idx="minor">
+            <a:schemeClr val="lt1"/>
+          </a:fontRef>
+        </p:style>
+        <p:txBody>
+          <a:bodyPr rtlCol="0" anchor="t"/>
+          <a:lstStyle/>
+          <a:p>
+            <a:br>
+              <a:rPr lang="en-US" dirty="0"/>
+            </a:br>
+            <a:endParaRPr lang="en-US" dirty="0"/>
+          </a:p>
+        </p:txBody>
+      </p:sp>
+      <p:sp>
+        <p:nvSpPr>
+          <p:cNvPr id="25" name="Rounded Rectangle 24">
+            <a:extLst>
+              <a:ext uri="{FF2B5EF4-FFF2-40B4-BE49-F238E27FC236}">
+                <a16:creationId xmlns:a16="http://schemas.microsoft.com/office/drawing/2014/main" id="{17F2AF6F-0D25-7A3C-ADF6-8116A9420140}"/>
+              </a:ext>
+            </a:extLst>
+          </p:cNvPr>
+          <p:cNvSpPr/>
+          <p:nvPr/>
+        </p:nvSpPr>
+        <p:spPr>
+          <a:xfrm>
+            <a:off x="6800651" y="5172412"/>
+            <a:ext cx="3213347" cy="209706"/>
+          </a:xfrm>
+          <a:prstGeom prst="roundRect">
+            <a:avLst>
+              <a:gd name="adj" fmla="val 50000"/>
+            </a:avLst>
+          </a:prstGeom>
+          <a:solidFill>
+            <a:srgbClr val="D7D3D1"/>
+          </a:solidFill>
+          <a:ln>
+            <a:noFill/>
+          </a:ln>
+        </p:spPr>
+        <p:style>
+          <a:lnRef idx="2">
+            <a:schemeClr val="accent1">
+              <a:shade val="15000"/>
+            </a:schemeClr>
+          </a:lnRef>
+          <a:fillRef idx="1">
+            <a:schemeClr val="accent1"/>
+          </a:fillRef>
+          <a:effectRef idx="0">
+            <a:schemeClr val="accent1"/>
+          </a:effectRef>
+          <a:fontRef idx="minor">
+            <a:schemeClr val="lt1"/>
+          </a:fontRef>
+        </p:style>
+        <p:txBody>
+          <a:bodyPr rtlCol="0" anchor="ctr"/>
+          <a:lstStyle/>
+          <a:p>
+            <a:pPr algn="ctr"/>
+            <a:endParaRPr lang="en-US" sz="1400" dirty="0">
+              <a:solidFill>
+                <a:schemeClr val="tx1">
+                  <a:lumMod val="50000"/>
+                  <a:lumOff val="50000"/>
+                </a:schemeClr>
+              </a:solidFill>
+            </a:endParaRPr>
+          </a:p>
+        </p:txBody>
+      </p:sp>
+      <p:sp>
+        <p:nvSpPr>
+          <p:cNvPr id="26" name="TextBox 25">
+            <a:extLst>
+              <a:ext uri="{FF2B5EF4-FFF2-40B4-BE49-F238E27FC236}">
+                <a16:creationId xmlns:a16="http://schemas.microsoft.com/office/drawing/2014/main" id="{B897E103-5D79-17A1-D0E5-1CB70F589033}"/>
+              </a:ext>
+            </a:extLst>
+          </p:cNvPr>
+          <p:cNvSpPr txBox="1"/>
+          <p:nvPr/>
+        </p:nvSpPr>
+        <p:spPr>
+          <a:xfrm>
+            <a:off x="6536213" y="4670744"/>
+            <a:ext cx="2287684" cy="369332"/>
+          </a:xfrm>
+          <a:prstGeom prst="rect">
+            <a:avLst/>
+          </a:prstGeom>
+          <a:noFill/>
+        </p:spPr>
+        <p:txBody>
+          <a:bodyPr wrap="square">
+            <a:spAutoFit/>
+          </a:bodyPr>
+          <a:lstStyle/>
+          <a:p>
+            <a:r>
+              <a:rPr lang="en-US" dirty="0">
+                <a:solidFill>
+                  <a:schemeClr val="bg1">
+                    <a:lumMod val="50000"/>
+                  </a:schemeClr>
+                </a:solidFill>
+              </a:rPr>
+              <a:t>Font Size</a:t>
+            </a:r>
+            <a:endParaRPr lang="en-US" dirty="0"/>
+          </a:p>
+        </p:txBody>
+      </p:sp>
+      <p:sp>
+        <p:nvSpPr>
+          <p:cNvPr id="27" name="TextBox 26">
+            <a:extLst>
+              <a:ext uri="{FF2B5EF4-FFF2-40B4-BE49-F238E27FC236}">
+                <a16:creationId xmlns:a16="http://schemas.microsoft.com/office/drawing/2014/main" id="{BFEE53DF-AF74-C815-2204-CB3A8D2F719C}"/>
+              </a:ext>
+            </a:extLst>
+          </p:cNvPr>
+          <p:cNvSpPr txBox="1"/>
+          <p:nvPr/>
+        </p:nvSpPr>
+        <p:spPr>
+          <a:xfrm>
+            <a:off x="6521444" y="5118446"/>
+            <a:ext cx="629474" cy="307777"/>
+          </a:xfrm>
+          <a:prstGeom prst="rect">
+            <a:avLst/>
+          </a:prstGeom>
+          <a:noFill/>
+        </p:spPr>
+        <p:txBody>
+          <a:bodyPr wrap="square">
+            <a:spAutoFit/>
+          </a:bodyPr>
+          <a:lstStyle/>
+          <a:p>
+            <a:r>
+              <a:rPr lang="en-US" sz="1400" dirty="0">
+                <a:solidFill>
+                  <a:schemeClr val="bg1"/>
+                </a:solidFill>
+              </a:rPr>
+              <a:t>A</a:t>
+            </a:r>
+          </a:p>
+        </p:txBody>
+      </p:sp>
+      <p:sp>
+        <p:nvSpPr>
+          <p:cNvPr id="28" name="TextBox 27">
+            <a:extLst>
+              <a:ext uri="{FF2B5EF4-FFF2-40B4-BE49-F238E27FC236}">
+                <a16:creationId xmlns:a16="http://schemas.microsoft.com/office/drawing/2014/main" id="{377E7BC9-EE8C-4DCF-DCEF-D47D83583EB3}"/>
+              </a:ext>
+            </a:extLst>
+          </p:cNvPr>
+          <p:cNvSpPr txBox="1"/>
+          <p:nvPr/>
+        </p:nvSpPr>
+        <p:spPr>
+          <a:xfrm>
+            <a:off x="9971027" y="5036719"/>
+            <a:ext cx="629474" cy="461665"/>
+          </a:xfrm>
+          <a:prstGeom prst="rect">
+            <a:avLst/>
+          </a:prstGeom>
+          <a:noFill/>
+        </p:spPr>
+        <p:txBody>
+          <a:bodyPr wrap="square">
+            <a:spAutoFit/>
+          </a:bodyPr>
+          <a:lstStyle/>
+          <a:p>
+            <a:r>
+              <a:rPr lang="en-US" sz="2400" dirty="0">
+                <a:solidFill>
+                  <a:schemeClr val="bg1"/>
+                </a:solidFill>
+              </a:rPr>
+              <a:t>A</a:t>
+            </a:r>
+            <a:endParaRPr lang="en-US" dirty="0">
+              <a:solidFill>
+                <a:schemeClr val="bg1"/>
+              </a:solidFill>
+            </a:endParaRPr>
+          </a:p>
+        </p:txBody>
+      </p:sp>
+      <p:sp>
+        <p:nvSpPr>
+          <p:cNvPr id="29" name="Oval 28">
+            <a:extLst>
+              <a:ext uri="{FF2B5EF4-FFF2-40B4-BE49-F238E27FC236}">
+                <a16:creationId xmlns:a16="http://schemas.microsoft.com/office/drawing/2014/main" id="{3588E3C7-66A2-254A-CAC2-CE26AB39E448}"/>
+              </a:ext>
+            </a:extLst>
+          </p:cNvPr>
+          <p:cNvSpPr/>
+          <p:nvPr/>
+        </p:nvSpPr>
+        <p:spPr>
+          <a:xfrm>
+            <a:off x="6834087" y="5188428"/>
+            <a:ext cx="182880" cy="182880"/>
+          </a:xfrm>
+          <a:prstGeom prst="ellipse">
+            <a:avLst/>
+          </a:prstGeom>
+          <a:solidFill>
+            <a:schemeClr val="bg1">
+              <a:lumMod val="50000"/>
+            </a:schemeClr>
+          </a:solidFill>
+          <a:ln>
+            <a:noFill/>
+          </a:ln>
+        </p:spPr>
+        <p:style>
+          <a:lnRef idx="2">
+            <a:schemeClr val="accent1">
+              <a:shade val="15000"/>
+            </a:schemeClr>
+          </a:lnRef>
+          <a:fillRef idx="1">
+            <a:schemeClr val="accent1"/>
+          </a:fillRef>
+          <a:effectRef idx="0">
+            <a:schemeClr val="accent1"/>
+          </a:effectRef>
+          <a:fontRef idx="minor">
+            <a:schemeClr val="lt1"/>
+          </a:fontRef>
+        </p:style>
+        <p:txBody>
+          <a:bodyPr rtlCol="0" anchor="ctr"/>
+          <a:lstStyle/>
+          <a:p>
+            <a:pPr algn="ctr"/>
+            <a:endParaRPr lang="en-US"/>
+          </a:p>
+        </p:txBody>
+      </p:sp>
+      <p:sp>
+        <p:nvSpPr>
+          <p:cNvPr id="30" name="Oval 29">
+            <a:extLst>
+              <a:ext uri="{FF2B5EF4-FFF2-40B4-BE49-F238E27FC236}">
+                <a16:creationId xmlns:a16="http://schemas.microsoft.com/office/drawing/2014/main" id="{D6B6B827-B309-7055-AD1A-5FBD5348449F}"/>
+              </a:ext>
+            </a:extLst>
+          </p:cNvPr>
+          <p:cNvSpPr/>
+          <p:nvPr/>
+        </p:nvSpPr>
+        <p:spPr>
+          <a:xfrm>
+            <a:off x="9805054" y="5191796"/>
+            <a:ext cx="182880" cy="182880"/>
+          </a:xfrm>
+          <a:prstGeom prst="ellipse">
+            <a:avLst/>
+          </a:prstGeom>
+          <a:solidFill>
+            <a:schemeClr val="bg1">
+              <a:lumMod val="50000"/>
+            </a:schemeClr>
+          </a:solidFill>
+          <a:ln>
+            <a:noFill/>
+          </a:ln>
+        </p:spPr>
+        <p:style>
+          <a:lnRef idx="2">
+            <a:schemeClr val="accent1">
+              <a:shade val="15000"/>
+            </a:schemeClr>
+          </a:lnRef>
+          <a:fillRef idx="1">
+            <a:schemeClr val="accent1"/>
+          </a:fillRef>
+          <a:effectRef idx="0">
+            <a:schemeClr val="accent1"/>
+          </a:effectRef>
+          <a:fontRef idx="minor">
+            <a:schemeClr val="lt1"/>
+          </a:fontRef>
+        </p:style>
+        <p:txBody>
+          <a:bodyPr rtlCol="0" anchor="ctr"/>
+          <a:lstStyle/>
+          <a:p>
+            <a:pPr algn="ctr"/>
+            <a:endParaRPr lang="en-US"/>
+          </a:p>
+        </p:txBody>
+      </p:sp>
+      <p:sp>
+        <p:nvSpPr>
+          <p:cNvPr id="31" name="Oval 30">
+            <a:extLst>
+              <a:ext uri="{FF2B5EF4-FFF2-40B4-BE49-F238E27FC236}">
+                <a16:creationId xmlns:a16="http://schemas.microsoft.com/office/drawing/2014/main" id="{9A6DDD61-4C85-B996-3FBF-78A29E2EFCC3}"/>
+              </a:ext>
+            </a:extLst>
+          </p:cNvPr>
+          <p:cNvSpPr/>
+          <p:nvPr/>
+        </p:nvSpPr>
+        <p:spPr>
+          <a:xfrm>
+            <a:off x="8315884" y="5185825"/>
+            <a:ext cx="182880" cy="182880"/>
+          </a:xfrm>
+          <a:prstGeom prst="ellipse">
+            <a:avLst/>
+          </a:prstGeom>
+          <a:solidFill>
+            <a:schemeClr val="bg1">
+              <a:lumMod val="50000"/>
+            </a:schemeClr>
+          </a:solidFill>
+          <a:ln>
+            <a:noFill/>
+          </a:ln>
+        </p:spPr>
+        <p:style>
+          <a:lnRef idx="2">
+            <a:schemeClr val="accent1">
+              <a:shade val="15000"/>
+            </a:schemeClr>
+          </a:lnRef>
+          <a:fillRef idx="1">
+            <a:schemeClr val="accent1"/>
+          </a:fillRef>
+          <a:effectRef idx="0">
+            <a:schemeClr val="accent1"/>
+          </a:effectRef>
+          <a:fontRef idx="minor">
+            <a:schemeClr val="lt1"/>
+          </a:fontRef>
+        </p:style>
+        <p:txBody>
+          <a:bodyPr rtlCol="0" anchor="ctr"/>
+          <a:lstStyle/>
+          <a:p>
+            <a:pPr algn="ctr"/>
+            <a:endParaRPr lang="en-US"/>
+          </a:p>
+        </p:txBody>
+      </p:sp>
+      <p:sp>
+        <p:nvSpPr>
+          <p:cNvPr id="32" name="Oval 31">
+            <a:extLst>
+              <a:ext uri="{FF2B5EF4-FFF2-40B4-BE49-F238E27FC236}">
+                <a16:creationId xmlns:a16="http://schemas.microsoft.com/office/drawing/2014/main" id="{C75321E2-47F8-A94C-3D9D-99A679A5855C}"/>
+              </a:ext>
+            </a:extLst>
+          </p:cNvPr>
+          <p:cNvSpPr/>
+          <p:nvPr/>
+        </p:nvSpPr>
+        <p:spPr>
+          <a:xfrm>
+            <a:off x="7519452" y="5185825"/>
+            <a:ext cx="182880" cy="182880"/>
+          </a:xfrm>
+          <a:prstGeom prst="ellipse">
+            <a:avLst/>
+          </a:prstGeom>
+          <a:solidFill>
+            <a:schemeClr val="bg1">
+              <a:lumMod val="50000"/>
+            </a:schemeClr>
+          </a:solidFill>
+          <a:ln>
+            <a:noFill/>
+          </a:ln>
+        </p:spPr>
+        <p:style>
+          <a:lnRef idx="2">
+            <a:schemeClr val="accent1">
+              <a:shade val="15000"/>
+            </a:schemeClr>
+          </a:lnRef>
+          <a:fillRef idx="1">
+            <a:schemeClr val="accent1"/>
+          </a:fillRef>
+          <a:effectRef idx="0">
+            <a:schemeClr val="accent1"/>
+          </a:effectRef>
+          <a:fontRef idx="minor">
+            <a:schemeClr val="lt1"/>
+          </a:fontRef>
+        </p:style>
+        <p:txBody>
+          <a:bodyPr rtlCol="0" anchor="ctr"/>
+          <a:lstStyle/>
+          <a:p>
+            <a:pPr algn="ctr"/>
+            <a:endParaRPr lang="en-US"/>
+          </a:p>
+        </p:txBody>
+      </p:sp>
+      <p:sp>
+        <p:nvSpPr>
+          <p:cNvPr id="33" name="Oval 32">
+            <a:extLst>
+              <a:ext uri="{FF2B5EF4-FFF2-40B4-BE49-F238E27FC236}">
+                <a16:creationId xmlns:a16="http://schemas.microsoft.com/office/drawing/2014/main" id="{FE612D4C-6AD5-765C-EEC3-C08299C8A37A}"/>
+              </a:ext>
+            </a:extLst>
+          </p:cNvPr>
+          <p:cNvSpPr/>
+          <p:nvPr/>
+        </p:nvSpPr>
+        <p:spPr>
+          <a:xfrm>
+            <a:off x="9107594" y="5185825"/>
+            <a:ext cx="182880" cy="182880"/>
+          </a:xfrm>
+          <a:prstGeom prst="ellipse">
+            <a:avLst/>
+          </a:prstGeom>
+          <a:solidFill>
+            <a:schemeClr val="bg1">
+              <a:lumMod val="50000"/>
+            </a:schemeClr>
+          </a:solidFill>
+          <a:ln>
+            <a:noFill/>
+          </a:ln>
+        </p:spPr>
+        <p:style>
+          <a:lnRef idx="2">
+            <a:schemeClr val="accent1">
+              <a:shade val="15000"/>
+            </a:schemeClr>
+          </a:lnRef>
+          <a:fillRef idx="1">
+            <a:schemeClr val="accent1"/>
+          </a:fillRef>
+          <a:effectRef idx="0">
+            <a:schemeClr val="accent1"/>
+          </a:effectRef>
+          <a:fontRef idx="minor">
+            <a:schemeClr val="lt1"/>
+          </a:fontRef>
+        </p:style>
+        <p:txBody>
+          <a:bodyPr rtlCol="0" anchor="ctr"/>
+          <a:lstStyle/>
+          <a:p>
+            <a:pPr algn="ctr"/>
+            <a:endParaRPr lang="en-US"/>
+          </a:p>
+        </p:txBody>
+      </p:sp>
+      <p:sp>
+        <p:nvSpPr>
+          <p:cNvPr id="34" name="Rounded Rectangle 33">
+            <a:extLst>
+              <a:ext uri="{FF2B5EF4-FFF2-40B4-BE49-F238E27FC236}">
+                <a16:creationId xmlns:a16="http://schemas.microsoft.com/office/drawing/2014/main" id="{0149F2B7-AF5E-0F6B-5DAC-C4377371D0F8}"/>
+              </a:ext>
+            </a:extLst>
+          </p:cNvPr>
+          <p:cNvSpPr>
+            <a:spLocks noChangeAspect="1"/>
+          </p:cNvSpPr>
+          <p:nvPr/>
+        </p:nvSpPr>
+        <p:spPr>
+          <a:xfrm>
+            <a:off x="8261002" y="5151178"/>
+            <a:ext cx="301752" cy="246812"/>
+          </a:xfrm>
+          <a:prstGeom prst="roundRect">
+            <a:avLst>
+              <a:gd name="adj" fmla="val 47093"/>
+            </a:avLst>
+          </a:prstGeom>
+          <a:solidFill>
+            <a:srgbClr val="00B050"/>
+          </a:solidFill>
+          <a:ln>
+            <a:noFill/>
+          </a:ln>
+        </p:spPr>
+        <p:style>
+          <a:lnRef idx="2">
+            <a:schemeClr val="accent1">
+              <a:shade val="15000"/>
+            </a:schemeClr>
+          </a:lnRef>
+          <a:fillRef idx="1">
+            <a:schemeClr val="accent1"/>
+          </a:fillRef>
+          <a:effectRef idx="0">
+            <a:schemeClr val="accent1"/>
+          </a:effectRef>
+          <a:fontRef idx="minor">
+            <a:schemeClr val="lt1"/>
+          </a:fontRef>
+        </p:style>
+        <p:txBody>
+          <a:bodyPr rtlCol="0" anchor="ctr"/>
+          <a:lstStyle/>
+          <a:p>
+            <a:pPr algn="ctr"/>
+            <a:endParaRPr lang="en-US" dirty="0"/>
+          </a:p>
+        </p:txBody>
+      </p:sp>
+      <p:pic>
+        <p:nvPicPr>
+          <p:cNvPr id="35" name="Graphic 34" descr="Single gear with solid fill">
+            <a:extLst>
+              <a:ext uri="{FF2B5EF4-FFF2-40B4-BE49-F238E27FC236}">
+                <a16:creationId xmlns:a16="http://schemas.microsoft.com/office/drawing/2014/main" id="{5AED2A3A-020A-AFE8-67A4-B64C1FD7BC55}"/>
+              </a:ext>
+            </a:extLst>
+          </p:cNvPr>
+          <p:cNvPicPr>
+            <a:picLocks noChangeAspect="1"/>
+          </p:cNvPicPr>
+          <p:nvPr/>
+        </p:nvPicPr>
+        <p:blipFill>
+          <a:blip r:embed="rId2">
+            <a:extLst>
+              <a:ext uri="{96DAC541-7B7A-43D3-8B79-37D633B846F1}">
+                <asvg:svgBlip xmlns:asvg="http://schemas.microsoft.com/office/drawing/2016/SVG/main" r:embed="rId3"/>
+              </a:ext>
+            </a:extLst>
+          </a:blip>
+          <a:stretch>
+            <a:fillRect/>
+          </a:stretch>
+        </p:blipFill>
+        <p:spPr>
+          <a:xfrm>
+            <a:off x="10364868" y="2373776"/>
+            <a:ext cx="529985" cy="529985"/>
+          </a:xfrm>
+          <a:prstGeom prst="rect">
+            <a:avLst/>
+          </a:prstGeom>
+        </p:spPr>
+      </p:pic>
+    </p:spTree>
+    <p:extLst>
+      <p:ext uri="{BB962C8B-B14F-4D97-AF65-F5344CB8AC3E}">
+        <p14:creationId xmlns:p14="http://schemas.microsoft.com/office/powerpoint/2010/main" val="2441480832"/>
+      </p:ext>
+    </p:extLst>
+  </p:cSld>
+  <p:clrMapOvr>
+    <a:masterClrMapping/>
+  </p:clrMapOvr>
+</p:sld>
+</file>
+
+<file path=ppt/slides/slide13.xml><?xml version="1.0" encoding="utf-8"?>
 <p:sld xmlns:a="http://schemas.openxmlformats.org/drawingml/2006/main" xmlns:r="http://schemas.openxmlformats.org/officeDocument/2006/relationships" xmlns:p="http://schemas.openxmlformats.org/presentationml/2006/main">
   <p:cSld>
     <p:bg>
@@ -6724,7 +9314,7 @@
 </p:sld>
 </file>
 
-<file path=ppt/slides/slide13.xml><?xml version="1.0" encoding="utf-8"?>
+<file path=ppt/slides/slide14.xml><?xml version="1.0" encoding="utf-8"?>
 <p:sld xmlns:a="http://schemas.openxmlformats.org/drawingml/2006/main" xmlns:r="http://schemas.openxmlformats.org/officeDocument/2006/relationships" xmlns:p="http://schemas.openxmlformats.org/presentationml/2006/main">
   <p:cSld>
     <p:bg>
@@ -7787,206 +10377,6 @@
       </p:grpSp>
       <p:sp>
         <p:nvSpPr>
-          <p:cNvPr id="3" name="Rounded Rectangle 2">
-            <a:extLst>
-              <a:ext uri="{FF2B5EF4-FFF2-40B4-BE49-F238E27FC236}">
-                <a16:creationId xmlns:a16="http://schemas.microsoft.com/office/drawing/2014/main" id="{0D1EA1C0-09D1-F790-0909-2DD07D5057E8}"/>
-              </a:ext>
-            </a:extLst>
-          </p:cNvPr>
-          <p:cNvSpPr/>
-          <p:nvPr/>
-        </p:nvSpPr>
-        <p:spPr>
-          <a:xfrm>
-            <a:off x="9091607" y="1381931"/>
-            <a:ext cx="387813" cy="2408111"/>
-          </a:xfrm>
-          <a:prstGeom prst="roundRect">
-            <a:avLst>
-              <a:gd name="adj" fmla="val 40137"/>
-            </a:avLst>
-          </a:prstGeom>
-          <a:solidFill>
-            <a:schemeClr val="tx1">
-              <a:lumMod val="75000"/>
-              <a:lumOff val="25000"/>
-            </a:schemeClr>
-          </a:solidFill>
-          <a:ln>
-            <a:noFill/>
-          </a:ln>
-        </p:spPr>
-        <p:style>
-          <a:lnRef idx="2">
-            <a:schemeClr val="accent1">
-              <a:shade val="15000"/>
-            </a:schemeClr>
-          </a:lnRef>
-          <a:fillRef idx="1">
-            <a:schemeClr val="accent1"/>
-          </a:fillRef>
-          <a:effectRef idx="0">
-            <a:schemeClr val="accent1"/>
-          </a:effectRef>
-          <a:fontRef idx="minor">
-            <a:schemeClr val="lt1"/>
-          </a:fontRef>
-        </p:style>
-        <p:txBody>
-          <a:bodyPr rtlCol="0" anchor="t"/>
-          <a:lstStyle/>
-          <a:p>
-            <a:pPr algn="ctr"/>
-            <a:r>
-              <a:rPr lang="en-US" sz="1601" dirty="0">
-                <a:solidFill>
-                  <a:schemeClr val="tx1">
-                    <a:lumMod val="50000"/>
-                    <a:lumOff val="50000"/>
-                  </a:schemeClr>
-                </a:solidFill>
-              </a:rPr>
-              <a:t>1</a:t>
-            </a:r>
-            <a:br>
-              <a:rPr lang="en-US" sz="1601" dirty="0">
-                <a:solidFill>
-                  <a:schemeClr val="tx1">
-                    <a:lumMod val="50000"/>
-                    <a:lumOff val="50000"/>
-                  </a:schemeClr>
-                </a:solidFill>
-              </a:rPr>
-            </a:br>
-            <a:r>
-              <a:rPr lang="en-US" sz="1601" dirty="0">
-                <a:solidFill>
-                  <a:schemeClr val="tx1">
-                    <a:lumMod val="50000"/>
-                    <a:lumOff val="50000"/>
-                  </a:schemeClr>
-                </a:solidFill>
-              </a:rPr>
-              <a:t>2</a:t>
-            </a:r>
-            <a:br>
-              <a:rPr lang="en-US" sz="1601" dirty="0">
-                <a:solidFill>
-                  <a:schemeClr val="tx1">
-                    <a:lumMod val="50000"/>
-                    <a:lumOff val="50000"/>
-                  </a:schemeClr>
-                </a:solidFill>
-              </a:rPr>
-            </a:br>
-            <a:r>
-              <a:rPr lang="en-US" sz="1601" dirty="0">
-                <a:solidFill>
-                  <a:schemeClr val="tx1">
-                    <a:lumMod val="50000"/>
-                    <a:lumOff val="50000"/>
-                  </a:schemeClr>
-                </a:solidFill>
-              </a:rPr>
-              <a:t>3</a:t>
-            </a:r>
-            <a:br>
-              <a:rPr lang="en-US" sz="1601" dirty="0">
-                <a:solidFill>
-                  <a:schemeClr val="tx1">
-                    <a:lumMod val="50000"/>
-                    <a:lumOff val="50000"/>
-                  </a:schemeClr>
-                </a:solidFill>
-              </a:rPr>
-            </a:br>
-            <a:r>
-              <a:rPr lang="en-US" sz="1601" dirty="0">
-                <a:solidFill>
-                  <a:schemeClr val="tx1">
-                    <a:lumMod val="50000"/>
-                    <a:lumOff val="50000"/>
-                  </a:schemeClr>
-                </a:solidFill>
-              </a:rPr>
-              <a:t>4</a:t>
-            </a:r>
-          </a:p>
-          <a:p>
-            <a:pPr algn="ctr"/>
-            <a:r>
-              <a:rPr lang="en-US" sz="1601" dirty="0">
-                <a:solidFill>
-                  <a:schemeClr val="tx1">
-                    <a:lumMod val="50000"/>
-                    <a:lumOff val="50000"/>
-                  </a:schemeClr>
-                </a:solidFill>
-              </a:rPr>
-              <a:t>5</a:t>
-            </a:r>
-          </a:p>
-          <a:p>
-            <a:pPr algn="ctr"/>
-            <a:r>
-              <a:rPr lang="en-US" sz="1601" dirty="0">
-                <a:solidFill>
-                  <a:schemeClr val="tx1">
-                    <a:lumMod val="50000"/>
-                    <a:lumOff val="50000"/>
-                  </a:schemeClr>
-                </a:solidFill>
-              </a:rPr>
-              <a:t>6</a:t>
-            </a:r>
-          </a:p>
-          <a:p>
-            <a:pPr algn="ctr"/>
-            <a:r>
-              <a:rPr lang="en-US" sz="1601" dirty="0">
-                <a:solidFill>
-                  <a:schemeClr val="tx1">
-                    <a:lumMod val="50000"/>
-                    <a:lumOff val="50000"/>
-                  </a:schemeClr>
-                </a:solidFill>
-              </a:rPr>
-              <a:t>7</a:t>
-            </a:r>
-          </a:p>
-          <a:p>
-            <a:pPr algn="ctr"/>
-            <a:r>
-              <a:rPr lang="en-US" sz="1601" dirty="0">
-                <a:solidFill>
-                  <a:schemeClr val="tx1">
-                    <a:lumMod val="50000"/>
-                    <a:lumOff val="50000"/>
-                  </a:schemeClr>
-                </a:solidFill>
-              </a:rPr>
-              <a:t>8</a:t>
-            </a:r>
-          </a:p>
-          <a:p>
-            <a:pPr algn="ctr"/>
-            <a:r>
-              <a:rPr lang="en-US" sz="1601" dirty="0">
-                <a:solidFill>
-                  <a:schemeClr val="tx1">
-                    <a:lumMod val="50000"/>
-                    <a:lumOff val="50000"/>
-                  </a:schemeClr>
-                </a:solidFill>
-              </a:rPr>
-              <a:t>9</a:t>
-            </a:r>
-          </a:p>
-        </p:txBody>
-      </p:sp>
-      <p:sp>
-        <p:nvSpPr>
           <p:cNvPr id="15" name="Rounded Rectangle 14">
             <a:extLst>
               <a:ext uri="{FF2B5EF4-FFF2-40B4-BE49-F238E27FC236}">
@@ -8530,7 +10920,7 @@
 </p:sld>
 </file>
 
-<file path=ppt/slides/slide14.xml><?xml version="1.0" encoding="utf-8"?>
+<file path=ppt/slides/slide15.xml><?xml version="1.0" encoding="utf-8"?>
 <p:sld xmlns:a="http://schemas.openxmlformats.org/drawingml/2006/main" xmlns:r="http://schemas.openxmlformats.org/officeDocument/2006/relationships" xmlns:p="http://schemas.openxmlformats.org/presentationml/2006/main">
   <p:cSld>
     <p:spTree>
@@ -9744,6 +12134,1073 @@
         <p:cNvPr id="1" name="">
           <a:extLst>
             <a:ext uri="{FF2B5EF4-FFF2-40B4-BE49-F238E27FC236}">
+              <a16:creationId xmlns:a16="http://schemas.microsoft.com/office/drawing/2014/main" id="{0FA61C7E-F19C-2FEB-266F-B8F7BE862F4A}"/>
+            </a:ext>
+          </a:extLst>
+        </p:cNvPr>
+        <p:cNvGrpSpPr/>
+        <p:nvPr/>
+      </p:nvGrpSpPr>
+      <p:grpSpPr>
+        <a:xfrm>
+          <a:off x="0" y="0"/>
+          <a:ext cx="0" cy="0"/>
+          <a:chOff x="0" y="0"/>
+          <a:chExt cx="0" cy="0"/>
+        </a:xfrm>
+      </p:grpSpPr>
+      <p:sp>
+        <p:nvSpPr>
+          <p:cNvPr id="4" name="Rectangle 3">
+            <a:extLst>
+              <a:ext uri="{FF2B5EF4-FFF2-40B4-BE49-F238E27FC236}">
+                <a16:creationId xmlns:a16="http://schemas.microsoft.com/office/drawing/2014/main" id="{ACC07A37-4ACE-D72D-EA94-93A41EEFA7DB}"/>
+              </a:ext>
+            </a:extLst>
+          </p:cNvPr>
+          <p:cNvSpPr/>
+          <p:nvPr/>
+        </p:nvSpPr>
+        <p:spPr>
+          <a:xfrm>
+            <a:off x="-1" y="1"/>
+            <a:ext cx="12192001" cy="609600"/>
+          </a:xfrm>
+          <a:prstGeom prst="rect">
+            <a:avLst/>
+          </a:prstGeom>
+          <a:solidFill>
+            <a:schemeClr val="tx1">
+              <a:lumMod val="75000"/>
+              <a:lumOff val="25000"/>
+            </a:schemeClr>
+          </a:solidFill>
+          <a:ln w="6350">
+            <a:noFill/>
+          </a:ln>
+        </p:spPr>
+        <p:style>
+          <a:lnRef idx="2">
+            <a:schemeClr val="accent1">
+              <a:shade val="15000"/>
+            </a:schemeClr>
+          </a:lnRef>
+          <a:fillRef idx="1">
+            <a:schemeClr val="accent1"/>
+          </a:fillRef>
+          <a:effectRef idx="0">
+            <a:schemeClr val="accent1"/>
+          </a:effectRef>
+          <a:fontRef idx="minor">
+            <a:schemeClr val="lt1"/>
+          </a:fontRef>
+        </p:style>
+        <p:txBody>
+          <a:bodyPr rtlCol="0" anchor="ctr"/>
+          <a:lstStyle/>
+          <a:p>
+            <a:pPr algn="ctr"/>
+            <a:endParaRPr lang="en-US" dirty="0"/>
+          </a:p>
+        </p:txBody>
+      </p:sp>
+      <p:sp>
+        <p:nvSpPr>
+          <p:cNvPr id="5" name="TextBox 4">
+            <a:extLst>
+              <a:ext uri="{FF2B5EF4-FFF2-40B4-BE49-F238E27FC236}">
+                <a16:creationId xmlns:a16="http://schemas.microsoft.com/office/drawing/2014/main" id="{E60B949C-9C3D-4D5E-5DD1-2F56E63AFCC0}"/>
+              </a:ext>
+            </a:extLst>
+          </p:cNvPr>
+          <p:cNvSpPr txBox="1"/>
+          <p:nvPr/>
+        </p:nvSpPr>
+        <p:spPr>
+          <a:xfrm>
+            <a:off x="552269" y="115668"/>
+            <a:ext cx="1439818" cy="369332"/>
+          </a:xfrm>
+          <a:prstGeom prst="rect">
+            <a:avLst/>
+          </a:prstGeom>
+          <a:noFill/>
+        </p:spPr>
+        <p:txBody>
+          <a:bodyPr wrap="none" rtlCol="0">
+            <a:spAutoFit/>
+          </a:bodyPr>
+          <a:lstStyle/>
+          <a:p>
+            <a:r>
+              <a:rPr lang="en-US" b="1" dirty="0">
+                <a:solidFill>
+                  <a:schemeClr val="bg1">
+                    <a:lumMod val="75000"/>
+                  </a:schemeClr>
+                </a:solidFill>
+                <a:latin typeface="JetBrains Mono" panose="02000009000000000000" pitchFamily="49" charset="0"/>
+                <a:ea typeface="JetBrains Mono" panose="02000009000000000000" pitchFamily="49" charset="0"/>
+                <a:cs typeface="JetBrains Mono" panose="02000009000000000000" pitchFamily="49" charset="0"/>
+              </a:rPr>
+              <a:t>Al-Qur’an</a:t>
+            </a:r>
+          </a:p>
+        </p:txBody>
+      </p:sp>
+      <p:sp>
+        <p:nvSpPr>
+          <p:cNvPr id="6" name="Rounded Rectangle 5">
+            <a:extLst>
+              <a:ext uri="{FF2B5EF4-FFF2-40B4-BE49-F238E27FC236}">
+                <a16:creationId xmlns:a16="http://schemas.microsoft.com/office/drawing/2014/main" id="{3D607F17-690C-278F-31B8-FAFA8DC5FD3C}"/>
+              </a:ext>
+            </a:extLst>
+          </p:cNvPr>
+          <p:cNvSpPr/>
+          <p:nvPr/>
+        </p:nvSpPr>
+        <p:spPr>
+          <a:xfrm>
+            <a:off x="2612572" y="60070"/>
+            <a:ext cx="6966856" cy="489467"/>
+          </a:xfrm>
+          <a:prstGeom prst="roundRect">
+            <a:avLst>
+              <a:gd name="adj" fmla="val 50000"/>
+            </a:avLst>
+          </a:prstGeom>
+          <a:solidFill>
+            <a:srgbClr val="161618"/>
+          </a:solidFill>
+          <a:ln>
+            <a:noFill/>
+          </a:ln>
+        </p:spPr>
+        <p:style>
+          <a:lnRef idx="2">
+            <a:schemeClr val="accent1">
+              <a:shade val="15000"/>
+            </a:schemeClr>
+          </a:lnRef>
+          <a:fillRef idx="1">
+            <a:schemeClr val="accent1"/>
+          </a:fillRef>
+          <a:effectRef idx="0">
+            <a:schemeClr val="accent1"/>
+          </a:effectRef>
+          <a:fontRef idx="minor">
+            <a:schemeClr val="lt1"/>
+          </a:fontRef>
+        </p:style>
+        <p:txBody>
+          <a:bodyPr rtlCol="0" anchor="ctr"/>
+          <a:lstStyle/>
+          <a:p>
+            <a:pPr algn="ctr"/>
+            <a:endParaRPr lang="en-US"/>
+          </a:p>
+        </p:txBody>
+      </p:sp>
+      <p:sp>
+        <p:nvSpPr>
+          <p:cNvPr id="2" name="TextBox 1">
+            <a:extLst>
+              <a:ext uri="{FF2B5EF4-FFF2-40B4-BE49-F238E27FC236}">
+                <a16:creationId xmlns:a16="http://schemas.microsoft.com/office/drawing/2014/main" id="{26D37614-DA92-FAD3-7D8D-A84BEC28D3B9}"/>
+              </a:ext>
+            </a:extLst>
+          </p:cNvPr>
+          <p:cNvSpPr txBox="1"/>
+          <p:nvPr/>
+        </p:nvSpPr>
+        <p:spPr>
+          <a:xfrm>
+            <a:off x="2862944" y="115669"/>
+            <a:ext cx="1390080" cy="369332"/>
+          </a:xfrm>
+          <a:prstGeom prst="rect">
+            <a:avLst/>
+          </a:prstGeom>
+          <a:noFill/>
+        </p:spPr>
+        <p:txBody>
+          <a:bodyPr wrap="square">
+            <a:spAutoFit/>
+          </a:bodyPr>
+          <a:lstStyle/>
+          <a:p>
+            <a:r>
+              <a:rPr lang="en-US" dirty="0">
+                <a:solidFill>
+                  <a:schemeClr val="bg1">
+                    <a:lumMod val="85000"/>
+                  </a:schemeClr>
+                </a:solidFill>
+                <a:latin typeface="ui-sans-serif"/>
+              </a:rPr>
+              <a:t>Al-Fatihah</a:t>
+            </a:r>
+            <a:endParaRPr lang="en-US" dirty="0">
+              <a:solidFill>
+                <a:schemeClr val="bg1">
+                  <a:lumMod val="85000"/>
+                </a:schemeClr>
+              </a:solidFill>
+            </a:endParaRPr>
+          </a:p>
+        </p:txBody>
+      </p:sp>
+      <p:sp>
+        <p:nvSpPr>
+          <p:cNvPr id="3" name="Rounded Rectangle 2">
+            <a:extLst>
+              <a:ext uri="{FF2B5EF4-FFF2-40B4-BE49-F238E27FC236}">
+                <a16:creationId xmlns:a16="http://schemas.microsoft.com/office/drawing/2014/main" id="{2A7F1B6C-E0DF-0051-BD49-A6381468FB4A}"/>
+              </a:ext>
+            </a:extLst>
+          </p:cNvPr>
+          <p:cNvSpPr/>
+          <p:nvPr/>
+        </p:nvSpPr>
+        <p:spPr>
+          <a:xfrm>
+            <a:off x="8414658" y="118849"/>
+            <a:ext cx="1088573" cy="365760"/>
+          </a:xfrm>
+          <a:prstGeom prst="roundRect">
+            <a:avLst>
+              <a:gd name="adj" fmla="val 50000"/>
+            </a:avLst>
+          </a:prstGeom>
+          <a:solidFill>
+            <a:schemeClr val="tx1">
+              <a:lumMod val="75000"/>
+              <a:lumOff val="25000"/>
+            </a:schemeClr>
+          </a:solidFill>
+          <a:ln>
+            <a:noFill/>
+          </a:ln>
+        </p:spPr>
+        <p:style>
+          <a:lnRef idx="2">
+            <a:schemeClr val="accent1">
+              <a:shade val="15000"/>
+            </a:schemeClr>
+          </a:lnRef>
+          <a:fillRef idx="1">
+            <a:schemeClr val="accent1"/>
+          </a:fillRef>
+          <a:effectRef idx="0">
+            <a:schemeClr val="accent1"/>
+          </a:effectRef>
+          <a:fontRef idx="minor">
+            <a:schemeClr val="lt1"/>
+          </a:fontRef>
+        </p:style>
+        <p:txBody>
+          <a:bodyPr rtlCol="0" anchor="ctr"/>
+          <a:lstStyle/>
+          <a:p>
+            <a:pPr algn="ctr"/>
+            <a:r>
+              <a:rPr lang="en-US" sz="1601" dirty="0">
+                <a:solidFill>
+                  <a:schemeClr val="tx1">
+                    <a:lumMod val="50000"/>
+                    <a:lumOff val="50000"/>
+                  </a:schemeClr>
+                </a:solidFill>
+                <a:latin typeface="ui-sans-serif"/>
+              </a:rPr>
+              <a:t>7 Verses</a:t>
+            </a:r>
+            <a:endParaRPr lang="en-US" sz="1601" dirty="0">
+              <a:solidFill>
+                <a:schemeClr val="tx1">
+                  <a:lumMod val="50000"/>
+                  <a:lumOff val="50000"/>
+                </a:schemeClr>
+              </a:solidFill>
+            </a:endParaRPr>
+          </a:p>
+        </p:txBody>
+      </p:sp>
+      <p:sp>
+        <p:nvSpPr>
+          <p:cNvPr id="9" name="TextBox 8">
+            <a:extLst>
+              <a:ext uri="{FF2B5EF4-FFF2-40B4-BE49-F238E27FC236}">
+                <a16:creationId xmlns:a16="http://schemas.microsoft.com/office/drawing/2014/main" id="{72645CCA-B5F8-FDB1-D5CA-0D84573124CA}"/>
+              </a:ext>
+            </a:extLst>
+          </p:cNvPr>
+          <p:cNvSpPr txBox="1"/>
+          <p:nvPr/>
+        </p:nvSpPr>
+        <p:spPr>
+          <a:xfrm>
+            <a:off x="5540828" y="115671"/>
+            <a:ext cx="816429" cy="461793"/>
+          </a:xfrm>
+          <a:prstGeom prst="rect">
+            <a:avLst/>
+          </a:prstGeom>
+          <a:noFill/>
+        </p:spPr>
+        <p:txBody>
+          <a:bodyPr wrap="square">
+            <a:spAutoFit/>
+          </a:bodyPr>
+          <a:lstStyle/>
+          <a:p>
+            <a:r>
+              <a:rPr lang="ar-AE" sz="2401" dirty="0">
+                <a:solidFill>
+                  <a:schemeClr val="accent6">
+                    <a:lumMod val="75000"/>
+                  </a:schemeClr>
+                </a:solidFill>
+                <a:latin typeface="Amiri"/>
+              </a:rPr>
+              <a:t>الفاتحة</a:t>
+            </a:r>
+            <a:endParaRPr lang="en-US" dirty="0">
+              <a:solidFill>
+                <a:schemeClr val="accent6">
+                  <a:lumMod val="75000"/>
+                </a:schemeClr>
+              </a:solidFill>
+            </a:endParaRPr>
+          </a:p>
+        </p:txBody>
+      </p:sp>
+      <p:pic>
+        <p:nvPicPr>
+          <p:cNvPr id="10" name="Graphic 9" descr="Single gear with solid fill">
+            <a:extLst>
+              <a:ext uri="{FF2B5EF4-FFF2-40B4-BE49-F238E27FC236}">
+                <a16:creationId xmlns:a16="http://schemas.microsoft.com/office/drawing/2014/main" id="{54281594-3E48-EAD2-399A-E1DF616876BB}"/>
+              </a:ext>
+            </a:extLst>
+          </p:cNvPr>
+          <p:cNvPicPr>
+            <a:picLocks noChangeAspect="1"/>
+          </p:cNvPicPr>
+          <p:nvPr/>
+        </p:nvPicPr>
+        <p:blipFill>
+          <a:blip r:embed="rId2">
+            <a:extLst>
+              <a:ext uri="{96DAC541-7B7A-43D3-8B79-37D633B846F1}">
+                <asvg:svgBlip xmlns:asvg="http://schemas.microsoft.com/office/drawing/2016/SVG/main" r:embed="rId3"/>
+              </a:ext>
+            </a:extLst>
+          </a:blip>
+          <a:stretch>
+            <a:fillRect/>
+          </a:stretch>
+        </p:blipFill>
+        <p:spPr>
+          <a:xfrm>
+            <a:off x="11636828" y="54037"/>
+            <a:ext cx="457200" cy="457200"/>
+          </a:xfrm>
+          <a:prstGeom prst="rect">
+            <a:avLst/>
+          </a:prstGeom>
+        </p:spPr>
+      </p:pic>
+      <p:pic>
+        <p:nvPicPr>
+          <p:cNvPr id="11" name="Graphic 10">
+            <a:extLst>
+              <a:ext uri="{FF2B5EF4-FFF2-40B4-BE49-F238E27FC236}">
+                <a16:creationId xmlns:a16="http://schemas.microsoft.com/office/drawing/2014/main" id="{DBAF2174-2EC0-BC60-EB4A-39D39B7DF393}"/>
+              </a:ext>
+            </a:extLst>
+          </p:cNvPr>
+          <p:cNvPicPr>
+            <a:picLocks noChangeAspect="1"/>
+          </p:cNvPicPr>
+          <p:nvPr/>
+        </p:nvPicPr>
+        <p:blipFill>
+          <a:blip r:embed="rId4">
+            <a:extLst>
+              <a:ext uri="{96DAC541-7B7A-43D3-8B79-37D633B846F1}">
+                <asvg:svgBlip xmlns:asvg="http://schemas.microsoft.com/office/drawing/2016/SVG/main" r:embed="rId5"/>
+              </a:ext>
+            </a:extLst>
+          </a:blip>
+          <a:stretch>
+            <a:fillRect/>
+          </a:stretch>
+        </p:blipFill>
+        <p:spPr>
+          <a:xfrm>
+            <a:off x="97972" y="73720"/>
+            <a:ext cx="454297" cy="454297"/>
+          </a:xfrm>
+          <a:prstGeom prst="rect">
+            <a:avLst/>
+          </a:prstGeom>
+        </p:spPr>
+      </p:pic>
+      <p:sp>
+        <p:nvSpPr>
+          <p:cNvPr id="13" name="TextBox 12">
+            <a:extLst>
+              <a:ext uri="{FF2B5EF4-FFF2-40B4-BE49-F238E27FC236}">
+                <a16:creationId xmlns:a16="http://schemas.microsoft.com/office/drawing/2014/main" id="{F32247A3-C1FB-F5B7-336F-DDA33385E421}"/>
+              </a:ext>
+            </a:extLst>
+          </p:cNvPr>
+          <p:cNvSpPr txBox="1"/>
+          <p:nvPr/>
+        </p:nvSpPr>
+        <p:spPr>
+          <a:xfrm>
+            <a:off x="209226" y="5432947"/>
+            <a:ext cx="2125903" cy="1200329"/>
+          </a:xfrm>
+          <a:prstGeom prst="rect">
+            <a:avLst/>
+          </a:prstGeom>
+          <a:noFill/>
+        </p:spPr>
+        <p:txBody>
+          <a:bodyPr wrap="none" rtlCol="0">
+            <a:spAutoFit/>
+          </a:bodyPr>
+          <a:lstStyle/>
+          <a:p>
+            <a:r>
+              <a:rPr lang="en-US" sz="3600" b="1" dirty="0">
+                <a:solidFill>
+                  <a:schemeClr val="bg1">
+                    <a:lumMod val="75000"/>
+                  </a:schemeClr>
+                </a:solidFill>
+                <a:latin typeface="JetBrains Mono" panose="02000009000000000000" pitchFamily="49" charset="0"/>
+                <a:ea typeface="JetBrains Mono" panose="02000009000000000000" pitchFamily="49" charset="0"/>
+                <a:cs typeface="JetBrains Mono" panose="02000009000000000000" pitchFamily="49" charset="0"/>
+              </a:rPr>
+              <a:t>Desktop</a:t>
+            </a:r>
+          </a:p>
+          <a:p>
+            <a:r>
+              <a:rPr lang="en-US" sz="3600" b="1" dirty="0">
+                <a:solidFill>
+                  <a:schemeClr val="bg1">
+                    <a:lumMod val="75000"/>
+                  </a:schemeClr>
+                </a:solidFill>
+                <a:latin typeface="JetBrains Mono" panose="02000009000000000000" pitchFamily="49" charset="0"/>
+                <a:ea typeface="JetBrains Mono" panose="02000009000000000000" pitchFamily="49" charset="0"/>
+                <a:cs typeface="JetBrains Mono" panose="02000009000000000000" pitchFamily="49" charset="0"/>
+              </a:rPr>
+              <a:t> View</a:t>
+            </a:r>
+          </a:p>
+        </p:txBody>
+      </p:sp>
+    </p:spTree>
+    <p:extLst>
+      <p:ext uri="{BB962C8B-B14F-4D97-AF65-F5344CB8AC3E}">
+        <p14:creationId xmlns:p14="http://schemas.microsoft.com/office/powerpoint/2010/main" val="3830082538"/>
+      </p:ext>
+    </p:extLst>
+  </p:cSld>
+  <p:clrMapOvr>
+    <a:masterClrMapping/>
+  </p:clrMapOvr>
+</p:sld>
+</file>
+
+<file path=ppt/slides/slide5.xml><?xml version="1.0" encoding="utf-8"?>
+<p:sld xmlns:a="http://schemas.openxmlformats.org/drawingml/2006/main" xmlns:r="http://schemas.openxmlformats.org/officeDocument/2006/relationships" xmlns:p="http://schemas.openxmlformats.org/presentationml/2006/main">
+  <p:cSld>
+    <p:bg>
+      <p:bgPr>
+        <a:solidFill>
+          <a:srgbClr val="161618"/>
+        </a:solidFill>
+        <a:effectLst/>
+      </p:bgPr>
+    </p:bg>
+    <p:spTree>
+      <p:nvGrpSpPr>
+        <p:cNvPr id="1" name="">
+          <a:extLst>
+            <a:ext uri="{FF2B5EF4-FFF2-40B4-BE49-F238E27FC236}">
+              <a16:creationId xmlns:a16="http://schemas.microsoft.com/office/drawing/2014/main" id="{AB9004CB-D682-0A70-498F-555D2E94A97B}"/>
+            </a:ext>
+          </a:extLst>
+        </p:cNvPr>
+        <p:cNvGrpSpPr/>
+        <p:nvPr/>
+      </p:nvGrpSpPr>
+      <p:grpSpPr>
+        <a:xfrm>
+          <a:off x="0" y="0"/>
+          <a:ext cx="0" cy="0"/>
+          <a:chOff x="0" y="0"/>
+          <a:chExt cx="0" cy="0"/>
+        </a:xfrm>
+      </p:grpSpPr>
+      <p:sp>
+        <p:nvSpPr>
+          <p:cNvPr id="4" name="Rectangle 3">
+            <a:extLst>
+              <a:ext uri="{FF2B5EF4-FFF2-40B4-BE49-F238E27FC236}">
+                <a16:creationId xmlns:a16="http://schemas.microsoft.com/office/drawing/2014/main" id="{A5CC334D-8CC0-5BF8-2052-1B4312155A01}"/>
+              </a:ext>
+            </a:extLst>
+          </p:cNvPr>
+          <p:cNvSpPr/>
+          <p:nvPr/>
+        </p:nvSpPr>
+        <p:spPr>
+          <a:xfrm>
+            <a:off x="0" y="1"/>
+            <a:ext cx="4038604" cy="609600"/>
+          </a:xfrm>
+          <a:prstGeom prst="rect">
+            <a:avLst/>
+          </a:prstGeom>
+          <a:solidFill>
+            <a:schemeClr val="tx1">
+              <a:lumMod val="75000"/>
+              <a:lumOff val="25000"/>
+            </a:schemeClr>
+          </a:solidFill>
+          <a:ln w="6350">
+            <a:noFill/>
+          </a:ln>
+        </p:spPr>
+        <p:style>
+          <a:lnRef idx="2">
+            <a:schemeClr val="accent1">
+              <a:shade val="15000"/>
+            </a:schemeClr>
+          </a:lnRef>
+          <a:fillRef idx="1">
+            <a:schemeClr val="accent1"/>
+          </a:fillRef>
+          <a:effectRef idx="0">
+            <a:schemeClr val="accent1"/>
+          </a:effectRef>
+          <a:fontRef idx="minor">
+            <a:schemeClr val="lt1"/>
+          </a:fontRef>
+        </p:style>
+        <p:txBody>
+          <a:bodyPr rtlCol="0" anchor="ctr"/>
+          <a:lstStyle/>
+          <a:p>
+            <a:pPr algn="ctr"/>
+            <a:endParaRPr lang="en-US" dirty="0"/>
+          </a:p>
+        </p:txBody>
+      </p:sp>
+      <p:sp>
+        <p:nvSpPr>
+          <p:cNvPr id="6" name="Rounded Rectangle 5">
+            <a:extLst>
+              <a:ext uri="{FF2B5EF4-FFF2-40B4-BE49-F238E27FC236}">
+                <a16:creationId xmlns:a16="http://schemas.microsoft.com/office/drawing/2014/main" id="{2E5FF711-1A39-6938-D7A5-BCE12044FB0F}"/>
+              </a:ext>
+            </a:extLst>
+          </p:cNvPr>
+          <p:cNvSpPr/>
+          <p:nvPr/>
+        </p:nvSpPr>
+        <p:spPr>
+          <a:xfrm>
+            <a:off x="589193" y="74636"/>
+            <a:ext cx="2860216" cy="457200"/>
+          </a:xfrm>
+          <a:prstGeom prst="roundRect">
+            <a:avLst>
+              <a:gd name="adj" fmla="val 50000"/>
+            </a:avLst>
+          </a:prstGeom>
+          <a:solidFill>
+            <a:srgbClr val="161618"/>
+          </a:solidFill>
+          <a:ln>
+            <a:noFill/>
+          </a:ln>
+        </p:spPr>
+        <p:style>
+          <a:lnRef idx="2">
+            <a:schemeClr val="accent1">
+              <a:shade val="15000"/>
+            </a:schemeClr>
+          </a:lnRef>
+          <a:fillRef idx="1">
+            <a:schemeClr val="accent1"/>
+          </a:fillRef>
+          <a:effectRef idx="0">
+            <a:schemeClr val="accent1"/>
+          </a:effectRef>
+          <a:fontRef idx="minor">
+            <a:schemeClr val="lt1"/>
+          </a:fontRef>
+        </p:style>
+        <p:txBody>
+          <a:bodyPr rtlCol="0" anchor="ctr"/>
+          <a:lstStyle/>
+          <a:p>
+            <a:pPr algn="ctr"/>
+            <a:endParaRPr lang="en-US" sz="1400" dirty="0">
+              <a:solidFill>
+                <a:schemeClr val="tx1">
+                  <a:lumMod val="75000"/>
+                  <a:lumOff val="25000"/>
+                </a:schemeClr>
+              </a:solidFill>
+            </a:endParaRPr>
+          </a:p>
+        </p:txBody>
+      </p:sp>
+      <p:pic>
+        <p:nvPicPr>
+          <p:cNvPr id="19" name="Graphic 18">
+            <a:extLst>
+              <a:ext uri="{FF2B5EF4-FFF2-40B4-BE49-F238E27FC236}">
+                <a16:creationId xmlns:a16="http://schemas.microsoft.com/office/drawing/2014/main" id="{B3CAB742-96AC-C46F-D324-EB2F108CB753}"/>
+              </a:ext>
+            </a:extLst>
+          </p:cNvPr>
+          <p:cNvPicPr>
+            <a:picLocks noChangeAspect="1"/>
+          </p:cNvPicPr>
+          <p:nvPr/>
+        </p:nvPicPr>
+        <p:blipFill>
+          <a:blip r:embed="rId2">
+            <a:extLst>
+              <a:ext uri="{96DAC541-7B7A-43D3-8B79-37D633B846F1}">
+                <asvg:svgBlip xmlns:asvg="http://schemas.microsoft.com/office/drawing/2016/SVG/main" r:embed="rId3"/>
+              </a:ext>
+            </a:extLst>
+          </a:blip>
+          <a:stretch>
+            <a:fillRect/>
+          </a:stretch>
+        </p:blipFill>
+        <p:spPr>
+          <a:xfrm>
+            <a:off x="64828" y="120356"/>
+            <a:ext cx="365760" cy="365760"/>
+          </a:xfrm>
+          <a:prstGeom prst="rect">
+            <a:avLst/>
+          </a:prstGeom>
+        </p:spPr>
+      </p:pic>
+      <p:sp>
+        <p:nvSpPr>
+          <p:cNvPr id="3" name="Rectangle 2">
+            <a:extLst>
+              <a:ext uri="{FF2B5EF4-FFF2-40B4-BE49-F238E27FC236}">
+                <a16:creationId xmlns:a16="http://schemas.microsoft.com/office/drawing/2014/main" id="{C696C3BB-F4C5-20E9-D9AC-9C53F2D91D3F}"/>
+              </a:ext>
+            </a:extLst>
+          </p:cNvPr>
+          <p:cNvSpPr/>
+          <p:nvPr/>
+        </p:nvSpPr>
+        <p:spPr>
+          <a:xfrm>
+            <a:off x="0" y="0"/>
+            <a:ext cx="4038603" cy="6857999"/>
+          </a:xfrm>
+          <a:prstGeom prst="rect">
+            <a:avLst/>
+          </a:prstGeom>
+          <a:noFill/>
+          <a:ln>
+            <a:solidFill>
+              <a:schemeClr val="bg1"/>
+            </a:solidFill>
+          </a:ln>
+        </p:spPr>
+        <p:style>
+          <a:lnRef idx="2">
+            <a:schemeClr val="accent1">
+              <a:shade val="15000"/>
+            </a:schemeClr>
+          </a:lnRef>
+          <a:fillRef idx="1">
+            <a:schemeClr val="accent1"/>
+          </a:fillRef>
+          <a:effectRef idx="0">
+            <a:schemeClr val="accent1"/>
+          </a:effectRef>
+          <a:fontRef idx="minor">
+            <a:schemeClr val="lt1"/>
+          </a:fontRef>
+        </p:style>
+        <p:txBody>
+          <a:bodyPr rtlCol="0" anchor="ctr"/>
+          <a:lstStyle/>
+          <a:p>
+            <a:pPr algn="ctr"/>
+            <a:endParaRPr lang="en-US"/>
+          </a:p>
+        </p:txBody>
+      </p:sp>
+      <p:pic>
+        <p:nvPicPr>
+          <p:cNvPr id="5" name="Graphic 4" descr="Single gear with solid fill">
+            <a:extLst>
+              <a:ext uri="{FF2B5EF4-FFF2-40B4-BE49-F238E27FC236}">
+                <a16:creationId xmlns:a16="http://schemas.microsoft.com/office/drawing/2014/main" id="{3ABC261E-84AC-3A44-579B-D894BF6748C5}"/>
+              </a:ext>
+            </a:extLst>
+          </p:cNvPr>
+          <p:cNvPicPr>
+            <a:picLocks noChangeAspect="1"/>
+          </p:cNvPicPr>
+          <p:nvPr/>
+        </p:nvPicPr>
+        <p:blipFill>
+          <a:blip r:embed="rId4">
+            <a:extLst>
+              <a:ext uri="{96DAC541-7B7A-43D3-8B79-37D633B846F1}">
+                <asvg:svgBlip xmlns:asvg="http://schemas.microsoft.com/office/drawing/2016/SVG/main" r:embed="rId5"/>
+              </a:ext>
+            </a:extLst>
+          </a:blip>
+          <a:stretch>
+            <a:fillRect/>
+          </a:stretch>
+        </p:blipFill>
+        <p:spPr>
+          <a:xfrm>
+            <a:off x="3620226" y="120356"/>
+            <a:ext cx="365760" cy="365760"/>
+          </a:xfrm>
+          <a:prstGeom prst="rect">
+            <a:avLst/>
+          </a:prstGeom>
+        </p:spPr>
+      </p:pic>
+      <p:sp>
+        <p:nvSpPr>
+          <p:cNvPr id="7" name="TextBox 6">
+            <a:extLst>
+              <a:ext uri="{FF2B5EF4-FFF2-40B4-BE49-F238E27FC236}">
+                <a16:creationId xmlns:a16="http://schemas.microsoft.com/office/drawing/2014/main" id="{1D59232F-8CB2-338C-E8EB-9AA07B33DB4A}"/>
+              </a:ext>
+            </a:extLst>
+          </p:cNvPr>
+          <p:cNvSpPr txBox="1"/>
+          <p:nvPr/>
+        </p:nvSpPr>
+        <p:spPr>
+          <a:xfrm>
+            <a:off x="589192" y="127378"/>
+            <a:ext cx="1390080" cy="338554"/>
+          </a:xfrm>
+          <a:prstGeom prst="rect">
+            <a:avLst/>
+          </a:prstGeom>
+          <a:noFill/>
+        </p:spPr>
+        <p:txBody>
+          <a:bodyPr wrap="square">
+            <a:spAutoFit/>
+          </a:bodyPr>
+          <a:lstStyle/>
+          <a:p>
+            <a:r>
+              <a:rPr lang="en-US" sz="1600" dirty="0">
+                <a:solidFill>
+                  <a:schemeClr val="bg1">
+                    <a:lumMod val="85000"/>
+                  </a:schemeClr>
+                </a:solidFill>
+                <a:latin typeface="ui-sans-serif"/>
+              </a:rPr>
+              <a:t>Al-Fatihah</a:t>
+            </a:r>
+            <a:endParaRPr lang="en-US" sz="1400" dirty="0">
+              <a:solidFill>
+                <a:schemeClr val="bg1">
+                  <a:lumMod val="85000"/>
+                </a:schemeClr>
+              </a:solidFill>
+            </a:endParaRPr>
+          </a:p>
+        </p:txBody>
+      </p:sp>
+      <p:sp>
+        <p:nvSpPr>
+          <p:cNvPr id="8" name="Rounded Rectangle 7">
+            <a:extLst>
+              <a:ext uri="{FF2B5EF4-FFF2-40B4-BE49-F238E27FC236}">
+                <a16:creationId xmlns:a16="http://schemas.microsoft.com/office/drawing/2014/main" id="{1D8E0B05-679D-1BC7-41CF-87CBB9C885C2}"/>
+              </a:ext>
+            </a:extLst>
+          </p:cNvPr>
+          <p:cNvSpPr/>
+          <p:nvPr/>
+        </p:nvSpPr>
+        <p:spPr>
+          <a:xfrm>
+            <a:off x="2987768" y="120356"/>
+            <a:ext cx="414904" cy="376098"/>
+          </a:xfrm>
+          <a:prstGeom prst="roundRect">
+            <a:avLst>
+              <a:gd name="adj" fmla="val 50000"/>
+            </a:avLst>
+          </a:prstGeom>
+          <a:solidFill>
+            <a:schemeClr val="tx1">
+              <a:lumMod val="75000"/>
+              <a:lumOff val="25000"/>
+            </a:schemeClr>
+          </a:solidFill>
+          <a:ln>
+            <a:noFill/>
+          </a:ln>
+        </p:spPr>
+        <p:style>
+          <a:lnRef idx="2">
+            <a:schemeClr val="accent1">
+              <a:shade val="15000"/>
+            </a:schemeClr>
+          </a:lnRef>
+          <a:fillRef idx="1">
+            <a:schemeClr val="accent1"/>
+          </a:fillRef>
+          <a:effectRef idx="0">
+            <a:schemeClr val="accent1"/>
+          </a:effectRef>
+          <a:fontRef idx="minor">
+            <a:schemeClr val="lt1"/>
+          </a:fontRef>
+        </p:style>
+        <p:txBody>
+          <a:bodyPr rtlCol="0" anchor="ctr"/>
+          <a:lstStyle/>
+          <a:p>
+            <a:pPr algn="ctr"/>
+            <a:r>
+              <a:rPr lang="en-US" sz="1600" dirty="0">
+                <a:solidFill>
+                  <a:schemeClr val="tx1">
+                    <a:lumMod val="50000"/>
+                    <a:lumOff val="50000"/>
+                  </a:schemeClr>
+                </a:solidFill>
+                <a:latin typeface="ui-sans-serif"/>
+              </a:rPr>
+              <a:t>7</a:t>
+            </a:r>
+            <a:endParaRPr lang="en-US" sz="1600" dirty="0">
+              <a:solidFill>
+                <a:schemeClr val="tx1">
+                  <a:lumMod val="50000"/>
+                  <a:lumOff val="50000"/>
+                </a:schemeClr>
+              </a:solidFill>
+            </a:endParaRPr>
+          </a:p>
+        </p:txBody>
+      </p:sp>
+      <p:sp>
+        <p:nvSpPr>
+          <p:cNvPr id="9" name="TextBox 8">
+            <a:extLst>
+              <a:ext uri="{FF2B5EF4-FFF2-40B4-BE49-F238E27FC236}">
+                <a16:creationId xmlns:a16="http://schemas.microsoft.com/office/drawing/2014/main" id="{442B40A0-DDF6-5439-E9C3-1A9B0CB7C9DC}"/>
+              </a:ext>
+            </a:extLst>
+          </p:cNvPr>
+          <p:cNvSpPr txBox="1"/>
+          <p:nvPr/>
+        </p:nvSpPr>
+        <p:spPr>
+          <a:xfrm>
+            <a:off x="2317480" y="120356"/>
+            <a:ext cx="816429" cy="400110"/>
+          </a:xfrm>
+          <a:prstGeom prst="rect">
+            <a:avLst/>
+          </a:prstGeom>
+          <a:noFill/>
+        </p:spPr>
+        <p:txBody>
+          <a:bodyPr wrap="square">
+            <a:spAutoFit/>
+          </a:bodyPr>
+          <a:lstStyle/>
+          <a:p>
+            <a:r>
+              <a:rPr lang="ar-AE" sz="2000" dirty="0">
+                <a:solidFill>
+                  <a:schemeClr val="accent6">
+                    <a:lumMod val="75000"/>
+                  </a:schemeClr>
+                </a:solidFill>
+                <a:latin typeface="Amiri"/>
+              </a:rPr>
+              <a:t>الفاتحة</a:t>
+            </a:r>
+            <a:endParaRPr lang="en-US" sz="1400" dirty="0">
+              <a:solidFill>
+                <a:schemeClr val="accent6">
+                  <a:lumMod val="75000"/>
+                </a:schemeClr>
+              </a:solidFill>
+            </a:endParaRPr>
+          </a:p>
+        </p:txBody>
+      </p:sp>
+      <p:sp>
+        <p:nvSpPr>
+          <p:cNvPr id="15" name="Rectangle 14">
+            <a:extLst>
+              <a:ext uri="{FF2B5EF4-FFF2-40B4-BE49-F238E27FC236}">
+                <a16:creationId xmlns:a16="http://schemas.microsoft.com/office/drawing/2014/main" id="{D88E313C-2B20-692A-402D-F9BFEB370B32}"/>
+              </a:ext>
+            </a:extLst>
+          </p:cNvPr>
+          <p:cNvSpPr/>
+          <p:nvPr/>
+        </p:nvSpPr>
+        <p:spPr>
+          <a:xfrm>
+            <a:off x="4050815" y="0"/>
+            <a:ext cx="8141185" cy="6858000"/>
+          </a:xfrm>
+          <a:prstGeom prst="rect">
+            <a:avLst/>
+          </a:prstGeom>
+          <a:solidFill>
+            <a:schemeClr val="tx1">
+              <a:lumMod val="50000"/>
+              <a:lumOff val="50000"/>
+            </a:schemeClr>
+          </a:solidFill>
+        </p:spPr>
+        <p:style>
+          <a:lnRef idx="2">
+            <a:schemeClr val="accent1">
+              <a:shade val="15000"/>
+            </a:schemeClr>
+          </a:lnRef>
+          <a:fillRef idx="1">
+            <a:schemeClr val="accent1"/>
+          </a:fillRef>
+          <a:effectRef idx="0">
+            <a:schemeClr val="accent1"/>
+          </a:effectRef>
+          <a:fontRef idx="minor">
+            <a:schemeClr val="lt1"/>
+          </a:fontRef>
+        </p:style>
+        <p:txBody>
+          <a:bodyPr rtlCol="0" anchor="ctr"/>
+          <a:lstStyle/>
+          <a:p>
+            <a:pPr algn="ctr"/>
+            <a:endParaRPr lang="en-US"/>
+          </a:p>
+        </p:txBody>
+      </p:sp>
+      <p:sp>
+        <p:nvSpPr>
+          <p:cNvPr id="16" name="TextBox 15">
+            <a:extLst>
+              <a:ext uri="{FF2B5EF4-FFF2-40B4-BE49-F238E27FC236}">
+                <a16:creationId xmlns:a16="http://schemas.microsoft.com/office/drawing/2014/main" id="{65FD2F80-367B-75DC-45B5-1CAA7B32D11D}"/>
+              </a:ext>
+            </a:extLst>
+          </p:cNvPr>
+          <p:cNvSpPr txBox="1"/>
+          <p:nvPr/>
+        </p:nvSpPr>
+        <p:spPr>
+          <a:xfrm>
+            <a:off x="7421884" y="2643036"/>
+            <a:ext cx="1848583" cy="1200329"/>
+          </a:xfrm>
+          <a:prstGeom prst="rect">
+            <a:avLst/>
+          </a:prstGeom>
+          <a:noFill/>
+        </p:spPr>
+        <p:txBody>
+          <a:bodyPr wrap="none" rtlCol="0">
+            <a:spAutoFit/>
+          </a:bodyPr>
+          <a:lstStyle/>
+          <a:p>
+            <a:r>
+              <a:rPr lang="en-US" sz="3600" b="1" dirty="0">
+                <a:solidFill>
+                  <a:schemeClr val="bg1"/>
+                </a:solidFill>
+                <a:latin typeface="JetBrains Mono" panose="02000009000000000000" pitchFamily="49" charset="0"/>
+                <a:ea typeface="JetBrains Mono" panose="02000009000000000000" pitchFamily="49" charset="0"/>
+                <a:cs typeface="JetBrains Mono" panose="02000009000000000000" pitchFamily="49" charset="0"/>
+              </a:rPr>
+              <a:t>Mobile</a:t>
+            </a:r>
+          </a:p>
+          <a:p>
+            <a:r>
+              <a:rPr lang="en-US" sz="3600" b="1" dirty="0">
+                <a:solidFill>
+                  <a:schemeClr val="bg1"/>
+                </a:solidFill>
+                <a:latin typeface="JetBrains Mono" panose="02000009000000000000" pitchFamily="49" charset="0"/>
+                <a:ea typeface="JetBrains Mono" panose="02000009000000000000" pitchFamily="49" charset="0"/>
+                <a:cs typeface="JetBrains Mono" panose="02000009000000000000" pitchFamily="49" charset="0"/>
+              </a:rPr>
+              <a:t> View</a:t>
+            </a:r>
+          </a:p>
+        </p:txBody>
+      </p:sp>
+    </p:spTree>
+    <p:extLst>
+      <p:ext uri="{BB962C8B-B14F-4D97-AF65-F5344CB8AC3E}">
+        <p14:creationId xmlns:p14="http://schemas.microsoft.com/office/powerpoint/2010/main" val="2711579038"/>
+      </p:ext>
+    </p:extLst>
+  </p:cSld>
+  <p:clrMapOvr>
+    <a:masterClrMapping/>
+  </p:clrMapOvr>
+</p:sld>
+</file>
+
+<file path=ppt/slides/slide6.xml><?xml version="1.0" encoding="utf-8"?>
+<p:sld xmlns:a="http://schemas.openxmlformats.org/drawingml/2006/main" xmlns:r="http://schemas.openxmlformats.org/officeDocument/2006/relationships" xmlns:p="http://schemas.openxmlformats.org/presentationml/2006/main">
+  <p:cSld>
+    <p:bg>
+      <p:bgPr>
+        <a:solidFill>
+          <a:srgbClr val="161618"/>
+        </a:solidFill>
+        <a:effectLst/>
+      </p:bgPr>
+    </p:bg>
+    <p:spTree>
+      <p:nvGrpSpPr>
+        <p:cNvPr id="1" name="">
+          <a:extLst>
+            <a:ext uri="{FF2B5EF4-FFF2-40B4-BE49-F238E27FC236}">
               <a16:creationId xmlns:a16="http://schemas.microsoft.com/office/drawing/2014/main" id="{0AE98BE3-F77F-229F-7D4A-A332B957A482}"/>
             </a:ext>
           </a:extLst>
@@ -10146,7 +13603,7 @@
 </p:sld>
 </file>
 
-<file path=ppt/slides/slide5.xml><?xml version="1.0" encoding="utf-8"?>
+<file path=ppt/slides/slide7.xml><?xml version="1.0" encoding="utf-8"?>
 <p:sld xmlns:a="http://schemas.openxmlformats.org/drawingml/2006/main" xmlns:r="http://schemas.openxmlformats.org/officeDocument/2006/relationships" xmlns:p="http://schemas.openxmlformats.org/presentationml/2006/main">
   <p:cSld>
     <p:bg>
@@ -10246,7 +13703,7 @@
         </p:nvSpPr>
         <p:spPr>
           <a:xfrm>
-            <a:off x="4050815" y="247426"/>
+            <a:off x="4038602" y="0"/>
             <a:ext cx="8141185" cy="6858000"/>
           </a:xfrm>
           <a:prstGeom prst="rect">
@@ -10672,1073 +14129,6 @@
     <p:extLst>
       <p:ext uri="{BB962C8B-B14F-4D97-AF65-F5344CB8AC3E}">
         <p14:creationId xmlns:p14="http://schemas.microsoft.com/office/powerpoint/2010/main" val="3664201052"/>
-      </p:ext>
-    </p:extLst>
-  </p:cSld>
-  <p:clrMapOvr>
-    <a:masterClrMapping/>
-  </p:clrMapOvr>
-</p:sld>
-</file>
-
-<file path=ppt/slides/slide6.xml><?xml version="1.0" encoding="utf-8"?>
-<p:sld xmlns:a="http://schemas.openxmlformats.org/drawingml/2006/main" xmlns:r="http://schemas.openxmlformats.org/officeDocument/2006/relationships" xmlns:p="http://schemas.openxmlformats.org/presentationml/2006/main">
-  <p:cSld>
-    <p:bg>
-      <p:bgPr>
-        <a:solidFill>
-          <a:srgbClr val="161618"/>
-        </a:solidFill>
-        <a:effectLst/>
-      </p:bgPr>
-    </p:bg>
-    <p:spTree>
-      <p:nvGrpSpPr>
-        <p:cNvPr id="1" name="">
-          <a:extLst>
-            <a:ext uri="{FF2B5EF4-FFF2-40B4-BE49-F238E27FC236}">
-              <a16:creationId xmlns:a16="http://schemas.microsoft.com/office/drawing/2014/main" id="{0FA61C7E-F19C-2FEB-266F-B8F7BE862F4A}"/>
-            </a:ext>
-          </a:extLst>
-        </p:cNvPr>
-        <p:cNvGrpSpPr/>
-        <p:nvPr/>
-      </p:nvGrpSpPr>
-      <p:grpSpPr>
-        <a:xfrm>
-          <a:off x="0" y="0"/>
-          <a:ext cx="0" cy="0"/>
-          <a:chOff x="0" y="0"/>
-          <a:chExt cx="0" cy="0"/>
-        </a:xfrm>
-      </p:grpSpPr>
-      <p:sp>
-        <p:nvSpPr>
-          <p:cNvPr id="4" name="Rectangle 3">
-            <a:extLst>
-              <a:ext uri="{FF2B5EF4-FFF2-40B4-BE49-F238E27FC236}">
-                <a16:creationId xmlns:a16="http://schemas.microsoft.com/office/drawing/2014/main" id="{ACC07A37-4ACE-D72D-EA94-93A41EEFA7DB}"/>
-              </a:ext>
-            </a:extLst>
-          </p:cNvPr>
-          <p:cNvSpPr/>
-          <p:nvPr/>
-        </p:nvSpPr>
-        <p:spPr>
-          <a:xfrm>
-            <a:off x="-1" y="1"/>
-            <a:ext cx="12192001" cy="609600"/>
-          </a:xfrm>
-          <a:prstGeom prst="rect">
-            <a:avLst/>
-          </a:prstGeom>
-          <a:solidFill>
-            <a:schemeClr val="tx1">
-              <a:lumMod val="75000"/>
-              <a:lumOff val="25000"/>
-            </a:schemeClr>
-          </a:solidFill>
-          <a:ln w="6350">
-            <a:noFill/>
-          </a:ln>
-        </p:spPr>
-        <p:style>
-          <a:lnRef idx="2">
-            <a:schemeClr val="accent1">
-              <a:shade val="15000"/>
-            </a:schemeClr>
-          </a:lnRef>
-          <a:fillRef idx="1">
-            <a:schemeClr val="accent1"/>
-          </a:fillRef>
-          <a:effectRef idx="0">
-            <a:schemeClr val="accent1"/>
-          </a:effectRef>
-          <a:fontRef idx="minor">
-            <a:schemeClr val="lt1"/>
-          </a:fontRef>
-        </p:style>
-        <p:txBody>
-          <a:bodyPr rtlCol="0" anchor="ctr"/>
-          <a:lstStyle/>
-          <a:p>
-            <a:pPr algn="ctr"/>
-            <a:endParaRPr lang="en-US" dirty="0"/>
-          </a:p>
-        </p:txBody>
-      </p:sp>
-      <p:sp>
-        <p:nvSpPr>
-          <p:cNvPr id="5" name="TextBox 4">
-            <a:extLst>
-              <a:ext uri="{FF2B5EF4-FFF2-40B4-BE49-F238E27FC236}">
-                <a16:creationId xmlns:a16="http://schemas.microsoft.com/office/drawing/2014/main" id="{E60B949C-9C3D-4D5E-5DD1-2F56E63AFCC0}"/>
-              </a:ext>
-            </a:extLst>
-          </p:cNvPr>
-          <p:cNvSpPr txBox="1"/>
-          <p:nvPr/>
-        </p:nvSpPr>
-        <p:spPr>
-          <a:xfrm>
-            <a:off x="552269" y="115668"/>
-            <a:ext cx="1439818" cy="369332"/>
-          </a:xfrm>
-          <a:prstGeom prst="rect">
-            <a:avLst/>
-          </a:prstGeom>
-          <a:noFill/>
-        </p:spPr>
-        <p:txBody>
-          <a:bodyPr wrap="none" rtlCol="0">
-            <a:spAutoFit/>
-          </a:bodyPr>
-          <a:lstStyle/>
-          <a:p>
-            <a:r>
-              <a:rPr lang="en-US" b="1" dirty="0">
-                <a:solidFill>
-                  <a:schemeClr val="bg1">
-                    <a:lumMod val="75000"/>
-                  </a:schemeClr>
-                </a:solidFill>
-                <a:latin typeface="JetBrains Mono" panose="02000009000000000000" pitchFamily="49" charset="0"/>
-                <a:ea typeface="JetBrains Mono" panose="02000009000000000000" pitchFamily="49" charset="0"/>
-                <a:cs typeface="JetBrains Mono" panose="02000009000000000000" pitchFamily="49" charset="0"/>
-              </a:rPr>
-              <a:t>Al-Qur’an</a:t>
-            </a:r>
-          </a:p>
-        </p:txBody>
-      </p:sp>
-      <p:sp>
-        <p:nvSpPr>
-          <p:cNvPr id="6" name="Rounded Rectangle 5">
-            <a:extLst>
-              <a:ext uri="{FF2B5EF4-FFF2-40B4-BE49-F238E27FC236}">
-                <a16:creationId xmlns:a16="http://schemas.microsoft.com/office/drawing/2014/main" id="{3D607F17-690C-278F-31B8-FAFA8DC5FD3C}"/>
-              </a:ext>
-            </a:extLst>
-          </p:cNvPr>
-          <p:cNvSpPr/>
-          <p:nvPr/>
-        </p:nvSpPr>
-        <p:spPr>
-          <a:xfrm>
-            <a:off x="2612572" y="60070"/>
-            <a:ext cx="6966856" cy="489467"/>
-          </a:xfrm>
-          <a:prstGeom prst="roundRect">
-            <a:avLst>
-              <a:gd name="adj" fmla="val 50000"/>
-            </a:avLst>
-          </a:prstGeom>
-          <a:solidFill>
-            <a:srgbClr val="161618"/>
-          </a:solidFill>
-          <a:ln>
-            <a:noFill/>
-          </a:ln>
-        </p:spPr>
-        <p:style>
-          <a:lnRef idx="2">
-            <a:schemeClr val="accent1">
-              <a:shade val="15000"/>
-            </a:schemeClr>
-          </a:lnRef>
-          <a:fillRef idx="1">
-            <a:schemeClr val="accent1"/>
-          </a:fillRef>
-          <a:effectRef idx="0">
-            <a:schemeClr val="accent1"/>
-          </a:effectRef>
-          <a:fontRef idx="minor">
-            <a:schemeClr val="lt1"/>
-          </a:fontRef>
-        </p:style>
-        <p:txBody>
-          <a:bodyPr rtlCol="0" anchor="ctr"/>
-          <a:lstStyle/>
-          <a:p>
-            <a:pPr algn="ctr"/>
-            <a:endParaRPr lang="en-US"/>
-          </a:p>
-        </p:txBody>
-      </p:sp>
-      <p:sp>
-        <p:nvSpPr>
-          <p:cNvPr id="2" name="TextBox 1">
-            <a:extLst>
-              <a:ext uri="{FF2B5EF4-FFF2-40B4-BE49-F238E27FC236}">
-                <a16:creationId xmlns:a16="http://schemas.microsoft.com/office/drawing/2014/main" id="{26D37614-DA92-FAD3-7D8D-A84BEC28D3B9}"/>
-              </a:ext>
-            </a:extLst>
-          </p:cNvPr>
-          <p:cNvSpPr txBox="1"/>
-          <p:nvPr/>
-        </p:nvSpPr>
-        <p:spPr>
-          <a:xfrm>
-            <a:off x="2862944" y="115669"/>
-            <a:ext cx="1390080" cy="369332"/>
-          </a:xfrm>
-          <a:prstGeom prst="rect">
-            <a:avLst/>
-          </a:prstGeom>
-          <a:noFill/>
-        </p:spPr>
-        <p:txBody>
-          <a:bodyPr wrap="square">
-            <a:spAutoFit/>
-          </a:bodyPr>
-          <a:lstStyle/>
-          <a:p>
-            <a:r>
-              <a:rPr lang="en-US" dirty="0">
-                <a:solidFill>
-                  <a:schemeClr val="bg1">
-                    <a:lumMod val="85000"/>
-                  </a:schemeClr>
-                </a:solidFill>
-                <a:latin typeface="ui-sans-serif"/>
-              </a:rPr>
-              <a:t>Al-Fatihah</a:t>
-            </a:r>
-            <a:endParaRPr lang="en-US" dirty="0">
-              <a:solidFill>
-                <a:schemeClr val="bg1">
-                  <a:lumMod val="85000"/>
-                </a:schemeClr>
-              </a:solidFill>
-            </a:endParaRPr>
-          </a:p>
-        </p:txBody>
-      </p:sp>
-      <p:sp>
-        <p:nvSpPr>
-          <p:cNvPr id="3" name="Rounded Rectangle 2">
-            <a:extLst>
-              <a:ext uri="{FF2B5EF4-FFF2-40B4-BE49-F238E27FC236}">
-                <a16:creationId xmlns:a16="http://schemas.microsoft.com/office/drawing/2014/main" id="{2A7F1B6C-E0DF-0051-BD49-A6381468FB4A}"/>
-              </a:ext>
-            </a:extLst>
-          </p:cNvPr>
-          <p:cNvSpPr/>
-          <p:nvPr/>
-        </p:nvSpPr>
-        <p:spPr>
-          <a:xfrm>
-            <a:off x="8414658" y="118849"/>
-            <a:ext cx="1088573" cy="365760"/>
-          </a:xfrm>
-          <a:prstGeom prst="roundRect">
-            <a:avLst>
-              <a:gd name="adj" fmla="val 50000"/>
-            </a:avLst>
-          </a:prstGeom>
-          <a:solidFill>
-            <a:schemeClr val="tx1">
-              <a:lumMod val="75000"/>
-              <a:lumOff val="25000"/>
-            </a:schemeClr>
-          </a:solidFill>
-          <a:ln>
-            <a:noFill/>
-          </a:ln>
-        </p:spPr>
-        <p:style>
-          <a:lnRef idx="2">
-            <a:schemeClr val="accent1">
-              <a:shade val="15000"/>
-            </a:schemeClr>
-          </a:lnRef>
-          <a:fillRef idx="1">
-            <a:schemeClr val="accent1"/>
-          </a:fillRef>
-          <a:effectRef idx="0">
-            <a:schemeClr val="accent1"/>
-          </a:effectRef>
-          <a:fontRef idx="minor">
-            <a:schemeClr val="lt1"/>
-          </a:fontRef>
-        </p:style>
-        <p:txBody>
-          <a:bodyPr rtlCol="0" anchor="ctr"/>
-          <a:lstStyle/>
-          <a:p>
-            <a:pPr algn="ctr"/>
-            <a:r>
-              <a:rPr lang="en-US" sz="1601" dirty="0">
-                <a:solidFill>
-                  <a:schemeClr val="tx1">
-                    <a:lumMod val="50000"/>
-                    <a:lumOff val="50000"/>
-                  </a:schemeClr>
-                </a:solidFill>
-                <a:latin typeface="ui-sans-serif"/>
-              </a:rPr>
-              <a:t>7 Verses</a:t>
-            </a:r>
-            <a:endParaRPr lang="en-US" sz="1601" dirty="0">
-              <a:solidFill>
-                <a:schemeClr val="tx1">
-                  <a:lumMod val="50000"/>
-                  <a:lumOff val="50000"/>
-                </a:schemeClr>
-              </a:solidFill>
-            </a:endParaRPr>
-          </a:p>
-        </p:txBody>
-      </p:sp>
-      <p:sp>
-        <p:nvSpPr>
-          <p:cNvPr id="9" name="TextBox 8">
-            <a:extLst>
-              <a:ext uri="{FF2B5EF4-FFF2-40B4-BE49-F238E27FC236}">
-                <a16:creationId xmlns:a16="http://schemas.microsoft.com/office/drawing/2014/main" id="{72645CCA-B5F8-FDB1-D5CA-0D84573124CA}"/>
-              </a:ext>
-            </a:extLst>
-          </p:cNvPr>
-          <p:cNvSpPr txBox="1"/>
-          <p:nvPr/>
-        </p:nvSpPr>
-        <p:spPr>
-          <a:xfrm>
-            <a:off x="5540828" y="115671"/>
-            <a:ext cx="816429" cy="461793"/>
-          </a:xfrm>
-          <a:prstGeom prst="rect">
-            <a:avLst/>
-          </a:prstGeom>
-          <a:noFill/>
-        </p:spPr>
-        <p:txBody>
-          <a:bodyPr wrap="square">
-            <a:spAutoFit/>
-          </a:bodyPr>
-          <a:lstStyle/>
-          <a:p>
-            <a:r>
-              <a:rPr lang="ar-AE" sz="2401" dirty="0">
-                <a:solidFill>
-                  <a:schemeClr val="accent6">
-                    <a:lumMod val="75000"/>
-                  </a:schemeClr>
-                </a:solidFill>
-                <a:latin typeface="Amiri"/>
-              </a:rPr>
-              <a:t>الفاتحة</a:t>
-            </a:r>
-            <a:endParaRPr lang="en-US" dirty="0">
-              <a:solidFill>
-                <a:schemeClr val="accent6">
-                  <a:lumMod val="75000"/>
-                </a:schemeClr>
-              </a:solidFill>
-            </a:endParaRPr>
-          </a:p>
-        </p:txBody>
-      </p:sp>
-      <p:pic>
-        <p:nvPicPr>
-          <p:cNvPr id="10" name="Graphic 9" descr="Single gear with solid fill">
-            <a:extLst>
-              <a:ext uri="{FF2B5EF4-FFF2-40B4-BE49-F238E27FC236}">
-                <a16:creationId xmlns:a16="http://schemas.microsoft.com/office/drawing/2014/main" id="{54281594-3E48-EAD2-399A-E1DF616876BB}"/>
-              </a:ext>
-            </a:extLst>
-          </p:cNvPr>
-          <p:cNvPicPr>
-            <a:picLocks noChangeAspect="1"/>
-          </p:cNvPicPr>
-          <p:nvPr/>
-        </p:nvPicPr>
-        <p:blipFill>
-          <a:blip r:embed="rId2">
-            <a:extLst>
-              <a:ext uri="{96DAC541-7B7A-43D3-8B79-37D633B846F1}">
-                <asvg:svgBlip xmlns:asvg="http://schemas.microsoft.com/office/drawing/2016/SVG/main" r:embed="rId3"/>
-              </a:ext>
-            </a:extLst>
-          </a:blip>
-          <a:stretch>
-            <a:fillRect/>
-          </a:stretch>
-        </p:blipFill>
-        <p:spPr>
-          <a:xfrm>
-            <a:off x="11636828" y="54037"/>
-            <a:ext cx="457200" cy="457200"/>
-          </a:xfrm>
-          <a:prstGeom prst="rect">
-            <a:avLst/>
-          </a:prstGeom>
-        </p:spPr>
-      </p:pic>
-      <p:pic>
-        <p:nvPicPr>
-          <p:cNvPr id="11" name="Graphic 10">
-            <a:extLst>
-              <a:ext uri="{FF2B5EF4-FFF2-40B4-BE49-F238E27FC236}">
-                <a16:creationId xmlns:a16="http://schemas.microsoft.com/office/drawing/2014/main" id="{DBAF2174-2EC0-BC60-EB4A-39D39B7DF393}"/>
-              </a:ext>
-            </a:extLst>
-          </p:cNvPr>
-          <p:cNvPicPr>
-            <a:picLocks noChangeAspect="1"/>
-          </p:cNvPicPr>
-          <p:nvPr/>
-        </p:nvPicPr>
-        <p:blipFill>
-          <a:blip r:embed="rId4">
-            <a:extLst>
-              <a:ext uri="{96DAC541-7B7A-43D3-8B79-37D633B846F1}">
-                <asvg:svgBlip xmlns:asvg="http://schemas.microsoft.com/office/drawing/2016/SVG/main" r:embed="rId5"/>
-              </a:ext>
-            </a:extLst>
-          </a:blip>
-          <a:stretch>
-            <a:fillRect/>
-          </a:stretch>
-        </p:blipFill>
-        <p:spPr>
-          <a:xfrm>
-            <a:off x="97972" y="73720"/>
-            <a:ext cx="454297" cy="454297"/>
-          </a:xfrm>
-          <a:prstGeom prst="rect">
-            <a:avLst/>
-          </a:prstGeom>
-        </p:spPr>
-      </p:pic>
-      <p:sp>
-        <p:nvSpPr>
-          <p:cNvPr id="13" name="TextBox 12">
-            <a:extLst>
-              <a:ext uri="{FF2B5EF4-FFF2-40B4-BE49-F238E27FC236}">
-                <a16:creationId xmlns:a16="http://schemas.microsoft.com/office/drawing/2014/main" id="{F32247A3-C1FB-F5B7-336F-DDA33385E421}"/>
-              </a:ext>
-            </a:extLst>
-          </p:cNvPr>
-          <p:cNvSpPr txBox="1"/>
-          <p:nvPr/>
-        </p:nvSpPr>
-        <p:spPr>
-          <a:xfrm>
-            <a:off x="209226" y="5432947"/>
-            <a:ext cx="2125903" cy="1200329"/>
-          </a:xfrm>
-          <a:prstGeom prst="rect">
-            <a:avLst/>
-          </a:prstGeom>
-          <a:noFill/>
-        </p:spPr>
-        <p:txBody>
-          <a:bodyPr wrap="none" rtlCol="0">
-            <a:spAutoFit/>
-          </a:bodyPr>
-          <a:lstStyle/>
-          <a:p>
-            <a:r>
-              <a:rPr lang="en-US" sz="3600" b="1" dirty="0">
-                <a:solidFill>
-                  <a:schemeClr val="bg1">
-                    <a:lumMod val="75000"/>
-                  </a:schemeClr>
-                </a:solidFill>
-                <a:latin typeface="JetBrains Mono" panose="02000009000000000000" pitchFamily="49" charset="0"/>
-                <a:ea typeface="JetBrains Mono" panose="02000009000000000000" pitchFamily="49" charset="0"/>
-                <a:cs typeface="JetBrains Mono" panose="02000009000000000000" pitchFamily="49" charset="0"/>
-              </a:rPr>
-              <a:t>Desktop</a:t>
-            </a:r>
-          </a:p>
-          <a:p>
-            <a:r>
-              <a:rPr lang="en-US" sz="3600" b="1" dirty="0">
-                <a:solidFill>
-                  <a:schemeClr val="bg1">
-                    <a:lumMod val="75000"/>
-                  </a:schemeClr>
-                </a:solidFill>
-                <a:latin typeface="JetBrains Mono" panose="02000009000000000000" pitchFamily="49" charset="0"/>
-                <a:ea typeface="JetBrains Mono" panose="02000009000000000000" pitchFamily="49" charset="0"/>
-                <a:cs typeface="JetBrains Mono" panose="02000009000000000000" pitchFamily="49" charset="0"/>
-              </a:rPr>
-              <a:t> View</a:t>
-            </a:r>
-          </a:p>
-        </p:txBody>
-      </p:sp>
-    </p:spTree>
-    <p:extLst>
-      <p:ext uri="{BB962C8B-B14F-4D97-AF65-F5344CB8AC3E}">
-        <p14:creationId xmlns:p14="http://schemas.microsoft.com/office/powerpoint/2010/main" val="3830082538"/>
-      </p:ext>
-    </p:extLst>
-  </p:cSld>
-  <p:clrMapOvr>
-    <a:masterClrMapping/>
-  </p:clrMapOvr>
-</p:sld>
-</file>
-
-<file path=ppt/slides/slide7.xml><?xml version="1.0" encoding="utf-8"?>
-<p:sld xmlns:a="http://schemas.openxmlformats.org/drawingml/2006/main" xmlns:r="http://schemas.openxmlformats.org/officeDocument/2006/relationships" xmlns:p="http://schemas.openxmlformats.org/presentationml/2006/main">
-  <p:cSld>
-    <p:bg>
-      <p:bgPr>
-        <a:solidFill>
-          <a:srgbClr val="161618"/>
-        </a:solidFill>
-        <a:effectLst/>
-      </p:bgPr>
-    </p:bg>
-    <p:spTree>
-      <p:nvGrpSpPr>
-        <p:cNvPr id="1" name="">
-          <a:extLst>
-            <a:ext uri="{FF2B5EF4-FFF2-40B4-BE49-F238E27FC236}">
-              <a16:creationId xmlns:a16="http://schemas.microsoft.com/office/drawing/2014/main" id="{AB9004CB-D682-0A70-498F-555D2E94A97B}"/>
-            </a:ext>
-          </a:extLst>
-        </p:cNvPr>
-        <p:cNvGrpSpPr/>
-        <p:nvPr/>
-      </p:nvGrpSpPr>
-      <p:grpSpPr>
-        <a:xfrm>
-          <a:off x="0" y="0"/>
-          <a:ext cx="0" cy="0"/>
-          <a:chOff x="0" y="0"/>
-          <a:chExt cx="0" cy="0"/>
-        </a:xfrm>
-      </p:grpSpPr>
-      <p:sp>
-        <p:nvSpPr>
-          <p:cNvPr id="4" name="Rectangle 3">
-            <a:extLst>
-              <a:ext uri="{FF2B5EF4-FFF2-40B4-BE49-F238E27FC236}">
-                <a16:creationId xmlns:a16="http://schemas.microsoft.com/office/drawing/2014/main" id="{A5CC334D-8CC0-5BF8-2052-1B4312155A01}"/>
-              </a:ext>
-            </a:extLst>
-          </p:cNvPr>
-          <p:cNvSpPr/>
-          <p:nvPr/>
-        </p:nvSpPr>
-        <p:spPr>
-          <a:xfrm>
-            <a:off x="0" y="1"/>
-            <a:ext cx="4038604" cy="609600"/>
-          </a:xfrm>
-          <a:prstGeom prst="rect">
-            <a:avLst/>
-          </a:prstGeom>
-          <a:solidFill>
-            <a:schemeClr val="tx1">
-              <a:lumMod val="75000"/>
-              <a:lumOff val="25000"/>
-            </a:schemeClr>
-          </a:solidFill>
-          <a:ln w="6350">
-            <a:noFill/>
-          </a:ln>
-        </p:spPr>
-        <p:style>
-          <a:lnRef idx="2">
-            <a:schemeClr val="accent1">
-              <a:shade val="15000"/>
-            </a:schemeClr>
-          </a:lnRef>
-          <a:fillRef idx="1">
-            <a:schemeClr val="accent1"/>
-          </a:fillRef>
-          <a:effectRef idx="0">
-            <a:schemeClr val="accent1"/>
-          </a:effectRef>
-          <a:fontRef idx="minor">
-            <a:schemeClr val="lt1"/>
-          </a:fontRef>
-        </p:style>
-        <p:txBody>
-          <a:bodyPr rtlCol="0" anchor="ctr"/>
-          <a:lstStyle/>
-          <a:p>
-            <a:pPr algn="ctr"/>
-            <a:endParaRPr lang="en-US" dirty="0"/>
-          </a:p>
-        </p:txBody>
-      </p:sp>
-      <p:sp>
-        <p:nvSpPr>
-          <p:cNvPr id="6" name="Rounded Rectangle 5">
-            <a:extLst>
-              <a:ext uri="{FF2B5EF4-FFF2-40B4-BE49-F238E27FC236}">
-                <a16:creationId xmlns:a16="http://schemas.microsoft.com/office/drawing/2014/main" id="{2E5FF711-1A39-6938-D7A5-BCE12044FB0F}"/>
-              </a:ext>
-            </a:extLst>
-          </p:cNvPr>
-          <p:cNvSpPr/>
-          <p:nvPr/>
-        </p:nvSpPr>
-        <p:spPr>
-          <a:xfrm>
-            <a:off x="589193" y="74636"/>
-            <a:ext cx="2860216" cy="457200"/>
-          </a:xfrm>
-          <a:prstGeom prst="roundRect">
-            <a:avLst>
-              <a:gd name="adj" fmla="val 50000"/>
-            </a:avLst>
-          </a:prstGeom>
-          <a:solidFill>
-            <a:srgbClr val="161618"/>
-          </a:solidFill>
-          <a:ln>
-            <a:noFill/>
-          </a:ln>
-        </p:spPr>
-        <p:style>
-          <a:lnRef idx="2">
-            <a:schemeClr val="accent1">
-              <a:shade val="15000"/>
-            </a:schemeClr>
-          </a:lnRef>
-          <a:fillRef idx="1">
-            <a:schemeClr val="accent1"/>
-          </a:fillRef>
-          <a:effectRef idx="0">
-            <a:schemeClr val="accent1"/>
-          </a:effectRef>
-          <a:fontRef idx="minor">
-            <a:schemeClr val="lt1"/>
-          </a:fontRef>
-        </p:style>
-        <p:txBody>
-          <a:bodyPr rtlCol="0" anchor="ctr"/>
-          <a:lstStyle/>
-          <a:p>
-            <a:pPr algn="ctr"/>
-            <a:endParaRPr lang="en-US" sz="1400" dirty="0">
-              <a:solidFill>
-                <a:schemeClr val="tx1">
-                  <a:lumMod val="75000"/>
-                  <a:lumOff val="25000"/>
-                </a:schemeClr>
-              </a:solidFill>
-            </a:endParaRPr>
-          </a:p>
-        </p:txBody>
-      </p:sp>
-      <p:pic>
-        <p:nvPicPr>
-          <p:cNvPr id="19" name="Graphic 18">
-            <a:extLst>
-              <a:ext uri="{FF2B5EF4-FFF2-40B4-BE49-F238E27FC236}">
-                <a16:creationId xmlns:a16="http://schemas.microsoft.com/office/drawing/2014/main" id="{B3CAB742-96AC-C46F-D324-EB2F108CB753}"/>
-              </a:ext>
-            </a:extLst>
-          </p:cNvPr>
-          <p:cNvPicPr>
-            <a:picLocks noChangeAspect="1"/>
-          </p:cNvPicPr>
-          <p:nvPr/>
-        </p:nvPicPr>
-        <p:blipFill>
-          <a:blip r:embed="rId2">
-            <a:extLst>
-              <a:ext uri="{96DAC541-7B7A-43D3-8B79-37D633B846F1}">
-                <asvg:svgBlip xmlns:asvg="http://schemas.microsoft.com/office/drawing/2016/SVG/main" r:embed="rId3"/>
-              </a:ext>
-            </a:extLst>
-          </a:blip>
-          <a:stretch>
-            <a:fillRect/>
-          </a:stretch>
-        </p:blipFill>
-        <p:spPr>
-          <a:xfrm>
-            <a:off x="64828" y="120356"/>
-            <a:ext cx="365760" cy="365760"/>
-          </a:xfrm>
-          <a:prstGeom prst="rect">
-            <a:avLst/>
-          </a:prstGeom>
-        </p:spPr>
-      </p:pic>
-      <p:sp>
-        <p:nvSpPr>
-          <p:cNvPr id="3" name="Rectangle 2">
-            <a:extLst>
-              <a:ext uri="{FF2B5EF4-FFF2-40B4-BE49-F238E27FC236}">
-                <a16:creationId xmlns:a16="http://schemas.microsoft.com/office/drawing/2014/main" id="{C696C3BB-F4C5-20E9-D9AC-9C53F2D91D3F}"/>
-              </a:ext>
-            </a:extLst>
-          </p:cNvPr>
-          <p:cNvSpPr/>
-          <p:nvPr/>
-        </p:nvSpPr>
-        <p:spPr>
-          <a:xfrm>
-            <a:off x="0" y="0"/>
-            <a:ext cx="4038603" cy="6857999"/>
-          </a:xfrm>
-          <a:prstGeom prst="rect">
-            <a:avLst/>
-          </a:prstGeom>
-          <a:noFill/>
-          <a:ln>
-            <a:solidFill>
-              <a:schemeClr val="bg1"/>
-            </a:solidFill>
-          </a:ln>
-        </p:spPr>
-        <p:style>
-          <a:lnRef idx="2">
-            <a:schemeClr val="accent1">
-              <a:shade val="15000"/>
-            </a:schemeClr>
-          </a:lnRef>
-          <a:fillRef idx="1">
-            <a:schemeClr val="accent1"/>
-          </a:fillRef>
-          <a:effectRef idx="0">
-            <a:schemeClr val="accent1"/>
-          </a:effectRef>
-          <a:fontRef idx="minor">
-            <a:schemeClr val="lt1"/>
-          </a:fontRef>
-        </p:style>
-        <p:txBody>
-          <a:bodyPr rtlCol="0" anchor="ctr"/>
-          <a:lstStyle/>
-          <a:p>
-            <a:pPr algn="ctr"/>
-            <a:endParaRPr lang="en-US"/>
-          </a:p>
-        </p:txBody>
-      </p:sp>
-      <p:pic>
-        <p:nvPicPr>
-          <p:cNvPr id="5" name="Graphic 4" descr="Single gear with solid fill">
-            <a:extLst>
-              <a:ext uri="{FF2B5EF4-FFF2-40B4-BE49-F238E27FC236}">
-                <a16:creationId xmlns:a16="http://schemas.microsoft.com/office/drawing/2014/main" id="{3ABC261E-84AC-3A44-579B-D894BF6748C5}"/>
-              </a:ext>
-            </a:extLst>
-          </p:cNvPr>
-          <p:cNvPicPr>
-            <a:picLocks noChangeAspect="1"/>
-          </p:cNvPicPr>
-          <p:nvPr/>
-        </p:nvPicPr>
-        <p:blipFill>
-          <a:blip r:embed="rId4">
-            <a:extLst>
-              <a:ext uri="{96DAC541-7B7A-43D3-8B79-37D633B846F1}">
-                <asvg:svgBlip xmlns:asvg="http://schemas.microsoft.com/office/drawing/2016/SVG/main" r:embed="rId5"/>
-              </a:ext>
-            </a:extLst>
-          </a:blip>
-          <a:stretch>
-            <a:fillRect/>
-          </a:stretch>
-        </p:blipFill>
-        <p:spPr>
-          <a:xfrm>
-            <a:off x="3620226" y="120356"/>
-            <a:ext cx="365760" cy="365760"/>
-          </a:xfrm>
-          <a:prstGeom prst="rect">
-            <a:avLst/>
-          </a:prstGeom>
-        </p:spPr>
-      </p:pic>
-      <p:sp>
-        <p:nvSpPr>
-          <p:cNvPr id="7" name="TextBox 6">
-            <a:extLst>
-              <a:ext uri="{FF2B5EF4-FFF2-40B4-BE49-F238E27FC236}">
-                <a16:creationId xmlns:a16="http://schemas.microsoft.com/office/drawing/2014/main" id="{1D59232F-8CB2-338C-E8EB-9AA07B33DB4A}"/>
-              </a:ext>
-            </a:extLst>
-          </p:cNvPr>
-          <p:cNvSpPr txBox="1"/>
-          <p:nvPr/>
-        </p:nvSpPr>
-        <p:spPr>
-          <a:xfrm>
-            <a:off x="589192" y="127378"/>
-            <a:ext cx="1390080" cy="338554"/>
-          </a:xfrm>
-          <a:prstGeom prst="rect">
-            <a:avLst/>
-          </a:prstGeom>
-          <a:noFill/>
-        </p:spPr>
-        <p:txBody>
-          <a:bodyPr wrap="square">
-            <a:spAutoFit/>
-          </a:bodyPr>
-          <a:lstStyle/>
-          <a:p>
-            <a:r>
-              <a:rPr lang="en-US" sz="1600" dirty="0">
-                <a:solidFill>
-                  <a:schemeClr val="bg1">
-                    <a:lumMod val="85000"/>
-                  </a:schemeClr>
-                </a:solidFill>
-                <a:latin typeface="ui-sans-serif"/>
-              </a:rPr>
-              <a:t>Al-Fatihah</a:t>
-            </a:r>
-            <a:endParaRPr lang="en-US" sz="1400" dirty="0">
-              <a:solidFill>
-                <a:schemeClr val="bg1">
-                  <a:lumMod val="85000"/>
-                </a:schemeClr>
-              </a:solidFill>
-            </a:endParaRPr>
-          </a:p>
-        </p:txBody>
-      </p:sp>
-      <p:sp>
-        <p:nvSpPr>
-          <p:cNvPr id="8" name="Rounded Rectangle 7">
-            <a:extLst>
-              <a:ext uri="{FF2B5EF4-FFF2-40B4-BE49-F238E27FC236}">
-                <a16:creationId xmlns:a16="http://schemas.microsoft.com/office/drawing/2014/main" id="{1D8E0B05-679D-1BC7-41CF-87CBB9C885C2}"/>
-              </a:ext>
-            </a:extLst>
-          </p:cNvPr>
-          <p:cNvSpPr/>
-          <p:nvPr/>
-        </p:nvSpPr>
-        <p:spPr>
-          <a:xfrm>
-            <a:off x="2987768" y="120356"/>
-            <a:ext cx="414904" cy="376098"/>
-          </a:xfrm>
-          <a:prstGeom prst="roundRect">
-            <a:avLst>
-              <a:gd name="adj" fmla="val 50000"/>
-            </a:avLst>
-          </a:prstGeom>
-          <a:solidFill>
-            <a:schemeClr val="tx1">
-              <a:lumMod val="75000"/>
-              <a:lumOff val="25000"/>
-            </a:schemeClr>
-          </a:solidFill>
-          <a:ln>
-            <a:noFill/>
-          </a:ln>
-        </p:spPr>
-        <p:style>
-          <a:lnRef idx="2">
-            <a:schemeClr val="accent1">
-              <a:shade val="15000"/>
-            </a:schemeClr>
-          </a:lnRef>
-          <a:fillRef idx="1">
-            <a:schemeClr val="accent1"/>
-          </a:fillRef>
-          <a:effectRef idx="0">
-            <a:schemeClr val="accent1"/>
-          </a:effectRef>
-          <a:fontRef idx="minor">
-            <a:schemeClr val="lt1"/>
-          </a:fontRef>
-        </p:style>
-        <p:txBody>
-          <a:bodyPr rtlCol="0" anchor="ctr"/>
-          <a:lstStyle/>
-          <a:p>
-            <a:pPr algn="ctr"/>
-            <a:r>
-              <a:rPr lang="en-US" sz="1600" dirty="0">
-                <a:solidFill>
-                  <a:schemeClr val="tx1">
-                    <a:lumMod val="50000"/>
-                    <a:lumOff val="50000"/>
-                  </a:schemeClr>
-                </a:solidFill>
-                <a:latin typeface="ui-sans-serif"/>
-              </a:rPr>
-              <a:t>7</a:t>
-            </a:r>
-            <a:endParaRPr lang="en-US" sz="1600" dirty="0">
-              <a:solidFill>
-                <a:schemeClr val="tx1">
-                  <a:lumMod val="50000"/>
-                  <a:lumOff val="50000"/>
-                </a:schemeClr>
-              </a:solidFill>
-            </a:endParaRPr>
-          </a:p>
-        </p:txBody>
-      </p:sp>
-      <p:sp>
-        <p:nvSpPr>
-          <p:cNvPr id="9" name="TextBox 8">
-            <a:extLst>
-              <a:ext uri="{FF2B5EF4-FFF2-40B4-BE49-F238E27FC236}">
-                <a16:creationId xmlns:a16="http://schemas.microsoft.com/office/drawing/2014/main" id="{442B40A0-DDF6-5439-E9C3-1A9B0CB7C9DC}"/>
-              </a:ext>
-            </a:extLst>
-          </p:cNvPr>
-          <p:cNvSpPr txBox="1"/>
-          <p:nvPr/>
-        </p:nvSpPr>
-        <p:spPr>
-          <a:xfrm>
-            <a:off x="1656466" y="120356"/>
-            <a:ext cx="816429" cy="400110"/>
-          </a:xfrm>
-          <a:prstGeom prst="rect">
-            <a:avLst/>
-          </a:prstGeom>
-          <a:noFill/>
-        </p:spPr>
-        <p:txBody>
-          <a:bodyPr wrap="square">
-            <a:spAutoFit/>
-          </a:bodyPr>
-          <a:lstStyle/>
-          <a:p>
-            <a:r>
-              <a:rPr lang="ar-AE" sz="2000" dirty="0">
-                <a:solidFill>
-                  <a:schemeClr val="accent6">
-                    <a:lumMod val="75000"/>
-                  </a:schemeClr>
-                </a:solidFill>
-                <a:latin typeface="Amiri"/>
-              </a:rPr>
-              <a:t>الفاتحة</a:t>
-            </a:r>
-            <a:endParaRPr lang="en-US" sz="1400" dirty="0">
-              <a:solidFill>
-                <a:schemeClr val="accent6">
-                  <a:lumMod val="75000"/>
-                </a:schemeClr>
-              </a:solidFill>
-            </a:endParaRPr>
-          </a:p>
-        </p:txBody>
-      </p:sp>
-      <p:sp>
-        <p:nvSpPr>
-          <p:cNvPr id="15" name="Rectangle 14">
-            <a:extLst>
-              <a:ext uri="{FF2B5EF4-FFF2-40B4-BE49-F238E27FC236}">
-                <a16:creationId xmlns:a16="http://schemas.microsoft.com/office/drawing/2014/main" id="{D88E313C-2B20-692A-402D-F9BFEB370B32}"/>
-              </a:ext>
-            </a:extLst>
-          </p:cNvPr>
-          <p:cNvSpPr/>
-          <p:nvPr/>
-        </p:nvSpPr>
-        <p:spPr>
-          <a:xfrm>
-            <a:off x="4050815" y="0"/>
-            <a:ext cx="8141185" cy="6858000"/>
-          </a:xfrm>
-          <a:prstGeom prst="rect">
-            <a:avLst/>
-          </a:prstGeom>
-          <a:solidFill>
-            <a:schemeClr val="tx1">
-              <a:lumMod val="50000"/>
-              <a:lumOff val="50000"/>
-            </a:schemeClr>
-          </a:solidFill>
-        </p:spPr>
-        <p:style>
-          <a:lnRef idx="2">
-            <a:schemeClr val="accent1">
-              <a:shade val="15000"/>
-            </a:schemeClr>
-          </a:lnRef>
-          <a:fillRef idx="1">
-            <a:schemeClr val="accent1"/>
-          </a:fillRef>
-          <a:effectRef idx="0">
-            <a:schemeClr val="accent1"/>
-          </a:effectRef>
-          <a:fontRef idx="minor">
-            <a:schemeClr val="lt1"/>
-          </a:fontRef>
-        </p:style>
-        <p:txBody>
-          <a:bodyPr rtlCol="0" anchor="ctr"/>
-          <a:lstStyle/>
-          <a:p>
-            <a:pPr algn="ctr"/>
-            <a:endParaRPr lang="en-US"/>
-          </a:p>
-        </p:txBody>
-      </p:sp>
-      <p:sp>
-        <p:nvSpPr>
-          <p:cNvPr id="16" name="TextBox 15">
-            <a:extLst>
-              <a:ext uri="{FF2B5EF4-FFF2-40B4-BE49-F238E27FC236}">
-                <a16:creationId xmlns:a16="http://schemas.microsoft.com/office/drawing/2014/main" id="{65FD2F80-367B-75DC-45B5-1CAA7B32D11D}"/>
-              </a:ext>
-            </a:extLst>
-          </p:cNvPr>
-          <p:cNvSpPr txBox="1"/>
-          <p:nvPr/>
-        </p:nvSpPr>
-        <p:spPr>
-          <a:xfrm>
-            <a:off x="7421884" y="2643036"/>
-            <a:ext cx="1848583" cy="1200329"/>
-          </a:xfrm>
-          <a:prstGeom prst="rect">
-            <a:avLst/>
-          </a:prstGeom>
-          <a:noFill/>
-        </p:spPr>
-        <p:txBody>
-          <a:bodyPr wrap="none" rtlCol="0">
-            <a:spAutoFit/>
-          </a:bodyPr>
-          <a:lstStyle/>
-          <a:p>
-            <a:r>
-              <a:rPr lang="en-US" sz="3600" b="1" dirty="0">
-                <a:solidFill>
-                  <a:schemeClr val="bg1"/>
-                </a:solidFill>
-                <a:latin typeface="JetBrains Mono" panose="02000009000000000000" pitchFamily="49" charset="0"/>
-                <a:ea typeface="JetBrains Mono" panose="02000009000000000000" pitchFamily="49" charset="0"/>
-                <a:cs typeface="JetBrains Mono" panose="02000009000000000000" pitchFamily="49" charset="0"/>
-              </a:rPr>
-              <a:t>Mobile</a:t>
-            </a:r>
-          </a:p>
-          <a:p>
-            <a:r>
-              <a:rPr lang="en-US" sz="3600" b="1" dirty="0">
-                <a:solidFill>
-                  <a:schemeClr val="bg1"/>
-                </a:solidFill>
-                <a:latin typeface="JetBrains Mono" panose="02000009000000000000" pitchFamily="49" charset="0"/>
-                <a:ea typeface="JetBrains Mono" panose="02000009000000000000" pitchFamily="49" charset="0"/>
-                <a:cs typeface="JetBrains Mono" panose="02000009000000000000" pitchFamily="49" charset="0"/>
-              </a:rPr>
-              <a:t> View</a:t>
-            </a:r>
-          </a:p>
-        </p:txBody>
-      </p:sp>
-    </p:spTree>
-    <p:extLst>
-      <p:ext uri="{BB962C8B-B14F-4D97-AF65-F5344CB8AC3E}">
-        <p14:creationId xmlns:p14="http://schemas.microsoft.com/office/powerpoint/2010/main" val="2711579038"/>
       </p:ext>
     </p:extLst>
   </p:cSld>
@@ -14942,7 +17332,7 @@
         </p:nvCxnSpPr>
         <p:spPr>
           <a:xfrm flipH="1">
-            <a:off x="1101145" y="2005510"/>
+            <a:off x="1224174" y="4516122"/>
             <a:ext cx="34424" cy="2253742"/>
           </a:xfrm>
           <a:prstGeom prst="line">
